--- a/Formation de formateur.pptx
+++ b/Formation de formateur.pptx
@@ -208,7 +208,7 @@
           <a:p>
             <a:fld id="{40E7BC13-EF80-437B-A759-6158F4DAF95C}" type="datetimeFigureOut">
               <a:rPr lang="fr-FR" smtClean="0"/>
-              <a:t>14/10/2020</a:t>
+              <a:t>30/11/2020</a:t>
             </a:fld>
             <a:endParaRPr lang="fr-FR"/>
           </a:p>
@@ -622,7 +622,7 @@
           <a:p>
             <a:fld id="{C955F856-DB7D-429D-BB0A-82C5CA6E1B44}" type="datetime1">
               <a:rPr lang="fr-FR" smtClean="0"/>
-              <a:t>14/10/2020</a:t>
+              <a:t>30/11/2020</a:t>
             </a:fld>
             <a:endParaRPr lang="fr-FR"/>
           </a:p>
@@ -820,7 +820,7 @@
           <a:p>
             <a:fld id="{93AA34FB-F989-4D70-8967-248B8FE05E14}" type="datetime1">
               <a:rPr lang="fr-FR" smtClean="0"/>
-              <a:t>14/10/2020</a:t>
+              <a:t>30/11/2020</a:t>
             </a:fld>
             <a:endParaRPr lang="fr-FR"/>
           </a:p>
@@ -1028,7 +1028,7 @@
           <a:p>
             <a:fld id="{2F0153E3-7B69-47D3-8715-C2AB887F8B21}" type="datetime1">
               <a:rPr lang="fr-FR" smtClean="0"/>
-              <a:t>14/10/2020</a:t>
+              <a:t>30/11/2020</a:t>
             </a:fld>
             <a:endParaRPr lang="fr-FR"/>
           </a:p>
@@ -1226,7 +1226,7 @@
           <a:p>
             <a:fld id="{7AA3A4D9-0224-4F5F-81CE-D8B1C6C5EBA2}" type="datetime1">
               <a:rPr lang="fr-FR" smtClean="0"/>
-              <a:t>14/10/2020</a:t>
+              <a:t>30/11/2020</a:t>
             </a:fld>
             <a:endParaRPr lang="fr-FR"/>
           </a:p>
@@ -1501,7 +1501,7 @@
           <a:p>
             <a:fld id="{B4D6C897-CABA-46B2-BA34-E1F31C931172}" type="datetime1">
               <a:rPr lang="fr-FR" smtClean="0"/>
-              <a:t>14/10/2020</a:t>
+              <a:t>30/11/2020</a:t>
             </a:fld>
             <a:endParaRPr lang="fr-FR"/>
           </a:p>
@@ -1766,7 +1766,7 @@
           <a:p>
             <a:fld id="{0E578919-1A12-4588-988F-DA9E4CBD798D}" type="datetime1">
               <a:rPr lang="fr-FR" smtClean="0"/>
-              <a:t>14/10/2020</a:t>
+              <a:t>30/11/2020</a:t>
             </a:fld>
             <a:endParaRPr lang="fr-FR"/>
           </a:p>
@@ -2178,7 +2178,7 @@
           <a:p>
             <a:fld id="{A8B92751-DCF1-463A-BF8D-439E3F132E33}" type="datetime1">
               <a:rPr lang="fr-FR" smtClean="0"/>
-              <a:t>14/10/2020</a:t>
+              <a:t>30/11/2020</a:t>
             </a:fld>
             <a:endParaRPr lang="fr-FR"/>
           </a:p>
@@ -2319,7 +2319,7 @@
           <a:p>
             <a:fld id="{AAA159D9-A1B8-4ADE-97A7-986761ED22F6}" type="datetime1">
               <a:rPr lang="fr-FR" smtClean="0"/>
-              <a:t>14/10/2020</a:t>
+              <a:t>30/11/2020</a:t>
             </a:fld>
             <a:endParaRPr lang="fr-FR"/>
           </a:p>
@@ -2432,7 +2432,7 @@
           <a:p>
             <a:fld id="{FD68B437-B1C0-4353-B143-55FA805A8AB4}" type="datetime1">
               <a:rPr lang="fr-FR" smtClean="0"/>
-              <a:t>14/10/2020</a:t>
+              <a:t>30/11/2020</a:t>
             </a:fld>
             <a:endParaRPr lang="fr-FR"/>
           </a:p>
@@ -2743,7 +2743,7 @@
           <a:p>
             <a:fld id="{06CD109D-AFE8-47A6-A600-A815C1DD1BF3}" type="datetime1">
               <a:rPr lang="fr-FR" smtClean="0"/>
-              <a:t>14/10/2020</a:t>
+              <a:t>30/11/2020</a:t>
             </a:fld>
             <a:endParaRPr lang="fr-FR"/>
           </a:p>
@@ -3031,7 +3031,7 @@
           <a:p>
             <a:fld id="{6F434BBF-B85A-469C-ABC5-8DDCA5E2311D}" type="datetime1">
               <a:rPr lang="fr-FR" smtClean="0"/>
-              <a:t>14/10/2020</a:t>
+              <a:t>30/11/2020</a:t>
             </a:fld>
             <a:endParaRPr lang="fr-FR"/>
           </a:p>
@@ -3272,7 +3272,7 @@
           <a:p>
             <a:fld id="{351C3EB0-5D86-4B09-B954-C6421A91322A}" type="datetime1">
               <a:rPr lang="fr-FR" smtClean="0"/>
-              <a:t>14/10/2020</a:t>
+              <a:t>30/11/2020</a:t>
             </a:fld>
             <a:endParaRPr lang="fr-FR"/>
           </a:p>
@@ -8484,12 +8484,41 @@
           </a:p>
         </p:txBody>
       </p:sp>
+      <p:sp>
+        <p:nvSpPr>
+          <p:cNvPr id="29" name="Espace réservé du numéro de diapositive 28">
+            <a:extLst>
+              <a:ext uri="{FF2B5EF4-FFF2-40B4-BE49-F238E27FC236}">
+                <a16:creationId xmlns:a16="http://schemas.microsoft.com/office/drawing/2014/main" id="{51E4235E-F4B0-4B46-A823-C0C277102B2C}"/>
+              </a:ext>
+            </a:extLst>
+          </p:cNvPr>
+          <p:cNvSpPr>
+            <a:spLocks noGrp="1"/>
+          </p:cNvSpPr>
+          <p:nvPr>
+            <p:ph type="sldNum" sz="quarter" idx="12"/>
+          </p:nvPr>
+        </p:nvSpPr>
+        <p:spPr/>
+        <p:txBody>
+          <a:bodyPr/>
+          <a:lstStyle/>
+          <a:p>
+            <a:fld id="{F8323CC4-5E62-4ADB-BC7C-89B23C89378E}" type="slidenum">
+              <a:rPr lang="fr-FR" smtClean="0"/>
+              <a:t>4</a:t>
+            </a:fld>
+            <a:endParaRPr lang="fr-FR"/>
+          </a:p>
+        </p:txBody>
+      </p:sp>
       <p:pic>
         <p:nvPicPr>
-          <p:cNvPr id="27" name="Image 26">
-            <a:extLst>
-              <a:ext uri="{FF2B5EF4-FFF2-40B4-BE49-F238E27FC236}">
-                <a16:creationId xmlns:a16="http://schemas.microsoft.com/office/drawing/2014/main" id="{F5E26D12-D06A-4145-A34B-66B6DEAE9B50}"/>
+          <p:cNvPr id="5" name="Image 4">
+            <a:extLst>
+              <a:ext uri="{FF2B5EF4-FFF2-40B4-BE49-F238E27FC236}">
+                <a16:creationId xmlns:a16="http://schemas.microsoft.com/office/drawing/2014/main" id="{373E0080-B510-4866-96D2-7E701A5A1A8E}"/>
               </a:ext>
             </a:extLst>
           </p:cNvPr>
@@ -8512,43 +8541,14 @@
         </p:blipFill>
         <p:spPr>
           <a:xfrm>
-            <a:off x="2260927" y="3429000"/>
-            <a:ext cx="7118205" cy="3336659"/>
+            <a:off x="2418344" y="3597275"/>
+            <a:ext cx="6315075" cy="3124200"/>
           </a:xfrm>
           <a:prstGeom prst="rect">
             <a:avLst/>
           </a:prstGeom>
         </p:spPr>
       </p:pic>
-      <p:sp>
-        <p:nvSpPr>
-          <p:cNvPr id="29" name="Espace réservé du numéro de diapositive 28">
-            <a:extLst>
-              <a:ext uri="{FF2B5EF4-FFF2-40B4-BE49-F238E27FC236}">
-                <a16:creationId xmlns:a16="http://schemas.microsoft.com/office/drawing/2014/main" id="{51E4235E-F4B0-4B46-A823-C0C277102B2C}"/>
-              </a:ext>
-            </a:extLst>
-          </p:cNvPr>
-          <p:cNvSpPr>
-            <a:spLocks noGrp="1"/>
-          </p:cNvSpPr>
-          <p:nvPr>
-            <p:ph type="sldNum" sz="quarter" idx="12"/>
-          </p:nvPr>
-        </p:nvSpPr>
-        <p:spPr/>
-        <p:txBody>
-          <a:bodyPr/>
-          <a:lstStyle/>
-          <a:p>
-            <a:fld id="{F8323CC4-5E62-4ADB-BC7C-89B23C89378E}" type="slidenum">
-              <a:rPr lang="fr-FR" smtClean="0"/>
-              <a:t>4</a:t>
-            </a:fld>
-            <a:endParaRPr lang="fr-FR"/>
-          </a:p>
-        </p:txBody>
-      </p:sp>
     </p:spTree>
     <p:extLst>
       <p:ext uri="{BB962C8B-B14F-4D97-AF65-F5344CB8AC3E}">

--- a/Formation de formateur.pptx
+++ b/Formation de formateur.pptx
@@ -9150,41 +9150,6 @@
       </p:sp>
       <p:sp>
         <p:nvSpPr>
-          <p:cNvPr id="3" name="Espace réservé du contenu 2">
-            <a:extLst>
-              <a:ext uri="{FF2B5EF4-FFF2-40B4-BE49-F238E27FC236}">
-                <a16:creationId xmlns:a16="http://schemas.microsoft.com/office/drawing/2014/main" id="{DE63257B-B2F0-42E9-812B-F0552352AD4C}"/>
-              </a:ext>
-            </a:extLst>
-          </p:cNvPr>
-          <p:cNvSpPr>
-            <a:spLocks noGrp="1"/>
-          </p:cNvSpPr>
-          <p:nvPr>
-            <p:ph idx="1"/>
-          </p:nvPr>
-        </p:nvSpPr>
-        <p:spPr>
-          <a:xfrm>
-            <a:off x="1367624" y="2490436"/>
-            <a:ext cx="9708995" cy="3567173"/>
-          </a:xfrm>
-        </p:spPr>
-        <p:txBody>
-          <a:bodyPr anchor="ctr">
-            <a:normAutofit/>
-          </a:bodyPr>
-          <a:lstStyle/>
-          <a:p>
-            <a:r>
-              <a:rPr lang="fr-FR" sz="2400" dirty="0"/>
-              <a:t>Image</a:t>
-            </a:r>
-          </a:p>
-        </p:txBody>
-      </p:sp>
-      <p:sp>
-        <p:nvSpPr>
           <p:cNvPr id="4" name="Espace réservé du numéro de diapositive 3">
             <a:extLst>
               <a:ext uri="{FF2B5EF4-FFF2-40B4-BE49-F238E27FC236}">
@@ -9212,6 +9177,42 @@
           </a:p>
         </p:txBody>
       </p:sp>
+      <p:pic>
+        <p:nvPicPr>
+          <p:cNvPr id="9" name="Image 8">
+            <a:extLst>
+              <a:ext uri="{FF2B5EF4-FFF2-40B4-BE49-F238E27FC236}">
+                <a16:creationId xmlns:a16="http://schemas.microsoft.com/office/drawing/2014/main" id="{4BDEAF63-58C3-4AFC-BFAD-9BBFA01E10D7}"/>
+              </a:ext>
+            </a:extLst>
+          </p:cNvPr>
+          <p:cNvPicPr>
+            <a:picLocks noChangeAspect="1"/>
+          </p:cNvPicPr>
+          <p:nvPr/>
+        </p:nvPicPr>
+        <p:blipFill>
+          <a:blip r:embed="rId2">
+            <a:extLst>
+              <a:ext uri="{28A0092B-C50C-407E-A947-70E740481C1C}">
+                <a14:useLocalDpi xmlns:a14="http://schemas.microsoft.com/office/drawing/2010/main" val="0"/>
+              </a:ext>
+            </a:extLst>
+          </a:blip>
+          <a:stretch>
+            <a:fillRect/>
+          </a:stretch>
+        </p:blipFill>
+        <p:spPr>
+          <a:xfrm>
+            <a:off x="2355274" y="2757981"/>
+            <a:ext cx="6620232" cy="3427496"/>
+          </a:xfrm>
+          <a:prstGeom prst="rect">
+            <a:avLst/>
+          </a:prstGeom>
+        </p:spPr>
+      </p:pic>
     </p:spTree>
     <p:extLst>
       <p:ext uri="{BB962C8B-B14F-4D97-AF65-F5344CB8AC3E}">

--- a/Formation de formateur.pptx
+++ b/Formation de formateur.pptx
@@ -5,7 +5,7 @@
     <p:sldMasterId id="2147483648" r:id="rId1"/>
   </p:sldMasterIdLst>
   <p:notesMasterIdLst>
-    <p:notesMasterId r:id="rId14"/>
+    <p:notesMasterId r:id="rId16"/>
   </p:notesMasterIdLst>
   <p:sldIdLst>
     <p:sldId id="256" r:id="rId2"/>
@@ -20,6 +20,8 @@
     <p:sldId id="262" r:id="rId11"/>
     <p:sldId id="265" r:id="rId12"/>
     <p:sldId id="266" r:id="rId13"/>
+    <p:sldId id="270" r:id="rId14"/>
+    <p:sldId id="271" r:id="rId15"/>
   </p:sldIdLst>
   <p:sldSz cx="12192000" cy="6858000"/>
   <p:notesSz cx="6858000" cy="9144000"/>
@@ -6374,6 +6376,1584 @@
     <p:extLst>
       <p:ext uri="{BB962C8B-B14F-4D97-AF65-F5344CB8AC3E}">
         <p14:creationId xmlns:p14="http://schemas.microsoft.com/office/powerpoint/2010/main" val="3882327423"/>
+      </p:ext>
+    </p:extLst>
+  </p:cSld>
+  <p:clrMapOvr>
+    <a:masterClrMapping/>
+  </p:clrMapOvr>
+</p:sld>
+</file>
+
+<file path=ppt/slides/slide13.xml><?xml version="1.0" encoding="utf-8"?>
+<p:sld xmlns:a="http://schemas.openxmlformats.org/drawingml/2006/main" xmlns:r="http://schemas.openxmlformats.org/officeDocument/2006/relationships" xmlns:p="http://schemas.openxmlformats.org/presentationml/2006/main">
+  <p:cSld>
+    <p:bg>
+      <p:bgPr>
+        <a:solidFill>
+          <a:schemeClr val="bg1"/>
+        </a:solidFill>
+        <a:effectLst/>
+      </p:bgPr>
+    </p:bg>
+    <p:spTree>
+      <p:nvGrpSpPr>
+        <p:cNvPr id="1" name=""/>
+        <p:cNvGrpSpPr/>
+        <p:nvPr/>
+      </p:nvGrpSpPr>
+      <p:grpSpPr>
+        <a:xfrm>
+          <a:off x="0" y="0"/>
+          <a:ext cx="0" cy="0"/>
+          <a:chOff x="0" y="0"/>
+          <a:chExt cx="0" cy="0"/>
+        </a:xfrm>
+      </p:grpSpPr>
+      <p:sp useBgFill="1">
+        <p:nvSpPr>
+          <p:cNvPr id="8" name="Rectangle 7">
+            <a:extLst>
+              <a:ext uri="{FF2B5EF4-FFF2-40B4-BE49-F238E27FC236}">
+                <a16:creationId xmlns:a16="http://schemas.microsoft.com/office/drawing/2014/main" id="{827B839B-9ADE-406B-8590-F1CAEDED45A1}"/>
+              </a:ext>
+              <a:ext uri="{C183D7F6-B498-43B3-948B-1728B52AA6E4}">
+                <adec:decorative xmlns:adec="http://schemas.microsoft.com/office/drawing/2017/decorative" val="1"/>
+              </a:ext>
+            </a:extLst>
+          </p:cNvPr>
+          <p:cNvSpPr>
+            <a:spLocks noGrp="1" noRot="1" noChangeAspect="1" noMove="1" noResize="1" noEditPoints="1" noAdjustHandles="1" noChangeArrowheads="1" noChangeShapeType="1" noTextEdit="1"/>
+          </p:cNvSpPr>
+          <p:nvPr>
+            <p:extLst>
+              <p:ext uri="{386F3935-93C4-4BCD-93E2-E3B085C9AB24}">
+                <p16:designElem xmlns:p16="http://schemas.microsoft.com/office/powerpoint/2015/main" val="1"/>
+              </p:ext>
+            </p:extLst>
+          </p:nvPr>
+        </p:nvSpPr>
+        <p:spPr>
+          <a:xfrm>
+            <a:off x="0" y="0"/>
+            <a:ext cx="12188952" cy="6858000"/>
+          </a:xfrm>
+          <a:prstGeom prst="rect">
+            <a:avLst/>
+          </a:prstGeom>
+          <a:ln>
+            <a:noFill/>
+          </a:ln>
+        </p:spPr>
+        <p:style>
+          <a:lnRef idx="2">
+            <a:schemeClr val="accent1">
+              <a:shade val="50000"/>
+            </a:schemeClr>
+          </a:lnRef>
+          <a:fillRef idx="1">
+            <a:schemeClr val="accent1"/>
+          </a:fillRef>
+          <a:effectRef idx="0">
+            <a:schemeClr val="accent1"/>
+          </a:effectRef>
+          <a:fontRef idx="minor">
+            <a:schemeClr val="lt1"/>
+          </a:fontRef>
+        </p:style>
+        <p:txBody>
+          <a:bodyPr rtlCol="0" anchor="ctr"/>
+          <a:lstStyle/>
+          <a:p>
+            <a:pPr algn="ctr"/>
+            <a:endParaRPr lang="en-US"/>
+          </a:p>
+        </p:txBody>
+      </p:sp>
+      <p:sp>
+        <p:nvSpPr>
+          <p:cNvPr id="10" name="Freeform 45">
+            <a:extLst>
+              <a:ext uri="{FF2B5EF4-FFF2-40B4-BE49-F238E27FC236}">
+                <a16:creationId xmlns:a16="http://schemas.microsoft.com/office/drawing/2014/main" id="{CFE45BF0-46DB-408C-B5F7-7B11716805D4}"/>
+              </a:ext>
+              <a:ext uri="{C183D7F6-B498-43B3-948B-1728B52AA6E4}">
+                <adec:decorative xmlns:adec="http://schemas.microsoft.com/office/drawing/2017/decorative" val="1"/>
+              </a:ext>
+            </a:extLst>
+          </p:cNvPr>
+          <p:cNvSpPr>
+            <a:spLocks noGrp="1" noRot="1" noChangeAspect="1" noMove="1" noResize="1" noEditPoints="1" noAdjustHandles="1" noChangeArrowheads="1" noChangeShapeType="1" noTextEdit="1"/>
+          </p:cNvSpPr>
+          <p:nvPr>
+            <p:extLst>
+              <p:ext uri="{386F3935-93C4-4BCD-93E2-E3B085C9AB24}">
+                <p16:designElem xmlns:p16="http://schemas.microsoft.com/office/powerpoint/2015/main" val="1"/>
+              </p:ext>
+            </p:extLst>
+          </p:nvPr>
+        </p:nvSpPr>
+        <p:spPr bwMode="auto">
+          <a:xfrm>
+            <a:off x="409710" y="1022350"/>
+            <a:ext cx="709612" cy="2095501"/>
+          </a:xfrm>
+          <a:custGeom>
+            <a:avLst/>
+            <a:gdLst>
+              <a:gd name="T0" fmla="*/ 447 w 447"/>
+              <a:gd name="T1" fmla="*/ 1363 h 1363"/>
+              <a:gd name="T2" fmla="*/ 0 w 447"/>
+              <a:gd name="T3" fmla="*/ 987 h 1363"/>
+              <a:gd name="T4" fmla="*/ 0 w 447"/>
+              <a:gd name="T5" fmla="*/ 0 h 1363"/>
+              <a:gd name="T6" fmla="*/ 447 w 447"/>
+              <a:gd name="T7" fmla="*/ 376 h 1363"/>
+              <a:gd name="T8" fmla="*/ 447 w 447"/>
+              <a:gd name="T9" fmla="*/ 1363 h 1363"/>
+            </a:gdLst>
+            <a:ahLst/>
+            <a:cxnLst>
+              <a:cxn ang="0">
+                <a:pos x="T0" y="T1"/>
+              </a:cxn>
+              <a:cxn ang="0">
+                <a:pos x="T2" y="T3"/>
+              </a:cxn>
+              <a:cxn ang="0">
+                <a:pos x="T4" y="T5"/>
+              </a:cxn>
+              <a:cxn ang="0">
+                <a:pos x="T6" y="T7"/>
+              </a:cxn>
+              <a:cxn ang="0">
+                <a:pos x="T8" y="T9"/>
+              </a:cxn>
+            </a:cxnLst>
+            <a:rect l="0" t="0" r="r" b="b"/>
+            <a:pathLst>
+              <a:path w="447" h="1363">
+                <a:moveTo>
+                  <a:pt x="447" y="1363"/>
+                </a:moveTo>
+                <a:lnTo>
+                  <a:pt x="0" y="987"/>
+                </a:lnTo>
+                <a:lnTo>
+                  <a:pt x="0" y="0"/>
+                </a:lnTo>
+                <a:lnTo>
+                  <a:pt x="447" y="376"/>
+                </a:lnTo>
+                <a:lnTo>
+                  <a:pt x="447" y="1363"/>
+                </a:lnTo>
+                <a:close/>
+              </a:path>
+            </a:pathLst>
+          </a:custGeom>
+          <a:solidFill>
+            <a:schemeClr val="accent1">
+              <a:lumMod val="50000"/>
+            </a:schemeClr>
+          </a:solidFill>
+          <a:ln>
+            <a:noFill/>
+          </a:ln>
+        </p:spPr>
+        <p:txBody>
+          <a:bodyPr vert="horz" wrap="square" lIns="91440" tIns="45720" rIns="91440" bIns="45720" numCol="1" anchor="t" anchorCtr="0" compatLnSpc="1">
+            <a:prstTxWarp prst="textNoShape">
+              <a:avLst/>
+            </a:prstTxWarp>
+          </a:bodyPr>
+          <a:lstStyle/>
+          <a:p>
+            <a:endParaRPr lang="en-US"/>
+          </a:p>
+        </p:txBody>
+      </p:sp>
+      <p:sp>
+        <p:nvSpPr>
+          <p:cNvPr id="12" name="Freeform 46">
+            <a:extLst>
+              <a:ext uri="{FF2B5EF4-FFF2-40B4-BE49-F238E27FC236}">
+                <a16:creationId xmlns:a16="http://schemas.microsoft.com/office/drawing/2014/main" id="{2AEBC8F2-97B1-41B4-93F1-2D289E197FBA}"/>
+              </a:ext>
+              <a:ext uri="{C183D7F6-B498-43B3-948B-1728B52AA6E4}">
+                <adec:decorative xmlns:adec="http://schemas.microsoft.com/office/drawing/2017/decorative" val="1"/>
+              </a:ext>
+            </a:extLst>
+          </p:cNvPr>
+          <p:cNvSpPr>
+            <a:spLocks noGrp="1" noRot="1" noChangeAspect="1" noMove="1" noResize="1" noEditPoints="1" noAdjustHandles="1" noChangeArrowheads="1" noChangeShapeType="1" noTextEdit="1"/>
+          </p:cNvSpPr>
+          <p:nvPr>
+            <p:extLst>
+              <p:ext uri="{386F3935-93C4-4BCD-93E2-E3B085C9AB24}">
+                <p16:designElem xmlns:p16="http://schemas.microsoft.com/office/powerpoint/2015/main" val="1"/>
+              </p:ext>
+            </p:extLst>
+          </p:nvPr>
+        </p:nvSpPr>
+        <p:spPr bwMode="auto">
+          <a:xfrm>
+            <a:off x="409710" y="837744"/>
+            <a:ext cx="403225" cy="1705431"/>
+          </a:xfrm>
+          <a:custGeom>
+            <a:avLst/>
+            <a:gdLst>
+              <a:gd name="T0" fmla="*/ 254 w 254"/>
+              <a:gd name="T1" fmla="*/ 987 h 1109"/>
+              <a:gd name="T2" fmla="*/ 0 w 254"/>
+              <a:gd name="T3" fmla="*/ 1109 h 1109"/>
+              <a:gd name="T4" fmla="*/ 0 w 254"/>
+              <a:gd name="T5" fmla="*/ 119 h 1109"/>
+              <a:gd name="T6" fmla="*/ 254 w 254"/>
+              <a:gd name="T7" fmla="*/ 0 h 1109"/>
+              <a:gd name="T8" fmla="*/ 254 w 254"/>
+              <a:gd name="T9" fmla="*/ 987 h 1109"/>
+            </a:gdLst>
+            <a:ahLst/>
+            <a:cxnLst>
+              <a:cxn ang="0">
+                <a:pos x="T0" y="T1"/>
+              </a:cxn>
+              <a:cxn ang="0">
+                <a:pos x="T2" y="T3"/>
+              </a:cxn>
+              <a:cxn ang="0">
+                <a:pos x="T4" y="T5"/>
+              </a:cxn>
+              <a:cxn ang="0">
+                <a:pos x="T6" y="T7"/>
+              </a:cxn>
+              <a:cxn ang="0">
+                <a:pos x="T8" y="T9"/>
+              </a:cxn>
+            </a:cxnLst>
+            <a:rect l="0" t="0" r="r" b="b"/>
+            <a:pathLst>
+              <a:path w="254" h="1109">
+                <a:moveTo>
+                  <a:pt x="254" y="987"/>
+                </a:moveTo>
+                <a:lnTo>
+                  <a:pt x="0" y="1109"/>
+                </a:lnTo>
+                <a:lnTo>
+                  <a:pt x="0" y="119"/>
+                </a:lnTo>
+                <a:lnTo>
+                  <a:pt x="254" y="0"/>
+                </a:lnTo>
+                <a:lnTo>
+                  <a:pt x="254" y="987"/>
+                </a:lnTo>
+                <a:close/>
+              </a:path>
+            </a:pathLst>
+          </a:custGeom>
+          <a:solidFill>
+            <a:schemeClr val="accent1">
+              <a:lumMod val="75000"/>
+            </a:schemeClr>
+          </a:solidFill>
+          <a:ln>
+            <a:noFill/>
+          </a:ln>
+        </p:spPr>
+        <p:txBody>
+          <a:bodyPr vert="horz" wrap="square" lIns="91440" tIns="45720" rIns="91440" bIns="45720" numCol="1" anchor="t" anchorCtr="0" compatLnSpc="1">
+            <a:prstTxWarp prst="textNoShape">
+              <a:avLst/>
+            </a:prstTxWarp>
+          </a:bodyPr>
+          <a:lstStyle/>
+          <a:p>
+            <a:endParaRPr lang="en-US"/>
+          </a:p>
+        </p:txBody>
+      </p:sp>
+      <p:sp>
+        <p:nvSpPr>
+          <p:cNvPr id="14" name="Freeform 47">
+            <a:extLst>
+              <a:ext uri="{FF2B5EF4-FFF2-40B4-BE49-F238E27FC236}">
+                <a16:creationId xmlns:a16="http://schemas.microsoft.com/office/drawing/2014/main" id="{472E3A19-F5D5-48FC-BB9C-48C2F68F598B}"/>
+              </a:ext>
+              <a:ext uri="{C183D7F6-B498-43B3-948B-1728B52AA6E4}">
+                <adec:decorative xmlns:adec="http://schemas.microsoft.com/office/drawing/2017/decorative" val="1"/>
+              </a:ext>
+            </a:extLst>
+          </p:cNvPr>
+          <p:cNvSpPr>
+            <a:spLocks noGrp="1" noRot="1" noChangeAspect="1" noMove="1" noResize="1" noEditPoints="1" noAdjustHandles="1" noChangeArrowheads="1" noChangeShapeType="1" noTextEdit="1"/>
+          </p:cNvSpPr>
+          <p:nvPr>
+            <p:extLst>
+              <p:ext uri="{386F3935-93C4-4BCD-93E2-E3B085C9AB24}">
+                <p16:designElem xmlns:p16="http://schemas.microsoft.com/office/powerpoint/2015/main" val="1"/>
+              </p:ext>
+            </p:extLst>
+          </p:nvPr>
+        </p:nvSpPr>
+        <p:spPr bwMode="auto">
+          <a:xfrm>
+            <a:off x="644660" y="640894"/>
+            <a:ext cx="168275" cy="1713195"/>
+          </a:xfrm>
+          <a:custGeom>
+            <a:avLst/>
+            <a:gdLst>
+              <a:gd name="T0" fmla="*/ 106 w 106"/>
+              <a:gd name="T1" fmla="*/ 1114 h 1114"/>
+              <a:gd name="T2" fmla="*/ 0 w 106"/>
+              <a:gd name="T3" fmla="*/ 1005 h 1114"/>
+              <a:gd name="T4" fmla="*/ 0 w 106"/>
+              <a:gd name="T5" fmla="*/ 0 h 1114"/>
+              <a:gd name="T6" fmla="*/ 106 w 106"/>
+              <a:gd name="T7" fmla="*/ 110 h 1114"/>
+              <a:gd name="T8" fmla="*/ 106 w 106"/>
+              <a:gd name="T9" fmla="*/ 1114 h 1114"/>
+            </a:gdLst>
+            <a:ahLst/>
+            <a:cxnLst>
+              <a:cxn ang="0">
+                <a:pos x="T0" y="T1"/>
+              </a:cxn>
+              <a:cxn ang="0">
+                <a:pos x="T2" y="T3"/>
+              </a:cxn>
+              <a:cxn ang="0">
+                <a:pos x="T4" y="T5"/>
+              </a:cxn>
+              <a:cxn ang="0">
+                <a:pos x="T6" y="T7"/>
+              </a:cxn>
+              <a:cxn ang="0">
+                <a:pos x="T8" y="T9"/>
+              </a:cxn>
+            </a:cxnLst>
+            <a:rect l="0" t="0" r="r" b="b"/>
+            <a:pathLst>
+              <a:path w="106" h="1114">
+                <a:moveTo>
+                  <a:pt x="106" y="1114"/>
+                </a:moveTo>
+                <a:lnTo>
+                  <a:pt x="0" y="1005"/>
+                </a:lnTo>
+                <a:lnTo>
+                  <a:pt x="0" y="0"/>
+                </a:lnTo>
+                <a:lnTo>
+                  <a:pt x="106" y="110"/>
+                </a:lnTo>
+                <a:lnTo>
+                  <a:pt x="106" y="1114"/>
+                </a:lnTo>
+                <a:close/>
+              </a:path>
+            </a:pathLst>
+          </a:custGeom>
+          <a:solidFill>
+            <a:schemeClr val="accent1">
+              <a:lumMod val="50000"/>
+            </a:schemeClr>
+          </a:solidFill>
+          <a:ln>
+            <a:noFill/>
+          </a:ln>
+        </p:spPr>
+        <p:txBody>
+          <a:bodyPr vert="horz" wrap="square" lIns="91440" tIns="45720" rIns="91440" bIns="45720" numCol="1" anchor="t" anchorCtr="0" compatLnSpc="1">
+            <a:prstTxWarp prst="textNoShape">
+              <a:avLst/>
+            </a:prstTxWarp>
+          </a:bodyPr>
+          <a:lstStyle/>
+          <a:p>
+            <a:endParaRPr lang="en-US"/>
+          </a:p>
+        </p:txBody>
+      </p:sp>
+      <p:sp>
+        <p:nvSpPr>
+          <p:cNvPr id="16" name="Freeform 44">
+            <a:extLst>
+              <a:ext uri="{FF2B5EF4-FFF2-40B4-BE49-F238E27FC236}">
+                <a16:creationId xmlns:a16="http://schemas.microsoft.com/office/drawing/2014/main" id="{7A62E32F-BB65-43A8-8EB5-92346890E549}"/>
+              </a:ext>
+              <a:ext uri="{C183D7F6-B498-43B3-948B-1728B52AA6E4}">
+                <adec:decorative xmlns:adec="http://schemas.microsoft.com/office/drawing/2017/decorative" val="1"/>
+              </a:ext>
+            </a:extLst>
+          </p:cNvPr>
+          <p:cNvSpPr>
+            <a:spLocks noGrp="1" noRot="1" noChangeAspect="1" noMove="1" noResize="1" noEditPoints="1" noAdjustHandles="1" noChangeArrowheads="1" noChangeShapeType="1" noTextEdit="1"/>
+          </p:cNvSpPr>
+          <p:nvPr>
+            <p:extLst>
+              <p:ext uri="{386F3935-93C4-4BCD-93E2-E3B085C9AB24}">
+                <p16:designElem xmlns:p16="http://schemas.microsoft.com/office/powerpoint/2015/main" val="1"/>
+              </p:ext>
+            </p:extLst>
+          </p:nvPr>
+        </p:nvSpPr>
+        <p:spPr bwMode="auto">
+          <a:xfrm>
+            <a:off x="11223203" y="635716"/>
+            <a:ext cx="328612" cy="1742360"/>
+          </a:xfrm>
+          <a:custGeom>
+            <a:avLst/>
+            <a:gdLst>
+              <a:gd name="T0" fmla="*/ 207 w 207"/>
+              <a:gd name="T1" fmla="*/ 987 h 1114"/>
+              <a:gd name="T2" fmla="*/ 0 w 207"/>
+              <a:gd name="T3" fmla="*/ 1114 h 1114"/>
+              <a:gd name="T4" fmla="*/ 0 w 207"/>
+              <a:gd name="T5" fmla="*/ 127 h 1114"/>
+              <a:gd name="T6" fmla="*/ 207 w 207"/>
+              <a:gd name="T7" fmla="*/ 0 h 1114"/>
+              <a:gd name="T8" fmla="*/ 207 w 207"/>
+              <a:gd name="T9" fmla="*/ 987 h 1114"/>
+            </a:gdLst>
+            <a:ahLst/>
+            <a:cxnLst>
+              <a:cxn ang="0">
+                <a:pos x="T0" y="T1"/>
+              </a:cxn>
+              <a:cxn ang="0">
+                <a:pos x="T2" y="T3"/>
+              </a:cxn>
+              <a:cxn ang="0">
+                <a:pos x="T4" y="T5"/>
+              </a:cxn>
+              <a:cxn ang="0">
+                <a:pos x="T6" y="T7"/>
+              </a:cxn>
+              <a:cxn ang="0">
+                <a:pos x="T8" y="T9"/>
+              </a:cxn>
+            </a:cxnLst>
+            <a:rect l="0" t="0" r="r" b="b"/>
+            <a:pathLst>
+              <a:path w="207" h="1114">
+                <a:moveTo>
+                  <a:pt x="207" y="987"/>
+                </a:moveTo>
+                <a:lnTo>
+                  <a:pt x="0" y="1114"/>
+                </a:lnTo>
+                <a:lnTo>
+                  <a:pt x="0" y="127"/>
+                </a:lnTo>
+                <a:lnTo>
+                  <a:pt x="207" y="0"/>
+                </a:lnTo>
+                <a:lnTo>
+                  <a:pt x="207" y="987"/>
+                </a:lnTo>
+                <a:close/>
+              </a:path>
+            </a:pathLst>
+          </a:custGeom>
+          <a:solidFill>
+            <a:schemeClr val="accent1">
+              <a:lumMod val="50000"/>
+            </a:schemeClr>
+          </a:solidFill>
+          <a:ln>
+            <a:noFill/>
+          </a:ln>
+        </p:spPr>
+        <p:txBody>
+          <a:bodyPr vert="horz" wrap="square" lIns="91440" tIns="45720" rIns="91440" bIns="45720" numCol="1" anchor="t" anchorCtr="0" compatLnSpc="1">
+            <a:prstTxWarp prst="textNoShape">
+              <a:avLst/>
+            </a:prstTxWarp>
+          </a:bodyPr>
+          <a:lstStyle/>
+          <a:p>
+            <a:endParaRPr lang="en-US"/>
+          </a:p>
+        </p:txBody>
+      </p:sp>
+      <p:sp>
+        <p:nvSpPr>
+          <p:cNvPr id="18" name="Rectangle 17">
+            <a:extLst>
+              <a:ext uri="{FF2B5EF4-FFF2-40B4-BE49-F238E27FC236}">
+                <a16:creationId xmlns:a16="http://schemas.microsoft.com/office/drawing/2014/main" id="{14E91B64-9FCC-451E-AFB4-A827D6329367}"/>
+              </a:ext>
+              <a:ext uri="{C183D7F6-B498-43B3-948B-1728B52AA6E4}">
+                <adec:decorative xmlns:adec="http://schemas.microsoft.com/office/drawing/2017/decorative" val="1"/>
+              </a:ext>
+            </a:extLst>
+          </p:cNvPr>
+          <p:cNvSpPr>
+            <a:spLocks noGrp="1" noRot="1" noChangeAspect="1" noMove="1" noResize="1" noEditPoints="1" noAdjustHandles="1" noChangeArrowheads="1" noChangeShapeType="1" noTextEdit="1"/>
+          </p:cNvSpPr>
+          <p:nvPr>
+            <p:extLst>
+              <p:ext uri="{386F3935-93C4-4BCD-93E2-E3B085C9AB24}">
+                <p16:designElem xmlns:p16="http://schemas.microsoft.com/office/powerpoint/2015/main" val="1"/>
+              </p:ext>
+            </p:extLst>
+          </p:nvPr>
+        </p:nvSpPr>
+        <p:spPr bwMode="auto">
+          <a:xfrm>
+            <a:off x="644055" y="635715"/>
+            <a:ext cx="10907863" cy="1541457"/>
+          </a:xfrm>
+          <a:prstGeom prst="rect">
+            <a:avLst/>
+          </a:prstGeom>
+          <a:solidFill>
+            <a:schemeClr val="accent1"/>
+          </a:solidFill>
+          <a:ln>
+            <a:noFill/>
+          </a:ln>
+        </p:spPr>
+        <p:txBody>
+          <a:bodyPr vert="horz" wrap="square" lIns="91440" tIns="45720" rIns="91440" bIns="45720" numCol="1" anchor="t" anchorCtr="0" compatLnSpc="1">
+            <a:prstTxWarp prst="textNoShape">
+              <a:avLst/>
+            </a:prstTxWarp>
+          </a:bodyPr>
+          <a:lstStyle/>
+          <a:p>
+            <a:endParaRPr lang="en-US"/>
+          </a:p>
+        </p:txBody>
+      </p:sp>
+      <p:sp>
+        <p:nvSpPr>
+          <p:cNvPr id="2" name="Titre 1">
+            <a:extLst>
+              <a:ext uri="{FF2B5EF4-FFF2-40B4-BE49-F238E27FC236}">
+                <a16:creationId xmlns:a16="http://schemas.microsoft.com/office/drawing/2014/main" id="{787733BC-219D-49C7-B5B4-F7CD9774C6A4}"/>
+              </a:ext>
+            </a:extLst>
+          </p:cNvPr>
+          <p:cNvSpPr>
+            <a:spLocks noGrp="1"/>
+          </p:cNvSpPr>
+          <p:nvPr>
+            <p:ph type="title"/>
+          </p:nvPr>
+        </p:nvSpPr>
+        <p:spPr>
+          <a:xfrm>
+            <a:off x="958506" y="800392"/>
+            <a:ext cx="10264697" cy="1212102"/>
+          </a:xfrm>
+        </p:spPr>
+        <p:txBody>
+          <a:bodyPr>
+            <a:normAutofit/>
+          </a:bodyPr>
+          <a:lstStyle/>
+          <a:p>
+            <a:r>
+              <a:rPr lang="fr-FR" sz="4000" dirty="0">
+                <a:solidFill>
+                  <a:srgbClr val="FFFFFF"/>
+                </a:solidFill>
+              </a:rPr>
+              <a:t>Formulaires</a:t>
+            </a:r>
+          </a:p>
+        </p:txBody>
+      </p:sp>
+      <p:sp>
+        <p:nvSpPr>
+          <p:cNvPr id="5" name="ZoneTexte 4">
+            <a:extLst>
+              <a:ext uri="{FF2B5EF4-FFF2-40B4-BE49-F238E27FC236}">
+                <a16:creationId xmlns:a16="http://schemas.microsoft.com/office/drawing/2014/main" id="{C33F6FD7-41DE-417B-B411-49B9C30EC6EE}"/>
+              </a:ext>
+            </a:extLst>
+          </p:cNvPr>
+          <p:cNvSpPr txBox="1"/>
+          <p:nvPr/>
+        </p:nvSpPr>
+        <p:spPr>
+          <a:xfrm>
+            <a:off x="1529032" y="2534558"/>
+            <a:ext cx="8368033" cy="461665"/>
+          </a:xfrm>
+          <a:prstGeom prst="rect">
+            <a:avLst/>
+          </a:prstGeom>
+          <a:noFill/>
+        </p:spPr>
+        <p:txBody>
+          <a:bodyPr wrap="square" rtlCol="0">
+            <a:spAutoFit/>
+          </a:bodyPr>
+          <a:lstStyle/>
+          <a:p>
+            <a:pPr marL="342900" indent="-342900">
+              <a:buFont typeface="Arial" panose="020B0604020202020204" pitchFamily="34" charset="0"/>
+              <a:buChar char="•"/>
+            </a:pPr>
+            <a:r>
+              <a:rPr lang="fr-FR" sz="2400" dirty="0"/>
+              <a:t>Utilisation de formulaires HTML pour saisir des informations</a:t>
+            </a:r>
+          </a:p>
+        </p:txBody>
+      </p:sp>
+      <p:sp>
+        <p:nvSpPr>
+          <p:cNvPr id="9" name="Espace réservé du numéro de diapositive 8">
+            <a:extLst>
+              <a:ext uri="{FF2B5EF4-FFF2-40B4-BE49-F238E27FC236}">
+                <a16:creationId xmlns:a16="http://schemas.microsoft.com/office/drawing/2014/main" id="{F3EDF272-70D0-418F-B1E4-090F125EAE69}"/>
+              </a:ext>
+            </a:extLst>
+          </p:cNvPr>
+          <p:cNvSpPr>
+            <a:spLocks noGrp="1"/>
+          </p:cNvSpPr>
+          <p:nvPr>
+            <p:ph type="sldNum" sz="quarter" idx="12"/>
+          </p:nvPr>
+        </p:nvSpPr>
+        <p:spPr/>
+        <p:txBody>
+          <a:bodyPr/>
+          <a:lstStyle/>
+          <a:p>
+            <a:fld id="{F8323CC4-5E62-4ADB-BC7C-89B23C89378E}" type="slidenum">
+              <a:rPr lang="fr-FR" smtClean="0"/>
+              <a:t>13</a:t>
+            </a:fld>
+            <a:endParaRPr lang="fr-FR"/>
+          </a:p>
+        </p:txBody>
+      </p:sp>
+      <p:pic>
+        <p:nvPicPr>
+          <p:cNvPr id="4" name="Image 3">
+            <a:extLst>
+              <a:ext uri="{FF2B5EF4-FFF2-40B4-BE49-F238E27FC236}">
+                <a16:creationId xmlns:a16="http://schemas.microsoft.com/office/drawing/2014/main" id="{A5D36290-D172-44A5-9B8A-9FB424B73D09}"/>
+              </a:ext>
+            </a:extLst>
+          </p:cNvPr>
+          <p:cNvPicPr>
+            <a:picLocks noChangeAspect="1"/>
+          </p:cNvPicPr>
+          <p:nvPr/>
+        </p:nvPicPr>
+        <p:blipFill>
+          <a:blip r:embed="rId2">
+            <a:extLst>
+              <a:ext uri="{28A0092B-C50C-407E-A947-70E740481C1C}">
+                <a14:useLocalDpi xmlns:a14="http://schemas.microsoft.com/office/drawing/2010/main" val="0"/>
+              </a:ext>
+            </a:extLst>
+          </a:blip>
+          <a:stretch>
+            <a:fillRect/>
+          </a:stretch>
+        </p:blipFill>
+        <p:spPr>
+          <a:xfrm>
+            <a:off x="2514086" y="3117851"/>
+            <a:ext cx="6537550" cy="3335214"/>
+          </a:xfrm>
+          <a:prstGeom prst="rect">
+            <a:avLst/>
+          </a:prstGeom>
+        </p:spPr>
+      </p:pic>
+    </p:spTree>
+    <p:extLst>
+      <p:ext uri="{BB962C8B-B14F-4D97-AF65-F5344CB8AC3E}">
+        <p14:creationId xmlns:p14="http://schemas.microsoft.com/office/powerpoint/2010/main" val="830956536"/>
+      </p:ext>
+    </p:extLst>
+  </p:cSld>
+  <p:clrMapOvr>
+    <a:masterClrMapping/>
+  </p:clrMapOvr>
+</p:sld>
+</file>
+
+<file path=ppt/slides/slide14.xml><?xml version="1.0" encoding="utf-8"?>
+<p:sld xmlns:a="http://schemas.openxmlformats.org/drawingml/2006/main" xmlns:r="http://schemas.openxmlformats.org/officeDocument/2006/relationships" xmlns:p="http://schemas.openxmlformats.org/presentationml/2006/main">
+  <p:cSld>
+    <p:bg>
+      <p:bgPr>
+        <a:solidFill>
+          <a:schemeClr val="bg1"/>
+        </a:solidFill>
+        <a:effectLst/>
+      </p:bgPr>
+    </p:bg>
+    <p:spTree>
+      <p:nvGrpSpPr>
+        <p:cNvPr id="1" name=""/>
+        <p:cNvGrpSpPr/>
+        <p:nvPr/>
+      </p:nvGrpSpPr>
+      <p:grpSpPr>
+        <a:xfrm>
+          <a:off x="0" y="0"/>
+          <a:ext cx="0" cy="0"/>
+          <a:chOff x="0" y="0"/>
+          <a:chExt cx="0" cy="0"/>
+        </a:xfrm>
+      </p:grpSpPr>
+      <p:sp useBgFill="1">
+        <p:nvSpPr>
+          <p:cNvPr id="8" name="Rectangle 7">
+            <a:extLst>
+              <a:ext uri="{FF2B5EF4-FFF2-40B4-BE49-F238E27FC236}">
+                <a16:creationId xmlns:a16="http://schemas.microsoft.com/office/drawing/2014/main" id="{827B839B-9ADE-406B-8590-F1CAEDED45A1}"/>
+              </a:ext>
+              <a:ext uri="{C183D7F6-B498-43B3-948B-1728B52AA6E4}">
+                <adec:decorative xmlns:adec="http://schemas.microsoft.com/office/drawing/2017/decorative" val="1"/>
+              </a:ext>
+            </a:extLst>
+          </p:cNvPr>
+          <p:cNvSpPr>
+            <a:spLocks noGrp="1" noRot="1" noChangeAspect="1" noMove="1" noResize="1" noEditPoints="1" noAdjustHandles="1" noChangeArrowheads="1" noChangeShapeType="1" noTextEdit="1"/>
+          </p:cNvSpPr>
+          <p:nvPr>
+            <p:extLst>
+              <p:ext uri="{386F3935-93C4-4BCD-93E2-E3B085C9AB24}">
+                <p16:designElem xmlns:p16="http://schemas.microsoft.com/office/powerpoint/2015/main" val="1"/>
+              </p:ext>
+            </p:extLst>
+          </p:nvPr>
+        </p:nvSpPr>
+        <p:spPr>
+          <a:xfrm>
+            <a:off x="0" y="0"/>
+            <a:ext cx="12188952" cy="6858000"/>
+          </a:xfrm>
+          <a:prstGeom prst="rect">
+            <a:avLst/>
+          </a:prstGeom>
+          <a:ln>
+            <a:noFill/>
+          </a:ln>
+        </p:spPr>
+        <p:style>
+          <a:lnRef idx="2">
+            <a:schemeClr val="accent1">
+              <a:shade val="50000"/>
+            </a:schemeClr>
+          </a:lnRef>
+          <a:fillRef idx="1">
+            <a:schemeClr val="accent1"/>
+          </a:fillRef>
+          <a:effectRef idx="0">
+            <a:schemeClr val="accent1"/>
+          </a:effectRef>
+          <a:fontRef idx="minor">
+            <a:schemeClr val="lt1"/>
+          </a:fontRef>
+        </p:style>
+        <p:txBody>
+          <a:bodyPr rtlCol="0" anchor="ctr"/>
+          <a:lstStyle/>
+          <a:p>
+            <a:pPr algn="ctr"/>
+            <a:endParaRPr lang="en-US"/>
+          </a:p>
+        </p:txBody>
+      </p:sp>
+      <p:sp>
+        <p:nvSpPr>
+          <p:cNvPr id="10" name="Freeform 45">
+            <a:extLst>
+              <a:ext uri="{FF2B5EF4-FFF2-40B4-BE49-F238E27FC236}">
+                <a16:creationId xmlns:a16="http://schemas.microsoft.com/office/drawing/2014/main" id="{CFE45BF0-46DB-408C-B5F7-7B11716805D4}"/>
+              </a:ext>
+              <a:ext uri="{C183D7F6-B498-43B3-948B-1728B52AA6E4}">
+                <adec:decorative xmlns:adec="http://schemas.microsoft.com/office/drawing/2017/decorative" val="1"/>
+              </a:ext>
+            </a:extLst>
+          </p:cNvPr>
+          <p:cNvSpPr>
+            <a:spLocks noGrp="1" noRot="1" noChangeAspect="1" noMove="1" noResize="1" noEditPoints="1" noAdjustHandles="1" noChangeArrowheads="1" noChangeShapeType="1" noTextEdit="1"/>
+          </p:cNvSpPr>
+          <p:nvPr>
+            <p:extLst>
+              <p:ext uri="{386F3935-93C4-4BCD-93E2-E3B085C9AB24}">
+                <p16:designElem xmlns:p16="http://schemas.microsoft.com/office/powerpoint/2015/main" val="1"/>
+              </p:ext>
+            </p:extLst>
+          </p:nvPr>
+        </p:nvSpPr>
+        <p:spPr bwMode="auto">
+          <a:xfrm>
+            <a:off x="409710" y="1022350"/>
+            <a:ext cx="709612" cy="2095501"/>
+          </a:xfrm>
+          <a:custGeom>
+            <a:avLst/>
+            <a:gdLst>
+              <a:gd name="T0" fmla="*/ 447 w 447"/>
+              <a:gd name="T1" fmla="*/ 1363 h 1363"/>
+              <a:gd name="T2" fmla="*/ 0 w 447"/>
+              <a:gd name="T3" fmla="*/ 987 h 1363"/>
+              <a:gd name="T4" fmla="*/ 0 w 447"/>
+              <a:gd name="T5" fmla="*/ 0 h 1363"/>
+              <a:gd name="T6" fmla="*/ 447 w 447"/>
+              <a:gd name="T7" fmla="*/ 376 h 1363"/>
+              <a:gd name="T8" fmla="*/ 447 w 447"/>
+              <a:gd name="T9" fmla="*/ 1363 h 1363"/>
+            </a:gdLst>
+            <a:ahLst/>
+            <a:cxnLst>
+              <a:cxn ang="0">
+                <a:pos x="T0" y="T1"/>
+              </a:cxn>
+              <a:cxn ang="0">
+                <a:pos x="T2" y="T3"/>
+              </a:cxn>
+              <a:cxn ang="0">
+                <a:pos x="T4" y="T5"/>
+              </a:cxn>
+              <a:cxn ang="0">
+                <a:pos x="T6" y="T7"/>
+              </a:cxn>
+              <a:cxn ang="0">
+                <a:pos x="T8" y="T9"/>
+              </a:cxn>
+            </a:cxnLst>
+            <a:rect l="0" t="0" r="r" b="b"/>
+            <a:pathLst>
+              <a:path w="447" h="1363">
+                <a:moveTo>
+                  <a:pt x="447" y="1363"/>
+                </a:moveTo>
+                <a:lnTo>
+                  <a:pt x="0" y="987"/>
+                </a:lnTo>
+                <a:lnTo>
+                  <a:pt x="0" y="0"/>
+                </a:lnTo>
+                <a:lnTo>
+                  <a:pt x="447" y="376"/>
+                </a:lnTo>
+                <a:lnTo>
+                  <a:pt x="447" y="1363"/>
+                </a:lnTo>
+                <a:close/>
+              </a:path>
+            </a:pathLst>
+          </a:custGeom>
+          <a:solidFill>
+            <a:schemeClr val="accent1">
+              <a:lumMod val="50000"/>
+            </a:schemeClr>
+          </a:solidFill>
+          <a:ln>
+            <a:noFill/>
+          </a:ln>
+        </p:spPr>
+        <p:txBody>
+          <a:bodyPr vert="horz" wrap="square" lIns="91440" tIns="45720" rIns="91440" bIns="45720" numCol="1" anchor="t" anchorCtr="0" compatLnSpc="1">
+            <a:prstTxWarp prst="textNoShape">
+              <a:avLst/>
+            </a:prstTxWarp>
+          </a:bodyPr>
+          <a:lstStyle/>
+          <a:p>
+            <a:endParaRPr lang="en-US"/>
+          </a:p>
+        </p:txBody>
+      </p:sp>
+      <p:sp>
+        <p:nvSpPr>
+          <p:cNvPr id="12" name="Freeform 46">
+            <a:extLst>
+              <a:ext uri="{FF2B5EF4-FFF2-40B4-BE49-F238E27FC236}">
+                <a16:creationId xmlns:a16="http://schemas.microsoft.com/office/drawing/2014/main" id="{2AEBC8F2-97B1-41B4-93F1-2D289E197FBA}"/>
+              </a:ext>
+              <a:ext uri="{C183D7F6-B498-43B3-948B-1728B52AA6E4}">
+                <adec:decorative xmlns:adec="http://schemas.microsoft.com/office/drawing/2017/decorative" val="1"/>
+              </a:ext>
+            </a:extLst>
+          </p:cNvPr>
+          <p:cNvSpPr>
+            <a:spLocks noGrp="1" noRot="1" noChangeAspect="1" noMove="1" noResize="1" noEditPoints="1" noAdjustHandles="1" noChangeArrowheads="1" noChangeShapeType="1" noTextEdit="1"/>
+          </p:cNvSpPr>
+          <p:nvPr>
+            <p:extLst>
+              <p:ext uri="{386F3935-93C4-4BCD-93E2-E3B085C9AB24}">
+                <p16:designElem xmlns:p16="http://schemas.microsoft.com/office/powerpoint/2015/main" val="1"/>
+              </p:ext>
+            </p:extLst>
+          </p:nvPr>
+        </p:nvSpPr>
+        <p:spPr bwMode="auto">
+          <a:xfrm>
+            <a:off x="409710" y="837744"/>
+            <a:ext cx="403225" cy="1705431"/>
+          </a:xfrm>
+          <a:custGeom>
+            <a:avLst/>
+            <a:gdLst>
+              <a:gd name="T0" fmla="*/ 254 w 254"/>
+              <a:gd name="T1" fmla="*/ 987 h 1109"/>
+              <a:gd name="T2" fmla="*/ 0 w 254"/>
+              <a:gd name="T3" fmla="*/ 1109 h 1109"/>
+              <a:gd name="T4" fmla="*/ 0 w 254"/>
+              <a:gd name="T5" fmla="*/ 119 h 1109"/>
+              <a:gd name="T6" fmla="*/ 254 w 254"/>
+              <a:gd name="T7" fmla="*/ 0 h 1109"/>
+              <a:gd name="T8" fmla="*/ 254 w 254"/>
+              <a:gd name="T9" fmla="*/ 987 h 1109"/>
+            </a:gdLst>
+            <a:ahLst/>
+            <a:cxnLst>
+              <a:cxn ang="0">
+                <a:pos x="T0" y="T1"/>
+              </a:cxn>
+              <a:cxn ang="0">
+                <a:pos x="T2" y="T3"/>
+              </a:cxn>
+              <a:cxn ang="0">
+                <a:pos x="T4" y="T5"/>
+              </a:cxn>
+              <a:cxn ang="0">
+                <a:pos x="T6" y="T7"/>
+              </a:cxn>
+              <a:cxn ang="0">
+                <a:pos x="T8" y="T9"/>
+              </a:cxn>
+            </a:cxnLst>
+            <a:rect l="0" t="0" r="r" b="b"/>
+            <a:pathLst>
+              <a:path w="254" h="1109">
+                <a:moveTo>
+                  <a:pt x="254" y="987"/>
+                </a:moveTo>
+                <a:lnTo>
+                  <a:pt x="0" y="1109"/>
+                </a:lnTo>
+                <a:lnTo>
+                  <a:pt x="0" y="119"/>
+                </a:lnTo>
+                <a:lnTo>
+                  <a:pt x="254" y="0"/>
+                </a:lnTo>
+                <a:lnTo>
+                  <a:pt x="254" y="987"/>
+                </a:lnTo>
+                <a:close/>
+              </a:path>
+            </a:pathLst>
+          </a:custGeom>
+          <a:solidFill>
+            <a:schemeClr val="accent1">
+              <a:lumMod val="75000"/>
+            </a:schemeClr>
+          </a:solidFill>
+          <a:ln>
+            <a:noFill/>
+          </a:ln>
+        </p:spPr>
+        <p:txBody>
+          <a:bodyPr vert="horz" wrap="square" lIns="91440" tIns="45720" rIns="91440" bIns="45720" numCol="1" anchor="t" anchorCtr="0" compatLnSpc="1">
+            <a:prstTxWarp prst="textNoShape">
+              <a:avLst/>
+            </a:prstTxWarp>
+          </a:bodyPr>
+          <a:lstStyle/>
+          <a:p>
+            <a:endParaRPr lang="en-US"/>
+          </a:p>
+        </p:txBody>
+      </p:sp>
+      <p:sp>
+        <p:nvSpPr>
+          <p:cNvPr id="14" name="Freeform 47">
+            <a:extLst>
+              <a:ext uri="{FF2B5EF4-FFF2-40B4-BE49-F238E27FC236}">
+                <a16:creationId xmlns:a16="http://schemas.microsoft.com/office/drawing/2014/main" id="{472E3A19-F5D5-48FC-BB9C-48C2F68F598B}"/>
+              </a:ext>
+              <a:ext uri="{C183D7F6-B498-43B3-948B-1728B52AA6E4}">
+                <adec:decorative xmlns:adec="http://schemas.microsoft.com/office/drawing/2017/decorative" val="1"/>
+              </a:ext>
+            </a:extLst>
+          </p:cNvPr>
+          <p:cNvSpPr>
+            <a:spLocks noGrp="1" noRot="1" noChangeAspect="1" noMove="1" noResize="1" noEditPoints="1" noAdjustHandles="1" noChangeArrowheads="1" noChangeShapeType="1" noTextEdit="1"/>
+          </p:cNvSpPr>
+          <p:nvPr>
+            <p:extLst>
+              <p:ext uri="{386F3935-93C4-4BCD-93E2-E3B085C9AB24}">
+                <p16:designElem xmlns:p16="http://schemas.microsoft.com/office/powerpoint/2015/main" val="1"/>
+              </p:ext>
+            </p:extLst>
+          </p:nvPr>
+        </p:nvSpPr>
+        <p:spPr bwMode="auto">
+          <a:xfrm>
+            <a:off x="644660" y="640894"/>
+            <a:ext cx="168275" cy="1713195"/>
+          </a:xfrm>
+          <a:custGeom>
+            <a:avLst/>
+            <a:gdLst>
+              <a:gd name="T0" fmla="*/ 106 w 106"/>
+              <a:gd name="T1" fmla="*/ 1114 h 1114"/>
+              <a:gd name="T2" fmla="*/ 0 w 106"/>
+              <a:gd name="T3" fmla="*/ 1005 h 1114"/>
+              <a:gd name="T4" fmla="*/ 0 w 106"/>
+              <a:gd name="T5" fmla="*/ 0 h 1114"/>
+              <a:gd name="T6" fmla="*/ 106 w 106"/>
+              <a:gd name="T7" fmla="*/ 110 h 1114"/>
+              <a:gd name="T8" fmla="*/ 106 w 106"/>
+              <a:gd name="T9" fmla="*/ 1114 h 1114"/>
+            </a:gdLst>
+            <a:ahLst/>
+            <a:cxnLst>
+              <a:cxn ang="0">
+                <a:pos x="T0" y="T1"/>
+              </a:cxn>
+              <a:cxn ang="0">
+                <a:pos x="T2" y="T3"/>
+              </a:cxn>
+              <a:cxn ang="0">
+                <a:pos x="T4" y="T5"/>
+              </a:cxn>
+              <a:cxn ang="0">
+                <a:pos x="T6" y="T7"/>
+              </a:cxn>
+              <a:cxn ang="0">
+                <a:pos x="T8" y="T9"/>
+              </a:cxn>
+            </a:cxnLst>
+            <a:rect l="0" t="0" r="r" b="b"/>
+            <a:pathLst>
+              <a:path w="106" h="1114">
+                <a:moveTo>
+                  <a:pt x="106" y="1114"/>
+                </a:moveTo>
+                <a:lnTo>
+                  <a:pt x="0" y="1005"/>
+                </a:lnTo>
+                <a:lnTo>
+                  <a:pt x="0" y="0"/>
+                </a:lnTo>
+                <a:lnTo>
+                  <a:pt x="106" y="110"/>
+                </a:lnTo>
+                <a:lnTo>
+                  <a:pt x="106" y="1114"/>
+                </a:lnTo>
+                <a:close/>
+              </a:path>
+            </a:pathLst>
+          </a:custGeom>
+          <a:solidFill>
+            <a:schemeClr val="accent1">
+              <a:lumMod val="50000"/>
+            </a:schemeClr>
+          </a:solidFill>
+          <a:ln>
+            <a:noFill/>
+          </a:ln>
+        </p:spPr>
+        <p:txBody>
+          <a:bodyPr vert="horz" wrap="square" lIns="91440" tIns="45720" rIns="91440" bIns="45720" numCol="1" anchor="t" anchorCtr="0" compatLnSpc="1">
+            <a:prstTxWarp prst="textNoShape">
+              <a:avLst/>
+            </a:prstTxWarp>
+          </a:bodyPr>
+          <a:lstStyle/>
+          <a:p>
+            <a:endParaRPr lang="en-US"/>
+          </a:p>
+        </p:txBody>
+      </p:sp>
+      <p:sp>
+        <p:nvSpPr>
+          <p:cNvPr id="16" name="Freeform 44">
+            <a:extLst>
+              <a:ext uri="{FF2B5EF4-FFF2-40B4-BE49-F238E27FC236}">
+                <a16:creationId xmlns:a16="http://schemas.microsoft.com/office/drawing/2014/main" id="{7A62E32F-BB65-43A8-8EB5-92346890E549}"/>
+              </a:ext>
+              <a:ext uri="{C183D7F6-B498-43B3-948B-1728B52AA6E4}">
+                <adec:decorative xmlns:adec="http://schemas.microsoft.com/office/drawing/2017/decorative" val="1"/>
+              </a:ext>
+            </a:extLst>
+          </p:cNvPr>
+          <p:cNvSpPr>
+            <a:spLocks noGrp="1" noRot="1" noChangeAspect="1" noMove="1" noResize="1" noEditPoints="1" noAdjustHandles="1" noChangeArrowheads="1" noChangeShapeType="1" noTextEdit="1"/>
+          </p:cNvSpPr>
+          <p:nvPr>
+            <p:extLst>
+              <p:ext uri="{386F3935-93C4-4BCD-93E2-E3B085C9AB24}">
+                <p16:designElem xmlns:p16="http://schemas.microsoft.com/office/powerpoint/2015/main" val="1"/>
+              </p:ext>
+            </p:extLst>
+          </p:nvPr>
+        </p:nvSpPr>
+        <p:spPr bwMode="auto">
+          <a:xfrm>
+            <a:off x="11223203" y="635716"/>
+            <a:ext cx="328612" cy="1742360"/>
+          </a:xfrm>
+          <a:custGeom>
+            <a:avLst/>
+            <a:gdLst>
+              <a:gd name="T0" fmla="*/ 207 w 207"/>
+              <a:gd name="T1" fmla="*/ 987 h 1114"/>
+              <a:gd name="T2" fmla="*/ 0 w 207"/>
+              <a:gd name="T3" fmla="*/ 1114 h 1114"/>
+              <a:gd name="T4" fmla="*/ 0 w 207"/>
+              <a:gd name="T5" fmla="*/ 127 h 1114"/>
+              <a:gd name="T6" fmla="*/ 207 w 207"/>
+              <a:gd name="T7" fmla="*/ 0 h 1114"/>
+              <a:gd name="T8" fmla="*/ 207 w 207"/>
+              <a:gd name="T9" fmla="*/ 987 h 1114"/>
+            </a:gdLst>
+            <a:ahLst/>
+            <a:cxnLst>
+              <a:cxn ang="0">
+                <a:pos x="T0" y="T1"/>
+              </a:cxn>
+              <a:cxn ang="0">
+                <a:pos x="T2" y="T3"/>
+              </a:cxn>
+              <a:cxn ang="0">
+                <a:pos x="T4" y="T5"/>
+              </a:cxn>
+              <a:cxn ang="0">
+                <a:pos x="T6" y="T7"/>
+              </a:cxn>
+              <a:cxn ang="0">
+                <a:pos x="T8" y="T9"/>
+              </a:cxn>
+            </a:cxnLst>
+            <a:rect l="0" t="0" r="r" b="b"/>
+            <a:pathLst>
+              <a:path w="207" h="1114">
+                <a:moveTo>
+                  <a:pt x="207" y="987"/>
+                </a:moveTo>
+                <a:lnTo>
+                  <a:pt x="0" y="1114"/>
+                </a:lnTo>
+                <a:lnTo>
+                  <a:pt x="0" y="127"/>
+                </a:lnTo>
+                <a:lnTo>
+                  <a:pt x="207" y="0"/>
+                </a:lnTo>
+                <a:lnTo>
+                  <a:pt x="207" y="987"/>
+                </a:lnTo>
+                <a:close/>
+              </a:path>
+            </a:pathLst>
+          </a:custGeom>
+          <a:solidFill>
+            <a:schemeClr val="accent1">
+              <a:lumMod val="50000"/>
+            </a:schemeClr>
+          </a:solidFill>
+          <a:ln>
+            <a:noFill/>
+          </a:ln>
+        </p:spPr>
+        <p:txBody>
+          <a:bodyPr vert="horz" wrap="square" lIns="91440" tIns="45720" rIns="91440" bIns="45720" numCol="1" anchor="t" anchorCtr="0" compatLnSpc="1">
+            <a:prstTxWarp prst="textNoShape">
+              <a:avLst/>
+            </a:prstTxWarp>
+          </a:bodyPr>
+          <a:lstStyle/>
+          <a:p>
+            <a:endParaRPr lang="en-US"/>
+          </a:p>
+        </p:txBody>
+      </p:sp>
+      <p:sp>
+        <p:nvSpPr>
+          <p:cNvPr id="18" name="Rectangle 17">
+            <a:extLst>
+              <a:ext uri="{FF2B5EF4-FFF2-40B4-BE49-F238E27FC236}">
+                <a16:creationId xmlns:a16="http://schemas.microsoft.com/office/drawing/2014/main" id="{14E91B64-9FCC-451E-AFB4-A827D6329367}"/>
+              </a:ext>
+              <a:ext uri="{C183D7F6-B498-43B3-948B-1728B52AA6E4}">
+                <adec:decorative xmlns:adec="http://schemas.microsoft.com/office/drawing/2017/decorative" val="1"/>
+              </a:ext>
+            </a:extLst>
+          </p:cNvPr>
+          <p:cNvSpPr>
+            <a:spLocks noGrp="1" noRot="1" noChangeAspect="1" noMove="1" noResize="1" noEditPoints="1" noAdjustHandles="1" noChangeArrowheads="1" noChangeShapeType="1" noTextEdit="1"/>
+          </p:cNvSpPr>
+          <p:nvPr>
+            <p:extLst>
+              <p:ext uri="{386F3935-93C4-4BCD-93E2-E3B085C9AB24}">
+                <p16:designElem xmlns:p16="http://schemas.microsoft.com/office/powerpoint/2015/main" val="1"/>
+              </p:ext>
+            </p:extLst>
+          </p:nvPr>
+        </p:nvSpPr>
+        <p:spPr bwMode="auto">
+          <a:xfrm>
+            <a:off x="644055" y="635715"/>
+            <a:ext cx="10907863" cy="1541457"/>
+          </a:xfrm>
+          <a:prstGeom prst="rect">
+            <a:avLst/>
+          </a:prstGeom>
+          <a:solidFill>
+            <a:schemeClr val="accent1"/>
+          </a:solidFill>
+          <a:ln>
+            <a:noFill/>
+          </a:ln>
+        </p:spPr>
+        <p:txBody>
+          <a:bodyPr vert="horz" wrap="square" lIns="91440" tIns="45720" rIns="91440" bIns="45720" numCol="1" anchor="t" anchorCtr="0" compatLnSpc="1">
+            <a:prstTxWarp prst="textNoShape">
+              <a:avLst/>
+            </a:prstTxWarp>
+          </a:bodyPr>
+          <a:lstStyle/>
+          <a:p>
+            <a:endParaRPr lang="en-US"/>
+          </a:p>
+        </p:txBody>
+      </p:sp>
+      <p:sp>
+        <p:nvSpPr>
+          <p:cNvPr id="2" name="Titre 1">
+            <a:extLst>
+              <a:ext uri="{FF2B5EF4-FFF2-40B4-BE49-F238E27FC236}">
+                <a16:creationId xmlns:a16="http://schemas.microsoft.com/office/drawing/2014/main" id="{787733BC-219D-49C7-B5B4-F7CD9774C6A4}"/>
+              </a:ext>
+            </a:extLst>
+          </p:cNvPr>
+          <p:cNvSpPr>
+            <a:spLocks noGrp="1"/>
+          </p:cNvSpPr>
+          <p:nvPr>
+            <p:ph type="title"/>
+          </p:nvPr>
+        </p:nvSpPr>
+        <p:spPr>
+          <a:xfrm>
+            <a:off x="958506" y="800392"/>
+            <a:ext cx="10264697" cy="1212102"/>
+          </a:xfrm>
+        </p:spPr>
+        <p:txBody>
+          <a:bodyPr>
+            <a:normAutofit/>
+          </a:bodyPr>
+          <a:lstStyle/>
+          <a:p>
+            <a:r>
+              <a:rPr lang="fr-FR" sz="4000" dirty="0">
+                <a:solidFill>
+                  <a:srgbClr val="FFFFFF"/>
+                </a:solidFill>
+              </a:rPr>
+              <a:t>Formulaires</a:t>
+            </a:r>
+          </a:p>
+        </p:txBody>
+      </p:sp>
+      <p:sp>
+        <p:nvSpPr>
+          <p:cNvPr id="9" name="Espace réservé du numéro de diapositive 8">
+            <a:extLst>
+              <a:ext uri="{FF2B5EF4-FFF2-40B4-BE49-F238E27FC236}">
+                <a16:creationId xmlns:a16="http://schemas.microsoft.com/office/drawing/2014/main" id="{F3EDF272-70D0-418F-B1E4-090F125EAE69}"/>
+              </a:ext>
+            </a:extLst>
+          </p:cNvPr>
+          <p:cNvSpPr>
+            <a:spLocks noGrp="1"/>
+          </p:cNvSpPr>
+          <p:nvPr>
+            <p:ph type="sldNum" sz="quarter" idx="12"/>
+          </p:nvPr>
+        </p:nvSpPr>
+        <p:spPr/>
+        <p:txBody>
+          <a:bodyPr/>
+          <a:lstStyle/>
+          <a:p>
+            <a:fld id="{F8323CC4-5E62-4ADB-BC7C-89B23C89378E}" type="slidenum">
+              <a:rPr lang="fr-FR" smtClean="0"/>
+              <a:t>14</a:t>
+            </a:fld>
+            <a:endParaRPr lang="fr-FR"/>
+          </a:p>
+        </p:txBody>
+      </p:sp>
+      <p:pic>
+        <p:nvPicPr>
+          <p:cNvPr id="6" name="Image 5">
+            <a:extLst>
+              <a:ext uri="{FF2B5EF4-FFF2-40B4-BE49-F238E27FC236}">
+                <a16:creationId xmlns:a16="http://schemas.microsoft.com/office/drawing/2014/main" id="{F9E1CB56-D2B8-4A38-BA2D-7D9A22393CFB}"/>
+              </a:ext>
+            </a:extLst>
+          </p:cNvPr>
+          <p:cNvPicPr>
+            <a:picLocks noChangeAspect="1"/>
+          </p:cNvPicPr>
+          <p:nvPr/>
+        </p:nvPicPr>
+        <p:blipFill>
+          <a:blip r:embed="rId2"/>
+          <a:stretch>
+            <a:fillRect/>
+          </a:stretch>
+        </p:blipFill>
+        <p:spPr>
+          <a:xfrm>
+            <a:off x="1333481" y="2419171"/>
+            <a:ext cx="3432482" cy="2991360"/>
+          </a:xfrm>
+          <a:prstGeom prst="rect">
+            <a:avLst/>
+          </a:prstGeom>
+        </p:spPr>
+      </p:pic>
+      <p:sp>
+        <p:nvSpPr>
+          <p:cNvPr id="13" name="Flèche : droite 12">
+            <a:extLst>
+              <a:ext uri="{FF2B5EF4-FFF2-40B4-BE49-F238E27FC236}">
+                <a16:creationId xmlns:a16="http://schemas.microsoft.com/office/drawing/2014/main" id="{8AEECA8E-C7FE-469D-B082-99DEF04C93C6}"/>
+              </a:ext>
+            </a:extLst>
+          </p:cNvPr>
+          <p:cNvSpPr/>
+          <p:nvPr/>
+        </p:nvSpPr>
+        <p:spPr>
+          <a:xfrm>
+            <a:off x="4890287" y="3594556"/>
+            <a:ext cx="1205713" cy="480290"/>
+          </a:xfrm>
+          <a:prstGeom prst="rightArrow">
+            <a:avLst/>
+          </a:prstGeom>
+        </p:spPr>
+        <p:style>
+          <a:lnRef idx="2">
+            <a:schemeClr val="accent1">
+              <a:shade val="50000"/>
+            </a:schemeClr>
+          </a:lnRef>
+          <a:fillRef idx="1">
+            <a:schemeClr val="accent1"/>
+          </a:fillRef>
+          <a:effectRef idx="0">
+            <a:schemeClr val="accent1"/>
+          </a:effectRef>
+          <a:fontRef idx="minor">
+            <a:schemeClr val="lt1"/>
+          </a:fontRef>
+        </p:style>
+        <p:txBody>
+          <a:bodyPr rtlCol="0" anchor="ctr"/>
+          <a:lstStyle/>
+          <a:p>
+            <a:pPr algn="ctr"/>
+            <a:endParaRPr lang="fr-FR"/>
+          </a:p>
+        </p:txBody>
+      </p:sp>
+      <p:pic>
+        <p:nvPicPr>
+          <p:cNvPr id="17" name="Image 16">
+            <a:extLst>
+              <a:ext uri="{FF2B5EF4-FFF2-40B4-BE49-F238E27FC236}">
+                <a16:creationId xmlns:a16="http://schemas.microsoft.com/office/drawing/2014/main" id="{6ABDADB3-4AE5-4DA9-BCEB-AC278BE194F3}"/>
+              </a:ext>
+            </a:extLst>
+          </p:cNvPr>
+          <p:cNvPicPr>
+            <a:picLocks noChangeAspect="1"/>
+          </p:cNvPicPr>
+          <p:nvPr/>
+        </p:nvPicPr>
+        <p:blipFill>
+          <a:blip r:embed="rId3"/>
+          <a:stretch>
+            <a:fillRect/>
+          </a:stretch>
+        </p:blipFill>
+        <p:spPr>
+          <a:xfrm>
+            <a:off x="611321" y="6175540"/>
+            <a:ext cx="4829849" cy="419158"/>
+          </a:xfrm>
+          <a:prstGeom prst="rect">
+            <a:avLst/>
+          </a:prstGeom>
+        </p:spPr>
+      </p:pic>
+      <p:pic>
+        <p:nvPicPr>
+          <p:cNvPr id="24" name="Image 23">
+            <a:extLst>
+              <a:ext uri="{FF2B5EF4-FFF2-40B4-BE49-F238E27FC236}">
+                <a16:creationId xmlns:a16="http://schemas.microsoft.com/office/drawing/2014/main" id="{BCDC707A-3153-41FA-8783-D04EC5059B7D}"/>
+              </a:ext>
+            </a:extLst>
+          </p:cNvPr>
+          <p:cNvPicPr>
+            <a:picLocks noChangeAspect="1"/>
+          </p:cNvPicPr>
+          <p:nvPr/>
+        </p:nvPicPr>
+        <p:blipFill>
+          <a:blip r:embed="rId4"/>
+          <a:stretch>
+            <a:fillRect/>
+          </a:stretch>
+        </p:blipFill>
+        <p:spPr>
+          <a:xfrm>
+            <a:off x="7956573" y="6137612"/>
+            <a:ext cx="1190791" cy="466790"/>
+          </a:xfrm>
+          <a:prstGeom prst="rect">
+            <a:avLst/>
+          </a:prstGeom>
+        </p:spPr>
+      </p:pic>
+      <p:pic>
+        <p:nvPicPr>
+          <p:cNvPr id="26" name="Image 25">
+            <a:extLst>
+              <a:ext uri="{FF2B5EF4-FFF2-40B4-BE49-F238E27FC236}">
+                <a16:creationId xmlns:a16="http://schemas.microsoft.com/office/drawing/2014/main" id="{C76A4E75-9AF7-4D99-90F4-6FF0F0C7011D}"/>
+              </a:ext>
+            </a:extLst>
+          </p:cNvPr>
+          <p:cNvPicPr>
+            <a:picLocks noChangeAspect="1"/>
+          </p:cNvPicPr>
+          <p:nvPr/>
+        </p:nvPicPr>
+        <p:blipFill>
+          <a:blip r:embed="rId5"/>
+          <a:stretch>
+            <a:fillRect/>
+          </a:stretch>
+        </p:blipFill>
+        <p:spPr>
+          <a:xfrm>
+            <a:off x="6206209" y="3252500"/>
+            <a:ext cx="5982535" cy="1162212"/>
+          </a:xfrm>
+          <a:prstGeom prst="rect">
+            <a:avLst/>
+          </a:prstGeom>
+        </p:spPr>
+      </p:pic>
+      <p:sp>
+        <p:nvSpPr>
+          <p:cNvPr id="27" name="Flèche : droite 26">
+            <a:extLst>
+              <a:ext uri="{FF2B5EF4-FFF2-40B4-BE49-F238E27FC236}">
+                <a16:creationId xmlns:a16="http://schemas.microsoft.com/office/drawing/2014/main" id="{4C92A56E-DEBE-4611-9F94-4BF3011E108D}"/>
+              </a:ext>
+            </a:extLst>
+          </p:cNvPr>
+          <p:cNvSpPr/>
+          <p:nvPr/>
+        </p:nvSpPr>
+        <p:spPr>
+          <a:xfrm>
+            <a:off x="6118563" y="6055877"/>
+            <a:ext cx="1205713" cy="480290"/>
+          </a:xfrm>
+          <a:prstGeom prst="rightArrow">
+            <a:avLst/>
+          </a:prstGeom>
+        </p:spPr>
+        <p:style>
+          <a:lnRef idx="2">
+            <a:schemeClr val="accent1">
+              <a:shade val="50000"/>
+            </a:schemeClr>
+          </a:lnRef>
+          <a:fillRef idx="1">
+            <a:schemeClr val="accent1"/>
+          </a:fillRef>
+          <a:effectRef idx="0">
+            <a:schemeClr val="accent1"/>
+          </a:effectRef>
+          <a:fontRef idx="minor">
+            <a:schemeClr val="lt1"/>
+          </a:fontRef>
+        </p:style>
+        <p:txBody>
+          <a:bodyPr rtlCol="0" anchor="ctr"/>
+          <a:lstStyle/>
+          <a:p>
+            <a:pPr algn="ctr"/>
+            <a:endParaRPr lang="fr-FR"/>
+          </a:p>
+        </p:txBody>
+      </p:sp>
+      <p:sp>
+        <p:nvSpPr>
+          <p:cNvPr id="28" name="ZoneTexte 27">
+            <a:extLst>
+              <a:ext uri="{FF2B5EF4-FFF2-40B4-BE49-F238E27FC236}">
+                <a16:creationId xmlns:a16="http://schemas.microsoft.com/office/drawing/2014/main" id="{59D4B96E-419E-4D2C-989B-7923B5E816F2}"/>
+              </a:ext>
+            </a:extLst>
+          </p:cNvPr>
+          <p:cNvSpPr txBox="1"/>
+          <p:nvPr/>
+        </p:nvSpPr>
+        <p:spPr>
+          <a:xfrm>
+            <a:off x="4765963" y="5521867"/>
+            <a:ext cx="2807855" cy="461665"/>
+          </a:xfrm>
+          <a:prstGeom prst="rect">
+            <a:avLst/>
+          </a:prstGeom>
+          <a:noFill/>
+        </p:spPr>
+        <p:txBody>
+          <a:bodyPr wrap="square" rtlCol="0">
+            <a:spAutoFit/>
+          </a:bodyPr>
+          <a:lstStyle/>
+          <a:p>
+            <a:r>
+              <a:rPr lang="fr-FR" sz="2400" dirty="0"/>
+              <a:t>Affichage :</a:t>
+            </a:r>
+          </a:p>
+        </p:txBody>
+      </p:sp>
+    </p:spTree>
+    <p:extLst>
+      <p:ext uri="{BB962C8B-B14F-4D97-AF65-F5344CB8AC3E}">
+        <p14:creationId xmlns:p14="http://schemas.microsoft.com/office/powerpoint/2010/main" val="3567119921"/>
       </p:ext>
     </p:extLst>
   </p:cSld>

--- a/Formation de formateur.pptx
+++ b/Formation de formateur.pptx
@@ -210,7 +210,7 @@
           <a:p>
             <a:fld id="{40E7BC13-EF80-437B-A759-6158F4DAF95C}" type="datetimeFigureOut">
               <a:rPr lang="fr-FR" smtClean="0"/>
-              <a:t>30/11/2020</a:t>
+              <a:t>01/12/2020</a:t>
             </a:fld>
             <a:endParaRPr lang="fr-FR"/>
           </a:p>
@@ -624,7 +624,7 @@
           <a:p>
             <a:fld id="{C955F856-DB7D-429D-BB0A-82C5CA6E1B44}" type="datetime1">
               <a:rPr lang="fr-FR" smtClean="0"/>
-              <a:t>30/11/2020</a:t>
+              <a:t>01/12/2020</a:t>
             </a:fld>
             <a:endParaRPr lang="fr-FR"/>
           </a:p>
@@ -822,7 +822,7 @@
           <a:p>
             <a:fld id="{93AA34FB-F989-4D70-8967-248B8FE05E14}" type="datetime1">
               <a:rPr lang="fr-FR" smtClean="0"/>
-              <a:t>30/11/2020</a:t>
+              <a:t>01/12/2020</a:t>
             </a:fld>
             <a:endParaRPr lang="fr-FR"/>
           </a:p>
@@ -1030,7 +1030,7 @@
           <a:p>
             <a:fld id="{2F0153E3-7B69-47D3-8715-C2AB887F8B21}" type="datetime1">
               <a:rPr lang="fr-FR" smtClean="0"/>
-              <a:t>30/11/2020</a:t>
+              <a:t>01/12/2020</a:t>
             </a:fld>
             <a:endParaRPr lang="fr-FR"/>
           </a:p>
@@ -1228,7 +1228,7 @@
           <a:p>
             <a:fld id="{7AA3A4D9-0224-4F5F-81CE-D8B1C6C5EBA2}" type="datetime1">
               <a:rPr lang="fr-FR" smtClean="0"/>
-              <a:t>30/11/2020</a:t>
+              <a:t>01/12/2020</a:t>
             </a:fld>
             <a:endParaRPr lang="fr-FR"/>
           </a:p>
@@ -1503,7 +1503,7 @@
           <a:p>
             <a:fld id="{B4D6C897-CABA-46B2-BA34-E1F31C931172}" type="datetime1">
               <a:rPr lang="fr-FR" smtClean="0"/>
-              <a:t>30/11/2020</a:t>
+              <a:t>01/12/2020</a:t>
             </a:fld>
             <a:endParaRPr lang="fr-FR"/>
           </a:p>
@@ -1768,7 +1768,7 @@
           <a:p>
             <a:fld id="{0E578919-1A12-4588-988F-DA9E4CBD798D}" type="datetime1">
               <a:rPr lang="fr-FR" smtClean="0"/>
-              <a:t>30/11/2020</a:t>
+              <a:t>01/12/2020</a:t>
             </a:fld>
             <a:endParaRPr lang="fr-FR"/>
           </a:p>
@@ -2180,7 +2180,7 @@
           <a:p>
             <a:fld id="{A8B92751-DCF1-463A-BF8D-439E3F132E33}" type="datetime1">
               <a:rPr lang="fr-FR" smtClean="0"/>
-              <a:t>30/11/2020</a:t>
+              <a:t>01/12/2020</a:t>
             </a:fld>
             <a:endParaRPr lang="fr-FR"/>
           </a:p>
@@ -2321,7 +2321,7 @@
           <a:p>
             <a:fld id="{AAA159D9-A1B8-4ADE-97A7-986761ED22F6}" type="datetime1">
               <a:rPr lang="fr-FR" smtClean="0"/>
-              <a:t>30/11/2020</a:t>
+              <a:t>01/12/2020</a:t>
             </a:fld>
             <a:endParaRPr lang="fr-FR"/>
           </a:p>
@@ -2434,7 +2434,7 @@
           <a:p>
             <a:fld id="{FD68B437-B1C0-4353-B143-55FA805A8AB4}" type="datetime1">
               <a:rPr lang="fr-FR" smtClean="0"/>
-              <a:t>30/11/2020</a:t>
+              <a:t>01/12/2020</a:t>
             </a:fld>
             <a:endParaRPr lang="fr-FR"/>
           </a:p>
@@ -2745,7 +2745,7 @@
           <a:p>
             <a:fld id="{06CD109D-AFE8-47A6-A600-A815C1DD1BF3}" type="datetime1">
               <a:rPr lang="fr-FR" smtClean="0"/>
-              <a:t>30/11/2020</a:t>
+              <a:t>01/12/2020</a:t>
             </a:fld>
             <a:endParaRPr lang="fr-FR"/>
           </a:p>
@@ -3033,7 +3033,7 @@
           <a:p>
             <a:fld id="{6F434BBF-B85A-469C-ABC5-8DDCA5E2311D}" type="datetime1">
               <a:rPr lang="fr-FR" smtClean="0"/>
-              <a:t>30/11/2020</a:t>
+              <a:t>01/12/2020</a:t>
             </a:fld>
             <a:endParaRPr lang="fr-FR"/>
           </a:p>
@@ -3274,7 +3274,7 @@
           <a:p>
             <a:fld id="{351C3EB0-5D86-4B09-B954-C6421A91322A}" type="datetime1">
               <a:rPr lang="fr-FR" smtClean="0"/>
-              <a:t>30/11/2020</a:t>
+              <a:t>01/12/2020</a:t>
             </a:fld>
             <a:endParaRPr lang="fr-FR"/>
           </a:p>
@@ -5582,7 +5582,7 @@
         <p:spPr>
           <a:xfrm>
             <a:off x="1655641" y="5109086"/>
-            <a:ext cx="8368033" cy="1200329"/>
+            <a:ext cx="8368033" cy="1569660"/>
           </a:xfrm>
           <a:prstGeom prst="rect">
             <a:avLst/>
@@ -5601,7 +5601,7 @@
             </a:pPr>
             <a:r>
               <a:rPr lang="fr-FR" sz="2400" dirty="0"/>
-              <a:t>Résultat : Tant que $reponse-&gt;fetch() renvoie une ligne, on l’affiche. </a:t>
+              <a:t>Résultat : Tant que $reponse-&gt;fetch() renvoie une ligne, on affiche cette ligne. </a:t>
             </a:r>
           </a:p>
           <a:p>
@@ -5611,7 +5611,15 @@
             </a:pPr>
             <a:r>
               <a:rPr lang="fr-FR" sz="2400" dirty="0"/>
-              <a:t>Fetch renvoie « faux » lorsqu’il arrive a la fin des données</a:t>
+              <a:t>Fetch renvoie « faux » lorsqu’il arrive a la fin des données, on sort alors de la boucle </a:t>
+            </a:r>
+            <a:r>
+              <a:rPr lang="fr-FR" sz="2400" dirty="0" err="1"/>
+              <a:t>while</a:t>
+            </a:r>
+            <a:r>
+              <a:rPr lang="fr-FR" sz="2400" dirty="0"/>
+              <a:t>.</a:t>
             </a:r>
           </a:p>
         </p:txBody>
@@ -6985,7 +6993,7 @@
         </p:nvSpPr>
         <p:spPr>
           <a:xfrm>
-            <a:off x="1529032" y="2534558"/>
+            <a:off x="1913969" y="2416679"/>
             <a:ext cx="8368033" cy="461665"/>
           </a:xfrm>
           <a:prstGeom prst="rect">

--- a/Formation de formateur.pptx
+++ b/Formation de formateur.pptx
@@ -5,7 +5,7 @@
     <p:sldMasterId id="2147483648" r:id="rId1"/>
   </p:sldMasterIdLst>
   <p:notesMasterIdLst>
-    <p:notesMasterId r:id="rId16"/>
+    <p:notesMasterId r:id="rId28"/>
   </p:notesMasterIdLst>
   <p:sldIdLst>
     <p:sldId id="256" r:id="rId2"/>
@@ -14,14 +14,26 @@
     <p:sldId id="259" r:id="rId5"/>
     <p:sldId id="260" r:id="rId6"/>
     <p:sldId id="264" r:id="rId7"/>
-    <p:sldId id="267" r:id="rId8"/>
-    <p:sldId id="268" r:id="rId9"/>
-    <p:sldId id="269" r:id="rId10"/>
-    <p:sldId id="262" r:id="rId11"/>
-    <p:sldId id="265" r:id="rId12"/>
-    <p:sldId id="266" r:id="rId13"/>
-    <p:sldId id="270" r:id="rId14"/>
-    <p:sldId id="271" r:id="rId15"/>
+    <p:sldId id="272" r:id="rId8"/>
+    <p:sldId id="267" r:id="rId9"/>
+    <p:sldId id="268" r:id="rId10"/>
+    <p:sldId id="269" r:id="rId11"/>
+    <p:sldId id="262" r:id="rId12"/>
+    <p:sldId id="265" r:id="rId13"/>
+    <p:sldId id="273" r:id="rId14"/>
+    <p:sldId id="266" r:id="rId15"/>
+    <p:sldId id="274" r:id="rId16"/>
+    <p:sldId id="276" r:id="rId17"/>
+    <p:sldId id="277" r:id="rId18"/>
+    <p:sldId id="270" r:id="rId19"/>
+    <p:sldId id="279" r:id="rId20"/>
+    <p:sldId id="278" r:id="rId21"/>
+    <p:sldId id="281" r:id="rId22"/>
+    <p:sldId id="280" r:id="rId23"/>
+    <p:sldId id="271" r:id="rId24"/>
+    <p:sldId id="283" r:id="rId25"/>
+    <p:sldId id="282" r:id="rId26"/>
+    <p:sldId id="284" r:id="rId27"/>
   </p:sldIdLst>
   <p:sldSz cx="12192000" cy="6858000"/>
   <p:notesSz cx="6858000" cy="9144000"/>
@@ -210,7 +222,7 @@
           <a:p>
             <a:fld id="{40E7BC13-EF80-437B-A759-6158F4DAF95C}" type="datetimeFigureOut">
               <a:rPr lang="fr-FR" smtClean="0"/>
-              <a:t>01/12/2020</a:t>
+              <a:t>09/12/2020</a:t>
             </a:fld>
             <a:endParaRPr lang="fr-FR"/>
           </a:p>
@@ -624,7 +636,7 @@
           <a:p>
             <a:fld id="{C955F856-DB7D-429D-BB0A-82C5CA6E1B44}" type="datetime1">
               <a:rPr lang="fr-FR" smtClean="0"/>
-              <a:t>01/12/2020</a:t>
+              <a:t>09/12/2020</a:t>
             </a:fld>
             <a:endParaRPr lang="fr-FR"/>
           </a:p>
@@ -822,7 +834,7 @@
           <a:p>
             <a:fld id="{93AA34FB-F989-4D70-8967-248B8FE05E14}" type="datetime1">
               <a:rPr lang="fr-FR" smtClean="0"/>
-              <a:t>01/12/2020</a:t>
+              <a:t>09/12/2020</a:t>
             </a:fld>
             <a:endParaRPr lang="fr-FR"/>
           </a:p>
@@ -1030,7 +1042,7 @@
           <a:p>
             <a:fld id="{2F0153E3-7B69-47D3-8715-C2AB887F8B21}" type="datetime1">
               <a:rPr lang="fr-FR" smtClean="0"/>
-              <a:t>01/12/2020</a:t>
+              <a:t>09/12/2020</a:t>
             </a:fld>
             <a:endParaRPr lang="fr-FR"/>
           </a:p>
@@ -1228,7 +1240,7 @@
           <a:p>
             <a:fld id="{7AA3A4D9-0224-4F5F-81CE-D8B1C6C5EBA2}" type="datetime1">
               <a:rPr lang="fr-FR" smtClean="0"/>
-              <a:t>01/12/2020</a:t>
+              <a:t>09/12/2020</a:t>
             </a:fld>
             <a:endParaRPr lang="fr-FR"/>
           </a:p>
@@ -1503,7 +1515,7 @@
           <a:p>
             <a:fld id="{B4D6C897-CABA-46B2-BA34-E1F31C931172}" type="datetime1">
               <a:rPr lang="fr-FR" smtClean="0"/>
-              <a:t>01/12/2020</a:t>
+              <a:t>09/12/2020</a:t>
             </a:fld>
             <a:endParaRPr lang="fr-FR"/>
           </a:p>
@@ -1768,7 +1780,7 @@
           <a:p>
             <a:fld id="{0E578919-1A12-4588-988F-DA9E4CBD798D}" type="datetime1">
               <a:rPr lang="fr-FR" smtClean="0"/>
-              <a:t>01/12/2020</a:t>
+              <a:t>09/12/2020</a:t>
             </a:fld>
             <a:endParaRPr lang="fr-FR"/>
           </a:p>
@@ -2180,7 +2192,7 @@
           <a:p>
             <a:fld id="{A8B92751-DCF1-463A-BF8D-439E3F132E33}" type="datetime1">
               <a:rPr lang="fr-FR" smtClean="0"/>
-              <a:t>01/12/2020</a:t>
+              <a:t>09/12/2020</a:t>
             </a:fld>
             <a:endParaRPr lang="fr-FR"/>
           </a:p>
@@ -2321,7 +2333,7 @@
           <a:p>
             <a:fld id="{AAA159D9-A1B8-4ADE-97A7-986761ED22F6}" type="datetime1">
               <a:rPr lang="fr-FR" smtClean="0"/>
-              <a:t>01/12/2020</a:t>
+              <a:t>09/12/2020</a:t>
             </a:fld>
             <a:endParaRPr lang="fr-FR"/>
           </a:p>
@@ -2434,7 +2446,7 @@
           <a:p>
             <a:fld id="{FD68B437-B1C0-4353-B143-55FA805A8AB4}" type="datetime1">
               <a:rPr lang="fr-FR" smtClean="0"/>
-              <a:t>01/12/2020</a:t>
+              <a:t>09/12/2020</a:t>
             </a:fld>
             <a:endParaRPr lang="fr-FR"/>
           </a:p>
@@ -2745,7 +2757,7 @@
           <a:p>
             <a:fld id="{06CD109D-AFE8-47A6-A600-A815C1DD1BF3}" type="datetime1">
               <a:rPr lang="fr-FR" smtClean="0"/>
-              <a:t>01/12/2020</a:t>
+              <a:t>09/12/2020</a:t>
             </a:fld>
             <a:endParaRPr lang="fr-FR"/>
           </a:p>
@@ -3033,7 +3045,7 @@
           <a:p>
             <a:fld id="{6F434BBF-B85A-469C-ABC5-8DDCA5E2311D}" type="datetime1">
               <a:rPr lang="fr-FR" smtClean="0"/>
-              <a:t>01/12/2020</a:t>
+              <a:t>09/12/2020</a:t>
             </a:fld>
             <a:endParaRPr lang="fr-FR"/>
           </a:p>
@@ -3274,7 +3286,7 @@
           <a:p>
             <a:fld id="{351C3EB0-5D86-4B09-B954-C6421A91322A}" type="datetime1">
               <a:rPr lang="fr-FR" smtClean="0"/>
-              <a:t>01/12/2020</a:t>
+              <a:t>09/12/2020</a:t>
             </a:fld>
             <a:endParaRPr lang="fr-FR"/>
           </a:p>
@@ -4846,7 +4858,7 @@
           <p:cNvPr id="2" name="Titre 1">
             <a:extLst>
               <a:ext uri="{FF2B5EF4-FFF2-40B4-BE49-F238E27FC236}">
-                <a16:creationId xmlns:a16="http://schemas.microsoft.com/office/drawing/2014/main" id="{787733BC-219D-49C7-B5B4-F7CD9774C6A4}"/>
+                <a16:creationId xmlns:a16="http://schemas.microsoft.com/office/drawing/2014/main" id="{5F43244E-9AAB-4DF2-B28F-D57B921A9CC6}"/>
               </a:ext>
             </a:extLst>
           </p:cNvPr>
@@ -4872,20 +4884,20 @@
             <a:r>
               <a:rPr lang="fr-FR" sz="4000" dirty="0">
                 <a:solidFill>
-                  <a:srgbClr val="FFFFFF"/>
+                  <a:schemeClr val="bg1"/>
                 </a:solidFill>
               </a:rPr>
-              <a:t>PDO – Fetch et FetchAll</a:t>
+              <a:t>PDO – Requêtes préparées</a:t>
             </a:r>
           </a:p>
         </p:txBody>
       </p:sp>
       <p:sp>
         <p:nvSpPr>
-          <p:cNvPr id="3" name="Espace réservé du contenu 2">
-            <a:extLst>
-              <a:ext uri="{FF2B5EF4-FFF2-40B4-BE49-F238E27FC236}">
-                <a16:creationId xmlns:a16="http://schemas.microsoft.com/office/drawing/2014/main" id="{D07B29E1-8497-4530-84DE-C91A906B2634}"/>
+          <p:cNvPr id="4" name="Espace réservé du numéro de diapositive 3">
+            <a:extLst>
+              <a:ext uri="{FF2B5EF4-FFF2-40B4-BE49-F238E27FC236}">
+                <a16:creationId xmlns:a16="http://schemas.microsoft.com/office/drawing/2014/main" id="{9A00D674-7F0A-4352-8C96-7F5A5E78D104}"/>
               </a:ext>
             </a:extLst>
           </p:cNvPr>
@@ -4893,69 +4905,15 @@
             <a:spLocks noGrp="1"/>
           </p:cNvSpPr>
           <p:nvPr>
-            <p:ph idx="1"/>
+            <p:ph type="sldNum" sz="quarter" idx="12"/>
           </p:nvPr>
         </p:nvSpPr>
         <p:spPr>
           <a:xfrm>
-            <a:off x="1367624" y="2490436"/>
-            <a:ext cx="9708995" cy="3567173"/>
-          </a:xfrm>
-        </p:spPr>
-        <p:txBody>
-          <a:bodyPr anchor="ctr">
-            <a:normAutofit/>
-          </a:bodyPr>
-          <a:lstStyle/>
-          <a:p>
-            <a:r>
-              <a:rPr lang="fr-FR" sz="2400" dirty="0"/>
-              <a:t>Méthodes permettant de récupérer les données reçues par une précédente requête</a:t>
-            </a:r>
-          </a:p>
-          <a:p>
-            <a:endParaRPr lang="fr-FR" sz="2400" dirty="0"/>
-          </a:p>
-          <a:p>
-            <a:r>
-              <a:rPr lang="fr-FR" sz="2400" dirty="0"/>
-              <a:t>Fetch </a:t>
-            </a:r>
-            <a:r>
-              <a:rPr lang="fr-FR" sz="2400" dirty="0">
-                <a:sym typeface="Wingdings" panose="05000000000000000000" pitchFamily="2" charset="2"/>
-              </a:rPr>
-              <a:t> Récupère les données ligne par ligne</a:t>
-            </a:r>
-          </a:p>
-          <a:p>
-            <a:r>
-              <a:rPr lang="fr-FR" sz="2400" dirty="0">
-                <a:sym typeface="Wingdings" panose="05000000000000000000" pitchFamily="2" charset="2"/>
-              </a:rPr>
-              <a:t>FetchAll  Récupère toute les données et les stockes dans un tableau</a:t>
-            </a:r>
-            <a:endParaRPr lang="fr-FR" sz="2400" dirty="0"/>
-          </a:p>
-        </p:txBody>
-      </p:sp>
-      <p:sp>
-        <p:nvSpPr>
-          <p:cNvPr id="4" name="Espace réservé du numéro de diapositive 3">
-            <a:extLst>
-              <a:ext uri="{FF2B5EF4-FFF2-40B4-BE49-F238E27FC236}">
-                <a16:creationId xmlns:a16="http://schemas.microsoft.com/office/drawing/2014/main" id="{B1F64A98-B772-42C2-8B04-79C4D3AEAF50}"/>
-              </a:ext>
-            </a:extLst>
-          </p:cNvPr>
-          <p:cNvSpPr>
-            <a:spLocks noGrp="1"/>
-          </p:cNvSpPr>
-          <p:nvPr>
-            <p:ph type="sldNum" sz="quarter" idx="12"/>
-          </p:nvPr>
-        </p:nvSpPr>
-        <p:spPr/>
+            <a:off x="8644309" y="6310313"/>
+            <a:ext cx="2743200" cy="365125"/>
+          </a:xfrm>
+        </p:spPr>
         <p:txBody>
           <a:bodyPr/>
           <a:lstStyle/>
@@ -4968,10 +4926,125 @@
           </a:p>
         </p:txBody>
       </p:sp>
+      <p:sp>
+        <p:nvSpPr>
+          <p:cNvPr id="9" name="ZoneTexte 8">
+            <a:extLst>
+              <a:ext uri="{FF2B5EF4-FFF2-40B4-BE49-F238E27FC236}">
+                <a16:creationId xmlns:a16="http://schemas.microsoft.com/office/drawing/2014/main" id="{5B22C9B3-0306-4ADE-8CDA-C2DB126B9CB7}"/>
+              </a:ext>
+            </a:extLst>
+          </p:cNvPr>
+          <p:cNvSpPr txBox="1"/>
+          <p:nvPr/>
+        </p:nvSpPr>
+        <p:spPr>
+          <a:xfrm>
+            <a:off x="1773578" y="2416679"/>
+            <a:ext cx="8634549" cy="461665"/>
+          </a:xfrm>
+          <a:prstGeom prst="rect">
+            <a:avLst/>
+          </a:prstGeom>
+          <a:noFill/>
+        </p:spPr>
+        <p:txBody>
+          <a:bodyPr wrap="square" rtlCol="0">
+            <a:spAutoFit/>
+          </a:bodyPr>
+          <a:lstStyle/>
+          <a:p>
+            <a:pPr marL="285750" indent="-285750">
+              <a:buFont typeface="Arial" panose="020B0604020202020204" pitchFamily="34" charset="0"/>
+              <a:buChar char="•"/>
+            </a:pPr>
+            <a:r>
+              <a:rPr lang="fr-FR" sz="2400" dirty="0"/>
+              <a:t>Méthode Prepare() avec marqueurs nominatifs </a:t>
+            </a:r>
+          </a:p>
+        </p:txBody>
+      </p:sp>
+      <p:sp>
+        <p:nvSpPr>
+          <p:cNvPr id="5" name="ZoneTexte 4">
+            <a:extLst>
+              <a:ext uri="{FF2B5EF4-FFF2-40B4-BE49-F238E27FC236}">
+                <a16:creationId xmlns:a16="http://schemas.microsoft.com/office/drawing/2014/main" id="{41AB7D10-BDC6-4A6B-9B8B-752CDFE52754}"/>
+              </a:ext>
+            </a:extLst>
+          </p:cNvPr>
+          <p:cNvSpPr txBox="1"/>
+          <p:nvPr/>
+        </p:nvSpPr>
+        <p:spPr>
+          <a:xfrm>
+            <a:off x="1636419" y="5158004"/>
+            <a:ext cx="8908869" cy="1200329"/>
+          </a:xfrm>
+          <a:prstGeom prst="rect">
+            <a:avLst/>
+          </a:prstGeom>
+          <a:noFill/>
+        </p:spPr>
+        <p:txBody>
+          <a:bodyPr wrap="square" rtlCol="0">
+            <a:spAutoFit/>
+          </a:bodyPr>
+          <a:lstStyle/>
+          <a:p>
+            <a:pPr marL="285750" indent="-285750">
+              <a:buFont typeface="Arial" panose="020B0604020202020204" pitchFamily="34" charset="0"/>
+              <a:buChar char="•"/>
+            </a:pPr>
+            <a:r>
+              <a:rPr lang="fr-FR" sz="2400" dirty="0"/>
+              <a:t>Avantages : requête plus lisible, surtout lorsqu’il y a beaucoup de variables</a:t>
+            </a:r>
+          </a:p>
+          <a:p>
+            <a:pPr marL="285750" indent="-285750">
+              <a:buFont typeface="Arial" panose="020B0604020202020204" pitchFamily="34" charset="0"/>
+              <a:buChar char="•"/>
+            </a:pPr>
+            <a:endParaRPr lang="fr-FR" sz="2400" dirty="0"/>
+          </a:p>
+        </p:txBody>
+      </p:sp>
+      <p:pic>
+        <p:nvPicPr>
+          <p:cNvPr id="6" name="Image 5">
+            <a:extLst>
+              <a:ext uri="{FF2B5EF4-FFF2-40B4-BE49-F238E27FC236}">
+                <a16:creationId xmlns:a16="http://schemas.microsoft.com/office/drawing/2014/main" id="{350364BD-E6EF-40A1-A54D-A609C85F59D1}"/>
+              </a:ext>
+            </a:extLst>
+          </p:cNvPr>
+          <p:cNvPicPr>
+            <a:picLocks noChangeAspect="1"/>
+          </p:cNvPicPr>
+          <p:nvPr/>
+        </p:nvPicPr>
+        <p:blipFill>
+          <a:blip r:embed="rId2"/>
+          <a:stretch>
+            <a:fillRect/>
+          </a:stretch>
+        </p:blipFill>
+        <p:spPr>
+          <a:xfrm>
+            <a:off x="2056094" y="3029090"/>
+            <a:ext cx="8079811" cy="1901133"/>
+          </a:xfrm>
+          <a:prstGeom prst="rect">
+            <a:avLst/>
+          </a:prstGeom>
+        </p:spPr>
+      </p:pic>
     </p:spTree>
     <p:extLst>
       <p:ext uri="{BB962C8B-B14F-4D97-AF65-F5344CB8AC3E}">
-        <p14:creationId xmlns:p14="http://schemas.microsoft.com/office/powerpoint/2010/main" val="1732327807"/>
+        <p14:creationId xmlns:p14="http://schemas.microsoft.com/office/powerpoint/2010/main" val="1174444186"/>
       </p:ext>
     </p:extLst>
   </p:cSld>
@@ -5562,104 +5635,76 @@
                   <a:srgbClr val="FFFFFF"/>
                 </a:solidFill>
               </a:rPr>
-              <a:t>PDO – Fetch</a:t>
+              <a:t>PDO – Fetch et FetchAll</a:t>
             </a:r>
           </a:p>
         </p:txBody>
       </p:sp>
       <p:sp>
         <p:nvSpPr>
-          <p:cNvPr id="5" name="ZoneTexte 4">
-            <a:extLst>
-              <a:ext uri="{FF2B5EF4-FFF2-40B4-BE49-F238E27FC236}">
-                <a16:creationId xmlns:a16="http://schemas.microsoft.com/office/drawing/2014/main" id="{C33F6FD7-41DE-417B-B411-49B9C30EC6EE}"/>
-              </a:ext>
-            </a:extLst>
-          </p:cNvPr>
-          <p:cNvSpPr txBox="1"/>
-          <p:nvPr/>
+          <p:cNvPr id="3" name="Espace réservé du contenu 2">
+            <a:extLst>
+              <a:ext uri="{FF2B5EF4-FFF2-40B4-BE49-F238E27FC236}">
+                <a16:creationId xmlns:a16="http://schemas.microsoft.com/office/drawing/2014/main" id="{D07B29E1-8497-4530-84DE-C91A906B2634}"/>
+              </a:ext>
+            </a:extLst>
+          </p:cNvPr>
+          <p:cNvSpPr>
+            <a:spLocks noGrp="1"/>
+          </p:cNvSpPr>
+          <p:nvPr>
+            <p:ph idx="1"/>
+          </p:nvPr>
         </p:nvSpPr>
         <p:spPr>
           <a:xfrm>
-            <a:off x="1655641" y="5109086"/>
-            <a:ext cx="8368033" cy="1569660"/>
-          </a:xfrm>
-          <a:prstGeom prst="rect">
-            <a:avLst/>
-          </a:prstGeom>
-          <a:noFill/>
-        </p:spPr>
-        <p:txBody>
-          <a:bodyPr wrap="square" rtlCol="0">
-            <a:spAutoFit/>
+            <a:off x="1367624" y="2490436"/>
+            <a:ext cx="9708995" cy="3567173"/>
+          </a:xfrm>
+        </p:spPr>
+        <p:txBody>
+          <a:bodyPr anchor="ctr">
+            <a:normAutofit/>
           </a:bodyPr>
           <a:lstStyle/>
           <a:p>
-            <a:pPr marL="342900" indent="-342900">
-              <a:buFont typeface="Arial" panose="020B0604020202020204" pitchFamily="34" charset="0"/>
-              <a:buChar char="•"/>
-            </a:pPr>
             <a:r>
               <a:rPr lang="fr-FR" sz="2400" dirty="0"/>
-              <a:t>Résultat : Tant que $reponse-&gt;fetch() renvoie une ligne, on affiche cette ligne. </a:t>
+              <a:t>Méthodes permettant de récupérer les données reçues par une précédente requête</a:t>
             </a:r>
           </a:p>
           <a:p>
-            <a:pPr marL="342900" indent="-342900">
-              <a:buFont typeface="Arial" panose="020B0604020202020204" pitchFamily="34" charset="0"/>
-              <a:buChar char="•"/>
-            </a:pPr>
+            <a:endParaRPr lang="fr-FR" sz="2400" dirty="0"/>
+          </a:p>
+          <a:p>
             <a:r>
               <a:rPr lang="fr-FR" sz="2400" dirty="0"/>
-              <a:t>Fetch renvoie « faux » lorsqu’il arrive a la fin des données, on sort alors de la boucle </a:t>
+              <a:t>Fetch </a:t>
             </a:r>
             <a:r>
-              <a:rPr lang="fr-FR" sz="2400" dirty="0" err="1"/>
-              <a:t>while</a:t>
+              <a:rPr lang="fr-FR" sz="2400" dirty="0">
+                <a:sym typeface="Wingdings" panose="05000000000000000000" pitchFamily="2" charset="2"/>
+              </a:rPr>
+              <a:t> Récupère les données ligne par ligne</a:t>
             </a:r>
+          </a:p>
+          <a:p>
             <a:r>
-              <a:rPr lang="fr-FR" sz="2400" dirty="0"/>
-              <a:t>.</a:t>
+              <a:rPr lang="fr-FR" sz="2400" dirty="0">
+                <a:sym typeface="Wingdings" panose="05000000000000000000" pitchFamily="2" charset="2"/>
+              </a:rPr>
+              <a:t>FetchAll  Récupère toute les données et les stockes dans un tableau</a:t>
             </a:r>
-          </a:p>
-        </p:txBody>
-      </p:sp>
-      <p:pic>
-        <p:nvPicPr>
-          <p:cNvPr id="13" name="Image 12">
-            <a:extLst>
-              <a:ext uri="{FF2B5EF4-FFF2-40B4-BE49-F238E27FC236}">
-                <a16:creationId xmlns:a16="http://schemas.microsoft.com/office/drawing/2014/main" id="{89D9ADB6-0DFC-498F-BEE8-3A14C8C8CD26}"/>
-              </a:ext>
-            </a:extLst>
-          </p:cNvPr>
-          <p:cNvPicPr>
-            <a:picLocks noChangeAspect="1"/>
-          </p:cNvPicPr>
-          <p:nvPr/>
-        </p:nvPicPr>
-        <p:blipFill>
-          <a:blip r:embed="rId2"/>
-          <a:stretch>
-            <a:fillRect/>
-          </a:stretch>
-        </p:blipFill>
-        <p:spPr>
-          <a:xfrm>
-            <a:off x="1989116" y="2543175"/>
-            <a:ext cx="7701082" cy="2279390"/>
-          </a:xfrm>
-          <a:prstGeom prst="rect">
-            <a:avLst/>
-          </a:prstGeom>
-        </p:spPr>
-      </p:pic>
-      <p:sp>
-        <p:nvSpPr>
-          <p:cNvPr id="6" name="Espace réservé du numéro de diapositive 5">
-            <a:extLst>
-              <a:ext uri="{FF2B5EF4-FFF2-40B4-BE49-F238E27FC236}">
-                <a16:creationId xmlns:a16="http://schemas.microsoft.com/office/drawing/2014/main" id="{70D03796-929C-43C4-816D-31DE41DDDF0A}"/>
+            <a:endParaRPr lang="fr-FR" sz="2400" dirty="0"/>
+          </a:p>
+        </p:txBody>
+      </p:sp>
+      <p:sp>
+        <p:nvSpPr>
+          <p:cNvPr id="4" name="Espace réservé du numéro de diapositive 3">
+            <a:extLst>
+              <a:ext uri="{FF2B5EF4-FFF2-40B4-BE49-F238E27FC236}">
+                <a16:creationId xmlns:a16="http://schemas.microsoft.com/office/drawing/2014/main" id="{B1F64A98-B772-42C2-8B04-79C4D3AEAF50}"/>
               </a:ext>
             </a:extLst>
           </p:cNvPr>
@@ -5686,7 +5731,7 @@
     </p:spTree>
     <p:extLst>
       <p:ext uri="{BB962C8B-B14F-4D97-AF65-F5344CB8AC3E}">
-        <p14:creationId xmlns:p14="http://schemas.microsoft.com/office/powerpoint/2010/main" val="1546194250"/>
+        <p14:creationId xmlns:p14="http://schemas.microsoft.com/office/powerpoint/2010/main" val="1732327807"/>
       </p:ext>
     </p:extLst>
   </p:cSld>
@@ -6277,7 +6322,7 @@
                   <a:srgbClr val="FFFFFF"/>
                 </a:solidFill>
               </a:rPr>
-              <a:t>PDO – FetchAll</a:t>
+              <a:t>PDO – Fetch</a:t>
             </a:r>
           </a:p>
         </p:txBody>
@@ -6296,8 +6341,8 @@
         </p:nvSpPr>
         <p:spPr>
           <a:xfrm>
-            <a:off x="1655641" y="4680829"/>
-            <a:ext cx="8368033" cy="830997"/>
+            <a:off x="1655641" y="5109086"/>
+            <a:ext cx="8368033" cy="1569660"/>
           </a:xfrm>
           <a:prstGeom prst="rect">
             <a:avLst/>
@@ -6316,17 +6361,35 @@
             </a:pPr>
             <a:r>
               <a:rPr lang="fr-FR" sz="2400" dirty="0"/>
-              <a:t>Résultat : Toutes les données reçus sont stockées dans le tableau $resultat</a:t>
+              <a:t>Résultat : Tant que $reponse-&gt;fetch() renvoie une ligne, on affiche cette ligne. </a:t>
+            </a:r>
+          </a:p>
+          <a:p>
+            <a:pPr marL="342900" indent="-342900">
+              <a:buFont typeface="Arial" panose="020B0604020202020204" pitchFamily="34" charset="0"/>
+              <a:buChar char="•"/>
+            </a:pPr>
+            <a:r>
+              <a:rPr lang="fr-FR" sz="2400" dirty="0"/>
+              <a:t>Fetch renvoie « faux » lorsqu’il arrive a la fin des données, on sort alors de la boucle </a:t>
+            </a:r>
+            <a:r>
+              <a:rPr lang="fr-FR" sz="2400" dirty="0" err="1"/>
+              <a:t>while</a:t>
+            </a:r>
+            <a:r>
+              <a:rPr lang="fr-FR" sz="2400" dirty="0"/>
+              <a:t>.</a:t>
             </a:r>
           </a:p>
         </p:txBody>
       </p:sp>
       <p:pic>
         <p:nvPicPr>
-          <p:cNvPr id="7" name="Image 6">
-            <a:extLst>
-              <a:ext uri="{FF2B5EF4-FFF2-40B4-BE49-F238E27FC236}">
-                <a16:creationId xmlns:a16="http://schemas.microsoft.com/office/drawing/2014/main" id="{3DBA316B-8A92-4367-90A6-A63641B2CE56}"/>
+          <p:cNvPr id="13" name="Image 12">
+            <a:extLst>
+              <a:ext uri="{FF2B5EF4-FFF2-40B4-BE49-F238E27FC236}">
+                <a16:creationId xmlns:a16="http://schemas.microsoft.com/office/drawing/2014/main" id="{89D9ADB6-0DFC-498F-BEE8-3A14C8C8CD26}"/>
               </a:ext>
             </a:extLst>
           </p:cNvPr>
@@ -6343,8 +6406,8 @@
         </p:blipFill>
         <p:spPr>
           <a:xfrm>
-            <a:off x="2450909" y="2779575"/>
-            <a:ext cx="7572765" cy="954685"/>
+            <a:off x="1989116" y="2543175"/>
+            <a:ext cx="7701082" cy="2279390"/>
           </a:xfrm>
           <a:prstGeom prst="rect">
             <a:avLst/>
@@ -6353,10 +6416,10 @@
       </p:pic>
       <p:sp>
         <p:nvSpPr>
-          <p:cNvPr id="9" name="Espace réservé du numéro de diapositive 8">
-            <a:extLst>
-              <a:ext uri="{FF2B5EF4-FFF2-40B4-BE49-F238E27FC236}">
-                <a16:creationId xmlns:a16="http://schemas.microsoft.com/office/drawing/2014/main" id="{F3EDF272-70D0-418F-B1E4-090F125EAE69}"/>
+          <p:cNvPr id="6" name="Espace réservé du numéro de diapositive 5">
+            <a:extLst>
+              <a:ext uri="{FF2B5EF4-FFF2-40B4-BE49-F238E27FC236}">
+                <a16:creationId xmlns:a16="http://schemas.microsoft.com/office/drawing/2014/main" id="{70D03796-929C-43C4-816D-31DE41DDDF0A}"/>
               </a:ext>
             </a:extLst>
           </p:cNvPr>
@@ -6383,7 +6446,7 @@
     </p:spTree>
     <p:extLst>
       <p:ext uri="{BB962C8B-B14F-4D97-AF65-F5344CB8AC3E}">
-        <p14:creationId xmlns:p14="http://schemas.microsoft.com/office/powerpoint/2010/main" val="3882327423"/>
+        <p14:creationId xmlns:p14="http://schemas.microsoft.com/office/powerpoint/2010/main" val="1546194250"/>
       </p:ext>
     </p:extLst>
   </p:cSld>
@@ -6418,12 +6481,12 @@
           <a:chExt cx="0" cy="0"/>
         </a:xfrm>
       </p:grpSpPr>
-      <p:sp useBgFill="1">
-        <p:nvSpPr>
-          <p:cNvPr id="8" name="Rectangle 7">
-            <a:extLst>
-              <a:ext uri="{FF2B5EF4-FFF2-40B4-BE49-F238E27FC236}">
-                <a16:creationId xmlns:a16="http://schemas.microsoft.com/office/drawing/2014/main" id="{827B839B-9ADE-406B-8590-F1CAEDED45A1}"/>
+      <p:sp>
+        <p:nvSpPr>
+          <p:cNvPr id="9" name="Rectangle 8">
+            <a:extLst>
+              <a:ext uri="{FF2B5EF4-FFF2-40B4-BE49-F238E27FC236}">
+                <a16:creationId xmlns:a16="http://schemas.microsoft.com/office/drawing/2014/main" id="{23962611-DFD5-4092-AAFD-559E3DFCE2C9}"/>
               </a:ext>
               <a:ext uri="{C183D7F6-B498-43B3-948B-1728B52AA6E4}">
                 <adec:decorative xmlns:adec="http://schemas.microsoft.com/office/drawing/2017/decorative" val="1"/>
@@ -6443,12 +6506,37 @@
         </p:nvSpPr>
         <p:spPr>
           <a:xfrm>
-            <a:off x="0" y="0"/>
-            <a:ext cx="12188952" cy="6858000"/>
+            <a:off x="475488" y="0"/>
+            <a:ext cx="10910292" cy="6858000"/>
           </a:xfrm>
           <a:prstGeom prst="rect">
             <a:avLst/>
           </a:prstGeom>
+          <a:gradFill>
+            <a:gsLst>
+              <a:gs pos="0">
+                <a:schemeClr val="accent1">
+                  <a:lumMod val="90000"/>
+                </a:schemeClr>
+              </a:gs>
+              <a:gs pos="25000">
+                <a:schemeClr val="accent1">
+                  <a:lumMod val="90000"/>
+                </a:schemeClr>
+              </a:gs>
+              <a:gs pos="94000">
+                <a:schemeClr val="bg2">
+                  <a:lumMod val="25000"/>
+                </a:schemeClr>
+              </a:gs>
+              <a:gs pos="100000">
+                <a:schemeClr val="bg2">
+                  <a:lumMod val="25000"/>
+                </a:schemeClr>
+              </a:gs>
+            </a:gsLst>
+            <a:lin ang="4200000" scaled="0"/>
+          </a:gradFill>
           <a:ln>
             <a:noFill/>
           </a:ln>
@@ -6478,21 +6566,21 @@
           </a:p>
         </p:txBody>
       </p:sp>
-      <p:sp>
-        <p:nvSpPr>
-          <p:cNvPr id="10" name="Freeform 45">
-            <a:extLst>
-              <a:ext uri="{FF2B5EF4-FFF2-40B4-BE49-F238E27FC236}">
-                <a16:creationId xmlns:a16="http://schemas.microsoft.com/office/drawing/2014/main" id="{CFE45BF0-46DB-408C-B5F7-7B11716805D4}"/>
+      <p:pic>
+        <p:nvPicPr>
+          <p:cNvPr id="11" name="Picture 10">
+            <a:extLst>
+              <a:ext uri="{FF2B5EF4-FFF2-40B4-BE49-F238E27FC236}">
+                <a16:creationId xmlns:a16="http://schemas.microsoft.com/office/drawing/2014/main" id="{2270F1FA-0425-408F-9861-80BF5AFB276D}"/>
               </a:ext>
               <a:ext uri="{C183D7F6-B498-43B3-948B-1728B52AA6E4}">
                 <adec:decorative xmlns:adec="http://schemas.microsoft.com/office/drawing/2017/decorative" val="1"/>
               </a:ext>
             </a:extLst>
           </p:cNvPr>
-          <p:cNvSpPr>
-            <a:spLocks noGrp="1" noRot="1" noChangeAspect="1" noMove="1" noResize="1" noEditPoints="1" noAdjustHandles="1" noChangeArrowheads="1" noChangeShapeType="1" noTextEdit="1"/>
-          </p:cNvSpPr>
+          <p:cNvPicPr>
+            <a:picLocks noGrp="1" noRot="1" noChangeAspect="1" noMove="1" noResize="1" noEditPoints="1" noAdjustHandles="1" noChangeArrowheads="1" noChangeShapeType="1" noCrop="1"/>
+          </p:cNvPicPr>
           <p:nvPr>
             <p:extLst>
               <p:ext uri="{386F3935-93C4-4BCD-93E2-E3B085C9AB24}">
@@ -6500,566 +6588,6 @@
               </p:ext>
             </p:extLst>
           </p:nvPr>
-        </p:nvSpPr>
-        <p:spPr bwMode="auto">
-          <a:xfrm>
-            <a:off x="409710" y="1022350"/>
-            <a:ext cx="709612" cy="2095501"/>
-          </a:xfrm>
-          <a:custGeom>
-            <a:avLst/>
-            <a:gdLst>
-              <a:gd name="T0" fmla="*/ 447 w 447"/>
-              <a:gd name="T1" fmla="*/ 1363 h 1363"/>
-              <a:gd name="T2" fmla="*/ 0 w 447"/>
-              <a:gd name="T3" fmla="*/ 987 h 1363"/>
-              <a:gd name="T4" fmla="*/ 0 w 447"/>
-              <a:gd name="T5" fmla="*/ 0 h 1363"/>
-              <a:gd name="T6" fmla="*/ 447 w 447"/>
-              <a:gd name="T7" fmla="*/ 376 h 1363"/>
-              <a:gd name="T8" fmla="*/ 447 w 447"/>
-              <a:gd name="T9" fmla="*/ 1363 h 1363"/>
-            </a:gdLst>
-            <a:ahLst/>
-            <a:cxnLst>
-              <a:cxn ang="0">
-                <a:pos x="T0" y="T1"/>
-              </a:cxn>
-              <a:cxn ang="0">
-                <a:pos x="T2" y="T3"/>
-              </a:cxn>
-              <a:cxn ang="0">
-                <a:pos x="T4" y="T5"/>
-              </a:cxn>
-              <a:cxn ang="0">
-                <a:pos x="T6" y="T7"/>
-              </a:cxn>
-              <a:cxn ang="0">
-                <a:pos x="T8" y="T9"/>
-              </a:cxn>
-            </a:cxnLst>
-            <a:rect l="0" t="0" r="r" b="b"/>
-            <a:pathLst>
-              <a:path w="447" h="1363">
-                <a:moveTo>
-                  <a:pt x="447" y="1363"/>
-                </a:moveTo>
-                <a:lnTo>
-                  <a:pt x="0" y="987"/>
-                </a:lnTo>
-                <a:lnTo>
-                  <a:pt x="0" y="0"/>
-                </a:lnTo>
-                <a:lnTo>
-                  <a:pt x="447" y="376"/>
-                </a:lnTo>
-                <a:lnTo>
-                  <a:pt x="447" y="1363"/>
-                </a:lnTo>
-                <a:close/>
-              </a:path>
-            </a:pathLst>
-          </a:custGeom>
-          <a:solidFill>
-            <a:schemeClr val="accent1">
-              <a:lumMod val="50000"/>
-            </a:schemeClr>
-          </a:solidFill>
-          <a:ln>
-            <a:noFill/>
-          </a:ln>
-        </p:spPr>
-        <p:txBody>
-          <a:bodyPr vert="horz" wrap="square" lIns="91440" tIns="45720" rIns="91440" bIns="45720" numCol="1" anchor="t" anchorCtr="0" compatLnSpc="1">
-            <a:prstTxWarp prst="textNoShape">
-              <a:avLst/>
-            </a:prstTxWarp>
-          </a:bodyPr>
-          <a:lstStyle/>
-          <a:p>
-            <a:endParaRPr lang="en-US"/>
-          </a:p>
-        </p:txBody>
-      </p:sp>
-      <p:sp>
-        <p:nvSpPr>
-          <p:cNvPr id="12" name="Freeform 46">
-            <a:extLst>
-              <a:ext uri="{FF2B5EF4-FFF2-40B4-BE49-F238E27FC236}">
-                <a16:creationId xmlns:a16="http://schemas.microsoft.com/office/drawing/2014/main" id="{2AEBC8F2-97B1-41B4-93F1-2D289E197FBA}"/>
-              </a:ext>
-              <a:ext uri="{C183D7F6-B498-43B3-948B-1728B52AA6E4}">
-                <adec:decorative xmlns:adec="http://schemas.microsoft.com/office/drawing/2017/decorative" val="1"/>
-              </a:ext>
-            </a:extLst>
-          </p:cNvPr>
-          <p:cNvSpPr>
-            <a:spLocks noGrp="1" noRot="1" noChangeAspect="1" noMove="1" noResize="1" noEditPoints="1" noAdjustHandles="1" noChangeArrowheads="1" noChangeShapeType="1" noTextEdit="1"/>
-          </p:cNvSpPr>
-          <p:nvPr>
-            <p:extLst>
-              <p:ext uri="{386F3935-93C4-4BCD-93E2-E3B085C9AB24}">
-                <p16:designElem xmlns:p16="http://schemas.microsoft.com/office/powerpoint/2015/main" val="1"/>
-              </p:ext>
-            </p:extLst>
-          </p:nvPr>
-        </p:nvSpPr>
-        <p:spPr bwMode="auto">
-          <a:xfrm>
-            <a:off x="409710" y="837744"/>
-            <a:ext cx="403225" cy="1705431"/>
-          </a:xfrm>
-          <a:custGeom>
-            <a:avLst/>
-            <a:gdLst>
-              <a:gd name="T0" fmla="*/ 254 w 254"/>
-              <a:gd name="T1" fmla="*/ 987 h 1109"/>
-              <a:gd name="T2" fmla="*/ 0 w 254"/>
-              <a:gd name="T3" fmla="*/ 1109 h 1109"/>
-              <a:gd name="T4" fmla="*/ 0 w 254"/>
-              <a:gd name="T5" fmla="*/ 119 h 1109"/>
-              <a:gd name="T6" fmla="*/ 254 w 254"/>
-              <a:gd name="T7" fmla="*/ 0 h 1109"/>
-              <a:gd name="T8" fmla="*/ 254 w 254"/>
-              <a:gd name="T9" fmla="*/ 987 h 1109"/>
-            </a:gdLst>
-            <a:ahLst/>
-            <a:cxnLst>
-              <a:cxn ang="0">
-                <a:pos x="T0" y="T1"/>
-              </a:cxn>
-              <a:cxn ang="0">
-                <a:pos x="T2" y="T3"/>
-              </a:cxn>
-              <a:cxn ang="0">
-                <a:pos x="T4" y="T5"/>
-              </a:cxn>
-              <a:cxn ang="0">
-                <a:pos x="T6" y="T7"/>
-              </a:cxn>
-              <a:cxn ang="0">
-                <a:pos x="T8" y="T9"/>
-              </a:cxn>
-            </a:cxnLst>
-            <a:rect l="0" t="0" r="r" b="b"/>
-            <a:pathLst>
-              <a:path w="254" h="1109">
-                <a:moveTo>
-                  <a:pt x="254" y="987"/>
-                </a:moveTo>
-                <a:lnTo>
-                  <a:pt x="0" y="1109"/>
-                </a:lnTo>
-                <a:lnTo>
-                  <a:pt x="0" y="119"/>
-                </a:lnTo>
-                <a:lnTo>
-                  <a:pt x="254" y="0"/>
-                </a:lnTo>
-                <a:lnTo>
-                  <a:pt x="254" y="987"/>
-                </a:lnTo>
-                <a:close/>
-              </a:path>
-            </a:pathLst>
-          </a:custGeom>
-          <a:solidFill>
-            <a:schemeClr val="accent1">
-              <a:lumMod val="75000"/>
-            </a:schemeClr>
-          </a:solidFill>
-          <a:ln>
-            <a:noFill/>
-          </a:ln>
-        </p:spPr>
-        <p:txBody>
-          <a:bodyPr vert="horz" wrap="square" lIns="91440" tIns="45720" rIns="91440" bIns="45720" numCol="1" anchor="t" anchorCtr="0" compatLnSpc="1">
-            <a:prstTxWarp prst="textNoShape">
-              <a:avLst/>
-            </a:prstTxWarp>
-          </a:bodyPr>
-          <a:lstStyle/>
-          <a:p>
-            <a:endParaRPr lang="en-US"/>
-          </a:p>
-        </p:txBody>
-      </p:sp>
-      <p:sp>
-        <p:nvSpPr>
-          <p:cNvPr id="14" name="Freeform 47">
-            <a:extLst>
-              <a:ext uri="{FF2B5EF4-FFF2-40B4-BE49-F238E27FC236}">
-                <a16:creationId xmlns:a16="http://schemas.microsoft.com/office/drawing/2014/main" id="{472E3A19-F5D5-48FC-BB9C-48C2F68F598B}"/>
-              </a:ext>
-              <a:ext uri="{C183D7F6-B498-43B3-948B-1728B52AA6E4}">
-                <adec:decorative xmlns:adec="http://schemas.microsoft.com/office/drawing/2017/decorative" val="1"/>
-              </a:ext>
-            </a:extLst>
-          </p:cNvPr>
-          <p:cNvSpPr>
-            <a:spLocks noGrp="1" noRot="1" noChangeAspect="1" noMove="1" noResize="1" noEditPoints="1" noAdjustHandles="1" noChangeArrowheads="1" noChangeShapeType="1" noTextEdit="1"/>
-          </p:cNvSpPr>
-          <p:nvPr>
-            <p:extLst>
-              <p:ext uri="{386F3935-93C4-4BCD-93E2-E3B085C9AB24}">
-                <p16:designElem xmlns:p16="http://schemas.microsoft.com/office/powerpoint/2015/main" val="1"/>
-              </p:ext>
-            </p:extLst>
-          </p:nvPr>
-        </p:nvSpPr>
-        <p:spPr bwMode="auto">
-          <a:xfrm>
-            <a:off x="644660" y="640894"/>
-            <a:ext cx="168275" cy="1713195"/>
-          </a:xfrm>
-          <a:custGeom>
-            <a:avLst/>
-            <a:gdLst>
-              <a:gd name="T0" fmla="*/ 106 w 106"/>
-              <a:gd name="T1" fmla="*/ 1114 h 1114"/>
-              <a:gd name="T2" fmla="*/ 0 w 106"/>
-              <a:gd name="T3" fmla="*/ 1005 h 1114"/>
-              <a:gd name="T4" fmla="*/ 0 w 106"/>
-              <a:gd name="T5" fmla="*/ 0 h 1114"/>
-              <a:gd name="T6" fmla="*/ 106 w 106"/>
-              <a:gd name="T7" fmla="*/ 110 h 1114"/>
-              <a:gd name="T8" fmla="*/ 106 w 106"/>
-              <a:gd name="T9" fmla="*/ 1114 h 1114"/>
-            </a:gdLst>
-            <a:ahLst/>
-            <a:cxnLst>
-              <a:cxn ang="0">
-                <a:pos x="T0" y="T1"/>
-              </a:cxn>
-              <a:cxn ang="0">
-                <a:pos x="T2" y="T3"/>
-              </a:cxn>
-              <a:cxn ang="0">
-                <a:pos x="T4" y="T5"/>
-              </a:cxn>
-              <a:cxn ang="0">
-                <a:pos x="T6" y="T7"/>
-              </a:cxn>
-              <a:cxn ang="0">
-                <a:pos x="T8" y="T9"/>
-              </a:cxn>
-            </a:cxnLst>
-            <a:rect l="0" t="0" r="r" b="b"/>
-            <a:pathLst>
-              <a:path w="106" h="1114">
-                <a:moveTo>
-                  <a:pt x="106" y="1114"/>
-                </a:moveTo>
-                <a:lnTo>
-                  <a:pt x="0" y="1005"/>
-                </a:lnTo>
-                <a:lnTo>
-                  <a:pt x="0" y="0"/>
-                </a:lnTo>
-                <a:lnTo>
-                  <a:pt x="106" y="110"/>
-                </a:lnTo>
-                <a:lnTo>
-                  <a:pt x="106" y="1114"/>
-                </a:lnTo>
-                <a:close/>
-              </a:path>
-            </a:pathLst>
-          </a:custGeom>
-          <a:solidFill>
-            <a:schemeClr val="accent1">
-              <a:lumMod val="50000"/>
-            </a:schemeClr>
-          </a:solidFill>
-          <a:ln>
-            <a:noFill/>
-          </a:ln>
-        </p:spPr>
-        <p:txBody>
-          <a:bodyPr vert="horz" wrap="square" lIns="91440" tIns="45720" rIns="91440" bIns="45720" numCol="1" anchor="t" anchorCtr="0" compatLnSpc="1">
-            <a:prstTxWarp prst="textNoShape">
-              <a:avLst/>
-            </a:prstTxWarp>
-          </a:bodyPr>
-          <a:lstStyle/>
-          <a:p>
-            <a:endParaRPr lang="en-US"/>
-          </a:p>
-        </p:txBody>
-      </p:sp>
-      <p:sp>
-        <p:nvSpPr>
-          <p:cNvPr id="16" name="Freeform 44">
-            <a:extLst>
-              <a:ext uri="{FF2B5EF4-FFF2-40B4-BE49-F238E27FC236}">
-                <a16:creationId xmlns:a16="http://schemas.microsoft.com/office/drawing/2014/main" id="{7A62E32F-BB65-43A8-8EB5-92346890E549}"/>
-              </a:ext>
-              <a:ext uri="{C183D7F6-B498-43B3-948B-1728B52AA6E4}">
-                <adec:decorative xmlns:adec="http://schemas.microsoft.com/office/drawing/2017/decorative" val="1"/>
-              </a:ext>
-            </a:extLst>
-          </p:cNvPr>
-          <p:cNvSpPr>
-            <a:spLocks noGrp="1" noRot="1" noChangeAspect="1" noMove="1" noResize="1" noEditPoints="1" noAdjustHandles="1" noChangeArrowheads="1" noChangeShapeType="1" noTextEdit="1"/>
-          </p:cNvSpPr>
-          <p:nvPr>
-            <p:extLst>
-              <p:ext uri="{386F3935-93C4-4BCD-93E2-E3B085C9AB24}">
-                <p16:designElem xmlns:p16="http://schemas.microsoft.com/office/powerpoint/2015/main" val="1"/>
-              </p:ext>
-            </p:extLst>
-          </p:nvPr>
-        </p:nvSpPr>
-        <p:spPr bwMode="auto">
-          <a:xfrm>
-            <a:off x="11223203" y="635716"/>
-            <a:ext cx="328612" cy="1742360"/>
-          </a:xfrm>
-          <a:custGeom>
-            <a:avLst/>
-            <a:gdLst>
-              <a:gd name="T0" fmla="*/ 207 w 207"/>
-              <a:gd name="T1" fmla="*/ 987 h 1114"/>
-              <a:gd name="T2" fmla="*/ 0 w 207"/>
-              <a:gd name="T3" fmla="*/ 1114 h 1114"/>
-              <a:gd name="T4" fmla="*/ 0 w 207"/>
-              <a:gd name="T5" fmla="*/ 127 h 1114"/>
-              <a:gd name="T6" fmla="*/ 207 w 207"/>
-              <a:gd name="T7" fmla="*/ 0 h 1114"/>
-              <a:gd name="T8" fmla="*/ 207 w 207"/>
-              <a:gd name="T9" fmla="*/ 987 h 1114"/>
-            </a:gdLst>
-            <a:ahLst/>
-            <a:cxnLst>
-              <a:cxn ang="0">
-                <a:pos x="T0" y="T1"/>
-              </a:cxn>
-              <a:cxn ang="0">
-                <a:pos x="T2" y="T3"/>
-              </a:cxn>
-              <a:cxn ang="0">
-                <a:pos x="T4" y="T5"/>
-              </a:cxn>
-              <a:cxn ang="0">
-                <a:pos x="T6" y="T7"/>
-              </a:cxn>
-              <a:cxn ang="0">
-                <a:pos x="T8" y="T9"/>
-              </a:cxn>
-            </a:cxnLst>
-            <a:rect l="0" t="0" r="r" b="b"/>
-            <a:pathLst>
-              <a:path w="207" h="1114">
-                <a:moveTo>
-                  <a:pt x="207" y="987"/>
-                </a:moveTo>
-                <a:lnTo>
-                  <a:pt x="0" y="1114"/>
-                </a:lnTo>
-                <a:lnTo>
-                  <a:pt x="0" y="127"/>
-                </a:lnTo>
-                <a:lnTo>
-                  <a:pt x="207" y="0"/>
-                </a:lnTo>
-                <a:lnTo>
-                  <a:pt x="207" y="987"/>
-                </a:lnTo>
-                <a:close/>
-              </a:path>
-            </a:pathLst>
-          </a:custGeom>
-          <a:solidFill>
-            <a:schemeClr val="accent1">
-              <a:lumMod val="50000"/>
-            </a:schemeClr>
-          </a:solidFill>
-          <a:ln>
-            <a:noFill/>
-          </a:ln>
-        </p:spPr>
-        <p:txBody>
-          <a:bodyPr vert="horz" wrap="square" lIns="91440" tIns="45720" rIns="91440" bIns="45720" numCol="1" anchor="t" anchorCtr="0" compatLnSpc="1">
-            <a:prstTxWarp prst="textNoShape">
-              <a:avLst/>
-            </a:prstTxWarp>
-          </a:bodyPr>
-          <a:lstStyle/>
-          <a:p>
-            <a:endParaRPr lang="en-US"/>
-          </a:p>
-        </p:txBody>
-      </p:sp>
-      <p:sp>
-        <p:nvSpPr>
-          <p:cNvPr id="18" name="Rectangle 17">
-            <a:extLst>
-              <a:ext uri="{FF2B5EF4-FFF2-40B4-BE49-F238E27FC236}">
-                <a16:creationId xmlns:a16="http://schemas.microsoft.com/office/drawing/2014/main" id="{14E91B64-9FCC-451E-AFB4-A827D6329367}"/>
-              </a:ext>
-              <a:ext uri="{C183D7F6-B498-43B3-948B-1728B52AA6E4}">
-                <adec:decorative xmlns:adec="http://schemas.microsoft.com/office/drawing/2017/decorative" val="1"/>
-              </a:ext>
-            </a:extLst>
-          </p:cNvPr>
-          <p:cNvSpPr>
-            <a:spLocks noGrp="1" noRot="1" noChangeAspect="1" noMove="1" noResize="1" noEditPoints="1" noAdjustHandles="1" noChangeArrowheads="1" noChangeShapeType="1" noTextEdit="1"/>
-          </p:cNvSpPr>
-          <p:nvPr>
-            <p:extLst>
-              <p:ext uri="{386F3935-93C4-4BCD-93E2-E3B085C9AB24}">
-                <p16:designElem xmlns:p16="http://schemas.microsoft.com/office/powerpoint/2015/main" val="1"/>
-              </p:ext>
-            </p:extLst>
-          </p:nvPr>
-        </p:nvSpPr>
-        <p:spPr bwMode="auto">
-          <a:xfrm>
-            <a:off x="644055" y="635715"/>
-            <a:ext cx="10907863" cy="1541457"/>
-          </a:xfrm>
-          <a:prstGeom prst="rect">
-            <a:avLst/>
-          </a:prstGeom>
-          <a:solidFill>
-            <a:schemeClr val="accent1"/>
-          </a:solidFill>
-          <a:ln>
-            <a:noFill/>
-          </a:ln>
-        </p:spPr>
-        <p:txBody>
-          <a:bodyPr vert="horz" wrap="square" lIns="91440" tIns="45720" rIns="91440" bIns="45720" numCol="1" anchor="t" anchorCtr="0" compatLnSpc="1">
-            <a:prstTxWarp prst="textNoShape">
-              <a:avLst/>
-            </a:prstTxWarp>
-          </a:bodyPr>
-          <a:lstStyle/>
-          <a:p>
-            <a:endParaRPr lang="en-US"/>
-          </a:p>
-        </p:txBody>
-      </p:sp>
-      <p:sp>
-        <p:nvSpPr>
-          <p:cNvPr id="2" name="Titre 1">
-            <a:extLst>
-              <a:ext uri="{FF2B5EF4-FFF2-40B4-BE49-F238E27FC236}">
-                <a16:creationId xmlns:a16="http://schemas.microsoft.com/office/drawing/2014/main" id="{787733BC-219D-49C7-B5B4-F7CD9774C6A4}"/>
-              </a:ext>
-            </a:extLst>
-          </p:cNvPr>
-          <p:cNvSpPr>
-            <a:spLocks noGrp="1"/>
-          </p:cNvSpPr>
-          <p:nvPr>
-            <p:ph type="title"/>
-          </p:nvPr>
-        </p:nvSpPr>
-        <p:spPr>
-          <a:xfrm>
-            <a:off x="958506" y="800392"/>
-            <a:ext cx="10264697" cy="1212102"/>
-          </a:xfrm>
-        </p:spPr>
-        <p:txBody>
-          <a:bodyPr>
-            <a:normAutofit/>
-          </a:bodyPr>
-          <a:lstStyle/>
-          <a:p>
-            <a:r>
-              <a:rPr lang="fr-FR" sz="4000" dirty="0">
-                <a:solidFill>
-                  <a:srgbClr val="FFFFFF"/>
-                </a:solidFill>
-              </a:rPr>
-              <a:t>Formulaires</a:t>
-            </a:r>
-          </a:p>
-        </p:txBody>
-      </p:sp>
-      <p:sp>
-        <p:nvSpPr>
-          <p:cNvPr id="5" name="ZoneTexte 4">
-            <a:extLst>
-              <a:ext uri="{FF2B5EF4-FFF2-40B4-BE49-F238E27FC236}">
-                <a16:creationId xmlns:a16="http://schemas.microsoft.com/office/drawing/2014/main" id="{C33F6FD7-41DE-417B-B411-49B9C30EC6EE}"/>
-              </a:ext>
-            </a:extLst>
-          </p:cNvPr>
-          <p:cNvSpPr txBox="1"/>
-          <p:nvPr/>
-        </p:nvSpPr>
-        <p:spPr>
-          <a:xfrm>
-            <a:off x="1913969" y="2416679"/>
-            <a:ext cx="8368033" cy="461665"/>
-          </a:xfrm>
-          <a:prstGeom prst="rect">
-            <a:avLst/>
-          </a:prstGeom>
-          <a:noFill/>
-        </p:spPr>
-        <p:txBody>
-          <a:bodyPr wrap="square" rtlCol="0">
-            <a:spAutoFit/>
-          </a:bodyPr>
-          <a:lstStyle/>
-          <a:p>
-            <a:pPr marL="342900" indent="-342900">
-              <a:buFont typeface="Arial" panose="020B0604020202020204" pitchFamily="34" charset="0"/>
-              <a:buChar char="•"/>
-            </a:pPr>
-            <a:r>
-              <a:rPr lang="fr-FR" sz="2400" dirty="0"/>
-              <a:t>Utilisation de formulaires HTML pour saisir des informations</a:t>
-            </a:r>
-          </a:p>
-        </p:txBody>
-      </p:sp>
-      <p:sp>
-        <p:nvSpPr>
-          <p:cNvPr id="9" name="Espace réservé du numéro de diapositive 8">
-            <a:extLst>
-              <a:ext uri="{FF2B5EF4-FFF2-40B4-BE49-F238E27FC236}">
-                <a16:creationId xmlns:a16="http://schemas.microsoft.com/office/drawing/2014/main" id="{F3EDF272-70D0-418F-B1E4-090F125EAE69}"/>
-              </a:ext>
-            </a:extLst>
-          </p:cNvPr>
-          <p:cNvSpPr>
-            <a:spLocks noGrp="1"/>
-          </p:cNvSpPr>
-          <p:nvPr>
-            <p:ph type="sldNum" sz="quarter" idx="12"/>
-          </p:nvPr>
-        </p:nvSpPr>
-        <p:spPr/>
-        <p:txBody>
-          <a:bodyPr/>
-          <a:lstStyle/>
-          <a:p>
-            <a:fld id="{F8323CC4-5E62-4ADB-BC7C-89B23C89378E}" type="slidenum">
-              <a:rPr lang="fr-FR" smtClean="0"/>
-              <a:t>13</a:t>
-            </a:fld>
-            <a:endParaRPr lang="fr-FR"/>
-          </a:p>
-        </p:txBody>
-      </p:sp>
-      <p:pic>
-        <p:nvPicPr>
-          <p:cNvPr id="4" name="Image 3">
-            <a:extLst>
-              <a:ext uri="{FF2B5EF4-FFF2-40B4-BE49-F238E27FC236}">
-                <a16:creationId xmlns:a16="http://schemas.microsoft.com/office/drawing/2014/main" id="{A5D36290-D172-44A5-9B8A-9FB424B73D09}"/>
-              </a:ext>
-            </a:extLst>
-          </p:cNvPr>
-          <p:cNvPicPr>
-            <a:picLocks noChangeAspect="1"/>
-          </p:cNvPicPr>
-          <p:nvPr/>
         </p:nvPicPr>
         <p:blipFill>
           <a:blip r:embed="rId2">
@@ -7075,18 +6603,170 @@
         </p:blipFill>
         <p:spPr>
           <a:xfrm>
-            <a:off x="2514086" y="3117851"/>
-            <a:ext cx="6537550" cy="3335214"/>
+            <a:off x="0" y="0"/>
+            <a:ext cx="12192000" cy="6858000"/>
           </a:xfrm>
           <a:prstGeom prst="rect">
             <a:avLst/>
           </a:prstGeom>
         </p:spPr>
       </p:pic>
+      <p:sp>
+        <p:nvSpPr>
+          <p:cNvPr id="2" name="Titre 1">
+            <a:extLst>
+              <a:ext uri="{FF2B5EF4-FFF2-40B4-BE49-F238E27FC236}">
+                <a16:creationId xmlns:a16="http://schemas.microsoft.com/office/drawing/2014/main" id="{C4757C84-2191-45A6-B90D-7ED3A8A5953F}"/>
+              </a:ext>
+            </a:extLst>
+          </p:cNvPr>
+          <p:cNvSpPr>
+            <a:spLocks noGrp="1"/>
+          </p:cNvSpPr>
+          <p:nvPr>
+            <p:ph type="title"/>
+          </p:nvPr>
+        </p:nvSpPr>
+        <p:spPr>
+          <a:xfrm>
+            <a:off x="3045368" y="2043663"/>
+            <a:ext cx="6105194" cy="2031055"/>
+          </a:xfrm>
+        </p:spPr>
+        <p:txBody>
+          <a:bodyPr vert="horz" lIns="91440" tIns="45720" rIns="91440" bIns="45720" rtlCol="0" anchor="b">
+            <a:normAutofit/>
+          </a:bodyPr>
+          <a:lstStyle/>
+          <a:p>
+            <a:pPr algn="ctr"/>
+            <a:r>
+              <a:rPr lang="en-US" sz="4700" kern="1200" dirty="0" err="1">
+                <a:solidFill>
+                  <a:srgbClr val="FFFFFF"/>
+                </a:solidFill>
+                <a:latin typeface="+mj-lt"/>
+                <a:ea typeface="+mj-ea"/>
+                <a:cs typeface="+mj-cs"/>
+              </a:rPr>
+              <a:t>Exercice</a:t>
+            </a:r>
+            <a:r>
+              <a:rPr lang="en-US" sz="4700" kern="1200" dirty="0">
+                <a:solidFill>
+                  <a:srgbClr val="FFFFFF"/>
+                </a:solidFill>
+                <a:latin typeface="+mj-lt"/>
+                <a:ea typeface="+mj-ea"/>
+                <a:cs typeface="+mj-cs"/>
+              </a:rPr>
+              <a:t> 2 – </a:t>
+            </a:r>
+            <a:r>
+              <a:rPr lang="en-US" sz="4700" kern="1200" dirty="0" err="1">
+                <a:solidFill>
+                  <a:srgbClr val="FFFFFF"/>
+                </a:solidFill>
+                <a:latin typeface="+mj-lt"/>
+                <a:ea typeface="+mj-ea"/>
+                <a:cs typeface="+mj-cs"/>
+              </a:rPr>
+              <a:t>Récupération</a:t>
+            </a:r>
+            <a:r>
+              <a:rPr lang="en-US" sz="4700" kern="1200" dirty="0">
+                <a:solidFill>
+                  <a:srgbClr val="FFFFFF"/>
+                </a:solidFill>
+                <a:latin typeface="+mj-lt"/>
+                <a:ea typeface="+mj-ea"/>
+                <a:cs typeface="+mj-cs"/>
+              </a:rPr>
+              <a:t> de </a:t>
+            </a:r>
+            <a:r>
+              <a:rPr lang="en-US" sz="4700" kern="1200" dirty="0" err="1">
+                <a:solidFill>
+                  <a:srgbClr val="FFFFFF"/>
+                </a:solidFill>
+                <a:latin typeface="+mj-lt"/>
+                <a:ea typeface="+mj-ea"/>
+                <a:cs typeface="+mj-cs"/>
+              </a:rPr>
+              <a:t>données</a:t>
+            </a:r>
+            <a:r>
+              <a:rPr lang="en-US" sz="4700" kern="1200" dirty="0">
+                <a:solidFill>
+                  <a:srgbClr val="FFFFFF"/>
+                </a:solidFill>
+                <a:latin typeface="+mj-lt"/>
+                <a:ea typeface="+mj-ea"/>
+                <a:cs typeface="+mj-cs"/>
+              </a:rPr>
+              <a:t> avec Fetch</a:t>
+            </a:r>
+          </a:p>
+        </p:txBody>
+      </p:sp>
+      <p:sp>
+        <p:nvSpPr>
+          <p:cNvPr id="4" name="Espace réservé du numéro de diapositive 3">
+            <a:extLst>
+              <a:ext uri="{FF2B5EF4-FFF2-40B4-BE49-F238E27FC236}">
+                <a16:creationId xmlns:a16="http://schemas.microsoft.com/office/drawing/2014/main" id="{7BF741D0-7DD4-4E7A-8EE2-72CC9B3FAD2F}"/>
+              </a:ext>
+            </a:extLst>
+          </p:cNvPr>
+          <p:cNvSpPr>
+            <a:spLocks noGrp="1"/>
+          </p:cNvSpPr>
+          <p:nvPr>
+            <p:ph type="sldNum" sz="quarter" idx="12"/>
+          </p:nvPr>
+        </p:nvSpPr>
+        <p:spPr>
+          <a:xfrm>
+            <a:off x="10825930" y="6223702"/>
+            <a:ext cx="570728" cy="314067"/>
+          </a:xfrm>
+        </p:spPr>
+        <p:txBody>
+          <a:bodyPr vert="horz" lIns="91440" tIns="45720" rIns="91440" bIns="45720" rtlCol="0" anchor="ctr">
+            <a:normAutofit/>
+          </a:bodyPr>
+          <a:lstStyle/>
+          <a:p>
+            <a:pPr>
+              <a:spcAft>
+                <a:spcPts val="600"/>
+              </a:spcAft>
+            </a:pPr>
+            <a:fld id="{F8323CC4-5E62-4ADB-BC7C-89B23C89378E}" type="slidenum">
+              <a:rPr lang="en-US" sz="1000">
+                <a:solidFill>
+                  <a:srgbClr val="898989"/>
+                </a:solidFill>
+              </a:rPr>
+              <a:pPr>
+                <a:spcAft>
+                  <a:spcPts val="600"/>
+                </a:spcAft>
+              </a:pPr>
+              <a:t>13</a:t>
+            </a:fld>
+            <a:endParaRPr lang="en-US" sz="1000">
+              <a:solidFill>
+                <a:srgbClr val="898989"/>
+              </a:solidFill>
+            </a:endParaRPr>
+          </a:p>
+        </p:txBody>
+      </p:sp>
     </p:spTree>
     <p:extLst>
       <p:ext uri="{BB962C8B-B14F-4D97-AF65-F5344CB8AC3E}">
-        <p14:creationId xmlns:p14="http://schemas.microsoft.com/office/powerpoint/2010/main" val="830956536"/>
+        <p14:creationId xmlns:p14="http://schemas.microsoft.com/office/powerpoint/2010/main" val="1133496353"/>
       </p:ext>
     </p:extLst>
   </p:cSld>
@@ -7677,46 +7357,56 @@
                   <a:srgbClr val="FFFFFF"/>
                 </a:solidFill>
               </a:rPr>
-              <a:t>Formulaires</a:t>
+              <a:t>PDO – FetchAll</a:t>
             </a:r>
           </a:p>
         </p:txBody>
       </p:sp>
       <p:sp>
         <p:nvSpPr>
-          <p:cNvPr id="9" name="Espace réservé du numéro de diapositive 8">
-            <a:extLst>
-              <a:ext uri="{FF2B5EF4-FFF2-40B4-BE49-F238E27FC236}">
-                <a16:creationId xmlns:a16="http://schemas.microsoft.com/office/drawing/2014/main" id="{F3EDF272-70D0-418F-B1E4-090F125EAE69}"/>
-              </a:ext>
-            </a:extLst>
-          </p:cNvPr>
-          <p:cNvSpPr>
-            <a:spLocks noGrp="1"/>
-          </p:cNvSpPr>
-          <p:nvPr>
-            <p:ph type="sldNum" sz="quarter" idx="12"/>
-          </p:nvPr>
-        </p:nvSpPr>
-        <p:spPr/>
-        <p:txBody>
-          <a:bodyPr/>
-          <a:lstStyle/>
-          <a:p>
-            <a:fld id="{F8323CC4-5E62-4ADB-BC7C-89B23C89378E}" type="slidenum">
-              <a:rPr lang="fr-FR" smtClean="0"/>
-              <a:t>14</a:t>
-            </a:fld>
-            <a:endParaRPr lang="fr-FR"/>
+          <p:cNvPr id="5" name="ZoneTexte 4">
+            <a:extLst>
+              <a:ext uri="{FF2B5EF4-FFF2-40B4-BE49-F238E27FC236}">
+                <a16:creationId xmlns:a16="http://schemas.microsoft.com/office/drawing/2014/main" id="{C33F6FD7-41DE-417B-B411-49B9C30EC6EE}"/>
+              </a:ext>
+            </a:extLst>
+          </p:cNvPr>
+          <p:cNvSpPr txBox="1"/>
+          <p:nvPr/>
+        </p:nvSpPr>
+        <p:spPr>
+          <a:xfrm>
+            <a:off x="1655641" y="4680829"/>
+            <a:ext cx="8368033" cy="830997"/>
+          </a:xfrm>
+          <a:prstGeom prst="rect">
+            <a:avLst/>
+          </a:prstGeom>
+          <a:noFill/>
+        </p:spPr>
+        <p:txBody>
+          <a:bodyPr wrap="square" rtlCol="0">
+            <a:spAutoFit/>
+          </a:bodyPr>
+          <a:lstStyle/>
+          <a:p>
+            <a:pPr marL="342900" indent="-342900">
+              <a:buFont typeface="Arial" panose="020B0604020202020204" pitchFamily="34" charset="0"/>
+              <a:buChar char="•"/>
+            </a:pPr>
+            <a:r>
+              <a:rPr lang="fr-FR" sz="2400" dirty="0"/>
+              <a:t>Résultat : Toutes les données reçus sont stockées dans le tableau $resultat</a:t>
+            </a:r>
           </a:p>
         </p:txBody>
       </p:sp>
       <p:pic>
         <p:nvPicPr>
-          <p:cNvPr id="6" name="Image 5">
-            <a:extLst>
-              <a:ext uri="{FF2B5EF4-FFF2-40B4-BE49-F238E27FC236}">
-                <a16:creationId xmlns:a16="http://schemas.microsoft.com/office/drawing/2014/main" id="{F9E1CB56-D2B8-4A38-BA2D-7D9A22393CFB}"/>
+          <p:cNvPr id="7" name="Image 6">
+            <a:extLst>
+              <a:ext uri="{FF2B5EF4-FFF2-40B4-BE49-F238E27FC236}">
+                <a16:creationId xmlns:a16="http://schemas.microsoft.com/office/drawing/2014/main" id="{3DBA316B-8A92-4367-90A6-A63641B2CE56}"/>
               </a:ext>
             </a:extLst>
           </p:cNvPr>
@@ -7733,8 +7423,8 @@
         </p:blipFill>
         <p:spPr>
           <a:xfrm>
-            <a:off x="1333481" y="2419171"/>
-            <a:ext cx="3432482" cy="2991360"/>
+            <a:off x="2450909" y="2779575"/>
+            <a:ext cx="7572765" cy="954685"/>
           </a:xfrm>
           <a:prstGeom prst="rect">
             <a:avLst/>
@@ -7743,24 +7433,130 @@
       </p:pic>
       <p:sp>
         <p:nvSpPr>
-          <p:cNvPr id="13" name="Flèche : droite 12">
-            <a:extLst>
-              <a:ext uri="{FF2B5EF4-FFF2-40B4-BE49-F238E27FC236}">
-                <a16:creationId xmlns:a16="http://schemas.microsoft.com/office/drawing/2014/main" id="{8AEECA8E-C7FE-469D-B082-99DEF04C93C6}"/>
-              </a:ext>
-            </a:extLst>
-          </p:cNvPr>
-          <p:cNvSpPr/>
-          <p:nvPr/>
+          <p:cNvPr id="9" name="Espace réservé du numéro de diapositive 8">
+            <a:extLst>
+              <a:ext uri="{FF2B5EF4-FFF2-40B4-BE49-F238E27FC236}">
+                <a16:creationId xmlns:a16="http://schemas.microsoft.com/office/drawing/2014/main" id="{F3EDF272-70D0-418F-B1E4-090F125EAE69}"/>
+              </a:ext>
+            </a:extLst>
+          </p:cNvPr>
+          <p:cNvSpPr>
+            <a:spLocks noGrp="1"/>
+          </p:cNvSpPr>
+          <p:nvPr>
+            <p:ph type="sldNum" sz="quarter" idx="12"/>
+          </p:nvPr>
+        </p:nvSpPr>
+        <p:spPr/>
+        <p:txBody>
+          <a:bodyPr/>
+          <a:lstStyle/>
+          <a:p>
+            <a:fld id="{F8323CC4-5E62-4ADB-BC7C-89B23C89378E}" type="slidenum">
+              <a:rPr lang="fr-FR" smtClean="0"/>
+              <a:t>14</a:t>
+            </a:fld>
+            <a:endParaRPr lang="fr-FR"/>
+          </a:p>
+        </p:txBody>
+      </p:sp>
+    </p:spTree>
+    <p:extLst>
+      <p:ext uri="{BB962C8B-B14F-4D97-AF65-F5344CB8AC3E}">
+        <p14:creationId xmlns:p14="http://schemas.microsoft.com/office/powerpoint/2010/main" val="3882327423"/>
+      </p:ext>
+    </p:extLst>
+  </p:cSld>
+  <p:clrMapOvr>
+    <a:masterClrMapping/>
+  </p:clrMapOvr>
+</p:sld>
+</file>
+
+<file path=ppt/slides/slide15.xml><?xml version="1.0" encoding="utf-8"?>
+<p:sld xmlns:a="http://schemas.openxmlformats.org/drawingml/2006/main" xmlns:r="http://schemas.openxmlformats.org/officeDocument/2006/relationships" xmlns:p="http://schemas.openxmlformats.org/presentationml/2006/main">
+  <p:cSld>
+    <p:bg>
+      <p:bgPr>
+        <a:solidFill>
+          <a:schemeClr val="bg1"/>
+        </a:solidFill>
+        <a:effectLst/>
+      </p:bgPr>
+    </p:bg>
+    <p:spTree>
+      <p:nvGrpSpPr>
+        <p:cNvPr id="1" name=""/>
+        <p:cNvGrpSpPr/>
+        <p:nvPr/>
+      </p:nvGrpSpPr>
+      <p:grpSpPr>
+        <a:xfrm>
+          <a:off x="0" y="0"/>
+          <a:ext cx="0" cy="0"/>
+          <a:chOff x="0" y="0"/>
+          <a:chExt cx="0" cy="0"/>
+        </a:xfrm>
+      </p:grpSpPr>
+      <p:sp>
+        <p:nvSpPr>
+          <p:cNvPr id="9" name="Rectangle 8">
+            <a:extLst>
+              <a:ext uri="{FF2B5EF4-FFF2-40B4-BE49-F238E27FC236}">
+                <a16:creationId xmlns:a16="http://schemas.microsoft.com/office/drawing/2014/main" id="{23962611-DFD5-4092-AAFD-559E3DFCE2C9}"/>
+              </a:ext>
+              <a:ext uri="{C183D7F6-B498-43B3-948B-1728B52AA6E4}">
+                <adec:decorative xmlns:adec="http://schemas.microsoft.com/office/drawing/2017/decorative" val="1"/>
+              </a:ext>
+            </a:extLst>
+          </p:cNvPr>
+          <p:cNvSpPr>
+            <a:spLocks noGrp="1" noRot="1" noChangeAspect="1" noMove="1" noResize="1" noEditPoints="1" noAdjustHandles="1" noChangeArrowheads="1" noChangeShapeType="1" noTextEdit="1"/>
+          </p:cNvSpPr>
+          <p:nvPr>
+            <p:extLst>
+              <p:ext uri="{386F3935-93C4-4BCD-93E2-E3B085C9AB24}">
+                <p16:designElem xmlns:p16="http://schemas.microsoft.com/office/powerpoint/2015/main" val="1"/>
+              </p:ext>
+            </p:extLst>
+          </p:nvPr>
         </p:nvSpPr>
         <p:spPr>
           <a:xfrm>
-            <a:off x="4890287" y="3594556"/>
-            <a:ext cx="1205713" cy="480290"/>
-          </a:xfrm>
-          <a:prstGeom prst="rightArrow">
+            <a:off x="475488" y="0"/>
+            <a:ext cx="10910292" cy="6858000"/>
+          </a:xfrm>
+          <a:prstGeom prst="rect">
             <a:avLst/>
           </a:prstGeom>
+          <a:gradFill>
+            <a:gsLst>
+              <a:gs pos="0">
+                <a:schemeClr val="accent1">
+                  <a:lumMod val="90000"/>
+                </a:schemeClr>
+              </a:gs>
+              <a:gs pos="25000">
+                <a:schemeClr val="accent1">
+                  <a:lumMod val="90000"/>
+                </a:schemeClr>
+              </a:gs>
+              <a:gs pos="94000">
+                <a:schemeClr val="bg2">
+                  <a:lumMod val="25000"/>
+                </a:schemeClr>
+              </a:gs>
+              <a:gs pos="100000">
+                <a:schemeClr val="bg2">
+                  <a:lumMod val="25000"/>
+                </a:schemeClr>
+              </a:gs>
+            </a:gsLst>
+            <a:lin ang="4200000" scaled="0"/>
+          </a:gradFill>
+          <a:ln>
+            <a:noFill/>
+          </a:ln>
         </p:spPr>
         <p:style>
           <a:lnRef idx="2">
@@ -7783,120 +7579,224 @@
           <a:lstStyle/>
           <a:p>
             <a:pPr algn="ctr"/>
-            <a:endParaRPr lang="fr-FR"/>
+            <a:endParaRPr lang="en-US"/>
           </a:p>
         </p:txBody>
       </p:sp>
       <p:pic>
         <p:nvPicPr>
-          <p:cNvPr id="17" name="Image 16">
-            <a:extLst>
-              <a:ext uri="{FF2B5EF4-FFF2-40B4-BE49-F238E27FC236}">
-                <a16:creationId xmlns:a16="http://schemas.microsoft.com/office/drawing/2014/main" id="{6ABDADB3-4AE5-4DA9-BCEB-AC278BE194F3}"/>
+          <p:cNvPr id="11" name="Picture 10">
+            <a:extLst>
+              <a:ext uri="{FF2B5EF4-FFF2-40B4-BE49-F238E27FC236}">
+                <a16:creationId xmlns:a16="http://schemas.microsoft.com/office/drawing/2014/main" id="{2270F1FA-0425-408F-9861-80BF5AFB276D}"/>
+              </a:ext>
+              <a:ext uri="{C183D7F6-B498-43B3-948B-1728B52AA6E4}">
+                <adec:decorative xmlns:adec="http://schemas.microsoft.com/office/drawing/2017/decorative" val="1"/>
               </a:ext>
             </a:extLst>
           </p:cNvPr>
           <p:cNvPicPr>
-            <a:picLocks noChangeAspect="1"/>
+            <a:picLocks noGrp="1" noRot="1" noChangeAspect="1" noMove="1" noResize="1" noEditPoints="1" noAdjustHandles="1" noChangeArrowheads="1" noChangeShapeType="1" noCrop="1"/>
           </p:cNvPicPr>
-          <p:nvPr/>
+          <p:nvPr>
+            <p:extLst>
+              <p:ext uri="{386F3935-93C4-4BCD-93E2-E3B085C9AB24}">
+                <p16:designElem xmlns:p16="http://schemas.microsoft.com/office/powerpoint/2015/main" val="1"/>
+              </p:ext>
+            </p:extLst>
+          </p:nvPr>
         </p:nvPicPr>
         <p:blipFill>
-          <a:blip r:embed="rId3"/>
+          <a:blip r:embed="rId2">
+            <a:extLst>
+              <a:ext uri="{28A0092B-C50C-407E-A947-70E740481C1C}">
+                <a14:useLocalDpi xmlns:a14="http://schemas.microsoft.com/office/drawing/2010/main" val="0"/>
+              </a:ext>
+            </a:extLst>
+          </a:blip>
           <a:stretch>
             <a:fillRect/>
           </a:stretch>
         </p:blipFill>
         <p:spPr>
           <a:xfrm>
-            <a:off x="611321" y="6175540"/>
-            <a:ext cx="4829849" cy="419158"/>
+            <a:off x="0" y="0"/>
+            <a:ext cx="12192000" cy="6858000"/>
           </a:xfrm>
           <a:prstGeom prst="rect">
             <a:avLst/>
           </a:prstGeom>
         </p:spPr>
       </p:pic>
-      <p:pic>
-        <p:nvPicPr>
-          <p:cNvPr id="24" name="Image 23">
-            <a:extLst>
-              <a:ext uri="{FF2B5EF4-FFF2-40B4-BE49-F238E27FC236}">
-                <a16:creationId xmlns:a16="http://schemas.microsoft.com/office/drawing/2014/main" id="{BCDC707A-3153-41FA-8783-D04EC5059B7D}"/>
-              </a:ext>
-            </a:extLst>
-          </p:cNvPr>
-          <p:cNvPicPr>
-            <a:picLocks noChangeAspect="1"/>
-          </p:cNvPicPr>
-          <p:nvPr/>
-        </p:nvPicPr>
-        <p:blipFill>
-          <a:blip r:embed="rId4"/>
-          <a:stretch>
-            <a:fillRect/>
-          </a:stretch>
-        </p:blipFill>
+      <p:sp>
+        <p:nvSpPr>
+          <p:cNvPr id="2" name="Titre 1">
+            <a:extLst>
+              <a:ext uri="{FF2B5EF4-FFF2-40B4-BE49-F238E27FC236}">
+                <a16:creationId xmlns:a16="http://schemas.microsoft.com/office/drawing/2014/main" id="{5983E7D8-D702-4F77-8EBA-E2ECE0A2A66A}"/>
+              </a:ext>
+            </a:extLst>
+          </p:cNvPr>
+          <p:cNvSpPr>
+            <a:spLocks noGrp="1"/>
+          </p:cNvSpPr>
+          <p:nvPr>
+            <p:ph type="title"/>
+          </p:nvPr>
+        </p:nvSpPr>
         <p:spPr>
           <a:xfrm>
-            <a:off x="7956573" y="6137612"/>
-            <a:ext cx="1190791" cy="466790"/>
+            <a:off x="3045368" y="2043663"/>
+            <a:ext cx="6105194" cy="2031055"/>
+          </a:xfrm>
+        </p:spPr>
+        <p:txBody>
+          <a:bodyPr vert="horz" lIns="91440" tIns="45720" rIns="91440" bIns="45720" rtlCol="0" anchor="b">
+            <a:normAutofit/>
+          </a:bodyPr>
+          <a:lstStyle/>
+          <a:p>
+            <a:pPr algn="ctr"/>
+            <a:r>
+              <a:rPr lang="en-US" sz="4700" kern="1200">
+                <a:solidFill>
+                  <a:srgbClr val="FFFFFF"/>
+                </a:solidFill>
+                <a:latin typeface="+mj-lt"/>
+                <a:ea typeface="+mj-ea"/>
+                <a:cs typeface="+mj-cs"/>
+              </a:rPr>
+              <a:t>Exercice 3 – récupération de données avec FetchAll</a:t>
+            </a:r>
+          </a:p>
+        </p:txBody>
+      </p:sp>
+      <p:sp>
+        <p:nvSpPr>
+          <p:cNvPr id="4" name="Espace réservé du numéro de diapositive 3">
+            <a:extLst>
+              <a:ext uri="{FF2B5EF4-FFF2-40B4-BE49-F238E27FC236}">
+                <a16:creationId xmlns:a16="http://schemas.microsoft.com/office/drawing/2014/main" id="{7FAC5C0F-C186-4D6F-80F9-FD6EFC6D7976}"/>
+              </a:ext>
+            </a:extLst>
+          </p:cNvPr>
+          <p:cNvSpPr>
+            <a:spLocks noGrp="1"/>
+          </p:cNvSpPr>
+          <p:nvPr>
+            <p:ph type="sldNum" sz="quarter" idx="12"/>
+          </p:nvPr>
+        </p:nvSpPr>
+        <p:spPr>
+          <a:xfrm>
+            <a:off x="10825930" y="6223702"/>
+            <a:ext cx="570728" cy="314067"/>
+          </a:xfrm>
+        </p:spPr>
+        <p:txBody>
+          <a:bodyPr vert="horz" lIns="91440" tIns="45720" rIns="91440" bIns="45720" rtlCol="0" anchor="ctr">
+            <a:normAutofit/>
+          </a:bodyPr>
+          <a:lstStyle/>
+          <a:p>
+            <a:pPr>
+              <a:spcAft>
+                <a:spcPts val="600"/>
+              </a:spcAft>
+            </a:pPr>
+            <a:fld id="{F8323CC4-5E62-4ADB-BC7C-89B23C89378E}" type="slidenum">
+              <a:rPr lang="en-US" sz="1000">
+                <a:solidFill>
+                  <a:srgbClr val="898989"/>
+                </a:solidFill>
+              </a:rPr>
+              <a:pPr>
+                <a:spcAft>
+                  <a:spcPts val="600"/>
+                </a:spcAft>
+              </a:pPr>
+              <a:t>15</a:t>
+            </a:fld>
+            <a:endParaRPr lang="en-US" sz="1000">
+              <a:solidFill>
+                <a:srgbClr val="898989"/>
+              </a:solidFill>
+            </a:endParaRPr>
+          </a:p>
+        </p:txBody>
+      </p:sp>
+    </p:spTree>
+    <p:extLst>
+      <p:ext uri="{BB962C8B-B14F-4D97-AF65-F5344CB8AC3E}">
+        <p14:creationId xmlns:p14="http://schemas.microsoft.com/office/powerpoint/2010/main" val="3609127399"/>
+      </p:ext>
+    </p:extLst>
+  </p:cSld>
+  <p:clrMapOvr>
+    <a:masterClrMapping/>
+  </p:clrMapOvr>
+</p:sld>
+</file>
+
+<file path=ppt/slides/slide16.xml><?xml version="1.0" encoding="utf-8"?>
+<p:sld xmlns:a="http://schemas.openxmlformats.org/drawingml/2006/main" xmlns:r="http://schemas.openxmlformats.org/officeDocument/2006/relationships" xmlns:p="http://schemas.openxmlformats.org/presentationml/2006/main">
+  <p:cSld>
+    <p:bg>
+      <p:bgPr>
+        <a:solidFill>
+          <a:schemeClr val="bg1"/>
+        </a:solidFill>
+        <a:effectLst/>
+      </p:bgPr>
+    </p:bg>
+    <p:spTree>
+      <p:nvGrpSpPr>
+        <p:cNvPr id="1" name=""/>
+        <p:cNvGrpSpPr/>
+        <p:nvPr/>
+      </p:nvGrpSpPr>
+      <p:grpSpPr>
+        <a:xfrm>
+          <a:off x="0" y="0"/>
+          <a:ext cx="0" cy="0"/>
+          <a:chOff x="0" y="0"/>
+          <a:chExt cx="0" cy="0"/>
+        </a:xfrm>
+      </p:grpSpPr>
+      <p:sp useBgFill="1">
+        <p:nvSpPr>
+          <p:cNvPr id="8" name="Rectangle 7">
+            <a:extLst>
+              <a:ext uri="{FF2B5EF4-FFF2-40B4-BE49-F238E27FC236}">
+                <a16:creationId xmlns:a16="http://schemas.microsoft.com/office/drawing/2014/main" id="{827B839B-9ADE-406B-8590-F1CAEDED45A1}"/>
+              </a:ext>
+              <a:ext uri="{C183D7F6-B498-43B3-948B-1728B52AA6E4}">
+                <adec:decorative xmlns:adec="http://schemas.microsoft.com/office/drawing/2017/decorative" val="1"/>
+              </a:ext>
+            </a:extLst>
+          </p:cNvPr>
+          <p:cNvSpPr>
+            <a:spLocks noGrp="1" noRot="1" noChangeAspect="1" noMove="1" noResize="1" noEditPoints="1" noAdjustHandles="1" noChangeArrowheads="1" noChangeShapeType="1" noTextEdit="1"/>
+          </p:cNvSpPr>
+          <p:nvPr>
+            <p:extLst>
+              <p:ext uri="{386F3935-93C4-4BCD-93E2-E3B085C9AB24}">
+                <p16:designElem xmlns:p16="http://schemas.microsoft.com/office/powerpoint/2015/main" val="1"/>
+              </p:ext>
+            </p:extLst>
+          </p:nvPr>
+        </p:nvSpPr>
+        <p:spPr>
+          <a:xfrm>
+            <a:off x="0" y="0"/>
+            <a:ext cx="12188952" cy="6858000"/>
           </a:xfrm>
           <a:prstGeom prst="rect">
             <a:avLst/>
           </a:prstGeom>
-        </p:spPr>
-      </p:pic>
-      <p:pic>
-        <p:nvPicPr>
-          <p:cNvPr id="26" name="Image 25">
-            <a:extLst>
-              <a:ext uri="{FF2B5EF4-FFF2-40B4-BE49-F238E27FC236}">
-                <a16:creationId xmlns:a16="http://schemas.microsoft.com/office/drawing/2014/main" id="{C76A4E75-9AF7-4D99-90F4-6FF0F0C7011D}"/>
-              </a:ext>
-            </a:extLst>
-          </p:cNvPr>
-          <p:cNvPicPr>
-            <a:picLocks noChangeAspect="1"/>
-          </p:cNvPicPr>
-          <p:nvPr/>
-        </p:nvPicPr>
-        <p:blipFill>
-          <a:blip r:embed="rId5"/>
-          <a:stretch>
-            <a:fillRect/>
-          </a:stretch>
-        </p:blipFill>
-        <p:spPr>
-          <a:xfrm>
-            <a:off x="6206209" y="3252500"/>
-            <a:ext cx="5982535" cy="1162212"/>
-          </a:xfrm>
-          <a:prstGeom prst="rect">
-            <a:avLst/>
-          </a:prstGeom>
-        </p:spPr>
-      </p:pic>
-      <p:sp>
-        <p:nvSpPr>
-          <p:cNvPr id="27" name="Flèche : droite 26">
-            <a:extLst>
-              <a:ext uri="{FF2B5EF4-FFF2-40B4-BE49-F238E27FC236}">
-                <a16:creationId xmlns:a16="http://schemas.microsoft.com/office/drawing/2014/main" id="{4C92A56E-DEBE-4611-9F94-4BF3011E108D}"/>
-              </a:ext>
-            </a:extLst>
-          </p:cNvPr>
-          <p:cNvSpPr/>
-          <p:nvPr/>
-        </p:nvSpPr>
-        <p:spPr>
-          <a:xfrm>
-            <a:off x="6118563" y="6055877"/>
-            <a:ext cx="1205713" cy="480290"/>
-          </a:xfrm>
-          <a:prstGeom prst="rightArrow">
-            <a:avLst/>
-          </a:prstGeom>
+          <a:ln>
+            <a:noFill/>
+          </a:ln>
         </p:spPr>
         <p:style>
           <a:lnRef idx="2">
@@ -7919,16 +7819,517 @@
           <a:lstStyle/>
           <a:p>
             <a:pPr algn="ctr"/>
-            <a:endParaRPr lang="fr-FR"/>
-          </a:p>
-        </p:txBody>
-      </p:sp>
-      <p:sp>
-        <p:nvSpPr>
-          <p:cNvPr id="28" name="ZoneTexte 27">
-            <a:extLst>
-              <a:ext uri="{FF2B5EF4-FFF2-40B4-BE49-F238E27FC236}">
-                <a16:creationId xmlns:a16="http://schemas.microsoft.com/office/drawing/2014/main" id="{59D4B96E-419E-4D2C-989B-7923B5E816F2}"/>
+            <a:endParaRPr lang="en-US"/>
+          </a:p>
+        </p:txBody>
+      </p:sp>
+      <p:sp>
+        <p:nvSpPr>
+          <p:cNvPr id="10" name="Freeform 45">
+            <a:extLst>
+              <a:ext uri="{FF2B5EF4-FFF2-40B4-BE49-F238E27FC236}">
+                <a16:creationId xmlns:a16="http://schemas.microsoft.com/office/drawing/2014/main" id="{CFE45BF0-46DB-408C-B5F7-7B11716805D4}"/>
+              </a:ext>
+              <a:ext uri="{C183D7F6-B498-43B3-948B-1728B52AA6E4}">
+                <adec:decorative xmlns:adec="http://schemas.microsoft.com/office/drawing/2017/decorative" val="1"/>
+              </a:ext>
+            </a:extLst>
+          </p:cNvPr>
+          <p:cNvSpPr>
+            <a:spLocks noGrp="1" noRot="1" noChangeAspect="1" noMove="1" noResize="1" noEditPoints="1" noAdjustHandles="1" noChangeArrowheads="1" noChangeShapeType="1" noTextEdit="1"/>
+          </p:cNvSpPr>
+          <p:nvPr>
+            <p:extLst>
+              <p:ext uri="{386F3935-93C4-4BCD-93E2-E3B085C9AB24}">
+                <p16:designElem xmlns:p16="http://schemas.microsoft.com/office/powerpoint/2015/main" val="1"/>
+              </p:ext>
+            </p:extLst>
+          </p:nvPr>
+        </p:nvSpPr>
+        <p:spPr bwMode="auto">
+          <a:xfrm>
+            <a:off x="409710" y="1022350"/>
+            <a:ext cx="709612" cy="2095501"/>
+          </a:xfrm>
+          <a:custGeom>
+            <a:avLst/>
+            <a:gdLst>
+              <a:gd name="T0" fmla="*/ 447 w 447"/>
+              <a:gd name="T1" fmla="*/ 1363 h 1363"/>
+              <a:gd name="T2" fmla="*/ 0 w 447"/>
+              <a:gd name="T3" fmla="*/ 987 h 1363"/>
+              <a:gd name="T4" fmla="*/ 0 w 447"/>
+              <a:gd name="T5" fmla="*/ 0 h 1363"/>
+              <a:gd name="T6" fmla="*/ 447 w 447"/>
+              <a:gd name="T7" fmla="*/ 376 h 1363"/>
+              <a:gd name="T8" fmla="*/ 447 w 447"/>
+              <a:gd name="T9" fmla="*/ 1363 h 1363"/>
+            </a:gdLst>
+            <a:ahLst/>
+            <a:cxnLst>
+              <a:cxn ang="0">
+                <a:pos x="T0" y="T1"/>
+              </a:cxn>
+              <a:cxn ang="0">
+                <a:pos x="T2" y="T3"/>
+              </a:cxn>
+              <a:cxn ang="0">
+                <a:pos x="T4" y="T5"/>
+              </a:cxn>
+              <a:cxn ang="0">
+                <a:pos x="T6" y="T7"/>
+              </a:cxn>
+              <a:cxn ang="0">
+                <a:pos x="T8" y="T9"/>
+              </a:cxn>
+            </a:cxnLst>
+            <a:rect l="0" t="0" r="r" b="b"/>
+            <a:pathLst>
+              <a:path w="447" h="1363">
+                <a:moveTo>
+                  <a:pt x="447" y="1363"/>
+                </a:moveTo>
+                <a:lnTo>
+                  <a:pt x="0" y="987"/>
+                </a:lnTo>
+                <a:lnTo>
+                  <a:pt x="0" y="0"/>
+                </a:lnTo>
+                <a:lnTo>
+                  <a:pt x="447" y="376"/>
+                </a:lnTo>
+                <a:lnTo>
+                  <a:pt x="447" y="1363"/>
+                </a:lnTo>
+                <a:close/>
+              </a:path>
+            </a:pathLst>
+          </a:custGeom>
+          <a:solidFill>
+            <a:schemeClr val="accent1">
+              <a:lumMod val="50000"/>
+            </a:schemeClr>
+          </a:solidFill>
+          <a:ln>
+            <a:noFill/>
+          </a:ln>
+        </p:spPr>
+        <p:txBody>
+          <a:bodyPr vert="horz" wrap="square" lIns="91440" tIns="45720" rIns="91440" bIns="45720" numCol="1" anchor="t" anchorCtr="0" compatLnSpc="1">
+            <a:prstTxWarp prst="textNoShape">
+              <a:avLst/>
+            </a:prstTxWarp>
+          </a:bodyPr>
+          <a:lstStyle/>
+          <a:p>
+            <a:endParaRPr lang="en-US"/>
+          </a:p>
+        </p:txBody>
+      </p:sp>
+      <p:sp>
+        <p:nvSpPr>
+          <p:cNvPr id="12" name="Freeform 46">
+            <a:extLst>
+              <a:ext uri="{FF2B5EF4-FFF2-40B4-BE49-F238E27FC236}">
+                <a16:creationId xmlns:a16="http://schemas.microsoft.com/office/drawing/2014/main" id="{2AEBC8F2-97B1-41B4-93F1-2D289E197FBA}"/>
+              </a:ext>
+              <a:ext uri="{C183D7F6-B498-43B3-948B-1728B52AA6E4}">
+                <adec:decorative xmlns:adec="http://schemas.microsoft.com/office/drawing/2017/decorative" val="1"/>
+              </a:ext>
+            </a:extLst>
+          </p:cNvPr>
+          <p:cNvSpPr>
+            <a:spLocks noGrp="1" noRot="1" noChangeAspect="1" noMove="1" noResize="1" noEditPoints="1" noAdjustHandles="1" noChangeArrowheads="1" noChangeShapeType="1" noTextEdit="1"/>
+          </p:cNvSpPr>
+          <p:nvPr>
+            <p:extLst>
+              <p:ext uri="{386F3935-93C4-4BCD-93E2-E3B085C9AB24}">
+                <p16:designElem xmlns:p16="http://schemas.microsoft.com/office/powerpoint/2015/main" val="1"/>
+              </p:ext>
+            </p:extLst>
+          </p:nvPr>
+        </p:nvSpPr>
+        <p:spPr bwMode="auto">
+          <a:xfrm>
+            <a:off x="409710" y="837744"/>
+            <a:ext cx="403225" cy="1705431"/>
+          </a:xfrm>
+          <a:custGeom>
+            <a:avLst/>
+            <a:gdLst>
+              <a:gd name="T0" fmla="*/ 254 w 254"/>
+              <a:gd name="T1" fmla="*/ 987 h 1109"/>
+              <a:gd name="T2" fmla="*/ 0 w 254"/>
+              <a:gd name="T3" fmla="*/ 1109 h 1109"/>
+              <a:gd name="T4" fmla="*/ 0 w 254"/>
+              <a:gd name="T5" fmla="*/ 119 h 1109"/>
+              <a:gd name="T6" fmla="*/ 254 w 254"/>
+              <a:gd name="T7" fmla="*/ 0 h 1109"/>
+              <a:gd name="T8" fmla="*/ 254 w 254"/>
+              <a:gd name="T9" fmla="*/ 987 h 1109"/>
+            </a:gdLst>
+            <a:ahLst/>
+            <a:cxnLst>
+              <a:cxn ang="0">
+                <a:pos x="T0" y="T1"/>
+              </a:cxn>
+              <a:cxn ang="0">
+                <a:pos x="T2" y="T3"/>
+              </a:cxn>
+              <a:cxn ang="0">
+                <a:pos x="T4" y="T5"/>
+              </a:cxn>
+              <a:cxn ang="0">
+                <a:pos x="T6" y="T7"/>
+              </a:cxn>
+              <a:cxn ang="0">
+                <a:pos x="T8" y="T9"/>
+              </a:cxn>
+            </a:cxnLst>
+            <a:rect l="0" t="0" r="r" b="b"/>
+            <a:pathLst>
+              <a:path w="254" h="1109">
+                <a:moveTo>
+                  <a:pt x="254" y="987"/>
+                </a:moveTo>
+                <a:lnTo>
+                  <a:pt x="0" y="1109"/>
+                </a:lnTo>
+                <a:lnTo>
+                  <a:pt x="0" y="119"/>
+                </a:lnTo>
+                <a:lnTo>
+                  <a:pt x="254" y="0"/>
+                </a:lnTo>
+                <a:lnTo>
+                  <a:pt x="254" y="987"/>
+                </a:lnTo>
+                <a:close/>
+              </a:path>
+            </a:pathLst>
+          </a:custGeom>
+          <a:solidFill>
+            <a:schemeClr val="accent1">
+              <a:lumMod val="75000"/>
+            </a:schemeClr>
+          </a:solidFill>
+          <a:ln>
+            <a:noFill/>
+          </a:ln>
+        </p:spPr>
+        <p:txBody>
+          <a:bodyPr vert="horz" wrap="square" lIns="91440" tIns="45720" rIns="91440" bIns="45720" numCol="1" anchor="t" anchorCtr="0" compatLnSpc="1">
+            <a:prstTxWarp prst="textNoShape">
+              <a:avLst/>
+            </a:prstTxWarp>
+          </a:bodyPr>
+          <a:lstStyle/>
+          <a:p>
+            <a:endParaRPr lang="en-US"/>
+          </a:p>
+        </p:txBody>
+      </p:sp>
+      <p:sp>
+        <p:nvSpPr>
+          <p:cNvPr id="14" name="Freeform 47">
+            <a:extLst>
+              <a:ext uri="{FF2B5EF4-FFF2-40B4-BE49-F238E27FC236}">
+                <a16:creationId xmlns:a16="http://schemas.microsoft.com/office/drawing/2014/main" id="{472E3A19-F5D5-48FC-BB9C-48C2F68F598B}"/>
+              </a:ext>
+              <a:ext uri="{C183D7F6-B498-43B3-948B-1728B52AA6E4}">
+                <adec:decorative xmlns:adec="http://schemas.microsoft.com/office/drawing/2017/decorative" val="1"/>
+              </a:ext>
+            </a:extLst>
+          </p:cNvPr>
+          <p:cNvSpPr>
+            <a:spLocks noGrp="1" noRot="1" noChangeAspect="1" noMove="1" noResize="1" noEditPoints="1" noAdjustHandles="1" noChangeArrowheads="1" noChangeShapeType="1" noTextEdit="1"/>
+          </p:cNvSpPr>
+          <p:nvPr>
+            <p:extLst>
+              <p:ext uri="{386F3935-93C4-4BCD-93E2-E3B085C9AB24}">
+                <p16:designElem xmlns:p16="http://schemas.microsoft.com/office/powerpoint/2015/main" val="1"/>
+              </p:ext>
+            </p:extLst>
+          </p:nvPr>
+        </p:nvSpPr>
+        <p:spPr bwMode="auto">
+          <a:xfrm>
+            <a:off x="644660" y="640894"/>
+            <a:ext cx="168275" cy="1713195"/>
+          </a:xfrm>
+          <a:custGeom>
+            <a:avLst/>
+            <a:gdLst>
+              <a:gd name="T0" fmla="*/ 106 w 106"/>
+              <a:gd name="T1" fmla="*/ 1114 h 1114"/>
+              <a:gd name="T2" fmla="*/ 0 w 106"/>
+              <a:gd name="T3" fmla="*/ 1005 h 1114"/>
+              <a:gd name="T4" fmla="*/ 0 w 106"/>
+              <a:gd name="T5" fmla="*/ 0 h 1114"/>
+              <a:gd name="T6" fmla="*/ 106 w 106"/>
+              <a:gd name="T7" fmla="*/ 110 h 1114"/>
+              <a:gd name="T8" fmla="*/ 106 w 106"/>
+              <a:gd name="T9" fmla="*/ 1114 h 1114"/>
+            </a:gdLst>
+            <a:ahLst/>
+            <a:cxnLst>
+              <a:cxn ang="0">
+                <a:pos x="T0" y="T1"/>
+              </a:cxn>
+              <a:cxn ang="0">
+                <a:pos x="T2" y="T3"/>
+              </a:cxn>
+              <a:cxn ang="0">
+                <a:pos x="T4" y="T5"/>
+              </a:cxn>
+              <a:cxn ang="0">
+                <a:pos x="T6" y="T7"/>
+              </a:cxn>
+              <a:cxn ang="0">
+                <a:pos x="T8" y="T9"/>
+              </a:cxn>
+            </a:cxnLst>
+            <a:rect l="0" t="0" r="r" b="b"/>
+            <a:pathLst>
+              <a:path w="106" h="1114">
+                <a:moveTo>
+                  <a:pt x="106" y="1114"/>
+                </a:moveTo>
+                <a:lnTo>
+                  <a:pt x="0" y="1005"/>
+                </a:lnTo>
+                <a:lnTo>
+                  <a:pt x="0" y="0"/>
+                </a:lnTo>
+                <a:lnTo>
+                  <a:pt x="106" y="110"/>
+                </a:lnTo>
+                <a:lnTo>
+                  <a:pt x="106" y="1114"/>
+                </a:lnTo>
+                <a:close/>
+              </a:path>
+            </a:pathLst>
+          </a:custGeom>
+          <a:solidFill>
+            <a:schemeClr val="accent1">
+              <a:lumMod val="50000"/>
+            </a:schemeClr>
+          </a:solidFill>
+          <a:ln>
+            <a:noFill/>
+          </a:ln>
+        </p:spPr>
+        <p:txBody>
+          <a:bodyPr vert="horz" wrap="square" lIns="91440" tIns="45720" rIns="91440" bIns="45720" numCol="1" anchor="t" anchorCtr="0" compatLnSpc="1">
+            <a:prstTxWarp prst="textNoShape">
+              <a:avLst/>
+            </a:prstTxWarp>
+          </a:bodyPr>
+          <a:lstStyle/>
+          <a:p>
+            <a:endParaRPr lang="en-US"/>
+          </a:p>
+        </p:txBody>
+      </p:sp>
+      <p:sp>
+        <p:nvSpPr>
+          <p:cNvPr id="16" name="Freeform 44">
+            <a:extLst>
+              <a:ext uri="{FF2B5EF4-FFF2-40B4-BE49-F238E27FC236}">
+                <a16:creationId xmlns:a16="http://schemas.microsoft.com/office/drawing/2014/main" id="{7A62E32F-BB65-43A8-8EB5-92346890E549}"/>
+              </a:ext>
+              <a:ext uri="{C183D7F6-B498-43B3-948B-1728B52AA6E4}">
+                <adec:decorative xmlns:adec="http://schemas.microsoft.com/office/drawing/2017/decorative" val="1"/>
+              </a:ext>
+            </a:extLst>
+          </p:cNvPr>
+          <p:cNvSpPr>
+            <a:spLocks noGrp="1" noRot="1" noChangeAspect="1" noMove="1" noResize="1" noEditPoints="1" noAdjustHandles="1" noChangeArrowheads="1" noChangeShapeType="1" noTextEdit="1"/>
+          </p:cNvSpPr>
+          <p:nvPr>
+            <p:extLst>
+              <p:ext uri="{386F3935-93C4-4BCD-93E2-E3B085C9AB24}">
+                <p16:designElem xmlns:p16="http://schemas.microsoft.com/office/powerpoint/2015/main" val="1"/>
+              </p:ext>
+            </p:extLst>
+          </p:nvPr>
+        </p:nvSpPr>
+        <p:spPr bwMode="auto">
+          <a:xfrm>
+            <a:off x="11223203" y="635716"/>
+            <a:ext cx="328612" cy="1742360"/>
+          </a:xfrm>
+          <a:custGeom>
+            <a:avLst/>
+            <a:gdLst>
+              <a:gd name="T0" fmla="*/ 207 w 207"/>
+              <a:gd name="T1" fmla="*/ 987 h 1114"/>
+              <a:gd name="T2" fmla="*/ 0 w 207"/>
+              <a:gd name="T3" fmla="*/ 1114 h 1114"/>
+              <a:gd name="T4" fmla="*/ 0 w 207"/>
+              <a:gd name="T5" fmla="*/ 127 h 1114"/>
+              <a:gd name="T6" fmla="*/ 207 w 207"/>
+              <a:gd name="T7" fmla="*/ 0 h 1114"/>
+              <a:gd name="T8" fmla="*/ 207 w 207"/>
+              <a:gd name="T9" fmla="*/ 987 h 1114"/>
+            </a:gdLst>
+            <a:ahLst/>
+            <a:cxnLst>
+              <a:cxn ang="0">
+                <a:pos x="T0" y="T1"/>
+              </a:cxn>
+              <a:cxn ang="0">
+                <a:pos x="T2" y="T3"/>
+              </a:cxn>
+              <a:cxn ang="0">
+                <a:pos x="T4" y="T5"/>
+              </a:cxn>
+              <a:cxn ang="0">
+                <a:pos x="T6" y="T7"/>
+              </a:cxn>
+              <a:cxn ang="0">
+                <a:pos x="T8" y="T9"/>
+              </a:cxn>
+            </a:cxnLst>
+            <a:rect l="0" t="0" r="r" b="b"/>
+            <a:pathLst>
+              <a:path w="207" h="1114">
+                <a:moveTo>
+                  <a:pt x="207" y="987"/>
+                </a:moveTo>
+                <a:lnTo>
+                  <a:pt x="0" y="1114"/>
+                </a:lnTo>
+                <a:lnTo>
+                  <a:pt x="0" y="127"/>
+                </a:lnTo>
+                <a:lnTo>
+                  <a:pt x="207" y="0"/>
+                </a:lnTo>
+                <a:lnTo>
+                  <a:pt x="207" y="987"/>
+                </a:lnTo>
+                <a:close/>
+              </a:path>
+            </a:pathLst>
+          </a:custGeom>
+          <a:solidFill>
+            <a:schemeClr val="accent1">
+              <a:lumMod val="50000"/>
+            </a:schemeClr>
+          </a:solidFill>
+          <a:ln>
+            <a:noFill/>
+          </a:ln>
+        </p:spPr>
+        <p:txBody>
+          <a:bodyPr vert="horz" wrap="square" lIns="91440" tIns="45720" rIns="91440" bIns="45720" numCol="1" anchor="t" anchorCtr="0" compatLnSpc="1">
+            <a:prstTxWarp prst="textNoShape">
+              <a:avLst/>
+            </a:prstTxWarp>
+          </a:bodyPr>
+          <a:lstStyle/>
+          <a:p>
+            <a:endParaRPr lang="en-US"/>
+          </a:p>
+        </p:txBody>
+      </p:sp>
+      <p:sp>
+        <p:nvSpPr>
+          <p:cNvPr id="18" name="Rectangle 17">
+            <a:extLst>
+              <a:ext uri="{FF2B5EF4-FFF2-40B4-BE49-F238E27FC236}">
+                <a16:creationId xmlns:a16="http://schemas.microsoft.com/office/drawing/2014/main" id="{14E91B64-9FCC-451E-AFB4-A827D6329367}"/>
+              </a:ext>
+              <a:ext uri="{C183D7F6-B498-43B3-948B-1728B52AA6E4}">
+                <adec:decorative xmlns:adec="http://schemas.microsoft.com/office/drawing/2017/decorative" val="1"/>
+              </a:ext>
+            </a:extLst>
+          </p:cNvPr>
+          <p:cNvSpPr>
+            <a:spLocks noGrp="1" noRot="1" noChangeAspect="1" noMove="1" noResize="1" noEditPoints="1" noAdjustHandles="1" noChangeArrowheads="1" noChangeShapeType="1" noTextEdit="1"/>
+          </p:cNvSpPr>
+          <p:nvPr>
+            <p:extLst>
+              <p:ext uri="{386F3935-93C4-4BCD-93E2-E3B085C9AB24}">
+                <p16:designElem xmlns:p16="http://schemas.microsoft.com/office/powerpoint/2015/main" val="1"/>
+              </p:ext>
+            </p:extLst>
+          </p:nvPr>
+        </p:nvSpPr>
+        <p:spPr bwMode="auto">
+          <a:xfrm>
+            <a:off x="644055" y="635715"/>
+            <a:ext cx="10907863" cy="1541457"/>
+          </a:xfrm>
+          <a:prstGeom prst="rect">
+            <a:avLst/>
+          </a:prstGeom>
+          <a:solidFill>
+            <a:schemeClr val="accent1"/>
+          </a:solidFill>
+          <a:ln>
+            <a:noFill/>
+          </a:ln>
+        </p:spPr>
+        <p:txBody>
+          <a:bodyPr vert="horz" wrap="square" lIns="91440" tIns="45720" rIns="91440" bIns="45720" numCol="1" anchor="t" anchorCtr="0" compatLnSpc="1">
+            <a:prstTxWarp prst="textNoShape">
+              <a:avLst/>
+            </a:prstTxWarp>
+          </a:bodyPr>
+          <a:lstStyle/>
+          <a:p>
+            <a:endParaRPr lang="en-US"/>
+          </a:p>
+        </p:txBody>
+      </p:sp>
+      <p:sp>
+        <p:nvSpPr>
+          <p:cNvPr id="2" name="Titre 1">
+            <a:extLst>
+              <a:ext uri="{FF2B5EF4-FFF2-40B4-BE49-F238E27FC236}">
+                <a16:creationId xmlns:a16="http://schemas.microsoft.com/office/drawing/2014/main" id="{787733BC-219D-49C7-B5B4-F7CD9774C6A4}"/>
+              </a:ext>
+            </a:extLst>
+          </p:cNvPr>
+          <p:cNvSpPr>
+            <a:spLocks noGrp="1"/>
+          </p:cNvSpPr>
+          <p:nvPr>
+            <p:ph type="title"/>
+          </p:nvPr>
+        </p:nvSpPr>
+        <p:spPr>
+          <a:xfrm>
+            <a:off x="958506" y="800392"/>
+            <a:ext cx="10264697" cy="1212102"/>
+          </a:xfrm>
+        </p:spPr>
+        <p:txBody>
+          <a:bodyPr>
+            <a:normAutofit/>
+          </a:bodyPr>
+          <a:lstStyle/>
+          <a:p>
+            <a:r>
+              <a:rPr lang="fr-FR" sz="4000" dirty="0">
+                <a:solidFill>
+                  <a:srgbClr val="FFFFFF"/>
+                </a:solidFill>
+              </a:rPr>
+              <a:t>PDO – Insertion de données</a:t>
+            </a:r>
+          </a:p>
+        </p:txBody>
+      </p:sp>
+      <p:sp>
+        <p:nvSpPr>
+          <p:cNvPr id="5" name="ZoneTexte 4">
+            <a:extLst>
+              <a:ext uri="{FF2B5EF4-FFF2-40B4-BE49-F238E27FC236}">
+                <a16:creationId xmlns:a16="http://schemas.microsoft.com/office/drawing/2014/main" id="{C33F6FD7-41DE-417B-B411-49B9C30EC6EE}"/>
               </a:ext>
             </a:extLst>
           </p:cNvPr>
@@ -7937,8 +8338,8 @@
         </p:nvSpPr>
         <p:spPr>
           <a:xfrm>
-            <a:off x="4765963" y="5521867"/>
-            <a:ext cx="2807855" cy="461665"/>
+            <a:off x="1913969" y="2416679"/>
+            <a:ext cx="8368033" cy="461665"/>
           </a:xfrm>
           <a:prstGeom prst="rect">
             <a:avLst/>
@@ -7951,17 +8352,1307 @@
           </a:bodyPr>
           <a:lstStyle/>
           <a:p>
+            <a:pPr marL="342900" indent="-342900">
+              <a:buFont typeface="Arial" panose="020B0604020202020204" pitchFamily="34" charset="0"/>
+              <a:buChar char="•"/>
+            </a:pPr>
             <a:r>
               <a:rPr lang="fr-FR" sz="2400" dirty="0"/>
-              <a:t>Affichage :</a:t>
+              <a:t>Utilisation d’une requête préparée</a:t>
             </a:r>
           </a:p>
         </p:txBody>
       </p:sp>
+      <p:sp>
+        <p:nvSpPr>
+          <p:cNvPr id="9" name="Espace réservé du numéro de diapositive 8">
+            <a:extLst>
+              <a:ext uri="{FF2B5EF4-FFF2-40B4-BE49-F238E27FC236}">
+                <a16:creationId xmlns:a16="http://schemas.microsoft.com/office/drawing/2014/main" id="{F3EDF272-70D0-418F-B1E4-090F125EAE69}"/>
+              </a:ext>
+            </a:extLst>
+          </p:cNvPr>
+          <p:cNvSpPr>
+            <a:spLocks noGrp="1"/>
+          </p:cNvSpPr>
+          <p:nvPr>
+            <p:ph type="sldNum" sz="quarter" idx="12"/>
+          </p:nvPr>
+        </p:nvSpPr>
+        <p:spPr/>
+        <p:txBody>
+          <a:bodyPr/>
+          <a:lstStyle/>
+          <a:p>
+            <a:fld id="{F8323CC4-5E62-4ADB-BC7C-89B23C89378E}" type="slidenum">
+              <a:rPr lang="fr-FR" smtClean="0"/>
+              <a:t>16</a:t>
+            </a:fld>
+            <a:endParaRPr lang="fr-FR"/>
+          </a:p>
+        </p:txBody>
+      </p:sp>
+      <p:pic>
+        <p:nvPicPr>
+          <p:cNvPr id="6" name="Image 5">
+            <a:extLst>
+              <a:ext uri="{FF2B5EF4-FFF2-40B4-BE49-F238E27FC236}">
+                <a16:creationId xmlns:a16="http://schemas.microsoft.com/office/drawing/2014/main" id="{6991160B-4237-4877-B762-D60A9228BA42}"/>
+              </a:ext>
+            </a:extLst>
+          </p:cNvPr>
+          <p:cNvPicPr>
+            <a:picLocks noChangeAspect="1"/>
+          </p:cNvPicPr>
+          <p:nvPr/>
+        </p:nvPicPr>
+        <p:blipFill>
+          <a:blip r:embed="rId2"/>
+          <a:stretch>
+            <a:fillRect/>
+          </a:stretch>
+        </p:blipFill>
+        <p:spPr>
+          <a:xfrm>
+            <a:off x="1913969" y="3429000"/>
+            <a:ext cx="8097380" cy="1943371"/>
+          </a:xfrm>
+          <a:prstGeom prst="rect">
+            <a:avLst/>
+          </a:prstGeom>
+        </p:spPr>
+      </p:pic>
     </p:spTree>
     <p:extLst>
       <p:ext uri="{BB962C8B-B14F-4D97-AF65-F5344CB8AC3E}">
-        <p14:creationId xmlns:p14="http://schemas.microsoft.com/office/powerpoint/2010/main" val="3567119921"/>
+        <p14:creationId xmlns:p14="http://schemas.microsoft.com/office/powerpoint/2010/main" val="1659997982"/>
+      </p:ext>
+    </p:extLst>
+  </p:cSld>
+  <p:clrMapOvr>
+    <a:masterClrMapping/>
+  </p:clrMapOvr>
+</p:sld>
+</file>
+
+<file path=ppt/slides/slide17.xml><?xml version="1.0" encoding="utf-8"?>
+<p:sld xmlns:a="http://schemas.openxmlformats.org/drawingml/2006/main" xmlns:r="http://schemas.openxmlformats.org/officeDocument/2006/relationships" xmlns:p="http://schemas.openxmlformats.org/presentationml/2006/main">
+  <p:cSld>
+    <p:bg>
+      <p:bgPr>
+        <a:solidFill>
+          <a:schemeClr val="bg1"/>
+        </a:solidFill>
+        <a:effectLst/>
+      </p:bgPr>
+    </p:bg>
+    <p:spTree>
+      <p:nvGrpSpPr>
+        <p:cNvPr id="1" name=""/>
+        <p:cNvGrpSpPr/>
+        <p:nvPr/>
+      </p:nvGrpSpPr>
+      <p:grpSpPr>
+        <a:xfrm>
+          <a:off x="0" y="0"/>
+          <a:ext cx="0" cy="0"/>
+          <a:chOff x="0" y="0"/>
+          <a:chExt cx="0" cy="0"/>
+        </a:xfrm>
+      </p:grpSpPr>
+      <p:sp>
+        <p:nvSpPr>
+          <p:cNvPr id="9" name="Rectangle 8">
+            <a:extLst>
+              <a:ext uri="{FF2B5EF4-FFF2-40B4-BE49-F238E27FC236}">
+                <a16:creationId xmlns:a16="http://schemas.microsoft.com/office/drawing/2014/main" id="{23962611-DFD5-4092-AAFD-559E3DFCE2C9}"/>
+              </a:ext>
+              <a:ext uri="{C183D7F6-B498-43B3-948B-1728B52AA6E4}">
+                <adec:decorative xmlns:adec="http://schemas.microsoft.com/office/drawing/2017/decorative" val="1"/>
+              </a:ext>
+            </a:extLst>
+          </p:cNvPr>
+          <p:cNvSpPr>
+            <a:spLocks noGrp="1" noRot="1" noChangeAspect="1" noMove="1" noResize="1" noEditPoints="1" noAdjustHandles="1" noChangeArrowheads="1" noChangeShapeType="1" noTextEdit="1"/>
+          </p:cNvSpPr>
+          <p:nvPr>
+            <p:extLst>
+              <p:ext uri="{386F3935-93C4-4BCD-93E2-E3B085C9AB24}">
+                <p16:designElem xmlns:p16="http://schemas.microsoft.com/office/powerpoint/2015/main" val="1"/>
+              </p:ext>
+            </p:extLst>
+          </p:nvPr>
+        </p:nvSpPr>
+        <p:spPr>
+          <a:xfrm>
+            <a:off x="475488" y="0"/>
+            <a:ext cx="10910292" cy="6858000"/>
+          </a:xfrm>
+          <a:prstGeom prst="rect">
+            <a:avLst/>
+          </a:prstGeom>
+          <a:gradFill>
+            <a:gsLst>
+              <a:gs pos="0">
+                <a:schemeClr val="accent1">
+                  <a:lumMod val="90000"/>
+                </a:schemeClr>
+              </a:gs>
+              <a:gs pos="25000">
+                <a:schemeClr val="accent1">
+                  <a:lumMod val="90000"/>
+                </a:schemeClr>
+              </a:gs>
+              <a:gs pos="94000">
+                <a:schemeClr val="bg2">
+                  <a:lumMod val="25000"/>
+                </a:schemeClr>
+              </a:gs>
+              <a:gs pos="100000">
+                <a:schemeClr val="bg2">
+                  <a:lumMod val="25000"/>
+                </a:schemeClr>
+              </a:gs>
+            </a:gsLst>
+            <a:lin ang="4200000" scaled="0"/>
+          </a:gradFill>
+          <a:ln>
+            <a:noFill/>
+          </a:ln>
+        </p:spPr>
+        <p:style>
+          <a:lnRef idx="2">
+            <a:schemeClr val="accent1">
+              <a:shade val="50000"/>
+            </a:schemeClr>
+          </a:lnRef>
+          <a:fillRef idx="1">
+            <a:schemeClr val="accent1"/>
+          </a:fillRef>
+          <a:effectRef idx="0">
+            <a:schemeClr val="accent1"/>
+          </a:effectRef>
+          <a:fontRef idx="minor">
+            <a:schemeClr val="lt1"/>
+          </a:fontRef>
+        </p:style>
+        <p:txBody>
+          <a:bodyPr rtlCol="0" anchor="ctr"/>
+          <a:lstStyle/>
+          <a:p>
+            <a:pPr algn="ctr"/>
+            <a:endParaRPr lang="en-US"/>
+          </a:p>
+        </p:txBody>
+      </p:sp>
+      <p:pic>
+        <p:nvPicPr>
+          <p:cNvPr id="11" name="Picture 10">
+            <a:extLst>
+              <a:ext uri="{FF2B5EF4-FFF2-40B4-BE49-F238E27FC236}">
+                <a16:creationId xmlns:a16="http://schemas.microsoft.com/office/drawing/2014/main" id="{2270F1FA-0425-408F-9861-80BF5AFB276D}"/>
+              </a:ext>
+              <a:ext uri="{C183D7F6-B498-43B3-948B-1728B52AA6E4}">
+                <adec:decorative xmlns:adec="http://schemas.microsoft.com/office/drawing/2017/decorative" val="1"/>
+              </a:ext>
+            </a:extLst>
+          </p:cNvPr>
+          <p:cNvPicPr>
+            <a:picLocks noGrp="1" noRot="1" noChangeAspect="1" noMove="1" noResize="1" noEditPoints="1" noAdjustHandles="1" noChangeArrowheads="1" noChangeShapeType="1" noCrop="1"/>
+          </p:cNvPicPr>
+          <p:nvPr>
+            <p:extLst>
+              <p:ext uri="{386F3935-93C4-4BCD-93E2-E3B085C9AB24}">
+                <p16:designElem xmlns:p16="http://schemas.microsoft.com/office/powerpoint/2015/main" val="1"/>
+              </p:ext>
+            </p:extLst>
+          </p:nvPr>
+        </p:nvPicPr>
+        <p:blipFill>
+          <a:blip r:embed="rId2">
+            <a:extLst>
+              <a:ext uri="{28A0092B-C50C-407E-A947-70E740481C1C}">
+                <a14:useLocalDpi xmlns:a14="http://schemas.microsoft.com/office/drawing/2010/main" val="0"/>
+              </a:ext>
+            </a:extLst>
+          </a:blip>
+          <a:stretch>
+            <a:fillRect/>
+          </a:stretch>
+        </p:blipFill>
+        <p:spPr>
+          <a:xfrm>
+            <a:off x="0" y="0"/>
+            <a:ext cx="12192000" cy="6858000"/>
+          </a:xfrm>
+          <a:prstGeom prst="rect">
+            <a:avLst/>
+          </a:prstGeom>
+        </p:spPr>
+      </p:pic>
+      <p:sp>
+        <p:nvSpPr>
+          <p:cNvPr id="2" name="Titre 1">
+            <a:extLst>
+              <a:ext uri="{FF2B5EF4-FFF2-40B4-BE49-F238E27FC236}">
+                <a16:creationId xmlns:a16="http://schemas.microsoft.com/office/drawing/2014/main" id="{1D51E691-7AB1-40C1-B104-A6C4CEC561EB}"/>
+              </a:ext>
+            </a:extLst>
+          </p:cNvPr>
+          <p:cNvSpPr>
+            <a:spLocks noGrp="1"/>
+          </p:cNvSpPr>
+          <p:nvPr>
+            <p:ph type="title"/>
+          </p:nvPr>
+        </p:nvSpPr>
+        <p:spPr>
+          <a:xfrm>
+            <a:off x="3045368" y="2043663"/>
+            <a:ext cx="6105194" cy="2031055"/>
+          </a:xfrm>
+        </p:spPr>
+        <p:txBody>
+          <a:bodyPr vert="horz" lIns="91440" tIns="45720" rIns="91440" bIns="45720" rtlCol="0" anchor="b">
+            <a:normAutofit/>
+          </a:bodyPr>
+          <a:lstStyle/>
+          <a:p>
+            <a:pPr algn="ctr"/>
+            <a:r>
+              <a:rPr lang="en-US" sz="5100" kern="1200">
+                <a:solidFill>
+                  <a:srgbClr val="FFFFFF"/>
+                </a:solidFill>
+                <a:latin typeface="+mj-lt"/>
+                <a:ea typeface="+mj-ea"/>
+                <a:cs typeface="+mj-cs"/>
+              </a:rPr>
+              <a:t>Exercice 4 – Insertion de données</a:t>
+            </a:r>
+          </a:p>
+        </p:txBody>
+      </p:sp>
+      <p:sp>
+        <p:nvSpPr>
+          <p:cNvPr id="4" name="Espace réservé du numéro de diapositive 3">
+            <a:extLst>
+              <a:ext uri="{FF2B5EF4-FFF2-40B4-BE49-F238E27FC236}">
+                <a16:creationId xmlns:a16="http://schemas.microsoft.com/office/drawing/2014/main" id="{2D71A2BB-FA32-4D7B-9A60-87A082EC5D28}"/>
+              </a:ext>
+            </a:extLst>
+          </p:cNvPr>
+          <p:cNvSpPr>
+            <a:spLocks noGrp="1"/>
+          </p:cNvSpPr>
+          <p:nvPr>
+            <p:ph type="sldNum" sz="quarter" idx="12"/>
+          </p:nvPr>
+        </p:nvSpPr>
+        <p:spPr>
+          <a:xfrm>
+            <a:off x="10825930" y="6223702"/>
+            <a:ext cx="570728" cy="314067"/>
+          </a:xfrm>
+        </p:spPr>
+        <p:txBody>
+          <a:bodyPr vert="horz" lIns="91440" tIns="45720" rIns="91440" bIns="45720" rtlCol="0" anchor="ctr">
+            <a:normAutofit/>
+          </a:bodyPr>
+          <a:lstStyle/>
+          <a:p>
+            <a:pPr>
+              <a:spcAft>
+                <a:spcPts val="600"/>
+              </a:spcAft>
+            </a:pPr>
+            <a:fld id="{F8323CC4-5E62-4ADB-BC7C-89B23C89378E}" type="slidenum">
+              <a:rPr lang="en-US" sz="1000">
+                <a:solidFill>
+                  <a:srgbClr val="898989"/>
+                </a:solidFill>
+              </a:rPr>
+              <a:pPr>
+                <a:spcAft>
+                  <a:spcPts val="600"/>
+                </a:spcAft>
+              </a:pPr>
+              <a:t>17</a:t>
+            </a:fld>
+            <a:endParaRPr lang="en-US" sz="1000">
+              <a:solidFill>
+                <a:srgbClr val="898989"/>
+              </a:solidFill>
+            </a:endParaRPr>
+          </a:p>
+        </p:txBody>
+      </p:sp>
+    </p:spTree>
+    <p:extLst>
+      <p:ext uri="{BB962C8B-B14F-4D97-AF65-F5344CB8AC3E}">
+        <p14:creationId xmlns:p14="http://schemas.microsoft.com/office/powerpoint/2010/main" val="1249885589"/>
+      </p:ext>
+    </p:extLst>
+  </p:cSld>
+  <p:clrMapOvr>
+    <a:masterClrMapping/>
+  </p:clrMapOvr>
+</p:sld>
+</file>
+
+<file path=ppt/slides/slide18.xml><?xml version="1.0" encoding="utf-8"?>
+<p:sld xmlns:a="http://schemas.openxmlformats.org/drawingml/2006/main" xmlns:r="http://schemas.openxmlformats.org/officeDocument/2006/relationships" xmlns:p="http://schemas.openxmlformats.org/presentationml/2006/main">
+  <p:cSld>
+    <p:bg>
+      <p:bgPr>
+        <a:solidFill>
+          <a:schemeClr val="bg1"/>
+        </a:solidFill>
+        <a:effectLst/>
+      </p:bgPr>
+    </p:bg>
+    <p:spTree>
+      <p:nvGrpSpPr>
+        <p:cNvPr id="1" name=""/>
+        <p:cNvGrpSpPr/>
+        <p:nvPr/>
+      </p:nvGrpSpPr>
+      <p:grpSpPr>
+        <a:xfrm>
+          <a:off x="0" y="0"/>
+          <a:ext cx="0" cy="0"/>
+          <a:chOff x="0" y="0"/>
+          <a:chExt cx="0" cy="0"/>
+        </a:xfrm>
+      </p:grpSpPr>
+      <p:sp useBgFill="1">
+        <p:nvSpPr>
+          <p:cNvPr id="8" name="Rectangle 7">
+            <a:extLst>
+              <a:ext uri="{FF2B5EF4-FFF2-40B4-BE49-F238E27FC236}">
+                <a16:creationId xmlns:a16="http://schemas.microsoft.com/office/drawing/2014/main" id="{827B839B-9ADE-406B-8590-F1CAEDED45A1}"/>
+              </a:ext>
+              <a:ext uri="{C183D7F6-B498-43B3-948B-1728B52AA6E4}">
+                <adec:decorative xmlns:adec="http://schemas.microsoft.com/office/drawing/2017/decorative" val="1"/>
+              </a:ext>
+            </a:extLst>
+          </p:cNvPr>
+          <p:cNvSpPr>
+            <a:spLocks noGrp="1" noRot="1" noChangeAspect="1" noMove="1" noResize="1" noEditPoints="1" noAdjustHandles="1" noChangeArrowheads="1" noChangeShapeType="1" noTextEdit="1"/>
+          </p:cNvSpPr>
+          <p:nvPr>
+            <p:extLst>
+              <p:ext uri="{386F3935-93C4-4BCD-93E2-E3B085C9AB24}">
+                <p16:designElem xmlns:p16="http://schemas.microsoft.com/office/powerpoint/2015/main" val="1"/>
+              </p:ext>
+            </p:extLst>
+          </p:nvPr>
+        </p:nvSpPr>
+        <p:spPr>
+          <a:xfrm>
+            <a:off x="0" y="0"/>
+            <a:ext cx="12188952" cy="6858000"/>
+          </a:xfrm>
+          <a:prstGeom prst="rect">
+            <a:avLst/>
+          </a:prstGeom>
+          <a:ln>
+            <a:noFill/>
+          </a:ln>
+        </p:spPr>
+        <p:style>
+          <a:lnRef idx="2">
+            <a:schemeClr val="accent1">
+              <a:shade val="50000"/>
+            </a:schemeClr>
+          </a:lnRef>
+          <a:fillRef idx="1">
+            <a:schemeClr val="accent1"/>
+          </a:fillRef>
+          <a:effectRef idx="0">
+            <a:schemeClr val="accent1"/>
+          </a:effectRef>
+          <a:fontRef idx="minor">
+            <a:schemeClr val="lt1"/>
+          </a:fontRef>
+        </p:style>
+        <p:txBody>
+          <a:bodyPr rtlCol="0" anchor="ctr"/>
+          <a:lstStyle/>
+          <a:p>
+            <a:pPr algn="ctr"/>
+            <a:endParaRPr lang="en-US"/>
+          </a:p>
+        </p:txBody>
+      </p:sp>
+      <p:sp>
+        <p:nvSpPr>
+          <p:cNvPr id="10" name="Freeform 45">
+            <a:extLst>
+              <a:ext uri="{FF2B5EF4-FFF2-40B4-BE49-F238E27FC236}">
+                <a16:creationId xmlns:a16="http://schemas.microsoft.com/office/drawing/2014/main" id="{CFE45BF0-46DB-408C-B5F7-7B11716805D4}"/>
+              </a:ext>
+              <a:ext uri="{C183D7F6-B498-43B3-948B-1728B52AA6E4}">
+                <adec:decorative xmlns:adec="http://schemas.microsoft.com/office/drawing/2017/decorative" val="1"/>
+              </a:ext>
+            </a:extLst>
+          </p:cNvPr>
+          <p:cNvSpPr>
+            <a:spLocks noGrp="1" noRot="1" noChangeAspect="1" noMove="1" noResize="1" noEditPoints="1" noAdjustHandles="1" noChangeArrowheads="1" noChangeShapeType="1" noTextEdit="1"/>
+          </p:cNvSpPr>
+          <p:nvPr>
+            <p:extLst>
+              <p:ext uri="{386F3935-93C4-4BCD-93E2-E3B085C9AB24}">
+                <p16:designElem xmlns:p16="http://schemas.microsoft.com/office/powerpoint/2015/main" val="1"/>
+              </p:ext>
+            </p:extLst>
+          </p:nvPr>
+        </p:nvSpPr>
+        <p:spPr bwMode="auto">
+          <a:xfrm>
+            <a:off x="409710" y="1022350"/>
+            <a:ext cx="709612" cy="2095501"/>
+          </a:xfrm>
+          <a:custGeom>
+            <a:avLst/>
+            <a:gdLst>
+              <a:gd name="T0" fmla="*/ 447 w 447"/>
+              <a:gd name="T1" fmla="*/ 1363 h 1363"/>
+              <a:gd name="T2" fmla="*/ 0 w 447"/>
+              <a:gd name="T3" fmla="*/ 987 h 1363"/>
+              <a:gd name="T4" fmla="*/ 0 w 447"/>
+              <a:gd name="T5" fmla="*/ 0 h 1363"/>
+              <a:gd name="T6" fmla="*/ 447 w 447"/>
+              <a:gd name="T7" fmla="*/ 376 h 1363"/>
+              <a:gd name="T8" fmla="*/ 447 w 447"/>
+              <a:gd name="T9" fmla="*/ 1363 h 1363"/>
+            </a:gdLst>
+            <a:ahLst/>
+            <a:cxnLst>
+              <a:cxn ang="0">
+                <a:pos x="T0" y="T1"/>
+              </a:cxn>
+              <a:cxn ang="0">
+                <a:pos x="T2" y="T3"/>
+              </a:cxn>
+              <a:cxn ang="0">
+                <a:pos x="T4" y="T5"/>
+              </a:cxn>
+              <a:cxn ang="0">
+                <a:pos x="T6" y="T7"/>
+              </a:cxn>
+              <a:cxn ang="0">
+                <a:pos x="T8" y="T9"/>
+              </a:cxn>
+            </a:cxnLst>
+            <a:rect l="0" t="0" r="r" b="b"/>
+            <a:pathLst>
+              <a:path w="447" h="1363">
+                <a:moveTo>
+                  <a:pt x="447" y="1363"/>
+                </a:moveTo>
+                <a:lnTo>
+                  <a:pt x="0" y="987"/>
+                </a:lnTo>
+                <a:lnTo>
+                  <a:pt x="0" y="0"/>
+                </a:lnTo>
+                <a:lnTo>
+                  <a:pt x="447" y="376"/>
+                </a:lnTo>
+                <a:lnTo>
+                  <a:pt x="447" y="1363"/>
+                </a:lnTo>
+                <a:close/>
+              </a:path>
+            </a:pathLst>
+          </a:custGeom>
+          <a:solidFill>
+            <a:schemeClr val="accent1">
+              <a:lumMod val="50000"/>
+            </a:schemeClr>
+          </a:solidFill>
+          <a:ln>
+            <a:noFill/>
+          </a:ln>
+        </p:spPr>
+        <p:txBody>
+          <a:bodyPr vert="horz" wrap="square" lIns="91440" tIns="45720" rIns="91440" bIns="45720" numCol="1" anchor="t" anchorCtr="0" compatLnSpc="1">
+            <a:prstTxWarp prst="textNoShape">
+              <a:avLst/>
+            </a:prstTxWarp>
+          </a:bodyPr>
+          <a:lstStyle/>
+          <a:p>
+            <a:endParaRPr lang="en-US"/>
+          </a:p>
+        </p:txBody>
+      </p:sp>
+      <p:sp>
+        <p:nvSpPr>
+          <p:cNvPr id="12" name="Freeform 46">
+            <a:extLst>
+              <a:ext uri="{FF2B5EF4-FFF2-40B4-BE49-F238E27FC236}">
+                <a16:creationId xmlns:a16="http://schemas.microsoft.com/office/drawing/2014/main" id="{2AEBC8F2-97B1-41B4-93F1-2D289E197FBA}"/>
+              </a:ext>
+              <a:ext uri="{C183D7F6-B498-43B3-948B-1728B52AA6E4}">
+                <adec:decorative xmlns:adec="http://schemas.microsoft.com/office/drawing/2017/decorative" val="1"/>
+              </a:ext>
+            </a:extLst>
+          </p:cNvPr>
+          <p:cNvSpPr>
+            <a:spLocks noGrp="1" noRot="1" noChangeAspect="1" noMove="1" noResize="1" noEditPoints="1" noAdjustHandles="1" noChangeArrowheads="1" noChangeShapeType="1" noTextEdit="1"/>
+          </p:cNvSpPr>
+          <p:nvPr>
+            <p:extLst>
+              <p:ext uri="{386F3935-93C4-4BCD-93E2-E3B085C9AB24}">
+                <p16:designElem xmlns:p16="http://schemas.microsoft.com/office/powerpoint/2015/main" val="1"/>
+              </p:ext>
+            </p:extLst>
+          </p:nvPr>
+        </p:nvSpPr>
+        <p:spPr bwMode="auto">
+          <a:xfrm>
+            <a:off x="409710" y="837744"/>
+            <a:ext cx="403225" cy="1705431"/>
+          </a:xfrm>
+          <a:custGeom>
+            <a:avLst/>
+            <a:gdLst>
+              <a:gd name="T0" fmla="*/ 254 w 254"/>
+              <a:gd name="T1" fmla="*/ 987 h 1109"/>
+              <a:gd name="T2" fmla="*/ 0 w 254"/>
+              <a:gd name="T3" fmla="*/ 1109 h 1109"/>
+              <a:gd name="T4" fmla="*/ 0 w 254"/>
+              <a:gd name="T5" fmla="*/ 119 h 1109"/>
+              <a:gd name="T6" fmla="*/ 254 w 254"/>
+              <a:gd name="T7" fmla="*/ 0 h 1109"/>
+              <a:gd name="T8" fmla="*/ 254 w 254"/>
+              <a:gd name="T9" fmla="*/ 987 h 1109"/>
+            </a:gdLst>
+            <a:ahLst/>
+            <a:cxnLst>
+              <a:cxn ang="0">
+                <a:pos x="T0" y="T1"/>
+              </a:cxn>
+              <a:cxn ang="0">
+                <a:pos x="T2" y="T3"/>
+              </a:cxn>
+              <a:cxn ang="0">
+                <a:pos x="T4" y="T5"/>
+              </a:cxn>
+              <a:cxn ang="0">
+                <a:pos x="T6" y="T7"/>
+              </a:cxn>
+              <a:cxn ang="0">
+                <a:pos x="T8" y="T9"/>
+              </a:cxn>
+            </a:cxnLst>
+            <a:rect l="0" t="0" r="r" b="b"/>
+            <a:pathLst>
+              <a:path w="254" h="1109">
+                <a:moveTo>
+                  <a:pt x="254" y="987"/>
+                </a:moveTo>
+                <a:lnTo>
+                  <a:pt x="0" y="1109"/>
+                </a:lnTo>
+                <a:lnTo>
+                  <a:pt x="0" y="119"/>
+                </a:lnTo>
+                <a:lnTo>
+                  <a:pt x="254" y="0"/>
+                </a:lnTo>
+                <a:lnTo>
+                  <a:pt x="254" y="987"/>
+                </a:lnTo>
+                <a:close/>
+              </a:path>
+            </a:pathLst>
+          </a:custGeom>
+          <a:solidFill>
+            <a:schemeClr val="accent1">
+              <a:lumMod val="75000"/>
+            </a:schemeClr>
+          </a:solidFill>
+          <a:ln>
+            <a:noFill/>
+          </a:ln>
+        </p:spPr>
+        <p:txBody>
+          <a:bodyPr vert="horz" wrap="square" lIns="91440" tIns="45720" rIns="91440" bIns="45720" numCol="1" anchor="t" anchorCtr="0" compatLnSpc="1">
+            <a:prstTxWarp prst="textNoShape">
+              <a:avLst/>
+            </a:prstTxWarp>
+          </a:bodyPr>
+          <a:lstStyle/>
+          <a:p>
+            <a:endParaRPr lang="en-US"/>
+          </a:p>
+        </p:txBody>
+      </p:sp>
+      <p:sp>
+        <p:nvSpPr>
+          <p:cNvPr id="14" name="Freeform 47">
+            <a:extLst>
+              <a:ext uri="{FF2B5EF4-FFF2-40B4-BE49-F238E27FC236}">
+                <a16:creationId xmlns:a16="http://schemas.microsoft.com/office/drawing/2014/main" id="{472E3A19-F5D5-48FC-BB9C-48C2F68F598B}"/>
+              </a:ext>
+              <a:ext uri="{C183D7F6-B498-43B3-948B-1728B52AA6E4}">
+                <adec:decorative xmlns:adec="http://schemas.microsoft.com/office/drawing/2017/decorative" val="1"/>
+              </a:ext>
+            </a:extLst>
+          </p:cNvPr>
+          <p:cNvSpPr>
+            <a:spLocks noGrp="1" noRot="1" noChangeAspect="1" noMove="1" noResize="1" noEditPoints="1" noAdjustHandles="1" noChangeArrowheads="1" noChangeShapeType="1" noTextEdit="1"/>
+          </p:cNvSpPr>
+          <p:nvPr>
+            <p:extLst>
+              <p:ext uri="{386F3935-93C4-4BCD-93E2-E3B085C9AB24}">
+                <p16:designElem xmlns:p16="http://schemas.microsoft.com/office/powerpoint/2015/main" val="1"/>
+              </p:ext>
+            </p:extLst>
+          </p:nvPr>
+        </p:nvSpPr>
+        <p:spPr bwMode="auto">
+          <a:xfrm>
+            <a:off x="644660" y="640894"/>
+            <a:ext cx="168275" cy="1713195"/>
+          </a:xfrm>
+          <a:custGeom>
+            <a:avLst/>
+            <a:gdLst>
+              <a:gd name="T0" fmla="*/ 106 w 106"/>
+              <a:gd name="T1" fmla="*/ 1114 h 1114"/>
+              <a:gd name="T2" fmla="*/ 0 w 106"/>
+              <a:gd name="T3" fmla="*/ 1005 h 1114"/>
+              <a:gd name="T4" fmla="*/ 0 w 106"/>
+              <a:gd name="T5" fmla="*/ 0 h 1114"/>
+              <a:gd name="T6" fmla="*/ 106 w 106"/>
+              <a:gd name="T7" fmla="*/ 110 h 1114"/>
+              <a:gd name="T8" fmla="*/ 106 w 106"/>
+              <a:gd name="T9" fmla="*/ 1114 h 1114"/>
+            </a:gdLst>
+            <a:ahLst/>
+            <a:cxnLst>
+              <a:cxn ang="0">
+                <a:pos x="T0" y="T1"/>
+              </a:cxn>
+              <a:cxn ang="0">
+                <a:pos x="T2" y="T3"/>
+              </a:cxn>
+              <a:cxn ang="0">
+                <a:pos x="T4" y="T5"/>
+              </a:cxn>
+              <a:cxn ang="0">
+                <a:pos x="T6" y="T7"/>
+              </a:cxn>
+              <a:cxn ang="0">
+                <a:pos x="T8" y="T9"/>
+              </a:cxn>
+            </a:cxnLst>
+            <a:rect l="0" t="0" r="r" b="b"/>
+            <a:pathLst>
+              <a:path w="106" h="1114">
+                <a:moveTo>
+                  <a:pt x="106" y="1114"/>
+                </a:moveTo>
+                <a:lnTo>
+                  <a:pt x="0" y="1005"/>
+                </a:lnTo>
+                <a:lnTo>
+                  <a:pt x="0" y="0"/>
+                </a:lnTo>
+                <a:lnTo>
+                  <a:pt x="106" y="110"/>
+                </a:lnTo>
+                <a:lnTo>
+                  <a:pt x="106" y="1114"/>
+                </a:lnTo>
+                <a:close/>
+              </a:path>
+            </a:pathLst>
+          </a:custGeom>
+          <a:solidFill>
+            <a:schemeClr val="accent1">
+              <a:lumMod val="50000"/>
+            </a:schemeClr>
+          </a:solidFill>
+          <a:ln>
+            <a:noFill/>
+          </a:ln>
+        </p:spPr>
+        <p:txBody>
+          <a:bodyPr vert="horz" wrap="square" lIns="91440" tIns="45720" rIns="91440" bIns="45720" numCol="1" anchor="t" anchorCtr="0" compatLnSpc="1">
+            <a:prstTxWarp prst="textNoShape">
+              <a:avLst/>
+            </a:prstTxWarp>
+          </a:bodyPr>
+          <a:lstStyle/>
+          <a:p>
+            <a:endParaRPr lang="en-US"/>
+          </a:p>
+        </p:txBody>
+      </p:sp>
+      <p:sp>
+        <p:nvSpPr>
+          <p:cNvPr id="16" name="Freeform 44">
+            <a:extLst>
+              <a:ext uri="{FF2B5EF4-FFF2-40B4-BE49-F238E27FC236}">
+                <a16:creationId xmlns:a16="http://schemas.microsoft.com/office/drawing/2014/main" id="{7A62E32F-BB65-43A8-8EB5-92346890E549}"/>
+              </a:ext>
+              <a:ext uri="{C183D7F6-B498-43B3-948B-1728B52AA6E4}">
+                <adec:decorative xmlns:adec="http://schemas.microsoft.com/office/drawing/2017/decorative" val="1"/>
+              </a:ext>
+            </a:extLst>
+          </p:cNvPr>
+          <p:cNvSpPr>
+            <a:spLocks noGrp="1" noRot="1" noChangeAspect="1" noMove="1" noResize="1" noEditPoints="1" noAdjustHandles="1" noChangeArrowheads="1" noChangeShapeType="1" noTextEdit="1"/>
+          </p:cNvSpPr>
+          <p:nvPr>
+            <p:extLst>
+              <p:ext uri="{386F3935-93C4-4BCD-93E2-E3B085C9AB24}">
+                <p16:designElem xmlns:p16="http://schemas.microsoft.com/office/powerpoint/2015/main" val="1"/>
+              </p:ext>
+            </p:extLst>
+          </p:nvPr>
+        </p:nvSpPr>
+        <p:spPr bwMode="auto">
+          <a:xfrm>
+            <a:off x="11223203" y="635716"/>
+            <a:ext cx="328612" cy="1742360"/>
+          </a:xfrm>
+          <a:custGeom>
+            <a:avLst/>
+            <a:gdLst>
+              <a:gd name="T0" fmla="*/ 207 w 207"/>
+              <a:gd name="T1" fmla="*/ 987 h 1114"/>
+              <a:gd name="T2" fmla="*/ 0 w 207"/>
+              <a:gd name="T3" fmla="*/ 1114 h 1114"/>
+              <a:gd name="T4" fmla="*/ 0 w 207"/>
+              <a:gd name="T5" fmla="*/ 127 h 1114"/>
+              <a:gd name="T6" fmla="*/ 207 w 207"/>
+              <a:gd name="T7" fmla="*/ 0 h 1114"/>
+              <a:gd name="T8" fmla="*/ 207 w 207"/>
+              <a:gd name="T9" fmla="*/ 987 h 1114"/>
+            </a:gdLst>
+            <a:ahLst/>
+            <a:cxnLst>
+              <a:cxn ang="0">
+                <a:pos x="T0" y="T1"/>
+              </a:cxn>
+              <a:cxn ang="0">
+                <a:pos x="T2" y="T3"/>
+              </a:cxn>
+              <a:cxn ang="0">
+                <a:pos x="T4" y="T5"/>
+              </a:cxn>
+              <a:cxn ang="0">
+                <a:pos x="T6" y="T7"/>
+              </a:cxn>
+              <a:cxn ang="0">
+                <a:pos x="T8" y="T9"/>
+              </a:cxn>
+            </a:cxnLst>
+            <a:rect l="0" t="0" r="r" b="b"/>
+            <a:pathLst>
+              <a:path w="207" h="1114">
+                <a:moveTo>
+                  <a:pt x="207" y="987"/>
+                </a:moveTo>
+                <a:lnTo>
+                  <a:pt x="0" y="1114"/>
+                </a:lnTo>
+                <a:lnTo>
+                  <a:pt x="0" y="127"/>
+                </a:lnTo>
+                <a:lnTo>
+                  <a:pt x="207" y="0"/>
+                </a:lnTo>
+                <a:lnTo>
+                  <a:pt x="207" y="987"/>
+                </a:lnTo>
+                <a:close/>
+              </a:path>
+            </a:pathLst>
+          </a:custGeom>
+          <a:solidFill>
+            <a:schemeClr val="accent1">
+              <a:lumMod val="50000"/>
+            </a:schemeClr>
+          </a:solidFill>
+          <a:ln>
+            <a:noFill/>
+          </a:ln>
+        </p:spPr>
+        <p:txBody>
+          <a:bodyPr vert="horz" wrap="square" lIns="91440" tIns="45720" rIns="91440" bIns="45720" numCol="1" anchor="t" anchorCtr="0" compatLnSpc="1">
+            <a:prstTxWarp prst="textNoShape">
+              <a:avLst/>
+            </a:prstTxWarp>
+          </a:bodyPr>
+          <a:lstStyle/>
+          <a:p>
+            <a:endParaRPr lang="en-US"/>
+          </a:p>
+        </p:txBody>
+      </p:sp>
+      <p:sp>
+        <p:nvSpPr>
+          <p:cNvPr id="18" name="Rectangle 17">
+            <a:extLst>
+              <a:ext uri="{FF2B5EF4-FFF2-40B4-BE49-F238E27FC236}">
+                <a16:creationId xmlns:a16="http://schemas.microsoft.com/office/drawing/2014/main" id="{14E91B64-9FCC-451E-AFB4-A827D6329367}"/>
+              </a:ext>
+              <a:ext uri="{C183D7F6-B498-43B3-948B-1728B52AA6E4}">
+                <adec:decorative xmlns:adec="http://schemas.microsoft.com/office/drawing/2017/decorative" val="1"/>
+              </a:ext>
+            </a:extLst>
+          </p:cNvPr>
+          <p:cNvSpPr>
+            <a:spLocks noGrp="1" noRot="1" noChangeAspect="1" noMove="1" noResize="1" noEditPoints="1" noAdjustHandles="1" noChangeArrowheads="1" noChangeShapeType="1" noTextEdit="1"/>
+          </p:cNvSpPr>
+          <p:nvPr>
+            <p:extLst>
+              <p:ext uri="{386F3935-93C4-4BCD-93E2-E3B085C9AB24}">
+                <p16:designElem xmlns:p16="http://schemas.microsoft.com/office/powerpoint/2015/main" val="1"/>
+              </p:ext>
+            </p:extLst>
+          </p:nvPr>
+        </p:nvSpPr>
+        <p:spPr bwMode="auto">
+          <a:xfrm>
+            <a:off x="644055" y="635715"/>
+            <a:ext cx="10907863" cy="1541457"/>
+          </a:xfrm>
+          <a:prstGeom prst="rect">
+            <a:avLst/>
+          </a:prstGeom>
+          <a:solidFill>
+            <a:schemeClr val="accent1"/>
+          </a:solidFill>
+          <a:ln>
+            <a:noFill/>
+          </a:ln>
+        </p:spPr>
+        <p:txBody>
+          <a:bodyPr vert="horz" wrap="square" lIns="91440" tIns="45720" rIns="91440" bIns="45720" numCol="1" anchor="t" anchorCtr="0" compatLnSpc="1">
+            <a:prstTxWarp prst="textNoShape">
+              <a:avLst/>
+            </a:prstTxWarp>
+          </a:bodyPr>
+          <a:lstStyle/>
+          <a:p>
+            <a:endParaRPr lang="en-US"/>
+          </a:p>
+        </p:txBody>
+      </p:sp>
+      <p:sp>
+        <p:nvSpPr>
+          <p:cNvPr id="2" name="Titre 1">
+            <a:extLst>
+              <a:ext uri="{FF2B5EF4-FFF2-40B4-BE49-F238E27FC236}">
+                <a16:creationId xmlns:a16="http://schemas.microsoft.com/office/drawing/2014/main" id="{787733BC-219D-49C7-B5B4-F7CD9774C6A4}"/>
+              </a:ext>
+            </a:extLst>
+          </p:cNvPr>
+          <p:cNvSpPr>
+            <a:spLocks noGrp="1"/>
+          </p:cNvSpPr>
+          <p:nvPr>
+            <p:ph type="title"/>
+          </p:nvPr>
+        </p:nvSpPr>
+        <p:spPr>
+          <a:xfrm>
+            <a:off x="958506" y="800392"/>
+            <a:ext cx="10264697" cy="1212102"/>
+          </a:xfrm>
+        </p:spPr>
+        <p:txBody>
+          <a:bodyPr>
+            <a:normAutofit/>
+          </a:bodyPr>
+          <a:lstStyle/>
+          <a:p>
+            <a:r>
+              <a:rPr lang="fr-FR" sz="4000" dirty="0">
+                <a:solidFill>
+                  <a:srgbClr val="FFFFFF"/>
+                </a:solidFill>
+              </a:rPr>
+              <a:t>PDO – Modifier des données</a:t>
+            </a:r>
+          </a:p>
+        </p:txBody>
+      </p:sp>
+      <p:sp>
+        <p:nvSpPr>
+          <p:cNvPr id="5" name="ZoneTexte 4">
+            <a:extLst>
+              <a:ext uri="{FF2B5EF4-FFF2-40B4-BE49-F238E27FC236}">
+                <a16:creationId xmlns:a16="http://schemas.microsoft.com/office/drawing/2014/main" id="{C33F6FD7-41DE-417B-B411-49B9C30EC6EE}"/>
+              </a:ext>
+            </a:extLst>
+          </p:cNvPr>
+          <p:cNvSpPr txBox="1"/>
+          <p:nvPr/>
+        </p:nvSpPr>
+        <p:spPr>
+          <a:xfrm>
+            <a:off x="1913969" y="2416679"/>
+            <a:ext cx="8368033" cy="461665"/>
+          </a:xfrm>
+          <a:prstGeom prst="rect">
+            <a:avLst/>
+          </a:prstGeom>
+          <a:noFill/>
+        </p:spPr>
+        <p:txBody>
+          <a:bodyPr wrap="square" rtlCol="0">
+            <a:spAutoFit/>
+          </a:bodyPr>
+          <a:lstStyle/>
+          <a:p>
+            <a:pPr marL="342900" indent="-342900">
+              <a:buFont typeface="Arial" panose="020B0604020202020204" pitchFamily="34" charset="0"/>
+              <a:buChar char="•"/>
+            </a:pPr>
+            <a:r>
+              <a:rPr lang="fr-FR" sz="2400" dirty="0"/>
+              <a:t>Utilisation d’une requête préparée</a:t>
+            </a:r>
+          </a:p>
+        </p:txBody>
+      </p:sp>
+      <p:sp>
+        <p:nvSpPr>
+          <p:cNvPr id="9" name="Espace réservé du numéro de diapositive 8">
+            <a:extLst>
+              <a:ext uri="{FF2B5EF4-FFF2-40B4-BE49-F238E27FC236}">
+                <a16:creationId xmlns:a16="http://schemas.microsoft.com/office/drawing/2014/main" id="{F3EDF272-70D0-418F-B1E4-090F125EAE69}"/>
+              </a:ext>
+            </a:extLst>
+          </p:cNvPr>
+          <p:cNvSpPr>
+            <a:spLocks noGrp="1"/>
+          </p:cNvSpPr>
+          <p:nvPr>
+            <p:ph type="sldNum" sz="quarter" idx="12"/>
+          </p:nvPr>
+        </p:nvSpPr>
+        <p:spPr/>
+        <p:txBody>
+          <a:bodyPr/>
+          <a:lstStyle/>
+          <a:p>
+            <a:fld id="{F8323CC4-5E62-4ADB-BC7C-89B23C89378E}" type="slidenum">
+              <a:rPr lang="fr-FR" smtClean="0"/>
+              <a:t>18</a:t>
+            </a:fld>
+            <a:endParaRPr lang="fr-FR"/>
+          </a:p>
+        </p:txBody>
+      </p:sp>
+      <p:pic>
+        <p:nvPicPr>
+          <p:cNvPr id="6" name="Image 5">
+            <a:extLst>
+              <a:ext uri="{FF2B5EF4-FFF2-40B4-BE49-F238E27FC236}">
+                <a16:creationId xmlns:a16="http://schemas.microsoft.com/office/drawing/2014/main" id="{BD8D4CEE-DFEA-4AA2-851D-CF944FC40DB8}"/>
+              </a:ext>
+            </a:extLst>
+          </p:cNvPr>
+          <p:cNvPicPr>
+            <a:picLocks noChangeAspect="1"/>
+          </p:cNvPicPr>
+          <p:nvPr/>
+        </p:nvPicPr>
+        <p:blipFill>
+          <a:blip r:embed="rId2"/>
+          <a:stretch>
+            <a:fillRect/>
+          </a:stretch>
+        </p:blipFill>
+        <p:spPr>
+          <a:xfrm>
+            <a:off x="2577392" y="3600344"/>
+            <a:ext cx="6230219" cy="1533739"/>
+          </a:xfrm>
+          <a:prstGeom prst="rect">
+            <a:avLst/>
+          </a:prstGeom>
+        </p:spPr>
+      </p:pic>
+    </p:spTree>
+    <p:extLst>
+      <p:ext uri="{BB962C8B-B14F-4D97-AF65-F5344CB8AC3E}">
+        <p14:creationId xmlns:p14="http://schemas.microsoft.com/office/powerpoint/2010/main" val="830956536"/>
+      </p:ext>
+    </p:extLst>
+  </p:cSld>
+  <p:clrMapOvr>
+    <a:masterClrMapping/>
+  </p:clrMapOvr>
+</p:sld>
+</file>
+
+<file path=ppt/slides/slide19.xml><?xml version="1.0" encoding="utf-8"?>
+<p:sld xmlns:a="http://schemas.openxmlformats.org/drawingml/2006/main" xmlns:r="http://schemas.openxmlformats.org/officeDocument/2006/relationships" xmlns:p="http://schemas.openxmlformats.org/presentationml/2006/main">
+  <p:cSld>
+    <p:bg>
+      <p:bgPr>
+        <a:solidFill>
+          <a:schemeClr val="bg1"/>
+        </a:solidFill>
+        <a:effectLst/>
+      </p:bgPr>
+    </p:bg>
+    <p:spTree>
+      <p:nvGrpSpPr>
+        <p:cNvPr id="1" name=""/>
+        <p:cNvGrpSpPr/>
+        <p:nvPr/>
+      </p:nvGrpSpPr>
+      <p:grpSpPr>
+        <a:xfrm>
+          <a:off x="0" y="0"/>
+          <a:ext cx="0" cy="0"/>
+          <a:chOff x="0" y="0"/>
+          <a:chExt cx="0" cy="0"/>
+        </a:xfrm>
+      </p:grpSpPr>
+      <p:sp>
+        <p:nvSpPr>
+          <p:cNvPr id="9" name="Rectangle 8">
+            <a:extLst>
+              <a:ext uri="{FF2B5EF4-FFF2-40B4-BE49-F238E27FC236}">
+                <a16:creationId xmlns:a16="http://schemas.microsoft.com/office/drawing/2014/main" id="{23962611-DFD5-4092-AAFD-559E3DFCE2C9}"/>
+              </a:ext>
+              <a:ext uri="{C183D7F6-B498-43B3-948B-1728B52AA6E4}">
+                <adec:decorative xmlns:adec="http://schemas.microsoft.com/office/drawing/2017/decorative" val="1"/>
+              </a:ext>
+            </a:extLst>
+          </p:cNvPr>
+          <p:cNvSpPr>
+            <a:spLocks noGrp="1" noRot="1" noChangeAspect="1" noMove="1" noResize="1" noEditPoints="1" noAdjustHandles="1" noChangeArrowheads="1" noChangeShapeType="1" noTextEdit="1"/>
+          </p:cNvSpPr>
+          <p:nvPr>
+            <p:extLst>
+              <p:ext uri="{386F3935-93C4-4BCD-93E2-E3B085C9AB24}">
+                <p16:designElem xmlns:p16="http://schemas.microsoft.com/office/powerpoint/2015/main" val="1"/>
+              </p:ext>
+            </p:extLst>
+          </p:nvPr>
+        </p:nvSpPr>
+        <p:spPr>
+          <a:xfrm>
+            <a:off x="475488" y="0"/>
+            <a:ext cx="10910292" cy="6858000"/>
+          </a:xfrm>
+          <a:prstGeom prst="rect">
+            <a:avLst/>
+          </a:prstGeom>
+          <a:gradFill>
+            <a:gsLst>
+              <a:gs pos="0">
+                <a:schemeClr val="accent1">
+                  <a:lumMod val="90000"/>
+                </a:schemeClr>
+              </a:gs>
+              <a:gs pos="25000">
+                <a:schemeClr val="accent1">
+                  <a:lumMod val="90000"/>
+                </a:schemeClr>
+              </a:gs>
+              <a:gs pos="94000">
+                <a:schemeClr val="bg2">
+                  <a:lumMod val="25000"/>
+                </a:schemeClr>
+              </a:gs>
+              <a:gs pos="100000">
+                <a:schemeClr val="bg2">
+                  <a:lumMod val="25000"/>
+                </a:schemeClr>
+              </a:gs>
+            </a:gsLst>
+            <a:lin ang="4200000" scaled="0"/>
+          </a:gradFill>
+          <a:ln>
+            <a:noFill/>
+          </a:ln>
+        </p:spPr>
+        <p:style>
+          <a:lnRef idx="2">
+            <a:schemeClr val="accent1">
+              <a:shade val="50000"/>
+            </a:schemeClr>
+          </a:lnRef>
+          <a:fillRef idx="1">
+            <a:schemeClr val="accent1"/>
+          </a:fillRef>
+          <a:effectRef idx="0">
+            <a:schemeClr val="accent1"/>
+          </a:effectRef>
+          <a:fontRef idx="minor">
+            <a:schemeClr val="lt1"/>
+          </a:fontRef>
+        </p:style>
+        <p:txBody>
+          <a:bodyPr rtlCol="0" anchor="ctr"/>
+          <a:lstStyle/>
+          <a:p>
+            <a:pPr algn="ctr"/>
+            <a:endParaRPr lang="en-US"/>
+          </a:p>
+        </p:txBody>
+      </p:sp>
+      <p:pic>
+        <p:nvPicPr>
+          <p:cNvPr id="11" name="Picture 10">
+            <a:extLst>
+              <a:ext uri="{FF2B5EF4-FFF2-40B4-BE49-F238E27FC236}">
+                <a16:creationId xmlns:a16="http://schemas.microsoft.com/office/drawing/2014/main" id="{2270F1FA-0425-408F-9861-80BF5AFB276D}"/>
+              </a:ext>
+              <a:ext uri="{C183D7F6-B498-43B3-948B-1728B52AA6E4}">
+                <adec:decorative xmlns:adec="http://schemas.microsoft.com/office/drawing/2017/decorative" val="1"/>
+              </a:ext>
+            </a:extLst>
+          </p:cNvPr>
+          <p:cNvPicPr>
+            <a:picLocks noGrp="1" noRot="1" noChangeAspect="1" noMove="1" noResize="1" noEditPoints="1" noAdjustHandles="1" noChangeArrowheads="1" noChangeShapeType="1" noCrop="1"/>
+          </p:cNvPicPr>
+          <p:nvPr>
+            <p:extLst>
+              <p:ext uri="{386F3935-93C4-4BCD-93E2-E3B085C9AB24}">
+                <p16:designElem xmlns:p16="http://schemas.microsoft.com/office/powerpoint/2015/main" val="1"/>
+              </p:ext>
+            </p:extLst>
+          </p:nvPr>
+        </p:nvPicPr>
+        <p:blipFill>
+          <a:blip r:embed="rId2">
+            <a:extLst>
+              <a:ext uri="{28A0092B-C50C-407E-A947-70E740481C1C}">
+                <a14:useLocalDpi xmlns:a14="http://schemas.microsoft.com/office/drawing/2010/main" val="0"/>
+              </a:ext>
+            </a:extLst>
+          </a:blip>
+          <a:stretch>
+            <a:fillRect/>
+          </a:stretch>
+        </p:blipFill>
+        <p:spPr>
+          <a:xfrm>
+            <a:off x="0" y="0"/>
+            <a:ext cx="12192000" cy="6858000"/>
+          </a:xfrm>
+          <a:prstGeom prst="rect">
+            <a:avLst/>
+          </a:prstGeom>
+        </p:spPr>
+      </p:pic>
+      <p:sp>
+        <p:nvSpPr>
+          <p:cNvPr id="2" name="Titre 1">
+            <a:extLst>
+              <a:ext uri="{FF2B5EF4-FFF2-40B4-BE49-F238E27FC236}">
+                <a16:creationId xmlns:a16="http://schemas.microsoft.com/office/drawing/2014/main" id="{045A906A-1F04-46CB-91B1-DF025BE30B39}"/>
+              </a:ext>
+            </a:extLst>
+          </p:cNvPr>
+          <p:cNvSpPr>
+            <a:spLocks noGrp="1"/>
+          </p:cNvSpPr>
+          <p:nvPr>
+            <p:ph type="title"/>
+          </p:nvPr>
+        </p:nvSpPr>
+        <p:spPr>
+          <a:xfrm>
+            <a:off x="3045368" y="2043663"/>
+            <a:ext cx="6105194" cy="2031055"/>
+          </a:xfrm>
+        </p:spPr>
+        <p:txBody>
+          <a:bodyPr vert="horz" lIns="91440" tIns="45720" rIns="91440" bIns="45720" rtlCol="0" anchor="b">
+            <a:normAutofit/>
+          </a:bodyPr>
+          <a:lstStyle/>
+          <a:p>
+            <a:pPr algn="ctr"/>
+            <a:r>
+              <a:rPr lang="en-US" sz="4700" kern="1200">
+                <a:solidFill>
+                  <a:srgbClr val="FFFFFF"/>
+                </a:solidFill>
+                <a:latin typeface="+mj-lt"/>
+                <a:ea typeface="+mj-ea"/>
+                <a:cs typeface="+mj-cs"/>
+              </a:rPr>
+              <a:t>Exercice 5 – Modification de données</a:t>
+            </a:r>
+          </a:p>
+        </p:txBody>
+      </p:sp>
+      <p:sp>
+        <p:nvSpPr>
+          <p:cNvPr id="4" name="Espace réservé du numéro de diapositive 3">
+            <a:extLst>
+              <a:ext uri="{FF2B5EF4-FFF2-40B4-BE49-F238E27FC236}">
+                <a16:creationId xmlns:a16="http://schemas.microsoft.com/office/drawing/2014/main" id="{E340058B-ED91-4A55-A020-B8CD63261D02}"/>
+              </a:ext>
+            </a:extLst>
+          </p:cNvPr>
+          <p:cNvSpPr>
+            <a:spLocks noGrp="1"/>
+          </p:cNvSpPr>
+          <p:nvPr>
+            <p:ph type="sldNum" sz="quarter" idx="12"/>
+          </p:nvPr>
+        </p:nvSpPr>
+        <p:spPr>
+          <a:xfrm>
+            <a:off x="10825930" y="6223702"/>
+            <a:ext cx="570728" cy="314067"/>
+          </a:xfrm>
+        </p:spPr>
+        <p:txBody>
+          <a:bodyPr vert="horz" lIns="91440" tIns="45720" rIns="91440" bIns="45720" rtlCol="0" anchor="ctr">
+            <a:normAutofit/>
+          </a:bodyPr>
+          <a:lstStyle/>
+          <a:p>
+            <a:pPr>
+              <a:spcAft>
+                <a:spcPts val="600"/>
+              </a:spcAft>
+            </a:pPr>
+            <a:fld id="{F8323CC4-5E62-4ADB-BC7C-89B23C89378E}" type="slidenum">
+              <a:rPr lang="en-US" sz="1000">
+                <a:solidFill>
+                  <a:srgbClr val="898989"/>
+                </a:solidFill>
+              </a:rPr>
+              <a:pPr>
+                <a:spcAft>
+                  <a:spcPts val="600"/>
+                </a:spcAft>
+              </a:pPr>
+              <a:t>19</a:t>
+            </a:fld>
+            <a:endParaRPr lang="en-US" sz="1000">
+              <a:solidFill>
+                <a:srgbClr val="898989"/>
+              </a:solidFill>
+            </a:endParaRPr>
+          </a:p>
+        </p:txBody>
+      </p:sp>
+    </p:spTree>
+    <p:extLst>
+      <p:ext uri="{BB962C8B-B14F-4D97-AF65-F5344CB8AC3E}">
+        <p14:creationId xmlns:p14="http://schemas.microsoft.com/office/powerpoint/2010/main" val="1826492010"/>
       </p:ext>
     </p:extLst>
   </p:cSld>
@@ -8673,6 +10364,4194 @@
     <p:extLst>
       <p:ext uri="{BB962C8B-B14F-4D97-AF65-F5344CB8AC3E}">
         <p14:creationId xmlns:p14="http://schemas.microsoft.com/office/powerpoint/2010/main" val="152315374"/>
+      </p:ext>
+    </p:extLst>
+  </p:cSld>
+  <p:clrMapOvr>
+    <a:masterClrMapping/>
+  </p:clrMapOvr>
+</p:sld>
+</file>
+
+<file path=ppt/slides/slide20.xml><?xml version="1.0" encoding="utf-8"?>
+<p:sld xmlns:a="http://schemas.openxmlformats.org/drawingml/2006/main" xmlns:r="http://schemas.openxmlformats.org/officeDocument/2006/relationships" xmlns:p="http://schemas.openxmlformats.org/presentationml/2006/main">
+  <p:cSld>
+    <p:bg>
+      <p:bgPr>
+        <a:solidFill>
+          <a:schemeClr val="bg1"/>
+        </a:solidFill>
+        <a:effectLst/>
+      </p:bgPr>
+    </p:bg>
+    <p:spTree>
+      <p:nvGrpSpPr>
+        <p:cNvPr id="1" name=""/>
+        <p:cNvGrpSpPr/>
+        <p:nvPr/>
+      </p:nvGrpSpPr>
+      <p:grpSpPr>
+        <a:xfrm>
+          <a:off x="0" y="0"/>
+          <a:ext cx="0" cy="0"/>
+          <a:chOff x="0" y="0"/>
+          <a:chExt cx="0" cy="0"/>
+        </a:xfrm>
+      </p:grpSpPr>
+      <p:sp useBgFill="1">
+        <p:nvSpPr>
+          <p:cNvPr id="8" name="Rectangle 7">
+            <a:extLst>
+              <a:ext uri="{FF2B5EF4-FFF2-40B4-BE49-F238E27FC236}">
+                <a16:creationId xmlns:a16="http://schemas.microsoft.com/office/drawing/2014/main" id="{827B839B-9ADE-406B-8590-F1CAEDED45A1}"/>
+              </a:ext>
+              <a:ext uri="{C183D7F6-B498-43B3-948B-1728B52AA6E4}">
+                <adec:decorative xmlns:adec="http://schemas.microsoft.com/office/drawing/2017/decorative" val="1"/>
+              </a:ext>
+            </a:extLst>
+          </p:cNvPr>
+          <p:cNvSpPr>
+            <a:spLocks noGrp="1" noRot="1" noChangeAspect="1" noMove="1" noResize="1" noEditPoints="1" noAdjustHandles="1" noChangeArrowheads="1" noChangeShapeType="1" noTextEdit="1"/>
+          </p:cNvSpPr>
+          <p:nvPr>
+            <p:extLst>
+              <p:ext uri="{386F3935-93C4-4BCD-93E2-E3B085C9AB24}">
+                <p16:designElem xmlns:p16="http://schemas.microsoft.com/office/powerpoint/2015/main" val="1"/>
+              </p:ext>
+            </p:extLst>
+          </p:nvPr>
+        </p:nvSpPr>
+        <p:spPr>
+          <a:xfrm>
+            <a:off x="0" y="0"/>
+            <a:ext cx="12188952" cy="6858000"/>
+          </a:xfrm>
+          <a:prstGeom prst="rect">
+            <a:avLst/>
+          </a:prstGeom>
+          <a:ln>
+            <a:noFill/>
+          </a:ln>
+        </p:spPr>
+        <p:style>
+          <a:lnRef idx="2">
+            <a:schemeClr val="accent1">
+              <a:shade val="50000"/>
+            </a:schemeClr>
+          </a:lnRef>
+          <a:fillRef idx="1">
+            <a:schemeClr val="accent1"/>
+          </a:fillRef>
+          <a:effectRef idx="0">
+            <a:schemeClr val="accent1"/>
+          </a:effectRef>
+          <a:fontRef idx="minor">
+            <a:schemeClr val="lt1"/>
+          </a:fontRef>
+        </p:style>
+        <p:txBody>
+          <a:bodyPr rtlCol="0" anchor="ctr"/>
+          <a:lstStyle/>
+          <a:p>
+            <a:pPr algn="ctr"/>
+            <a:endParaRPr lang="en-US"/>
+          </a:p>
+        </p:txBody>
+      </p:sp>
+      <p:sp>
+        <p:nvSpPr>
+          <p:cNvPr id="10" name="Freeform 45">
+            <a:extLst>
+              <a:ext uri="{FF2B5EF4-FFF2-40B4-BE49-F238E27FC236}">
+                <a16:creationId xmlns:a16="http://schemas.microsoft.com/office/drawing/2014/main" id="{CFE45BF0-46DB-408C-B5F7-7B11716805D4}"/>
+              </a:ext>
+              <a:ext uri="{C183D7F6-B498-43B3-948B-1728B52AA6E4}">
+                <adec:decorative xmlns:adec="http://schemas.microsoft.com/office/drawing/2017/decorative" val="1"/>
+              </a:ext>
+            </a:extLst>
+          </p:cNvPr>
+          <p:cNvSpPr>
+            <a:spLocks noGrp="1" noRot="1" noChangeAspect="1" noMove="1" noResize="1" noEditPoints="1" noAdjustHandles="1" noChangeArrowheads="1" noChangeShapeType="1" noTextEdit="1"/>
+          </p:cNvSpPr>
+          <p:nvPr>
+            <p:extLst>
+              <p:ext uri="{386F3935-93C4-4BCD-93E2-E3B085C9AB24}">
+                <p16:designElem xmlns:p16="http://schemas.microsoft.com/office/powerpoint/2015/main" val="1"/>
+              </p:ext>
+            </p:extLst>
+          </p:nvPr>
+        </p:nvSpPr>
+        <p:spPr bwMode="auto">
+          <a:xfrm>
+            <a:off x="409710" y="1022350"/>
+            <a:ext cx="709612" cy="2095501"/>
+          </a:xfrm>
+          <a:custGeom>
+            <a:avLst/>
+            <a:gdLst>
+              <a:gd name="T0" fmla="*/ 447 w 447"/>
+              <a:gd name="T1" fmla="*/ 1363 h 1363"/>
+              <a:gd name="T2" fmla="*/ 0 w 447"/>
+              <a:gd name="T3" fmla="*/ 987 h 1363"/>
+              <a:gd name="T4" fmla="*/ 0 w 447"/>
+              <a:gd name="T5" fmla="*/ 0 h 1363"/>
+              <a:gd name="T6" fmla="*/ 447 w 447"/>
+              <a:gd name="T7" fmla="*/ 376 h 1363"/>
+              <a:gd name="T8" fmla="*/ 447 w 447"/>
+              <a:gd name="T9" fmla="*/ 1363 h 1363"/>
+            </a:gdLst>
+            <a:ahLst/>
+            <a:cxnLst>
+              <a:cxn ang="0">
+                <a:pos x="T0" y="T1"/>
+              </a:cxn>
+              <a:cxn ang="0">
+                <a:pos x="T2" y="T3"/>
+              </a:cxn>
+              <a:cxn ang="0">
+                <a:pos x="T4" y="T5"/>
+              </a:cxn>
+              <a:cxn ang="0">
+                <a:pos x="T6" y="T7"/>
+              </a:cxn>
+              <a:cxn ang="0">
+                <a:pos x="T8" y="T9"/>
+              </a:cxn>
+            </a:cxnLst>
+            <a:rect l="0" t="0" r="r" b="b"/>
+            <a:pathLst>
+              <a:path w="447" h="1363">
+                <a:moveTo>
+                  <a:pt x="447" y="1363"/>
+                </a:moveTo>
+                <a:lnTo>
+                  <a:pt x="0" y="987"/>
+                </a:lnTo>
+                <a:lnTo>
+                  <a:pt x="0" y="0"/>
+                </a:lnTo>
+                <a:lnTo>
+                  <a:pt x="447" y="376"/>
+                </a:lnTo>
+                <a:lnTo>
+                  <a:pt x="447" y="1363"/>
+                </a:lnTo>
+                <a:close/>
+              </a:path>
+            </a:pathLst>
+          </a:custGeom>
+          <a:solidFill>
+            <a:schemeClr val="accent1">
+              <a:lumMod val="50000"/>
+            </a:schemeClr>
+          </a:solidFill>
+          <a:ln>
+            <a:noFill/>
+          </a:ln>
+        </p:spPr>
+        <p:txBody>
+          <a:bodyPr vert="horz" wrap="square" lIns="91440" tIns="45720" rIns="91440" bIns="45720" numCol="1" anchor="t" anchorCtr="0" compatLnSpc="1">
+            <a:prstTxWarp prst="textNoShape">
+              <a:avLst/>
+            </a:prstTxWarp>
+          </a:bodyPr>
+          <a:lstStyle/>
+          <a:p>
+            <a:endParaRPr lang="en-US"/>
+          </a:p>
+        </p:txBody>
+      </p:sp>
+      <p:sp>
+        <p:nvSpPr>
+          <p:cNvPr id="12" name="Freeform 46">
+            <a:extLst>
+              <a:ext uri="{FF2B5EF4-FFF2-40B4-BE49-F238E27FC236}">
+                <a16:creationId xmlns:a16="http://schemas.microsoft.com/office/drawing/2014/main" id="{2AEBC8F2-97B1-41B4-93F1-2D289E197FBA}"/>
+              </a:ext>
+              <a:ext uri="{C183D7F6-B498-43B3-948B-1728B52AA6E4}">
+                <adec:decorative xmlns:adec="http://schemas.microsoft.com/office/drawing/2017/decorative" val="1"/>
+              </a:ext>
+            </a:extLst>
+          </p:cNvPr>
+          <p:cNvSpPr>
+            <a:spLocks noGrp="1" noRot="1" noChangeAspect="1" noMove="1" noResize="1" noEditPoints="1" noAdjustHandles="1" noChangeArrowheads="1" noChangeShapeType="1" noTextEdit="1"/>
+          </p:cNvSpPr>
+          <p:nvPr>
+            <p:extLst>
+              <p:ext uri="{386F3935-93C4-4BCD-93E2-E3B085C9AB24}">
+                <p16:designElem xmlns:p16="http://schemas.microsoft.com/office/powerpoint/2015/main" val="1"/>
+              </p:ext>
+            </p:extLst>
+          </p:nvPr>
+        </p:nvSpPr>
+        <p:spPr bwMode="auto">
+          <a:xfrm>
+            <a:off x="409710" y="837744"/>
+            <a:ext cx="403225" cy="1705431"/>
+          </a:xfrm>
+          <a:custGeom>
+            <a:avLst/>
+            <a:gdLst>
+              <a:gd name="T0" fmla="*/ 254 w 254"/>
+              <a:gd name="T1" fmla="*/ 987 h 1109"/>
+              <a:gd name="T2" fmla="*/ 0 w 254"/>
+              <a:gd name="T3" fmla="*/ 1109 h 1109"/>
+              <a:gd name="T4" fmla="*/ 0 w 254"/>
+              <a:gd name="T5" fmla="*/ 119 h 1109"/>
+              <a:gd name="T6" fmla="*/ 254 w 254"/>
+              <a:gd name="T7" fmla="*/ 0 h 1109"/>
+              <a:gd name="T8" fmla="*/ 254 w 254"/>
+              <a:gd name="T9" fmla="*/ 987 h 1109"/>
+            </a:gdLst>
+            <a:ahLst/>
+            <a:cxnLst>
+              <a:cxn ang="0">
+                <a:pos x="T0" y="T1"/>
+              </a:cxn>
+              <a:cxn ang="0">
+                <a:pos x="T2" y="T3"/>
+              </a:cxn>
+              <a:cxn ang="0">
+                <a:pos x="T4" y="T5"/>
+              </a:cxn>
+              <a:cxn ang="0">
+                <a:pos x="T6" y="T7"/>
+              </a:cxn>
+              <a:cxn ang="0">
+                <a:pos x="T8" y="T9"/>
+              </a:cxn>
+            </a:cxnLst>
+            <a:rect l="0" t="0" r="r" b="b"/>
+            <a:pathLst>
+              <a:path w="254" h="1109">
+                <a:moveTo>
+                  <a:pt x="254" y="987"/>
+                </a:moveTo>
+                <a:lnTo>
+                  <a:pt x="0" y="1109"/>
+                </a:lnTo>
+                <a:lnTo>
+                  <a:pt x="0" y="119"/>
+                </a:lnTo>
+                <a:lnTo>
+                  <a:pt x="254" y="0"/>
+                </a:lnTo>
+                <a:lnTo>
+                  <a:pt x="254" y="987"/>
+                </a:lnTo>
+                <a:close/>
+              </a:path>
+            </a:pathLst>
+          </a:custGeom>
+          <a:solidFill>
+            <a:schemeClr val="accent1">
+              <a:lumMod val="75000"/>
+            </a:schemeClr>
+          </a:solidFill>
+          <a:ln>
+            <a:noFill/>
+          </a:ln>
+        </p:spPr>
+        <p:txBody>
+          <a:bodyPr vert="horz" wrap="square" lIns="91440" tIns="45720" rIns="91440" bIns="45720" numCol="1" anchor="t" anchorCtr="0" compatLnSpc="1">
+            <a:prstTxWarp prst="textNoShape">
+              <a:avLst/>
+            </a:prstTxWarp>
+          </a:bodyPr>
+          <a:lstStyle/>
+          <a:p>
+            <a:endParaRPr lang="en-US"/>
+          </a:p>
+        </p:txBody>
+      </p:sp>
+      <p:sp>
+        <p:nvSpPr>
+          <p:cNvPr id="14" name="Freeform 47">
+            <a:extLst>
+              <a:ext uri="{FF2B5EF4-FFF2-40B4-BE49-F238E27FC236}">
+                <a16:creationId xmlns:a16="http://schemas.microsoft.com/office/drawing/2014/main" id="{472E3A19-F5D5-48FC-BB9C-48C2F68F598B}"/>
+              </a:ext>
+              <a:ext uri="{C183D7F6-B498-43B3-948B-1728B52AA6E4}">
+                <adec:decorative xmlns:adec="http://schemas.microsoft.com/office/drawing/2017/decorative" val="1"/>
+              </a:ext>
+            </a:extLst>
+          </p:cNvPr>
+          <p:cNvSpPr>
+            <a:spLocks noGrp="1" noRot="1" noChangeAspect="1" noMove="1" noResize="1" noEditPoints="1" noAdjustHandles="1" noChangeArrowheads="1" noChangeShapeType="1" noTextEdit="1"/>
+          </p:cNvSpPr>
+          <p:nvPr>
+            <p:extLst>
+              <p:ext uri="{386F3935-93C4-4BCD-93E2-E3B085C9AB24}">
+                <p16:designElem xmlns:p16="http://schemas.microsoft.com/office/powerpoint/2015/main" val="1"/>
+              </p:ext>
+            </p:extLst>
+          </p:nvPr>
+        </p:nvSpPr>
+        <p:spPr bwMode="auto">
+          <a:xfrm>
+            <a:off x="644660" y="640894"/>
+            <a:ext cx="168275" cy="1713195"/>
+          </a:xfrm>
+          <a:custGeom>
+            <a:avLst/>
+            <a:gdLst>
+              <a:gd name="T0" fmla="*/ 106 w 106"/>
+              <a:gd name="T1" fmla="*/ 1114 h 1114"/>
+              <a:gd name="T2" fmla="*/ 0 w 106"/>
+              <a:gd name="T3" fmla="*/ 1005 h 1114"/>
+              <a:gd name="T4" fmla="*/ 0 w 106"/>
+              <a:gd name="T5" fmla="*/ 0 h 1114"/>
+              <a:gd name="T6" fmla="*/ 106 w 106"/>
+              <a:gd name="T7" fmla="*/ 110 h 1114"/>
+              <a:gd name="T8" fmla="*/ 106 w 106"/>
+              <a:gd name="T9" fmla="*/ 1114 h 1114"/>
+            </a:gdLst>
+            <a:ahLst/>
+            <a:cxnLst>
+              <a:cxn ang="0">
+                <a:pos x="T0" y="T1"/>
+              </a:cxn>
+              <a:cxn ang="0">
+                <a:pos x="T2" y="T3"/>
+              </a:cxn>
+              <a:cxn ang="0">
+                <a:pos x="T4" y="T5"/>
+              </a:cxn>
+              <a:cxn ang="0">
+                <a:pos x="T6" y="T7"/>
+              </a:cxn>
+              <a:cxn ang="0">
+                <a:pos x="T8" y="T9"/>
+              </a:cxn>
+            </a:cxnLst>
+            <a:rect l="0" t="0" r="r" b="b"/>
+            <a:pathLst>
+              <a:path w="106" h="1114">
+                <a:moveTo>
+                  <a:pt x="106" y="1114"/>
+                </a:moveTo>
+                <a:lnTo>
+                  <a:pt x="0" y="1005"/>
+                </a:lnTo>
+                <a:lnTo>
+                  <a:pt x="0" y="0"/>
+                </a:lnTo>
+                <a:lnTo>
+                  <a:pt x="106" y="110"/>
+                </a:lnTo>
+                <a:lnTo>
+                  <a:pt x="106" y="1114"/>
+                </a:lnTo>
+                <a:close/>
+              </a:path>
+            </a:pathLst>
+          </a:custGeom>
+          <a:solidFill>
+            <a:schemeClr val="accent1">
+              <a:lumMod val="50000"/>
+            </a:schemeClr>
+          </a:solidFill>
+          <a:ln>
+            <a:noFill/>
+          </a:ln>
+        </p:spPr>
+        <p:txBody>
+          <a:bodyPr vert="horz" wrap="square" lIns="91440" tIns="45720" rIns="91440" bIns="45720" numCol="1" anchor="t" anchorCtr="0" compatLnSpc="1">
+            <a:prstTxWarp prst="textNoShape">
+              <a:avLst/>
+            </a:prstTxWarp>
+          </a:bodyPr>
+          <a:lstStyle/>
+          <a:p>
+            <a:endParaRPr lang="en-US"/>
+          </a:p>
+        </p:txBody>
+      </p:sp>
+      <p:sp>
+        <p:nvSpPr>
+          <p:cNvPr id="16" name="Freeform 44">
+            <a:extLst>
+              <a:ext uri="{FF2B5EF4-FFF2-40B4-BE49-F238E27FC236}">
+                <a16:creationId xmlns:a16="http://schemas.microsoft.com/office/drawing/2014/main" id="{7A62E32F-BB65-43A8-8EB5-92346890E549}"/>
+              </a:ext>
+              <a:ext uri="{C183D7F6-B498-43B3-948B-1728B52AA6E4}">
+                <adec:decorative xmlns:adec="http://schemas.microsoft.com/office/drawing/2017/decorative" val="1"/>
+              </a:ext>
+            </a:extLst>
+          </p:cNvPr>
+          <p:cNvSpPr>
+            <a:spLocks noGrp="1" noRot="1" noChangeAspect="1" noMove="1" noResize="1" noEditPoints="1" noAdjustHandles="1" noChangeArrowheads="1" noChangeShapeType="1" noTextEdit="1"/>
+          </p:cNvSpPr>
+          <p:nvPr>
+            <p:extLst>
+              <p:ext uri="{386F3935-93C4-4BCD-93E2-E3B085C9AB24}">
+                <p16:designElem xmlns:p16="http://schemas.microsoft.com/office/powerpoint/2015/main" val="1"/>
+              </p:ext>
+            </p:extLst>
+          </p:nvPr>
+        </p:nvSpPr>
+        <p:spPr bwMode="auto">
+          <a:xfrm>
+            <a:off x="11223203" y="635716"/>
+            <a:ext cx="328612" cy="1742360"/>
+          </a:xfrm>
+          <a:custGeom>
+            <a:avLst/>
+            <a:gdLst>
+              <a:gd name="T0" fmla="*/ 207 w 207"/>
+              <a:gd name="T1" fmla="*/ 987 h 1114"/>
+              <a:gd name="T2" fmla="*/ 0 w 207"/>
+              <a:gd name="T3" fmla="*/ 1114 h 1114"/>
+              <a:gd name="T4" fmla="*/ 0 w 207"/>
+              <a:gd name="T5" fmla="*/ 127 h 1114"/>
+              <a:gd name="T6" fmla="*/ 207 w 207"/>
+              <a:gd name="T7" fmla="*/ 0 h 1114"/>
+              <a:gd name="T8" fmla="*/ 207 w 207"/>
+              <a:gd name="T9" fmla="*/ 987 h 1114"/>
+            </a:gdLst>
+            <a:ahLst/>
+            <a:cxnLst>
+              <a:cxn ang="0">
+                <a:pos x="T0" y="T1"/>
+              </a:cxn>
+              <a:cxn ang="0">
+                <a:pos x="T2" y="T3"/>
+              </a:cxn>
+              <a:cxn ang="0">
+                <a:pos x="T4" y="T5"/>
+              </a:cxn>
+              <a:cxn ang="0">
+                <a:pos x="T6" y="T7"/>
+              </a:cxn>
+              <a:cxn ang="0">
+                <a:pos x="T8" y="T9"/>
+              </a:cxn>
+            </a:cxnLst>
+            <a:rect l="0" t="0" r="r" b="b"/>
+            <a:pathLst>
+              <a:path w="207" h="1114">
+                <a:moveTo>
+                  <a:pt x="207" y="987"/>
+                </a:moveTo>
+                <a:lnTo>
+                  <a:pt x="0" y="1114"/>
+                </a:lnTo>
+                <a:lnTo>
+                  <a:pt x="0" y="127"/>
+                </a:lnTo>
+                <a:lnTo>
+                  <a:pt x="207" y="0"/>
+                </a:lnTo>
+                <a:lnTo>
+                  <a:pt x="207" y="987"/>
+                </a:lnTo>
+                <a:close/>
+              </a:path>
+            </a:pathLst>
+          </a:custGeom>
+          <a:solidFill>
+            <a:schemeClr val="accent1">
+              <a:lumMod val="50000"/>
+            </a:schemeClr>
+          </a:solidFill>
+          <a:ln>
+            <a:noFill/>
+          </a:ln>
+        </p:spPr>
+        <p:txBody>
+          <a:bodyPr vert="horz" wrap="square" lIns="91440" tIns="45720" rIns="91440" bIns="45720" numCol="1" anchor="t" anchorCtr="0" compatLnSpc="1">
+            <a:prstTxWarp prst="textNoShape">
+              <a:avLst/>
+            </a:prstTxWarp>
+          </a:bodyPr>
+          <a:lstStyle/>
+          <a:p>
+            <a:endParaRPr lang="en-US"/>
+          </a:p>
+        </p:txBody>
+      </p:sp>
+      <p:sp>
+        <p:nvSpPr>
+          <p:cNvPr id="18" name="Rectangle 17">
+            <a:extLst>
+              <a:ext uri="{FF2B5EF4-FFF2-40B4-BE49-F238E27FC236}">
+                <a16:creationId xmlns:a16="http://schemas.microsoft.com/office/drawing/2014/main" id="{14E91B64-9FCC-451E-AFB4-A827D6329367}"/>
+              </a:ext>
+              <a:ext uri="{C183D7F6-B498-43B3-948B-1728B52AA6E4}">
+                <adec:decorative xmlns:adec="http://schemas.microsoft.com/office/drawing/2017/decorative" val="1"/>
+              </a:ext>
+            </a:extLst>
+          </p:cNvPr>
+          <p:cNvSpPr>
+            <a:spLocks noGrp="1" noRot="1" noChangeAspect="1" noMove="1" noResize="1" noEditPoints="1" noAdjustHandles="1" noChangeArrowheads="1" noChangeShapeType="1" noTextEdit="1"/>
+          </p:cNvSpPr>
+          <p:nvPr>
+            <p:extLst>
+              <p:ext uri="{386F3935-93C4-4BCD-93E2-E3B085C9AB24}">
+                <p16:designElem xmlns:p16="http://schemas.microsoft.com/office/powerpoint/2015/main" val="1"/>
+              </p:ext>
+            </p:extLst>
+          </p:nvPr>
+        </p:nvSpPr>
+        <p:spPr bwMode="auto">
+          <a:xfrm>
+            <a:off x="644055" y="635715"/>
+            <a:ext cx="10907863" cy="1541457"/>
+          </a:xfrm>
+          <a:prstGeom prst="rect">
+            <a:avLst/>
+          </a:prstGeom>
+          <a:solidFill>
+            <a:schemeClr val="accent1"/>
+          </a:solidFill>
+          <a:ln>
+            <a:noFill/>
+          </a:ln>
+        </p:spPr>
+        <p:txBody>
+          <a:bodyPr vert="horz" wrap="square" lIns="91440" tIns="45720" rIns="91440" bIns="45720" numCol="1" anchor="t" anchorCtr="0" compatLnSpc="1">
+            <a:prstTxWarp prst="textNoShape">
+              <a:avLst/>
+            </a:prstTxWarp>
+          </a:bodyPr>
+          <a:lstStyle/>
+          <a:p>
+            <a:endParaRPr lang="en-US"/>
+          </a:p>
+        </p:txBody>
+      </p:sp>
+      <p:sp>
+        <p:nvSpPr>
+          <p:cNvPr id="2" name="Titre 1">
+            <a:extLst>
+              <a:ext uri="{FF2B5EF4-FFF2-40B4-BE49-F238E27FC236}">
+                <a16:creationId xmlns:a16="http://schemas.microsoft.com/office/drawing/2014/main" id="{787733BC-219D-49C7-B5B4-F7CD9774C6A4}"/>
+              </a:ext>
+            </a:extLst>
+          </p:cNvPr>
+          <p:cNvSpPr>
+            <a:spLocks noGrp="1"/>
+          </p:cNvSpPr>
+          <p:nvPr>
+            <p:ph type="title"/>
+          </p:nvPr>
+        </p:nvSpPr>
+        <p:spPr>
+          <a:xfrm>
+            <a:off x="958506" y="800392"/>
+            <a:ext cx="10264697" cy="1212102"/>
+          </a:xfrm>
+        </p:spPr>
+        <p:txBody>
+          <a:bodyPr>
+            <a:normAutofit/>
+          </a:bodyPr>
+          <a:lstStyle/>
+          <a:p>
+            <a:r>
+              <a:rPr lang="fr-FR" sz="4000" dirty="0">
+                <a:solidFill>
+                  <a:srgbClr val="FFFFFF"/>
+                </a:solidFill>
+              </a:rPr>
+              <a:t>PDO – Suppression de données</a:t>
+            </a:r>
+          </a:p>
+        </p:txBody>
+      </p:sp>
+      <p:sp>
+        <p:nvSpPr>
+          <p:cNvPr id="5" name="ZoneTexte 4">
+            <a:extLst>
+              <a:ext uri="{FF2B5EF4-FFF2-40B4-BE49-F238E27FC236}">
+                <a16:creationId xmlns:a16="http://schemas.microsoft.com/office/drawing/2014/main" id="{C33F6FD7-41DE-417B-B411-49B9C30EC6EE}"/>
+              </a:ext>
+            </a:extLst>
+          </p:cNvPr>
+          <p:cNvSpPr txBox="1"/>
+          <p:nvPr/>
+        </p:nvSpPr>
+        <p:spPr>
+          <a:xfrm>
+            <a:off x="1913969" y="2482083"/>
+            <a:ext cx="8368033" cy="461665"/>
+          </a:xfrm>
+          <a:prstGeom prst="rect">
+            <a:avLst/>
+          </a:prstGeom>
+          <a:noFill/>
+        </p:spPr>
+        <p:txBody>
+          <a:bodyPr wrap="square" rtlCol="0">
+            <a:spAutoFit/>
+          </a:bodyPr>
+          <a:lstStyle/>
+          <a:p>
+            <a:pPr marL="342900" indent="-342900">
+              <a:buFont typeface="Arial" panose="020B0604020202020204" pitchFamily="34" charset="0"/>
+              <a:buChar char="•"/>
+            </a:pPr>
+            <a:r>
+              <a:rPr lang="fr-FR" sz="2400" dirty="0"/>
+              <a:t>Utilisation d’une requête préparée</a:t>
+            </a:r>
+          </a:p>
+        </p:txBody>
+      </p:sp>
+      <p:sp>
+        <p:nvSpPr>
+          <p:cNvPr id="9" name="Espace réservé du numéro de diapositive 8">
+            <a:extLst>
+              <a:ext uri="{FF2B5EF4-FFF2-40B4-BE49-F238E27FC236}">
+                <a16:creationId xmlns:a16="http://schemas.microsoft.com/office/drawing/2014/main" id="{F3EDF272-70D0-418F-B1E4-090F125EAE69}"/>
+              </a:ext>
+            </a:extLst>
+          </p:cNvPr>
+          <p:cNvSpPr>
+            <a:spLocks noGrp="1"/>
+          </p:cNvSpPr>
+          <p:nvPr>
+            <p:ph type="sldNum" sz="quarter" idx="12"/>
+          </p:nvPr>
+        </p:nvSpPr>
+        <p:spPr/>
+        <p:txBody>
+          <a:bodyPr/>
+          <a:lstStyle/>
+          <a:p>
+            <a:fld id="{F8323CC4-5E62-4ADB-BC7C-89B23C89378E}" type="slidenum">
+              <a:rPr lang="fr-FR" smtClean="0"/>
+              <a:t>20</a:t>
+            </a:fld>
+            <a:endParaRPr lang="fr-FR"/>
+          </a:p>
+        </p:txBody>
+      </p:sp>
+      <p:pic>
+        <p:nvPicPr>
+          <p:cNvPr id="6" name="Image 5">
+            <a:extLst>
+              <a:ext uri="{FF2B5EF4-FFF2-40B4-BE49-F238E27FC236}">
+                <a16:creationId xmlns:a16="http://schemas.microsoft.com/office/drawing/2014/main" id="{277F9857-08B8-440F-A11F-3D09C2A96030}"/>
+              </a:ext>
+            </a:extLst>
+          </p:cNvPr>
+          <p:cNvPicPr>
+            <a:picLocks noChangeAspect="1"/>
+          </p:cNvPicPr>
+          <p:nvPr/>
+        </p:nvPicPr>
+        <p:blipFill>
+          <a:blip r:embed="rId2"/>
+          <a:stretch>
+            <a:fillRect/>
+          </a:stretch>
+        </p:blipFill>
+        <p:spPr>
+          <a:xfrm>
+            <a:off x="2745293" y="3495128"/>
+            <a:ext cx="5144218" cy="1543265"/>
+          </a:xfrm>
+          <a:prstGeom prst="rect">
+            <a:avLst/>
+          </a:prstGeom>
+        </p:spPr>
+      </p:pic>
+    </p:spTree>
+    <p:extLst>
+      <p:ext uri="{BB962C8B-B14F-4D97-AF65-F5344CB8AC3E}">
+        <p14:creationId xmlns:p14="http://schemas.microsoft.com/office/powerpoint/2010/main" val="2748437677"/>
+      </p:ext>
+    </p:extLst>
+  </p:cSld>
+  <p:clrMapOvr>
+    <a:masterClrMapping/>
+  </p:clrMapOvr>
+</p:sld>
+</file>
+
+<file path=ppt/slides/slide21.xml><?xml version="1.0" encoding="utf-8"?>
+<p:sld xmlns:a="http://schemas.openxmlformats.org/drawingml/2006/main" xmlns:r="http://schemas.openxmlformats.org/officeDocument/2006/relationships" xmlns:p="http://schemas.openxmlformats.org/presentationml/2006/main">
+  <p:cSld>
+    <p:bg>
+      <p:bgPr>
+        <a:solidFill>
+          <a:schemeClr val="bg1"/>
+        </a:solidFill>
+        <a:effectLst/>
+      </p:bgPr>
+    </p:bg>
+    <p:spTree>
+      <p:nvGrpSpPr>
+        <p:cNvPr id="1" name=""/>
+        <p:cNvGrpSpPr/>
+        <p:nvPr/>
+      </p:nvGrpSpPr>
+      <p:grpSpPr>
+        <a:xfrm>
+          <a:off x="0" y="0"/>
+          <a:ext cx="0" cy="0"/>
+          <a:chOff x="0" y="0"/>
+          <a:chExt cx="0" cy="0"/>
+        </a:xfrm>
+      </p:grpSpPr>
+      <p:sp>
+        <p:nvSpPr>
+          <p:cNvPr id="9" name="Rectangle 8">
+            <a:extLst>
+              <a:ext uri="{FF2B5EF4-FFF2-40B4-BE49-F238E27FC236}">
+                <a16:creationId xmlns:a16="http://schemas.microsoft.com/office/drawing/2014/main" id="{23962611-DFD5-4092-AAFD-559E3DFCE2C9}"/>
+              </a:ext>
+              <a:ext uri="{C183D7F6-B498-43B3-948B-1728B52AA6E4}">
+                <adec:decorative xmlns:adec="http://schemas.microsoft.com/office/drawing/2017/decorative" val="1"/>
+              </a:ext>
+            </a:extLst>
+          </p:cNvPr>
+          <p:cNvSpPr>
+            <a:spLocks noGrp="1" noRot="1" noChangeAspect="1" noMove="1" noResize="1" noEditPoints="1" noAdjustHandles="1" noChangeArrowheads="1" noChangeShapeType="1" noTextEdit="1"/>
+          </p:cNvSpPr>
+          <p:nvPr>
+            <p:extLst>
+              <p:ext uri="{386F3935-93C4-4BCD-93E2-E3B085C9AB24}">
+                <p16:designElem xmlns:p16="http://schemas.microsoft.com/office/powerpoint/2015/main" val="1"/>
+              </p:ext>
+            </p:extLst>
+          </p:nvPr>
+        </p:nvSpPr>
+        <p:spPr>
+          <a:xfrm>
+            <a:off x="475488" y="0"/>
+            <a:ext cx="10910292" cy="6858000"/>
+          </a:xfrm>
+          <a:prstGeom prst="rect">
+            <a:avLst/>
+          </a:prstGeom>
+          <a:gradFill>
+            <a:gsLst>
+              <a:gs pos="0">
+                <a:schemeClr val="accent1">
+                  <a:lumMod val="90000"/>
+                </a:schemeClr>
+              </a:gs>
+              <a:gs pos="25000">
+                <a:schemeClr val="accent1">
+                  <a:lumMod val="90000"/>
+                </a:schemeClr>
+              </a:gs>
+              <a:gs pos="94000">
+                <a:schemeClr val="bg2">
+                  <a:lumMod val="25000"/>
+                </a:schemeClr>
+              </a:gs>
+              <a:gs pos="100000">
+                <a:schemeClr val="bg2">
+                  <a:lumMod val="25000"/>
+                </a:schemeClr>
+              </a:gs>
+            </a:gsLst>
+            <a:lin ang="4200000" scaled="0"/>
+          </a:gradFill>
+          <a:ln>
+            <a:noFill/>
+          </a:ln>
+        </p:spPr>
+        <p:style>
+          <a:lnRef idx="2">
+            <a:schemeClr val="accent1">
+              <a:shade val="50000"/>
+            </a:schemeClr>
+          </a:lnRef>
+          <a:fillRef idx="1">
+            <a:schemeClr val="accent1"/>
+          </a:fillRef>
+          <a:effectRef idx="0">
+            <a:schemeClr val="accent1"/>
+          </a:effectRef>
+          <a:fontRef idx="minor">
+            <a:schemeClr val="lt1"/>
+          </a:fontRef>
+        </p:style>
+        <p:txBody>
+          <a:bodyPr rtlCol="0" anchor="ctr"/>
+          <a:lstStyle/>
+          <a:p>
+            <a:pPr algn="ctr"/>
+            <a:endParaRPr lang="en-US"/>
+          </a:p>
+        </p:txBody>
+      </p:sp>
+      <p:pic>
+        <p:nvPicPr>
+          <p:cNvPr id="11" name="Picture 10">
+            <a:extLst>
+              <a:ext uri="{FF2B5EF4-FFF2-40B4-BE49-F238E27FC236}">
+                <a16:creationId xmlns:a16="http://schemas.microsoft.com/office/drawing/2014/main" id="{2270F1FA-0425-408F-9861-80BF5AFB276D}"/>
+              </a:ext>
+              <a:ext uri="{C183D7F6-B498-43B3-948B-1728B52AA6E4}">
+                <adec:decorative xmlns:adec="http://schemas.microsoft.com/office/drawing/2017/decorative" val="1"/>
+              </a:ext>
+            </a:extLst>
+          </p:cNvPr>
+          <p:cNvPicPr>
+            <a:picLocks noGrp="1" noRot="1" noChangeAspect="1" noMove="1" noResize="1" noEditPoints="1" noAdjustHandles="1" noChangeArrowheads="1" noChangeShapeType="1" noCrop="1"/>
+          </p:cNvPicPr>
+          <p:nvPr>
+            <p:extLst>
+              <p:ext uri="{386F3935-93C4-4BCD-93E2-E3B085C9AB24}">
+                <p16:designElem xmlns:p16="http://schemas.microsoft.com/office/powerpoint/2015/main" val="1"/>
+              </p:ext>
+            </p:extLst>
+          </p:nvPr>
+        </p:nvPicPr>
+        <p:blipFill>
+          <a:blip r:embed="rId2">
+            <a:extLst>
+              <a:ext uri="{28A0092B-C50C-407E-A947-70E740481C1C}">
+                <a14:useLocalDpi xmlns:a14="http://schemas.microsoft.com/office/drawing/2010/main" val="0"/>
+              </a:ext>
+            </a:extLst>
+          </a:blip>
+          <a:stretch>
+            <a:fillRect/>
+          </a:stretch>
+        </p:blipFill>
+        <p:spPr>
+          <a:xfrm>
+            <a:off x="0" y="0"/>
+            <a:ext cx="12192000" cy="6858000"/>
+          </a:xfrm>
+          <a:prstGeom prst="rect">
+            <a:avLst/>
+          </a:prstGeom>
+        </p:spPr>
+      </p:pic>
+      <p:sp>
+        <p:nvSpPr>
+          <p:cNvPr id="2" name="Titre 1">
+            <a:extLst>
+              <a:ext uri="{FF2B5EF4-FFF2-40B4-BE49-F238E27FC236}">
+                <a16:creationId xmlns:a16="http://schemas.microsoft.com/office/drawing/2014/main" id="{650F989F-4650-4582-9B5A-46B61FFA94BA}"/>
+              </a:ext>
+            </a:extLst>
+          </p:cNvPr>
+          <p:cNvSpPr>
+            <a:spLocks noGrp="1"/>
+          </p:cNvSpPr>
+          <p:nvPr>
+            <p:ph type="title"/>
+          </p:nvPr>
+        </p:nvSpPr>
+        <p:spPr>
+          <a:xfrm>
+            <a:off x="3045368" y="2043663"/>
+            <a:ext cx="6105194" cy="2031055"/>
+          </a:xfrm>
+        </p:spPr>
+        <p:txBody>
+          <a:bodyPr vert="horz" lIns="91440" tIns="45720" rIns="91440" bIns="45720" rtlCol="0" anchor="b">
+            <a:normAutofit/>
+          </a:bodyPr>
+          <a:lstStyle/>
+          <a:p>
+            <a:pPr algn="ctr"/>
+            <a:r>
+              <a:rPr lang="en-US" sz="4700" kern="1200">
+                <a:solidFill>
+                  <a:srgbClr val="FFFFFF"/>
+                </a:solidFill>
+                <a:latin typeface="+mj-lt"/>
+                <a:ea typeface="+mj-ea"/>
+                <a:cs typeface="+mj-cs"/>
+              </a:rPr>
+              <a:t>Exercice 6 – suppression de données</a:t>
+            </a:r>
+          </a:p>
+        </p:txBody>
+      </p:sp>
+      <p:sp>
+        <p:nvSpPr>
+          <p:cNvPr id="4" name="Espace réservé du numéro de diapositive 3">
+            <a:extLst>
+              <a:ext uri="{FF2B5EF4-FFF2-40B4-BE49-F238E27FC236}">
+                <a16:creationId xmlns:a16="http://schemas.microsoft.com/office/drawing/2014/main" id="{D0A91316-9BA0-4ED3-B838-74096404A41A}"/>
+              </a:ext>
+            </a:extLst>
+          </p:cNvPr>
+          <p:cNvSpPr>
+            <a:spLocks noGrp="1"/>
+          </p:cNvSpPr>
+          <p:nvPr>
+            <p:ph type="sldNum" sz="quarter" idx="12"/>
+          </p:nvPr>
+        </p:nvSpPr>
+        <p:spPr>
+          <a:xfrm>
+            <a:off x="10825930" y="6223702"/>
+            <a:ext cx="570728" cy="314067"/>
+          </a:xfrm>
+        </p:spPr>
+        <p:txBody>
+          <a:bodyPr vert="horz" lIns="91440" tIns="45720" rIns="91440" bIns="45720" rtlCol="0" anchor="ctr">
+            <a:normAutofit/>
+          </a:bodyPr>
+          <a:lstStyle/>
+          <a:p>
+            <a:pPr>
+              <a:spcAft>
+                <a:spcPts val="600"/>
+              </a:spcAft>
+            </a:pPr>
+            <a:fld id="{F8323CC4-5E62-4ADB-BC7C-89B23C89378E}" type="slidenum">
+              <a:rPr lang="en-US" sz="1000">
+                <a:solidFill>
+                  <a:srgbClr val="898989"/>
+                </a:solidFill>
+              </a:rPr>
+              <a:pPr>
+                <a:spcAft>
+                  <a:spcPts val="600"/>
+                </a:spcAft>
+              </a:pPr>
+              <a:t>21</a:t>
+            </a:fld>
+            <a:endParaRPr lang="en-US" sz="1000">
+              <a:solidFill>
+                <a:srgbClr val="898989"/>
+              </a:solidFill>
+            </a:endParaRPr>
+          </a:p>
+        </p:txBody>
+      </p:sp>
+    </p:spTree>
+    <p:extLst>
+      <p:ext uri="{BB962C8B-B14F-4D97-AF65-F5344CB8AC3E}">
+        <p14:creationId xmlns:p14="http://schemas.microsoft.com/office/powerpoint/2010/main" val="1780891156"/>
+      </p:ext>
+    </p:extLst>
+  </p:cSld>
+  <p:clrMapOvr>
+    <a:masterClrMapping/>
+  </p:clrMapOvr>
+</p:sld>
+</file>
+
+<file path=ppt/slides/slide22.xml><?xml version="1.0" encoding="utf-8"?>
+<p:sld xmlns:a="http://schemas.openxmlformats.org/drawingml/2006/main" xmlns:r="http://schemas.openxmlformats.org/officeDocument/2006/relationships" xmlns:p="http://schemas.openxmlformats.org/presentationml/2006/main">
+  <p:cSld>
+    <p:bg>
+      <p:bgPr>
+        <a:solidFill>
+          <a:schemeClr val="bg1"/>
+        </a:solidFill>
+        <a:effectLst/>
+      </p:bgPr>
+    </p:bg>
+    <p:spTree>
+      <p:nvGrpSpPr>
+        <p:cNvPr id="1" name=""/>
+        <p:cNvGrpSpPr/>
+        <p:nvPr/>
+      </p:nvGrpSpPr>
+      <p:grpSpPr>
+        <a:xfrm>
+          <a:off x="0" y="0"/>
+          <a:ext cx="0" cy="0"/>
+          <a:chOff x="0" y="0"/>
+          <a:chExt cx="0" cy="0"/>
+        </a:xfrm>
+      </p:grpSpPr>
+      <p:sp useBgFill="1">
+        <p:nvSpPr>
+          <p:cNvPr id="8" name="Rectangle 7">
+            <a:extLst>
+              <a:ext uri="{FF2B5EF4-FFF2-40B4-BE49-F238E27FC236}">
+                <a16:creationId xmlns:a16="http://schemas.microsoft.com/office/drawing/2014/main" id="{827B839B-9ADE-406B-8590-F1CAEDED45A1}"/>
+              </a:ext>
+              <a:ext uri="{C183D7F6-B498-43B3-948B-1728B52AA6E4}">
+                <adec:decorative xmlns:adec="http://schemas.microsoft.com/office/drawing/2017/decorative" val="1"/>
+              </a:ext>
+            </a:extLst>
+          </p:cNvPr>
+          <p:cNvSpPr>
+            <a:spLocks noGrp="1" noRot="1" noChangeAspect="1" noMove="1" noResize="1" noEditPoints="1" noAdjustHandles="1" noChangeArrowheads="1" noChangeShapeType="1" noTextEdit="1"/>
+          </p:cNvSpPr>
+          <p:nvPr>
+            <p:extLst>
+              <p:ext uri="{386F3935-93C4-4BCD-93E2-E3B085C9AB24}">
+                <p16:designElem xmlns:p16="http://schemas.microsoft.com/office/powerpoint/2015/main" val="1"/>
+              </p:ext>
+            </p:extLst>
+          </p:nvPr>
+        </p:nvSpPr>
+        <p:spPr>
+          <a:xfrm>
+            <a:off x="0" y="0"/>
+            <a:ext cx="12188952" cy="6858000"/>
+          </a:xfrm>
+          <a:prstGeom prst="rect">
+            <a:avLst/>
+          </a:prstGeom>
+          <a:ln>
+            <a:noFill/>
+          </a:ln>
+        </p:spPr>
+        <p:style>
+          <a:lnRef idx="2">
+            <a:schemeClr val="accent1">
+              <a:shade val="50000"/>
+            </a:schemeClr>
+          </a:lnRef>
+          <a:fillRef idx="1">
+            <a:schemeClr val="accent1"/>
+          </a:fillRef>
+          <a:effectRef idx="0">
+            <a:schemeClr val="accent1"/>
+          </a:effectRef>
+          <a:fontRef idx="minor">
+            <a:schemeClr val="lt1"/>
+          </a:fontRef>
+        </p:style>
+        <p:txBody>
+          <a:bodyPr rtlCol="0" anchor="ctr"/>
+          <a:lstStyle/>
+          <a:p>
+            <a:pPr algn="ctr"/>
+            <a:endParaRPr lang="en-US"/>
+          </a:p>
+        </p:txBody>
+      </p:sp>
+      <p:sp>
+        <p:nvSpPr>
+          <p:cNvPr id="10" name="Freeform 45">
+            <a:extLst>
+              <a:ext uri="{FF2B5EF4-FFF2-40B4-BE49-F238E27FC236}">
+                <a16:creationId xmlns:a16="http://schemas.microsoft.com/office/drawing/2014/main" id="{CFE45BF0-46DB-408C-B5F7-7B11716805D4}"/>
+              </a:ext>
+              <a:ext uri="{C183D7F6-B498-43B3-948B-1728B52AA6E4}">
+                <adec:decorative xmlns:adec="http://schemas.microsoft.com/office/drawing/2017/decorative" val="1"/>
+              </a:ext>
+            </a:extLst>
+          </p:cNvPr>
+          <p:cNvSpPr>
+            <a:spLocks noGrp="1" noRot="1" noChangeAspect="1" noMove="1" noResize="1" noEditPoints="1" noAdjustHandles="1" noChangeArrowheads="1" noChangeShapeType="1" noTextEdit="1"/>
+          </p:cNvSpPr>
+          <p:nvPr>
+            <p:extLst>
+              <p:ext uri="{386F3935-93C4-4BCD-93E2-E3B085C9AB24}">
+                <p16:designElem xmlns:p16="http://schemas.microsoft.com/office/powerpoint/2015/main" val="1"/>
+              </p:ext>
+            </p:extLst>
+          </p:nvPr>
+        </p:nvSpPr>
+        <p:spPr bwMode="auto">
+          <a:xfrm>
+            <a:off x="409710" y="1022350"/>
+            <a:ext cx="709612" cy="2095501"/>
+          </a:xfrm>
+          <a:custGeom>
+            <a:avLst/>
+            <a:gdLst>
+              <a:gd name="T0" fmla="*/ 447 w 447"/>
+              <a:gd name="T1" fmla="*/ 1363 h 1363"/>
+              <a:gd name="T2" fmla="*/ 0 w 447"/>
+              <a:gd name="T3" fmla="*/ 987 h 1363"/>
+              <a:gd name="T4" fmla="*/ 0 w 447"/>
+              <a:gd name="T5" fmla="*/ 0 h 1363"/>
+              <a:gd name="T6" fmla="*/ 447 w 447"/>
+              <a:gd name="T7" fmla="*/ 376 h 1363"/>
+              <a:gd name="T8" fmla="*/ 447 w 447"/>
+              <a:gd name="T9" fmla="*/ 1363 h 1363"/>
+            </a:gdLst>
+            <a:ahLst/>
+            <a:cxnLst>
+              <a:cxn ang="0">
+                <a:pos x="T0" y="T1"/>
+              </a:cxn>
+              <a:cxn ang="0">
+                <a:pos x="T2" y="T3"/>
+              </a:cxn>
+              <a:cxn ang="0">
+                <a:pos x="T4" y="T5"/>
+              </a:cxn>
+              <a:cxn ang="0">
+                <a:pos x="T6" y="T7"/>
+              </a:cxn>
+              <a:cxn ang="0">
+                <a:pos x="T8" y="T9"/>
+              </a:cxn>
+            </a:cxnLst>
+            <a:rect l="0" t="0" r="r" b="b"/>
+            <a:pathLst>
+              <a:path w="447" h="1363">
+                <a:moveTo>
+                  <a:pt x="447" y="1363"/>
+                </a:moveTo>
+                <a:lnTo>
+                  <a:pt x="0" y="987"/>
+                </a:lnTo>
+                <a:lnTo>
+                  <a:pt x="0" y="0"/>
+                </a:lnTo>
+                <a:lnTo>
+                  <a:pt x="447" y="376"/>
+                </a:lnTo>
+                <a:lnTo>
+                  <a:pt x="447" y="1363"/>
+                </a:lnTo>
+                <a:close/>
+              </a:path>
+            </a:pathLst>
+          </a:custGeom>
+          <a:solidFill>
+            <a:schemeClr val="accent1">
+              <a:lumMod val="50000"/>
+            </a:schemeClr>
+          </a:solidFill>
+          <a:ln>
+            <a:noFill/>
+          </a:ln>
+        </p:spPr>
+        <p:txBody>
+          <a:bodyPr vert="horz" wrap="square" lIns="91440" tIns="45720" rIns="91440" bIns="45720" numCol="1" anchor="t" anchorCtr="0" compatLnSpc="1">
+            <a:prstTxWarp prst="textNoShape">
+              <a:avLst/>
+            </a:prstTxWarp>
+          </a:bodyPr>
+          <a:lstStyle/>
+          <a:p>
+            <a:endParaRPr lang="en-US"/>
+          </a:p>
+        </p:txBody>
+      </p:sp>
+      <p:sp>
+        <p:nvSpPr>
+          <p:cNvPr id="12" name="Freeform 46">
+            <a:extLst>
+              <a:ext uri="{FF2B5EF4-FFF2-40B4-BE49-F238E27FC236}">
+                <a16:creationId xmlns:a16="http://schemas.microsoft.com/office/drawing/2014/main" id="{2AEBC8F2-97B1-41B4-93F1-2D289E197FBA}"/>
+              </a:ext>
+              <a:ext uri="{C183D7F6-B498-43B3-948B-1728B52AA6E4}">
+                <adec:decorative xmlns:adec="http://schemas.microsoft.com/office/drawing/2017/decorative" val="1"/>
+              </a:ext>
+            </a:extLst>
+          </p:cNvPr>
+          <p:cNvSpPr>
+            <a:spLocks noGrp="1" noRot="1" noChangeAspect="1" noMove="1" noResize="1" noEditPoints="1" noAdjustHandles="1" noChangeArrowheads="1" noChangeShapeType="1" noTextEdit="1"/>
+          </p:cNvSpPr>
+          <p:nvPr>
+            <p:extLst>
+              <p:ext uri="{386F3935-93C4-4BCD-93E2-E3B085C9AB24}">
+                <p16:designElem xmlns:p16="http://schemas.microsoft.com/office/powerpoint/2015/main" val="1"/>
+              </p:ext>
+            </p:extLst>
+          </p:nvPr>
+        </p:nvSpPr>
+        <p:spPr bwMode="auto">
+          <a:xfrm>
+            <a:off x="409710" y="837744"/>
+            <a:ext cx="403225" cy="1705431"/>
+          </a:xfrm>
+          <a:custGeom>
+            <a:avLst/>
+            <a:gdLst>
+              <a:gd name="T0" fmla="*/ 254 w 254"/>
+              <a:gd name="T1" fmla="*/ 987 h 1109"/>
+              <a:gd name="T2" fmla="*/ 0 w 254"/>
+              <a:gd name="T3" fmla="*/ 1109 h 1109"/>
+              <a:gd name="T4" fmla="*/ 0 w 254"/>
+              <a:gd name="T5" fmla="*/ 119 h 1109"/>
+              <a:gd name="T6" fmla="*/ 254 w 254"/>
+              <a:gd name="T7" fmla="*/ 0 h 1109"/>
+              <a:gd name="T8" fmla="*/ 254 w 254"/>
+              <a:gd name="T9" fmla="*/ 987 h 1109"/>
+            </a:gdLst>
+            <a:ahLst/>
+            <a:cxnLst>
+              <a:cxn ang="0">
+                <a:pos x="T0" y="T1"/>
+              </a:cxn>
+              <a:cxn ang="0">
+                <a:pos x="T2" y="T3"/>
+              </a:cxn>
+              <a:cxn ang="0">
+                <a:pos x="T4" y="T5"/>
+              </a:cxn>
+              <a:cxn ang="0">
+                <a:pos x="T6" y="T7"/>
+              </a:cxn>
+              <a:cxn ang="0">
+                <a:pos x="T8" y="T9"/>
+              </a:cxn>
+            </a:cxnLst>
+            <a:rect l="0" t="0" r="r" b="b"/>
+            <a:pathLst>
+              <a:path w="254" h="1109">
+                <a:moveTo>
+                  <a:pt x="254" y="987"/>
+                </a:moveTo>
+                <a:lnTo>
+                  <a:pt x="0" y="1109"/>
+                </a:lnTo>
+                <a:lnTo>
+                  <a:pt x="0" y="119"/>
+                </a:lnTo>
+                <a:lnTo>
+                  <a:pt x="254" y="0"/>
+                </a:lnTo>
+                <a:lnTo>
+                  <a:pt x="254" y="987"/>
+                </a:lnTo>
+                <a:close/>
+              </a:path>
+            </a:pathLst>
+          </a:custGeom>
+          <a:solidFill>
+            <a:schemeClr val="accent1">
+              <a:lumMod val="75000"/>
+            </a:schemeClr>
+          </a:solidFill>
+          <a:ln>
+            <a:noFill/>
+          </a:ln>
+        </p:spPr>
+        <p:txBody>
+          <a:bodyPr vert="horz" wrap="square" lIns="91440" tIns="45720" rIns="91440" bIns="45720" numCol="1" anchor="t" anchorCtr="0" compatLnSpc="1">
+            <a:prstTxWarp prst="textNoShape">
+              <a:avLst/>
+            </a:prstTxWarp>
+          </a:bodyPr>
+          <a:lstStyle/>
+          <a:p>
+            <a:endParaRPr lang="en-US"/>
+          </a:p>
+        </p:txBody>
+      </p:sp>
+      <p:sp>
+        <p:nvSpPr>
+          <p:cNvPr id="14" name="Freeform 47">
+            <a:extLst>
+              <a:ext uri="{FF2B5EF4-FFF2-40B4-BE49-F238E27FC236}">
+                <a16:creationId xmlns:a16="http://schemas.microsoft.com/office/drawing/2014/main" id="{472E3A19-F5D5-48FC-BB9C-48C2F68F598B}"/>
+              </a:ext>
+              <a:ext uri="{C183D7F6-B498-43B3-948B-1728B52AA6E4}">
+                <adec:decorative xmlns:adec="http://schemas.microsoft.com/office/drawing/2017/decorative" val="1"/>
+              </a:ext>
+            </a:extLst>
+          </p:cNvPr>
+          <p:cNvSpPr>
+            <a:spLocks noGrp="1" noRot="1" noChangeAspect="1" noMove="1" noResize="1" noEditPoints="1" noAdjustHandles="1" noChangeArrowheads="1" noChangeShapeType="1" noTextEdit="1"/>
+          </p:cNvSpPr>
+          <p:nvPr>
+            <p:extLst>
+              <p:ext uri="{386F3935-93C4-4BCD-93E2-E3B085C9AB24}">
+                <p16:designElem xmlns:p16="http://schemas.microsoft.com/office/powerpoint/2015/main" val="1"/>
+              </p:ext>
+            </p:extLst>
+          </p:nvPr>
+        </p:nvSpPr>
+        <p:spPr bwMode="auto">
+          <a:xfrm>
+            <a:off x="644660" y="640894"/>
+            <a:ext cx="168275" cy="1713195"/>
+          </a:xfrm>
+          <a:custGeom>
+            <a:avLst/>
+            <a:gdLst>
+              <a:gd name="T0" fmla="*/ 106 w 106"/>
+              <a:gd name="T1" fmla="*/ 1114 h 1114"/>
+              <a:gd name="T2" fmla="*/ 0 w 106"/>
+              <a:gd name="T3" fmla="*/ 1005 h 1114"/>
+              <a:gd name="T4" fmla="*/ 0 w 106"/>
+              <a:gd name="T5" fmla="*/ 0 h 1114"/>
+              <a:gd name="T6" fmla="*/ 106 w 106"/>
+              <a:gd name="T7" fmla="*/ 110 h 1114"/>
+              <a:gd name="T8" fmla="*/ 106 w 106"/>
+              <a:gd name="T9" fmla="*/ 1114 h 1114"/>
+            </a:gdLst>
+            <a:ahLst/>
+            <a:cxnLst>
+              <a:cxn ang="0">
+                <a:pos x="T0" y="T1"/>
+              </a:cxn>
+              <a:cxn ang="0">
+                <a:pos x="T2" y="T3"/>
+              </a:cxn>
+              <a:cxn ang="0">
+                <a:pos x="T4" y="T5"/>
+              </a:cxn>
+              <a:cxn ang="0">
+                <a:pos x="T6" y="T7"/>
+              </a:cxn>
+              <a:cxn ang="0">
+                <a:pos x="T8" y="T9"/>
+              </a:cxn>
+            </a:cxnLst>
+            <a:rect l="0" t="0" r="r" b="b"/>
+            <a:pathLst>
+              <a:path w="106" h="1114">
+                <a:moveTo>
+                  <a:pt x="106" y="1114"/>
+                </a:moveTo>
+                <a:lnTo>
+                  <a:pt x="0" y="1005"/>
+                </a:lnTo>
+                <a:lnTo>
+                  <a:pt x="0" y="0"/>
+                </a:lnTo>
+                <a:lnTo>
+                  <a:pt x="106" y="110"/>
+                </a:lnTo>
+                <a:lnTo>
+                  <a:pt x="106" y="1114"/>
+                </a:lnTo>
+                <a:close/>
+              </a:path>
+            </a:pathLst>
+          </a:custGeom>
+          <a:solidFill>
+            <a:schemeClr val="accent1">
+              <a:lumMod val="50000"/>
+            </a:schemeClr>
+          </a:solidFill>
+          <a:ln>
+            <a:noFill/>
+          </a:ln>
+        </p:spPr>
+        <p:txBody>
+          <a:bodyPr vert="horz" wrap="square" lIns="91440" tIns="45720" rIns="91440" bIns="45720" numCol="1" anchor="t" anchorCtr="0" compatLnSpc="1">
+            <a:prstTxWarp prst="textNoShape">
+              <a:avLst/>
+            </a:prstTxWarp>
+          </a:bodyPr>
+          <a:lstStyle/>
+          <a:p>
+            <a:endParaRPr lang="en-US"/>
+          </a:p>
+        </p:txBody>
+      </p:sp>
+      <p:sp>
+        <p:nvSpPr>
+          <p:cNvPr id="16" name="Freeform 44">
+            <a:extLst>
+              <a:ext uri="{FF2B5EF4-FFF2-40B4-BE49-F238E27FC236}">
+                <a16:creationId xmlns:a16="http://schemas.microsoft.com/office/drawing/2014/main" id="{7A62E32F-BB65-43A8-8EB5-92346890E549}"/>
+              </a:ext>
+              <a:ext uri="{C183D7F6-B498-43B3-948B-1728B52AA6E4}">
+                <adec:decorative xmlns:adec="http://schemas.microsoft.com/office/drawing/2017/decorative" val="1"/>
+              </a:ext>
+            </a:extLst>
+          </p:cNvPr>
+          <p:cNvSpPr>
+            <a:spLocks noGrp="1" noRot="1" noChangeAspect="1" noMove="1" noResize="1" noEditPoints="1" noAdjustHandles="1" noChangeArrowheads="1" noChangeShapeType="1" noTextEdit="1"/>
+          </p:cNvSpPr>
+          <p:nvPr>
+            <p:extLst>
+              <p:ext uri="{386F3935-93C4-4BCD-93E2-E3B085C9AB24}">
+                <p16:designElem xmlns:p16="http://schemas.microsoft.com/office/powerpoint/2015/main" val="1"/>
+              </p:ext>
+            </p:extLst>
+          </p:nvPr>
+        </p:nvSpPr>
+        <p:spPr bwMode="auto">
+          <a:xfrm>
+            <a:off x="11223203" y="635716"/>
+            <a:ext cx="328612" cy="1742360"/>
+          </a:xfrm>
+          <a:custGeom>
+            <a:avLst/>
+            <a:gdLst>
+              <a:gd name="T0" fmla="*/ 207 w 207"/>
+              <a:gd name="T1" fmla="*/ 987 h 1114"/>
+              <a:gd name="T2" fmla="*/ 0 w 207"/>
+              <a:gd name="T3" fmla="*/ 1114 h 1114"/>
+              <a:gd name="T4" fmla="*/ 0 w 207"/>
+              <a:gd name="T5" fmla="*/ 127 h 1114"/>
+              <a:gd name="T6" fmla="*/ 207 w 207"/>
+              <a:gd name="T7" fmla="*/ 0 h 1114"/>
+              <a:gd name="T8" fmla="*/ 207 w 207"/>
+              <a:gd name="T9" fmla="*/ 987 h 1114"/>
+            </a:gdLst>
+            <a:ahLst/>
+            <a:cxnLst>
+              <a:cxn ang="0">
+                <a:pos x="T0" y="T1"/>
+              </a:cxn>
+              <a:cxn ang="0">
+                <a:pos x="T2" y="T3"/>
+              </a:cxn>
+              <a:cxn ang="0">
+                <a:pos x="T4" y="T5"/>
+              </a:cxn>
+              <a:cxn ang="0">
+                <a:pos x="T6" y="T7"/>
+              </a:cxn>
+              <a:cxn ang="0">
+                <a:pos x="T8" y="T9"/>
+              </a:cxn>
+            </a:cxnLst>
+            <a:rect l="0" t="0" r="r" b="b"/>
+            <a:pathLst>
+              <a:path w="207" h="1114">
+                <a:moveTo>
+                  <a:pt x="207" y="987"/>
+                </a:moveTo>
+                <a:lnTo>
+                  <a:pt x="0" y="1114"/>
+                </a:lnTo>
+                <a:lnTo>
+                  <a:pt x="0" y="127"/>
+                </a:lnTo>
+                <a:lnTo>
+                  <a:pt x="207" y="0"/>
+                </a:lnTo>
+                <a:lnTo>
+                  <a:pt x="207" y="987"/>
+                </a:lnTo>
+                <a:close/>
+              </a:path>
+            </a:pathLst>
+          </a:custGeom>
+          <a:solidFill>
+            <a:schemeClr val="accent1">
+              <a:lumMod val="50000"/>
+            </a:schemeClr>
+          </a:solidFill>
+          <a:ln>
+            <a:noFill/>
+          </a:ln>
+        </p:spPr>
+        <p:txBody>
+          <a:bodyPr vert="horz" wrap="square" lIns="91440" tIns="45720" rIns="91440" bIns="45720" numCol="1" anchor="t" anchorCtr="0" compatLnSpc="1">
+            <a:prstTxWarp prst="textNoShape">
+              <a:avLst/>
+            </a:prstTxWarp>
+          </a:bodyPr>
+          <a:lstStyle/>
+          <a:p>
+            <a:endParaRPr lang="en-US"/>
+          </a:p>
+        </p:txBody>
+      </p:sp>
+      <p:sp>
+        <p:nvSpPr>
+          <p:cNvPr id="18" name="Rectangle 17">
+            <a:extLst>
+              <a:ext uri="{FF2B5EF4-FFF2-40B4-BE49-F238E27FC236}">
+                <a16:creationId xmlns:a16="http://schemas.microsoft.com/office/drawing/2014/main" id="{14E91B64-9FCC-451E-AFB4-A827D6329367}"/>
+              </a:ext>
+              <a:ext uri="{C183D7F6-B498-43B3-948B-1728B52AA6E4}">
+                <adec:decorative xmlns:adec="http://schemas.microsoft.com/office/drawing/2017/decorative" val="1"/>
+              </a:ext>
+            </a:extLst>
+          </p:cNvPr>
+          <p:cNvSpPr>
+            <a:spLocks noGrp="1" noRot="1" noChangeAspect="1" noMove="1" noResize="1" noEditPoints="1" noAdjustHandles="1" noChangeArrowheads="1" noChangeShapeType="1" noTextEdit="1"/>
+          </p:cNvSpPr>
+          <p:nvPr>
+            <p:extLst>
+              <p:ext uri="{386F3935-93C4-4BCD-93E2-E3B085C9AB24}">
+                <p16:designElem xmlns:p16="http://schemas.microsoft.com/office/powerpoint/2015/main" val="1"/>
+              </p:ext>
+            </p:extLst>
+          </p:nvPr>
+        </p:nvSpPr>
+        <p:spPr bwMode="auto">
+          <a:xfrm>
+            <a:off x="644055" y="635715"/>
+            <a:ext cx="10907863" cy="1541457"/>
+          </a:xfrm>
+          <a:prstGeom prst="rect">
+            <a:avLst/>
+          </a:prstGeom>
+          <a:solidFill>
+            <a:schemeClr val="accent1"/>
+          </a:solidFill>
+          <a:ln>
+            <a:noFill/>
+          </a:ln>
+        </p:spPr>
+        <p:txBody>
+          <a:bodyPr vert="horz" wrap="square" lIns="91440" tIns="45720" rIns="91440" bIns="45720" numCol="1" anchor="t" anchorCtr="0" compatLnSpc="1">
+            <a:prstTxWarp prst="textNoShape">
+              <a:avLst/>
+            </a:prstTxWarp>
+          </a:bodyPr>
+          <a:lstStyle/>
+          <a:p>
+            <a:endParaRPr lang="en-US"/>
+          </a:p>
+        </p:txBody>
+      </p:sp>
+      <p:sp>
+        <p:nvSpPr>
+          <p:cNvPr id="2" name="Titre 1">
+            <a:extLst>
+              <a:ext uri="{FF2B5EF4-FFF2-40B4-BE49-F238E27FC236}">
+                <a16:creationId xmlns:a16="http://schemas.microsoft.com/office/drawing/2014/main" id="{787733BC-219D-49C7-B5B4-F7CD9774C6A4}"/>
+              </a:ext>
+            </a:extLst>
+          </p:cNvPr>
+          <p:cNvSpPr>
+            <a:spLocks noGrp="1"/>
+          </p:cNvSpPr>
+          <p:nvPr>
+            <p:ph type="title"/>
+          </p:nvPr>
+        </p:nvSpPr>
+        <p:spPr>
+          <a:xfrm>
+            <a:off x="958506" y="800392"/>
+            <a:ext cx="10264697" cy="1212102"/>
+          </a:xfrm>
+        </p:spPr>
+        <p:txBody>
+          <a:bodyPr>
+            <a:normAutofit/>
+          </a:bodyPr>
+          <a:lstStyle/>
+          <a:p>
+            <a:r>
+              <a:rPr lang="fr-FR" sz="4000" dirty="0">
+                <a:solidFill>
+                  <a:srgbClr val="FFFFFF"/>
+                </a:solidFill>
+              </a:rPr>
+              <a:t>CSS</a:t>
+            </a:r>
+          </a:p>
+        </p:txBody>
+      </p:sp>
+      <p:sp>
+        <p:nvSpPr>
+          <p:cNvPr id="9" name="Espace réservé du numéro de diapositive 8">
+            <a:extLst>
+              <a:ext uri="{FF2B5EF4-FFF2-40B4-BE49-F238E27FC236}">
+                <a16:creationId xmlns:a16="http://schemas.microsoft.com/office/drawing/2014/main" id="{F3EDF272-70D0-418F-B1E4-090F125EAE69}"/>
+              </a:ext>
+            </a:extLst>
+          </p:cNvPr>
+          <p:cNvSpPr>
+            <a:spLocks noGrp="1"/>
+          </p:cNvSpPr>
+          <p:nvPr>
+            <p:ph type="sldNum" sz="quarter" idx="12"/>
+          </p:nvPr>
+        </p:nvSpPr>
+        <p:spPr/>
+        <p:txBody>
+          <a:bodyPr/>
+          <a:lstStyle/>
+          <a:p>
+            <a:fld id="{F8323CC4-5E62-4ADB-BC7C-89B23C89378E}" type="slidenum">
+              <a:rPr lang="fr-FR" smtClean="0"/>
+              <a:t>22</a:t>
+            </a:fld>
+            <a:endParaRPr lang="fr-FR"/>
+          </a:p>
+        </p:txBody>
+      </p:sp>
+      <p:pic>
+        <p:nvPicPr>
+          <p:cNvPr id="6" name="Image 5">
+            <a:extLst>
+              <a:ext uri="{FF2B5EF4-FFF2-40B4-BE49-F238E27FC236}">
+                <a16:creationId xmlns:a16="http://schemas.microsoft.com/office/drawing/2014/main" id="{A93DDAC7-B5EB-4C2A-8CB1-AAC676BFC595}"/>
+              </a:ext>
+            </a:extLst>
+          </p:cNvPr>
+          <p:cNvPicPr>
+            <a:picLocks noChangeAspect="1"/>
+          </p:cNvPicPr>
+          <p:nvPr/>
+        </p:nvPicPr>
+        <p:blipFill>
+          <a:blip r:embed="rId2"/>
+          <a:stretch>
+            <a:fillRect/>
+          </a:stretch>
+        </p:blipFill>
+        <p:spPr>
+          <a:xfrm>
+            <a:off x="764516" y="3429000"/>
+            <a:ext cx="7020905" cy="2876951"/>
+          </a:xfrm>
+          <a:prstGeom prst="rect">
+            <a:avLst/>
+          </a:prstGeom>
+        </p:spPr>
+      </p:pic>
+      <p:sp>
+        <p:nvSpPr>
+          <p:cNvPr id="7" name="ZoneTexte 6">
+            <a:extLst>
+              <a:ext uri="{FF2B5EF4-FFF2-40B4-BE49-F238E27FC236}">
+                <a16:creationId xmlns:a16="http://schemas.microsoft.com/office/drawing/2014/main" id="{2A74C213-DC6C-4815-8B15-85F46D4B3F01}"/>
+              </a:ext>
+            </a:extLst>
+          </p:cNvPr>
+          <p:cNvSpPr txBox="1"/>
+          <p:nvPr/>
+        </p:nvSpPr>
+        <p:spPr>
+          <a:xfrm>
+            <a:off x="1603218" y="2543175"/>
+            <a:ext cx="6844420" cy="461665"/>
+          </a:xfrm>
+          <a:prstGeom prst="rect">
+            <a:avLst/>
+          </a:prstGeom>
+          <a:noFill/>
+        </p:spPr>
+        <p:txBody>
+          <a:bodyPr wrap="square" rtlCol="0">
+            <a:spAutoFit/>
+          </a:bodyPr>
+          <a:lstStyle/>
+          <a:p>
+            <a:pPr marL="285750" indent="-285750">
+              <a:buFont typeface="Arial" panose="020B0604020202020204" pitchFamily="34" charset="0"/>
+              <a:buChar char="•"/>
+            </a:pPr>
+            <a:r>
+              <a:rPr lang="fr-FR" sz="2400" dirty="0"/>
+              <a:t>Lier le CSS a son fichier HTML</a:t>
+            </a:r>
+          </a:p>
+        </p:txBody>
+      </p:sp>
+      <p:sp>
+        <p:nvSpPr>
+          <p:cNvPr id="13" name="Rectangle 12">
+            <a:extLst>
+              <a:ext uri="{FF2B5EF4-FFF2-40B4-BE49-F238E27FC236}">
+                <a16:creationId xmlns:a16="http://schemas.microsoft.com/office/drawing/2014/main" id="{F59A8E9F-ED6F-4D84-86A2-4AB75966D648}"/>
+              </a:ext>
+            </a:extLst>
+          </p:cNvPr>
+          <p:cNvSpPr/>
+          <p:nvPr/>
+        </p:nvSpPr>
+        <p:spPr>
+          <a:xfrm>
+            <a:off x="1367406" y="4186106"/>
+            <a:ext cx="3196205" cy="234892"/>
+          </a:xfrm>
+          <a:prstGeom prst="rect">
+            <a:avLst/>
+          </a:prstGeom>
+          <a:noFill/>
+          <a:ln>
+            <a:solidFill>
+              <a:srgbClr val="FF0000"/>
+            </a:solidFill>
+          </a:ln>
+        </p:spPr>
+        <p:style>
+          <a:lnRef idx="2">
+            <a:schemeClr val="accent1">
+              <a:shade val="50000"/>
+            </a:schemeClr>
+          </a:lnRef>
+          <a:fillRef idx="1">
+            <a:schemeClr val="accent1"/>
+          </a:fillRef>
+          <a:effectRef idx="0">
+            <a:schemeClr val="accent1"/>
+          </a:effectRef>
+          <a:fontRef idx="minor">
+            <a:schemeClr val="lt1"/>
+          </a:fontRef>
+        </p:style>
+        <p:txBody>
+          <a:bodyPr rtlCol="0" anchor="ctr"/>
+          <a:lstStyle/>
+          <a:p>
+            <a:pPr algn="ctr"/>
+            <a:endParaRPr lang="fr-FR"/>
+          </a:p>
+        </p:txBody>
+      </p:sp>
+      <p:cxnSp>
+        <p:nvCxnSpPr>
+          <p:cNvPr id="17" name="Connecteur droit avec flèche 16">
+            <a:extLst>
+              <a:ext uri="{FF2B5EF4-FFF2-40B4-BE49-F238E27FC236}">
+                <a16:creationId xmlns:a16="http://schemas.microsoft.com/office/drawing/2014/main" id="{734CED9D-45D3-4ED9-AB97-5A985157260B}"/>
+              </a:ext>
+            </a:extLst>
+          </p:cNvPr>
+          <p:cNvCxnSpPr/>
+          <p:nvPr/>
+        </p:nvCxnSpPr>
+        <p:spPr>
+          <a:xfrm flipH="1">
+            <a:off x="4563611" y="4260118"/>
+            <a:ext cx="3456264" cy="0"/>
+          </a:xfrm>
+          <a:prstGeom prst="straightConnector1">
+            <a:avLst/>
+          </a:prstGeom>
+          <a:ln>
+            <a:solidFill>
+              <a:srgbClr val="FF0000"/>
+            </a:solidFill>
+            <a:tailEnd type="triangle"/>
+          </a:ln>
+        </p:spPr>
+        <p:style>
+          <a:lnRef idx="1">
+            <a:schemeClr val="accent1"/>
+          </a:lnRef>
+          <a:fillRef idx="0">
+            <a:schemeClr val="accent1"/>
+          </a:fillRef>
+          <a:effectRef idx="0">
+            <a:schemeClr val="accent1"/>
+          </a:effectRef>
+          <a:fontRef idx="minor">
+            <a:schemeClr val="tx1"/>
+          </a:fontRef>
+        </p:style>
+      </p:cxnSp>
+      <p:sp>
+        <p:nvSpPr>
+          <p:cNvPr id="19" name="ZoneTexte 18">
+            <a:extLst>
+              <a:ext uri="{FF2B5EF4-FFF2-40B4-BE49-F238E27FC236}">
+                <a16:creationId xmlns:a16="http://schemas.microsoft.com/office/drawing/2014/main" id="{2CA6A347-8493-49AE-B95A-421FD123E654}"/>
+              </a:ext>
+            </a:extLst>
+          </p:cNvPr>
+          <p:cNvSpPr txBox="1"/>
+          <p:nvPr/>
+        </p:nvSpPr>
+        <p:spPr>
+          <a:xfrm>
+            <a:off x="8095376" y="3892492"/>
+            <a:ext cx="3456264" cy="923330"/>
+          </a:xfrm>
+          <a:prstGeom prst="rect">
+            <a:avLst/>
+          </a:prstGeom>
+          <a:noFill/>
+        </p:spPr>
+        <p:txBody>
+          <a:bodyPr wrap="square" rtlCol="0">
+            <a:spAutoFit/>
+          </a:bodyPr>
+          <a:lstStyle/>
+          <a:p>
+            <a:r>
+              <a:rPr lang="fr-FR" dirty="0"/>
+              <a:t>Le fichier HTML est associé a un fichier « style.css » chargé de la mise en forme.</a:t>
+            </a:r>
+          </a:p>
+        </p:txBody>
+      </p:sp>
+    </p:spTree>
+    <p:extLst>
+      <p:ext uri="{BB962C8B-B14F-4D97-AF65-F5344CB8AC3E}">
+        <p14:creationId xmlns:p14="http://schemas.microsoft.com/office/powerpoint/2010/main" val="3235332037"/>
+      </p:ext>
+    </p:extLst>
+  </p:cSld>
+  <p:clrMapOvr>
+    <a:masterClrMapping/>
+  </p:clrMapOvr>
+</p:sld>
+</file>
+
+<file path=ppt/slides/slide23.xml><?xml version="1.0" encoding="utf-8"?>
+<p:sld xmlns:a="http://schemas.openxmlformats.org/drawingml/2006/main" xmlns:r="http://schemas.openxmlformats.org/officeDocument/2006/relationships" xmlns:p="http://schemas.openxmlformats.org/presentationml/2006/main">
+  <p:cSld>
+    <p:bg>
+      <p:bgPr>
+        <a:solidFill>
+          <a:schemeClr val="bg1"/>
+        </a:solidFill>
+        <a:effectLst/>
+      </p:bgPr>
+    </p:bg>
+    <p:spTree>
+      <p:nvGrpSpPr>
+        <p:cNvPr id="1" name=""/>
+        <p:cNvGrpSpPr/>
+        <p:nvPr/>
+      </p:nvGrpSpPr>
+      <p:grpSpPr>
+        <a:xfrm>
+          <a:off x="0" y="0"/>
+          <a:ext cx="0" cy="0"/>
+          <a:chOff x="0" y="0"/>
+          <a:chExt cx="0" cy="0"/>
+        </a:xfrm>
+      </p:grpSpPr>
+      <p:sp useBgFill="1">
+        <p:nvSpPr>
+          <p:cNvPr id="8" name="Rectangle 7">
+            <a:extLst>
+              <a:ext uri="{FF2B5EF4-FFF2-40B4-BE49-F238E27FC236}">
+                <a16:creationId xmlns:a16="http://schemas.microsoft.com/office/drawing/2014/main" id="{827B839B-9ADE-406B-8590-F1CAEDED45A1}"/>
+              </a:ext>
+              <a:ext uri="{C183D7F6-B498-43B3-948B-1728B52AA6E4}">
+                <adec:decorative xmlns:adec="http://schemas.microsoft.com/office/drawing/2017/decorative" val="1"/>
+              </a:ext>
+            </a:extLst>
+          </p:cNvPr>
+          <p:cNvSpPr>
+            <a:spLocks noGrp="1" noRot="1" noChangeAspect="1" noMove="1" noResize="1" noEditPoints="1" noAdjustHandles="1" noChangeArrowheads="1" noChangeShapeType="1" noTextEdit="1"/>
+          </p:cNvSpPr>
+          <p:nvPr>
+            <p:extLst>
+              <p:ext uri="{386F3935-93C4-4BCD-93E2-E3B085C9AB24}">
+                <p16:designElem xmlns:p16="http://schemas.microsoft.com/office/powerpoint/2015/main" val="1"/>
+              </p:ext>
+            </p:extLst>
+          </p:nvPr>
+        </p:nvSpPr>
+        <p:spPr>
+          <a:xfrm>
+            <a:off x="0" y="0"/>
+            <a:ext cx="12188952" cy="6858000"/>
+          </a:xfrm>
+          <a:prstGeom prst="rect">
+            <a:avLst/>
+          </a:prstGeom>
+          <a:ln>
+            <a:noFill/>
+          </a:ln>
+        </p:spPr>
+        <p:style>
+          <a:lnRef idx="2">
+            <a:schemeClr val="accent1">
+              <a:shade val="50000"/>
+            </a:schemeClr>
+          </a:lnRef>
+          <a:fillRef idx="1">
+            <a:schemeClr val="accent1"/>
+          </a:fillRef>
+          <a:effectRef idx="0">
+            <a:schemeClr val="accent1"/>
+          </a:effectRef>
+          <a:fontRef idx="minor">
+            <a:schemeClr val="lt1"/>
+          </a:fontRef>
+        </p:style>
+        <p:txBody>
+          <a:bodyPr rtlCol="0" anchor="ctr"/>
+          <a:lstStyle/>
+          <a:p>
+            <a:pPr algn="ctr"/>
+            <a:endParaRPr lang="en-US"/>
+          </a:p>
+        </p:txBody>
+      </p:sp>
+      <p:sp>
+        <p:nvSpPr>
+          <p:cNvPr id="10" name="Freeform 45">
+            <a:extLst>
+              <a:ext uri="{FF2B5EF4-FFF2-40B4-BE49-F238E27FC236}">
+                <a16:creationId xmlns:a16="http://schemas.microsoft.com/office/drawing/2014/main" id="{CFE45BF0-46DB-408C-B5F7-7B11716805D4}"/>
+              </a:ext>
+              <a:ext uri="{C183D7F6-B498-43B3-948B-1728B52AA6E4}">
+                <adec:decorative xmlns:adec="http://schemas.microsoft.com/office/drawing/2017/decorative" val="1"/>
+              </a:ext>
+            </a:extLst>
+          </p:cNvPr>
+          <p:cNvSpPr>
+            <a:spLocks noGrp="1" noRot="1" noChangeAspect="1" noMove="1" noResize="1" noEditPoints="1" noAdjustHandles="1" noChangeArrowheads="1" noChangeShapeType="1" noTextEdit="1"/>
+          </p:cNvSpPr>
+          <p:nvPr>
+            <p:extLst>
+              <p:ext uri="{386F3935-93C4-4BCD-93E2-E3B085C9AB24}">
+                <p16:designElem xmlns:p16="http://schemas.microsoft.com/office/powerpoint/2015/main" val="1"/>
+              </p:ext>
+            </p:extLst>
+          </p:nvPr>
+        </p:nvSpPr>
+        <p:spPr bwMode="auto">
+          <a:xfrm>
+            <a:off x="409710" y="1022350"/>
+            <a:ext cx="709612" cy="2095501"/>
+          </a:xfrm>
+          <a:custGeom>
+            <a:avLst/>
+            <a:gdLst>
+              <a:gd name="T0" fmla="*/ 447 w 447"/>
+              <a:gd name="T1" fmla="*/ 1363 h 1363"/>
+              <a:gd name="T2" fmla="*/ 0 w 447"/>
+              <a:gd name="T3" fmla="*/ 987 h 1363"/>
+              <a:gd name="T4" fmla="*/ 0 w 447"/>
+              <a:gd name="T5" fmla="*/ 0 h 1363"/>
+              <a:gd name="T6" fmla="*/ 447 w 447"/>
+              <a:gd name="T7" fmla="*/ 376 h 1363"/>
+              <a:gd name="T8" fmla="*/ 447 w 447"/>
+              <a:gd name="T9" fmla="*/ 1363 h 1363"/>
+            </a:gdLst>
+            <a:ahLst/>
+            <a:cxnLst>
+              <a:cxn ang="0">
+                <a:pos x="T0" y="T1"/>
+              </a:cxn>
+              <a:cxn ang="0">
+                <a:pos x="T2" y="T3"/>
+              </a:cxn>
+              <a:cxn ang="0">
+                <a:pos x="T4" y="T5"/>
+              </a:cxn>
+              <a:cxn ang="0">
+                <a:pos x="T6" y="T7"/>
+              </a:cxn>
+              <a:cxn ang="0">
+                <a:pos x="T8" y="T9"/>
+              </a:cxn>
+            </a:cxnLst>
+            <a:rect l="0" t="0" r="r" b="b"/>
+            <a:pathLst>
+              <a:path w="447" h="1363">
+                <a:moveTo>
+                  <a:pt x="447" y="1363"/>
+                </a:moveTo>
+                <a:lnTo>
+                  <a:pt x="0" y="987"/>
+                </a:lnTo>
+                <a:lnTo>
+                  <a:pt x="0" y="0"/>
+                </a:lnTo>
+                <a:lnTo>
+                  <a:pt x="447" y="376"/>
+                </a:lnTo>
+                <a:lnTo>
+                  <a:pt x="447" y="1363"/>
+                </a:lnTo>
+                <a:close/>
+              </a:path>
+            </a:pathLst>
+          </a:custGeom>
+          <a:solidFill>
+            <a:schemeClr val="accent1">
+              <a:lumMod val="50000"/>
+            </a:schemeClr>
+          </a:solidFill>
+          <a:ln>
+            <a:noFill/>
+          </a:ln>
+        </p:spPr>
+        <p:txBody>
+          <a:bodyPr vert="horz" wrap="square" lIns="91440" tIns="45720" rIns="91440" bIns="45720" numCol="1" anchor="t" anchorCtr="0" compatLnSpc="1">
+            <a:prstTxWarp prst="textNoShape">
+              <a:avLst/>
+            </a:prstTxWarp>
+          </a:bodyPr>
+          <a:lstStyle/>
+          <a:p>
+            <a:endParaRPr lang="en-US"/>
+          </a:p>
+        </p:txBody>
+      </p:sp>
+      <p:sp>
+        <p:nvSpPr>
+          <p:cNvPr id="12" name="Freeform 46">
+            <a:extLst>
+              <a:ext uri="{FF2B5EF4-FFF2-40B4-BE49-F238E27FC236}">
+                <a16:creationId xmlns:a16="http://schemas.microsoft.com/office/drawing/2014/main" id="{2AEBC8F2-97B1-41B4-93F1-2D289E197FBA}"/>
+              </a:ext>
+              <a:ext uri="{C183D7F6-B498-43B3-948B-1728B52AA6E4}">
+                <adec:decorative xmlns:adec="http://schemas.microsoft.com/office/drawing/2017/decorative" val="1"/>
+              </a:ext>
+            </a:extLst>
+          </p:cNvPr>
+          <p:cNvSpPr>
+            <a:spLocks noGrp="1" noRot="1" noChangeAspect="1" noMove="1" noResize="1" noEditPoints="1" noAdjustHandles="1" noChangeArrowheads="1" noChangeShapeType="1" noTextEdit="1"/>
+          </p:cNvSpPr>
+          <p:nvPr>
+            <p:extLst>
+              <p:ext uri="{386F3935-93C4-4BCD-93E2-E3B085C9AB24}">
+                <p16:designElem xmlns:p16="http://schemas.microsoft.com/office/powerpoint/2015/main" val="1"/>
+              </p:ext>
+            </p:extLst>
+          </p:nvPr>
+        </p:nvSpPr>
+        <p:spPr bwMode="auto">
+          <a:xfrm>
+            <a:off x="409710" y="837744"/>
+            <a:ext cx="403225" cy="1705431"/>
+          </a:xfrm>
+          <a:custGeom>
+            <a:avLst/>
+            <a:gdLst>
+              <a:gd name="T0" fmla="*/ 254 w 254"/>
+              <a:gd name="T1" fmla="*/ 987 h 1109"/>
+              <a:gd name="T2" fmla="*/ 0 w 254"/>
+              <a:gd name="T3" fmla="*/ 1109 h 1109"/>
+              <a:gd name="T4" fmla="*/ 0 w 254"/>
+              <a:gd name="T5" fmla="*/ 119 h 1109"/>
+              <a:gd name="T6" fmla="*/ 254 w 254"/>
+              <a:gd name="T7" fmla="*/ 0 h 1109"/>
+              <a:gd name="T8" fmla="*/ 254 w 254"/>
+              <a:gd name="T9" fmla="*/ 987 h 1109"/>
+            </a:gdLst>
+            <a:ahLst/>
+            <a:cxnLst>
+              <a:cxn ang="0">
+                <a:pos x="T0" y="T1"/>
+              </a:cxn>
+              <a:cxn ang="0">
+                <a:pos x="T2" y="T3"/>
+              </a:cxn>
+              <a:cxn ang="0">
+                <a:pos x="T4" y="T5"/>
+              </a:cxn>
+              <a:cxn ang="0">
+                <a:pos x="T6" y="T7"/>
+              </a:cxn>
+              <a:cxn ang="0">
+                <a:pos x="T8" y="T9"/>
+              </a:cxn>
+            </a:cxnLst>
+            <a:rect l="0" t="0" r="r" b="b"/>
+            <a:pathLst>
+              <a:path w="254" h="1109">
+                <a:moveTo>
+                  <a:pt x="254" y="987"/>
+                </a:moveTo>
+                <a:lnTo>
+                  <a:pt x="0" y="1109"/>
+                </a:lnTo>
+                <a:lnTo>
+                  <a:pt x="0" y="119"/>
+                </a:lnTo>
+                <a:lnTo>
+                  <a:pt x="254" y="0"/>
+                </a:lnTo>
+                <a:lnTo>
+                  <a:pt x="254" y="987"/>
+                </a:lnTo>
+                <a:close/>
+              </a:path>
+            </a:pathLst>
+          </a:custGeom>
+          <a:solidFill>
+            <a:schemeClr val="accent1">
+              <a:lumMod val="75000"/>
+            </a:schemeClr>
+          </a:solidFill>
+          <a:ln>
+            <a:noFill/>
+          </a:ln>
+        </p:spPr>
+        <p:txBody>
+          <a:bodyPr vert="horz" wrap="square" lIns="91440" tIns="45720" rIns="91440" bIns="45720" numCol="1" anchor="t" anchorCtr="0" compatLnSpc="1">
+            <a:prstTxWarp prst="textNoShape">
+              <a:avLst/>
+            </a:prstTxWarp>
+          </a:bodyPr>
+          <a:lstStyle/>
+          <a:p>
+            <a:endParaRPr lang="en-US"/>
+          </a:p>
+        </p:txBody>
+      </p:sp>
+      <p:sp>
+        <p:nvSpPr>
+          <p:cNvPr id="14" name="Freeform 47">
+            <a:extLst>
+              <a:ext uri="{FF2B5EF4-FFF2-40B4-BE49-F238E27FC236}">
+                <a16:creationId xmlns:a16="http://schemas.microsoft.com/office/drawing/2014/main" id="{472E3A19-F5D5-48FC-BB9C-48C2F68F598B}"/>
+              </a:ext>
+              <a:ext uri="{C183D7F6-B498-43B3-948B-1728B52AA6E4}">
+                <adec:decorative xmlns:adec="http://schemas.microsoft.com/office/drawing/2017/decorative" val="1"/>
+              </a:ext>
+            </a:extLst>
+          </p:cNvPr>
+          <p:cNvSpPr>
+            <a:spLocks noGrp="1" noRot="1" noChangeAspect="1" noMove="1" noResize="1" noEditPoints="1" noAdjustHandles="1" noChangeArrowheads="1" noChangeShapeType="1" noTextEdit="1"/>
+          </p:cNvSpPr>
+          <p:nvPr>
+            <p:extLst>
+              <p:ext uri="{386F3935-93C4-4BCD-93E2-E3B085C9AB24}">
+                <p16:designElem xmlns:p16="http://schemas.microsoft.com/office/powerpoint/2015/main" val="1"/>
+              </p:ext>
+            </p:extLst>
+          </p:nvPr>
+        </p:nvSpPr>
+        <p:spPr bwMode="auto">
+          <a:xfrm>
+            <a:off x="644660" y="640894"/>
+            <a:ext cx="168275" cy="1713195"/>
+          </a:xfrm>
+          <a:custGeom>
+            <a:avLst/>
+            <a:gdLst>
+              <a:gd name="T0" fmla="*/ 106 w 106"/>
+              <a:gd name="T1" fmla="*/ 1114 h 1114"/>
+              <a:gd name="T2" fmla="*/ 0 w 106"/>
+              <a:gd name="T3" fmla="*/ 1005 h 1114"/>
+              <a:gd name="T4" fmla="*/ 0 w 106"/>
+              <a:gd name="T5" fmla="*/ 0 h 1114"/>
+              <a:gd name="T6" fmla="*/ 106 w 106"/>
+              <a:gd name="T7" fmla="*/ 110 h 1114"/>
+              <a:gd name="T8" fmla="*/ 106 w 106"/>
+              <a:gd name="T9" fmla="*/ 1114 h 1114"/>
+            </a:gdLst>
+            <a:ahLst/>
+            <a:cxnLst>
+              <a:cxn ang="0">
+                <a:pos x="T0" y="T1"/>
+              </a:cxn>
+              <a:cxn ang="0">
+                <a:pos x="T2" y="T3"/>
+              </a:cxn>
+              <a:cxn ang="0">
+                <a:pos x="T4" y="T5"/>
+              </a:cxn>
+              <a:cxn ang="0">
+                <a:pos x="T6" y="T7"/>
+              </a:cxn>
+              <a:cxn ang="0">
+                <a:pos x="T8" y="T9"/>
+              </a:cxn>
+            </a:cxnLst>
+            <a:rect l="0" t="0" r="r" b="b"/>
+            <a:pathLst>
+              <a:path w="106" h="1114">
+                <a:moveTo>
+                  <a:pt x="106" y="1114"/>
+                </a:moveTo>
+                <a:lnTo>
+                  <a:pt x="0" y="1005"/>
+                </a:lnTo>
+                <a:lnTo>
+                  <a:pt x="0" y="0"/>
+                </a:lnTo>
+                <a:lnTo>
+                  <a:pt x="106" y="110"/>
+                </a:lnTo>
+                <a:lnTo>
+                  <a:pt x="106" y="1114"/>
+                </a:lnTo>
+                <a:close/>
+              </a:path>
+            </a:pathLst>
+          </a:custGeom>
+          <a:solidFill>
+            <a:schemeClr val="accent1">
+              <a:lumMod val="50000"/>
+            </a:schemeClr>
+          </a:solidFill>
+          <a:ln>
+            <a:noFill/>
+          </a:ln>
+        </p:spPr>
+        <p:txBody>
+          <a:bodyPr vert="horz" wrap="square" lIns="91440" tIns="45720" rIns="91440" bIns="45720" numCol="1" anchor="t" anchorCtr="0" compatLnSpc="1">
+            <a:prstTxWarp prst="textNoShape">
+              <a:avLst/>
+            </a:prstTxWarp>
+          </a:bodyPr>
+          <a:lstStyle/>
+          <a:p>
+            <a:endParaRPr lang="en-US"/>
+          </a:p>
+        </p:txBody>
+      </p:sp>
+      <p:sp>
+        <p:nvSpPr>
+          <p:cNvPr id="16" name="Freeform 44">
+            <a:extLst>
+              <a:ext uri="{FF2B5EF4-FFF2-40B4-BE49-F238E27FC236}">
+                <a16:creationId xmlns:a16="http://schemas.microsoft.com/office/drawing/2014/main" id="{7A62E32F-BB65-43A8-8EB5-92346890E549}"/>
+              </a:ext>
+              <a:ext uri="{C183D7F6-B498-43B3-948B-1728B52AA6E4}">
+                <adec:decorative xmlns:adec="http://schemas.microsoft.com/office/drawing/2017/decorative" val="1"/>
+              </a:ext>
+            </a:extLst>
+          </p:cNvPr>
+          <p:cNvSpPr>
+            <a:spLocks noGrp="1" noRot="1" noChangeAspect="1" noMove="1" noResize="1" noEditPoints="1" noAdjustHandles="1" noChangeArrowheads="1" noChangeShapeType="1" noTextEdit="1"/>
+          </p:cNvSpPr>
+          <p:nvPr>
+            <p:extLst>
+              <p:ext uri="{386F3935-93C4-4BCD-93E2-E3B085C9AB24}">
+                <p16:designElem xmlns:p16="http://schemas.microsoft.com/office/powerpoint/2015/main" val="1"/>
+              </p:ext>
+            </p:extLst>
+          </p:nvPr>
+        </p:nvSpPr>
+        <p:spPr bwMode="auto">
+          <a:xfrm>
+            <a:off x="11223203" y="635716"/>
+            <a:ext cx="328612" cy="1742360"/>
+          </a:xfrm>
+          <a:custGeom>
+            <a:avLst/>
+            <a:gdLst>
+              <a:gd name="T0" fmla="*/ 207 w 207"/>
+              <a:gd name="T1" fmla="*/ 987 h 1114"/>
+              <a:gd name="T2" fmla="*/ 0 w 207"/>
+              <a:gd name="T3" fmla="*/ 1114 h 1114"/>
+              <a:gd name="T4" fmla="*/ 0 w 207"/>
+              <a:gd name="T5" fmla="*/ 127 h 1114"/>
+              <a:gd name="T6" fmla="*/ 207 w 207"/>
+              <a:gd name="T7" fmla="*/ 0 h 1114"/>
+              <a:gd name="T8" fmla="*/ 207 w 207"/>
+              <a:gd name="T9" fmla="*/ 987 h 1114"/>
+            </a:gdLst>
+            <a:ahLst/>
+            <a:cxnLst>
+              <a:cxn ang="0">
+                <a:pos x="T0" y="T1"/>
+              </a:cxn>
+              <a:cxn ang="0">
+                <a:pos x="T2" y="T3"/>
+              </a:cxn>
+              <a:cxn ang="0">
+                <a:pos x="T4" y="T5"/>
+              </a:cxn>
+              <a:cxn ang="0">
+                <a:pos x="T6" y="T7"/>
+              </a:cxn>
+              <a:cxn ang="0">
+                <a:pos x="T8" y="T9"/>
+              </a:cxn>
+            </a:cxnLst>
+            <a:rect l="0" t="0" r="r" b="b"/>
+            <a:pathLst>
+              <a:path w="207" h="1114">
+                <a:moveTo>
+                  <a:pt x="207" y="987"/>
+                </a:moveTo>
+                <a:lnTo>
+                  <a:pt x="0" y="1114"/>
+                </a:lnTo>
+                <a:lnTo>
+                  <a:pt x="0" y="127"/>
+                </a:lnTo>
+                <a:lnTo>
+                  <a:pt x="207" y="0"/>
+                </a:lnTo>
+                <a:lnTo>
+                  <a:pt x="207" y="987"/>
+                </a:lnTo>
+                <a:close/>
+              </a:path>
+            </a:pathLst>
+          </a:custGeom>
+          <a:solidFill>
+            <a:schemeClr val="accent1">
+              <a:lumMod val="50000"/>
+            </a:schemeClr>
+          </a:solidFill>
+          <a:ln>
+            <a:noFill/>
+          </a:ln>
+        </p:spPr>
+        <p:txBody>
+          <a:bodyPr vert="horz" wrap="square" lIns="91440" tIns="45720" rIns="91440" bIns="45720" numCol="1" anchor="t" anchorCtr="0" compatLnSpc="1">
+            <a:prstTxWarp prst="textNoShape">
+              <a:avLst/>
+            </a:prstTxWarp>
+          </a:bodyPr>
+          <a:lstStyle/>
+          <a:p>
+            <a:endParaRPr lang="en-US"/>
+          </a:p>
+        </p:txBody>
+      </p:sp>
+      <p:sp>
+        <p:nvSpPr>
+          <p:cNvPr id="18" name="Rectangle 17">
+            <a:extLst>
+              <a:ext uri="{FF2B5EF4-FFF2-40B4-BE49-F238E27FC236}">
+                <a16:creationId xmlns:a16="http://schemas.microsoft.com/office/drawing/2014/main" id="{14E91B64-9FCC-451E-AFB4-A827D6329367}"/>
+              </a:ext>
+              <a:ext uri="{C183D7F6-B498-43B3-948B-1728B52AA6E4}">
+                <adec:decorative xmlns:adec="http://schemas.microsoft.com/office/drawing/2017/decorative" val="1"/>
+              </a:ext>
+            </a:extLst>
+          </p:cNvPr>
+          <p:cNvSpPr>
+            <a:spLocks noGrp="1" noRot="1" noChangeAspect="1" noMove="1" noResize="1" noEditPoints="1" noAdjustHandles="1" noChangeArrowheads="1" noChangeShapeType="1" noTextEdit="1"/>
+          </p:cNvSpPr>
+          <p:nvPr>
+            <p:extLst>
+              <p:ext uri="{386F3935-93C4-4BCD-93E2-E3B085C9AB24}">
+                <p16:designElem xmlns:p16="http://schemas.microsoft.com/office/powerpoint/2015/main" val="1"/>
+              </p:ext>
+            </p:extLst>
+          </p:nvPr>
+        </p:nvSpPr>
+        <p:spPr bwMode="auto">
+          <a:xfrm>
+            <a:off x="644055" y="635715"/>
+            <a:ext cx="10907863" cy="1541457"/>
+          </a:xfrm>
+          <a:prstGeom prst="rect">
+            <a:avLst/>
+          </a:prstGeom>
+          <a:solidFill>
+            <a:schemeClr val="accent1"/>
+          </a:solidFill>
+          <a:ln>
+            <a:noFill/>
+          </a:ln>
+        </p:spPr>
+        <p:txBody>
+          <a:bodyPr vert="horz" wrap="square" lIns="91440" tIns="45720" rIns="91440" bIns="45720" numCol="1" anchor="t" anchorCtr="0" compatLnSpc="1">
+            <a:prstTxWarp prst="textNoShape">
+              <a:avLst/>
+            </a:prstTxWarp>
+          </a:bodyPr>
+          <a:lstStyle/>
+          <a:p>
+            <a:endParaRPr lang="en-US"/>
+          </a:p>
+        </p:txBody>
+      </p:sp>
+      <p:sp>
+        <p:nvSpPr>
+          <p:cNvPr id="2" name="Titre 1">
+            <a:extLst>
+              <a:ext uri="{FF2B5EF4-FFF2-40B4-BE49-F238E27FC236}">
+                <a16:creationId xmlns:a16="http://schemas.microsoft.com/office/drawing/2014/main" id="{787733BC-219D-49C7-B5B4-F7CD9774C6A4}"/>
+              </a:ext>
+            </a:extLst>
+          </p:cNvPr>
+          <p:cNvSpPr>
+            <a:spLocks noGrp="1"/>
+          </p:cNvSpPr>
+          <p:nvPr>
+            <p:ph type="title"/>
+          </p:nvPr>
+        </p:nvSpPr>
+        <p:spPr>
+          <a:xfrm>
+            <a:off x="958506" y="800392"/>
+            <a:ext cx="10264697" cy="1212102"/>
+          </a:xfrm>
+        </p:spPr>
+        <p:txBody>
+          <a:bodyPr>
+            <a:normAutofit/>
+          </a:bodyPr>
+          <a:lstStyle/>
+          <a:p>
+            <a:r>
+              <a:rPr lang="fr-FR" sz="4000" dirty="0">
+                <a:solidFill>
+                  <a:srgbClr val="FFFFFF"/>
+                </a:solidFill>
+              </a:rPr>
+              <a:t>CSS</a:t>
+            </a:r>
+          </a:p>
+        </p:txBody>
+      </p:sp>
+      <p:sp>
+        <p:nvSpPr>
+          <p:cNvPr id="9" name="Espace réservé du numéro de diapositive 8">
+            <a:extLst>
+              <a:ext uri="{FF2B5EF4-FFF2-40B4-BE49-F238E27FC236}">
+                <a16:creationId xmlns:a16="http://schemas.microsoft.com/office/drawing/2014/main" id="{F3EDF272-70D0-418F-B1E4-090F125EAE69}"/>
+              </a:ext>
+            </a:extLst>
+          </p:cNvPr>
+          <p:cNvSpPr>
+            <a:spLocks noGrp="1"/>
+          </p:cNvSpPr>
+          <p:nvPr>
+            <p:ph type="sldNum" sz="quarter" idx="12"/>
+          </p:nvPr>
+        </p:nvSpPr>
+        <p:spPr/>
+        <p:txBody>
+          <a:bodyPr/>
+          <a:lstStyle/>
+          <a:p>
+            <a:fld id="{F8323CC4-5E62-4ADB-BC7C-89B23C89378E}" type="slidenum">
+              <a:rPr lang="fr-FR" smtClean="0"/>
+              <a:t>23</a:t>
+            </a:fld>
+            <a:endParaRPr lang="fr-FR"/>
+          </a:p>
+        </p:txBody>
+      </p:sp>
+      <p:pic>
+        <p:nvPicPr>
+          <p:cNvPr id="21" name="Image 20">
+            <a:extLst>
+              <a:ext uri="{FF2B5EF4-FFF2-40B4-BE49-F238E27FC236}">
+                <a16:creationId xmlns:a16="http://schemas.microsoft.com/office/drawing/2014/main" id="{8CEC669A-BF11-492F-8D9B-8C642E5E0AEB}"/>
+              </a:ext>
+            </a:extLst>
+          </p:cNvPr>
+          <p:cNvPicPr>
+            <a:picLocks noChangeAspect="1"/>
+          </p:cNvPicPr>
+          <p:nvPr/>
+        </p:nvPicPr>
+        <p:blipFill>
+          <a:blip r:embed="rId2"/>
+          <a:stretch>
+            <a:fillRect/>
+          </a:stretch>
+        </p:blipFill>
+        <p:spPr>
+          <a:xfrm>
+            <a:off x="5568217" y="3365651"/>
+            <a:ext cx="5202525" cy="688454"/>
+          </a:xfrm>
+          <a:prstGeom prst="rect">
+            <a:avLst/>
+          </a:prstGeom>
+        </p:spPr>
+      </p:pic>
+      <p:pic>
+        <p:nvPicPr>
+          <p:cNvPr id="23" name="Image 22">
+            <a:extLst>
+              <a:ext uri="{FF2B5EF4-FFF2-40B4-BE49-F238E27FC236}">
+                <a16:creationId xmlns:a16="http://schemas.microsoft.com/office/drawing/2014/main" id="{50C13BC9-0314-44AB-98D6-4BDC993F1188}"/>
+              </a:ext>
+            </a:extLst>
+          </p:cNvPr>
+          <p:cNvPicPr>
+            <a:picLocks noChangeAspect="1"/>
+          </p:cNvPicPr>
+          <p:nvPr/>
+        </p:nvPicPr>
+        <p:blipFill>
+          <a:blip r:embed="rId3"/>
+          <a:stretch>
+            <a:fillRect/>
+          </a:stretch>
+        </p:blipFill>
+        <p:spPr>
+          <a:xfrm>
+            <a:off x="1421258" y="2861300"/>
+            <a:ext cx="3629532" cy="1819529"/>
+          </a:xfrm>
+          <a:prstGeom prst="rect">
+            <a:avLst/>
+          </a:prstGeom>
+        </p:spPr>
+      </p:pic>
+      <p:pic>
+        <p:nvPicPr>
+          <p:cNvPr id="31" name="Image 30">
+            <a:extLst>
+              <a:ext uri="{FF2B5EF4-FFF2-40B4-BE49-F238E27FC236}">
+                <a16:creationId xmlns:a16="http://schemas.microsoft.com/office/drawing/2014/main" id="{1C7C9B1E-D2A0-4210-A1AD-75FDC0835E1D}"/>
+              </a:ext>
+            </a:extLst>
+          </p:cNvPr>
+          <p:cNvPicPr>
+            <a:picLocks noChangeAspect="1"/>
+          </p:cNvPicPr>
+          <p:nvPr/>
+        </p:nvPicPr>
+        <p:blipFill>
+          <a:blip r:embed="rId4"/>
+          <a:stretch>
+            <a:fillRect/>
+          </a:stretch>
+        </p:blipFill>
+        <p:spPr>
+          <a:xfrm>
+            <a:off x="3800815" y="5324080"/>
+            <a:ext cx="3896269" cy="1467055"/>
+          </a:xfrm>
+          <a:prstGeom prst="rect">
+            <a:avLst/>
+          </a:prstGeom>
+        </p:spPr>
+      </p:pic>
+      <p:sp>
+        <p:nvSpPr>
+          <p:cNvPr id="32" name="Rectangle 31">
+            <a:extLst>
+              <a:ext uri="{FF2B5EF4-FFF2-40B4-BE49-F238E27FC236}">
+                <a16:creationId xmlns:a16="http://schemas.microsoft.com/office/drawing/2014/main" id="{852BC564-0775-47C9-8CB6-66816AA21E8E}"/>
+              </a:ext>
+            </a:extLst>
+          </p:cNvPr>
+          <p:cNvSpPr/>
+          <p:nvPr/>
+        </p:nvSpPr>
+        <p:spPr>
+          <a:xfrm>
+            <a:off x="5748950" y="3365651"/>
+            <a:ext cx="1231272" cy="226593"/>
+          </a:xfrm>
+          <a:prstGeom prst="rect">
+            <a:avLst/>
+          </a:prstGeom>
+          <a:noFill/>
+          <a:ln>
+            <a:solidFill>
+              <a:srgbClr val="FF0000"/>
+            </a:solidFill>
+          </a:ln>
+        </p:spPr>
+        <p:style>
+          <a:lnRef idx="2">
+            <a:schemeClr val="accent1">
+              <a:shade val="50000"/>
+            </a:schemeClr>
+          </a:lnRef>
+          <a:fillRef idx="1">
+            <a:schemeClr val="accent1"/>
+          </a:fillRef>
+          <a:effectRef idx="0">
+            <a:schemeClr val="accent1"/>
+          </a:effectRef>
+          <a:fontRef idx="minor">
+            <a:schemeClr val="lt1"/>
+          </a:fontRef>
+        </p:style>
+        <p:txBody>
+          <a:bodyPr rtlCol="0" anchor="ctr"/>
+          <a:lstStyle/>
+          <a:p>
+            <a:pPr algn="ctr"/>
+            <a:endParaRPr lang="fr-FR"/>
+          </a:p>
+        </p:txBody>
+      </p:sp>
+      <p:sp>
+        <p:nvSpPr>
+          <p:cNvPr id="33" name="Rectangle 32">
+            <a:extLst>
+              <a:ext uri="{FF2B5EF4-FFF2-40B4-BE49-F238E27FC236}">
+                <a16:creationId xmlns:a16="http://schemas.microsoft.com/office/drawing/2014/main" id="{D3AA3FBE-B1AA-4904-A3AF-8F74B235A7CA}"/>
+              </a:ext>
+            </a:extLst>
+          </p:cNvPr>
+          <p:cNvSpPr/>
+          <p:nvPr/>
+        </p:nvSpPr>
+        <p:spPr>
+          <a:xfrm>
+            <a:off x="8321879" y="3771064"/>
+            <a:ext cx="654341" cy="251116"/>
+          </a:xfrm>
+          <a:prstGeom prst="rect">
+            <a:avLst/>
+          </a:prstGeom>
+          <a:noFill/>
+          <a:ln>
+            <a:solidFill>
+              <a:srgbClr val="FF0000"/>
+            </a:solidFill>
+          </a:ln>
+        </p:spPr>
+        <p:style>
+          <a:lnRef idx="2">
+            <a:schemeClr val="accent1">
+              <a:shade val="50000"/>
+            </a:schemeClr>
+          </a:lnRef>
+          <a:fillRef idx="1">
+            <a:schemeClr val="accent1"/>
+          </a:fillRef>
+          <a:effectRef idx="0">
+            <a:schemeClr val="accent1"/>
+          </a:effectRef>
+          <a:fontRef idx="minor">
+            <a:schemeClr val="lt1"/>
+          </a:fontRef>
+        </p:style>
+        <p:txBody>
+          <a:bodyPr rtlCol="0" anchor="ctr"/>
+          <a:lstStyle/>
+          <a:p>
+            <a:pPr algn="ctr"/>
+            <a:endParaRPr lang="fr-FR"/>
+          </a:p>
+        </p:txBody>
+      </p:sp>
+      <p:sp>
+        <p:nvSpPr>
+          <p:cNvPr id="34" name="ZoneTexte 33">
+            <a:extLst>
+              <a:ext uri="{FF2B5EF4-FFF2-40B4-BE49-F238E27FC236}">
+                <a16:creationId xmlns:a16="http://schemas.microsoft.com/office/drawing/2014/main" id="{D4FB9192-878B-450C-972F-C55F72F87901}"/>
+              </a:ext>
+            </a:extLst>
+          </p:cNvPr>
+          <p:cNvSpPr txBox="1"/>
+          <p:nvPr/>
+        </p:nvSpPr>
+        <p:spPr>
+          <a:xfrm>
+            <a:off x="1421258" y="2265028"/>
+            <a:ext cx="5365436" cy="461665"/>
+          </a:xfrm>
+          <a:prstGeom prst="rect">
+            <a:avLst/>
+          </a:prstGeom>
+          <a:noFill/>
+        </p:spPr>
+        <p:txBody>
+          <a:bodyPr wrap="square" rtlCol="0">
+            <a:spAutoFit/>
+          </a:bodyPr>
+          <a:lstStyle/>
+          <a:p>
+            <a:pPr marL="285750" indent="-285750">
+              <a:buFont typeface="Arial" panose="020B0604020202020204" pitchFamily="34" charset="0"/>
+              <a:buChar char="•"/>
+            </a:pPr>
+            <a:r>
+              <a:rPr lang="fr-FR" sz="2400" dirty="0"/>
+              <a:t>Utilisation de classes et </a:t>
+            </a:r>
+            <a:r>
+              <a:rPr lang="fr-FR" sz="2400" dirty="0" err="1"/>
+              <a:t>d’id</a:t>
+            </a:r>
+            <a:endParaRPr lang="fr-FR" sz="2400" dirty="0"/>
+          </a:p>
+        </p:txBody>
+      </p:sp>
+      <p:cxnSp>
+        <p:nvCxnSpPr>
+          <p:cNvPr id="36" name="Connecteur droit avec flèche 35">
+            <a:extLst>
+              <a:ext uri="{FF2B5EF4-FFF2-40B4-BE49-F238E27FC236}">
+                <a16:creationId xmlns:a16="http://schemas.microsoft.com/office/drawing/2014/main" id="{130A4C7B-5C03-4BE2-B023-4FC500AC7228}"/>
+              </a:ext>
+            </a:extLst>
+          </p:cNvPr>
+          <p:cNvCxnSpPr/>
+          <p:nvPr/>
+        </p:nvCxnSpPr>
+        <p:spPr>
+          <a:xfrm>
+            <a:off x="2667699" y="2986481"/>
+            <a:ext cx="3081251" cy="379170"/>
+          </a:xfrm>
+          <a:prstGeom prst="straightConnector1">
+            <a:avLst/>
+          </a:prstGeom>
+          <a:ln>
+            <a:solidFill>
+              <a:srgbClr val="FF0000"/>
+            </a:solidFill>
+            <a:tailEnd type="triangle"/>
+          </a:ln>
+        </p:spPr>
+        <p:style>
+          <a:lnRef idx="1">
+            <a:schemeClr val="accent1"/>
+          </a:lnRef>
+          <a:fillRef idx="0">
+            <a:schemeClr val="accent1"/>
+          </a:fillRef>
+          <a:effectRef idx="0">
+            <a:schemeClr val="accent1"/>
+          </a:effectRef>
+          <a:fontRef idx="minor">
+            <a:schemeClr val="tx1"/>
+          </a:fontRef>
+        </p:style>
+      </p:cxnSp>
+      <p:cxnSp>
+        <p:nvCxnSpPr>
+          <p:cNvPr id="38" name="Connecteur droit 37">
+            <a:extLst>
+              <a:ext uri="{FF2B5EF4-FFF2-40B4-BE49-F238E27FC236}">
+                <a16:creationId xmlns:a16="http://schemas.microsoft.com/office/drawing/2014/main" id="{B5FF939F-C3C5-4602-9D1D-79A5A25CEC17}"/>
+              </a:ext>
+            </a:extLst>
+          </p:cNvPr>
+          <p:cNvCxnSpPr>
+            <a:cxnSpLocks/>
+          </p:cNvCxnSpPr>
+          <p:nvPr/>
+        </p:nvCxnSpPr>
+        <p:spPr>
+          <a:xfrm>
+            <a:off x="2013358" y="3917659"/>
+            <a:ext cx="6597242" cy="429936"/>
+          </a:xfrm>
+          <a:prstGeom prst="line">
+            <a:avLst/>
+          </a:prstGeom>
+          <a:ln>
+            <a:solidFill>
+              <a:srgbClr val="FF0000"/>
+            </a:solidFill>
+          </a:ln>
+        </p:spPr>
+        <p:style>
+          <a:lnRef idx="1">
+            <a:schemeClr val="accent1"/>
+          </a:lnRef>
+          <a:fillRef idx="0">
+            <a:schemeClr val="accent1"/>
+          </a:fillRef>
+          <a:effectRef idx="0">
+            <a:schemeClr val="accent1"/>
+          </a:effectRef>
+          <a:fontRef idx="minor">
+            <a:schemeClr val="tx1"/>
+          </a:fontRef>
+        </p:style>
+      </p:cxnSp>
+      <p:cxnSp>
+        <p:nvCxnSpPr>
+          <p:cNvPr id="40" name="Connecteur droit avec flèche 39">
+            <a:extLst>
+              <a:ext uri="{FF2B5EF4-FFF2-40B4-BE49-F238E27FC236}">
+                <a16:creationId xmlns:a16="http://schemas.microsoft.com/office/drawing/2014/main" id="{012D1319-1421-4481-ACD6-6A25F32C320F}"/>
+              </a:ext>
+            </a:extLst>
+          </p:cNvPr>
+          <p:cNvCxnSpPr>
+            <a:cxnSpLocks/>
+          </p:cNvCxnSpPr>
+          <p:nvPr/>
+        </p:nvCxnSpPr>
+        <p:spPr>
+          <a:xfrm flipV="1">
+            <a:off x="8610600" y="4022181"/>
+            <a:ext cx="0" cy="325414"/>
+          </a:xfrm>
+          <a:prstGeom prst="straightConnector1">
+            <a:avLst/>
+          </a:prstGeom>
+          <a:ln>
+            <a:solidFill>
+              <a:srgbClr val="FF0000"/>
+            </a:solidFill>
+            <a:tailEnd type="triangle"/>
+          </a:ln>
+        </p:spPr>
+        <p:style>
+          <a:lnRef idx="1">
+            <a:schemeClr val="accent1"/>
+          </a:lnRef>
+          <a:fillRef idx="0">
+            <a:schemeClr val="accent1"/>
+          </a:fillRef>
+          <a:effectRef idx="0">
+            <a:schemeClr val="accent1"/>
+          </a:effectRef>
+          <a:fontRef idx="minor">
+            <a:schemeClr val="tx1"/>
+          </a:fontRef>
+        </p:style>
+      </p:cxnSp>
+    </p:spTree>
+    <p:extLst>
+      <p:ext uri="{BB962C8B-B14F-4D97-AF65-F5344CB8AC3E}">
+        <p14:creationId xmlns:p14="http://schemas.microsoft.com/office/powerpoint/2010/main" val="3567119921"/>
+      </p:ext>
+    </p:extLst>
+  </p:cSld>
+  <p:clrMapOvr>
+    <a:masterClrMapping/>
+  </p:clrMapOvr>
+</p:sld>
+</file>
+
+<file path=ppt/slides/slide24.xml><?xml version="1.0" encoding="utf-8"?>
+<p:sld xmlns:a="http://schemas.openxmlformats.org/drawingml/2006/main" xmlns:r="http://schemas.openxmlformats.org/officeDocument/2006/relationships" xmlns:p="http://schemas.openxmlformats.org/presentationml/2006/main">
+  <p:cSld>
+    <p:bg>
+      <p:bgPr>
+        <a:solidFill>
+          <a:schemeClr val="bg1"/>
+        </a:solidFill>
+        <a:effectLst/>
+      </p:bgPr>
+    </p:bg>
+    <p:spTree>
+      <p:nvGrpSpPr>
+        <p:cNvPr id="1" name=""/>
+        <p:cNvGrpSpPr/>
+        <p:nvPr/>
+      </p:nvGrpSpPr>
+      <p:grpSpPr>
+        <a:xfrm>
+          <a:off x="0" y="0"/>
+          <a:ext cx="0" cy="0"/>
+          <a:chOff x="0" y="0"/>
+          <a:chExt cx="0" cy="0"/>
+        </a:xfrm>
+      </p:grpSpPr>
+      <p:sp>
+        <p:nvSpPr>
+          <p:cNvPr id="9" name="Rectangle 8">
+            <a:extLst>
+              <a:ext uri="{FF2B5EF4-FFF2-40B4-BE49-F238E27FC236}">
+                <a16:creationId xmlns:a16="http://schemas.microsoft.com/office/drawing/2014/main" id="{23962611-DFD5-4092-AAFD-559E3DFCE2C9}"/>
+              </a:ext>
+              <a:ext uri="{C183D7F6-B498-43B3-948B-1728B52AA6E4}">
+                <adec:decorative xmlns:adec="http://schemas.microsoft.com/office/drawing/2017/decorative" val="1"/>
+              </a:ext>
+            </a:extLst>
+          </p:cNvPr>
+          <p:cNvSpPr>
+            <a:spLocks noGrp="1" noRot="1" noChangeAspect="1" noMove="1" noResize="1" noEditPoints="1" noAdjustHandles="1" noChangeArrowheads="1" noChangeShapeType="1" noTextEdit="1"/>
+          </p:cNvSpPr>
+          <p:nvPr>
+            <p:extLst>
+              <p:ext uri="{386F3935-93C4-4BCD-93E2-E3B085C9AB24}">
+                <p16:designElem xmlns:p16="http://schemas.microsoft.com/office/powerpoint/2015/main" val="1"/>
+              </p:ext>
+            </p:extLst>
+          </p:nvPr>
+        </p:nvSpPr>
+        <p:spPr>
+          <a:xfrm>
+            <a:off x="475488" y="0"/>
+            <a:ext cx="10910292" cy="6858000"/>
+          </a:xfrm>
+          <a:prstGeom prst="rect">
+            <a:avLst/>
+          </a:prstGeom>
+          <a:gradFill>
+            <a:gsLst>
+              <a:gs pos="0">
+                <a:schemeClr val="accent1">
+                  <a:lumMod val="90000"/>
+                </a:schemeClr>
+              </a:gs>
+              <a:gs pos="25000">
+                <a:schemeClr val="accent1">
+                  <a:lumMod val="90000"/>
+                </a:schemeClr>
+              </a:gs>
+              <a:gs pos="94000">
+                <a:schemeClr val="bg2">
+                  <a:lumMod val="25000"/>
+                </a:schemeClr>
+              </a:gs>
+              <a:gs pos="100000">
+                <a:schemeClr val="bg2">
+                  <a:lumMod val="25000"/>
+                </a:schemeClr>
+              </a:gs>
+            </a:gsLst>
+            <a:lin ang="4200000" scaled="0"/>
+          </a:gradFill>
+          <a:ln>
+            <a:noFill/>
+          </a:ln>
+        </p:spPr>
+        <p:style>
+          <a:lnRef idx="2">
+            <a:schemeClr val="accent1">
+              <a:shade val="50000"/>
+            </a:schemeClr>
+          </a:lnRef>
+          <a:fillRef idx="1">
+            <a:schemeClr val="accent1"/>
+          </a:fillRef>
+          <a:effectRef idx="0">
+            <a:schemeClr val="accent1"/>
+          </a:effectRef>
+          <a:fontRef idx="minor">
+            <a:schemeClr val="lt1"/>
+          </a:fontRef>
+        </p:style>
+        <p:txBody>
+          <a:bodyPr rtlCol="0" anchor="ctr"/>
+          <a:lstStyle/>
+          <a:p>
+            <a:pPr algn="ctr"/>
+            <a:endParaRPr lang="en-US"/>
+          </a:p>
+        </p:txBody>
+      </p:sp>
+      <p:pic>
+        <p:nvPicPr>
+          <p:cNvPr id="11" name="Picture 10">
+            <a:extLst>
+              <a:ext uri="{FF2B5EF4-FFF2-40B4-BE49-F238E27FC236}">
+                <a16:creationId xmlns:a16="http://schemas.microsoft.com/office/drawing/2014/main" id="{2270F1FA-0425-408F-9861-80BF5AFB276D}"/>
+              </a:ext>
+              <a:ext uri="{C183D7F6-B498-43B3-948B-1728B52AA6E4}">
+                <adec:decorative xmlns:adec="http://schemas.microsoft.com/office/drawing/2017/decorative" val="1"/>
+              </a:ext>
+            </a:extLst>
+          </p:cNvPr>
+          <p:cNvPicPr>
+            <a:picLocks noGrp="1" noRot="1" noChangeAspect="1" noMove="1" noResize="1" noEditPoints="1" noAdjustHandles="1" noChangeArrowheads="1" noChangeShapeType="1" noCrop="1"/>
+          </p:cNvPicPr>
+          <p:nvPr>
+            <p:extLst>
+              <p:ext uri="{386F3935-93C4-4BCD-93E2-E3B085C9AB24}">
+                <p16:designElem xmlns:p16="http://schemas.microsoft.com/office/powerpoint/2015/main" val="1"/>
+              </p:ext>
+            </p:extLst>
+          </p:nvPr>
+        </p:nvPicPr>
+        <p:blipFill>
+          <a:blip r:embed="rId2">
+            <a:extLst>
+              <a:ext uri="{28A0092B-C50C-407E-A947-70E740481C1C}">
+                <a14:useLocalDpi xmlns:a14="http://schemas.microsoft.com/office/drawing/2010/main" val="0"/>
+              </a:ext>
+            </a:extLst>
+          </a:blip>
+          <a:stretch>
+            <a:fillRect/>
+          </a:stretch>
+        </p:blipFill>
+        <p:spPr>
+          <a:xfrm>
+            <a:off x="0" y="0"/>
+            <a:ext cx="12192000" cy="6858000"/>
+          </a:xfrm>
+          <a:prstGeom prst="rect">
+            <a:avLst/>
+          </a:prstGeom>
+        </p:spPr>
+      </p:pic>
+      <p:sp>
+        <p:nvSpPr>
+          <p:cNvPr id="2" name="Titre 1">
+            <a:extLst>
+              <a:ext uri="{FF2B5EF4-FFF2-40B4-BE49-F238E27FC236}">
+                <a16:creationId xmlns:a16="http://schemas.microsoft.com/office/drawing/2014/main" id="{AEF9E91C-9F1A-4BEE-A693-D76078DE9F48}"/>
+              </a:ext>
+            </a:extLst>
+          </p:cNvPr>
+          <p:cNvSpPr>
+            <a:spLocks noGrp="1"/>
+          </p:cNvSpPr>
+          <p:nvPr>
+            <p:ph type="title"/>
+          </p:nvPr>
+        </p:nvSpPr>
+        <p:spPr>
+          <a:xfrm>
+            <a:off x="3045368" y="2043663"/>
+            <a:ext cx="6105194" cy="2031055"/>
+          </a:xfrm>
+        </p:spPr>
+        <p:txBody>
+          <a:bodyPr vert="horz" lIns="91440" tIns="45720" rIns="91440" bIns="45720" rtlCol="0" anchor="b">
+            <a:normAutofit/>
+          </a:bodyPr>
+          <a:lstStyle/>
+          <a:p>
+            <a:pPr algn="ctr"/>
+            <a:r>
+              <a:rPr lang="en-US" sz="6000" kern="1200">
+                <a:solidFill>
+                  <a:srgbClr val="FFFFFF"/>
+                </a:solidFill>
+                <a:latin typeface="+mj-lt"/>
+                <a:ea typeface="+mj-ea"/>
+                <a:cs typeface="+mj-cs"/>
+              </a:rPr>
+              <a:t>Exercice 7 – Mise en forme </a:t>
+            </a:r>
+          </a:p>
+        </p:txBody>
+      </p:sp>
+      <p:sp>
+        <p:nvSpPr>
+          <p:cNvPr id="4" name="Espace réservé du numéro de diapositive 3">
+            <a:extLst>
+              <a:ext uri="{FF2B5EF4-FFF2-40B4-BE49-F238E27FC236}">
+                <a16:creationId xmlns:a16="http://schemas.microsoft.com/office/drawing/2014/main" id="{74F3023A-B7CB-4C5A-A04F-98974204E143}"/>
+              </a:ext>
+            </a:extLst>
+          </p:cNvPr>
+          <p:cNvSpPr>
+            <a:spLocks noGrp="1"/>
+          </p:cNvSpPr>
+          <p:nvPr>
+            <p:ph type="sldNum" sz="quarter" idx="12"/>
+          </p:nvPr>
+        </p:nvSpPr>
+        <p:spPr>
+          <a:xfrm>
+            <a:off x="10825930" y="6223702"/>
+            <a:ext cx="570728" cy="314067"/>
+          </a:xfrm>
+        </p:spPr>
+        <p:txBody>
+          <a:bodyPr vert="horz" lIns="91440" tIns="45720" rIns="91440" bIns="45720" rtlCol="0" anchor="ctr">
+            <a:normAutofit/>
+          </a:bodyPr>
+          <a:lstStyle/>
+          <a:p>
+            <a:pPr>
+              <a:spcAft>
+                <a:spcPts val="600"/>
+              </a:spcAft>
+            </a:pPr>
+            <a:fld id="{F8323CC4-5E62-4ADB-BC7C-89B23C89378E}" type="slidenum">
+              <a:rPr lang="en-US" sz="1000">
+                <a:solidFill>
+                  <a:srgbClr val="898989"/>
+                </a:solidFill>
+              </a:rPr>
+              <a:pPr>
+                <a:spcAft>
+                  <a:spcPts val="600"/>
+                </a:spcAft>
+              </a:pPr>
+              <a:t>24</a:t>
+            </a:fld>
+            <a:endParaRPr lang="en-US" sz="1000">
+              <a:solidFill>
+                <a:srgbClr val="898989"/>
+              </a:solidFill>
+            </a:endParaRPr>
+          </a:p>
+        </p:txBody>
+      </p:sp>
+    </p:spTree>
+    <p:extLst>
+      <p:ext uri="{BB962C8B-B14F-4D97-AF65-F5344CB8AC3E}">
+        <p14:creationId xmlns:p14="http://schemas.microsoft.com/office/powerpoint/2010/main" val="2800563334"/>
+      </p:ext>
+    </p:extLst>
+  </p:cSld>
+  <p:clrMapOvr>
+    <a:masterClrMapping/>
+  </p:clrMapOvr>
+</p:sld>
+</file>
+
+<file path=ppt/slides/slide25.xml><?xml version="1.0" encoding="utf-8"?>
+<p:sld xmlns:a="http://schemas.openxmlformats.org/drawingml/2006/main" xmlns:r="http://schemas.openxmlformats.org/officeDocument/2006/relationships" xmlns:p="http://schemas.openxmlformats.org/presentationml/2006/main">
+  <p:cSld>
+    <p:bg>
+      <p:bgPr>
+        <a:solidFill>
+          <a:schemeClr val="bg1"/>
+        </a:solidFill>
+        <a:effectLst/>
+      </p:bgPr>
+    </p:bg>
+    <p:spTree>
+      <p:nvGrpSpPr>
+        <p:cNvPr id="1" name=""/>
+        <p:cNvGrpSpPr/>
+        <p:nvPr/>
+      </p:nvGrpSpPr>
+      <p:grpSpPr>
+        <a:xfrm>
+          <a:off x="0" y="0"/>
+          <a:ext cx="0" cy="0"/>
+          <a:chOff x="0" y="0"/>
+          <a:chExt cx="0" cy="0"/>
+        </a:xfrm>
+      </p:grpSpPr>
+      <p:sp useBgFill="1">
+        <p:nvSpPr>
+          <p:cNvPr id="8" name="Rectangle 7">
+            <a:extLst>
+              <a:ext uri="{FF2B5EF4-FFF2-40B4-BE49-F238E27FC236}">
+                <a16:creationId xmlns:a16="http://schemas.microsoft.com/office/drawing/2014/main" id="{827B839B-9ADE-406B-8590-F1CAEDED45A1}"/>
+              </a:ext>
+              <a:ext uri="{C183D7F6-B498-43B3-948B-1728B52AA6E4}">
+                <adec:decorative xmlns:adec="http://schemas.microsoft.com/office/drawing/2017/decorative" val="1"/>
+              </a:ext>
+            </a:extLst>
+          </p:cNvPr>
+          <p:cNvSpPr>
+            <a:spLocks noGrp="1" noRot="1" noChangeAspect="1" noMove="1" noResize="1" noEditPoints="1" noAdjustHandles="1" noChangeArrowheads="1" noChangeShapeType="1" noTextEdit="1"/>
+          </p:cNvSpPr>
+          <p:nvPr>
+            <p:extLst>
+              <p:ext uri="{386F3935-93C4-4BCD-93E2-E3B085C9AB24}">
+                <p16:designElem xmlns:p16="http://schemas.microsoft.com/office/powerpoint/2015/main" val="1"/>
+              </p:ext>
+            </p:extLst>
+          </p:nvPr>
+        </p:nvSpPr>
+        <p:spPr>
+          <a:xfrm>
+            <a:off x="0" y="0"/>
+            <a:ext cx="12188952" cy="6858000"/>
+          </a:xfrm>
+          <a:prstGeom prst="rect">
+            <a:avLst/>
+          </a:prstGeom>
+          <a:ln>
+            <a:noFill/>
+          </a:ln>
+        </p:spPr>
+        <p:style>
+          <a:lnRef idx="2">
+            <a:schemeClr val="accent1">
+              <a:shade val="50000"/>
+            </a:schemeClr>
+          </a:lnRef>
+          <a:fillRef idx="1">
+            <a:schemeClr val="accent1"/>
+          </a:fillRef>
+          <a:effectRef idx="0">
+            <a:schemeClr val="accent1"/>
+          </a:effectRef>
+          <a:fontRef idx="minor">
+            <a:schemeClr val="lt1"/>
+          </a:fontRef>
+        </p:style>
+        <p:txBody>
+          <a:bodyPr rtlCol="0" anchor="ctr"/>
+          <a:lstStyle/>
+          <a:p>
+            <a:pPr algn="ctr"/>
+            <a:endParaRPr lang="en-US"/>
+          </a:p>
+        </p:txBody>
+      </p:sp>
+      <p:sp>
+        <p:nvSpPr>
+          <p:cNvPr id="10" name="Freeform 45">
+            <a:extLst>
+              <a:ext uri="{FF2B5EF4-FFF2-40B4-BE49-F238E27FC236}">
+                <a16:creationId xmlns:a16="http://schemas.microsoft.com/office/drawing/2014/main" id="{CFE45BF0-46DB-408C-B5F7-7B11716805D4}"/>
+              </a:ext>
+              <a:ext uri="{C183D7F6-B498-43B3-948B-1728B52AA6E4}">
+                <adec:decorative xmlns:adec="http://schemas.microsoft.com/office/drawing/2017/decorative" val="1"/>
+              </a:ext>
+            </a:extLst>
+          </p:cNvPr>
+          <p:cNvSpPr>
+            <a:spLocks noGrp="1" noRot="1" noChangeAspect="1" noMove="1" noResize="1" noEditPoints="1" noAdjustHandles="1" noChangeArrowheads="1" noChangeShapeType="1" noTextEdit="1"/>
+          </p:cNvSpPr>
+          <p:nvPr>
+            <p:extLst>
+              <p:ext uri="{386F3935-93C4-4BCD-93E2-E3B085C9AB24}">
+                <p16:designElem xmlns:p16="http://schemas.microsoft.com/office/powerpoint/2015/main" val="1"/>
+              </p:ext>
+            </p:extLst>
+          </p:nvPr>
+        </p:nvSpPr>
+        <p:spPr bwMode="auto">
+          <a:xfrm>
+            <a:off x="409710" y="1022350"/>
+            <a:ext cx="709612" cy="2095501"/>
+          </a:xfrm>
+          <a:custGeom>
+            <a:avLst/>
+            <a:gdLst>
+              <a:gd name="T0" fmla="*/ 447 w 447"/>
+              <a:gd name="T1" fmla="*/ 1363 h 1363"/>
+              <a:gd name="T2" fmla="*/ 0 w 447"/>
+              <a:gd name="T3" fmla="*/ 987 h 1363"/>
+              <a:gd name="T4" fmla="*/ 0 w 447"/>
+              <a:gd name="T5" fmla="*/ 0 h 1363"/>
+              <a:gd name="T6" fmla="*/ 447 w 447"/>
+              <a:gd name="T7" fmla="*/ 376 h 1363"/>
+              <a:gd name="T8" fmla="*/ 447 w 447"/>
+              <a:gd name="T9" fmla="*/ 1363 h 1363"/>
+            </a:gdLst>
+            <a:ahLst/>
+            <a:cxnLst>
+              <a:cxn ang="0">
+                <a:pos x="T0" y="T1"/>
+              </a:cxn>
+              <a:cxn ang="0">
+                <a:pos x="T2" y="T3"/>
+              </a:cxn>
+              <a:cxn ang="0">
+                <a:pos x="T4" y="T5"/>
+              </a:cxn>
+              <a:cxn ang="0">
+                <a:pos x="T6" y="T7"/>
+              </a:cxn>
+              <a:cxn ang="0">
+                <a:pos x="T8" y="T9"/>
+              </a:cxn>
+            </a:cxnLst>
+            <a:rect l="0" t="0" r="r" b="b"/>
+            <a:pathLst>
+              <a:path w="447" h="1363">
+                <a:moveTo>
+                  <a:pt x="447" y="1363"/>
+                </a:moveTo>
+                <a:lnTo>
+                  <a:pt x="0" y="987"/>
+                </a:lnTo>
+                <a:lnTo>
+                  <a:pt x="0" y="0"/>
+                </a:lnTo>
+                <a:lnTo>
+                  <a:pt x="447" y="376"/>
+                </a:lnTo>
+                <a:lnTo>
+                  <a:pt x="447" y="1363"/>
+                </a:lnTo>
+                <a:close/>
+              </a:path>
+            </a:pathLst>
+          </a:custGeom>
+          <a:solidFill>
+            <a:schemeClr val="accent1">
+              <a:lumMod val="50000"/>
+            </a:schemeClr>
+          </a:solidFill>
+          <a:ln>
+            <a:noFill/>
+          </a:ln>
+        </p:spPr>
+        <p:txBody>
+          <a:bodyPr vert="horz" wrap="square" lIns="91440" tIns="45720" rIns="91440" bIns="45720" numCol="1" anchor="t" anchorCtr="0" compatLnSpc="1">
+            <a:prstTxWarp prst="textNoShape">
+              <a:avLst/>
+            </a:prstTxWarp>
+          </a:bodyPr>
+          <a:lstStyle/>
+          <a:p>
+            <a:endParaRPr lang="en-US"/>
+          </a:p>
+        </p:txBody>
+      </p:sp>
+      <p:sp>
+        <p:nvSpPr>
+          <p:cNvPr id="12" name="Freeform 46">
+            <a:extLst>
+              <a:ext uri="{FF2B5EF4-FFF2-40B4-BE49-F238E27FC236}">
+                <a16:creationId xmlns:a16="http://schemas.microsoft.com/office/drawing/2014/main" id="{2AEBC8F2-97B1-41B4-93F1-2D289E197FBA}"/>
+              </a:ext>
+              <a:ext uri="{C183D7F6-B498-43B3-948B-1728B52AA6E4}">
+                <adec:decorative xmlns:adec="http://schemas.microsoft.com/office/drawing/2017/decorative" val="1"/>
+              </a:ext>
+            </a:extLst>
+          </p:cNvPr>
+          <p:cNvSpPr>
+            <a:spLocks noGrp="1" noRot="1" noChangeAspect="1" noMove="1" noResize="1" noEditPoints="1" noAdjustHandles="1" noChangeArrowheads="1" noChangeShapeType="1" noTextEdit="1"/>
+          </p:cNvSpPr>
+          <p:nvPr>
+            <p:extLst>
+              <p:ext uri="{386F3935-93C4-4BCD-93E2-E3B085C9AB24}">
+                <p16:designElem xmlns:p16="http://schemas.microsoft.com/office/powerpoint/2015/main" val="1"/>
+              </p:ext>
+            </p:extLst>
+          </p:nvPr>
+        </p:nvSpPr>
+        <p:spPr bwMode="auto">
+          <a:xfrm>
+            <a:off x="409710" y="837744"/>
+            <a:ext cx="403225" cy="1705431"/>
+          </a:xfrm>
+          <a:custGeom>
+            <a:avLst/>
+            <a:gdLst>
+              <a:gd name="T0" fmla="*/ 254 w 254"/>
+              <a:gd name="T1" fmla="*/ 987 h 1109"/>
+              <a:gd name="T2" fmla="*/ 0 w 254"/>
+              <a:gd name="T3" fmla="*/ 1109 h 1109"/>
+              <a:gd name="T4" fmla="*/ 0 w 254"/>
+              <a:gd name="T5" fmla="*/ 119 h 1109"/>
+              <a:gd name="T6" fmla="*/ 254 w 254"/>
+              <a:gd name="T7" fmla="*/ 0 h 1109"/>
+              <a:gd name="T8" fmla="*/ 254 w 254"/>
+              <a:gd name="T9" fmla="*/ 987 h 1109"/>
+            </a:gdLst>
+            <a:ahLst/>
+            <a:cxnLst>
+              <a:cxn ang="0">
+                <a:pos x="T0" y="T1"/>
+              </a:cxn>
+              <a:cxn ang="0">
+                <a:pos x="T2" y="T3"/>
+              </a:cxn>
+              <a:cxn ang="0">
+                <a:pos x="T4" y="T5"/>
+              </a:cxn>
+              <a:cxn ang="0">
+                <a:pos x="T6" y="T7"/>
+              </a:cxn>
+              <a:cxn ang="0">
+                <a:pos x="T8" y="T9"/>
+              </a:cxn>
+            </a:cxnLst>
+            <a:rect l="0" t="0" r="r" b="b"/>
+            <a:pathLst>
+              <a:path w="254" h="1109">
+                <a:moveTo>
+                  <a:pt x="254" y="987"/>
+                </a:moveTo>
+                <a:lnTo>
+                  <a:pt x="0" y="1109"/>
+                </a:lnTo>
+                <a:lnTo>
+                  <a:pt x="0" y="119"/>
+                </a:lnTo>
+                <a:lnTo>
+                  <a:pt x="254" y="0"/>
+                </a:lnTo>
+                <a:lnTo>
+                  <a:pt x="254" y="987"/>
+                </a:lnTo>
+                <a:close/>
+              </a:path>
+            </a:pathLst>
+          </a:custGeom>
+          <a:solidFill>
+            <a:schemeClr val="accent1">
+              <a:lumMod val="75000"/>
+            </a:schemeClr>
+          </a:solidFill>
+          <a:ln>
+            <a:noFill/>
+          </a:ln>
+        </p:spPr>
+        <p:txBody>
+          <a:bodyPr vert="horz" wrap="square" lIns="91440" tIns="45720" rIns="91440" bIns="45720" numCol="1" anchor="t" anchorCtr="0" compatLnSpc="1">
+            <a:prstTxWarp prst="textNoShape">
+              <a:avLst/>
+            </a:prstTxWarp>
+          </a:bodyPr>
+          <a:lstStyle/>
+          <a:p>
+            <a:endParaRPr lang="en-US"/>
+          </a:p>
+        </p:txBody>
+      </p:sp>
+      <p:sp>
+        <p:nvSpPr>
+          <p:cNvPr id="14" name="Freeform 47">
+            <a:extLst>
+              <a:ext uri="{FF2B5EF4-FFF2-40B4-BE49-F238E27FC236}">
+                <a16:creationId xmlns:a16="http://schemas.microsoft.com/office/drawing/2014/main" id="{472E3A19-F5D5-48FC-BB9C-48C2F68F598B}"/>
+              </a:ext>
+              <a:ext uri="{C183D7F6-B498-43B3-948B-1728B52AA6E4}">
+                <adec:decorative xmlns:adec="http://schemas.microsoft.com/office/drawing/2017/decorative" val="1"/>
+              </a:ext>
+            </a:extLst>
+          </p:cNvPr>
+          <p:cNvSpPr>
+            <a:spLocks noGrp="1" noRot="1" noChangeAspect="1" noMove="1" noResize="1" noEditPoints="1" noAdjustHandles="1" noChangeArrowheads="1" noChangeShapeType="1" noTextEdit="1"/>
+          </p:cNvSpPr>
+          <p:nvPr>
+            <p:extLst>
+              <p:ext uri="{386F3935-93C4-4BCD-93E2-E3B085C9AB24}">
+                <p16:designElem xmlns:p16="http://schemas.microsoft.com/office/powerpoint/2015/main" val="1"/>
+              </p:ext>
+            </p:extLst>
+          </p:nvPr>
+        </p:nvSpPr>
+        <p:spPr bwMode="auto">
+          <a:xfrm>
+            <a:off x="644660" y="640894"/>
+            <a:ext cx="168275" cy="1713195"/>
+          </a:xfrm>
+          <a:custGeom>
+            <a:avLst/>
+            <a:gdLst>
+              <a:gd name="T0" fmla="*/ 106 w 106"/>
+              <a:gd name="T1" fmla="*/ 1114 h 1114"/>
+              <a:gd name="T2" fmla="*/ 0 w 106"/>
+              <a:gd name="T3" fmla="*/ 1005 h 1114"/>
+              <a:gd name="T4" fmla="*/ 0 w 106"/>
+              <a:gd name="T5" fmla="*/ 0 h 1114"/>
+              <a:gd name="T6" fmla="*/ 106 w 106"/>
+              <a:gd name="T7" fmla="*/ 110 h 1114"/>
+              <a:gd name="T8" fmla="*/ 106 w 106"/>
+              <a:gd name="T9" fmla="*/ 1114 h 1114"/>
+            </a:gdLst>
+            <a:ahLst/>
+            <a:cxnLst>
+              <a:cxn ang="0">
+                <a:pos x="T0" y="T1"/>
+              </a:cxn>
+              <a:cxn ang="0">
+                <a:pos x="T2" y="T3"/>
+              </a:cxn>
+              <a:cxn ang="0">
+                <a:pos x="T4" y="T5"/>
+              </a:cxn>
+              <a:cxn ang="0">
+                <a:pos x="T6" y="T7"/>
+              </a:cxn>
+              <a:cxn ang="0">
+                <a:pos x="T8" y="T9"/>
+              </a:cxn>
+            </a:cxnLst>
+            <a:rect l="0" t="0" r="r" b="b"/>
+            <a:pathLst>
+              <a:path w="106" h="1114">
+                <a:moveTo>
+                  <a:pt x="106" y="1114"/>
+                </a:moveTo>
+                <a:lnTo>
+                  <a:pt x="0" y="1005"/>
+                </a:lnTo>
+                <a:lnTo>
+                  <a:pt x="0" y="0"/>
+                </a:lnTo>
+                <a:lnTo>
+                  <a:pt x="106" y="110"/>
+                </a:lnTo>
+                <a:lnTo>
+                  <a:pt x="106" y="1114"/>
+                </a:lnTo>
+                <a:close/>
+              </a:path>
+            </a:pathLst>
+          </a:custGeom>
+          <a:solidFill>
+            <a:schemeClr val="accent1">
+              <a:lumMod val="50000"/>
+            </a:schemeClr>
+          </a:solidFill>
+          <a:ln>
+            <a:noFill/>
+          </a:ln>
+        </p:spPr>
+        <p:txBody>
+          <a:bodyPr vert="horz" wrap="square" lIns="91440" tIns="45720" rIns="91440" bIns="45720" numCol="1" anchor="t" anchorCtr="0" compatLnSpc="1">
+            <a:prstTxWarp prst="textNoShape">
+              <a:avLst/>
+            </a:prstTxWarp>
+          </a:bodyPr>
+          <a:lstStyle/>
+          <a:p>
+            <a:endParaRPr lang="en-US"/>
+          </a:p>
+        </p:txBody>
+      </p:sp>
+      <p:sp>
+        <p:nvSpPr>
+          <p:cNvPr id="16" name="Freeform 44">
+            <a:extLst>
+              <a:ext uri="{FF2B5EF4-FFF2-40B4-BE49-F238E27FC236}">
+                <a16:creationId xmlns:a16="http://schemas.microsoft.com/office/drawing/2014/main" id="{7A62E32F-BB65-43A8-8EB5-92346890E549}"/>
+              </a:ext>
+              <a:ext uri="{C183D7F6-B498-43B3-948B-1728B52AA6E4}">
+                <adec:decorative xmlns:adec="http://schemas.microsoft.com/office/drawing/2017/decorative" val="1"/>
+              </a:ext>
+            </a:extLst>
+          </p:cNvPr>
+          <p:cNvSpPr>
+            <a:spLocks noGrp="1" noRot="1" noChangeAspect="1" noMove="1" noResize="1" noEditPoints="1" noAdjustHandles="1" noChangeArrowheads="1" noChangeShapeType="1" noTextEdit="1"/>
+          </p:cNvSpPr>
+          <p:nvPr>
+            <p:extLst>
+              <p:ext uri="{386F3935-93C4-4BCD-93E2-E3B085C9AB24}">
+                <p16:designElem xmlns:p16="http://schemas.microsoft.com/office/powerpoint/2015/main" val="1"/>
+              </p:ext>
+            </p:extLst>
+          </p:nvPr>
+        </p:nvSpPr>
+        <p:spPr bwMode="auto">
+          <a:xfrm>
+            <a:off x="11223203" y="635716"/>
+            <a:ext cx="328612" cy="1742360"/>
+          </a:xfrm>
+          <a:custGeom>
+            <a:avLst/>
+            <a:gdLst>
+              <a:gd name="T0" fmla="*/ 207 w 207"/>
+              <a:gd name="T1" fmla="*/ 987 h 1114"/>
+              <a:gd name="T2" fmla="*/ 0 w 207"/>
+              <a:gd name="T3" fmla="*/ 1114 h 1114"/>
+              <a:gd name="T4" fmla="*/ 0 w 207"/>
+              <a:gd name="T5" fmla="*/ 127 h 1114"/>
+              <a:gd name="T6" fmla="*/ 207 w 207"/>
+              <a:gd name="T7" fmla="*/ 0 h 1114"/>
+              <a:gd name="T8" fmla="*/ 207 w 207"/>
+              <a:gd name="T9" fmla="*/ 987 h 1114"/>
+            </a:gdLst>
+            <a:ahLst/>
+            <a:cxnLst>
+              <a:cxn ang="0">
+                <a:pos x="T0" y="T1"/>
+              </a:cxn>
+              <a:cxn ang="0">
+                <a:pos x="T2" y="T3"/>
+              </a:cxn>
+              <a:cxn ang="0">
+                <a:pos x="T4" y="T5"/>
+              </a:cxn>
+              <a:cxn ang="0">
+                <a:pos x="T6" y="T7"/>
+              </a:cxn>
+              <a:cxn ang="0">
+                <a:pos x="T8" y="T9"/>
+              </a:cxn>
+            </a:cxnLst>
+            <a:rect l="0" t="0" r="r" b="b"/>
+            <a:pathLst>
+              <a:path w="207" h="1114">
+                <a:moveTo>
+                  <a:pt x="207" y="987"/>
+                </a:moveTo>
+                <a:lnTo>
+                  <a:pt x="0" y="1114"/>
+                </a:lnTo>
+                <a:lnTo>
+                  <a:pt x="0" y="127"/>
+                </a:lnTo>
+                <a:lnTo>
+                  <a:pt x="207" y="0"/>
+                </a:lnTo>
+                <a:lnTo>
+                  <a:pt x="207" y="987"/>
+                </a:lnTo>
+                <a:close/>
+              </a:path>
+            </a:pathLst>
+          </a:custGeom>
+          <a:solidFill>
+            <a:schemeClr val="accent1">
+              <a:lumMod val="50000"/>
+            </a:schemeClr>
+          </a:solidFill>
+          <a:ln>
+            <a:noFill/>
+          </a:ln>
+        </p:spPr>
+        <p:txBody>
+          <a:bodyPr vert="horz" wrap="square" lIns="91440" tIns="45720" rIns="91440" bIns="45720" numCol="1" anchor="t" anchorCtr="0" compatLnSpc="1">
+            <a:prstTxWarp prst="textNoShape">
+              <a:avLst/>
+            </a:prstTxWarp>
+          </a:bodyPr>
+          <a:lstStyle/>
+          <a:p>
+            <a:endParaRPr lang="en-US"/>
+          </a:p>
+        </p:txBody>
+      </p:sp>
+      <p:sp>
+        <p:nvSpPr>
+          <p:cNvPr id="18" name="Rectangle 17">
+            <a:extLst>
+              <a:ext uri="{FF2B5EF4-FFF2-40B4-BE49-F238E27FC236}">
+                <a16:creationId xmlns:a16="http://schemas.microsoft.com/office/drawing/2014/main" id="{14E91B64-9FCC-451E-AFB4-A827D6329367}"/>
+              </a:ext>
+              <a:ext uri="{C183D7F6-B498-43B3-948B-1728B52AA6E4}">
+                <adec:decorative xmlns:adec="http://schemas.microsoft.com/office/drawing/2017/decorative" val="1"/>
+              </a:ext>
+            </a:extLst>
+          </p:cNvPr>
+          <p:cNvSpPr>
+            <a:spLocks noGrp="1" noRot="1" noChangeAspect="1" noMove="1" noResize="1" noEditPoints="1" noAdjustHandles="1" noChangeArrowheads="1" noChangeShapeType="1" noTextEdit="1"/>
+          </p:cNvSpPr>
+          <p:nvPr>
+            <p:extLst>
+              <p:ext uri="{386F3935-93C4-4BCD-93E2-E3B085C9AB24}">
+                <p16:designElem xmlns:p16="http://schemas.microsoft.com/office/powerpoint/2015/main" val="1"/>
+              </p:ext>
+            </p:extLst>
+          </p:nvPr>
+        </p:nvSpPr>
+        <p:spPr bwMode="auto">
+          <a:xfrm>
+            <a:off x="644055" y="635715"/>
+            <a:ext cx="10907863" cy="1541457"/>
+          </a:xfrm>
+          <a:prstGeom prst="rect">
+            <a:avLst/>
+          </a:prstGeom>
+          <a:solidFill>
+            <a:schemeClr val="accent1"/>
+          </a:solidFill>
+          <a:ln>
+            <a:noFill/>
+          </a:ln>
+        </p:spPr>
+        <p:txBody>
+          <a:bodyPr vert="horz" wrap="square" lIns="91440" tIns="45720" rIns="91440" bIns="45720" numCol="1" anchor="t" anchorCtr="0" compatLnSpc="1">
+            <a:prstTxWarp prst="textNoShape">
+              <a:avLst/>
+            </a:prstTxWarp>
+          </a:bodyPr>
+          <a:lstStyle/>
+          <a:p>
+            <a:endParaRPr lang="en-US"/>
+          </a:p>
+        </p:txBody>
+      </p:sp>
+      <p:sp>
+        <p:nvSpPr>
+          <p:cNvPr id="2" name="Titre 1">
+            <a:extLst>
+              <a:ext uri="{FF2B5EF4-FFF2-40B4-BE49-F238E27FC236}">
+                <a16:creationId xmlns:a16="http://schemas.microsoft.com/office/drawing/2014/main" id="{787733BC-219D-49C7-B5B4-F7CD9774C6A4}"/>
+              </a:ext>
+            </a:extLst>
+          </p:cNvPr>
+          <p:cNvSpPr>
+            <a:spLocks noGrp="1"/>
+          </p:cNvSpPr>
+          <p:nvPr>
+            <p:ph type="title"/>
+          </p:nvPr>
+        </p:nvSpPr>
+        <p:spPr>
+          <a:xfrm>
+            <a:off x="958506" y="800392"/>
+            <a:ext cx="10264697" cy="1212102"/>
+          </a:xfrm>
+        </p:spPr>
+        <p:txBody>
+          <a:bodyPr>
+            <a:normAutofit/>
+          </a:bodyPr>
+          <a:lstStyle/>
+          <a:p>
+            <a:r>
+              <a:rPr lang="fr-FR" sz="4000" dirty="0">
+                <a:solidFill>
+                  <a:srgbClr val="FFFFFF"/>
+                </a:solidFill>
+              </a:rPr>
+              <a:t>Formulaires</a:t>
+            </a:r>
+          </a:p>
+        </p:txBody>
+      </p:sp>
+      <p:sp>
+        <p:nvSpPr>
+          <p:cNvPr id="9" name="Espace réservé du numéro de diapositive 8">
+            <a:extLst>
+              <a:ext uri="{FF2B5EF4-FFF2-40B4-BE49-F238E27FC236}">
+                <a16:creationId xmlns:a16="http://schemas.microsoft.com/office/drawing/2014/main" id="{F3EDF272-70D0-418F-B1E4-090F125EAE69}"/>
+              </a:ext>
+            </a:extLst>
+          </p:cNvPr>
+          <p:cNvSpPr>
+            <a:spLocks noGrp="1"/>
+          </p:cNvSpPr>
+          <p:nvPr>
+            <p:ph type="sldNum" sz="quarter" idx="12"/>
+          </p:nvPr>
+        </p:nvSpPr>
+        <p:spPr/>
+        <p:txBody>
+          <a:bodyPr/>
+          <a:lstStyle/>
+          <a:p>
+            <a:fld id="{F8323CC4-5E62-4ADB-BC7C-89B23C89378E}" type="slidenum">
+              <a:rPr lang="fr-FR" smtClean="0"/>
+              <a:t>25</a:t>
+            </a:fld>
+            <a:endParaRPr lang="fr-FR"/>
+          </a:p>
+        </p:txBody>
+      </p:sp>
+      <p:pic>
+        <p:nvPicPr>
+          <p:cNvPr id="6" name="Image 5">
+            <a:extLst>
+              <a:ext uri="{FF2B5EF4-FFF2-40B4-BE49-F238E27FC236}">
+                <a16:creationId xmlns:a16="http://schemas.microsoft.com/office/drawing/2014/main" id="{F9E1CB56-D2B8-4A38-BA2D-7D9A22393CFB}"/>
+              </a:ext>
+            </a:extLst>
+          </p:cNvPr>
+          <p:cNvPicPr>
+            <a:picLocks noChangeAspect="1"/>
+          </p:cNvPicPr>
+          <p:nvPr/>
+        </p:nvPicPr>
+        <p:blipFill>
+          <a:blip r:embed="rId2"/>
+          <a:stretch>
+            <a:fillRect/>
+          </a:stretch>
+        </p:blipFill>
+        <p:spPr>
+          <a:xfrm>
+            <a:off x="1333481" y="2419171"/>
+            <a:ext cx="3432482" cy="2991360"/>
+          </a:xfrm>
+          <a:prstGeom prst="rect">
+            <a:avLst/>
+          </a:prstGeom>
+        </p:spPr>
+      </p:pic>
+      <p:sp>
+        <p:nvSpPr>
+          <p:cNvPr id="13" name="Flèche : droite 12">
+            <a:extLst>
+              <a:ext uri="{FF2B5EF4-FFF2-40B4-BE49-F238E27FC236}">
+                <a16:creationId xmlns:a16="http://schemas.microsoft.com/office/drawing/2014/main" id="{8AEECA8E-C7FE-469D-B082-99DEF04C93C6}"/>
+              </a:ext>
+            </a:extLst>
+          </p:cNvPr>
+          <p:cNvSpPr/>
+          <p:nvPr/>
+        </p:nvSpPr>
+        <p:spPr>
+          <a:xfrm>
+            <a:off x="4890287" y="3594556"/>
+            <a:ext cx="1205713" cy="480290"/>
+          </a:xfrm>
+          <a:prstGeom prst="rightArrow">
+            <a:avLst/>
+          </a:prstGeom>
+        </p:spPr>
+        <p:style>
+          <a:lnRef idx="2">
+            <a:schemeClr val="accent1">
+              <a:shade val="50000"/>
+            </a:schemeClr>
+          </a:lnRef>
+          <a:fillRef idx="1">
+            <a:schemeClr val="accent1"/>
+          </a:fillRef>
+          <a:effectRef idx="0">
+            <a:schemeClr val="accent1"/>
+          </a:effectRef>
+          <a:fontRef idx="minor">
+            <a:schemeClr val="lt1"/>
+          </a:fontRef>
+        </p:style>
+        <p:txBody>
+          <a:bodyPr rtlCol="0" anchor="ctr"/>
+          <a:lstStyle/>
+          <a:p>
+            <a:pPr algn="ctr"/>
+            <a:endParaRPr lang="fr-FR"/>
+          </a:p>
+        </p:txBody>
+      </p:sp>
+      <p:pic>
+        <p:nvPicPr>
+          <p:cNvPr id="17" name="Image 16">
+            <a:extLst>
+              <a:ext uri="{FF2B5EF4-FFF2-40B4-BE49-F238E27FC236}">
+                <a16:creationId xmlns:a16="http://schemas.microsoft.com/office/drawing/2014/main" id="{6ABDADB3-4AE5-4DA9-BCEB-AC278BE194F3}"/>
+              </a:ext>
+            </a:extLst>
+          </p:cNvPr>
+          <p:cNvPicPr>
+            <a:picLocks noChangeAspect="1"/>
+          </p:cNvPicPr>
+          <p:nvPr/>
+        </p:nvPicPr>
+        <p:blipFill>
+          <a:blip r:embed="rId3"/>
+          <a:stretch>
+            <a:fillRect/>
+          </a:stretch>
+        </p:blipFill>
+        <p:spPr>
+          <a:xfrm>
+            <a:off x="611321" y="6175540"/>
+            <a:ext cx="4829849" cy="419158"/>
+          </a:xfrm>
+          <a:prstGeom prst="rect">
+            <a:avLst/>
+          </a:prstGeom>
+        </p:spPr>
+      </p:pic>
+      <p:pic>
+        <p:nvPicPr>
+          <p:cNvPr id="24" name="Image 23">
+            <a:extLst>
+              <a:ext uri="{FF2B5EF4-FFF2-40B4-BE49-F238E27FC236}">
+                <a16:creationId xmlns:a16="http://schemas.microsoft.com/office/drawing/2014/main" id="{BCDC707A-3153-41FA-8783-D04EC5059B7D}"/>
+              </a:ext>
+            </a:extLst>
+          </p:cNvPr>
+          <p:cNvPicPr>
+            <a:picLocks noChangeAspect="1"/>
+          </p:cNvPicPr>
+          <p:nvPr/>
+        </p:nvPicPr>
+        <p:blipFill>
+          <a:blip r:embed="rId4"/>
+          <a:stretch>
+            <a:fillRect/>
+          </a:stretch>
+        </p:blipFill>
+        <p:spPr>
+          <a:xfrm>
+            <a:off x="7956573" y="6137612"/>
+            <a:ext cx="1190791" cy="466790"/>
+          </a:xfrm>
+          <a:prstGeom prst="rect">
+            <a:avLst/>
+          </a:prstGeom>
+        </p:spPr>
+      </p:pic>
+      <p:pic>
+        <p:nvPicPr>
+          <p:cNvPr id="26" name="Image 25">
+            <a:extLst>
+              <a:ext uri="{FF2B5EF4-FFF2-40B4-BE49-F238E27FC236}">
+                <a16:creationId xmlns:a16="http://schemas.microsoft.com/office/drawing/2014/main" id="{C76A4E75-9AF7-4D99-90F4-6FF0F0C7011D}"/>
+              </a:ext>
+            </a:extLst>
+          </p:cNvPr>
+          <p:cNvPicPr>
+            <a:picLocks noChangeAspect="1"/>
+          </p:cNvPicPr>
+          <p:nvPr/>
+        </p:nvPicPr>
+        <p:blipFill>
+          <a:blip r:embed="rId5"/>
+          <a:stretch>
+            <a:fillRect/>
+          </a:stretch>
+        </p:blipFill>
+        <p:spPr>
+          <a:xfrm>
+            <a:off x="6206209" y="3252500"/>
+            <a:ext cx="5982535" cy="1162212"/>
+          </a:xfrm>
+          <a:prstGeom prst="rect">
+            <a:avLst/>
+          </a:prstGeom>
+        </p:spPr>
+      </p:pic>
+      <p:sp>
+        <p:nvSpPr>
+          <p:cNvPr id="27" name="Flèche : droite 26">
+            <a:extLst>
+              <a:ext uri="{FF2B5EF4-FFF2-40B4-BE49-F238E27FC236}">
+                <a16:creationId xmlns:a16="http://schemas.microsoft.com/office/drawing/2014/main" id="{4C92A56E-DEBE-4611-9F94-4BF3011E108D}"/>
+              </a:ext>
+            </a:extLst>
+          </p:cNvPr>
+          <p:cNvSpPr/>
+          <p:nvPr/>
+        </p:nvSpPr>
+        <p:spPr>
+          <a:xfrm>
+            <a:off x="6118563" y="6055877"/>
+            <a:ext cx="1205713" cy="480290"/>
+          </a:xfrm>
+          <a:prstGeom prst="rightArrow">
+            <a:avLst/>
+          </a:prstGeom>
+        </p:spPr>
+        <p:style>
+          <a:lnRef idx="2">
+            <a:schemeClr val="accent1">
+              <a:shade val="50000"/>
+            </a:schemeClr>
+          </a:lnRef>
+          <a:fillRef idx="1">
+            <a:schemeClr val="accent1"/>
+          </a:fillRef>
+          <a:effectRef idx="0">
+            <a:schemeClr val="accent1"/>
+          </a:effectRef>
+          <a:fontRef idx="minor">
+            <a:schemeClr val="lt1"/>
+          </a:fontRef>
+        </p:style>
+        <p:txBody>
+          <a:bodyPr rtlCol="0" anchor="ctr"/>
+          <a:lstStyle/>
+          <a:p>
+            <a:pPr algn="ctr"/>
+            <a:endParaRPr lang="fr-FR"/>
+          </a:p>
+        </p:txBody>
+      </p:sp>
+      <p:sp>
+        <p:nvSpPr>
+          <p:cNvPr id="28" name="ZoneTexte 27">
+            <a:extLst>
+              <a:ext uri="{FF2B5EF4-FFF2-40B4-BE49-F238E27FC236}">
+                <a16:creationId xmlns:a16="http://schemas.microsoft.com/office/drawing/2014/main" id="{59D4B96E-419E-4D2C-989B-7923B5E816F2}"/>
+              </a:ext>
+            </a:extLst>
+          </p:cNvPr>
+          <p:cNvSpPr txBox="1"/>
+          <p:nvPr/>
+        </p:nvSpPr>
+        <p:spPr>
+          <a:xfrm>
+            <a:off x="4765963" y="5521867"/>
+            <a:ext cx="2807855" cy="461665"/>
+          </a:xfrm>
+          <a:prstGeom prst="rect">
+            <a:avLst/>
+          </a:prstGeom>
+          <a:noFill/>
+        </p:spPr>
+        <p:txBody>
+          <a:bodyPr wrap="square" rtlCol="0">
+            <a:spAutoFit/>
+          </a:bodyPr>
+          <a:lstStyle/>
+          <a:p>
+            <a:r>
+              <a:rPr lang="fr-FR" sz="2400" dirty="0"/>
+              <a:t>Affichage :</a:t>
+            </a:r>
+          </a:p>
+        </p:txBody>
+      </p:sp>
+    </p:spTree>
+    <p:extLst>
+      <p:ext uri="{BB962C8B-B14F-4D97-AF65-F5344CB8AC3E}">
+        <p14:creationId xmlns:p14="http://schemas.microsoft.com/office/powerpoint/2010/main" val="810595131"/>
+      </p:ext>
+    </p:extLst>
+  </p:cSld>
+  <p:clrMapOvr>
+    <a:masterClrMapping/>
+  </p:clrMapOvr>
+</p:sld>
+</file>
+
+<file path=ppt/slides/slide26.xml><?xml version="1.0" encoding="utf-8"?>
+<p:sld xmlns:a="http://schemas.openxmlformats.org/drawingml/2006/main" xmlns:r="http://schemas.openxmlformats.org/officeDocument/2006/relationships" xmlns:p="http://schemas.openxmlformats.org/presentationml/2006/main">
+  <p:cSld>
+    <p:bg>
+      <p:bgPr>
+        <a:solidFill>
+          <a:schemeClr val="bg1"/>
+        </a:solidFill>
+        <a:effectLst/>
+      </p:bgPr>
+    </p:bg>
+    <p:spTree>
+      <p:nvGrpSpPr>
+        <p:cNvPr id="1" name=""/>
+        <p:cNvGrpSpPr/>
+        <p:nvPr/>
+      </p:nvGrpSpPr>
+      <p:grpSpPr>
+        <a:xfrm>
+          <a:off x="0" y="0"/>
+          <a:ext cx="0" cy="0"/>
+          <a:chOff x="0" y="0"/>
+          <a:chExt cx="0" cy="0"/>
+        </a:xfrm>
+      </p:grpSpPr>
+      <p:sp>
+        <p:nvSpPr>
+          <p:cNvPr id="9" name="Rectangle 8">
+            <a:extLst>
+              <a:ext uri="{FF2B5EF4-FFF2-40B4-BE49-F238E27FC236}">
+                <a16:creationId xmlns:a16="http://schemas.microsoft.com/office/drawing/2014/main" id="{23962611-DFD5-4092-AAFD-559E3DFCE2C9}"/>
+              </a:ext>
+              <a:ext uri="{C183D7F6-B498-43B3-948B-1728B52AA6E4}">
+                <adec:decorative xmlns:adec="http://schemas.microsoft.com/office/drawing/2017/decorative" val="1"/>
+              </a:ext>
+            </a:extLst>
+          </p:cNvPr>
+          <p:cNvSpPr>
+            <a:spLocks noGrp="1" noRot="1" noChangeAspect="1" noMove="1" noResize="1" noEditPoints="1" noAdjustHandles="1" noChangeArrowheads="1" noChangeShapeType="1" noTextEdit="1"/>
+          </p:cNvSpPr>
+          <p:nvPr>
+            <p:extLst>
+              <p:ext uri="{386F3935-93C4-4BCD-93E2-E3B085C9AB24}">
+                <p16:designElem xmlns:p16="http://schemas.microsoft.com/office/powerpoint/2015/main" val="1"/>
+              </p:ext>
+            </p:extLst>
+          </p:nvPr>
+        </p:nvSpPr>
+        <p:spPr>
+          <a:xfrm>
+            <a:off x="475488" y="0"/>
+            <a:ext cx="10910292" cy="6858000"/>
+          </a:xfrm>
+          <a:prstGeom prst="rect">
+            <a:avLst/>
+          </a:prstGeom>
+          <a:gradFill>
+            <a:gsLst>
+              <a:gs pos="0">
+                <a:schemeClr val="accent1">
+                  <a:lumMod val="90000"/>
+                </a:schemeClr>
+              </a:gs>
+              <a:gs pos="25000">
+                <a:schemeClr val="accent1">
+                  <a:lumMod val="90000"/>
+                </a:schemeClr>
+              </a:gs>
+              <a:gs pos="94000">
+                <a:schemeClr val="bg2">
+                  <a:lumMod val="25000"/>
+                </a:schemeClr>
+              </a:gs>
+              <a:gs pos="100000">
+                <a:schemeClr val="bg2">
+                  <a:lumMod val="25000"/>
+                </a:schemeClr>
+              </a:gs>
+            </a:gsLst>
+            <a:lin ang="4200000" scaled="0"/>
+          </a:gradFill>
+          <a:ln>
+            <a:noFill/>
+          </a:ln>
+        </p:spPr>
+        <p:style>
+          <a:lnRef idx="2">
+            <a:schemeClr val="accent1">
+              <a:shade val="50000"/>
+            </a:schemeClr>
+          </a:lnRef>
+          <a:fillRef idx="1">
+            <a:schemeClr val="accent1"/>
+          </a:fillRef>
+          <a:effectRef idx="0">
+            <a:schemeClr val="accent1"/>
+          </a:effectRef>
+          <a:fontRef idx="minor">
+            <a:schemeClr val="lt1"/>
+          </a:fontRef>
+        </p:style>
+        <p:txBody>
+          <a:bodyPr rtlCol="0" anchor="ctr"/>
+          <a:lstStyle/>
+          <a:p>
+            <a:pPr algn="ctr"/>
+            <a:endParaRPr lang="en-US"/>
+          </a:p>
+        </p:txBody>
+      </p:sp>
+      <p:pic>
+        <p:nvPicPr>
+          <p:cNvPr id="11" name="Picture 10">
+            <a:extLst>
+              <a:ext uri="{FF2B5EF4-FFF2-40B4-BE49-F238E27FC236}">
+                <a16:creationId xmlns:a16="http://schemas.microsoft.com/office/drawing/2014/main" id="{2270F1FA-0425-408F-9861-80BF5AFB276D}"/>
+              </a:ext>
+              <a:ext uri="{C183D7F6-B498-43B3-948B-1728B52AA6E4}">
+                <adec:decorative xmlns:adec="http://schemas.microsoft.com/office/drawing/2017/decorative" val="1"/>
+              </a:ext>
+            </a:extLst>
+          </p:cNvPr>
+          <p:cNvPicPr>
+            <a:picLocks noGrp="1" noRot="1" noChangeAspect="1" noMove="1" noResize="1" noEditPoints="1" noAdjustHandles="1" noChangeArrowheads="1" noChangeShapeType="1" noCrop="1"/>
+          </p:cNvPicPr>
+          <p:nvPr>
+            <p:extLst>
+              <p:ext uri="{386F3935-93C4-4BCD-93E2-E3B085C9AB24}">
+                <p16:designElem xmlns:p16="http://schemas.microsoft.com/office/powerpoint/2015/main" val="1"/>
+              </p:ext>
+            </p:extLst>
+          </p:nvPr>
+        </p:nvPicPr>
+        <p:blipFill>
+          <a:blip r:embed="rId2">
+            <a:extLst>
+              <a:ext uri="{28A0092B-C50C-407E-A947-70E740481C1C}">
+                <a14:useLocalDpi xmlns:a14="http://schemas.microsoft.com/office/drawing/2010/main" val="0"/>
+              </a:ext>
+            </a:extLst>
+          </a:blip>
+          <a:stretch>
+            <a:fillRect/>
+          </a:stretch>
+        </p:blipFill>
+        <p:spPr>
+          <a:xfrm>
+            <a:off x="0" y="0"/>
+            <a:ext cx="12192000" cy="6858000"/>
+          </a:xfrm>
+          <a:prstGeom prst="rect">
+            <a:avLst/>
+          </a:prstGeom>
+        </p:spPr>
+      </p:pic>
+      <p:sp>
+        <p:nvSpPr>
+          <p:cNvPr id="2" name="Titre 1">
+            <a:extLst>
+              <a:ext uri="{FF2B5EF4-FFF2-40B4-BE49-F238E27FC236}">
+                <a16:creationId xmlns:a16="http://schemas.microsoft.com/office/drawing/2014/main" id="{239DFAB0-D1E4-4E4A-B49A-E039CE4B2773}"/>
+              </a:ext>
+            </a:extLst>
+          </p:cNvPr>
+          <p:cNvSpPr>
+            <a:spLocks noGrp="1"/>
+          </p:cNvSpPr>
+          <p:nvPr>
+            <p:ph type="title"/>
+          </p:nvPr>
+        </p:nvSpPr>
+        <p:spPr>
+          <a:xfrm>
+            <a:off x="3045368" y="2043663"/>
+            <a:ext cx="6105194" cy="2031055"/>
+          </a:xfrm>
+        </p:spPr>
+        <p:txBody>
+          <a:bodyPr vert="horz" lIns="91440" tIns="45720" rIns="91440" bIns="45720" rtlCol="0" anchor="b">
+            <a:normAutofit/>
+          </a:bodyPr>
+          <a:lstStyle/>
+          <a:p>
+            <a:pPr algn="ctr"/>
+            <a:r>
+              <a:rPr lang="en-US" sz="6000" kern="1200">
+                <a:solidFill>
+                  <a:srgbClr val="FFFFFF"/>
+                </a:solidFill>
+                <a:latin typeface="+mj-lt"/>
+                <a:ea typeface="+mj-ea"/>
+                <a:cs typeface="+mj-cs"/>
+              </a:rPr>
+              <a:t>Exercice 8 – Formulaire</a:t>
+            </a:r>
+          </a:p>
+        </p:txBody>
+      </p:sp>
+      <p:sp>
+        <p:nvSpPr>
+          <p:cNvPr id="4" name="Espace réservé du numéro de diapositive 3">
+            <a:extLst>
+              <a:ext uri="{FF2B5EF4-FFF2-40B4-BE49-F238E27FC236}">
+                <a16:creationId xmlns:a16="http://schemas.microsoft.com/office/drawing/2014/main" id="{082A798F-823D-4016-A903-363BE0E0237D}"/>
+              </a:ext>
+            </a:extLst>
+          </p:cNvPr>
+          <p:cNvSpPr>
+            <a:spLocks noGrp="1"/>
+          </p:cNvSpPr>
+          <p:nvPr>
+            <p:ph type="sldNum" sz="quarter" idx="12"/>
+          </p:nvPr>
+        </p:nvSpPr>
+        <p:spPr>
+          <a:xfrm>
+            <a:off x="10825930" y="6223702"/>
+            <a:ext cx="570728" cy="314067"/>
+          </a:xfrm>
+        </p:spPr>
+        <p:txBody>
+          <a:bodyPr vert="horz" lIns="91440" tIns="45720" rIns="91440" bIns="45720" rtlCol="0" anchor="ctr">
+            <a:normAutofit/>
+          </a:bodyPr>
+          <a:lstStyle/>
+          <a:p>
+            <a:pPr>
+              <a:spcAft>
+                <a:spcPts val="600"/>
+              </a:spcAft>
+            </a:pPr>
+            <a:fld id="{F8323CC4-5E62-4ADB-BC7C-89B23C89378E}" type="slidenum">
+              <a:rPr lang="en-US" sz="1000">
+                <a:solidFill>
+                  <a:srgbClr val="898989"/>
+                </a:solidFill>
+              </a:rPr>
+              <a:pPr>
+                <a:spcAft>
+                  <a:spcPts val="600"/>
+                </a:spcAft>
+              </a:pPr>
+              <a:t>26</a:t>
+            </a:fld>
+            <a:endParaRPr lang="en-US" sz="1000">
+              <a:solidFill>
+                <a:srgbClr val="898989"/>
+              </a:solidFill>
+            </a:endParaRPr>
+          </a:p>
+        </p:txBody>
+      </p:sp>
+    </p:spTree>
+    <p:extLst>
+      <p:ext uri="{BB962C8B-B14F-4D97-AF65-F5344CB8AC3E}">
+        <p14:creationId xmlns:p14="http://schemas.microsoft.com/office/powerpoint/2010/main" val="3351815295"/>
       </p:ext>
     </p:extLst>
   </p:cSld>
@@ -12008,12 +17887,12 @@
           <a:chExt cx="0" cy="0"/>
         </a:xfrm>
       </p:grpSpPr>
-      <p:sp useBgFill="1">
-        <p:nvSpPr>
-          <p:cNvPr id="8" name="Rectangle 7">
-            <a:extLst>
-              <a:ext uri="{FF2B5EF4-FFF2-40B4-BE49-F238E27FC236}">
-                <a16:creationId xmlns:a16="http://schemas.microsoft.com/office/drawing/2014/main" id="{827B839B-9ADE-406B-8590-F1CAEDED45A1}"/>
+      <p:sp>
+        <p:nvSpPr>
+          <p:cNvPr id="9" name="Rectangle 8">
+            <a:extLst>
+              <a:ext uri="{FF2B5EF4-FFF2-40B4-BE49-F238E27FC236}">
+                <a16:creationId xmlns:a16="http://schemas.microsoft.com/office/drawing/2014/main" id="{23962611-DFD5-4092-AAFD-559E3DFCE2C9}"/>
               </a:ext>
               <a:ext uri="{C183D7F6-B498-43B3-948B-1728B52AA6E4}">
                 <adec:decorative xmlns:adec="http://schemas.microsoft.com/office/drawing/2017/decorative" val="1"/>
@@ -12033,12 +17912,37 @@
         </p:nvSpPr>
         <p:spPr>
           <a:xfrm>
-            <a:off x="0" y="0"/>
-            <a:ext cx="12188952" cy="6858000"/>
+            <a:off x="475488" y="0"/>
+            <a:ext cx="10910292" cy="6858000"/>
           </a:xfrm>
           <a:prstGeom prst="rect">
             <a:avLst/>
           </a:prstGeom>
+          <a:gradFill>
+            <a:gsLst>
+              <a:gs pos="0">
+                <a:schemeClr val="accent1">
+                  <a:lumMod val="90000"/>
+                </a:schemeClr>
+              </a:gs>
+              <a:gs pos="25000">
+                <a:schemeClr val="accent1">
+                  <a:lumMod val="90000"/>
+                </a:schemeClr>
+              </a:gs>
+              <a:gs pos="94000">
+                <a:schemeClr val="bg2">
+                  <a:lumMod val="25000"/>
+                </a:schemeClr>
+              </a:gs>
+              <a:gs pos="100000">
+                <a:schemeClr val="bg2">
+                  <a:lumMod val="25000"/>
+                </a:schemeClr>
+              </a:gs>
+            </a:gsLst>
+            <a:lin ang="4200000" scaled="0"/>
+          </a:gradFill>
           <a:ln>
             <a:noFill/>
           </a:ln>
@@ -12068,21 +17972,21 @@
           </a:p>
         </p:txBody>
       </p:sp>
-      <p:sp>
-        <p:nvSpPr>
-          <p:cNvPr id="10" name="Freeform 45">
-            <a:extLst>
-              <a:ext uri="{FF2B5EF4-FFF2-40B4-BE49-F238E27FC236}">
-                <a16:creationId xmlns:a16="http://schemas.microsoft.com/office/drawing/2014/main" id="{CFE45BF0-46DB-408C-B5F7-7B11716805D4}"/>
+      <p:pic>
+        <p:nvPicPr>
+          <p:cNvPr id="11" name="Picture 10">
+            <a:extLst>
+              <a:ext uri="{FF2B5EF4-FFF2-40B4-BE49-F238E27FC236}">
+                <a16:creationId xmlns:a16="http://schemas.microsoft.com/office/drawing/2014/main" id="{2270F1FA-0425-408F-9861-80BF5AFB276D}"/>
               </a:ext>
               <a:ext uri="{C183D7F6-B498-43B3-948B-1728B52AA6E4}">
                 <adec:decorative xmlns:adec="http://schemas.microsoft.com/office/drawing/2017/decorative" val="1"/>
               </a:ext>
             </a:extLst>
           </p:cNvPr>
-          <p:cNvSpPr>
-            <a:spLocks noGrp="1" noRot="1" noChangeAspect="1" noMove="1" noResize="1" noEditPoints="1" noAdjustHandles="1" noChangeArrowheads="1" noChangeShapeType="1" noTextEdit="1"/>
-          </p:cNvSpPr>
+          <p:cNvPicPr>
+            <a:picLocks noGrp="1" noRot="1" noChangeAspect="1" noMove="1" noResize="1" noEditPoints="1" noAdjustHandles="1" noChangeArrowheads="1" noChangeShapeType="1" noCrop="1"/>
+          </p:cNvPicPr>
           <p:nvPr>
             <p:extLst>
               <p:ext uri="{386F3935-93C4-4BCD-93E2-E3B085C9AB24}">
@@ -12090,610 +17994,12 @@
               </p:ext>
             </p:extLst>
           </p:nvPr>
-        </p:nvSpPr>
-        <p:spPr bwMode="auto">
-          <a:xfrm>
-            <a:off x="409710" y="1022350"/>
-            <a:ext cx="709612" cy="2095501"/>
-          </a:xfrm>
-          <a:custGeom>
-            <a:avLst/>
-            <a:gdLst>
-              <a:gd name="T0" fmla="*/ 447 w 447"/>
-              <a:gd name="T1" fmla="*/ 1363 h 1363"/>
-              <a:gd name="T2" fmla="*/ 0 w 447"/>
-              <a:gd name="T3" fmla="*/ 987 h 1363"/>
-              <a:gd name="T4" fmla="*/ 0 w 447"/>
-              <a:gd name="T5" fmla="*/ 0 h 1363"/>
-              <a:gd name="T6" fmla="*/ 447 w 447"/>
-              <a:gd name="T7" fmla="*/ 376 h 1363"/>
-              <a:gd name="T8" fmla="*/ 447 w 447"/>
-              <a:gd name="T9" fmla="*/ 1363 h 1363"/>
-            </a:gdLst>
-            <a:ahLst/>
-            <a:cxnLst>
-              <a:cxn ang="0">
-                <a:pos x="T0" y="T1"/>
-              </a:cxn>
-              <a:cxn ang="0">
-                <a:pos x="T2" y="T3"/>
-              </a:cxn>
-              <a:cxn ang="0">
-                <a:pos x="T4" y="T5"/>
-              </a:cxn>
-              <a:cxn ang="0">
-                <a:pos x="T6" y="T7"/>
-              </a:cxn>
-              <a:cxn ang="0">
-                <a:pos x="T8" y="T9"/>
-              </a:cxn>
-            </a:cxnLst>
-            <a:rect l="0" t="0" r="r" b="b"/>
-            <a:pathLst>
-              <a:path w="447" h="1363">
-                <a:moveTo>
-                  <a:pt x="447" y="1363"/>
-                </a:moveTo>
-                <a:lnTo>
-                  <a:pt x="0" y="987"/>
-                </a:lnTo>
-                <a:lnTo>
-                  <a:pt x="0" y="0"/>
-                </a:lnTo>
-                <a:lnTo>
-                  <a:pt x="447" y="376"/>
-                </a:lnTo>
-                <a:lnTo>
-                  <a:pt x="447" y="1363"/>
-                </a:lnTo>
-                <a:close/>
-              </a:path>
-            </a:pathLst>
-          </a:custGeom>
-          <a:solidFill>
-            <a:schemeClr val="accent1">
-              <a:lumMod val="50000"/>
-            </a:schemeClr>
-          </a:solidFill>
-          <a:ln>
-            <a:noFill/>
-          </a:ln>
-        </p:spPr>
-        <p:txBody>
-          <a:bodyPr vert="horz" wrap="square" lIns="91440" tIns="45720" rIns="91440" bIns="45720" numCol="1" anchor="t" anchorCtr="0" compatLnSpc="1">
-            <a:prstTxWarp prst="textNoShape">
-              <a:avLst/>
-            </a:prstTxWarp>
-          </a:bodyPr>
-          <a:lstStyle/>
-          <a:p>
-            <a:endParaRPr lang="en-US"/>
-          </a:p>
-        </p:txBody>
-      </p:sp>
-      <p:sp>
-        <p:nvSpPr>
-          <p:cNvPr id="12" name="Freeform 46">
-            <a:extLst>
-              <a:ext uri="{FF2B5EF4-FFF2-40B4-BE49-F238E27FC236}">
-                <a16:creationId xmlns:a16="http://schemas.microsoft.com/office/drawing/2014/main" id="{2AEBC8F2-97B1-41B4-93F1-2D289E197FBA}"/>
-              </a:ext>
-              <a:ext uri="{C183D7F6-B498-43B3-948B-1728B52AA6E4}">
-                <adec:decorative xmlns:adec="http://schemas.microsoft.com/office/drawing/2017/decorative" val="1"/>
-              </a:ext>
-            </a:extLst>
-          </p:cNvPr>
-          <p:cNvSpPr>
-            <a:spLocks noGrp="1" noRot="1" noChangeAspect="1" noMove="1" noResize="1" noEditPoints="1" noAdjustHandles="1" noChangeArrowheads="1" noChangeShapeType="1" noTextEdit="1"/>
-          </p:cNvSpPr>
-          <p:nvPr>
-            <p:extLst>
-              <p:ext uri="{386F3935-93C4-4BCD-93E2-E3B085C9AB24}">
-                <p16:designElem xmlns:p16="http://schemas.microsoft.com/office/powerpoint/2015/main" val="1"/>
-              </p:ext>
-            </p:extLst>
-          </p:nvPr>
-        </p:nvSpPr>
-        <p:spPr bwMode="auto">
-          <a:xfrm>
-            <a:off x="409710" y="837744"/>
-            <a:ext cx="403225" cy="1705431"/>
-          </a:xfrm>
-          <a:custGeom>
-            <a:avLst/>
-            <a:gdLst>
-              <a:gd name="T0" fmla="*/ 254 w 254"/>
-              <a:gd name="T1" fmla="*/ 987 h 1109"/>
-              <a:gd name="T2" fmla="*/ 0 w 254"/>
-              <a:gd name="T3" fmla="*/ 1109 h 1109"/>
-              <a:gd name="T4" fmla="*/ 0 w 254"/>
-              <a:gd name="T5" fmla="*/ 119 h 1109"/>
-              <a:gd name="T6" fmla="*/ 254 w 254"/>
-              <a:gd name="T7" fmla="*/ 0 h 1109"/>
-              <a:gd name="T8" fmla="*/ 254 w 254"/>
-              <a:gd name="T9" fmla="*/ 987 h 1109"/>
-            </a:gdLst>
-            <a:ahLst/>
-            <a:cxnLst>
-              <a:cxn ang="0">
-                <a:pos x="T0" y="T1"/>
-              </a:cxn>
-              <a:cxn ang="0">
-                <a:pos x="T2" y="T3"/>
-              </a:cxn>
-              <a:cxn ang="0">
-                <a:pos x="T4" y="T5"/>
-              </a:cxn>
-              <a:cxn ang="0">
-                <a:pos x="T6" y="T7"/>
-              </a:cxn>
-              <a:cxn ang="0">
-                <a:pos x="T8" y="T9"/>
-              </a:cxn>
-            </a:cxnLst>
-            <a:rect l="0" t="0" r="r" b="b"/>
-            <a:pathLst>
-              <a:path w="254" h="1109">
-                <a:moveTo>
-                  <a:pt x="254" y="987"/>
-                </a:moveTo>
-                <a:lnTo>
-                  <a:pt x="0" y="1109"/>
-                </a:lnTo>
-                <a:lnTo>
-                  <a:pt x="0" y="119"/>
-                </a:lnTo>
-                <a:lnTo>
-                  <a:pt x="254" y="0"/>
-                </a:lnTo>
-                <a:lnTo>
-                  <a:pt x="254" y="987"/>
-                </a:lnTo>
-                <a:close/>
-              </a:path>
-            </a:pathLst>
-          </a:custGeom>
-          <a:solidFill>
-            <a:schemeClr val="accent1">
-              <a:lumMod val="75000"/>
-            </a:schemeClr>
-          </a:solidFill>
-          <a:ln>
-            <a:noFill/>
-          </a:ln>
-        </p:spPr>
-        <p:txBody>
-          <a:bodyPr vert="horz" wrap="square" lIns="91440" tIns="45720" rIns="91440" bIns="45720" numCol="1" anchor="t" anchorCtr="0" compatLnSpc="1">
-            <a:prstTxWarp prst="textNoShape">
-              <a:avLst/>
-            </a:prstTxWarp>
-          </a:bodyPr>
-          <a:lstStyle/>
-          <a:p>
-            <a:endParaRPr lang="en-US"/>
-          </a:p>
-        </p:txBody>
-      </p:sp>
-      <p:sp>
-        <p:nvSpPr>
-          <p:cNvPr id="14" name="Freeform 47">
-            <a:extLst>
-              <a:ext uri="{FF2B5EF4-FFF2-40B4-BE49-F238E27FC236}">
-                <a16:creationId xmlns:a16="http://schemas.microsoft.com/office/drawing/2014/main" id="{472E3A19-F5D5-48FC-BB9C-48C2F68F598B}"/>
-              </a:ext>
-              <a:ext uri="{C183D7F6-B498-43B3-948B-1728B52AA6E4}">
-                <adec:decorative xmlns:adec="http://schemas.microsoft.com/office/drawing/2017/decorative" val="1"/>
-              </a:ext>
-            </a:extLst>
-          </p:cNvPr>
-          <p:cNvSpPr>
-            <a:spLocks noGrp="1" noRot="1" noChangeAspect="1" noMove="1" noResize="1" noEditPoints="1" noAdjustHandles="1" noChangeArrowheads="1" noChangeShapeType="1" noTextEdit="1"/>
-          </p:cNvSpPr>
-          <p:nvPr>
-            <p:extLst>
-              <p:ext uri="{386F3935-93C4-4BCD-93E2-E3B085C9AB24}">
-                <p16:designElem xmlns:p16="http://schemas.microsoft.com/office/powerpoint/2015/main" val="1"/>
-              </p:ext>
-            </p:extLst>
-          </p:nvPr>
-        </p:nvSpPr>
-        <p:spPr bwMode="auto">
-          <a:xfrm>
-            <a:off x="644660" y="640894"/>
-            <a:ext cx="168275" cy="1713195"/>
-          </a:xfrm>
-          <a:custGeom>
-            <a:avLst/>
-            <a:gdLst>
-              <a:gd name="T0" fmla="*/ 106 w 106"/>
-              <a:gd name="T1" fmla="*/ 1114 h 1114"/>
-              <a:gd name="T2" fmla="*/ 0 w 106"/>
-              <a:gd name="T3" fmla="*/ 1005 h 1114"/>
-              <a:gd name="T4" fmla="*/ 0 w 106"/>
-              <a:gd name="T5" fmla="*/ 0 h 1114"/>
-              <a:gd name="T6" fmla="*/ 106 w 106"/>
-              <a:gd name="T7" fmla="*/ 110 h 1114"/>
-              <a:gd name="T8" fmla="*/ 106 w 106"/>
-              <a:gd name="T9" fmla="*/ 1114 h 1114"/>
-            </a:gdLst>
-            <a:ahLst/>
-            <a:cxnLst>
-              <a:cxn ang="0">
-                <a:pos x="T0" y="T1"/>
-              </a:cxn>
-              <a:cxn ang="0">
-                <a:pos x="T2" y="T3"/>
-              </a:cxn>
-              <a:cxn ang="0">
-                <a:pos x="T4" y="T5"/>
-              </a:cxn>
-              <a:cxn ang="0">
-                <a:pos x="T6" y="T7"/>
-              </a:cxn>
-              <a:cxn ang="0">
-                <a:pos x="T8" y="T9"/>
-              </a:cxn>
-            </a:cxnLst>
-            <a:rect l="0" t="0" r="r" b="b"/>
-            <a:pathLst>
-              <a:path w="106" h="1114">
-                <a:moveTo>
-                  <a:pt x="106" y="1114"/>
-                </a:moveTo>
-                <a:lnTo>
-                  <a:pt x="0" y="1005"/>
-                </a:lnTo>
-                <a:lnTo>
-                  <a:pt x="0" y="0"/>
-                </a:lnTo>
-                <a:lnTo>
-                  <a:pt x="106" y="110"/>
-                </a:lnTo>
-                <a:lnTo>
-                  <a:pt x="106" y="1114"/>
-                </a:lnTo>
-                <a:close/>
-              </a:path>
-            </a:pathLst>
-          </a:custGeom>
-          <a:solidFill>
-            <a:schemeClr val="accent1">
-              <a:lumMod val="50000"/>
-            </a:schemeClr>
-          </a:solidFill>
-          <a:ln>
-            <a:noFill/>
-          </a:ln>
-        </p:spPr>
-        <p:txBody>
-          <a:bodyPr vert="horz" wrap="square" lIns="91440" tIns="45720" rIns="91440" bIns="45720" numCol="1" anchor="t" anchorCtr="0" compatLnSpc="1">
-            <a:prstTxWarp prst="textNoShape">
-              <a:avLst/>
-            </a:prstTxWarp>
-          </a:bodyPr>
-          <a:lstStyle/>
-          <a:p>
-            <a:endParaRPr lang="en-US"/>
-          </a:p>
-        </p:txBody>
-      </p:sp>
-      <p:sp>
-        <p:nvSpPr>
-          <p:cNvPr id="16" name="Freeform 44">
-            <a:extLst>
-              <a:ext uri="{FF2B5EF4-FFF2-40B4-BE49-F238E27FC236}">
-                <a16:creationId xmlns:a16="http://schemas.microsoft.com/office/drawing/2014/main" id="{7A62E32F-BB65-43A8-8EB5-92346890E549}"/>
-              </a:ext>
-              <a:ext uri="{C183D7F6-B498-43B3-948B-1728B52AA6E4}">
-                <adec:decorative xmlns:adec="http://schemas.microsoft.com/office/drawing/2017/decorative" val="1"/>
-              </a:ext>
-            </a:extLst>
-          </p:cNvPr>
-          <p:cNvSpPr>
-            <a:spLocks noGrp="1" noRot="1" noChangeAspect="1" noMove="1" noResize="1" noEditPoints="1" noAdjustHandles="1" noChangeArrowheads="1" noChangeShapeType="1" noTextEdit="1"/>
-          </p:cNvSpPr>
-          <p:nvPr>
-            <p:extLst>
-              <p:ext uri="{386F3935-93C4-4BCD-93E2-E3B085C9AB24}">
-                <p16:designElem xmlns:p16="http://schemas.microsoft.com/office/powerpoint/2015/main" val="1"/>
-              </p:ext>
-            </p:extLst>
-          </p:nvPr>
-        </p:nvSpPr>
-        <p:spPr bwMode="auto">
-          <a:xfrm>
-            <a:off x="11223203" y="635716"/>
-            <a:ext cx="328612" cy="1742360"/>
-          </a:xfrm>
-          <a:custGeom>
-            <a:avLst/>
-            <a:gdLst>
-              <a:gd name="T0" fmla="*/ 207 w 207"/>
-              <a:gd name="T1" fmla="*/ 987 h 1114"/>
-              <a:gd name="T2" fmla="*/ 0 w 207"/>
-              <a:gd name="T3" fmla="*/ 1114 h 1114"/>
-              <a:gd name="T4" fmla="*/ 0 w 207"/>
-              <a:gd name="T5" fmla="*/ 127 h 1114"/>
-              <a:gd name="T6" fmla="*/ 207 w 207"/>
-              <a:gd name="T7" fmla="*/ 0 h 1114"/>
-              <a:gd name="T8" fmla="*/ 207 w 207"/>
-              <a:gd name="T9" fmla="*/ 987 h 1114"/>
-            </a:gdLst>
-            <a:ahLst/>
-            <a:cxnLst>
-              <a:cxn ang="0">
-                <a:pos x="T0" y="T1"/>
-              </a:cxn>
-              <a:cxn ang="0">
-                <a:pos x="T2" y="T3"/>
-              </a:cxn>
-              <a:cxn ang="0">
-                <a:pos x="T4" y="T5"/>
-              </a:cxn>
-              <a:cxn ang="0">
-                <a:pos x="T6" y="T7"/>
-              </a:cxn>
-              <a:cxn ang="0">
-                <a:pos x="T8" y="T9"/>
-              </a:cxn>
-            </a:cxnLst>
-            <a:rect l="0" t="0" r="r" b="b"/>
-            <a:pathLst>
-              <a:path w="207" h="1114">
-                <a:moveTo>
-                  <a:pt x="207" y="987"/>
-                </a:moveTo>
-                <a:lnTo>
-                  <a:pt x="0" y="1114"/>
-                </a:lnTo>
-                <a:lnTo>
-                  <a:pt x="0" y="127"/>
-                </a:lnTo>
-                <a:lnTo>
-                  <a:pt x="207" y="0"/>
-                </a:lnTo>
-                <a:lnTo>
-                  <a:pt x="207" y="987"/>
-                </a:lnTo>
-                <a:close/>
-              </a:path>
-            </a:pathLst>
-          </a:custGeom>
-          <a:solidFill>
-            <a:schemeClr val="accent1">
-              <a:lumMod val="50000"/>
-            </a:schemeClr>
-          </a:solidFill>
-          <a:ln>
-            <a:noFill/>
-          </a:ln>
-        </p:spPr>
-        <p:txBody>
-          <a:bodyPr vert="horz" wrap="square" lIns="91440" tIns="45720" rIns="91440" bIns="45720" numCol="1" anchor="t" anchorCtr="0" compatLnSpc="1">
-            <a:prstTxWarp prst="textNoShape">
-              <a:avLst/>
-            </a:prstTxWarp>
-          </a:bodyPr>
-          <a:lstStyle/>
-          <a:p>
-            <a:endParaRPr lang="en-US"/>
-          </a:p>
-        </p:txBody>
-      </p:sp>
-      <p:sp>
-        <p:nvSpPr>
-          <p:cNvPr id="18" name="Rectangle 17">
-            <a:extLst>
-              <a:ext uri="{FF2B5EF4-FFF2-40B4-BE49-F238E27FC236}">
-                <a16:creationId xmlns:a16="http://schemas.microsoft.com/office/drawing/2014/main" id="{14E91B64-9FCC-451E-AFB4-A827D6329367}"/>
-              </a:ext>
-              <a:ext uri="{C183D7F6-B498-43B3-948B-1728B52AA6E4}">
-                <adec:decorative xmlns:adec="http://schemas.microsoft.com/office/drawing/2017/decorative" val="1"/>
-              </a:ext>
-            </a:extLst>
-          </p:cNvPr>
-          <p:cNvSpPr>
-            <a:spLocks noGrp="1" noRot="1" noChangeAspect="1" noMove="1" noResize="1" noEditPoints="1" noAdjustHandles="1" noChangeArrowheads="1" noChangeShapeType="1" noTextEdit="1"/>
-          </p:cNvSpPr>
-          <p:nvPr>
-            <p:extLst>
-              <p:ext uri="{386F3935-93C4-4BCD-93E2-E3B085C9AB24}">
-                <p16:designElem xmlns:p16="http://schemas.microsoft.com/office/powerpoint/2015/main" val="1"/>
-              </p:ext>
-            </p:extLst>
-          </p:nvPr>
-        </p:nvSpPr>
-        <p:spPr bwMode="auto">
-          <a:xfrm>
-            <a:off x="644055" y="635715"/>
-            <a:ext cx="10907863" cy="1541457"/>
-          </a:xfrm>
-          <a:prstGeom prst="rect">
-            <a:avLst/>
-          </a:prstGeom>
-          <a:solidFill>
-            <a:schemeClr val="accent1"/>
-          </a:solidFill>
-          <a:ln>
-            <a:noFill/>
-          </a:ln>
-        </p:spPr>
-        <p:txBody>
-          <a:bodyPr vert="horz" wrap="square" lIns="91440" tIns="45720" rIns="91440" bIns="45720" numCol="1" anchor="t" anchorCtr="0" compatLnSpc="1">
-            <a:prstTxWarp prst="textNoShape">
-              <a:avLst/>
-            </a:prstTxWarp>
-          </a:bodyPr>
-          <a:lstStyle/>
-          <a:p>
-            <a:endParaRPr lang="en-US"/>
-          </a:p>
-        </p:txBody>
-      </p:sp>
-      <p:sp>
-        <p:nvSpPr>
-          <p:cNvPr id="2" name="Titre 1">
-            <a:extLst>
-              <a:ext uri="{FF2B5EF4-FFF2-40B4-BE49-F238E27FC236}">
-                <a16:creationId xmlns:a16="http://schemas.microsoft.com/office/drawing/2014/main" id="{5F43244E-9AAB-4DF2-B28F-D57B921A9CC6}"/>
-              </a:ext>
-            </a:extLst>
-          </p:cNvPr>
-          <p:cNvSpPr>
-            <a:spLocks noGrp="1"/>
-          </p:cNvSpPr>
-          <p:nvPr>
-            <p:ph type="title"/>
-          </p:nvPr>
-        </p:nvSpPr>
-        <p:spPr>
-          <a:xfrm>
-            <a:off x="958506" y="800392"/>
-            <a:ext cx="10264697" cy="1212102"/>
-          </a:xfrm>
-        </p:spPr>
-        <p:txBody>
-          <a:bodyPr>
-            <a:normAutofit/>
-          </a:bodyPr>
-          <a:lstStyle/>
-          <a:p>
-            <a:r>
-              <a:rPr lang="fr-FR" sz="4000" dirty="0">
-                <a:solidFill>
-                  <a:schemeClr val="bg1"/>
-                </a:solidFill>
-              </a:rPr>
-              <a:t>PDO – Requêtes</a:t>
-            </a:r>
-          </a:p>
-        </p:txBody>
-      </p:sp>
-      <p:sp>
-        <p:nvSpPr>
-          <p:cNvPr id="4" name="Espace réservé du numéro de diapositive 3">
-            <a:extLst>
-              <a:ext uri="{FF2B5EF4-FFF2-40B4-BE49-F238E27FC236}">
-                <a16:creationId xmlns:a16="http://schemas.microsoft.com/office/drawing/2014/main" id="{9A00D674-7F0A-4352-8C96-7F5A5E78D104}"/>
-              </a:ext>
-            </a:extLst>
-          </p:cNvPr>
-          <p:cNvSpPr>
-            <a:spLocks noGrp="1"/>
-          </p:cNvSpPr>
-          <p:nvPr>
-            <p:ph type="sldNum" sz="quarter" idx="12"/>
-          </p:nvPr>
-        </p:nvSpPr>
-        <p:spPr>
-          <a:xfrm>
-            <a:off x="8644309" y="6310313"/>
-            <a:ext cx="2743200" cy="365125"/>
-          </a:xfrm>
-        </p:spPr>
-        <p:txBody>
-          <a:bodyPr/>
-          <a:lstStyle/>
-          <a:p>
-            <a:fld id="{F8323CC4-5E62-4ADB-BC7C-89B23C89378E}" type="slidenum">
-              <a:rPr lang="fr-FR" smtClean="0"/>
-              <a:t>7</a:t>
-            </a:fld>
-            <a:endParaRPr lang="fr-FR"/>
-          </a:p>
-        </p:txBody>
-      </p:sp>
-      <p:pic>
-        <p:nvPicPr>
-          <p:cNvPr id="7" name="Image 6">
-            <a:extLst>
-              <a:ext uri="{FF2B5EF4-FFF2-40B4-BE49-F238E27FC236}">
-                <a16:creationId xmlns:a16="http://schemas.microsoft.com/office/drawing/2014/main" id="{1CA48E0F-5958-4E7D-80B3-A8ED2EFE0401}"/>
-              </a:ext>
-            </a:extLst>
-          </p:cNvPr>
-          <p:cNvPicPr>
-            <a:picLocks noChangeAspect="1"/>
-          </p:cNvPicPr>
-          <p:nvPr/>
         </p:nvPicPr>
         <p:blipFill>
-          <a:blip r:embed="rId2"/>
-          <a:stretch>
-            <a:fillRect/>
-          </a:stretch>
-        </p:blipFill>
-        <p:spPr>
-          <a:xfrm>
-            <a:off x="1615520" y="3596630"/>
-            <a:ext cx="8964932" cy="920956"/>
-          </a:xfrm>
-          <a:prstGeom prst="rect">
-            <a:avLst/>
-          </a:prstGeom>
-        </p:spPr>
-      </p:pic>
-      <p:sp>
-        <p:nvSpPr>
-          <p:cNvPr id="9" name="ZoneTexte 8">
-            <a:extLst>
-              <a:ext uri="{FF2B5EF4-FFF2-40B4-BE49-F238E27FC236}">
-                <a16:creationId xmlns:a16="http://schemas.microsoft.com/office/drawing/2014/main" id="{5B22C9B3-0306-4ADE-8CDA-C2DB126B9CB7}"/>
-              </a:ext>
-            </a:extLst>
-          </p:cNvPr>
-          <p:cNvSpPr txBox="1"/>
-          <p:nvPr/>
-        </p:nvSpPr>
-        <p:spPr>
-          <a:xfrm>
-            <a:off x="1815737" y="2634888"/>
-            <a:ext cx="8634549" cy="461665"/>
-          </a:xfrm>
-          <a:prstGeom prst="rect">
-            <a:avLst/>
-          </a:prstGeom>
-          <a:noFill/>
-        </p:spPr>
-        <p:txBody>
-          <a:bodyPr wrap="square" rtlCol="0">
-            <a:spAutoFit/>
-          </a:bodyPr>
-          <a:lstStyle/>
-          <a:p>
-            <a:pPr marL="285750" indent="-285750">
-              <a:buFont typeface="Arial" panose="020B0604020202020204" pitchFamily="34" charset="0"/>
-              <a:buChar char="•"/>
-            </a:pPr>
-            <a:r>
-              <a:rPr lang="fr-FR" sz="2400" dirty="0"/>
-              <a:t>Méthode Query() </a:t>
-            </a:r>
-          </a:p>
-        </p:txBody>
-      </p:sp>
-      <p:pic>
-        <p:nvPicPr>
-          <p:cNvPr id="13" name="Graphique 12" descr="Fermer">
-            <a:extLst>
-              <a:ext uri="{FF2B5EF4-FFF2-40B4-BE49-F238E27FC236}">
-                <a16:creationId xmlns:a16="http://schemas.microsoft.com/office/drawing/2014/main" id="{4CA4B426-F869-45A3-AAC2-5E216EF0FF43}"/>
-              </a:ext>
-            </a:extLst>
-          </p:cNvPr>
-          <p:cNvPicPr>
-            <a:picLocks noChangeAspect="1"/>
-          </p:cNvPicPr>
-          <p:nvPr/>
-        </p:nvPicPr>
-        <p:blipFill>
-          <a:blip r:embed="rId3">
+          <a:blip r:embed="rId2">
             <a:extLst>
               <a:ext uri="{28A0092B-C50C-407E-A947-70E740481C1C}">
                 <a14:useLocalDpi xmlns:a14="http://schemas.microsoft.com/office/drawing/2010/main" val="0"/>
-              </a:ext>
-              <a:ext uri="{96DAC541-7B7A-43D3-8B79-37D633B846F1}">
-                <asvg:svgBlip xmlns:asvg="http://schemas.microsoft.com/office/drawing/2016/SVG/main" r:embed="rId4"/>
               </a:ext>
             </a:extLst>
           </a:blip>
@@ -12703,8 +18009,8 @@
         </p:blipFill>
         <p:spPr>
           <a:xfrm>
-            <a:off x="2471296" y="5017662"/>
-            <a:ext cx="1485827" cy="1485827"/>
+            <a:off x="0" y="0"/>
+            <a:ext cx="12192000" cy="6858000"/>
           </a:xfrm>
           <a:prstGeom prst="rect">
             <a:avLst/>
@@ -12713,102 +18019,105 @@
       </p:pic>
       <p:sp>
         <p:nvSpPr>
-          <p:cNvPr id="15" name="ZoneTexte 14">
-            <a:extLst>
-              <a:ext uri="{FF2B5EF4-FFF2-40B4-BE49-F238E27FC236}">
-                <a16:creationId xmlns:a16="http://schemas.microsoft.com/office/drawing/2014/main" id="{BCB01B7F-0A1E-4BE6-8FA6-1D093FBABB26}"/>
-              </a:ext>
-            </a:extLst>
-          </p:cNvPr>
-          <p:cNvSpPr txBox="1"/>
-          <p:nvPr/>
+          <p:cNvPr id="2" name="Titre 1">
+            <a:extLst>
+              <a:ext uri="{FF2B5EF4-FFF2-40B4-BE49-F238E27FC236}">
+                <a16:creationId xmlns:a16="http://schemas.microsoft.com/office/drawing/2014/main" id="{8404C750-0C85-489E-BB3C-C92D0998144B}"/>
+              </a:ext>
+            </a:extLst>
+          </p:cNvPr>
+          <p:cNvSpPr>
+            <a:spLocks noGrp="1"/>
+          </p:cNvSpPr>
+          <p:nvPr>
+            <p:ph type="title"/>
+          </p:nvPr>
         </p:nvSpPr>
         <p:spPr>
           <a:xfrm>
-            <a:off x="4302308" y="5447807"/>
-            <a:ext cx="4721596" cy="461665"/>
-          </a:xfrm>
-          <a:prstGeom prst="rect">
-            <a:avLst/>
-          </a:prstGeom>
-          <a:noFill/>
-        </p:spPr>
-        <p:txBody>
-          <a:bodyPr wrap="square" rtlCol="0">
-            <a:spAutoFit/>
+            <a:off x="3045368" y="2043663"/>
+            <a:ext cx="6105194" cy="2031055"/>
+          </a:xfrm>
+        </p:spPr>
+        <p:txBody>
+          <a:bodyPr vert="horz" lIns="91440" tIns="45720" rIns="91440" bIns="45720" rtlCol="0" anchor="b">
+            <a:normAutofit/>
           </a:bodyPr>
           <a:lstStyle/>
           <a:p>
+            <a:pPr algn="ctr"/>
             <a:r>
-              <a:rPr lang="fr-FR" sz="2400" dirty="0"/>
-              <a:t>Mauvaise solution </a:t>
+              <a:rPr lang="en-US" sz="4700" kern="1200">
+                <a:solidFill>
+                  <a:srgbClr val="FFFFFF"/>
+                </a:solidFill>
+                <a:latin typeface="+mj-lt"/>
+                <a:ea typeface="+mj-ea"/>
+                <a:cs typeface="+mj-cs"/>
+              </a:rPr>
+              <a:t>Exercice 1 – Connexion a la base de données</a:t>
             </a:r>
-            <a:r>
-              <a:rPr lang="fr-FR" sz="2400" dirty="0">
-                <a:sym typeface="Wingdings" panose="05000000000000000000" pitchFamily="2" charset="2"/>
+          </a:p>
+        </p:txBody>
+      </p:sp>
+      <p:sp>
+        <p:nvSpPr>
+          <p:cNvPr id="4" name="Espace réservé du numéro de diapositive 3">
+            <a:extLst>
+              <a:ext uri="{FF2B5EF4-FFF2-40B4-BE49-F238E27FC236}">
+                <a16:creationId xmlns:a16="http://schemas.microsoft.com/office/drawing/2014/main" id="{514FEA65-8953-461F-9C80-F124938F4A13}"/>
+              </a:ext>
+            </a:extLst>
+          </p:cNvPr>
+          <p:cNvSpPr>
+            <a:spLocks noGrp="1"/>
+          </p:cNvSpPr>
+          <p:nvPr>
+            <p:ph type="sldNum" sz="quarter" idx="12"/>
+          </p:nvPr>
+        </p:nvSpPr>
+        <p:spPr>
+          <a:xfrm>
+            <a:off x="10825930" y="6223702"/>
+            <a:ext cx="570728" cy="314067"/>
+          </a:xfrm>
+        </p:spPr>
+        <p:txBody>
+          <a:bodyPr vert="horz" lIns="91440" tIns="45720" rIns="91440" bIns="45720" rtlCol="0" anchor="ctr">
+            <a:normAutofit/>
+          </a:bodyPr>
+          <a:lstStyle/>
+          <a:p>
+            <a:pPr>
+              <a:spcAft>
+                <a:spcPts val="600"/>
+              </a:spcAft>
+            </a:pPr>
+            <a:fld id="{F8323CC4-5E62-4ADB-BC7C-89B23C89378E}" type="slidenum">
+              <a:rPr lang="en-US" sz="1000">
+                <a:solidFill>
+                  <a:srgbClr val="898989"/>
+                </a:solidFill>
               </a:rPr>
-              <a:t> Injection SQL</a:t>
-            </a:r>
-            <a:endParaRPr lang="fr-FR" sz="2400" dirty="0"/>
-          </a:p>
-        </p:txBody>
-      </p:sp>
-      <p:sp>
-        <p:nvSpPr>
-          <p:cNvPr id="17" name="Rectangle 16">
-            <a:extLst>
-              <a:ext uri="{FF2B5EF4-FFF2-40B4-BE49-F238E27FC236}">
-                <a16:creationId xmlns:a16="http://schemas.microsoft.com/office/drawing/2014/main" id="{0C260477-7B02-4FFC-92E7-54F12009EBAB}"/>
-              </a:ext>
-            </a:extLst>
-          </p:cNvPr>
-          <p:cNvSpPr/>
-          <p:nvPr/>
-        </p:nvSpPr>
-        <p:spPr>
-          <a:xfrm>
-            <a:off x="1946366" y="4853790"/>
-            <a:ext cx="8634086" cy="1649700"/>
-          </a:xfrm>
-          <a:prstGeom prst="rect">
-            <a:avLst/>
-          </a:prstGeom>
-          <a:noFill/>
-          <a:ln>
-            <a:solidFill>
-              <a:srgbClr val="FF0000"/>
-            </a:solidFill>
-          </a:ln>
-        </p:spPr>
-        <p:style>
-          <a:lnRef idx="2">
-            <a:schemeClr val="accent1">
-              <a:shade val="50000"/>
-            </a:schemeClr>
-          </a:lnRef>
-          <a:fillRef idx="1">
-            <a:schemeClr val="accent1"/>
-          </a:fillRef>
-          <a:effectRef idx="0">
-            <a:schemeClr val="accent1"/>
-          </a:effectRef>
-          <a:fontRef idx="minor">
-            <a:schemeClr val="lt1"/>
-          </a:fontRef>
-        </p:style>
-        <p:txBody>
-          <a:bodyPr rtlCol="0" anchor="ctr"/>
-          <a:lstStyle/>
-          <a:p>
-            <a:pPr algn="ctr"/>
-            <a:endParaRPr lang="fr-FR"/>
+              <a:pPr>
+                <a:spcAft>
+                  <a:spcPts val="600"/>
+                </a:spcAft>
+              </a:pPr>
+              <a:t>7</a:t>
+            </a:fld>
+            <a:endParaRPr lang="en-US" sz="1000">
+              <a:solidFill>
+                <a:srgbClr val="898989"/>
+              </a:solidFill>
+            </a:endParaRPr>
           </a:p>
         </p:txBody>
       </p:sp>
     </p:spTree>
     <p:extLst>
       <p:ext uri="{BB962C8B-B14F-4D97-AF65-F5344CB8AC3E}">
-        <p14:creationId xmlns:p14="http://schemas.microsoft.com/office/powerpoint/2010/main" val="3672694565"/>
+        <p14:creationId xmlns:p14="http://schemas.microsoft.com/office/powerpoint/2010/main" val="3666452818"/>
       </p:ext>
     </p:extLst>
   </p:cSld>
@@ -13399,7 +18708,7 @@
                   <a:schemeClr val="bg1"/>
                 </a:solidFill>
               </a:rPr>
-              <a:t>PDO – Requêtes préparées</a:t>
+              <a:t>PDO – Requêtes</a:t>
             </a:r>
           </a:p>
         </p:txBody>
@@ -13438,51 +18747,12 @@
           </a:p>
         </p:txBody>
       </p:sp>
-      <p:sp>
-        <p:nvSpPr>
-          <p:cNvPr id="9" name="ZoneTexte 8">
-            <a:extLst>
-              <a:ext uri="{FF2B5EF4-FFF2-40B4-BE49-F238E27FC236}">
-                <a16:creationId xmlns:a16="http://schemas.microsoft.com/office/drawing/2014/main" id="{5B22C9B3-0306-4ADE-8CDA-C2DB126B9CB7}"/>
-              </a:ext>
-            </a:extLst>
-          </p:cNvPr>
-          <p:cNvSpPr txBox="1"/>
-          <p:nvPr/>
-        </p:nvSpPr>
-        <p:spPr>
-          <a:xfrm>
-            <a:off x="1773578" y="2416679"/>
-            <a:ext cx="8634549" cy="461665"/>
-          </a:xfrm>
-          <a:prstGeom prst="rect">
-            <a:avLst/>
-          </a:prstGeom>
-          <a:noFill/>
-        </p:spPr>
-        <p:txBody>
-          <a:bodyPr wrap="square" rtlCol="0">
-            <a:spAutoFit/>
-          </a:bodyPr>
-          <a:lstStyle/>
-          <a:p>
-            <a:pPr marL="285750" indent="-285750">
-              <a:buFont typeface="Arial" panose="020B0604020202020204" pitchFamily="34" charset="0"/>
-              <a:buChar char="•"/>
-            </a:pPr>
-            <a:r>
-              <a:rPr lang="fr-FR" sz="2400" dirty="0"/>
-              <a:t>Méthode Prepare() </a:t>
-            </a:r>
-          </a:p>
-        </p:txBody>
-      </p:sp>
       <p:pic>
         <p:nvPicPr>
-          <p:cNvPr id="3" name="Image 2">
-            <a:extLst>
-              <a:ext uri="{FF2B5EF4-FFF2-40B4-BE49-F238E27FC236}">
-                <a16:creationId xmlns:a16="http://schemas.microsoft.com/office/drawing/2014/main" id="{070627D6-B331-47A4-A327-0B84278A4787}"/>
+          <p:cNvPr id="7" name="Image 6">
+            <a:extLst>
+              <a:ext uri="{FF2B5EF4-FFF2-40B4-BE49-F238E27FC236}">
+                <a16:creationId xmlns:a16="http://schemas.microsoft.com/office/drawing/2014/main" id="{1CA48E0F-5958-4E7D-80B3-A8ED2EFE0401}"/>
               </a:ext>
             </a:extLst>
           </p:cNvPr>
@@ -13499,8 +18769,8 @@
         </p:blipFill>
         <p:spPr>
           <a:xfrm>
-            <a:off x="2087088" y="3009412"/>
-            <a:ext cx="7276011" cy="1738392"/>
+            <a:off x="1615520" y="3596630"/>
+            <a:ext cx="8964932" cy="920956"/>
           </a:xfrm>
           <a:prstGeom prst="rect">
             <a:avLst/>
@@ -13509,10 +18779,10 @@
       </p:pic>
       <p:sp>
         <p:nvSpPr>
-          <p:cNvPr id="5" name="ZoneTexte 4">
-            <a:extLst>
-              <a:ext uri="{FF2B5EF4-FFF2-40B4-BE49-F238E27FC236}">
-                <a16:creationId xmlns:a16="http://schemas.microsoft.com/office/drawing/2014/main" id="{41AB7D10-BDC6-4A6B-9B8B-752CDFE52754}"/>
+          <p:cNvPr id="9" name="ZoneTexte 8">
+            <a:extLst>
+              <a:ext uri="{FF2B5EF4-FFF2-40B4-BE49-F238E27FC236}">
+                <a16:creationId xmlns:a16="http://schemas.microsoft.com/office/drawing/2014/main" id="{5B22C9B3-0306-4ADE-8CDA-C2DB126B9CB7}"/>
               </a:ext>
             </a:extLst>
           </p:cNvPr>
@@ -13521,8 +18791,8 @@
         </p:nvSpPr>
         <p:spPr>
           <a:xfrm>
-            <a:off x="1636419" y="5158004"/>
-            <a:ext cx="8908869" cy="830997"/>
+            <a:off x="1815737" y="2634888"/>
+            <a:ext cx="8634549" cy="461665"/>
           </a:xfrm>
           <a:prstGeom prst="rect">
             <a:avLst/>
@@ -13541,15 +18811,148 @@
             </a:pPr>
             <a:r>
               <a:rPr lang="fr-FR" sz="2400" dirty="0"/>
-              <a:t>Contenu des variables automatiquement sécurisé pour prévenir les risques d'injection SQL</a:t>
+              <a:t>Méthode Query() </a:t>
             </a:r>
+          </a:p>
+        </p:txBody>
+      </p:sp>
+      <p:pic>
+        <p:nvPicPr>
+          <p:cNvPr id="13" name="Graphique 12" descr="Fermer">
+            <a:extLst>
+              <a:ext uri="{FF2B5EF4-FFF2-40B4-BE49-F238E27FC236}">
+                <a16:creationId xmlns:a16="http://schemas.microsoft.com/office/drawing/2014/main" id="{4CA4B426-F869-45A3-AAC2-5E216EF0FF43}"/>
+              </a:ext>
+            </a:extLst>
+          </p:cNvPr>
+          <p:cNvPicPr>
+            <a:picLocks noChangeAspect="1"/>
+          </p:cNvPicPr>
+          <p:nvPr/>
+        </p:nvPicPr>
+        <p:blipFill>
+          <a:blip r:embed="rId3">
+            <a:extLst>
+              <a:ext uri="{28A0092B-C50C-407E-A947-70E740481C1C}">
+                <a14:useLocalDpi xmlns:a14="http://schemas.microsoft.com/office/drawing/2010/main" val="0"/>
+              </a:ext>
+              <a:ext uri="{96DAC541-7B7A-43D3-8B79-37D633B846F1}">
+                <asvg:svgBlip xmlns:asvg="http://schemas.microsoft.com/office/drawing/2016/SVG/main" r:embed="rId4"/>
+              </a:ext>
+            </a:extLst>
+          </a:blip>
+          <a:stretch>
+            <a:fillRect/>
+          </a:stretch>
+        </p:blipFill>
+        <p:spPr>
+          <a:xfrm>
+            <a:off x="2471296" y="5017662"/>
+            <a:ext cx="1485827" cy="1485827"/>
+          </a:xfrm>
+          <a:prstGeom prst="rect">
+            <a:avLst/>
+          </a:prstGeom>
+        </p:spPr>
+      </p:pic>
+      <p:sp>
+        <p:nvSpPr>
+          <p:cNvPr id="15" name="ZoneTexte 14">
+            <a:extLst>
+              <a:ext uri="{FF2B5EF4-FFF2-40B4-BE49-F238E27FC236}">
+                <a16:creationId xmlns:a16="http://schemas.microsoft.com/office/drawing/2014/main" id="{BCB01B7F-0A1E-4BE6-8FA6-1D093FBABB26}"/>
+              </a:ext>
+            </a:extLst>
+          </p:cNvPr>
+          <p:cNvSpPr txBox="1"/>
+          <p:nvPr/>
+        </p:nvSpPr>
+        <p:spPr>
+          <a:xfrm>
+            <a:off x="4302308" y="5447807"/>
+            <a:ext cx="4721596" cy="461665"/>
+          </a:xfrm>
+          <a:prstGeom prst="rect">
+            <a:avLst/>
+          </a:prstGeom>
+          <a:noFill/>
+        </p:spPr>
+        <p:txBody>
+          <a:bodyPr wrap="square" rtlCol="0">
+            <a:spAutoFit/>
+          </a:bodyPr>
+          <a:lstStyle/>
+          <a:p>
+            <a:r>
+              <a:rPr lang="fr-FR" sz="2400" dirty="0"/>
+              <a:t>Mauvaise solution </a:t>
+            </a:r>
+            <a:r>
+              <a:rPr lang="fr-FR" sz="2400" dirty="0">
+                <a:sym typeface="Wingdings" panose="05000000000000000000" pitchFamily="2" charset="2"/>
+              </a:rPr>
+              <a:t> Injection SQL</a:t>
+            </a:r>
+            <a:endParaRPr lang="fr-FR" sz="2400" dirty="0"/>
+          </a:p>
+        </p:txBody>
+      </p:sp>
+      <p:sp>
+        <p:nvSpPr>
+          <p:cNvPr id="17" name="Rectangle 16">
+            <a:extLst>
+              <a:ext uri="{FF2B5EF4-FFF2-40B4-BE49-F238E27FC236}">
+                <a16:creationId xmlns:a16="http://schemas.microsoft.com/office/drawing/2014/main" id="{0C260477-7B02-4FFC-92E7-54F12009EBAB}"/>
+              </a:ext>
+            </a:extLst>
+          </p:cNvPr>
+          <p:cNvSpPr/>
+          <p:nvPr/>
+        </p:nvSpPr>
+        <p:spPr>
+          <a:xfrm>
+            <a:off x="1946366" y="4853790"/>
+            <a:ext cx="8634086" cy="1649700"/>
+          </a:xfrm>
+          <a:prstGeom prst="rect">
+            <a:avLst/>
+          </a:prstGeom>
+          <a:noFill/>
+          <a:ln>
+            <a:solidFill>
+              <a:srgbClr val="FF0000"/>
+            </a:solidFill>
+          </a:ln>
+        </p:spPr>
+        <p:style>
+          <a:lnRef idx="2">
+            <a:schemeClr val="accent1">
+              <a:shade val="50000"/>
+            </a:schemeClr>
+          </a:lnRef>
+          <a:fillRef idx="1">
+            <a:schemeClr val="accent1"/>
+          </a:fillRef>
+          <a:effectRef idx="0">
+            <a:schemeClr val="accent1"/>
+          </a:effectRef>
+          <a:fontRef idx="minor">
+            <a:schemeClr val="lt1"/>
+          </a:fontRef>
+        </p:style>
+        <p:txBody>
+          <a:bodyPr rtlCol="0" anchor="ctr"/>
+          <a:lstStyle/>
+          <a:p>
+            <a:pPr algn="ctr"/>
+            <a:endParaRPr lang="fr-FR"/>
           </a:p>
         </p:txBody>
       </p:sp>
     </p:spTree>
     <p:extLst>
       <p:ext uri="{BB962C8B-B14F-4D97-AF65-F5344CB8AC3E}">
-        <p14:creationId xmlns:p14="http://schemas.microsoft.com/office/powerpoint/2010/main" val="2037621048"/>
+        <p14:creationId xmlns:p14="http://schemas.microsoft.com/office/powerpoint/2010/main" val="3672694565"/>
       </p:ext>
     </p:extLst>
   </p:cSld>
@@ -14213,63 +19616,17 @@
             </a:pPr>
             <a:r>
               <a:rPr lang="fr-FR" sz="2400" dirty="0"/>
-              <a:t>Méthode Prepare() avec marqueurs nominatifs </a:t>
+              <a:t>Méthode Prepare() </a:t>
             </a:r>
-          </a:p>
-        </p:txBody>
-      </p:sp>
-      <p:sp>
-        <p:nvSpPr>
-          <p:cNvPr id="5" name="ZoneTexte 4">
-            <a:extLst>
-              <a:ext uri="{FF2B5EF4-FFF2-40B4-BE49-F238E27FC236}">
-                <a16:creationId xmlns:a16="http://schemas.microsoft.com/office/drawing/2014/main" id="{41AB7D10-BDC6-4A6B-9B8B-752CDFE52754}"/>
-              </a:ext>
-            </a:extLst>
-          </p:cNvPr>
-          <p:cNvSpPr txBox="1"/>
-          <p:nvPr/>
-        </p:nvSpPr>
-        <p:spPr>
-          <a:xfrm>
-            <a:off x="1636419" y="5158004"/>
-            <a:ext cx="8908869" cy="1200329"/>
-          </a:xfrm>
-          <a:prstGeom prst="rect">
-            <a:avLst/>
-          </a:prstGeom>
-          <a:noFill/>
-        </p:spPr>
-        <p:txBody>
-          <a:bodyPr wrap="square" rtlCol="0">
-            <a:spAutoFit/>
-          </a:bodyPr>
-          <a:lstStyle/>
-          <a:p>
-            <a:pPr marL="285750" indent="-285750">
-              <a:buFont typeface="Arial" panose="020B0604020202020204" pitchFamily="34" charset="0"/>
-              <a:buChar char="•"/>
-            </a:pPr>
-            <a:r>
-              <a:rPr lang="fr-FR" sz="2400" dirty="0"/>
-              <a:t>Avantages : requête plus lisible, surtout lorsqu’il y a beaucoup de variables</a:t>
-            </a:r>
-          </a:p>
-          <a:p>
-            <a:pPr marL="285750" indent="-285750">
-              <a:buFont typeface="Arial" panose="020B0604020202020204" pitchFamily="34" charset="0"/>
-              <a:buChar char="•"/>
-            </a:pPr>
-            <a:endParaRPr lang="fr-FR" sz="2400" dirty="0"/>
           </a:p>
         </p:txBody>
       </p:sp>
       <p:pic>
         <p:nvPicPr>
-          <p:cNvPr id="6" name="Image 5">
-            <a:extLst>
-              <a:ext uri="{FF2B5EF4-FFF2-40B4-BE49-F238E27FC236}">
-                <a16:creationId xmlns:a16="http://schemas.microsoft.com/office/drawing/2014/main" id="{350364BD-E6EF-40A1-A54D-A609C85F59D1}"/>
+          <p:cNvPr id="3" name="Image 2">
+            <a:extLst>
+              <a:ext uri="{FF2B5EF4-FFF2-40B4-BE49-F238E27FC236}">
+                <a16:creationId xmlns:a16="http://schemas.microsoft.com/office/drawing/2014/main" id="{070627D6-B331-47A4-A327-0B84278A4787}"/>
               </a:ext>
             </a:extLst>
           </p:cNvPr>
@@ -14286,18 +19643,57 @@
         </p:blipFill>
         <p:spPr>
           <a:xfrm>
-            <a:off x="2056094" y="3029090"/>
-            <a:ext cx="8079811" cy="1901133"/>
+            <a:off x="2087088" y="3009412"/>
+            <a:ext cx="7276011" cy="1738392"/>
           </a:xfrm>
           <a:prstGeom prst="rect">
             <a:avLst/>
           </a:prstGeom>
         </p:spPr>
       </p:pic>
+      <p:sp>
+        <p:nvSpPr>
+          <p:cNvPr id="5" name="ZoneTexte 4">
+            <a:extLst>
+              <a:ext uri="{FF2B5EF4-FFF2-40B4-BE49-F238E27FC236}">
+                <a16:creationId xmlns:a16="http://schemas.microsoft.com/office/drawing/2014/main" id="{41AB7D10-BDC6-4A6B-9B8B-752CDFE52754}"/>
+              </a:ext>
+            </a:extLst>
+          </p:cNvPr>
+          <p:cNvSpPr txBox="1"/>
+          <p:nvPr/>
+        </p:nvSpPr>
+        <p:spPr>
+          <a:xfrm>
+            <a:off x="1636419" y="5158004"/>
+            <a:ext cx="8908869" cy="830997"/>
+          </a:xfrm>
+          <a:prstGeom prst="rect">
+            <a:avLst/>
+          </a:prstGeom>
+          <a:noFill/>
+        </p:spPr>
+        <p:txBody>
+          <a:bodyPr wrap="square" rtlCol="0">
+            <a:spAutoFit/>
+          </a:bodyPr>
+          <a:lstStyle/>
+          <a:p>
+            <a:pPr marL="285750" indent="-285750">
+              <a:buFont typeface="Arial" panose="020B0604020202020204" pitchFamily="34" charset="0"/>
+              <a:buChar char="•"/>
+            </a:pPr>
+            <a:r>
+              <a:rPr lang="fr-FR" sz="2400" dirty="0"/>
+              <a:t>Contenu des variables automatiquement sécurisé pour prévenir les risques d'injection SQL</a:t>
+            </a:r>
+          </a:p>
+        </p:txBody>
+      </p:sp>
     </p:spTree>
     <p:extLst>
       <p:ext uri="{BB962C8B-B14F-4D97-AF65-F5344CB8AC3E}">
-        <p14:creationId xmlns:p14="http://schemas.microsoft.com/office/powerpoint/2010/main" val="1174444186"/>
+        <p14:creationId xmlns:p14="http://schemas.microsoft.com/office/powerpoint/2010/main" val="2037621048"/>
       </p:ext>
     </p:extLst>
   </p:cSld>

--- a/Formation de formateur.pptx
+++ b/Formation de formateur.pptx
@@ -5,7 +5,7 @@
     <p:sldMasterId id="2147483648" r:id="rId1"/>
   </p:sldMasterIdLst>
   <p:notesMasterIdLst>
-    <p:notesMasterId r:id="rId28"/>
+    <p:notesMasterId r:id="rId29"/>
   </p:notesMasterIdLst>
   <p:sldIdLst>
     <p:sldId id="256" r:id="rId2"/>
@@ -30,10 +30,11 @@
     <p:sldId id="278" r:id="rId21"/>
     <p:sldId id="281" r:id="rId22"/>
     <p:sldId id="280" r:id="rId23"/>
-    <p:sldId id="271" r:id="rId24"/>
-    <p:sldId id="283" r:id="rId25"/>
-    <p:sldId id="282" r:id="rId26"/>
-    <p:sldId id="284" r:id="rId27"/>
+    <p:sldId id="285" r:id="rId24"/>
+    <p:sldId id="271" r:id="rId25"/>
+    <p:sldId id="283" r:id="rId26"/>
+    <p:sldId id="282" r:id="rId27"/>
+    <p:sldId id="284" r:id="rId28"/>
   </p:sldIdLst>
   <p:sldSz cx="12192000" cy="6858000"/>
   <p:notesSz cx="6858000" cy="9144000"/>
@@ -4960,7 +4961,23 @@
             </a:pPr>
             <a:r>
               <a:rPr lang="fr-FR" sz="2400" dirty="0"/>
-              <a:t>Méthode Prepare() avec marqueurs nominatifs </a:t>
+              <a:t>Méthode </a:t>
+            </a:r>
+            <a:r>
+              <a:rPr lang="fr-FR" sz="2400" dirty="0" err="1"/>
+              <a:t>prepare</a:t>
+            </a:r>
+            <a:r>
+              <a:rPr lang="fr-FR" sz="2400" dirty="0"/>
+              <a:t>() et </a:t>
+            </a:r>
+            <a:r>
+              <a:rPr lang="fr-FR" sz="2400" dirty="0" err="1"/>
+              <a:t>execute</a:t>
+            </a:r>
+            <a:r>
+              <a:rPr lang="fr-FR" sz="2400" dirty="0"/>
+              <a:t>() avec marqueurs nominatifs </a:t>
             </a:r>
           </a:p>
         </p:txBody>
@@ -5013,10 +5030,10 @@
       </p:sp>
       <p:pic>
         <p:nvPicPr>
-          <p:cNvPr id="6" name="Image 5">
-            <a:extLst>
-              <a:ext uri="{FF2B5EF4-FFF2-40B4-BE49-F238E27FC236}">
-                <a16:creationId xmlns:a16="http://schemas.microsoft.com/office/drawing/2014/main" id="{350364BD-E6EF-40A1-A54D-A609C85F59D1}"/>
+          <p:cNvPr id="7" name="Image 6">
+            <a:extLst>
+              <a:ext uri="{FF2B5EF4-FFF2-40B4-BE49-F238E27FC236}">
+                <a16:creationId xmlns:a16="http://schemas.microsoft.com/office/drawing/2014/main" id="{8290CE10-67E6-4866-88BF-AF2A4E06EDED}"/>
               </a:ext>
             </a:extLst>
           </p:cNvPr>
@@ -5033,8 +5050,8 @@
         </p:blipFill>
         <p:spPr>
           <a:xfrm>
-            <a:off x="2056094" y="3029090"/>
-            <a:ext cx="8079811" cy="1901133"/>
+            <a:off x="2131717" y="3164803"/>
+            <a:ext cx="8213036" cy="1520059"/>
           </a:xfrm>
           <a:prstGeom prst="rect">
             <a:avLst/>
@@ -6361,7 +6378,7 @@
             </a:pPr>
             <a:r>
               <a:rPr lang="fr-FR" sz="2400" dirty="0"/>
-              <a:t>Résultat : Tant que $reponse-&gt;fetch() renvoie une ligne, on affiche cette ligne. </a:t>
+              <a:t>Résultat : Tant que $reponse-&gt;fetch() renvoie une ligne, on push la ligne dans le tableau $data.</a:t>
             </a:r>
           </a:p>
           <a:p>
@@ -6384,12 +6401,41 @@
           </a:p>
         </p:txBody>
       </p:sp>
+      <p:sp>
+        <p:nvSpPr>
+          <p:cNvPr id="6" name="Espace réservé du numéro de diapositive 5">
+            <a:extLst>
+              <a:ext uri="{FF2B5EF4-FFF2-40B4-BE49-F238E27FC236}">
+                <a16:creationId xmlns:a16="http://schemas.microsoft.com/office/drawing/2014/main" id="{70D03796-929C-43C4-816D-31DE41DDDF0A}"/>
+              </a:ext>
+            </a:extLst>
+          </p:cNvPr>
+          <p:cNvSpPr>
+            <a:spLocks noGrp="1"/>
+          </p:cNvSpPr>
+          <p:nvPr>
+            <p:ph type="sldNum" sz="quarter" idx="12"/>
+          </p:nvPr>
+        </p:nvSpPr>
+        <p:spPr/>
+        <p:txBody>
+          <a:bodyPr/>
+          <a:lstStyle/>
+          <a:p>
+            <a:fld id="{F8323CC4-5E62-4ADB-BC7C-89B23C89378E}" type="slidenum">
+              <a:rPr lang="fr-FR" smtClean="0"/>
+              <a:t>12</a:t>
+            </a:fld>
+            <a:endParaRPr lang="fr-FR"/>
+          </a:p>
+        </p:txBody>
+      </p:sp>
       <p:pic>
         <p:nvPicPr>
-          <p:cNvPr id="13" name="Image 12">
-            <a:extLst>
-              <a:ext uri="{FF2B5EF4-FFF2-40B4-BE49-F238E27FC236}">
-                <a16:creationId xmlns:a16="http://schemas.microsoft.com/office/drawing/2014/main" id="{89D9ADB6-0DFC-498F-BEE8-3A14C8C8CD26}"/>
+          <p:cNvPr id="4" name="Image 3">
+            <a:extLst>
+              <a:ext uri="{FF2B5EF4-FFF2-40B4-BE49-F238E27FC236}">
+                <a16:creationId xmlns:a16="http://schemas.microsoft.com/office/drawing/2014/main" id="{D4FBCA3F-7DF0-41E7-91BB-5EE97F5D89CF}"/>
               </a:ext>
             </a:extLst>
           </p:cNvPr>
@@ -6406,43 +6452,14 @@
         </p:blipFill>
         <p:spPr>
           <a:xfrm>
-            <a:off x="1989116" y="2543175"/>
-            <a:ext cx="7701082" cy="2279390"/>
+            <a:off x="3045041" y="2728815"/>
+            <a:ext cx="5008619" cy="1791404"/>
           </a:xfrm>
           <a:prstGeom prst="rect">
             <a:avLst/>
           </a:prstGeom>
         </p:spPr>
       </p:pic>
-      <p:sp>
-        <p:nvSpPr>
-          <p:cNvPr id="6" name="Espace réservé du numéro de diapositive 5">
-            <a:extLst>
-              <a:ext uri="{FF2B5EF4-FFF2-40B4-BE49-F238E27FC236}">
-                <a16:creationId xmlns:a16="http://schemas.microsoft.com/office/drawing/2014/main" id="{70D03796-929C-43C4-816D-31DE41DDDF0A}"/>
-              </a:ext>
-            </a:extLst>
-          </p:cNvPr>
-          <p:cNvSpPr>
-            <a:spLocks noGrp="1"/>
-          </p:cNvSpPr>
-          <p:nvPr>
-            <p:ph type="sldNum" sz="quarter" idx="12"/>
-          </p:nvPr>
-        </p:nvSpPr>
-        <p:spPr/>
-        <p:txBody>
-          <a:bodyPr/>
-          <a:lstStyle/>
-          <a:p>
-            <a:fld id="{F8323CC4-5E62-4ADB-BC7C-89B23C89378E}" type="slidenum">
-              <a:rPr lang="fr-FR" smtClean="0"/>
-              <a:t>12</a:t>
-            </a:fld>
-            <a:endParaRPr lang="fr-FR"/>
-          </a:p>
-        </p:txBody>
-      </p:sp>
     </p:spTree>
     <p:extLst>
       <p:ext uri="{BB962C8B-B14F-4D97-AF65-F5344CB8AC3E}">
@@ -11950,12 +11967,67 @@
           </a:p>
         </p:txBody>
       </p:sp>
+      <p:sp>
+        <p:nvSpPr>
+          <p:cNvPr id="3" name="ZoneTexte 2">
+            <a:extLst>
+              <a:ext uri="{FF2B5EF4-FFF2-40B4-BE49-F238E27FC236}">
+                <a16:creationId xmlns:a16="http://schemas.microsoft.com/office/drawing/2014/main" id="{06DC9D9D-F51B-4856-B93D-C32E9E3FCDD3}"/>
+              </a:ext>
+            </a:extLst>
+          </p:cNvPr>
+          <p:cNvSpPr txBox="1"/>
+          <p:nvPr/>
+        </p:nvSpPr>
+        <p:spPr>
+          <a:xfrm>
+            <a:off x="1503055" y="2354089"/>
+            <a:ext cx="8019875" cy="1200329"/>
+          </a:xfrm>
+          <a:prstGeom prst="rect">
+            <a:avLst/>
+          </a:prstGeom>
+          <a:noFill/>
+        </p:spPr>
+        <p:txBody>
+          <a:bodyPr wrap="square" rtlCol="0">
+            <a:spAutoFit/>
+          </a:bodyPr>
+          <a:lstStyle/>
+          <a:p>
+            <a:r>
+              <a:rPr lang="fr-FR" sz="2400" u="sng" dirty="0"/>
+              <a:t>2 possibilités :</a:t>
+            </a:r>
+          </a:p>
+          <a:p>
+            <a:pPr marL="285750" indent="-285750">
+              <a:buFont typeface="Arial" panose="020B0604020202020204" pitchFamily="34" charset="0"/>
+              <a:buChar char="•"/>
+            </a:pPr>
+            <a:r>
+              <a:rPr lang="fr-FR" sz="2400" dirty="0"/>
+              <a:t>Mettre le CSS dans les balises HTML, avec l’attribut « style ».</a:t>
+            </a:r>
+          </a:p>
+          <a:p>
+            <a:pPr marL="285750" indent="-285750">
+              <a:buFont typeface="Arial" panose="020B0604020202020204" pitchFamily="34" charset="0"/>
+              <a:buChar char="•"/>
+            </a:pPr>
+            <a:r>
+              <a:rPr lang="fr-FR" sz="2400" dirty="0"/>
+              <a:t>Créer un fichier CSS et lier a son fichier HTML</a:t>
+            </a:r>
+          </a:p>
+        </p:txBody>
+      </p:sp>
       <p:pic>
         <p:nvPicPr>
-          <p:cNvPr id="6" name="Image 5">
-            <a:extLst>
-              <a:ext uri="{FF2B5EF4-FFF2-40B4-BE49-F238E27FC236}">
-                <a16:creationId xmlns:a16="http://schemas.microsoft.com/office/drawing/2014/main" id="{A93DDAC7-B5EB-4C2A-8CB1-AAC676BFC595}"/>
+          <p:cNvPr id="5" name="Image 4">
+            <a:extLst>
+              <a:ext uri="{FF2B5EF4-FFF2-40B4-BE49-F238E27FC236}">
+                <a16:creationId xmlns:a16="http://schemas.microsoft.com/office/drawing/2014/main" id="{1AAD2B04-C2C5-4A0B-8CAA-4C057964031B}"/>
               </a:ext>
             </a:extLst>
           </p:cNvPr>
@@ -11972,8 +12044,8 @@
         </p:blipFill>
         <p:spPr>
           <a:xfrm>
-            <a:off x="764516" y="3429000"/>
-            <a:ext cx="7020905" cy="2876951"/>
+            <a:off x="409710" y="4001257"/>
+            <a:ext cx="6051163" cy="2355093"/>
           </a:xfrm>
           <a:prstGeom prst="rect">
             <a:avLst/>
@@ -11982,65 +12054,26 @@
       </p:pic>
       <p:sp>
         <p:nvSpPr>
-          <p:cNvPr id="7" name="ZoneTexte 6">
-            <a:extLst>
-              <a:ext uri="{FF2B5EF4-FFF2-40B4-BE49-F238E27FC236}">
-                <a16:creationId xmlns:a16="http://schemas.microsoft.com/office/drawing/2014/main" id="{2A74C213-DC6C-4815-8B15-85F46D4B3F01}"/>
-              </a:ext>
-            </a:extLst>
-          </p:cNvPr>
-          <p:cNvSpPr txBox="1"/>
+          <p:cNvPr id="11" name="Rectangle 10">
+            <a:extLst>
+              <a:ext uri="{FF2B5EF4-FFF2-40B4-BE49-F238E27FC236}">
+                <a16:creationId xmlns:a16="http://schemas.microsoft.com/office/drawing/2014/main" id="{3035282F-C7AB-461D-9B8A-3DE1D5736351}"/>
+              </a:ext>
+            </a:extLst>
+          </p:cNvPr>
+          <p:cNvSpPr/>
           <p:nvPr/>
         </p:nvSpPr>
         <p:spPr>
           <a:xfrm>
-            <a:off x="1603218" y="2543175"/>
-            <a:ext cx="6844420" cy="461665"/>
+            <a:off x="958506" y="5558828"/>
+            <a:ext cx="1576464" cy="276822"/>
           </a:xfrm>
           <a:prstGeom prst="rect">
             <a:avLst/>
           </a:prstGeom>
           <a:noFill/>
-        </p:spPr>
-        <p:txBody>
-          <a:bodyPr wrap="square" rtlCol="0">
-            <a:spAutoFit/>
-          </a:bodyPr>
-          <a:lstStyle/>
-          <a:p>
-            <a:pPr marL="285750" indent="-285750">
-              <a:buFont typeface="Arial" panose="020B0604020202020204" pitchFamily="34" charset="0"/>
-              <a:buChar char="•"/>
-            </a:pPr>
-            <a:r>
-              <a:rPr lang="fr-FR" sz="2400" dirty="0"/>
-              <a:t>Lier le CSS a son fichier HTML</a:t>
-            </a:r>
-          </a:p>
-        </p:txBody>
-      </p:sp>
-      <p:sp>
-        <p:nvSpPr>
-          <p:cNvPr id="13" name="Rectangle 12">
-            <a:extLst>
-              <a:ext uri="{FF2B5EF4-FFF2-40B4-BE49-F238E27FC236}">
-                <a16:creationId xmlns:a16="http://schemas.microsoft.com/office/drawing/2014/main" id="{F59A8E9F-ED6F-4D84-86A2-4AB75966D648}"/>
-              </a:ext>
-            </a:extLst>
-          </p:cNvPr>
-          <p:cNvSpPr/>
-          <p:nvPr/>
-        </p:nvSpPr>
-        <p:spPr>
-          <a:xfrm>
-            <a:off x="1367406" y="4186106"/>
-            <a:ext cx="3196205" cy="234892"/>
-          </a:xfrm>
-          <a:prstGeom prst="rect">
-            <a:avLst/>
-          </a:prstGeom>
-          <a:noFill/>
-          <a:ln>
+          <a:ln w="19050">
             <a:solidFill>
               <a:srgbClr val="FF0000"/>
             </a:solidFill>
@@ -12071,30 +12104,111 @@
           </a:p>
         </p:txBody>
       </p:sp>
+      <p:pic>
+        <p:nvPicPr>
+          <p:cNvPr id="20" name="Image 19">
+            <a:extLst>
+              <a:ext uri="{FF2B5EF4-FFF2-40B4-BE49-F238E27FC236}">
+                <a16:creationId xmlns:a16="http://schemas.microsoft.com/office/drawing/2014/main" id="{070E2CF2-AC1B-4DCD-8D05-A6492D885CC1}"/>
+              </a:ext>
+            </a:extLst>
+          </p:cNvPr>
+          <p:cNvPicPr>
+            <a:picLocks noChangeAspect="1"/>
+          </p:cNvPicPr>
+          <p:nvPr/>
+        </p:nvPicPr>
+        <p:blipFill>
+          <a:blip r:embed="rId3"/>
+          <a:stretch>
+            <a:fillRect/>
+          </a:stretch>
+        </p:blipFill>
+        <p:spPr>
+          <a:xfrm>
+            <a:off x="8131863" y="4430986"/>
+            <a:ext cx="3419952" cy="1495634"/>
+          </a:xfrm>
+          <a:prstGeom prst="rect">
+            <a:avLst/>
+          </a:prstGeom>
+        </p:spPr>
+      </p:pic>
+      <p:sp>
+        <p:nvSpPr>
+          <p:cNvPr id="21" name="Rectangle 20">
+            <a:extLst>
+              <a:ext uri="{FF2B5EF4-FFF2-40B4-BE49-F238E27FC236}">
+                <a16:creationId xmlns:a16="http://schemas.microsoft.com/office/drawing/2014/main" id="{73D8A52F-0E8A-4261-91B6-CC6115739828}"/>
+              </a:ext>
+            </a:extLst>
+          </p:cNvPr>
+          <p:cNvSpPr/>
+          <p:nvPr/>
+        </p:nvSpPr>
+        <p:spPr>
+          <a:xfrm>
+            <a:off x="8131863" y="4430986"/>
+            <a:ext cx="3419952" cy="1541457"/>
+          </a:xfrm>
+          <a:prstGeom prst="rect">
+            <a:avLst/>
+          </a:prstGeom>
+          <a:noFill/>
+          <a:ln>
+            <a:solidFill>
+              <a:schemeClr val="tx1"/>
+            </a:solidFill>
+          </a:ln>
+        </p:spPr>
+        <p:style>
+          <a:lnRef idx="2">
+            <a:schemeClr val="accent1">
+              <a:shade val="50000"/>
+            </a:schemeClr>
+          </a:lnRef>
+          <a:fillRef idx="1">
+            <a:schemeClr val="accent1"/>
+          </a:fillRef>
+          <a:effectRef idx="0">
+            <a:schemeClr val="accent1"/>
+          </a:effectRef>
+          <a:fontRef idx="minor">
+            <a:schemeClr val="lt1"/>
+          </a:fontRef>
+        </p:style>
+        <p:txBody>
+          <a:bodyPr rtlCol="0" anchor="ctr"/>
+          <a:lstStyle/>
+          <a:p>
+            <a:pPr algn="ctr"/>
+            <a:endParaRPr lang="fr-FR"/>
+          </a:p>
+        </p:txBody>
+      </p:sp>
       <p:cxnSp>
         <p:nvCxnSpPr>
-          <p:cNvPr id="17" name="Connecteur droit avec flèche 16">
-            <a:extLst>
-              <a:ext uri="{FF2B5EF4-FFF2-40B4-BE49-F238E27FC236}">
-                <a16:creationId xmlns:a16="http://schemas.microsoft.com/office/drawing/2014/main" id="{734CED9D-45D3-4ED9-AB97-5A985157260B}"/>
-              </a:ext>
-            </a:extLst>
-          </p:cNvPr>
-          <p:cNvCxnSpPr/>
+          <p:cNvPr id="23" name="Connecteur droit avec flèche 22">
+            <a:extLst>
+              <a:ext uri="{FF2B5EF4-FFF2-40B4-BE49-F238E27FC236}">
+                <a16:creationId xmlns:a16="http://schemas.microsoft.com/office/drawing/2014/main" id="{34E6468E-C2A1-4D59-A9ED-BD3D6F23123C}"/>
+              </a:ext>
+            </a:extLst>
+          </p:cNvPr>
+          <p:cNvCxnSpPr>
+            <a:stCxn id="5" idx="3"/>
+          </p:cNvCxnSpPr>
           <p:nvPr/>
         </p:nvCxnSpPr>
         <p:spPr>
-          <a:xfrm flipH="1">
-            <a:off x="4563611" y="4260118"/>
-            <a:ext cx="3456264" cy="0"/>
+          <a:xfrm>
+            <a:off x="6460873" y="5178804"/>
+            <a:ext cx="1550613" cy="5592"/>
           </a:xfrm>
           <a:prstGeom prst="straightConnector1">
             <a:avLst/>
           </a:prstGeom>
           <a:ln>
-            <a:solidFill>
-              <a:srgbClr val="FF0000"/>
-            </a:solidFill>
             <a:tailEnd type="triangle"/>
           </a:ln>
         </p:spPr>
@@ -12113,41 +12227,6 @@
           </a:fontRef>
         </p:style>
       </p:cxnSp>
-      <p:sp>
-        <p:nvSpPr>
-          <p:cNvPr id="19" name="ZoneTexte 18">
-            <a:extLst>
-              <a:ext uri="{FF2B5EF4-FFF2-40B4-BE49-F238E27FC236}">
-                <a16:creationId xmlns:a16="http://schemas.microsoft.com/office/drawing/2014/main" id="{2CA6A347-8493-49AE-B95A-421FD123E654}"/>
-              </a:ext>
-            </a:extLst>
-          </p:cNvPr>
-          <p:cNvSpPr txBox="1"/>
-          <p:nvPr/>
-        </p:nvSpPr>
-        <p:spPr>
-          <a:xfrm>
-            <a:off x="8095376" y="3892492"/>
-            <a:ext cx="3456264" cy="923330"/>
-          </a:xfrm>
-          <a:prstGeom prst="rect">
-            <a:avLst/>
-          </a:prstGeom>
-          <a:noFill/>
-        </p:spPr>
-        <p:txBody>
-          <a:bodyPr wrap="square" rtlCol="0">
-            <a:spAutoFit/>
-          </a:bodyPr>
-          <a:lstStyle/>
-          <a:p>
-            <a:r>
-              <a:rPr lang="fr-FR" dirty="0"/>
-              <a:t>Le fichier HTML est associé a un fichier « style.css » chargé de la mise en forme.</a:t>
-            </a:r>
-          </a:p>
-        </p:txBody>
-      </p:sp>
     </p:spTree>
     <p:extLst>
       <p:ext uri="{BB962C8B-B14F-4D97-AF65-F5344CB8AC3E}">
@@ -12778,10 +12857,10 @@
       </p:sp>
       <p:pic>
         <p:nvPicPr>
-          <p:cNvPr id="21" name="Image 20">
-            <a:extLst>
-              <a:ext uri="{FF2B5EF4-FFF2-40B4-BE49-F238E27FC236}">
-                <a16:creationId xmlns:a16="http://schemas.microsoft.com/office/drawing/2014/main" id="{8CEC669A-BF11-492F-8D9B-8C642E5E0AEB}"/>
+          <p:cNvPr id="6" name="Image 5">
+            <a:extLst>
+              <a:ext uri="{FF2B5EF4-FFF2-40B4-BE49-F238E27FC236}">
+                <a16:creationId xmlns:a16="http://schemas.microsoft.com/office/drawing/2014/main" id="{A93DDAC7-B5EB-4C2A-8CB1-AAC676BFC595}"/>
               </a:ext>
             </a:extLst>
           </p:cNvPr>
@@ -12798,80 +12877,59 @@
         </p:blipFill>
         <p:spPr>
           <a:xfrm>
-            <a:off x="5568217" y="3365651"/>
-            <a:ext cx="5202525" cy="688454"/>
+            <a:off x="764516" y="3429000"/>
+            <a:ext cx="7020905" cy="2876951"/>
           </a:xfrm>
           <a:prstGeom prst="rect">
             <a:avLst/>
           </a:prstGeom>
         </p:spPr>
       </p:pic>
-      <p:pic>
-        <p:nvPicPr>
-          <p:cNvPr id="23" name="Image 22">
-            <a:extLst>
-              <a:ext uri="{FF2B5EF4-FFF2-40B4-BE49-F238E27FC236}">
-                <a16:creationId xmlns:a16="http://schemas.microsoft.com/office/drawing/2014/main" id="{50C13BC9-0314-44AB-98D6-4BDC993F1188}"/>
-              </a:ext>
-            </a:extLst>
-          </p:cNvPr>
-          <p:cNvPicPr>
-            <a:picLocks noChangeAspect="1"/>
-          </p:cNvPicPr>
+      <p:sp>
+        <p:nvSpPr>
+          <p:cNvPr id="7" name="ZoneTexte 6">
+            <a:extLst>
+              <a:ext uri="{FF2B5EF4-FFF2-40B4-BE49-F238E27FC236}">
+                <a16:creationId xmlns:a16="http://schemas.microsoft.com/office/drawing/2014/main" id="{2A74C213-DC6C-4815-8B15-85F46D4B3F01}"/>
+              </a:ext>
+            </a:extLst>
+          </p:cNvPr>
+          <p:cNvSpPr txBox="1"/>
           <p:nvPr/>
-        </p:nvPicPr>
-        <p:blipFill>
-          <a:blip r:embed="rId3"/>
-          <a:stretch>
-            <a:fillRect/>
-          </a:stretch>
-        </p:blipFill>
+        </p:nvSpPr>
         <p:spPr>
           <a:xfrm>
-            <a:off x="1421258" y="2861300"/>
-            <a:ext cx="3629532" cy="1819529"/>
+            <a:off x="1603218" y="2543175"/>
+            <a:ext cx="6844420" cy="461665"/>
           </a:xfrm>
           <a:prstGeom prst="rect">
             <a:avLst/>
           </a:prstGeom>
-        </p:spPr>
-      </p:pic>
-      <p:pic>
-        <p:nvPicPr>
-          <p:cNvPr id="31" name="Image 30">
-            <a:extLst>
-              <a:ext uri="{FF2B5EF4-FFF2-40B4-BE49-F238E27FC236}">
-                <a16:creationId xmlns:a16="http://schemas.microsoft.com/office/drawing/2014/main" id="{1C7C9B1E-D2A0-4210-A1AD-75FDC0835E1D}"/>
-              </a:ext>
-            </a:extLst>
-          </p:cNvPr>
-          <p:cNvPicPr>
-            <a:picLocks noChangeAspect="1"/>
-          </p:cNvPicPr>
-          <p:nvPr/>
-        </p:nvPicPr>
-        <p:blipFill>
-          <a:blip r:embed="rId4"/>
-          <a:stretch>
-            <a:fillRect/>
-          </a:stretch>
-        </p:blipFill>
-        <p:spPr>
-          <a:xfrm>
-            <a:off x="3800815" y="5324080"/>
-            <a:ext cx="3896269" cy="1467055"/>
-          </a:xfrm>
-          <a:prstGeom prst="rect">
-            <a:avLst/>
-          </a:prstGeom>
-        </p:spPr>
-      </p:pic>
-      <p:sp>
-        <p:nvSpPr>
-          <p:cNvPr id="32" name="Rectangle 31">
-            <a:extLst>
-              <a:ext uri="{FF2B5EF4-FFF2-40B4-BE49-F238E27FC236}">
-                <a16:creationId xmlns:a16="http://schemas.microsoft.com/office/drawing/2014/main" id="{852BC564-0775-47C9-8CB6-66816AA21E8E}"/>
+          <a:noFill/>
+        </p:spPr>
+        <p:txBody>
+          <a:bodyPr wrap="square" rtlCol="0">
+            <a:spAutoFit/>
+          </a:bodyPr>
+          <a:lstStyle/>
+          <a:p>
+            <a:pPr marL="285750" indent="-285750">
+              <a:buFont typeface="Arial" panose="020B0604020202020204" pitchFamily="34" charset="0"/>
+              <a:buChar char="•"/>
+            </a:pPr>
+            <a:r>
+              <a:rPr lang="fr-FR" sz="2400" dirty="0"/>
+              <a:t>Lier le CSS a son fichier HTML</a:t>
+            </a:r>
+          </a:p>
+        </p:txBody>
+      </p:sp>
+      <p:sp>
+        <p:nvSpPr>
+          <p:cNvPr id="13" name="Rectangle 12">
+            <a:extLst>
+              <a:ext uri="{FF2B5EF4-FFF2-40B4-BE49-F238E27FC236}">
+                <a16:creationId xmlns:a16="http://schemas.microsoft.com/office/drawing/2014/main" id="{F59A8E9F-ED6F-4D84-86A2-4AB75966D648}"/>
               </a:ext>
             </a:extLst>
           </p:cNvPr>
@@ -12880,8 +12938,8 @@
         </p:nvSpPr>
         <p:spPr>
           <a:xfrm>
-            <a:off x="5748950" y="3365651"/>
-            <a:ext cx="1231272" cy="226593"/>
+            <a:off x="1367406" y="4186106"/>
+            <a:ext cx="3196205" cy="234892"/>
           </a:xfrm>
           <a:prstGeom prst="rect">
             <a:avLst/>
@@ -12918,108 +12976,12 @@
           </a:p>
         </p:txBody>
       </p:sp>
-      <p:sp>
-        <p:nvSpPr>
-          <p:cNvPr id="33" name="Rectangle 32">
-            <a:extLst>
-              <a:ext uri="{FF2B5EF4-FFF2-40B4-BE49-F238E27FC236}">
-                <a16:creationId xmlns:a16="http://schemas.microsoft.com/office/drawing/2014/main" id="{D3AA3FBE-B1AA-4904-A3AF-8F74B235A7CA}"/>
-              </a:ext>
-            </a:extLst>
-          </p:cNvPr>
-          <p:cNvSpPr/>
-          <p:nvPr/>
-        </p:nvSpPr>
-        <p:spPr>
-          <a:xfrm>
-            <a:off x="8321879" y="3771064"/>
-            <a:ext cx="654341" cy="251116"/>
-          </a:xfrm>
-          <a:prstGeom prst="rect">
-            <a:avLst/>
-          </a:prstGeom>
-          <a:noFill/>
-          <a:ln>
-            <a:solidFill>
-              <a:srgbClr val="FF0000"/>
-            </a:solidFill>
-          </a:ln>
-        </p:spPr>
-        <p:style>
-          <a:lnRef idx="2">
-            <a:schemeClr val="accent1">
-              <a:shade val="50000"/>
-            </a:schemeClr>
-          </a:lnRef>
-          <a:fillRef idx="1">
-            <a:schemeClr val="accent1"/>
-          </a:fillRef>
-          <a:effectRef idx="0">
-            <a:schemeClr val="accent1"/>
-          </a:effectRef>
-          <a:fontRef idx="minor">
-            <a:schemeClr val="lt1"/>
-          </a:fontRef>
-        </p:style>
-        <p:txBody>
-          <a:bodyPr rtlCol="0" anchor="ctr"/>
-          <a:lstStyle/>
-          <a:p>
-            <a:pPr algn="ctr"/>
-            <a:endParaRPr lang="fr-FR"/>
-          </a:p>
-        </p:txBody>
-      </p:sp>
-      <p:sp>
-        <p:nvSpPr>
-          <p:cNvPr id="34" name="ZoneTexte 33">
-            <a:extLst>
-              <a:ext uri="{FF2B5EF4-FFF2-40B4-BE49-F238E27FC236}">
-                <a16:creationId xmlns:a16="http://schemas.microsoft.com/office/drawing/2014/main" id="{D4FB9192-878B-450C-972F-C55F72F87901}"/>
-              </a:ext>
-            </a:extLst>
-          </p:cNvPr>
-          <p:cNvSpPr txBox="1"/>
-          <p:nvPr/>
-        </p:nvSpPr>
-        <p:spPr>
-          <a:xfrm>
-            <a:off x="1421258" y="2265028"/>
-            <a:ext cx="5365436" cy="461665"/>
-          </a:xfrm>
-          <a:prstGeom prst="rect">
-            <a:avLst/>
-          </a:prstGeom>
-          <a:noFill/>
-        </p:spPr>
-        <p:txBody>
-          <a:bodyPr wrap="square" rtlCol="0">
-            <a:spAutoFit/>
-          </a:bodyPr>
-          <a:lstStyle/>
-          <a:p>
-            <a:pPr marL="285750" indent="-285750">
-              <a:buFont typeface="Arial" panose="020B0604020202020204" pitchFamily="34" charset="0"/>
-              <a:buChar char="•"/>
-            </a:pPr>
-            <a:r>
-              <a:rPr lang="fr-FR" sz="2400" dirty="0"/>
-              <a:t>Utilisation de classes et </a:t>
-            </a:r>
-            <a:r>
-              <a:rPr lang="fr-FR" sz="2400" dirty="0" err="1"/>
-              <a:t>d’id</a:t>
-            </a:r>
-            <a:endParaRPr lang="fr-FR" sz="2400" dirty="0"/>
-          </a:p>
-        </p:txBody>
-      </p:sp>
       <p:cxnSp>
         <p:nvCxnSpPr>
-          <p:cNvPr id="36" name="Connecteur droit avec flèche 35">
-            <a:extLst>
-              <a:ext uri="{FF2B5EF4-FFF2-40B4-BE49-F238E27FC236}">
-                <a16:creationId xmlns:a16="http://schemas.microsoft.com/office/drawing/2014/main" id="{130A4C7B-5C03-4BE2-B023-4FC500AC7228}"/>
+          <p:cNvPr id="17" name="Connecteur droit avec flèche 16">
+            <a:extLst>
+              <a:ext uri="{FF2B5EF4-FFF2-40B4-BE49-F238E27FC236}">
+                <a16:creationId xmlns:a16="http://schemas.microsoft.com/office/drawing/2014/main" id="{734CED9D-45D3-4ED9-AB97-5A985157260B}"/>
               </a:ext>
             </a:extLst>
           </p:cNvPr>
@@ -13027,9 +12989,9 @@
           <p:nvPr/>
         </p:nvCxnSpPr>
         <p:spPr>
-          <a:xfrm>
-            <a:off x="2667699" y="2986481"/>
-            <a:ext cx="3081251" cy="379170"/>
+          <a:xfrm flipH="1">
+            <a:off x="4563611" y="4260118"/>
+            <a:ext cx="3456264" cy="0"/>
           </a:xfrm>
           <a:prstGeom prst="straightConnector1">
             <a:avLst/>
@@ -13056,97 +13018,45 @@
           </a:fontRef>
         </p:style>
       </p:cxnSp>
-      <p:cxnSp>
-        <p:nvCxnSpPr>
-          <p:cNvPr id="38" name="Connecteur droit 37">
-            <a:extLst>
-              <a:ext uri="{FF2B5EF4-FFF2-40B4-BE49-F238E27FC236}">
-                <a16:creationId xmlns:a16="http://schemas.microsoft.com/office/drawing/2014/main" id="{B5FF939F-C3C5-4602-9D1D-79A5A25CEC17}"/>
-              </a:ext>
-            </a:extLst>
-          </p:cNvPr>
-          <p:cNvCxnSpPr>
-            <a:cxnSpLocks/>
-          </p:cNvCxnSpPr>
+      <p:sp>
+        <p:nvSpPr>
+          <p:cNvPr id="19" name="ZoneTexte 18">
+            <a:extLst>
+              <a:ext uri="{FF2B5EF4-FFF2-40B4-BE49-F238E27FC236}">
+                <a16:creationId xmlns:a16="http://schemas.microsoft.com/office/drawing/2014/main" id="{2CA6A347-8493-49AE-B95A-421FD123E654}"/>
+              </a:ext>
+            </a:extLst>
+          </p:cNvPr>
+          <p:cNvSpPr txBox="1"/>
           <p:nvPr/>
-        </p:nvCxnSpPr>
+        </p:nvSpPr>
         <p:spPr>
           <a:xfrm>
-            <a:off x="2013358" y="3917659"/>
-            <a:ext cx="6597242" cy="429936"/>
-          </a:xfrm>
-          <a:prstGeom prst="line">
+            <a:off x="8095376" y="3892492"/>
+            <a:ext cx="3456264" cy="923330"/>
+          </a:xfrm>
+          <a:prstGeom prst="rect">
             <a:avLst/>
           </a:prstGeom>
-          <a:ln>
-            <a:solidFill>
-              <a:srgbClr val="FF0000"/>
-            </a:solidFill>
-          </a:ln>
-        </p:spPr>
-        <p:style>
-          <a:lnRef idx="1">
-            <a:schemeClr val="accent1"/>
-          </a:lnRef>
-          <a:fillRef idx="0">
-            <a:schemeClr val="accent1"/>
-          </a:fillRef>
-          <a:effectRef idx="0">
-            <a:schemeClr val="accent1"/>
-          </a:effectRef>
-          <a:fontRef idx="minor">
-            <a:schemeClr val="tx1"/>
-          </a:fontRef>
-        </p:style>
-      </p:cxnSp>
-      <p:cxnSp>
-        <p:nvCxnSpPr>
-          <p:cNvPr id="40" name="Connecteur droit avec flèche 39">
-            <a:extLst>
-              <a:ext uri="{FF2B5EF4-FFF2-40B4-BE49-F238E27FC236}">
-                <a16:creationId xmlns:a16="http://schemas.microsoft.com/office/drawing/2014/main" id="{012D1319-1421-4481-ACD6-6A25F32C320F}"/>
-              </a:ext>
-            </a:extLst>
-          </p:cNvPr>
-          <p:cNvCxnSpPr>
-            <a:cxnSpLocks/>
-          </p:cNvCxnSpPr>
-          <p:nvPr/>
-        </p:nvCxnSpPr>
-        <p:spPr>
-          <a:xfrm flipV="1">
-            <a:off x="8610600" y="4022181"/>
-            <a:ext cx="0" cy="325414"/>
-          </a:xfrm>
-          <a:prstGeom prst="straightConnector1">
-            <a:avLst/>
-          </a:prstGeom>
-          <a:ln>
-            <a:solidFill>
-              <a:srgbClr val="FF0000"/>
-            </a:solidFill>
-            <a:tailEnd type="triangle"/>
-          </a:ln>
-        </p:spPr>
-        <p:style>
-          <a:lnRef idx="1">
-            <a:schemeClr val="accent1"/>
-          </a:lnRef>
-          <a:fillRef idx="0">
-            <a:schemeClr val="accent1"/>
-          </a:fillRef>
-          <a:effectRef idx="0">
-            <a:schemeClr val="accent1"/>
-          </a:effectRef>
-          <a:fontRef idx="minor">
-            <a:schemeClr val="tx1"/>
-          </a:fontRef>
-        </p:style>
-      </p:cxnSp>
+          <a:noFill/>
+        </p:spPr>
+        <p:txBody>
+          <a:bodyPr wrap="square" rtlCol="0">
+            <a:spAutoFit/>
+          </a:bodyPr>
+          <a:lstStyle/>
+          <a:p>
+            <a:r>
+              <a:rPr lang="fr-FR" dirty="0"/>
+              <a:t>Le fichier HTML est associé a un fichier « style.css » chargé de la mise en forme.</a:t>
+            </a:r>
+          </a:p>
+        </p:txBody>
+      </p:sp>
     </p:spTree>
     <p:extLst>
       <p:ext uri="{BB962C8B-B14F-4D97-AF65-F5344CB8AC3E}">
-        <p14:creationId xmlns:p14="http://schemas.microsoft.com/office/powerpoint/2010/main" val="3567119921"/>
+        <p14:creationId xmlns:p14="http://schemas.microsoft.com/office/powerpoint/2010/main" val="1088843258"/>
       </p:ext>
     </p:extLst>
   </p:cSld>
@@ -13181,12 +13091,12 @@
           <a:chExt cx="0" cy="0"/>
         </a:xfrm>
       </p:grpSpPr>
-      <p:sp>
-        <p:nvSpPr>
-          <p:cNvPr id="9" name="Rectangle 8">
-            <a:extLst>
-              <a:ext uri="{FF2B5EF4-FFF2-40B4-BE49-F238E27FC236}">
-                <a16:creationId xmlns:a16="http://schemas.microsoft.com/office/drawing/2014/main" id="{23962611-DFD5-4092-AAFD-559E3DFCE2C9}"/>
+      <p:sp useBgFill="1">
+        <p:nvSpPr>
+          <p:cNvPr id="8" name="Rectangle 7">
+            <a:extLst>
+              <a:ext uri="{FF2B5EF4-FFF2-40B4-BE49-F238E27FC236}">
+                <a16:creationId xmlns:a16="http://schemas.microsoft.com/office/drawing/2014/main" id="{827B839B-9ADE-406B-8590-F1CAEDED45A1}"/>
               </a:ext>
               <a:ext uri="{C183D7F6-B498-43B3-948B-1728B52AA6E4}">
                 <adec:decorative xmlns:adec="http://schemas.microsoft.com/office/drawing/2017/decorative" val="1"/>
@@ -13206,37 +13116,12 @@
         </p:nvSpPr>
         <p:spPr>
           <a:xfrm>
-            <a:off x="475488" y="0"/>
-            <a:ext cx="10910292" cy="6858000"/>
+            <a:off x="0" y="0"/>
+            <a:ext cx="12188952" cy="6858000"/>
           </a:xfrm>
           <a:prstGeom prst="rect">
             <a:avLst/>
           </a:prstGeom>
-          <a:gradFill>
-            <a:gsLst>
-              <a:gs pos="0">
-                <a:schemeClr val="accent1">
-                  <a:lumMod val="90000"/>
-                </a:schemeClr>
-              </a:gs>
-              <a:gs pos="25000">
-                <a:schemeClr val="accent1">
-                  <a:lumMod val="90000"/>
-                </a:schemeClr>
-              </a:gs>
-              <a:gs pos="94000">
-                <a:schemeClr val="bg2">
-                  <a:lumMod val="25000"/>
-                </a:schemeClr>
-              </a:gs>
-              <a:gs pos="100000">
-                <a:schemeClr val="bg2">
-                  <a:lumMod val="25000"/>
-                </a:schemeClr>
-              </a:gs>
-            </a:gsLst>
-            <a:lin ang="4200000" scaled="0"/>
-          </a:gradFill>
           <a:ln>
             <a:noFill/>
           </a:ln>
@@ -13266,21 +13151,21 @@
           </a:p>
         </p:txBody>
       </p:sp>
-      <p:pic>
-        <p:nvPicPr>
-          <p:cNvPr id="11" name="Picture 10">
-            <a:extLst>
-              <a:ext uri="{FF2B5EF4-FFF2-40B4-BE49-F238E27FC236}">
-                <a16:creationId xmlns:a16="http://schemas.microsoft.com/office/drawing/2014/main" id="{2270F1FA-0425-408F-9861-80BF5AFB276D}"/>
+      <p:sp>
+        <p:nvSpPr>
+          <p:cNvPr id="10" name="Freeform 45">
+            <a:extLst>
+              <a:ext uri="{FF2B5EF4-FFF2-40B4-BE49-F238E27FC236}">
+                <a16:creationId xmlns:a16="http://schemas.microsoft.com/office/drawing/2014/main" id="{CFE45BF0-46DB-408C-B5F7-7B11716805D4}"/>
               </a:ext>
               <a:ext uri="{C183D7F6-B498-43B3-948B-1728B52AA6E4}">
                 <adec:decorative xmlns:adec="http://schemas.microsoft.com/office/drawing/2017/decorative" val="1"/>
               </a:ext>
             </a:extLst>
           </p:cNvPr>
-          <p:cNvPicPr>
-            <a:picLocks noGrp="1" noRot="1" noChangeAspect="1" noMove="1" noResize="1" noEditPoints="1" noAdjustHandles="1" noChangeArrowheads="1" noChangeShapeType="1" noCrop="1"/>
-          </p:cNvPicPr>
+          <p:cNvSpPr>
+            <a:spLocks noGrp="1" noRot="1" noChangeAspect="1" noMove="1" noResize="1" noEditPoints="1" noAdjustHandles="1" noChangeArrowheads="1" noChangeShapeType="1" noTextEdit="1"/>
+          </p:cNvSpPr>
           <p:nvPr>
             <p:extLst>
               <p:ext uri="{386F3935-93C4-4BCD-93E2-E3B085C9AB24}">
@@ -13288,130 +13173,885 @@
               </p:ext>
             </p:extLst>
           </p:nvPr>
+        </p:nvSpPr>
+        <p:spPr bwMode="auto">
+          <a:xfrm>
+            <a:off x="409710" y="1022350"/>
+            <a:ext cx="709612" cy="2095501"/>
+          </a:xfrm>
+          <a:custGeom>
+            <a:avLst/>
+            <a:gdLst>
+              <a:gd name="T0" fmla="*/ 447 w 447"/>
+              <a:gd name="T1" fmla="*/ 1363 h 1363"/>
+              <a:gd name="T2" fmla="*/ 0 w 447"/>
+              <a:gd name="T3" fmla="*/ 987 h 1363"/>
+              <a:gd name="T4" fmla="*/ 0 w 447"/>
+              <a:gd name="T5" fmla="*/ 0 h 1363"/>
+              <a:gd name="T6" fmla="*/ 447 w 447"/>
+              <a:gd name="T7" fmla="*/ 376 h 1363"/>
+              <a:gd name="T8" fmla="*/ 447 w 447"/>
+              <a:gd name="T9" fmla="*/ 1363 h 1363"/>
+            </a:gdLst>
+            <a:ahLst/>
+            <a:cxnLst>
+              <a:cxn ang="0">
+                <a:pos x="T0" y="T1"/>
+              </a:cxn>
+              <a:cxn ang="0">
+                <a:pos x="T2" y="T3"/>
+              </a:cxn>
+              <a:cxn ang="0">
+                <a:pos x="T4" y="T5"/>
+              </a:cxn>
+              <a:cxn ang="0">
+                <a:pos x="T6" y="T7"/>
+              </a:cxn>
+              <a:cxn ang="0">
+                <a:pos x="T8" y="T9"/>
+              </a:cxn>
+            </a:cxnLst>
+            <a:rect l="0" t="0" r="r" b="b"/>
+            <a:pathLst>
+              <a:path w="447" h="1363">
+                <a:moveTo>
+                  <a:pt x="447" y="1363"/>
+                </a:moveTo>
+                <a:lnTo>
+                  <a:pt x="0" y="987"/>
+                </a:lnTo>
+                <a:lnTo>
+                  <a:pt x="0" y="0"/>
+                </a:lnTo>
+                <a:lnTo>
+                  <a:pt x="447" y="376"/>
+                </a:lnTo>
+                <a:lnTo>
+                  <a:pt x="447" y="1363"/>
+                </a:lnTo>
+                <a:close/>
+              </a:path>
+            </a:pathLst>
+          </a:custGeom>
+          <a:solidFill>
+            <a:schemeClr val="accent1">
+              <a:lumMod val="50000"/>
+            </a:schemeClr>
+          </a:solidFill>
+          <a:ln>
+            <a:noFill/>
+          </a:ln>
+        </p:spPr>
+        <p:txBody>
+          <a:bodyPr vert="horz" wrap="square" lIns="91440" tIns="45720" rIns="91440" bIns="45720" numCol="1" anchor="t" anchorCtr="0" compatLnSpc="1">
+            <a:prstTxWarp prst="textNoShape">
+              <a:avLst/>
+            </a:prstTxWarp>
+          </a:bodyPr>
+          <a:lstStyle/>
+          <a:p>
+            <a:endParaRPr lang="en-US"/>
+          </a:p>
+        </p:txBody>
+      </p:sp>
+      <p:sp>
+        <p:nvSpPr>
+          <p:cNvPr id="12" name="Freeform 46">
+            <a:extLst>
+              <a:ext uri="{FF2B5EF4-FFF2-40B4-BE49-F238E27FC236}">
+                <a16:creationId xmlns:a16="http://schemas.microsoft.com/office/drawing/2014/main" id="{2AEBC8F2-97B1-41B4-93F1-2D289E197FBA}"/>
+              </a:ext>
+              <a:ext uri="{C183D7F6-B498-43B3-948B-1728B52AA6E4}">
+                <adec:decorative xmlns:adec="http://schemas.microsoft.com/office/drawing/2017/decorative" val="1"/>
+              </a:ext>
+            </a:extLst>
+          </p:cNvPr>
+          <p:cNvSpPr>
+            <a:spLocks noGrp="1" noRot="1" noChangeAspect="1" noMove="1" noResize="1" noEditPoints="1" noAdjustHandles="1" noChangeArrowheads="1" noChangeShapeType="1" noTextEdit="1"/>
+          </p:cNvSpPr>
+          <p:nvPr>
+            <p:extLst>
+              <p:ext uri="{386F3935-93C4-4BCD-93E2-E3B085C9AB24}">
+                <p16:designElem xmlns:p16="http://schemas.microsoft.com/office/powerpoint/2015/main" val="1"/>
+              </p:ext>
+            </p:extLst>
+          </p:nvPr>
+        </p:nvSpPr>
+        <p:spPr bwMode="auto">
+          <a:xfrm>
+            <a:off x="409710" y="837744"/>
+            <a:ext cx="403225" cy="1705431"/>
+          </a:xfrm>
+          <a:custGeom>
+            <a:avLst/>
+            <a:gdLst>
+              <a:gd name="T0" fmla="*/ 254 w 254"/>
+              <a:gd name="T1" fmla="*/ 987 h 1109"/>
+              <a:gd name="T2" fmla="*/ 0 w 254"/>
+              <a:gd name="T3" fmla="*/ 1109 h 1109"/>
+              <a:gd name="T4" fmla="*/ 0 w 254"/>
+              <a:gd name="T5" fmla="*/ 119 h 1109"/>
+              <a:gd name="T6" fmla="*/ 254 w 254"/>
+              <a:gd name="T7" fmla="*/ 0 h 1109"/>
+              <a:gd name="T8" fmla="*/ 254 w 254"/>
+              <a:gd name="T9" fmla="*/ 987 h 1109"/>
+            </a:gdLst>
+            <a:ahLst/>
+            <a:cxnLst>
+              <a:cxn ang="0">
+                <a:pos x="T0" y="T1"/>
+              </a:cxn>
+              <a:cxn ang="0">
+                <a:pos x="T2" y="T3"/>
+              </a:cxn>
+              <a:cxn ang="0">
+                <a:pos x="T4" y="T5"/>
+              </a:cxn>
+              <a:cxn ang="0">
+                <a:pos x="T6" y="T7"/>
+              </a:cxn>
+              <a:cxn ang="0">
+                <a:pos x="T8" y="T9"/>
+              </a:cxn>
+            </a:cxnLst>
+            <a:rect l="0" t="0" r="r" b="b"/>
+            <a:pathLst>
+              <a:path w="254" h="1109">
+                <a:moveTo>
+                  <a:pt x="254" y="987"/>
+                </a:moveTo>
+                <a:lnTo>
+                  <a:pt x="0" y="1109"/>
+                </a:lnTo>
+                <a:lnTo>
+                  <a:pt x="0" y="119"/>
+                </a:lnTo>
+                <a:lnTo>
+                  <a:pt x="254" y="0"/>
+                </a:lnTo>
+                <a:lnTo>
+                  <a:pt x="254" y="987"/>
+                </a:lnTo>
+                <a:close/>
+              </a:path>
+            </a:pathLst>
+          </a:custGeom>
+          <a:solidFill>
+            <a:schemeClr val="accent1">
+              <a:lumMod val="75000"/>
+            </a:schemeClr>
+          </a:solidFill>
+          <a:ln>
+            <a:noFill/>
+          </a:ln>
+        </p:spPr>
+        <p:txBody>
+          <a:bodyPr vert="horz" wrap="square" lIns="91440" tIns="45720" rIns="91440" bIns="45720" numCol="1" anchor="t" anchorCtr="0" compatLnSpc="1">
+            <a:prstTxWarp prst="textNoShape">
+              <a:avLst/>
+            </a:prstTxWarp>
+          </a:bodyPr>
+          <a:lstStyle/>
+          <a:p>
+            <a:endParaRPr lang="en-US"/>
+          </a:p>
+        </p:txBody>
+      </p:sp>
+      <p:sp>
+        <p:nvSpPr>
+          <p:cNvPr id="14" name="Freeform 47">
+            <a:extLst>
+              <a:ext uri="{FF2B5EF4-FFF2-40B4-BE49-F238E27FC236}">
+                <a16:creationId xmlns:a16="http://schemas.microsoft.com/office/drawing/2014/main" id="{472E3A19-F5D5-48FC-BB9C-48C2F68F598B}"/>
+              </a:ext>
+              <a:ext uri="{C183D7F6-B498-43B3-948B-1728B52AA6E4}">
+                <adec:decorative xmlns:adec="http://schemas.microsoft.com/office/drawing/2017/decorative" val="1"/>
+              </a:ext>
+            </a:extLst>
+          </p:cNvPr>
+          <p:cNvSpPr>
+            <a:spLocks noGrp="1" noRot="1" noChangeAspect="1" noMove="1" noResize="1" noEditPoints="1" noAdjustHandles="1" noChangeArrowheads="1" noChangeShapeType="1" noTextEdit="1"/>
+          </p:cNvSpPr>
+          <p:nvPr>
+            <p:extLst>
+              <p:ext uri="{386F3935-93C4-4BCD-93E2-E3B085C9AB24}">
+                <p16:designElem xmlns:p16="http://schemas.microsoft.com/office/powerpoint/2015/main" val="1"/>
+              </p:ext>
+            </p:extLst>
+          </p:nvPr>
+        </p:nvSpPr>
+        <p:spPr bwMode="auto">
+          <a:xfrm>
+            <a:off x="644660" y="640894"/>
+            <a:ext cx="168275" cy="1713195"/>
+          </a:xfrm>
+          <a:custGeom>
+            <a:avLst/>
+            <a:gdLst>
+              <a:gd name="T0" fmla="*/ 106 w 106"/>
+              <a:gd name="T1" fmla="*/ 1114 h 1114"/>
+              <a:gd name="T2" fmla="*/ 0 w 106"/>
+              <a:gd name="T3" fmla="*/ 1005 h 1114"/>
+              <a:gd name="T4" fmla="*/ 0 w 106"/>
+              <a:gd name="T5" fmla="*/ 0 h 1114"/>
+              <a:gd name="T6" fmla="*/ 106 w 106"/>
+              <a:gd name="T7" fmla="*/ 110 h 1114"/>
+              <a:gd name="T8" fmla="*/ 106 w 106"/>
+              <a:gd name="T9" fmla="*/ 1114 h 1114"/>
+            </a:gdLst>
+            <a:ahLst/>
+            <a:cxnLst>
+              <a:cxn ang="0">
+                <a:pos x="T0" y="T1"/>
+              </a:cxn>
+              <a:cxn ang="0">
+                <a:pos x="T2" y="T3"/>
+              </a:cxn>
+              <a:cxn ang="0">
+                <a:pos x="T4" y="T5"/>
+              </a:cxn>
+              <a:cxn ang="0">
+                <a:pos x="T6" y="T7"/>
+              </a:cxn>
+              <a:cxn ang="0">
+                <a:pos x="T8" y="T9"/>
+              </a:cxn>
+            </a:cxnLst>
+            <a:rect l="0" t="0" r="r" b="b"/>
+            <a:pathLst>
+              <a:path w="106" h="1114">
+                <a:moveTo>
+                  <a:pt x="106" y="1114"/>
+                </a:moveTo>
+                <a:lnTo>
+                  <a:pt x="0" y="1005"/>
+                </a:lnTo>
+                <a:lnTo>
+                  <a:pt x="0" y="0"/>
+                </a:lnTo>
+                <a:lnTo>
+                  <a:pt x="106" y="110"/>
+                </a:lnTo>
+                <a:lnTo>
+                  <a:pt x="106" y="1114"/>
+                </a:lnTo>
+                <a:close/>
+              </a:path>
+            </a:pathLst>
+          </a:custGeom>
+          <a:solidFill>
+            <a:schemeClr val="accent1">
+              <a:lumMod val="50000"/>
+            </a:schemeClr>
+          </a:solidFill>
+          <a:ln>
+            <a:noFill/>
+          </a:ln>
+        </p:spPr>
+        <p:txBody>
+          <a:bodyPr vert="horz" wrap="square" lIns="91440" tIns="45720" rIns="91440" bIns="45720" numCol="1" anchor="t" anchorCtr="0" compatLnSpc="1">
+            <a:prstTxWarp prst="textNoShape">
+              <a:avLst/>
+            </a:prstTxWarp>
+          </a:bodyPr>
+          <a:lstStyle/>
+          <a:p>
+            <a:endParaRPr lang="en-US"/>
+          </a:p>
+        </p:txBody>
+      </p:sp>
+      <p:sp>
+        <p:nvSpPr>
+          <p:cNvPr id="16" name="Freeform 44">
+            <a:extLst>
+              <a:ext uri="{FF2B5EF4-FFF2-40B4-BE49-F238E27FC236}">
+                <a16:creationId xmlns:a16="http://schemas.microsoft.com/office/drawing/2014/main" id="{7A62E32F-BB65-43A8-8EB5-92346890E549}"/>
+              </a:ext>
+              <a:ext uri="{C183D7F6-B498-43B3-948B-1728B52AA6E4}">
+                <adec:decorative xmlns:adec="http://schemas.microsoft.com/office/drawing/2017/decorative" val="1"/>
+              </a:ext>
+            </a:extLst>
+          </p:cNvPr>
+          <p:cNvSpPr>
+            <a:spLocks noGrp="1" noRot="1" noChangeAspect="1" noMove="1" noResize="1" noEditPoints="1" noAdjustHandles="1" noChangeArrowheads="1" noChangeShapeType="1" noTextEdit="1"/>
+          </p:cNvSpPr>
+          <p:nvPr>
+            <p:extLst>
+              <p:ext uri="{386F3935-93C4-4BCD-93E2-E3B085C9AB24}">
+                <p16:designElem xmlns:p16="http://schemas.microsoft.com/office/powerpoint/2015/main" val="1"/>
+              </p:ext>
+            </p:extLst>
+          </p:nvPr>
+        </p:nvSpPr>
+        <p:spPr bwMode="auto">
+          <a:xfrm>
+            <a:off x="11223203" y="635716"/>
+            <a:ext cx="328612" cy="1742360"/>
+          </a:xfrm>
+          <a:custGeom>
+            <a:avLst/>
+            <a:gdLst>
+              <a:gd name="T0" fmla="*/ 207 w 207"/>
+              <a:gd name="T1" fmla="*/ 987 h 1114"/>
+              <a:gd name="T2" fmla="*/ 0 w 207"/>
+              <a:gd name="T3" fmla="*/ 1114 h 1114"/>
+              <a:gd name="T4" fmla="*/ 0 w 207"/>
+              <a:gd name="T5" fmla="*/ 127 h 1114"/>
+              <a:gd name="T6" fmla="*/ 207 w 207"/>
+              <a:gd name="T7" fmla="*/ 0 h 1114"/>
+              <a:gd name="T8" fmla="*/ 207 w 207"/>
+              <a:gd name="T9" fmla="*/ 987 h 1114"/>
+            </a:gdLst>
+            <a:ahLst/>
+            <a:cxnLst>
+              <a:cxn ang="0">
+                <a:pos x="T0" y="T1"/>
+              </a:cxn>
+              <a:cxn ang="0">
+                <a:pos x="T2" y="T3"/>
+              </a:cxn>
+              <a:cxn ang="0">
+                <a:pos x="T4" y="T5"/>
+              </a:cxn>
+              <a:cxn ang="0">
+                <a:pos x="T6" y="T7"/>
+              </a:cxn>
+              <a:cxn ang="0">
+                <a:pos x="T8" y="T9"/>
+              </a:cxn>
+            </a:cxnLst>
+            <a:rect l="0" t="0" r="r" b="b"/>
+            <a:pathLst>
+              <a:path w="207" h="1114">
+                <a:moveTo>
+                  <a:pt x="207" y="987"/>
+                </a:moveTo>
+                <a:lnTo>
+                  <a:pt x="0" y="1114"/>
+                </a:lnTo>
+                <a:lnTo>
+                  <a:pt x="0" y="127"/>
+                </a:lnTo>
+                <a:lnTo>
+                  <a:pt x="207" y="0"/>
+                </a:lnTo>
+                <a:lnTo>
+                  <a:pt x="207" y="987"/>
+                </a:lnTo>
+                <a:close/>
+              </a:path>
+            </a:pathLst>
+          </a:custGeom>
+          <a:solidFill>
+            <a:schemeClr val="accent1">
+              <a:lumMod val="50000"/>
+            </a:schemeClr>
+          </a:solidFill>
+          <a:ln>
+            <a:noFill/>
+          </a:ln>
+        </p:spPr>
+        <p:txBody>
+          <a:bodyPr vert="horz" wrap="square" lIns="91440" tIns="45720" rIns="91440" bIns="45720" numCol="1" anchor="t" anchorCtr="0" compatLnSpc="1">
+            <a:prstTxWarp prst="textNoShape">
+              <a:avLst/>
+            </a:prstTxWarp>
+          </a:bodyPr>
+          <a:lstStyle/>
+          <a:p>
+            <a:endParaRPr lang="en-US"/>
+          </a:p>
+        </p:txBody>
+      </p:sp>
+      <p:sp>
+        <p:nvSpPr>
+          <p:cNvPr id="18" name="Rectangle 17">
+            <a:extLst>
+              <a:ext uri="{FF2B5EF4-FFF2-40B4-BE49-F238E27FC236}">
+                <a16:creationId xmlns:a16="http://schemas.microsoft.com/office/drawing/2014/main" id="{14E91B64-9FCC-451E-AFB4-A827D6329367}"/>
+              </a:ext>
+              <a:ext uri="{C183D7F6-B498-43B3-948B-1728B52AA6E4}">
+                <adec:decorative xmlns:adec="http://schemas.microsoft.com/office/drawing/2017/decorative" val="1"/>
+              </a:ext>
+            </a:extLst>
+          </p:cNvPr>
+          <p:cNvSpPr>
+            <a:spLocks noGrp="1" noRot="1" noChangeAspect="1" noMove="1" noResize="1" noEditPoints="1" noAdjustHandles="1" noChangeArrowheads="1" noChangeShapeType="1" noTextEdit="1"/>
+          </p:cNvSpPr>
+          <p:nvPr>
+            <p:extLst>
+              <p:ext uri="{386F3935-93C4-4BCD-93E2-E3B085C9AB24}">
+                <p16:designElem xmlns:p16="http://schemas.microsoft.com/office/powerpoint/2015/main" val="1"/>
+              </p:ext>
+            </p:extLst>
+          </p:nvPr>
+        </p:nvSpPr>
+        <p:spPr bwMode="auto">
+          <a:xfrm>
+            <a:off x="644055" y="635715"/>
+            <a:ext cx="10907863" cy="1541457"/>
+          </a:xfrm>
+          <a:prstGeom prst="rect">
+            <a:avLst/>
+          </a:prstGeom>
+          <a:solidFill>
+            <a:schemeClr val="accent1"/>
+          </a:solidFill>
+          <a:ln>
+            <a:noFill/>
+          </a:ln>
+        </p:spPr>
+        <p:txBody>
+          <a:bodyPr vert="horz" wrap="square" lIns="91440" tIns="45720" rIns="91440" bIns="45720" numCol="1" anchor="t" anchorCtr="0" compatLnSpc="1">
+            <a:prstTxWarp prst="textNoShape">
+              <a:avLst/>
+            </a:prstTxWarp>
+          </a:bodyPr>
+          <a:lstStyle/>
+          <a:p>
+            <a:endParaRPr lang="en-US"/>
+          </a:p>
+        </p:txBody>
+      </p:sp>
+      <p:sp>
+        <p:nvSpPr>
+          <p:cNvPr id="2" name="Titre 1">
+            <a:extLst>
+              <a:ext uri="{FF2B5EF4-FFF2-40B4-BE49-F238E27FC236}">
+                <a16:creationId xmlns:a16="http://schemas.microsoft.com/office/drawing/2014/main" id="{787733BC-219D-49C7-B5B4-F7CD9774C6A4}"/>
+              </a:ext>
+            </a:extLst>
+          </p:cNvPr>
+          <p:cNvSpPr>
+            <a:spLocks noGrp="1"/>
+          </p:cNvSpPr>
+          <p:nvPr>
+            <p:ph type="title"/>
+          </p:nvPr>
+        </p:nvSpPr>
+        <p:spPr>
+          <a:xfrm>
+            <a:off x="958506" y="800392"/>
+            <a:ext cx="10264697" cy="1212102"/>
+          </a:xfrm>
+        </p:spPr>
+        <p:txBody>
+          <a:bodyPr>
+            <a:normAutofit/>
+          </a:bodyPr>
+          <a:lstStyle/>
+          <a:p>
+            <a:r>
+              <a:rPr lang="fr-FR" sz="4000" dirty="0">
+                <a:solidFill>
+                  <a:srgbClr val="FFFFFF"/>
+                </a:solidFill>
+              </a:rPr>
+              <a:t>CSS</a:t>
+            </a:r>
+          </a:p>
+        </p:txBody>
+      </p:sp>
+      <p:sp>
+        <p:nvSpPr>
+          <p:cNvPr id="9" name="Espace réservé du numéro de diapositive 8">
+            <a:extLst>
+              <a:ext uri="{FF2B5EF4-FFF2-40B4-BE49-F238E27FC236}">
+                <a16:creationId xmlns:a16="http://schemas.microsoft.com/office/drawing/2014/main" id="{F3EDF272-70D0-418F-B1E4-090F125EAE69}"/>
+              </a:ext>
+            </a:extLst>
+          </p:cNvPr>
+          <p:cNvSpPr>
+            <a:spLocks noGrp="1"/>
+          </p:cNvSpPr>
+          <p:nvPr>
+            <p:ph type="sldNum" sz="quarter" idx="12"/>
+          </p:nvPr>
+        </p:nvSpPr>
+        <p:spPr/>
+        <p:txBody>
+          <a:bodyPr/>
+          <a:lstStyle/>
+          <a:p>
+            <a:fld id="{F8323CC4-5E62-4ADB-BC7C-89B23C89378E}" type="slidenum">
+              <a:rPr lang="fr-FR" smtClean="0"/>
+              <a:t>24</a:t>
+            </a:fld>
+            <a:endParaRPr lang="fr-FR"/>
+          </a:p>
+        </p:txBody>
+      </p:sp>
+      <p:pic>
+        <p:nvPicPr>
+          <p:cNvPr id="21" name="Image 20">
+            <a:extLst>
+              <a:ext uri="{FF2B5EF4-FFF2-40B4-BE49-F238E27FC236}">
+                <a16:creationId xmlns:a16="http://schemas.microsoft.com/office/drawing/2014/main" id="{8CEC669A-BF11-492F-8D9B-8C642E5E0AEB}"/>
+              </a:ext>
+            </a:extLst>
+          </p:cNvPr>
+          <p:cNvPicPr>
+            <a:picLocks noChangeAspect="1"/>
+          </p:cNvPicPr>
+          <p:nvPr/>
         </p:nvPicPr>
         <p:blipFill>
-          <a:blip r:embed="rId2">
-            <a:extLst>
-              <a:ext uri="{28A0092B-C50C-407E-A947-70E740481C1C}">
-                <a14:useLocalDpi xmlns:a14="http://schemas.microsoft.com/office/drawing/2010/main" val="0"/>
-              </a:ext>
-            </a:extLst>
-          </a:blip>
+          <a:blip r:embed="rId2"/>
           <a:stretch>
             <a:fillRect/>
           </a:stretch>
         </p:blipFill>
         <p:spPr>
           <a:xfrm>
-            <a:off x="0" y="0"/>
-            <a:ext cx="12192000" cy="6858000"/>
+            <a:off x="5568217" y="3365651"/>
+            <a:ext cx="5202525" cy="688454"/>
           </a:xfrm>
           <a:prstGeom prst="rect">
             <a:avLst/>
           </a:prstGeom>
         </p:spPr>
       </p:pic>
-      <p:sp>
-        <p:nvSpPr>
-          <p:cNvPr id="2" name="Titre 1">
-            <a:extLst>
-              <a:ext uri="{FF2B5EF4-FFF2-40B4-BE49-F238E27FC236}">
-                <a16:creationId xmlns:a16="http://schemas.microsoft.com/office/drawing/2014/main" id="{AEF9E91C-9F1A-4BEE-A693-D76078DE9F48}"/>
-              </a:ext>
-            </a:extLst>
-          </p:cNvPr>
-          <p:cNvSpPr>
-            <a:spLocks noGrp="1"/>
-          </p:cNvSpPr>
-          <p:nvPr>
-            <p:ph type="title"/>
-          </p:nvPr>
-        </p:nvSpPr>
+      <p:pic>
+        <p:nvPicPr>
+          <p:cNvPr id="23" name="Image 22">
+            <a:extLst>
+              <a:ext uri="{FF2B5EF4-FFF2-40B4-BE49-F238E27FC236}">
+                <a16:creationId xmlns:a16="http://schemas.microsoft.com/office/drawing/2014/main" id="{50C13BC9-0314-44AB-98D6-4BDC993F1188}"/>
+              </a:ext>
+            </a:extLst>
+          </p:cNvPr>
+          <p:cNvPicPr>
+            <a:picLocks noChangeAspect="1"/>
+          </p:cNvPicPr>
+          <p:nvPr/>
+        </p:nvPicPr>
+        <p:blipFill>
+          <a:blip r:embed="rId3"/>
+          <a:stretch>
+            <a:fillRect/>
+          </a:stretch>
+        </p:blipFill>
         <p:spPr>
           <a:xfrm>
-            <a:off x="3045368" y="2043663"/>
-            <a:ext cx="6105194" cy="2031055"/>
-          </a:xfrm>
-        </p:spPr>
-        <p:txBody>
-          <a:bodyPr vert="horz" lIns="91440" tIns="45720" rIns="91440" bIns="45720" rtlCol="0" anchor="b">
-            <a:normAutofit/>
+            <a:off x="1421258" y="2861300"/>
+            <a:ext cx="3629532" cy="1819529"/>
+          </a:xfrm>
+          <a:prstGeom prst="rect">
+            <a:avLst/>
+          </a:prstGeom>
+        </p:spPr>
+      </p:pic>
+      <p:pic>
+        <p:nvPicPr>
+          <p:cNvPr id="31" name="Image 30">
+            <a:extLst>
+              <a:ext uri="{FF2B5EF4-FFF2-40B4-BE49-F238E27FC236}">
+                <a16:creationId xmlns:a16="http://schemas.microsoft.com/office/drawing/2014/main" id="{1C7C9B1E-D2A0-4210-A1AD-75FDC0835E1D}"/>
+              </a:ext>
+            </a:extLst>
+          </p:cNvPr>
+          <p:cNvPicPr>
+            <a:picLocks noChangeAspect="1"/>
+          </p:cNvPicPr>
+          <p:nvPr/>
+        </p:nvPicPr>
+        <p:blipFill>
+          <a:blip r:embed="rId4"/>
+          <a:stretch>
+            <a:fillRect/>
+          </a:stretch>
+        </p:blipFill>
+        <p:spPr>
+          <a:xfrm>
+            <a:off x="3800815" y="5324080"/>
+            <a:ext cx="3896269" cy="1467055"/>
+          </a:xfrm>
+          <a:prstGeom prst="rect">
+            <a:avLst/>
+          </a:prstGeom>
+        </p:spPr>
+      </p:pic>
+      <p:sp>
+        <p:nvSpPr>
+          <p:cNvPr id="32" name="Rectangle 31">
+            <a:extLst>
+              <a:ext uri="{FF2B5EF4-FFF2-40B4-BE49-F238E27FC236}">
+                <a16:creationId xmlns:a16="http://schemas.microsoft.com/office/drawing/2014/main" id="{852BC564-0775-47C9-8CB6-66816AA21E8E}"/>
+              </a:ext>
+            </a:extLst>
+          </p:cNvPr>
+          <p:cNvSpPr/>
+          <p:nvPr/>
+        </p:nvSpPr>
+        <p:spPr>
+          <a:xfrm>
+            <a:off x="5748950" y="3365651"/>
+            <a:ext cx="1231272" cy="226593"/>
+          </a:xfrm>
+          <a:prstGeom prst="rect">
+            <a:avLst/>
+          </a:prstGeom>
+          <a:noFill/>
+          <a:ln>
+            <a:solidFill>
+              <a:srgbClr val="FF0000"/>
+            </a:solidFill>
+          </a:ln>
+        </p:spPr>
+        <p:style>
+          <a:lnRef idx="2">
+            <a:schemeClr val="accent1">
+              <a:shade val="50000"/>
+            </a:schemeClr>
+          </a:lnRef>
+          <a:fillRef idx="1">
+            <a:schemeClr val="accent1"/>
+          </a:fillRef>
+          <a:effectRef idx="0">
+            <a:schemeClr val="accent1"/>
+          </a:effectRef>
+          <a:fontRef idx="minor">
+            <a:schemeClr val="lt1"/>
+          </a:fontRef>
+        </p:style>
+        <p:txBody>
+          <a:bodyPr rtlCol="0" anchor="ctr"/>
+          <a:lstStyle/>
+          <a:p>
+            <a:pPr algn="ctr"/>
+            <a:endParaRPr lang="fr-FR"/>
+          </a:p>
+        </p:txBody>
+      </p:sp>
+      <p:sp>
+        <p:nvSpPr>
+          <p:cNvPr id="33" name="Rectangle 32">
+            <a:extLst>
+              <a:ext uri="{FF2B5EF4-FFF2-40B4-BE49-F238E27FC236}">
+                <a16:creationId xmlns:a16="http://schemas.microsoft.com/office/drawing/2014/main" id="{D3AA3FBE-B1AA-4904-A3AF-8F74B235A7CA}"/>
+              </a:ext>
+            </a:extLst>
+          </p:cNvPr>
+          <p:cNvSpPr/>
+          <p:nvPr/>
+        </p:nvSpPr>
+        <p:spPr>
+          <a:xfrm>
+            <a:off x="8321879" y="3771064"/>
+            <a:ext cx="654341" cy="251116"/>
+          </a:xfrm>
+          <a:prstGeom prst="rect">
+            <a:avLst/>
+          </a:prstGeom>
+          <a:noFill/>
+          <a:ln>
+            <a:solidFill>
+              <a:srgbClr val="FF0000"/>
+            </a:solidFill>
+          </a:ln>
+        </p:spPr>
+        <p:style>
+          <a:lnRef idx="2">
+            <a:schemeClr val="accent1">
+              <a:shade val="50000"/>
+            </a:schemeClr>
+          </a:lnRef>
+          <a:fillRef idx="1">
+            <a:schemeClr val="accent1"/>
+          </a:fillRef>
+          <a:effectRef idx="0">
+            <a:schemeClr val="accent1"/>
+          </a:effectRef>
+          <a:fontRef idx="minor">
+            <a:schemeClr val="lt1"/>
+          </a:fontRef>
+        </p:style>
+        <p:txBody>
+          <a:bodyPr rtlCol="0" anchor="ctr"/>
+          <a:lstStyle/>
+          <a:p>
+            <a:pPr algn="ctr"/>
+            <a:endParaRPr lang="fr-FR"/>
+          </a:p>
+        </p:txBody>
+      </p:sp>
+      <p:sp>
+        <p:nvSpPr>
+          <p:cNvPr id="34" name="ZoneTexte 33">
+            <a:extLst>
+              <a:ext uri="{FF2B5EF4-FFF2-40B4-BE49-F238E27FC236}">
+                <a16:creationId xmlns:a16="http://schemas.microsoft.com/office/drawing/2014/main" id="{D4FB9192-878B-450C-972F-C55F72F87901}"/>
+              </a:ext>
+            </a:extLst>
+          </p:cNvPr>
+          <p:cNvSpPr txBox="1"/>
+          <p:nvPr/>
+        </p:nvSpPr>
+        <p:spPr>
+          <a:xfrm>
+            <a:off x="1421258" y="2265028"/>
+            <a:ext cx="5365436" cy="461665"/>
+          </a:xfrm>
+          <a:prstGeom prst="rect">
+            <a:avLst/>
+          </a:prstGeom>
+          <a:noFill/>
+        </p:spPr>
+        <p:txBody>
+          <a:bodyPr wrap="square" rtlCol="0">
+            <a:spAutoFit/>
           </a:bodyPr>
           <a:lstStyle/>
           <a:p>
-            <a:pPr algn="ctr"/>
+            <a:pPr marL="285750" indent="-285750">
+              <a:buFont typeface="Arial" panose="020B0604020202020204" pitchFamily="34" charset="0"/>
+              <a:buChar char="•"/>
+            </a:pPr>
             <a:r>
-              <a:rPr lang="en-US" sz="6000" kern="1200">
-                <a:solidFill>
-                  <a:srgbClr val="FFFFFF"/>
-                </a:solidFill>
-                <a:latin typeface="+mj-lt"/>
-                <a:ea typeface="+mj-ea"/>
-                <a:cs typeface="+mj-cs"/>
-              </a:rPr>
-              <a:t>Exercice 7 – Mise en forme </a:t>
+              <a:rPr lang="fr-FR" sz="2400" dirty="0"/>
+              <a:t>Utilisation de classes et </a:t>
             </a:r>
-          </a:p>
-        </p:txBody>
-      </p:sp>
-      <p:sp>
-        <p:nvSpPr>
-          <p:cNvPr id="4" name="Espace réservé du numéro de diapositive 3">
-            <a:extLst>
-              <a:ext uri="{FF2B5EF4-FFF2-40B4-BE49-F238E27FC236}">
-                <a16:creationId xmlns:a16="http://schemas.microsoft.com/office/drawing/2014/main" id="{74F3023A-B7CB-4C5A-A04F-98974204E143}"/>
-              </a:ext>
-            </a:extLst>
-          </p:cNvPr>
-          <p:cNvSpPr>
-            <a:spLocks noGrp="1"/>
-          </p:cNvSpPr>
-          <p:nvPr>
-            <p:ph type="sldNum" sz="quarter" idx="12"/>
-          </p:nvPr>
-        </p:nvSpPr>
+            <a:r>
+              <a:rPr lang="fr-FR" sz="2400" dirty="0" err="1"/>
+              <a:t>d’id</a:t>
+            </a:r>
+            <a:endParaRPr lang="fr-FR" sz="2400" dirty="0"/>
+          </a:p>
+        </p:txBody>
+      </p:sp>
+      <p:cxnSp>
+        <p:nvCxnSpPr>
+          <p:cNvPr id="36" name="Connecteur droit avec flèche 35">
+            <a:extLst>
+              <a:ext uri="{FF2B5EF4-FFF2-40B4-BE49-F238E27FC236}">
+                <a16:creationId xmlns:a16="http://schemas.microsoft.com/office/drawing/2014/main" id="{130A4C7B-5C03-4BE2-B023-4FC500AC7228}"/>
+              </a:ext>
+            </a:extLst>
+          </p:cNvPr>
+          <p:cNvCxnSpPr/>
+          <p:nvPr/>
+        </p:nvCxnSpPr>
         <p:spPr>
           <a:xfrm>
-            <a:off x="10825930" y="6223702"/>
-            <a:ext cx="570728" cy="314067"/>
-          </a:xfrm>
-        </p:spPr>
-        <p:txBody>
-          <a:bodyPr vert="horz" lIns="91440" tIns="45720" rIns="91440" bIns="45720" rtlCol="0" anchor="ctr">
-            <a:normAutofit/>
-          </a:bodyPr>
-          <a:lstStyle/>
-          <a:p>
-            <a:pPr>
-              <a:spcAft>
-                <a:spcPts val="600"/>
-              </a:spcAft>
-            </a:pPr>
-            <a:fld id="{F8323CC4-5E62-4ADB-BC7C-89B23C89378E}" type="slidenum">
-              <a:rPr lang="en-US" sz="1000">
-                <a:solidFill>
-                  <a:srgbClr val="898989"/>
-                </a:solidFill>
-              </a:rPr>
-              <a:pPr>
-                <a:spcAft>
-                  <a:spcPts val="600"/>
-                </a:spcAft>
-              </a:pPr>
-              <a:t>24</a:t>
-            </a:fld>
-            <a:endParaRPr lang="en-US" sz="1000">
-              <a:solidFill>
-                <a:srgbClr val="898989"/>
-              </a:solidFill>
-            </a:endParaRPr>
-          </a:p>
-        </p:txBody>
-      </p:sp>
+            <a:off x="2667699" y="2986481"/>
+            <a:ext cx="3081251" cy="379170"/>
+          </a:xfrm>
+          <a:prstGeom prst="straightConnector1">
+            <a:avLst/>
+          </a:prstGeom>
+          <a:ln>
+            <a:solidFill>
+              <a:srgbClr val="FF0000"/>
+            </a:solidFill>
+            <a:tailEnd type="triangle"/>
+          </a:ln>
+        </p:spPr>
+        <p:style>
+          <a:lnRef idx="1">
+            <a:schemeClr val="accent1"/>
+          </a:lnRef>
+          <a:fillRef idx="0">
+            <a:schemeClr val="accent1"/>
+          </a:fillRef>
+          <a:effectRef idx="0">
+            <a:schemeClr val="accent1"/>
+          </a:effectRef>
+          <a:fontRef idx="minor">
+            <a:schemeClr val="tx1"/>
+          </a:fontRef>
+        </p:style>
+      </p:cxnSp>
+      <p:cxnSp>
+        <p:nvCxnSpPr>
+          <p:cNvPr id="38" name="Connecteur droit 37">
+            <a:extLst>
+              <a:ext uri="{FF2B5EF4-FFF2-40B4-BE49-F238E27FC236}">
+                <a16:creationId xmlns:a16="http://schemas.microsoft.com/office/drawing/2014/main" id="{B5FF939F-C3C5-4602-9D1D-79A5A25CEC17}"/>
+              </a:ext>
+            </a:extLst>
+          </p:cNvPr>
+          <p:cNvCxnSpPr>
+            <a:cxnSpLocks/>
+          </p:cNvCxnSpPr>
+          <p:nvPr/>
+        </p:nvCxnSpPr>
+        <p:spPr>
+          <a:xfrm>
+            <a:off x="2013358" y="3917659"/>
+            <a:ext cx="6597242" cy="429936"/>
+          </a:xfrm>
+          <a:prstGeom prst="line">
+            <a:avLst/>
+          </a:prstGeom>
+          <a:ln>
+            <a:solidFill>
+              <a:srgbClr val="FF0000"/>
+            </a:solidFill>
+          </a:ln>
+        </p:spPr>
+        <p:style>
+          <a:lnRef idx="1">
+            <a:schemeClr val="accent1"/>
+          </a:lnRef>
+          <a:fillRef idx="0">
+            <a:schemeClr val="accent1"/>
+          </a:fillRef>
+          <a:effectRef idx="0">
+            <a:schemeClr val="accent1"/>
+          </a:effectRef>
+          <a:fontRef idx="minor">
+            <a:schemeClr val="tx1"/>
+          </a:fontRef>
+        </p:style>
+      </p:cxnSp>
+      <p:cxnSp>
+        <p:nvCxnSpPr>
+          <p:cNvPr id="40" name="Connecteur droit avec flèche 39">
+            <a:extLst>
+              <a:ext uri="{FF2B5EF4-FFF2-40B4-BE49-F238E27FC236}">
+                <a16:creationId xmlns:a16="http://schemas.microsoft.com/office/drawing/2014/main" id="{012D1319-1421-4481-ACD6-6A25F32C320F}"/>
+              </a:ext>
+            </a:extLst>
+          </p:cNvPr>
+          <p:cNvCxnSpPr>
+            <a:cxnSpLocks/>
+          </p:cNvCxnSpPr>
+          <p:nvPr/>
+        </p:nvCxnSpPr>
+        <p:spPr>
+          <a:xfrm flipV="1">
+            <a:off x="8610600" y="4022181"/>
+            <a:ext cx="0" cy="325414"/>
+          </a:xfrm>
+          <a:prstGeom prst="straightConnector1">
+            <a:avLst/>
+          </a:prstGeom>
+          <a:ln>
+            <a:solidFill>
+              <a:srgbClr val="FF0000"/>
+            </a:solidFill>
+            <a:tailEnd type="triangle"/>
+          </a:ln>
+        </p:spPr>
+        <p:style>
+          <a:lnRef idx="1">
+            <a:schemeClr val="accent1"/>
+          </a:lnRef>
+          <a:fillRef idx="0">
+            <a:schemeClr val="accent1"/>
+          </a:fillRef>
+          <a:effectRef idx="0">
+            <a:schemeClr val="accent1"/>
+          </a:effectRef>
+          <a:fontRef idx="minor">
+            <a:schemeClr val="tx1"/>
+          </a:fontRef>
+        </p:style>
+      </p:cxnSp>
     </p:spTree>
     <p:extLst>
       <p:ext uri="{BB962C8B-B14F-4D97-AF65-F5344CB8AC3E}">
-        <p14:creationId xmlns:p14="http://schemas.microsoft.com/office/powerpoint/2010/main" val="2800563334"/>
+        <p14:creationId xmlns:p14="http://schemas.microsoft.com/office/powerpoint/2010/main" val="3567119921"/>
       </p:ext>
     </p:extLst>
   </p:cSld>
@@ -13446,12 +14086,12 @@
           <a:chExt cx="0" cy="0"/>
         </a:xfrm>
       </p:grpSpPr>
-      <p:sp useBgFill="1">
-        <p:nvSpPr>
-          <p:cNvPr id="8" name="Rectangle 7">
-            <a:extLst>
-              <a:ext uri="{FF2B5EF4-FFF2-40B4-BE49-F238E27FC236}">
-                <a16:creationId xmlns:a16="http://schemas.microsoft.com/office/drawing/2014/main" id="{827B839B-9ADE-406B-8590-F1CAEDED45A1}"/>
+      <p:sp>
+        <p:nvSpPr>
+          <p:cNvPr id="9" name="Rectangle 8">
+            <a:extLst>
+              <a:ext uri="{FF2B5EF4-FFF2-40B4-BE49-F238E27FC236}">
+                <a16:creationId xmlns:a16="http://schemas.microsoft.com/office/drawing/2014/main" id="{23962611-DFD5-4092-AAFD-559E3DFCE2C9}"/>
               </a:ext>
               <a:ext uri="{C183D7F6-B498-43B3-948B-1728B52AA6E4}">
                 <adec:decorative xmlns:adec="http://schemas.microsoft.com/office/drawing/2017/decorative" val="1"/>
@@ -13471,12 +14111,37 @@
         </p:nvSpPr>
         <p:spPr>
           <a:xfrm>
-            <a:off x="0" y="0"/>
-            <a:ext cx="12188952" cy="6858000"/>
+            <a:off x="475488" y="0"/>
+            <a:ext cx="10910292" cy="6858000"/>
           </a:xfrm>
           <a:prstGeom prst="rect">
             <a:avLst/>
           </a:prstGeom>
+          <a:gradFill>
+            <a:gsLst>
+              <a:gs pos="0">
+                <a:schemeClr val="accent1">
+                  <a:lumMod val="90000"/>
+                </a:schemeClr>
+              </a:gs>
+              <a:gs pos="25000">
+                <a:schemeClr val="accent1">
+                  <a:lumMod val="90000"/>
+                </a:schemeClr>
+              </a:gs>
+              <a:gs pos="94000">
+                <a:schemeClr val="bg2">
+                  <a:lumMod val="25000"/>
+                </a:schemeClr>
+              </a:gs>
+              <a:gs pos="100000">
+                <a:schemeClr val="bg2">
+                  <a:lumMod val="25000"/>
+                </a:schemeClr>
+              </a:gs>
+            </a:gsLst>
+            <a:lin ang="4200000" scaled="0"/>
+          </a:gradFill>
           <a:ln>
             <a:noFill/>
           </a:ln>
@@ -13506,21 +14171,21 @@
           </a:p>
         </p:txBody>
       </p:sp>
-      <p:sp>
-        <p:nvSpPr>
-          <p:cNvPr id="10" name="Freeform 45">
-            <a:extLst>
-              <a:ext uri="{FF2B5EF4-FFF2-40B4-BE49-F238E27FC236}">
-                <a16:creationId xmlns:a16="http://schemas.microsoft.com/office/drawing/2014/main" id="{CFE45BF0-46DB-408C-B5F7-7B11716805D4}"/>
+      <p:pic>
+        <p:nvPicPr>
+          <p:cNvPr id="11" name="Picture 10">
+            <a:extLst>
+              <a:ext uri="{FF2B5EF4-FFF2-40B4-BE49-F238E27FC236}">
+                <a16:creationId xmlns:a16="http://schemas.microsoft.com/office/drawing/2014/main" id="{2270F1FA-0425-408F-9861-80BF5AFB276D}"/>
               </a:ext>
               <a:ext uri="{C183D7F6-B498-43B3-948B-1728B52AA6E4}">
                 <adec:decorative xmlns:adec="http://schemas.microsoft.com/office/drawing/2017/decorative" val="1"/>
               </a:ext>
             </a:extLst>
           </p:cNvPr>
-          <p:cNvSpPr>
-            <a:spLocks noGrp="1" noRot="1" noChangeAspect="1" noMove="1" noResize="1" noEditPoints="1" noAdjustHandles="1" noChangeArrowheads="1" noChangeShapeType="1" noTextEdit="1"/>
-          </p:cNvSpPr>
+          <p:cNvPicPr>
+            <a:picLocks noGrp="1" noRot="1" noChangeAspect="1" noMove="1" noResize="1" noEditPoints="1" noAdjustHandles="1" noChangeArrowheads="1" noChangeShapeType="1" noCrop="1"/>
+          </p:cNvPicPr>
           <p:nvPr>
             <p:extLst>
               <p:ext uri="{386F3935-93C4-4BCD-93E2-E3B085C9AB24}">
@@ -13528,538 +14193,23 @@
               </p:ext>
             </p:extLst>
           </p:nvPr>
-        </p:nvSpPr>
-        <p:spPr bwMode="auto">
-          <a:xfrm>
-            <a:off x="409710" y="1022350"/>
-            <a:ext cx="709612" cy="2095501"/>
-          </a:xfrm>
-          <a:custGeom>
-            <a:avLst/>
-            <a:gdLst>
-              <a:gd name="T0" fmla="*/ 447 w 447"/>
-              <a:gd name="T1" fmla="*/ 1363 h 1363"/>
-              <a:gd name="T2" fmla="*/ 0 w 447"/>
-              <a:gd name="T3" fmla="*/ 987 h 1363"/>
-              <a:gd name="T4" fmla="*/ 0 w 447"/>
-              <a:gd name="T5" fmla="*/ 0 h 1363"/>
-              <a:gd name="T6" fmla="*/ 447 w 447"/>
-              <a:gd name="T7" fmla="*/ 376 h 1363"/>
-              <a:gd name="T8" fmla="*/ 447 w 447"/>
-              <a:gd name="T9" fmla="*/ 1363 h 1363"/>
-            </a:gdLst>
-            <a:ahLst/>
-            <a:cxnLst>
-              <a:cxn ang="0">
-                <a:pos x="T0" y="T1"/>
-              </a:cxn>
-              <a:cxn ang="0">
-                <a:pos x="T2" y="T3"/>
-              </a:cxn>
-              <a:cxn ang="0">
-                <a:pos x="T4" y="T5"/>
-              </a:cxn>
-              <a:cxn ang="0">
-                <a:pos x="T6" y="T7"/>
-              </a:cxn>
-              <a:cxn ang="0">
-                <a:pos x="T8" y="T9"/>
-              </a:cxn>
-            </a:cxnLst>
-            <a:rect l="0" t="0" r="r" b="b"/>
-            <a:pathLst>
-              <a:path w="447" h="1363">
-                <a:moveTo>
-                  <a:pt x="447" y="1363"/>
-                </a:moveTo>
-                <a:lnTo>
-                  <a:pt x="0" y="987"/>
-                </a:lnTo>
-                <a:lnTo>
-                  <a:pt x="0" y="0"/>
-                </a:lnTo>
-                <a:lnTo>
-                  <a:pt x="447" y="376"/>
-                </a:lnTo>
-                <a:lnTo>
-                  <a:pt x="447" y="1363"/>
-                </a:lnTo>
-                <a:close/>
-              </a:path>
-            </a:pathLst>
-          </a:custGeom>
-          <a:solidFill>
-            <a:schemeClr val="accent1">
-              <a:lumMod val="50000"/>
-            </a:schemeClr>
-          </a:solidFill>
-          <a:ln>
-            <a:noFill/>
-          </a:ln>
-        </p:spPr>
-        <p:txBody>
-          <a:bodyPr vert="horz" wrap="square" lIns="91440" tIns="45720" rIns="91440" bIns="45720" numCol="1" anchor="t" anchorCtr="0" compatLnSpc="1">
-            <a:prstTxWarp prst="textNoShape">
-              <a:avLst/>
-            </a:prstTxWarp>
-          </a:bodyPr>
-          <a:lstStyle/>
-          <a:p>
-            <a:endParaRPr lang="en-US"/>
-          </a:p>
-        </p:txBody>
-      </p:sp>
-      <p:sp>
-        <p:nvSpPr>
-          <p:cNvPr id="12" name="Freeform 46">
-            <a:extLst>
-              <a:ext uri="{FF2B5EF4-FFF2-40B4-BE49-F238E27FC236}">
-                <a16:creationId xmlns:a16="http://schemas.microsoft.com/office/drawing/2014/main" id="{2AEBC8F2-97B1-41B4-93F1-2D289E197FBA}"/>
-              </a:ext>
-              <a:ext uri="{C183D7F6-B498-43B3-948B-1728B52AA6E4}">
-                <adec:decorative xmlns:adec="http://schemas.microsoft.com/office/drawing/2017/decorative" val="1"/>
-              </a:ext>
-            </a:extLst>
-          </p:cNvPr>
-          <p:cNvSpPr>
-            <a:spLocks noGrp="1" noRot="1" noChangeAspect="1" noMove="1" noResize="1" noEditPoints="1" noAdjustHandles="1" noChangeArrowheads="1" noChangeShapeType="1" noTextEdit="1"/>
-          </p:cNvSpPr>
-          <p:nvPr>
-            <p:extLst>
-              <p:ext uri="{386F3935-93C4-4BCD-93E2-E3B085C9AB24}">
-                <p16:designElem xmlns:p16="http://schemas.microsoft.com/office/powerpoint/2015/main" val="1"/>
-              </p:ext>
-            </p:extLst>
-          </p:nvPr>
-        </p:nvSpPr>
-        <p:spPr bwMode="auto">
-          <a:xfrm>
-            <a:off x="409710" y="837744"/>
-            <a:ext cx="403225" cy="1705431"/>
-          </a:xfrm>
-          <a:custGeom>
-            <a:avLst/>
-            <a:gdLst>
-              <a:gd name="T0" fmla="*/ 254 w 254"/>
-              <a:gd name="T1" fmla="*/ 987 h 1109"/>
-              <a:gd name="T2" fmla="*/ 0 w 254"/>
-              <a:gd name="T3" fmla="*/ 1109 h 1109"/>
-              <a:gd name="T4" fmla="*/ 0 w 254"/>
-              <a:gd name="T5" fmla="*/ 119 h 1109"/>
-              <a:gd name="T6" fmla="*/ 254 w 254"/>
-              <a:gd name="T7" fmla="*/ 0 h 1109"/>
-              <a:gd name="T8" fmla="*/ 254 w 254"/>
-              <a:gd name="T9" fmla="*/ 987 h 1109"/>
-            </a:gdLst>
-            <a:ahLst/>
-            <a:cxnLst>
-              <a:cxn ang="0">
-                <a:pos x="T0" y="T1"/>
-              </a:cxn>
-              <a:cxn ang="0">
-                <a:pos x="T2" y="T3"/>
-              </a:cxn>
-              <a:cxn ang="0">
-                <a:pos x="T4" y="T5"/>
-              </a:cxn>
-              <a:cxn ang="0">
-                <a:pos x="T6" y="T7"/>
-              </a:cxn>
-              <a:cxn ang="0">
-                <a:pos x="T8" y="T9"/>
-              </a:cxn>
-            </a:cxnLst>
-            <a:rect l="0" t="0" r="r" b="b"/>
-            <a:pathLst>
-              <a:path w="254" h="1109">
-                <a:moveTo>
-                  <a:pt x="254" y="987"/>
-                </a:moveTo>
-                <a:lnTo>
-                  <a:pt x="0" y="1109"/>
-                </a:lnTo>
-                <a:lnTo>
-                  <a:pt x="0" y="119"/>
-                </a:lnTo>
-                <a:lnTo>
-                  <a:pt x="254" y="0"/>
-                </a:lnTo>
-                <a:lnTo>
-                  <a:pt x="254" y="987"/>
-                </a:lnTo>
-                <a:close/>
-              </a:path>
-            </a:pathLst>
-          </a:custGeom>
-          <a:solidFill>
-            <a:schemeClr val="accent1">
-              <a:lumMod val="75000"/>
-            </a:schemeClr>
-          </a:solidFill>
-          <a:ln>
-            <a:noFill/>
-          </a:ln>
-        </p:spPr>
-        <p:txBody>
-          <a:bodyPr vert="horz" wrap="square" lIns="91440" tIns="45720" rIns="91440" bIns="45720" numCol="1" anchor="t" anchorCtr="0" compatLnSpc="1">
-            <a:prstTxWarp prst="textNoShape">
-              <a:avLst/>
-            </a:prstTxWarp>
-          </a:bodyPr>
-          <a:lstStyle/>
-          <a:p>
-            <a:endParaRPr lang="en-US"/>
-          </a:p>
-        </p:txBody>
-      </p:sp>
-      <p:sp>
-        <p:nvSpPr>
-          <p:cNvPr id="14" name="Freeform 47">
-            <a:extLst>
-              <a:ext uri="{FF2B5EF4-FFF2-40B4-BE49-F238E27FC236}">
-                <a16:creationId xmlns:a16="http://schemas.microsoft.com/office/drawing/2014/main" id="{472E3A19-F5D5-48FC-BB9C-48C2F68F598B}"/>
-              </a:ext>
-              <a:ext uri="{C183D7F6-B498-43B3-948B-1728B52AA6E4}">
-                <adec:decorative xmlns:adec="http://schemas.microsoft.com/office/drawing/2017/decorative" val="1"/>
-              </a:ext>
-            </a:extLst>
-          </p:cNvPr>
-          <p:cNvSpPr>
-            <a:spLocks noGrp="1" noRot="1" noChangeAspect="1" noMove="1" noResize="1" noEditPoints="1" noAdjustHandles="1" noChangeArrowheads="1" noChangeShapeType="1" noTextEdit="1"/>
-          </p:cNvSpPr>
-          <p:nvPr>
-            <p:extLst>
-              <p:ext uri="{386F3935-93C4-4BCD-93E2-E3B085C9AB24}">
-                <p16:designElem xmlns:p16="http://schemas.microsoft.com/office/powerpoint/2015/main" val="1"/>
-              </p:ext>
-            </p:extLst>
-          </p:nvPr>
-        </p:nvSpPr>
-        <p:spPr bwMode="auto">
-          <a:xfrm>
-            <a:off x="644660" y="640894"/>
-            <a:ext cx="168275" cy="1713195"/>
-          </a:xfrm>
-          <a:custGeom>
-            <a:avLst/>
-            <a:gdLst>
-              <a:gd name="T0" fmla="*/ 106 w 106"/>
-              <a:gd name="T1" fmla="*/ 1114 h 1114"/>
-              <a:gd name="T2" fmla="*/ 0 w 106"/>
-              <a:gd name="T3" fmla="*/ 1005 h 1114"/>
-              <a:gd name="T4" fmla="*/ 0 w 106"/>
-              <a:gd name="T5" fmla="*/ 0 h 1114"/>
-              <a:gd name="T6" fmla="*/ 106 w 106"/>
-              <a:gd name="T7" fmla="*/ 110 h 1114"/>
-              <a:gd name="T8" fmla="*/ 106 w 106"/>
-              <a:gd name="T9" fmla="*/ 1114 h 1114"/>
-            </a:gdLst>
-            <a:ahLst/>
-            <a:cxnLst>
-              <a:cxn ang="0">
-                <a:pos x="T0" y="T1"/>
-              </a:cxn>
-              <a:cxn ang="0">
-                <a:pos x="T2" y="T3"/>
-              </a:cxn>
-              <a:cxn ang="0">
-                <a:pos x="T4" y="T5"/>
-              </a:cxn>
-              <a:cxn ang="0">
-                <a:pos x="T6" y="T7"/>
-              </a:cxn>
-              <a:cxn ang="0">
-                <a:pos x="T8" y="T9"/>
-              </a:cxn>
-            </a:cxnLst>
-            <a:rect l="0" t="0" r="r" b="b"/>
-            <a:pathLst>
-              <a:path w="106" h="1114">
-                <a:moveTo>
-                  <a:pt x="106" y="1114"/>
-                </a:moveTo>
-                <a:lnTo>
-                  <a:pt x="0" y="1005"/>
-                </a:lnTo>
-                <a:lnTo>
-                  <a:pt x="0" y="0"/>
-                </a:lnTo>
-                <a:lnTo>
-                  <a:pt x="106" y="110"/>
-                </a:lnTo>
-                <a:lnTo>
-                  <a:pt x="106" y="1114"/>
-                </a:lnTo>
-                <a:close/>
-              </a:path>
-            </a:pathLst>
-          </a:custGeom>
-          <a:solidFill>
-            <a:schemeClr val="accent1">
-              <a:lumMod val="50000"/>
-            </a:schemeClr>
-          </a:solidFill>
-          <a:ln>
-            <a:noFill/>
-          </a:ln>
-        </p:spPr>
-        <p:txBody>
-          <a:bodyPr vert="horz" wrap="square" lIns="91440" tIns="45720" rIns="91440" bIns="45720" numCol="1" anchor="t" anchorCtr="0" compatLnSpc="1">
-            <a:prstTxWarp prst="textNoShape">
-              <a:avLst/>
-            </a:prstTxWarp>
-          </a:bodyPr>
-          <a:lstStyle/>
-          <a:p>
-            <a:endParaRPr lang="en-US"/>
-          </a:p>
-        </p:txBody>
-      </p:sp>
-      <p:sp>
-        <p:nvSpPr>
-          <p:cNvPr id="16" name="Freeform 44">
-            <a:extLst>
-              <a:ext uri="{FF2B5EF4-FFF2-40B4-BE49-F238E27FC236}">
-                <a16:creationId xmlns:a16="http://schemas.microsoft.com/office/drawing/2014/main" id="{7A62E32F-BB65-43A8-8EB5-92346890E549}"/>
-              </a:ext>
-              <a:ext uri="{C183D7F6-B498-43B3-948B-1728B52AA6E4}">
-                <adec:decorative xmlns:adec="http://schemas.microsoft.com/office/drawing/2017/decorative" val="1"/>
-              </a:ext>
-            </a:extLst>
-          </p:cNvPr>
-          <p:cNvSpPr>
-            <a:spLocks noGrp="1" noRot="1" noChangeAspect="1" noMove="1" noResize="1" noEditPoints="1" noAdjustHandles="1" noChangeArrowheads="1" noChangeShapeType="1" noTextEdit="1"/>
-          </p:cNvSpPr>
-          <p:nvPr>
-            <p:extLst>
-              <p:ext uri="{386F3935-93C4-4BCD-93E2-E3B085C9AB24}">
-                <p16:designElem xmlns:p16="http://schemas.microsoft.com/office/powerpoint/2015/main" val="1"/>
-              </p:ext>
-            </p:extLst>
-          </p:nvPr>
-        </p:nvSpPr>
-        <p:spPr bwMode="auto">
-          <a:xfrm>
-            <a:off x="11223203" y="635716"/>
-            <a:ext cx="328612" cy="1742360"/>
-          </a:xfrm>
-          <a:custGeom>
-            <a:avLst/>
-            <a:gdLst>
-              <a:gd name="T0" fmla="*/ 207 w 207"/>
-              <a:gd name="T1" fmla="*/ 987 h 1114"/>
-              <a:gd name="T2" fmla="*/ 0 w 207"/>
-              <a:gd name="T3" fmla="*/ 1114 h 1114"/>
-              <a:gd name="T4" fmla="*/ 0 w 207"/>
-              <a:gd name="T5" fmla="*/ 127 h 1114"/>
-              <a:gd name="T6" fmla="*/ 207 w 207"/>
-              <a:gd name="T7" fmla="*/ 0 h 1114"/>
-              <a:gd name="T8" fmla="*/ 207 w 207"/>
-              <a:gd name="T9" fmla="*/ 987 h 1114"/>
-            </a:gdLst>
-            <a:ahLst/>
-            <a:cxnLst>
-              <a:cxn ang="0">
-                <a:pos x="T0" y="T1"/>
-              </a:cxn>
-              <a:cxn ang="0">
-                <a:pos x="T2" y="T3"/>
-              </a:cxn>
-              <a:cxn ang="0">
-                <a:pos x="T4" y="T5"/>
-              </a:cxn>
-              <a:cxn ang="0">
-                <a:pos x="T6" y="T7"/>
-              </a:cxn>
-              <a:cxn ang="0">
-                <a:pos x="T8" y="T9"/>
-              </a:cxn>
-            </a:cxnLst>
-            <a:rect l="0" t="0" r="r" b="b"/>
-            <a:pathLst>
-              <a:path w="207" h="1114">
-                <a:moveTo>
-                  <a:pt x="207" y="987"/>
-                </a:moveTo>
-                <a:lnTo>
-                  <a:pt x="0" y="1114"/>
-                </a:lnTo>
-                <a:lnTo>
-                  <a:pt x="0" y="127"/>
-                </a:lnTo>
-                <a:lnTo>
-                  <a:pt x="207" y="0"/>
-                </a:lnTo>
-                <a:lnTo>
-                  <a:pt x="207" y="987"/>
-                </a:lnTo>
-                <a:close/>
-              </a:path>
-            </a:pathLst>
-          </a:custGeom>
-          <a:solidFill>
-            <a:schemeClr val="accent1">
-              <a:lumMod val="50000"/>
-            </a:schemeClr>
-          </a:solidFill>
-          <a:ln>
-            <a:noFill/>
-          </a:ln>
-        </p:spPr>
-        <p:txBody>
-          <a:bodyPr vert="horz" wrap="square" lIns="91440" tIns="45720" rIns="91440" bIns="45720" numCol="1" anchor="t" anchorCtr="0" compatLnSpc="1">
-            <a:prstTxWarp prst="textNoShape">
-              <a:avLst/>
-            </a:prstTxWarp>
-          </a:bodyPr>
-          <a:lstStyle/>
-          <a:p>
-            <a:endParaRPr lang="en-US"/>
-          </a:p>
-        </p:txBody>
-      </p:sp>
-      <p:sp>
-        <p:nvSpPr>
-          <p:cNvPr id="18" name="Rectangle 17">
-            <a:extLst>
-              <a:ext uri="{FF2B5EF4-FFF2-40B4-BE49-F238E27FC236}">
-                <a16:creationId xmlns:a16="http://schemas.microsoft.com/office/drawing/2014/main" id="{14E91B64-9FCC-451E-AFB4-A827D6329367}"/>
-              </a:ext>
-              <a:ext uri="{C183D7F6-B498-43B3-948B-1728B52AA6E4}">
-                <adec:decorative xmlns:adec="http://schemas.microsoft.com/office/drawing/2017/decorative" val="1"/>
-              </a:ext>
-            </a:extLst>
-          </p:cNvPr>
-          <p:cNvSpPr>
-            <a:spLocks noGrp="1" noRot="1" noChangeAspect="1" noMove="1" noResize="1" noEditPoints="1" noAdjustHandles="1" noChangeArrowheads="1" noChangeShapeType="1" noTextEdit="1"/>
-          </p:cNvSpPr>
-          <p:nvPr>
-            <p:extLst>
-              <p:ext uri="{386F3935-93C4-4BCD-93E2-E3B085C9AB24}">
-                <p16:designElem xmlns:p16="http://schemas.microsoft.com/office/powerpoint/2015/main" val="1"/>
-              </p:ext>
-            </p:extLst>
-          </p:nvPr>
-        </p:nvSpPr>
-        <p:spPr bwMode="auto">
-          <a:xfrm>
-            <a:off x="644055" y="635715"/>
-            <a:ext cx="10907863" cy="1541457"/>
-          </a:xfrm>
-          <a:prstGeom prst="rect">
-            <a:avLst/>
-          </a:prstGeom>
-          <a:solidFill>
-            <a:schemeClr val="accent1"/>
-          </a:solidFill>
-          <a:ln>
-            <a:noFill/>
-          </a:ln>
-        </p:spPr>
-        <p:txBody>
-          <a:bodyPr vert="horz" wrap="square" lIns="91440" tIns="45720" rIns="91440" bIns="45720" numCol="1" anchor="t" anchorCtr="0" compatLnSpc="1">
-            <a:prstTxWarp prst="textNoShape">
-              <a:avLst/>
-            </a:prstTxWarp>
-          </a:bodyPr>
-          <a:lstStyle/>
-          <a:p>
-            <a:endParaRPr lang="en-US"/>
-          </a:p>
-        </p:txBody>
-      </p:sp>
-      <p:sp>
-        <p:nvSpPr>
-          <p:cNvPr id="2" name="Titre 1">
-            <a:extLst>
-              <a:ext uri="{FF2B5EF4-FFF2-40B4-BE49-F238E27FC236}">
-                <a16:creationId xmlns:a16="http://schemas.microsoft.com/office/drawing/2014/main" id="{787733BC-219D-49C7-B5B4-F7CD9774C6A4}"/>
-              </a:ext>
-            </a:extLst>
-          </p:cNvPr>
-          <p:cNvSpPr>
-            <a:spLocks noGrp="1"/>
-          </p:cNvSpPr>
-          <p:nvPr>
-            <p:ph type="title"/>
-          </p:nvPr>
-        </p:nvSpPr>
-        <p:spPr>
-          <a:xfrm>
-            <a:off x="958506" y="800392"/>
-            <a:ext cx="10264697" cy="1212102"/>
-          </a:xfrm>
-        </p:spPr>
-        <p:txBody>
-          <a:bodyPr>
-            <a:normAutofit/>
-          </a:bodyPr>
-          <a:lstStyle/>
-          <a:p>
-            <a:r>
-              <a:rPr lang="fr-FR" sz="4000" dirty="0">
-                <a:solidFill>
-                  <a:srgbClr val="FFFFFF"/>
-                </a:solidFill>
-              </a:rPr>
-              <a:t>Formulaires</a:t>
-            </a:r>
-          </a:p>
-        </p:txBody>
-      </p:sp>
-      <p:sp>
-        <p:nvSpPr>
-          <p:cNvPr id="9" name="Espace réservé du numéro de diapositive 8">
-            <a:extLst>
-              <a:ext uri="{FF2B5EF4-FFF2-40B4-BE49-F238E27FC236}">
-                <a16:creationId xmlns:a16="http://schemas.microsoft.com/office/drawing/2014/main" id="{F3EDF272-70D0-418F-B1E4-090F125EAE69}"/>
-              </a:ext>
-            </a:extLst>
-          </p:cNvPr>
-          <p:cNvSpPr>
-            <a:spLocks noGrp="1"/>
-          </p:cNvSpPr>
-          <p:nvPr>
-            <p:ph type="sldNum" sz="quarter" idx="12"/>
-          </p:nvPr>
-        </p:nvSpPr>
-        <p:spPr/>
-        <p:txBody>
-          <a:bodyPr/>
-          <a:lstStyle/>
-          <a:p>
-            <a:fld id="{F8323CC4-5E62-4ADB-BC7C-89B23C89378E}" type="slidenum">
-              <a:rPr lang="fr-FR" smtClean="0"/>
-              <a:t>25</a:t>
-            </a:fld>
-            <a:endParaRPr lang="fr-FR"/>
-          </a:p>
-        </p:txBody>
-      </p:sp>
-      <p:pic>
-        <p:nvPicPr>
-          <p:cNvPr id="6" name="Image 5">
-            <a:extLst>
-              <a:ext uri="{FF2B5EF4-FFF2-40B4-BE49-F238E27FC236}">
-                <a16:creationId xmlns:a16="http://schemas.microsoft.com/office/drawing/2014/main" id="{F9E1CB56-D2B8-4A38-BA2D-7D9A22393CFB}"/>
-              </a:ext>
-            </a:extLst>
-          </p:cNvPr>
-          <p:cNvPicPr>
-            <a:picLocks noChangeAspect="1"/>
-          </p:cNvPicPr>
-          <p:nvPr/>
         </p:nvPicPr>
         <p:blipFill>
-          <a:blip r:embed="rId2"/>
+          <a:blip r:embed="rId2">
+            <a:extLst>
+              <a:ext uri="{28A0092B-C50C-407E-A947-70E740481C1C}">
+                <a14:useLocalDpi xmlns:a14="http://schemas.microsoft.com/office/drawing/2010/main" val="0"/>
+              </a:ext>
+            </a:extLst>
+          </a:blip>
           <a:stretch>
             <a:fillRect/>
           </a:stretch>
         </p:blipFill>
         <p:spPr>
           <a:xfrm>
-            <a:off x="1333481" y="2419171"/>
-            <a:ext cx="3432482" cy="2991360"/>
+            <a:off x="0" y="0"/>
+            <a:ext cx="12192000" cy="6858000"/>
           </a:xfrm>
           <a:prstGeom prst="rect">
             <a:avLst/>
@@ -14068,225 +14218,105 @@
       </p:pic>
       <p:sp>
         <p:nvSpPr>
-          <p:cNvPr id="13" name="Flèche : droite 12">
-            <a:extLst>
-              <a:ext uri="{FF2B5EF4-FFF2-40B4-BE49-F238E27FC236}">
-                <a16:creationId xmlns:a16="http://schemas.microsoft.com/office/drawing/2014/main" id="{8AEECA8E-C7FE-469D-B082-99DEF04C93C6}"/>
-              </a:ext>
-            </a:extLst>
-          </p:cNvPr>
-          <p:cNvSpPr/>
-          <p:nvPr/>
+          <p:cNvPr id="2" name="Titre 1">
+            <a:extLst>
+              <a:ext uri="{FF2B5EF4-FFF2-40B4-BE49-F238E27FC236}">
+                <a16:creationId xmlns:a16="http://schemas.microsoft.com/office/drawing/2014/main" id="{AEF9E91C-9F1A-4BEE-A693-D76078DE9F48}"/>
+              </a:ext>
+            </a:extLst>
+          </p:cNvPr>
+          <p:cNvSpPr>
+            <a:spLocks noGrp="1"/>
+          </p:cNvSpPr>
+          <p:nvPr>
+            <p:ph type="title"/>
+          </p:nvPr>
         </p:nvSpPr>
         <p:spPr>
           <a:xfrm>
-            <a:off x="4890287" y="3594556"/>
-            <a:ext cx="1205713" cy="480290"/>
-          </a:xfrm>
-          <a:prstGeom prst="rightArrow">
-            <a:avLst/>
-          </a:prstGeom>
-        </p:spPr>
-        <p:style>
-          <a:lnRef idx="2">
-            <a:schemeClr val="accent1">
-              <a:shade val="50000"/>
-            </a:schemeClr>
-          </a:lnRef>
-          <a:fillRef idx="1">
-            <a:schemeClr val="accent1"/>
-          </a:fillRef>
-          <a:effectRef idx="0">
-            <a:schemeClr val="accent1"/>
-          </a:effectRef>
-          <a:fontRef idx="minor">
-            <a:schemeClr val="lt1"/>
-          </a:fontRef>
-        </p:style>
-        <p:txBody>
-          <a:bodyPr rtlCol="0" anchor="ctr"/>
+            <a:off x="3045368" y="2043663"/>
+            <a:ext cx="6105194" cy="2031055"/>
+          </a:xfrm>
+        </p:spPr>
+        <p:txBody>
+          <a:bodyPr vert="horz" lIns="91440" tIns="45720" rIns="91440" bIns="45720" rtlCol="0" anchor="b">
+            <a:normAutofit/>
+          </a:bodyPr>
           <a:lstStyle/>
           <a:p>
             <a:pPr algn="ctr"/>
-            <a:endParaRPr lang="fr-FR"/>
-          </a:p>
-        </p:txBody>
-      </p:sp>
-      <p:pic>
-        <p:nvPicPr>
-          <p:cNvPr id="17" name="Image 16">
-            <a:extLst>
-              <a:ext uri="{FF2B5EF4-FFF2-40B4-BE49-F238E27FC236}">
-                <a16:creationId xmlns:a16="http://schemas.microsoft.com/office/drawing/2014/main" id="{6ABDADB3-4AE5-4DA9-BCEB-AC278BE194F3}"/>
-              </a:ext>
-            </a:extLst>
-          </p:cNvPr>
-          <p:cNvPicPr>
-            <a:picLocks noChangeAspect="1"/>
-          </p:cNvPicPr>
-          <p:nvPr/>
-        </p:nvPicPr>
-        <p:blipFill>
-          <a:blip r:embed="rId3"/>
-          <a:stretch>
-            <a:fillRect/>
-          </a:stretch>
-        </p:blipFill>
+            <a:r>
+              <a:rPr lang="en-US" sz="6000" kern="1200">
+                <a:solidFill>
+                  <a:srgbClr val="FFFFFF"/>
+                </a:solidFill>
+                <a:latin typeface="+mj-lt"/>
+                <a:ea typeface="+mj-ea"/>
+                <a:cs typeface="+mj-cs"/>
+              </a:rPr>
+              <a:t>Exercice 7 – Mise en forme </a:t>
+            </a:r>
+          </a:p>
+        </p:txBody>
+      </p:sp>
+      <p:sp>
+        <p:nvSpPr>
+          <p:cNvPr id="4" name="Espace réservé du numéro de diapositive 3">
+            <a:extLst>
+              <a:ext uri="{FF2B5EF4-FFF2-40B4-BE49-F238E27FC236}">
+                <a16:creationId xmlns:a16="http://schemas.microsoft.com/office/drawing/2014/main" id="{74F3023A-B7CB-4C5A-A04F-98974204E143}"/>
+              </a:ext>
+            </a:extLst>
+          </p:cNvPr>
+          <p:cNvSpPr>
+            <a:spLocks noGrp="1"/>
+          </p:cNvSpPr>
+          <p:nvPr>
+            <p:ph type="sldNum" sz="quarter" idx="12"/>
+          </p:nvPr>
+        </p:nvSpPr>
         <p:spPr>
           <a:xfrm>
-            <a:off x="611321" y="6175540"/>
-            <a:ext cx="4829849" cy="419158"/>
-          </a:xfrm>
-          <a:prstGeom prst="rect">
-            <a:avLst/>
-          </a:prstGeom>
-        </p:spPr>
-      </p:pic>
-      <p:pic>
-        <p:nvPicPr>
-          <p:cNvPr id="24" name="Image 23">
-            <a:extLst>
-              <a:ext uri="{FF2B5EF4-FFF2-40B4-BE49-F238E27FC236}">
-                <a16:creationId xmlns:a16="http://schemas.microsoft.com/office/drawing/2014/main" id="{BCDC707A-3153-41FA-8783-D04EC5059B7D}"/>
-              </a:ext>
-            </a:extLst>
-          </p:cNvPr>
-          <p:cNvPicPr>
-            <a:picLocks noChangeAspect="1"/>
-          </p:cNvPicPr>
-          <p:nvPr/>
-        </p:nvPicPr>
-        <p:blipFill>
-          <a:blip r:embed="rId4"/>
-          <a:stretch>
-            <a:fillRect/>
-          </a:stretch>
-        </p:blipFill>
-        <p:spPr>
-          <a:xfrm>
-            <a:off x="7956573" y="6137612"/>
-            <a:ext cx="1190791" cy="466790"/>
-          </a:xfrm>
-          <a:prstGeom prst="rect">
-            <a:avLst/>
-          </a:prstGeom>
-        </p:spPr>
-      </p:pic>
-      <p:pic>
-        <p:nvPicPr>
-          <p:cNvPr id="26" name="Image 25">
-            <a:extLst>
-              <a:ext uri="{FF2B5EF4-FFF2-40B4-BE49-F238E27FC236}">
-                <a16:creationId xmlns:a16="http://schemas.microsoft.com/office/drawing/2014/main" id="{C76A4E75-9AF7-4D99-90F4-6FF0F0C7011D}"/>
-              </a:ext>
-            </a:extLst>
-          </p:cNvPr>
-          <p:cNvPicPr>
-            <a:picLocks noChangeAspect="1"/>
-          </p:cNvPicPr>
-          <p:nvPr/>
-        </p:nvPicPr>
-        <p:blipFill>
-          <a:blip r:embed="rId5"/>
-          <a:stretch>
-            <a:fillRect/>
-          </a:stretch>
-        </p:blipFill>
-        <p:spPr>
-          <a:xfrm>
-            <a:off x="6206209" y="3252500"/>
-            <a:ext cx="5982535" cy="1162212"/>
-          </a:xfrm>
-          <a:prstGeom prst="rect">
-            <a:avLst/>
-          </a:prstGeom>
-        </p:spPr>
-      </p:pic>
-      <p:sp>
-        <p:nvSpPr>
-          <p:cNvPr id="27" name="Flèche : droite 26">
-            <a:extLst>
-              <a:ext uri="{FF2B5EF4-FFF2-40B4-BE49-F238E27FC236}">
-                <a16:creationId xmlns:a16="http://schemas.microsoft.com/office/drawing/2014/main" id="{4C92A56E-DEBE-4611-9F94-4BF3011E108D}"/>
-              </a:ext>
-            </a:extLst>
-          </p:cNvPr>
-          <p:cNvSpPr/>
-          <p:nvPr/>
-        </p:nvSpPr>
-        <p:spPr>
-          <a:xfrm>
-            <a:off x="6118563" y="6055877"/>
-            <a:ext cx="1205713" cy="480290"/>
-          </a:xfrm>
-          <a:prstGeom prst="rightArrow">
-            <a:avLst/>
-          </a:prstGeom>
-        </p:spPr>
-        <p:style>
-          <a:lnRef idx="2">
-            <a:schemeClr val="accent1">
-              <a:shade val="50000"/>
-            </a:schemeClr>
-          </a:lnRef>
-          <a:fillRef idx="1">
-            <a:schemeClr val="accent1"/>
-          </a:fillRef>
-          <a:effectRef idx="0">
-            <a:schemeClr val="accent1"/>
-          </a:effectRef>
-          <a:fontRef idx="minor">
-            <a:schemeClr val="lt1"/>
-          </a:fontRef>
-        </p:style>
-        <p:txBody>
-          <a:bodyPr rtlCol="0" anchor="ctr"/>
-          <a:lstStyle/>
-          <a:p>
-            <a:pPr algn="ctr"/>
-            <a:endParaRPr lang="fr-FR"/>
-          </a:p>
-        </p:txBody>
-      </p:sp>
-      <p:sp>
-        <p:nvSpPr>
-          <p:cNvPr id="28" name="ZoneTexte 27">
-            <a:extLst>
-              <a:ext uri="{FF2B5EF4-FFF2-40B4-BE49-F238E27FC236}">
-                <a16:creationId xmlns:a16="http://schemas.microsoft.com/office/drawing/2014/main" id="{59D4B96E-419E-4D2C-989B-7923B5E816F2}"/>
-              </a:ext>
-            </a:extLst>
-          </p:cNvPr>
-          <p:cNvSpPr txBox="1"/>
-          <p:nvPr/>
-        </p:nvSpPr>
-        <p:spPr>
-          <a:xfrm>
-            <a:off x="4765963" y="5521867"/>
-            <a:ext cx="2807855" cy="461665"/>
-          </a:xfrm>
-          <a:prstGeom prst="rect">
-            <a:avLst/>
-          </a:prstGeom>
-          <a:noFill/>
-        </p:spPr>
-        <p:txBody>
-          <a:bodyPr wrap="square" rtlCol="0">
-            <a:spAutoFit/>
+            <a:off x="10825930" y="6223702"/>
+            <a:ext cx="570728" cy="314067"/>
+          </a:xfrm>
+        </p:spPr>
+        <p:txBody>
+          <a:bodyPr vert="horz" lIns="91440" tIns="45720" rIns="91440" bIns="45720" rtlCol="0" anchor="ctr">
+            <a:normAutofit/>
           </a:bodyPr>
           <a:lstStyle/>
           <a:p>
-            <a:r>
-              <a:rPr lang="fr-FR" sz="2400" dirty="0"/>
-              <a:t>Affichage :</a:t>
-            </a:r>
+            <a:pPr>
+              <a:spcAft>
+                <a:spcPts val="600"/>
+              </a:spcAft>
+            </a:pPr>
+            <a:fld id="{F8323CC4-5E62-4ADB-BC7C-89B23C89378E}" type="slidenum">
+              <a:rPr lang="en-US" sz="1000">
+                <a:solidFill>
+                  <a:srgbClr val="898989"/>
+                </a:solidFill>
+              </a:rPr>
+              <a:pPr>
+                <a:spcAft>
+                  <a:spcPts val="600"/>
+                </a:spcAft>
+              </a:pPr>
+              <a:t>25</a:t>
+            </a:fld>
+            <a:endParaRPr lang="en-US" sz="1000">
+              <a:solidFill>
+                <a:srgbClr val="898989"/>
+              </a:solidFill>
+            </a:endParaRPr>
           </a:p>
         </p:txBody>
       </p:sp>
     </p:spTree>
     <p:extLst>
       <p:ext uri="{BB962C8B-B14F-4D97-AF65-F5344CB8AC3E}">
-        <p14:creationId xmlns:p14="http://schemas.microsoft.com/office/powerpoint/2010/main" val="810595131"/>
+        <p14:creationId xmlns:p14="http://schemas.microsoft.com/office/powerpoint/2010/main" val="2800563334"/>
       </p:ext>
     </p:extLst>
   </p:cSld>
@@ -14321,6 +14351,881 @@
           <a:chExt cx="0" cy="0"/>
         </a:xfrm>
       </p:grpSpPr>
+      <p:sp useBgFill="1">
+        <p:nvSpPr>
+          <p:cNvPr id="8" name="Rectangle 7">
+            <a:extLst>
+              <a:ext uri="{FF2B5EF4-FFF2-40B4-BE49-F238E27FC236}">
+                <a16:creationId xmlns:a16="http://schemas.microsoft.com/office/drawing/2014/main" id="{827B839B-9ADE-406B-8590-F1CAEDED45A1}"/>
+              </a:ext>
+              <a:ext uri="{C183D7F6-B498-43B3-948B-1728B52AA6E4}">
+                <adec:decorative xmlns:adec="http://schemas.microsoft.com/office/drawing/2017/decorative" val="1"/>
+              </a:ext>
+            </a:extLst>
+          </p:cNvPr>
+          <p:cNvSpPr>
+            <a:spLocks noGrp="1" noRot="1" noChangeAspect="1" noMove="1" noResize="1" noEditPoints="1" noAdjustHandles="1" noChangeArrowheads="1" noChangeShapeType="1" noTextEdit="1"/>
+          </p:cNvSpPr>
+          <p:nvPr>
+            <p:extLst>
+              <p:ext uri="{386F3935-93C4-4BCD-93E2-E3B085C9AB24}">
+                <p16:designElem xmlns:p16="http://schemas.microsoft.com/office/powerpoint/2015/main" val="1"/>
+              </p:ext>
+            </p:extLst>
+          </p:nvPr>
+        </p:nvSpPr>
+        <p:spPr>
+          <a:xfrm>
+            <a:off x="0" y="0"/>
+            <a:ext cx="12188952" cy="6858000"/>
+          </a:xfrm>
+          <a:prstGeom prst="rect">
+            <a:avLst/>
+          </a:prstGeom>
+          <a:ln>
+            <a:noFill/>
+          </a:ln>
+        </p:spPr>
+        <p:style>
+          <a:lnRef idx="2">
+            <a:schemeClr val="accent1">
+              <a:shade val="50000"/>
+            </a:schemeClr>
+          </a:lnRef>
+          <a:fillRef idx="1">
+            <a:schemeClr val="accent1"/>
+          </a:fillRef>
+          <a:effectRef idx="0">
+            <a:schemeClr val="accent1"/>
+          </a:effectRef>
+          <a:fontRef idx="minor">
+            <a:schemeClr val="lt1"/>
+          </a:fontRef>
+        </p:style>
+        <p:txBody>
+          <a:bodyPr rtlCol="0" anchor="ctr"/>
+          <a:lstStyle/>
+          <a:p>
+            <a:pPr algn="ctr"/>
+            <a:endParaRPr lang="en-US"/>
+          </a:p>
+        </p:txBody>
+      </p:sp>
+      <p:sp>
+        <p:nvSpPr>
+          <p:cNvPr id="10" name="Freeform 45">
+            <a:extLst>
+              <a:ext uri="{FF2B5EF4-FFF2-40B4-BE49-F238E27FC236}">
+                <a16:creationId xmlns:a16="http://schemas.microsoft.com/office/drawing/2014/main" id="{CFE45BF0-46DB-408C-B5F7-7B11716805D4}"/>
+              </a:ext>
+              <a:ext uri="{C183D7F6-B498-43B3-948B-1728B52AA6E4}">
+                <adec:decorative xmlns:adec="http://schemas.microsoft.com/office/drawing/2017/decorative" val="1"/>
+              </a:ext>
+            </a:extLst>
+          </p:cNvPr>
+          <p:cNvSpPr>
+            <a:spLocks noGrp="1" noRot="1" noChangeAspect="1" noMove="1" noResize="1" noEditPoints="1" noAdjustHandles="1" noChangeArrowheads="1" noChangeShapeType="1" noTextEdit="1"/>
+          </p:cNvSpPr>
+          <p:nvPr>
+            <p:extLst>
+              <p:ext uri="{386F3935-93C4-4BCD-93E2-E3B085C9AB24}">
+                <p16:designElem xmlns:p16="http://schemas.microsoft.com/office/powerpoint/2015/main" val="1"/>
+              </p:ext>
+            </p:extLst>
+          </p:nvPr>
+        </p:nvSpPr>
+        <p:spPr bwMode="auto">
+          <a:xfrm>
+            <a:off x="409710" y="1022350"/>
+            <a:ext cx="709612" cy="2095501"/>
+          </a:xfrm>
+          <a:custGeom>
+            <a:avLst/>
+            <a:gdLst>
+              <a:gd name="T0" fmla="*/ 447 w 447"/>
+              <a:gd name="T1" fmla="*/ 1363 h 1363"/>
+              <a:gd name="T2" fmla="*/ 0 w 447"/>
+              <a:gd name="T3" fmla="*/ 987 h 1363"/>
+              <a:gd name="T4" fmla="*/ 0 w 447"/>
+              <a:gd name="T5" fmla="*/ 0 h 1363"/>
+              <a:gd name="T6" fmla="*/ 447 w 447"/>
+              <a:gd name="T7" fmla="*/ 376 h 1363"/>
+              <a:gd name="T8" fmla="*/ 447 w 447"/>
+              <a:gd name="T9" fmla="*/ 1363 h 1363"/>
+            </a:gdLst>
+            <a:ahLst/>
+            <a:cxnLst>
+              <a:cxn ang="0">
+                <a:pos x="T0" y="T1"/>
+              </a:cxn>
+              <a:cxn ang="0">
+                <a:pos x="T2" y="T3"/>
+              </a:cxn>
+              <a:cxn ang="0">
+                <a:pos x="T4" y="T5"/>
+              </a:cxn>
+              <a:cxn ang="0">
+                <a:pos x="T6" y="T7"/>
+              </a:cxn>
+              <a:cxn ang="0">
+                <a:pos x="T8" y="T9"/>
+              </a:cxn>
+            </a:cxnLst>
+            <a:rect l="0" t="0" r="r" b="b"/>
+            <a:pathLst>
+              <a:path w="447" h="1363">
+                <a:moveTo>
+                  <a:pt x="447" y="1363"/>
+                </a:moveTo>
+                <a:lnTo>
+                  <a:pt x="0" y="987"/>
+                </a:lnTo>
+                <a:lnTo>
+                  <a:pt x="0" y="0"/>
+                </a:lnTo>
+                <a:lnTo>
+                  <a:pt x="447" y="376"/>
+                </a:lnTo>
+                <a:lnTo>
+                  <a:pt x="447" y="1363"/>
+                </a:lnTo>
+                <a:close/>
+              </a:path>
+            </a:pathLst>
+          </a:custGeom>
+          <a:solidFill>
+            <a:schemeClr val="accent1">
+              <a:lumMod val="50000"/>
+            </a:schemeClr>
+          </a:solidFill>
+          <a:ln>
+            <a:noFill/>
+          </a:ln>
+        </p:spPr>
+        <p:txBody>
+          <a:bodyPr vert="horz" wrap="square" lIns="91440" tIns="45720" rIns="91440" bIns="45720" numCol="1" anchor="t" anchorCtr="0" compatLnSpc="1">
+            <a:prstTxWarp prst="textNoShape">
+              <a:avLst/>
+            </a:prstTxWarp>
+          </a:bodyPr>
+          <a:lstStyle/>
+          <a:p>
+            <a:endParaRPr lang="en-US"/>
+          </a:p>
+        </p:txBody>
+      </p:sp>
+      <p:sp>
+        <p:nvSpPr>
+          <p:cNvPr id="12" name="Freeform 46">
+            <a:extLst>
+              <a:ext uri="{FF2B5EF4-FFF2-40B4-BE49-F238E27FC236}">
+                <a16:creationId xmlns:a16="http://schemas.microsoft.com/office/drawing/2014/main" id="{2AEBC8F2-97B1-41B4-93F1-2D289E197FBA}"/>
+              </a:ext>
+              <a:ext uri="{C183D7F6-B498-43B3-948B-1728B52AA6E4}">
+                <adec:decorative xmlns:adec="http://schemas.microsoft.com/office/drawing/2017/decorative" val="1"/>
+              </a:ext>
+            </a:extLst>
+          </p:cNvPr>
+          <p:cNvSpPr>
+            <a:spLocks noGrp="1" noRot="1" noChangeAspect="1" noMove="1" noResize="1" noEditPoints="1" noAdjustHandles="1" noChangeArrowheads="1" noChangeShapeType="1" noTextEdit="1"/>
+          </p:cNvSpPr>
+          <p:nvPr>
+            <p:extLst>
+              <p:ext uri="{386F3935-93C4-4BCD-93E2-E3B085C9AB24}">
+                <p16:designElem xmlns:p16="http://schemas.microsoft.com/office/powerpoint/2015/main" val="1"/>
+              </p:ext>
+            </p:extLst>
+          </p:nvPr>
+        </p:nvSpPr>
+        <p:spPr bwMode="auto">
+          <a:xfrm>
+            <a:off x="409710" y="837744"/>
+            <a:ext cx="403225" cy="1705431"/>
+          </a:xfrm>
+          <a:custGeom>
+            <a:avLst/>
+            <a:gdLst>
+              <a:gd name="T0" fmla="*/ 254 w 254"/>
+              <a:gd name="T1" fmla="*/ 987 h 1109"/>
+              <a:gd name="T2" fmla="*/ 0 w 254"/>
+              <a:gd name="T3" fmla="*/ 1109 h 1109"/>
+              <a:gd name="T4" fmla="*/ 0 w 254"/>
+              <a:gd name="T5" fmla="*/ 119 h 1109"/>
+              <a:gd name="T6" fmla="*/ 254 w 254"/>
+              <a:gd name="T7" fmla="*/ 0 h 1109"/>
+              <a:gd name="T8" fmla="*/ 254 w 254"/>
+              <a:gd name="T9" fmla="*/ 987 h 1109"/>
+            </a:gdLst>
+            <a:ahLst/>
+            <a:cxnLst>
+              <a:cxn ang="0">
+                <a:pos x="T0" y="T1"/>
+              </a:cxn>
+              <a:cxn ang="0">
+                <a:pos x="T2" y="T3"/>
+              </a:cxn>
+              <a:cxn ang="0">
+                <a:pos x="T4" y="T5"/>
+              </a:cxn>
+              <a:cxn ang="0">
+                <a:pos x="T6" y="T7"/>
+              </a:cxn>
+              <a:cxn ang="0">
+                <a:pos x="T8" y="T9"/>
+              </a:cxn>
+            </a:cxnLst>
+            <a:rect l="0" t="0" r="r" b="b"/>
+            <a:pathLst>
+              <a:path w="254" h="1109">
+                <a:moveTo>
+                  <a:pt x="254" y="987"/>
+                </a:moveTo>
+                <a:lnTo>
+                  <a:pt x="0" y="1109"/>
+                </a:lnTo>
+                <a:lnTo>
+                  <a:pt x="0" y="119"/>
+                </a:lnTo>
+                <a:lnTo>
+                  <a:pt x="254" y="0"/>
+                </a:lnTo>
+                <a:lnTo>
+                  <a:pt x="254" y="987"/>
+                </a:lnTo>
+                <a:close/>
+              </a:path>
+            </a:pathLst>
+          </a:custGeom>
+          <a:solidFill>
+            <a:schemeClr val="accent1">
+              <a:lumMod val="75000"/>
+            </a:schemeClr>
+          </a:solidFill>
+          <a:ln>
+            <a:noFill/>
+          </a:ln>
+        </p:spPr>
+        <p:txBody>
+          <a:bodyPr vert="horz" wrap="square" lIns="91440" tIns="45720" rIns="91440" bIns="45720" numCol="1" anchor="t" anchorCtr="0" compatLnSpc="1">
+            <a:prstTxWarp prst="textNoShape">
+              <a:avLst/>
+            </a:prstTxWarp>
+          </a:bodyPr>
+          <a:lstStyle/>
+          <a:p>
+            <a:endParaRPr lang="en-US"/>
+          </a:p>
+        </p:txBody>
+      </p:sp>
+      <p:sp>
+        <p:nvSpPr>
+          <p:cNvPr id="14" name="Freeform 47">
+            <a:extLst>
+              <a:ext uri="{FF2B5EF4-FFF2-40B4-BE49-F238E27FC236}">
+                <a16:creationId xmlns:a16="http://schemas.microsoft.com/office/drawing/2014/main" id="{472E3A19-F5D5-48FC-BB9C-48C2F68F598B}"/>
+              </a:ext>
+              <a:ext uri="{C183D7F6-B498-43B3-948B-1728B52AA6E4}">
+                <adec:decorative xmlns:adec="http://schemas.microsoft.com/office/drawing/2017/decorative" val="1"/>
+              </a:ext>
+            </a:extLst>
+          </p:cNvPr>
+          <p:cNvSpPr>
+            <a:spLocks noGrp="1" noRot="1" noChangeAspect="1" noMove="1" noResize="1" noEditPoints="1" noAdjustHandles="1" noChangeArrowheads="1" noChangeShapeType="1" noTextEdit="1"/>
+          </p:cNvSpPr>
+          <p:nvPr>
+            <p:extLst>
+              <p:ext uri="{386F3935-93C4-4BCD-93E2-E3B085C9AB24}">
+                <p16:designElem xmlns:p16="http://schemas.microsoft.com/office/powerpoint/2015/main" val="1"/>
+              </p:ext>
+            </p:extLst>
+          </p:nvPr>
+        </p:nvSpPr>
+        <p:spPr bwMode="auto">
+          <a:xfrm>
+            <a:off x="644660" y="640894"/>
+            <a:ext cx="168275" cy="1713195"/>
+          </a:xfrm>
+          <a:custGeom>
+            <a:avLst/>
+            <a:gdLst>
+              <a:gd name="T0" fmla="*/ 106 w 106"/>
+              <a:gd name="T1" fmla="*/ 1114 h 1114"/>
+              <a:gd name="T2" fmla="*/ 0 w 106"/>
+              <a:gd name="T3" fmla="*/ 1005 h 1114"/>
+              <a:gd name="T4" fmla="*/ 0 w 106"/>
+              <a:gd name="T5" fmla="*/ 0 h 1114"/>
+              <a:gd name="T6" fmla="*/ 106 w 106"/>
+              <a:gd name="T7" fmla="*/ 110 h 1114"/>
+              <a:gd name="T8" fmla="*/ 106 w 106"/>
+              <a:gd name="T9" fmla="*/ 1114 h 1114"/>
+            </a:gdLst>
+            <a:ahLst/>
+            <a:cxnLst>
+              <a:cxn ang="0">
+                <a:pos x="T0" y="T1"/>
+              </a:cxn>
+              <a:cxn ang="0">
+                <a:pos x="T2" y="T3"/>
+              </a:cxn>
+              <a:cxn ang="0">
+                <a:pos x="T4" y="T5"/>
+              </a:cxn>
+              <a:cxn ang="0">
+                <a:pos x="T6" y="T7"/>
+              </a:cxn>
+              <a:cxn ang="0">
+                <a:pos x="T8" y="T9"/>
+              </a:cxn>
+            </a:cxnLst>
+            <a:rect l="0" t="0" r="r" b="b"/>
+            <a:pathLst>
+              <a:path w="106" h="1114">
+                <a:moveTo>
+                  <a:pt x="106" y="1114"/>
+                </a:moveTo>
+                <a:lnTo>
+                  <a:pt x="0" y="1005"/>
+                </a:lnTo>
+                <a:lnTo>
+                  <a:pt x="0" y="0"/>
+                </a:lnTo>
+                <a:lnTo>
+                  <a:pt x="106" y="110"/>
+                </a:lnTo>
+                <a:lnTo>
+                  <a:pt x="106" y="1114"/>
+                </a:lnTo>
+                <a:close/>
+              </a:path>
+            </a:pathLst>
+          </a:custGeom>
+          <a:solidFill>
+            <a:schemeClr val="accent1">
+              <a:lumMod val="50000"/>
+            </a:schemeClr>
+          </a:solidFill>
+          <a:ln>
+            <a:noFill/>
+          </a:ln>
+        </p:spPr>
+        <p:txBody>
+          <a:bodyPr vert="horz" wrap="square" lIns="91440" tIns="45720" rIns="91440" bIns="45720" numCol="1" anchor="t" anchorCtr="0" compatLnSpc="1">
+            <a:prstTxWarp prst="textNoShape">
+              <a:avLst/>
+            </a:prstTxWarp>
+          </a:bodyPr>
+          <a:lstStyle/>
+          <a:p>
+            <a:endParaRPr lang="en-US"/>
+          </a:p>
+        </p:txBody>
+      </p:sp>
+      <p:sp>
+        <p:nvSpPr>
+          <p:cNvPr id="16" name="Freeform 44">
+            <a:extLst>
+              <a:ext uri="{FF2B5EF4-FFF2-40B4-BE49-F238E27FC236}">
+                <a16:creationId xmlns:a16="http://schemas.microsoft.com/office/drawing/2014/main" id="{7A62E32F-BB65-43A8-8EB5-92346890E549}"/>
+              </a:ext>
+              <a:ext uri="{C183D7F6-B498-43B3-948B-1728B52AA6E4}">
+                <adec:decorative xmlns:adec="http://schemas.microsoft.com/office/drawing/2017/decorative" val="1"/>
+              </a:ext>
+            </a:extLst>
+          </p:cNvPr>
+          <p:cNvSpPr>
+            <a:spLocks noGrp="1" noRot="1" noChangeAspect="1" noMove="1" noResize="1" noEditPoints="1" noAdjustHandles="1" noChangeArrowheads="1" noChangeShapeType="1" noTextEdit="1"/>
+          </p:cNvSpPr>
+          <p:nvPr>
+            <p:extLst>
+              <p:ext uri="{386F3935-93C4-4BCD-93E2-E3B085C9AB24}">
+                <p16:designElem xmlns:p16="http://schemas.microsoft.com/office/powerpoint/2015/main" val="1"/>
+              </p:ext>
+            </p:extLst>
+          </p:nvPr>
+        </p:nvSpPr>
+        <p:spPr bwMode="auto">
+          <a:xfrm>
+            <a:off x="11223203" y="635716"/>
+            <a:ext cx="328612" cy="1742360"/>
+          </a:xfrm>
+          <a:custGeom>
+            <a:avLst/>
+            <a:gdLst>
+              <a:gd name="T0" fmla="*/ 207 w 207"/>
+              <a:gd name="T1" fmla="*/ 987 h 1114"/>
+              <a:gd name="T2" fmla="*/ 0 w 207"/>
+              <a:gd name="T3" fmla="*/ 1114 h 1114"/>
+              <a:gd name="T4" fmla="*/ 0 w 207"/>
+              <a:gd name="T5" fmla="*/ 127 h 1114"/>
+              <a:gd name="T6" fmla="*/ 207 w 207"/>
+              <a:gd name="T7" fmla="*/ 0 h 1114"/>
+              <a:gd name="T8" fmla="*/ 207 w 207"/>
+              <a:gd name="T9" fmla="*/ 987 h 1114"/>
+            </a:gdLst>
+            <a:ahLst/>
+            <a:cxnLst>
+              <a:cxn ang="0">
+                <a:pos x="T0" y="T1"/>
+              </a:cxn>
+              <a:cxn ang="0">
+                <a:pos x="T2" y="T3"/>
+              </a:cxn>
+              <a:cxn ang="0">
+                <a:pos x="T4" y="T5"/>
+              </a:cxn>
+              <a:cxn ang="0">
+                <a:pos x="T6" y="T7"/>
+              </a:cxn>
+              <a:cxn ang="0">
+                <a:pos x="T8" y="T9"/>
+              </a:cxn>
+            </a:cxnLst>
+            <a:rect l="0" t="0" r="r" b="b"/>
+            <a:pathLst>
+              <a:path w="207" h="1114">
+                <a:moveTo>
+                  <a:pt x="207" y="987"/>
+                </a:moveTo>
+                <a:lnTo>
+                  <a:pt x="0" y="1114"/>
+                </a:lnTo>
+                <a:lnTo>
+                  <a:pt x="0" y="127"/>
+                </a:lnTo>
+                <a:lnTo>
+                  <a:pt x="207" y="0"/>
+                </a:lnTo>
+                <a:lnTo>
+                  <a:pt x="207" y="987"/>
+                </a:lnTo>
+                <a:close/>
+              </a:path>
+            </a:pathLst>
+          </a:custGeom>
+          <a:solidFill>
+            <a:schemeClr val="accent1">
+              <a:lumMod val="50000"/>
+            </a:schemeClr>
+          </a:solidFill>
+          <a:ln>
+            <a:noFill/>
+          </a:ln>
+        </p:spPr>
+        <p:txBody>
+          <a:bodyPr vert="horz" wrap="square" lIns="91440" tIns="45720" rIns="91440" bIns="45720" numCol="1" anchor="t" anchorCtr="0" compatLnSpc="1">
+            <a:prstTxWarp prst="textNoShape">
+              <a:avLst/>
+            </a:prstTxWarp>
+          </a:bodyPr>
+          <a:lstStyle/>
+          <a:p>
+            <a:endParaRPr lang="en-US"/>
+          </a:p>
+        </p:txBody>
+      </p:sp>
+      <p:sp>
+        <p:nvSpPr>
+          <p:cNvPr id="18" name="Rectangle 17">
+            <a:extLst>
+              <a:ext uri="{FF2B5EF4-FFF2-40B4-BE49-F238E27FC236}">
+                <a16:creationId xmlns:a16="http://schemas.microsoft.com/office/drawing/2014/main" id="{14E91B64-9FCC-451E-AFB4-A827D6329367}"/>
+              </a:ext>
+              <a:ext uri="{C183D7F6-B498-43B3-948B-1728B52AA6E4}">
+                <adec:decorative xmlns:adec="http://schemas.microsoft.com/office/drawing/2017/decorative" val="1"/>
+              </a:ext>
+            </a:extLst>
+          </p:cNvPr>
+          <p:cNvSpPr>
+            <a:spLocks noGrp="1" noRot="1" noChangeAspect="1" noMove="1" noResize="1" noEditPoints="1" noAdjustHandles="1" noChangeArrowheads="1" noChangeShapeType="1" noTextEdit="1"/>
+          </p:cNvSpPr>
+          <p:nvPr>
+            <p:extLst>
+              <p:ext uri="{386F3935-93C4-4BCD-93E2-E3B085C9AB24}">
+                <p16:designElem xmlns:p16="http://schemas.microsoft.com/office/powerpoint/2015/main" val="1"/>
+              </p:ext>
+            </p:extLst>
+          </p:nvPr>
+        </p:nvSpPr>
+        <p:spPr bwMode="auto">
+          <a:xfrm>
+            <a:off x="644055" y="635715"/>
+            <a:ext cx="10907863" cy="1541457"/>
+          </a:xfrm>
+          <a:prstGeom prst="rect">
+            <a:avLst/>
+          </a:prstGeom>
+          <a:solidFill>
+            <a:schemeClr val="accent1"/>
+          </a:solidFill>
+          <a:ln>
+            <a:noFill/>
+          </a:ln>
+        </p:spPr>
+        <p:txBody>
+          <a:bodyPr vert="horz" wrap="square" lIns="91440" tIns="45720" rIns="91440" bIns="45720" numCol="1" anchor="t" anchorCtr="0" compatLnSpc="1">
+            <a:prstTxWarp prst="textNoShape">
+              <a:avLst/>
+            </a:prstTxWarp>
+          </a:bodyPr>
+          <a:lstStyle/>
+          <a:p>
+            <a:endParaRPr lang="en-US"/>
+          </a:p>
+        </p:txBody>
+      </p:sp>
+      <p:sp>
+        <p:nvSpPr>
+          <p:cNvPr id="2" name="Titre 1">
+            <a:extLst>
+              <a:ext uri="{FF2B5EF4-FFF2-40B4-BE49-F238E27FC236}">
+                <a16:creationId xmlns:a16="http://schemas.microsoft.com/office/drawing/2014/main" id="{787733BC-219D-49C7-B5B4-F7CD9774C6A4}"/>
+              </a:ext>
+            </a:extLst>
+          </p:cNvPr>
+          <p:cNvSpPr>
+            <a:spLocks noGrp="1"/>
+          </p:cNvSpPr>
+          <p:nvPr>
+            <p:ph type="title"/>
+          </p:nvPr>
+        </p:nvSpPr>
+        <p:spPr>
+          <a:xfrm>
+            <a:off x="958506" y="800392"/>
+            <a:ext cx="10264697" cy="1212102"/>
+          </a:xfrm>
+        </p:spPr>
+        <p:txBody>
+          <a:bodyPr>
+            <a:normAutofit/>
+          </a:bodyPr>
+          <a:lstStyle/>
+          <a:p>
+            <a:r>
+              <a:rPr lang="fr-FR" sz="4000" dirty="0">
+                <a:solidFill>
+                  <a:srgbClr val="FFFFFF"/>
+                </a:solidFill>
+              </a:rPr>
+              <a:t>Formulaires</a:t>
+            </a:r>
+          </a:p>
+        </p:txBody>
+      </p:sp>
+      <p:sp>
+        <p:nvSpPr>
+          <p:cNvPr id="9" name="Espace réservé du numéro de diapositive 8">
+            <a:extLst>
+              <a:ext uri="{FF2B5EF4-FFF2-40B4-BE49-F238E27FC236}">
+                <a16:creationId xmlns:a16="http://schemas.microsoft.com/office/drawing/2014/main" id="{F3EDF272-70D0-418F-B1E4-090F125EAE69}"/>
+              </a:ext>
+            </a:extLst>
+          </p:cNvPr>
+          <p:cNvSpPr>
+            <a:spLocks noGrp="1"/>
+          </p:cNvSpPr>
+          <p:nvPr>
+            <p:ph type="sldNum" sz="quarter" idx="12"/>
+          </p:nvPr>
+        </p:nvSpPr>
+        <p:spPr/>
+        <p:txBody>
+          <a:bodyPr/>
+          <a:lstStyle/>
+          <a:p>
+            <a:fld id="{F8323CC4-5E62-4ADB-BC7C-89B23C89378E}" type="slidenum">
+              <a:rPr lang="fr-FR" smtClean="0"/>
+              <a:t>26</a:t>
+            </a:fld>
+            <a:endParaRPr lang="fr-FR"/>
+          </a:p>
+        </p:txBody>
+      </p:sp>
+      <p:pic>
+        <p:nvPicPr>
+          <p:cNvPr id="6" name="Image 5">
+            <a:extLst>
+              <a:ext uri="{FF2B5EF4-FFF2-40B4-BE49-F238E27FC236}">
+                <a16:creationId xmlns:a16="http://schemas.microsoft.com/office/drawing/2014/main" id="{F9E1CB56-D2B8-4A38-BA2D-7D9A22393CFB}"/>
+              </a:ext>
+            </a:extLst>
+          </p:cNvPr>
+          <p:cNvPicPr>
+            <a:picLocks noChangeAspect="1"/>
+          </p:cNvPicPr>
+          <p:nvPr/>
+        </p:nvPicPr>
+        <p:blipFill>
+          <a:blip r:embed="rId2"/>
+          <a:stretch>
+            <a:fillRect/>
+          </a:stretch>
+        </p:blipFill>
+        <p:spPr>
+          <a:xfrm>
+            <a:off x="1333481" y="2419171"/>
+            <a:ext cx="3432482" cy="2991360"/>
+          </a:xfrm>
+          <a:prstGeom prst="rect">
+            <a:avLst/>
+          </a:prstGeom>
+        </p:spPr>
+      </p:pic>
+      <p:sp>
+        <p:nvSpPr>
+          <p:cNvPr id="13" name="Flèche : droite 12">
+            <a:extLst>
+              <a:ext uri="{FF2B5EF4-FFF2-40B4-BE49-F238E27FC236}">
+                <a16:creationId xmlns:a16="http://schemas.microsoft.com/office/drawing/2014/main" id="{8AEECA8E-C7FE-469D-B082-99DEF04C93C6}"/>
+              </a:ext>
+            </a:extLst>
+          </p:cNvPr>
+          <p:cNvSpPr/>
+          <p:nvPr/>
+        </p:nvSpPr>
+        <p:spPr>
+          <a:xfrm>
+            <a:off x="4890287" y="3594556"/>
+            <a:ext cx="1205713" cy="480290"/>
+          </a:xfrm>
+          <a:prstGeom prst="rightArrow">
+            <a:avLst/>
+          </a:prstGeom>
+        </p:spPr>
+        <p:style>
+          <a:lnRef idx="2">
+            <a:schemeClr val="accent1">
+              <a:shade val="50000"/>
+            </a:schemeClr>
+          </a:lnRef>
+          <a:fillRef idx="1">
+            <a:schemeClr val="accent1"/>
+          </a:fillRef>
+          <a:effectRef idx="0">
+            <a:schemeClr val="accent1"/>
+          </a:effectRef>
+          <a:fontRef idx="minor">
+            <a:schemeClr val="lt1"/>
+          </a:fontRef>
+        </p:style>
+        <p:txBody>
+          <a:bodyPr rtlCol="0" anchor="ctr"/>
+          <a:lstStyle/>
+          <a:p>
+            <a:pPr algn="ctr"/>
+            <a:endParaRPr lang="fr-FR"/>
+          </a:p>
+        </p:txBody>
+      </p:sp>
+      <p:pic>
+        <p:nvPicPr>
+          <p:cNvPr id="17" name="Image 16">
+            <a:extLst>
+              <a:ext uri="{FF2B5EF4-FFF2-40B4-BE49-F238E27FC236}">
+                <a16:creationId xmlns:a16="http://schemas.microsoft.com/office/drawing/2014/main" id="{6ABDADB3-4AE5-4DA9-BCEB-AC278BE194F3}"/>
+              </a:ext>
+            </a:extLst>
+          </p:cNvPr>
+          <p:cNvPicPr>
+            <a:picLocks noChangeAspect="1"/>
+          </p:cNvPicPr>
+          <p:nvPr/>
+        </p:nvPicPr>
+        <p:blipFill>
+          <a:blip r:embed="rId3"/>
+          <a:stretch>
+            <a:fillRect/>
+          </a:stretch>
+        </p:blipFill>
+        <p:spPr>
+          <a:xfrm>
+            <a:off x="611321" y="6175540"/>
+            <a:ext cx="4829849" cy="419158"/>
+          </a:xfrm>
+          <a:prstGeom prst="rect">
+            <a:avLst/>
+          </a:prstGeom>
+        </p:spPr>
+      </p:pic>
+      <p:pic>
+        <p:nvPicPr>
+          <p:cNvPr id="24" name="Image 23">
+            <a:extLst>
+              <a:ext uri="{FF2B5EF4-FFF2-40B4-BE49-F238E27FC236}">
+                <a16:creationId xmlns:a16="http://schemas.microsoft.com/office/drawing/2014/main" id="{BCDC707A-3153-41FA-8783-D04EC5059B7D}"/>
+              </a:ext>
+            </a:extLst>
+          </p:cNvPr>
+          <p:cNvPicPr>
+            <a:picLocks noChangeAspect="1"/>
+          </p:cNvPicPr>
+          <p:nvPr/>
+        </p:nvPicPr>
+        <p:blipFill>
+          <a:blip r:embed="rId4"/>
+          <a:stretch>
+            <a:fillRect/>
+          </a:stretch>
+        </p:blipFill>
+        <p:spPr>
+          <a:xfrm>
+            <a:off x="7956573" y="6137612"/>
+            <a:ext cx="1190791" cy="466790"/>
+          </a:xfrm>
+          <a:prstGeom prst="rect">
+            <a:avLst/>
+          </a:prstGeom>
+        </p:spPr>
+      </p:pic>
+      <p:pic>
+        <p:nvPicPr>
+          <p:cNvPr id="26" name="Image 25">
+            <a:extLst>
+              <a:ext uri="{FF2B5EF4-FFF2-40B4-BE49-F238E27FC236}">
+                <a16:creationId xmlns:a16="http://schemas.microsoft.com/office/drawing/2014/main" id="{C76A4E75-9AF7-4D99-90F4-6FF0F0C7011D}"/>
+              </a:ext>
+            </a:extLst>
+          </p:cNvPr>
+          <p:cNvPicPr>
+            <a:picLocks noChangeAspect="1"/>
+          </p:cNvPicPr>
+          <p:nvPr/>
+        </p:nvPicPr>
+        <p:blipFill>
+          <a:blip r:embed="rId5"/>
+          <a:stretch>
+            <a:fillRect/>
+          </a:stretch>
+        </p:blipFill>
+        <p:spPr>
+          <a:xfrm>
+            <a:off x="6206209" y="3252500"/>
+            <a:ext cx="5982535" cy="1162212"/>
+          </a:xfrm>
+          <a:prstGeom prst="rect">
+            <a:avLst/>
+          </a:prstGeom>
+        </p:spPr>
+      </p:pic>
+      <p:sp>
+        <p:nvSpPr>
+          <p:cNvPr id="27" name="Flèche : droite 26">
+            <a:extLst>
+              <a:ext uri="{FF2B5EF4-FFF2-40B4-BE49-F238E27FC236}">
+                <a16:creationId xmlns:a16="http://schemas.microsoft.com/office/drawing/2014/main" id="{4C92A56E-DEBE-4611-9F94-4BF3011E108D}"/>
+              </a:ext>
+            </a:extLst>
+          </p:cNvPr>
+          <p:cNvSpPr/>
+          <p:nvPr/>
+        </p:nvSpPr>
+        <p:spPr>
+          <a:xfrm>
+            <a:off x="6118563" y="6055877"/>
+            <a:ext cx="1205713" cy="480290"/>
+          </a:xfrm>
+          <a:prstGeom prst="rightArrow">
+            <a:avLst/>
+          </a:prstGeom>
+        </p:spPr>
+        <p:style>
+          <a:lnRef idx="2">
+            <a:schemeClr val="accent1">
+              <a:shade val="50000"/>
+            </a:schemeClr>
+          </a:lnRef>
+          <a:fillRef idx="1">
+            <a:schemeClr val="accent1"/>
+          </a:fillRef>
+          <a:effectRef idx="0">
+            <a:schemeClr val="accent1"/>
+          </a:effectRef>
+          <a:fontRef idx="minor">
+            <a:schemeClr val="lt1"/>
+          </a:fontRef>
+        </p:style>
+        <p:txBody>
+          <a:bodyPr rtlCol="0" anchor="ctr"/>
+          <a:lstStyle/>
+          <a:p>
+            <a:pPr algn="ctr"/>
+            <a:endParaRPr lang="fr-FR"/>
+          </a:p>
+        </p:txBody>
+      </p:sp>
+      <p:sp>
+        <p:nvSpPr>
+          <p:cNvPr id="28" name="ZoneTexte 27">
+            <a:extLst>
+              <a:ext uri="{FF2B5EF4-FFF2-40B4-BE49-F238E27FC236}">
+                <a16:creationId xmlns:a16="http://schemas.microsoft.com/office/drawing/2014/main" id="{59D4B96E-419E-4D2C-989B-7923B5E816F2}"/>
+              </a:ext>
+            </a:extLst>
+          </p:cNvPr>
+          <p:cNvSpPr txBox="1"/>
+          <p:nvPr/>
+        </p:nvSpPr>
+        <p:spPr>
+          <a:xfrm>
+            <a:off x="4765963" y="5521867"/>
+            <a:ext cx="2807855" cy="461665"/>
+          </a:xfrm>
+          <a:prstGeom prst="rect">
+            <a:avLst/>
+          </a:prstGeom>
+          <a:noFill/>
+        </p:spPr>
+        <p:txBody>
+          <a:bodyPr wrap="square" rtlCol="0">
+            <a:spAutoFit/>
+          </a:bodyPr>
+          <a:lstStyle/>
+          <a:p>
+            <a:r>
+              <a:rPr lang="fr-FR" sz="2400" dirty="0"/>
+              <a:t>Affichage :</a:t>
+            </a:r>
+          </a:p>
+        </p:txBody>
+      </p:sp>
+    </p:spTree>
+    <p:extLst>
+      <p:ext uri="{BB962C8B-B14F-4D97-AF65-F5344CB8AC3E}">
+        <p14:creationId xmlns:p14="http://schemas.microsoft.com/office/powerpoint/2010/main" val="810595131"/>
+      </p:ext>
+    </p:extLst>
+  </p:cSld>
+  <p:clrMapOvr>
+    <a:masterClrMapping/>
+  </p:clrMapOvr>
+</p:sld>
+</file>
+
+<file path=ppt/slides/slide27.xml><?xml version="1.0" encoding="utf-8"?>
+<p:sld xmlns:a="http://schemas.openxmlformats.org/drawingml/2006/main" xmlns:r="http://schemas.openxmlformats.org/officeDocument/2006/relationships" xmlns:p="http://schemas.openxmlformats.org/presentationml/2006/main">
+  <p:cSld>
+    <p:bg>
+      <p:bgPr>
+        <a:solidFill>
+          <a:schemeClr val="bg1"/>
+        </a:solidFill>
+        <a:effectLst/>
+      </p:bgPr>
+    </p:bg>
+    <p:spTree>
+      <p:nvGrpSpPr>
+        <p:cNvPr id="1" name=""/>
+        <p:cNvGrpSpPr/>
+        <p:nvPr/>
+      </p:nvGrpSpPr>
+      <p:grpSpPr>
+        <a:xfrm>
+          <a:off x="0" y="0"/>
+          <a:ext cx="0" cy="0"/>
+          <a:chOff x="0" y="0"/>
+          <a:chExt cx="0" cy="0"/>
+        </a:xfrm>
+      </p:grpSpPr>
       <p:sp>
         <p:nvSpPr>
           <p:cNvPr id="9" name="Rectangle 8">
@@ -14538,7 +15443,7 @@
                   <a:spcPts val="600"/>
                 </a:spcAft>
               </a:pPr>
-              <a:t>26</a:t>
+              <a:t>27</a:t>
             </a:fld>
             <a:endParaRPr lang="en-US" sz="1000">
               <a:solidFill>
@@ -16680,6 +17585,53 @@
           </a:prstGeom>
         </p:spPr>
       </p:pic>
+      <p:sp>
+        <p:nvSpPr>
+          <p:cNvPr id="3" name="ZoneTexte 2">
+            <a:extLst>
+              <a:ext uri="{FF2B5EF4-FFF2-40B4-BE49-F238E27FC236}">
+                <a16:creationId xmlns:a16="http://schemas.microsoft.com/office/drawing/2014/main" id="{49646A08-8E6A-42F2-A09B-0D0FF511969B}"/>
+              </a:ext>
+            </a:extLst>
+          </p:cNvPr>
+          <p:cNvSpPr txBox="1"/>
+          <p:nvPr/>
+        </p:nvSpPr>
+        <p:spPr>
+          <a:xfrm>
+            <a:off x="1736521" y="2474752"/>
+            <a:ext cx="3229762" cy="646331"/>
+          </a:xfrm>
+          <a:prstGeom prst="rect">
+            <a:avLst/>
+          </a:prstGeom>
+          <a:noFill/>
+        </p:spPr>
+        <p:txBody>
+          <a:bodyPr wrap="square" rtlCol="0">
+            <a:spAutoFit/>
+          </a:bodyPr>
+          <a:lstStyle/>
+          <a:p>
+            <a:r>
+              <a:rPr lang="fr-FR" b="1" dirty="0"/>
+              <a:t>PHP Data </a:t>
+            </a:r>
+            <a:r>
+              <a:rPr lang="fr-FR" b="1" dirty="0" err="1"/>
+              <a:t>Objects</a:t>
+            </a:r>
+            <a:r>
+              <a:rPr lang="fr-FR" b="1" dirty="0"/>
+              <a:t> : </a:t>
+            </a:r>
+            <a:r>
+              <a:rPr lang="fr-FR" dirty="0"/>
+              <a:t>accéder à une base de données avec PHP</a:t>
+            </a:r>
+          </a:p>
+        </p:txBody>
+      </p:sp>
     </p:spTree>
     <p:extLst>
       <p:ext uri="{BB962C8B-B14F-4D97-AF65-F5344CB8AC3E}">
@@ -17320,7 +18272,7 @@
           <a:p>
             <a:r>
               <a:rPr lang="fr-FR" sz="2400" dirty="0"/>
-              <a:t>Nécessite le type de base de données, le nom de l’hôte (et le port), le nom de la base, l’utilisateur et le mot de passe.</a:t>
+              <a:t>Nécessite le type de base de données, le nom de l’hôte, le nom de la base, l’utilisateur et le mot de passe.</a:t>
             </a:r>
           </a:p>
           <a:p>
@@ -18747,36 +19699,6 @@
           </a:p>
         </p:txBody>
       </p:sp>
-      <p:pic>
-        <p:nvPicPr>
-          <p:cNvPr id="7" name="Image 6">
-            <a:extLst>
-              <a:ext uri="{FF2B5EF4-FFF2-40B4-BE49-F238E27FC236}">
-                <a16:creationId xmlns:a16="http://schemas.microsoft.com/office/drawing/2014/main" id="{1CA48E0F-5958-4E7D-80B3-A8ED2EFE0401}"/>
-              </a:ext>
-            </a:extLst>
-          </p:cNvPr>
-          <p:cNvPicPr>
-            <a:picLocks noChangeAspect="1"/>
-          </p:cNvPicPr>
-          <p:nvPr/>
-        </p:nvPicPr>
-        <p:blipFill>
-          <a:blip r:embed="rId2"/>
-          <a:stretch>
-            <a:fillRect/>
-          </a:stretch>
-        </p:blipFill>
-        <p:spPr>
-          <a:xfrm>
-            <a:off x="1615520" y="3596630"/>
-            <a:ext cx="8964932" cy="920956"/>
-          </a:xfrm>
-          <a:prstGeom prst="rect">
-            <a:avLst/>
-          </a:prstGeom>
-        </p:spPr>
-      </p:pic>
       <p:sp>
         <p:nvSpPr>
           <p:cNvPr id="9" name="ZoneTexte 8">
@@ -18831,13 +19753,13 @@
           <p:nvPr/>
         </p:nvPicPr>
         <p:blipFill>
-          <a:blip r:embed="rId3">
+          <a:blip r:embed="rId2">
             <a:extLst>
               <a:ext uri="{28A0092B-C50C-407E-A947-70E740481C1C}">
                 <a14:useLocalDpi xmlns:a14="http://schemas.microsoft.com/office/drawing/2010/main" val="0"/>
               </a:ext>
               <a:ext uri="{96DAC541-7B7A-43D3-8B79-37D633B846F1}">
-                <asvg:svgBlip xmlns:asvg="http://schemas.microsoft.com/office/drawing/2016/SVG/main" r:embed="rId4"/>
+                <asvg:svgBlip xmlns:asvg="http://schemas.microsoft.com/office/drawing/2016/SVG/main" r:embed="rId3"/>
               </a:ext>
             </a:extLst>
           </a:blip>
@@ -18847,7 +19769,7 @@
         </p:blipFill>
         <p:spPr>
           <a:xfrm>
-            <a:off x="2471296" y="5017662"/>
+            <a:off x="2471296" y="4926268"/>
             <a:ext cx="1485827" cy="1485827"/>
           </a:xfrm>
           <a:prstGeom prst="rect">
@@ -18949,6 +19871,36 @@
           </a:p>
         </p:txBody>
       </p:sp>
+      <p:pic>
+        <p:nvPicPr>
+          <p:cNvPr id="5" name="Image 4">
+            <a:extLst>
+              <a:ext uri="{FF2B5EF4-FFF2-40B4-BE49-F238E27FC236}">
+                <a16:creationId xmlns:a16="http://schemas.microsoft.com/office/drawing/2014/main" id="{F04802CD-BC03-4234-B1B8-5B97AA74F4CB}"/>
+              </a:ext>
+            </a:extLst>
+          </p:cNvPr>
+          <p:cNvPicPr>
+            <a:picLocks noChangeAspect="1"/>
+          </p:cNvPicPr>
+          <p:nvPr/>
+        </p:nvPicPr>
+        <p:blipFill>
+          <a:blip r:embed="rId4"/>
+          <a:stretch>
+            <a:fillRect/>
+          </a:stretch>
+        </p:blipFill>
+        <p:spPr>
+          <a:xfrm>
+            <a:off x="3274222" y="3690570"/>
+            <a:ext cx="5717577" cy="729586"/>
+          </a:xfrm>
+          <a:prstGeom prst="rect">
+            <a:avLst/>
+          </a:prstGeom>
+        </p:spPr>
+      </p:pic>
     </p:spTree>
     <p:extLst>
       <p:ext uri="{BB962C8B-B14F-4D97-AF65-F5344CB8AC3E}">
@@ -19616,17 +20568,72 @@
             </a:pPr>
             <a:r>
               <a:rPr lang="fr-FR" sz="2400" dirty="0"/>
-              <a:t>Méthode Prepare() </a:t>
+              <a:t>Méthodes </a:t>
+            </a:r>
+            <a:r>
+              <a:rPr lang="fr-FR" sz="2400" dirty="0" err="1"/>
+              <a:t>prepare</a:t>
+            </a:r>
+            <a:r>
+              <a:rPr lang="fr-FR" sz="2400" dirty="0"/>
+              <a:t>() et </a:t>
+            </a:r>
+            <a:r>
+              <a:rPr lang="fr-FR" sz="2400" dirty="0" err="1"/>
+              <a:t>execute</a:t>
+            </a:r>
+            <a:r>
+              <a:rPr lang="fr-FR" sz="2400" dirty="0"/>
+              <a:t>() </a:t>
+            </a:r>
+          </a:p>
+        </p:txBody>
+      </p:sp>
+      <p:sp>
+        <p:nvSpPr>
+          <p:cNvPr id="5" name="ZoneTexte 4">
+            <a:extLst>
+              <a:ext uri="{FF2B5EF4-FFF2-40B4-BE49-F238E27FC236}">
+                <a16:creationId xmlns:a16="http://schemas.microsoft.com/office/drawing/2014/main" id="{41AB7D10-BDC6-4A6B-9B8B-752CDFE52754}"/>
+              </a:ext>
+            </a:extLst>
+          </p:cNvPr>
+          <p:cNvSpPr txBox="1"/>
+          <p:nvPr/>
+        </p:nvSpPr>
+        <p:spPr>
+          <a:xfrm>
+            <a:off x="1636419" y="5158004"/>
+            <a:ext cx="8908869" cy="830997"/>
+          </a:xfrm>
+          <a:prstGeom prst="rect">
+            <a:avLst/>
+          </a:prstGeom>
+          <a:noFill/>
+        </p:spPr>
+        <p:txBody>
+          <a:bodyPr wrap="square" rtlCol="0">
+            <a:spAutoFit/>
+          </a:bodyPr>
+          <a:lstStyle/>
+          <a:p>
+            <a:pPr marL="285750" indent="-285750">
+              <a:buFont typeface="Arial" panose="020B0604020202020204" pitchFamily="34" charset="0"/>
+              <a:buChar char="•"/>
+            </a:pPr>
+            <a:r>
+              <a:rPr lang="fr-FR" sz="2400" dirty="0"/>
+              <a:t>Contenu des variables automatiquement sécurisé pour prévenir les risques d'injection SQL</a:t>
             </a:r>
           </a:p>
         </p:txBody>
       </p:sp>
       <p:pic>
         <p:nvPicPr>
-          <p:cNvPr id="3" name="Image 2">
-            <a:extLst>
-              <a:ext uri="{FF2B5EF4-FFF2-40B4-BE49-F238E27FC236}">
-                <a16:creationId xmlns:a16="http://schemas.microsoft.com/office/drawing/2014/main" id="{070627D6-B331-47A4-A327-0B84278A4787}"/>
+          <p:cNvPr id="7" name="Image 6">
+            <a:extLst>
+              <a:ext uri="{FF2B5EF4-FFF2-40B4-BE49-F238E27FC236}">
+                <a16:creationId xmlns:a16="http://schemas.microsoft.com/office/drawing/2014/main" id="{F4363EA3-5761-460E-B01F-5740B7142CA0}"/>
               </a:ext>
             </a:extLst>
           </p:cNvPr>
@@ -19643,53 +20650,14 @@
         </p:blipFill>
         <p:spPr>
           <a:xfrm>
-            <a:off x="2087088" y="3009412"/>
-            <a:ext cx="7276011" cy="1738392"/>
+            <a:off x="2115789" y="3201550"/>
+            <a:ext cx="7817825" cy="1556213"/>
           </a:xfrm>
           <a:prstGeom prst="rect">
             <a:avLst/>
           </a:prstGeom>
         </p:spPr>
       </p:pic>
-      <p:sp>
-        <p:nvSpPr>
-          <p:cNvPr id="5" name="ZoneTexte 4">
-            <a:extLst>
-              <a:ext uri="{FF2B5EF4-FFF2-40B4-BE49-F238E27FC236}">
-                <a16:creationId xmlns:a16="http://schemas.microsoft.com/office/drawing/2014/main" id="{41AB7D10-BDC6-4A6B-9B8B-752CDFE52754}"/>
-              </a:ext>
-            </a:extLst>
-          </p:cNvPr>
-          <p:cNvSpPr txBox="1"/>
-          <p:nvPr/>
-        </p:nvSpPr>
-        <p:spPr>
-          <a:xfrm>
-            <a:off x="1636419" y="5158004"/>
-            <a:ext cx="8908869" cy="830997"/>
-          </a:xfrm>
-          <a:prstGeom prst="rect">
-            <a:avLst/>
-          </a:prstGeom>
-          <a:noFill/>
-        </p:spPr>
-        <p:txBody>
-          <a:bodyPr wrap="square" rtlCol="0">
-            <a:spAutoFit/>
-          </a:bodyPr>
-          <a:lstStyle/>
-          <a:p>
-            <a:pPr marL="285750" indent="-285750">
-              <a:buFont typeface="Arial" panose="020B0604020202020204" pitchFamily="34" charset="0"/>
-              <a:buChar char="•"/>
-            </a:pPr>
-            <a:r>
-              <a:rPr lang="fr-FR" sz="2400" dirty="0"/>
-              <a:t>Contenu des variables automatiquement sécurisé pour prévenir les risques d'injection SQL</a:t>
-            </a:r>
-          </a:p>
-        </p:txBody>
-      </p:sp>
     </p:spTree>
     <p:extLst>
       <p:ext uri="{BB962C8B-B14F-4D97-AF65-F5344CB8AC3E}">

--- a/Formation de formateur.pptx
+++ b/Formation de formateur.pptx
@@ -5,7 +5,7 @@
     <p:sldMasterId id="2147483648" r:id="rId1"/>
   </p:sldMasterIdLst>
   <p:notesMasterIdLst>
-    <p:notesMasterId r:id="rId30"/>
+    <p:notesMasterId r:id="rId29"/>
   </p:notesMasterIdLst>
   <p:sldIdLst>
     <p:sldId id="256" r:id="rId2"/>
@@ -32,10 +32,9 @@
     <p:sldId id="281" r:id="rId23"/>
     <p:sldId id="280" r:id="rId24"/>
     <p:sldId id="285" r:id="rId25"/>
-    <p:sldId id="271" r:id="rId26"/>
-    <p:sldId id="283" r:id="rId27"/>
-    <p:sldId id="282" r:id="rId28"/>
-    <p:sldId id="284" r:id="rId29"/>
+    <p:sldId id="283" r:id="rId26"/>
+    <p:sldId id="282" r:id="rId27"/>
+    <p:sldId id="284" r:id="rId28"/>
   </p:sldIdLst>
   <p:sldSz cx="12192000" cy="6858000"/>
   <p:notesSz cx="6858000" cy="9144000"/>
@@ -152,20 +151,6 @@
     </p:extLst>
   </p:cmAuthor>
 </p:cmAuthorLst>
-</file>
-
-<file path=ppt/comments/comment1.xml><?xml version="1.0" encoding="utf-8"?>
-<p:cmLst xmlns:a="http://schemas.openxmlformats.org/drawingml/2006/main" xmlns:r="http://schemas.openxmlformats.org/officeDocument/2006/relationships" xmlns:p="http://schemas.openxmlformats.org/presentationml/2006/main">
-  <p:cm authorId="1" dt="2020-12-10T11:04:21.569" idx="1">
-    <p:pos x="10" y="10"/>
-    <p:text/>
-    <p:extLst>
-      <p:ext uri="{C676402C-5697-4E1C-873F-D02D1690AC5C}">
-        <p15:threadingInfo xmlns:p15="http://schemas.microsoft.com/office/powerpoint/2012/main" timeZoneBias="-60"/>
-      </p:ext>
-    </p:extLst>
-  </p:cm>
-</p:cmLst>
 </file>
 
 <file path=ppt/notesMasters/notesMaster1.xml><?xml version="1.0" encoding="utf-8"?>
@@ -4969,7 +4954,7 @@
         <p:spPr>
           <a:xfrm>
             <a:off x="1773578" y="2416679"/>
-            <a:ext cx="8634549" cy="461665"/>
+            <a:ext cx="9778237" cy="1200329"/>
           </a:xfrm>
           <a:prstGeom prst="rect">
             <a:avLst/>
@@ -5007,6 +4992,28 @@
               <a:t>() </a:t>
             </a:r>
           </a:p>
+          <a:p>
+            <a:pPr lvl="1"/>
+            <a:r>
+              <a:rPr lang="fr-FR" sz="2400" dirty="0" err="1"/>
+              <a:t>Prepare</a:t>
+            </a:r>
+            <a:r>
+              <a:rPr lang="fr-FR" sz="2400" dirty="0"/>
+              <a:t> : requête avec arguments en point d’interrogation</a:t>
+            </a:r>
+          </a:p>
+          <a:p>
+            <a:pPr lvl="1"/>
+            <a:r>
+              <a:rPr lang="fr-FR" sz="2400" dirty="0" err="1"/>
+              <a:t>Execute</a:t>
+            </a:r>
+            <a:r>
+              <a:rPr lang="fr-FR" sz="2400" dirty="0"/>
+              <a:t> : lance la requête et complémente les argument avec un tableau</a:t>
+            </a:r>
+          </a:p>
         </p:txBody>
       </p:sp>
       <p:sp>
@@ -5023,7 +5030,7 @@
         </p:nvSpPr>
         <p:spPr>
           <a:xfrm>
-            <a:off x="1636419" y="5158004"/>
+            <a:off x="1643551" y="5600103"/>
             <a:ext cx="8908869" cy="830997"/>
           </a:xfrm>
           <a:prstGeom prst="rect">
@@ -5070,7 +5077,7 @@
         </p:blipFill>
         <p:spPr>
           <a:xfrm>
-            <a:off x="2115789" y="3201550"/>
+            <a:off x="2050475" y="3799552"/>
             <a:ext cx="7817825" cy="1556213"/>
           </a:xfrm>
           <a:prstGeom prst="rect">
@@ -5726,7 +5733,7 @@
         <p:spPr>
           <a:xfrm>
             <a:off x="1773578" y="2416679"/>
-            <a:ext cx="8634549" cy="461665"/>
+            <a:ext cx="9778237" cy="461665"/>
           </a:xfrm>
           <a:prstGeom prst="rect">
             <a:avLst/>
@@ -5761,7 +5768,7 @@
             </a:r>
             <a:r>
               <a:rPr lang="fr-FR" sz="2400" dirty="0"/>
-              <a:t>() avec marqueurs nominatifs </a:t>
+              <a:t>() avec marqueurs nominatifs</a:t>
             </a:r>
           </a:p>
         </p:txBody>
@@ -5780,7 +5787,7 @@
         </p:nvSpPr>
         <p:spPr>
           <a:xfrm>
-            <a:off x="1636419" y="5158004"/>
+            <a:off x="1643551" y="5177260"/>
             <a:ext cx="8908869" cy="1200329"/>
           </a:xfrm>
           <a:prstGeom prst="rect">
@@ -5834,7 +5841,7 @@
         </p:blipFill>
         <p:spPr>
           <a:xfrm>
-            <a:off x="2131717" y="3164803"/>
+            <a:off x="1991468" y="3272477"/>
             <a:ext cx="8213036" cy="1520059"/>
           </a:xfrm>
           <a:prstGeom prst="rect">
@@ -7162,7 +7169,15 @@
             </a:pPr>
             <a:r>
               <a:rPr lang="fr-FR" sz="2400" dirty="0"/>
-              <a:t>Résultat : Tant que $reponse-&gt;fetch() renvoie une ligne, on push la ligne dans le tableau $data.</a:t>
+              <a:t>Résultat : Tant que $reponse-&gt;</a:t>
+            </a:r>
+            <a:r>
+              <a:rPr lang="fr-FR" sz="2400" dirty="0" err="1"/>
+              <a:t>fetch</a:t>
+            </a:r>
+            <a:r>
+              <a:rPr lang="fr-FR" sz="2400" dirty="0"/>
+              <a:t>() renvoie une ligne, on insère la ligne dans le tableau $data.</a:t>
             </a:r>
           </a:p>
           <a:p>
@@ -7236,7 +7251,7 @@
         </p:blipFill>
         <p:spPr>
           <a:xfrm>
-            <a:off x="3045041" y="2728815"/>
+            <a:off x="6524801" y="2726182"/>
             <a:ext cx="5008619" cy="1791404"/>
           </a:xfrm>
           <a:prstGeom prst="rect">
@@ -7244,6 +7259,103 @@
           </a:prstGeom>
         </p:spPr>
       </p:pic>
+      <p:sp>
+        <p:nvSpPr>
+          <p:cNvPr id="3" name="ZoneTexte 2">
+            <a:extLst>
+              <a:ext uri="{FF2B5EF4-FFF2-40B4-BE49-F238E27FC236}">
+                <a16:creationId xmlns:a16="http://schemas.microsoft.com/office/drawing/2014/main" id="{765A18F1-B2AC-4359-9580-8B8093B833AD}"/>
+              </a:ext>
+            </a:extLst>
+          </p:cNvPr>
+          <p:cNvSpPr txBox="1"/>
+          <p:nvPr/>
+        </p:nvSpPr>
+        <p:spPr>
+          <a:xfrm>
+            <a:off x="1604653" y="3042964"/>
+            <a:ext cx="4062548" cy="1200329"/>
+          </a:xfrm>
+          <a:prstGeom prst="rect">
+            <a:avLst/>
+          </a:prstGeom>
+          <a:noFill/>
+        </p:spPr>
+        <p:txBody>
+          <a:bodyPr wrap="square" rtlCol="0">
+            <a:spAutoFit/>
+          </a:bodyPr>
+          <a:lstStyle/>
+          <a:p>
+            <a:r>
+              <a:rPr lang="fr-FR" dirty="0"/>
+              <a:t>Requête = Requête PDO</a:t>
+            </a:r>
+          </a:p>
+          <a:p>
+            <a:endParaRPr lang="fr-FR" dirty="0"/>
+          </a:p>
+          <a:p>
+            <a:r>
+              <a:rPr lang="fr-FR" dirty="0"/>
+              <a:t>Tant que la requête retourne une ligne:</a:t>
+            </a:r>
+          </a:p>
+          <a:p>
+            <a:r>
+              <a:rPr lang="fr-FR" dirty="0"/>
+              <a:t>	travail avec la ligne </a:t>
+            </a:r>
+          </a:p>
+        </p:txBody>
+      </p:sp>
+      <p:sp>
+        <p:nvSpPr>
+          <p:cNvPr id="7" name="Rectangle 6">
+            <a:extLst>
+              <a:ext uri="{FF2B5EF4-FFF2-40B4-BE49-F238E27FC236}">
+                <a16:creationId xmlns:a16="http://schemas.microsoft.com/office/drawing/2014/main" id="{036E6CC5-1599-49D2-81DD-CC72BC870252}"/>
+              </a:ext>
+            </a:extLst>
+          </p:cNvPr>
+          <p:cNvSpPr/>
+          <p:nvPr/>
+        </p:nvSpPr>
+        <p:spPr>
+          <a:xfrm>
+            <a:off x="1604653" y="2899954"/>
+            <a:ext cx="4062547" cy="1569660"/>
+          </a:xfrm>
+          <a:prstGeom prst="rect">
+            <a:avLst/>
+          </a:prstGeom>
+          <a:noFill/>
+        </p:spPr>
+        <p:style>
+          <a:lnRef idx="2">
+            <a:schemeClr val="accent1">
+              <a:shade val="50000"/>
+            </a:schemeClr>
+          </a:lnRef>
+          <a:fillRef idx="1">
+            <a:schemeClr val="accent1"/>
+          </a:fillRef>
+          <a:effectRef idx="0">
+            <a:schemeClr val="accent1"/>
+          </a:effectRef>
+          <a:fontRef idx="minor">
+            <a:schemeClr val="lt1"/>
+          </a:fontRef>
+        </p:style>
+        <p:txBody>
+          <a:bodyPr rtlCol="0" anchor="ctr"/>
+          <a:lstStyle/>
+          <a:p>
+            <a:pPr algn="ctr"/>
+            <a:endParaRPr lang="fr-FR"/>
+          </a:p>
+        </p:txBody>
+      </p:sp>
     </p:spTree>
     <p:extLst>
       <p:ext uri="{BB962C8B-B14F-4D97-AF65-F5344CB8AC3E}">
@@ -7564,6 +7676,65 @@
           </a:p>
         </p:txBody>
       </p:sp>
+      <p:sp>
+        <p:nvSpPr>
+          <p:cNvPr id="6" name="Rectangle 5">
+            <a:extLst>
+              <a:ext uri="{FF2B5EF4-FFF2-40B4-BE49-F238E27FC236}">
+                <a16:creationId xmlns:a16="http://schemas.microsoft.com/office/drawing/2014/main" id="{D3AF8C91-F517-4ED9-833A-7E10D2DECE34}"/>
+              </a:ext>
+            </a:extLst>
+          </p:cNvPr>
+          <p:cNvSpPr/>
+          <p:nvPr/>
+        </p:nvSpPr>
+        <p:spPr>
+          <a:xfrm>
+            <a:off x="3045368" y="4493623"/>
+            <a:ext cx="6322422" cy="1123406"/>
+          </a:xfrm>
+          <a:prstGeom prst="rect">
+            <a:avLst/>
+          </a:prstGeom>
+          <a:solidFill>
+            <a:schemeClr val="tx2">
+              <a:lumMod val="40000"/>
+              <a:lumOff val="60000"/>
+            </a:schemeClr>
+          </a:solidFill>
+        </p:spPr>
+        <p:style>
+          <a:lnRef idx="2">
+            <a:schemeClr val="accent1">
+              <a:shade val="50000"/>
+            </a:schemeClr>
+          </a:lnRef>
+          <a:fillRef idx="1">
+            <a:schemeClr val="accent1"/>
+          </a:fillRef>
+          <a:effectRef idx="0">
+            <a:schemeClr val="accent1"/>
+          </a:effectRef>
+          <a:fontRef idx="minor">
+            <a:schemeClr val="lt1"/>
+          </a:fontRef>
+        </p:style>
+        <p:txBody>
+          <a:bodyPr rtlCol="0" anchor="ctr"/>
+          <a:lstStyle/>
+          <a:p>
+            <a:pPr algn="ctr"/>
+            <a:r>
+              <a:rPr lang="fr-FR" dirty="0">
+                <a:solidFill>
+                  <a:schemeClr val="tx1"/>
+                </a:solidFill>
+              </a:rPr>
+              <a:t>Utilisez la méthode Fetch et remplissez un tableau $data avec les données récupérées</a:t>
+            </a:r>
+          </a:p>
+        </p:txBody>
+      </p:sp>
     </p:spTree>
     <p:extLst>
       <p:ext uri="{BB962C8B-B14F-4D97-AF65-F5344CB8AC3E}">
@@ -8526,6 +8697,81 @@
           </a:p>
         </p:txBody>
       </p:sp>
+      <p:sp>
+        <p:nvSpPr>
+          <p:cNvPr id="6" name="Rectangle 5">
+            <a:extLst>
+              <a:ext uri="{FF2B5EF4-FFF2-40B4-BE49-F238E27FC236}">
+                <a16:creationId xmlns:a16="http://schemas.microsoft.com/office/drawing/2014/main" id="{E2AD160C-7220-4C60-89FA-DA3E4DF3D028}"/>
+              </a:ext>
+            </a:extLst>
+          </p:cNvPr>
+          <p:cNvSpPr/>
+          <p:nvPr/>
+        </p:nvSpPr>
+        <p:spPr>
+          <a:xfrm>
+            <a:off x="3045368" y="4493623"/>
+            <a:ext cx="6322422" cy="1123406"/>
+          </a:xfrm>
+          <a:prstGeom prst="rect">
+            <a:avLst/>
+          </a:prstGeom>
+          <a:solidFill>
+            <a:schemeClr val="tx2">
+              <a:lumMod val="40000"/>
+              <a:lumOff val="60000"/>
+            </a:schemeClr>
+          </a:solidFill>
+        </p:spPr>
+        <p:style>
+          <a:lnRef idx="2">
+            <a:schemeClr val="accent1">
+              <a:shade val="50000"/>
+            </a:schemeClr>
+          </a:lnRef>
+          <a:fillRef idx="1">
+            <a:schemeClr val="accent1"/>
+          </a:fillRef>
+          <a:effectRef idx="0">
+            <a:schemeClr val="accent1"/>
+          </a:effectRef>
+          <a:fontRef idx="minor">
+            <a:schemeClr val="lt1"/>
+          </a:fontRef>
+        </p:style>
+        <p:txBody>
+          <a:bodyPr rtlCol="0" anchor="ctr"/>
+          <a:lstStyle/>
+          <a:p>
+            <a:pPr algn="ctr"/>
+            <a:r>
+              <a:rPr lang="fr-FR" dirty="0">
+                <a:solidFill>
+                  <a:schemeClr val="tx1"/>
+                </a:solidFill>
+              </a:rPr>
+              <a:t>Utilisez la méthode </a:t>
+            </a:r>
+            <a:r>
+              <a:rPr lang="fr-FR" dirty="0" err="1">
+                <a:solidFill>
+                  <a:schemeClr val="tx1"/>
+                </a:solidFill>
+              </a:rPr>
+              <a:t>FetchAll</a:t>
+            </a:r>
+            <a:r>
+              <a:rPr lang="fr-FR" dirty="0">
+                <a:solidFill>
+                  <a:schemeClr val="tx1"/>
+                </a:solidFill>
+              </a:rPr>
+              <a:t> et remplissez le tableau $data</a:t>
+            </a:r>
+          </a:p>
+        </p:txBody>
+      </p:sp>
     </p:spTree>
     <p:extLst>
       <p:ext uri="{BB962C8B-B14F-4D97-AF65-F5344CB8AC3E}">
@@ -9485,6 +9731,65 @@
                 <a:srgbClr val="898989"/>
               </a:solidFill>
             </a:endParaRPr>
+          </a:p>
+        </p:txBody>
+      </p:sp>
+      <p:sp>
+        <p:nvSpPr>
+          <p:cNvPr id="6" name="Rectangle 5">
+            <a:extLst>
+              <a:ext uri="{FF2B5EF4-FFF2-40B4-BE49-F238E27FC236}">
+                <a16:creationId xmlns:a16="http://schemas.microsoft.com/office/drawing/2014/main" id="{168FDCC6-FFB8-4D46-889B-5BC30B3B011A}"/>
+              </a:ext>
+            </a:extLst>
+          </p:cNvPr>
+          <p:cNvSpPr/>
+          <p:nvPr/>
+        </p:nvSpPr>
+        <p:spPr>
+          <a:xfrm>
+            <a:off x="3045368" y="4493623"/>
+            <a:ext cx="6322422" cy="1123406"/>
+          </a:xfrm>
+          <a:prstGeom prst="rect">
+            <a:avLst/>
+          </a:prstGeom>
+          <a:solidFill>
+            <a:schemeClr val="tx2">
+              <a:lumMod val="40000"/>
+              <a:lumOff val="60000"/>
+            </a:schemeClr>
+          </a:solidFill>
+        </p:spPr>
+        <p:style>
+          <a:lnRef idx="2">
+            <a:schemeClr val="accent1">
+              <a:shade val="50000"/>
+            </a:schemeClr>
+          </a:lnRef>
+          <a:fillRef idx="1">
+            <a:schemeClr val="accent1"/>
+          </a:fillRef>
+          <a:effectRef idx="0">
+            <a:schemeClr val="accent1"/>
+          </a:effectRef>
+          <a:fontRef idx="minor">
+            <a:schemeClr val="lt1"/>
+          </a:fontRef>
+        </p:style>
+        <p:txBody>
+          <a:bodyPr rtlCol="0" anchor="ctr"/>
+          <a:lstStyle/>
+          <a:p>
+            <a:pPr algn="ctr"/>
+            <a:r>
+              <a:rPr lang="fr-FR" dirty="0">
+                <a:solidFill>
+                  <a:schemeClr val="tx1"/>
+                </a:solidFill>
+              </a:rPr>
+              <a:t>Tapez la requête permettant de réaliser l’insertion d’une personne</a:t>
+            </a:r>
           </a:p>
         </p:txBody>
       </p:sp>
@@ -11113,6 +11418,65 @@
           </a:p>
         </p:txBody>
       </p:sp>
+      <p:sp>
+        <p:nvSpPr>
+          <p:cNvPr id="6" name="Rectangle 5">
+            <a:extLst>
+              <a:ext uri="{FF2B5EF4-FFF2-40B4-BE49-F238E27FC236}">
+                <a16:creationId xmlns:a16="http://schemas.microsoft.com/office/drawing/2014/main" id="{2EF3BF6B-C8EF-428E-9B05-62E8C08D8ADF}"/>
+              </a:ext>
+            </a:extLst>
+          </p:cNvPr>
+          <p:cNvSpPr/>
+          <p:nvPr/>
+        </p:nvSpPr>
+        <p:spPr>
+          <a:xfrm>
+            <a:off x="3045368" y="4493623"/>
+            <a:ext cx="6322422" cy="1123406"/>
+          </a:xfrm>
+          <a:prstGeom prst="rect">
+            <a:avLst/>
+          </a:prstGeom>
+          <a:solidFill>
+            <a:schemeClr val="tx2">
+              <a:lumMod val="40000"/>
+              <a:lumOff val="60000"/>
+            </a:schemeClr>
+          </a:solidFill>
+        </p:spPr>
+        <p:style>
+          <a:lnRef idx="2">
+            <a:schemeClr val="accent1">
+              <a:shade val="50000"/>
+            </a:schemeClr>
+          </a:lnRef>
+          <a:fillRef idx="1">
+            <a:schemeClr val="accent1"/>
+          </a:fillRef>
+          <a:effectRef idx="0">
+            <a:schemeClr val="accent1"/>
+          </a:effectRef>
+          <a:fontRef idx="minor">
+            <a:schemeClr val="lt1"/>
+          </a:fontRef>
+        </p:style>
+        <p:txBody>
+          <a:bodyPr rtlCol="0" anchor="ctr"/>
+          <a:lstStyle/>
+          <a:p>
+            <a:pPr algn="ctr"/>
+            <a:r>
+              <a:rPr lang="fr-FR" dirty="0">
+                <a:solidFill>
+                  <a:schemeClr val="tx1"/>
+                </a:solidFill>
+              </a:rPr>
+              <a:t>Tapez la requête permettant de modifier l’âge d’Anthony.</a:t>
+            </a:r>
+          </a:p>
+        </p:txBody>
+      </p:sp>
     </p:spTree>
     <p:extLst>
       <p:ext uri="{BB962C8B-B14F-4D97-AF65-F5344CB8AC3E}">
@@ -12075,6 +12439,65 @@
           </a:p>
         </p:txBody>
       </p:sp>
+      <p:sp>
+        <p:nvSpPr>
+          <p:cNvPr id="6" name="Rectangle 5">
+            <a:extLst>
+              <a:ext uri="{FF2B5EF4-FFF2-40B4-BE49-F238E27FC236}">
+                <a16:creationId xmlns:a16="http://schemas.microsoft.com/office/drawing/2014/main" id="{8AAAAB16-5B21-4753-9C39-67F8638F1F12}"/>
+              </a:ext>
+            </a:extLst>
+          </p:cNvPr>
+          <p:cNvSpPr/>
+          <p:nvPr/>
+        </p:nvSpPr>
+        <p:spPr>
+          <a:xfrm>
+            <a:off x="3045368" y="4493623"/>
+            <a:ext cx="6322422" cy="1123406"/>
+          </a:xfrm>
+          <a:prstGeom prst="rect">
+            <a:avLst/>
+          </a:prstGeom>
+          <a:solidFill>
+            <a:schemeClr val="tx2">
+              <a:lumMod val="40000"/>
+              <a:lumOff val="60000"/>
+            </a:schemeClr>
+          </a:solidFill>
+        </p:spPr>
+        <p:style>
+          <a:lnRef idx="2">
+            <a:schemeClr val="accent1">
+              <a:shade val="50000"/>
+            </a:schemeClr>
+          </a:lnRef>
+          <a:fillRef idx="1">
+            <a:schemeClr val="accent1"/>
+          </a:fillRef>
+          <a:effectRef idx="0">
+            <a:schemeClr val="accent1"/>
+          </a:effectRef>
+          <a:fontRef idx="minor">
+            <a:schemeClr val="lt1"/>
+          </a:fontRef>
+        </p:style>
+        <p:txBody>
+          <a:bodyPr rtlCol="0" anchor="ctr"/>
+          <a:lstStyle/>
+          <a:p>
+            <a:pPr algn="ctr"/>
+            <a:r>
+              <a:rPr lang="fr-FR" dirty="0">
+                <a:solidFill>
+                  <a:schemeClr val="tx1"/>
+                </a:solidFill>
+              </a:rPr>
+              <a:t>Tapez la requête permettant de vous supprimer de la table personne</a:t>
+            </a:r>
+          </a:p>
+        </p:txBody>
+      </p:sp>
     </p:spTree>
     <p:extLst>
       <p:ext uri="{BB962C8B-B14F-4D97-AF65-F5344CB8AC3E}">
@@ -12760,10 +13183,10 @@
       </p:sp>
       <p:pic>
         <p:nvPicPr>
-          <p:cNvPr id="5" name="Image 4">
-            <a:extLst>
-              <a:ext uri="{FF2B5EF4-FFF2-40B4-BE49-F238E27FC236}">
-                <a16:creationId xmlns:a16="http://schemas.microsoft.com/office/drawing/2014/main" id="{1AAD2B04-C2C5-4A0B-8CAA-4C057964031B}"/>
+          <p:cNvPr id="4" name="Image 3">
+            <a:extLst>
+              <a:ext uri="{FF2B5EF4-FFF2-40B4-BE49-F238E27FC236}">
+                <a16:creationId xmlns:a16="http://schemas.microsoft.com/office/drawing/2014/main" id="{BD690AE1-2149-4045-A5D0-7766F2AB6BE6}"/>
               </a:ext>
             </a:extLst>
           </p:cNvPr>
@@ -12780,8 +13203,8 @@
         </p:blipFill>
         <p:spPr>
           <a:xfrm>
-            <a:off x="409710" y="4001257"/>
-            <a:ext cx="6051163" cy="2355093"/>
+            <a:off x="7642094" y="3731335"/>
+            <a:ext cx="2211590" cy="2643439"/>
           </a:xfrm>
           <a:prstGeom prst="rect">
             <a:avLst/>
@@ -12790,30 +13213,153 @@
       </p:pic>
       <p:sp>
         <p:nvSpPr>
-          <p:cNvPr id="11" name="Rectangle 10">
-            <a:extLst>
-              <a:ext uri="{FF2B5EF4-FFF2-40B4-BE49-F238E27FC236}">
-                <a16:creationId xmlns:a16="http://schemas.microsoft.com/office/drawing/2014/main" id="{3035282F-C7AB-461D-9B8A-3DE1D5736351}"/>
-              </a:ext>
-            </a:extLst>
-          </p:cNvPr>
-          <p:cNvSpPr/>
+          <p:cNvPr id="6" name="ZoneTexte 5">
+            <a:extLst>
+              <a:ext uri="{FF2B5EF4-FFF2-40B4-BE49-F238E27FC236}">
+                <a16:creationId xmlns:a16="http://schemas.microsoft.com/office/drawing/2014/main" id="{1E4AC992-B3A3-471B-B825-F20BF6C63A4C}"/>
+              </a:ext>
+            </a:extLst>
+          </p:cNvPr>
+          <p:cNvSpPr txBox="1"/>
           <p:nvPr/>
         </p:nvSpPr>
         <p:spPr>
           <a:xfrm>
-            <a:off x="958506" y="5558828"/>
-            <a:ext cx="1576464" cy="276822"/>
+            <a:off x="812935" y="4082824"/>
+            <a:ext cx="4844956" cy="2246769"/>
           </a:xfrm>
           <a:prstGeom prst="rect">
             <a:avLst/>
           </a:prstGeom>
           <a:noFill/>
-          <a:ln w="19050">
-            <a:solidFill>
-              <a:srgbClr val="FF0000"/>
-            </a:solidFill>
+        </p:spPr>
+        <p:txBody>
+          <a:bodyPr wrap="square" rtlCol="0">
+            <a:spAutoFit/>
+          </a:bodyPr>
+          <a:lstStyle/>
+          <a:p>
+            <a:r>
+              <a:rPr lang="fr-FR" sz="2000" dirty="0"/>
+              <a:t>Résultat = </a:t>
+            </a:r>
+            <a:r>
+              <a:rPr lang="fr-FR" sz="2000" dirty="0" err="1"/>
+              <a:t>Requete</a:t>
+            </a:r>
+            <a:r>
+              <a:rPr lang="fr-FR" sz="2000" dirty="0"/>
+              <a:t> statut des </a:t>
+            </a:r>
+            <a:r>
+              <a:rPr lang="fr-FR" sz="2000" dirty="0" err="1"/>
+              <a:t>personneS</a:t>
+            </a:r>
+            <a:endParaRPr lang="fr-FR" sz="2000" dirty="0"/>
+          </a:p>
+          <a:p>
+            <a:endParaRPr lang="fr-FR" sz="2000" dirty="0"/>
+          </a:p>
+          <a:p>
+            <a:r>
+              <a:rPr lang="fr-FR" sz="2000" dirty="0"/>
+              <a:t>Pour chaque personne dans </a:t>
+            </a:r>
+            <a:r>
+              <a:rPr lang="fr-FR" sz="2000" dirty="0" err="1"/>
+              <a:t>personneS</a:t>
+            </a:r>
+            <a:r>
+              <a:rPr lang="fr-FR" sz="2000" dirty="0"/>
+              <a:t> :</a:t>
+            </a:r>
+          </a:p>
+          <a:p>
+            <a:r>
+              <a:rPr lang="fr-FR" sz="2000" dirty="0"/>
+              <a:t>	Si statut des personne = Etudiant</a:t>
+            </a:r>
+          </a:p>
+          <a:p>
+            <a:r>
+              <a:rPr lang="fr-FR" sz="2000" dirty="0"/>
+              <a:t>		Affiche en bleu</a:t>
+            </a:r>
+          </a:p>
+          <a:p>
+            <a:r>
+              <a:rPr lang="fr-FR" sz="2000" dirty="0"/>
+              <a:t>	Si statut des personne = Professeur</a:t>
+            </a:r>
+          </a:p>
+          <a:p>
+            <a:r>
+              <a:rPr lang="fr-FR" sz="2000" dirty="0"/>
+              <a:t>		Affiche en noir</a:t>
+            </a:r>
+          </a:p>
+        </p:txBody>
+      </p:sp>
+      <p:cxnSp>
+        <p:nvCxnSpPr>
+          <p:cNvPr id="13" name="Connecteur droit avec flèche 12">
+            <a:extLst>
+              <a:ext uri="{FF2B5EF4-FFF2-40B4-BE49-F238E27FC236}">
+                <a16:creationId xmlns:a16="http://schemas.microsoft.com/office/drawing/2014/main" id="{6E5256C3-7BAB-4B0A-A4C6-827C61D0A18B}"/>
+              </a:ext>
+            </a:extLst>
+          </p:cNvPr>
+          <p:cNvCxnSpPr/>
+          <p:nvPr/>
+        </p:nvCxnSpPr>
+        <p:spPr>
+          <a:xfrm>
+            <a:off x="5773003" y="4940490"/>
+            <a:ext cx="1501254" cy="0"/>
+          </a:xfrm>
+          <a:prstGeom prst="straightConnector1">
+            <a:avLst/>
+          </a:prstGeom>
+          <a:ln>
+            <a:tailEnd type="triangle"/>
           </a:ln>
+        </p:spPr>
+        <p:style>
+          <a:lnRef idx="1">
+            <a:schemeClr val="accent1"/>
+          </a:lnRef>
+          <a:fillRef idx="0">
+            <a:schemeClr val="accent1"/>
+          </a:fillRef>
+          <a:effectRef idx="0">
+            <a:schemeClr val="accent1"/>
+          </a:effectRef>
+          <a:fontRef idx="minor">
+            <a:schemeClr val="tx1"/>
+          </a:fontRef>
+        </p:style>
+      </p:cxnSp>
+      <p:sp>
+        <p:nvSpPr>
+          <p:cNvPr id="15" name="Rectangle 14">
+            <a:extLst>
+              <a:ext uri="{FF2B5EF4-FFF2-40B4-BE49-F238E27FC236}">
+                <a16:creationId xmlns:a16="http://schemas.microsoft.com/office/drawing/2014/main" id="{5ADF4566-1D07-46CE-AD8B-DEA8D418F10C}"/>
+              </a:ext>
+            </a:extLst>
+          </p:cNvPr>
+          <p:cNvSpPr/>
+          <p:nvPr/>
+        </p:nvSpPr>
+        <p:spPr>
+          <a:xfrm>
+            <a:off x="728797" y="3971109"/>
+            <a:ext cx="5044206" cy="2547249"/>
+          </a:xfrm>
+          <a:prstGeom prst="rect">
+            <a:avLst/>
+          </a:prstGeom>
+          <a:noFill/>
         </p:spPr>
         <p:style>
           <a:lnRef idx="2">
@@ -12840,129 +13386,6 @@
           </a:p>
         </p:txBody>
       </p:sp>
-      <p:pic>
-        <p:nvPicPr>
-          <p:cNvPr id="20" name="Image 19">
-            <a:extLst>
-              <a:ext uri="{FF2B5EF4-FFF2-40B4-BE49-F238E27FC236}">
-                <a16:creationId xmlns:a16="http://schemas.microsoft.com/office/drawing/2014/main" id="{070E2CF2-AC1B-4DCD-8D05-A6492D885CC1}"/>
-              </a:ext>
-            </a:extLst>
-          </p:cNvPr>
-          <p:cNvPicPr>
-            <a:picLocks noChangeAspect="1"/>
-          </p:cNvPicPr>
-          <p:nvPr/>
-        </p:nvPicPr>
-        <p:blipFill>
-          <a:blip r:embed="rId3"/>
-          <a:stretch>
-            <a:fillRect/>
-          </a:stretch>
-        </p:blipFill>
-        <p:spPr>
-          <a:xfrm>
-            <a:off x="8131863" y="4430986"/>
-            <a:ext cx="3419952" cy="1495634"/>
-          </a:xfrm>
-          <a:prstGeom prst="rect">
-            <a:avLst/>
-          </a:prstGeom>
-        </p:spPr>
-      </p:pic>
-      <p:sp>
-        <p:nvSpPr>
-          <p:cNvPr id="21" name="Rectangle 20">
-            <a:extLst>
-              <a:ext uri="{FF2B5EF4-FFF2-40B4-BE49-F238E27FC236}">
-                <a16:creationId xmlns:a16="http://schemas.microsoft.com/office/drawing/2014/main" id="{73D8A52F-0E8A-4261-91B6-CC6115739828}"/>
-              </a:ext>
-            </a:extLst>
-          </p:cNvPr>
-          <p:cNvSpPr/>
-          <p:nvPr/>
-        </p:nvSpPr>
-        <p:spPr>
-          <a:xfrm>
-            <a:off x="8131863" y="4430986"/>
-            <a:ext cx="3419952" cy="1541457"/>
-          </a:xfrm>
-          <a:prstGeom prst="rect">
-            <a:avLst/>
-          </a:prstGeom>
-          <a:noFill/>
-          <a:ln>
-            <a:solidFill>
-              <a:schemeClr val="tx1"/>
-            </a:solidFill>
-          </a:ln>
-        </p:spPr>
-        <p:style>
-          <a:lnRef idx="2">
-            <a:schemeClr val="accent1">
-              <a:shade val="50000"/>
-            </a:schemeClr>
-          </a:lnRef>
-          <a:fillRef idx="1">
-            <a:schemeClr val="accent1"/>
-          </a:fillRef>
-          <a:effectRef idx="0">
-            <a:schemeClr val="accent1"/>
-          </a:effectRef>
-          <a:fontRef idx="minor">
-            <a:schemeClr val="lt1"/>
-          </a:fontRef>
-        </p:style>
-        <p:txBody>
-          <a:bodyPr rtlCol="0" anchor="ctr"/>
-          <a:lstStyle/>
-          <a:p>
-            <a:pPr algn="ctr"/>
-            <a:endParaRPr lang="fr-FR"/>
-          </a:p>
-        </p:txBody>
-      </p:sp>
-      <p:cxnSp>
-        <p:nvCxnSpPr>
-          <p:cNvPr id="23" name="Connecteur droit avec flèche 22">
-            <a:extLst>
-              <a:ext uri="{FF2B5EF4-FFF2-40B4-BE49-F238E27FC236}">
-                <a16:creationId xmlns:a16="http://schemas.microsoft.com/office/drawing/2014/main" id="{34E6468E-C2A1-4D59-A9ED-BD3D6F23123C}"/>
-              </a:ext>
-            </a:extLst>
-          </p:cNvPr>
-          <p:cNvCxnSpPr>
-            <a:stCxn id="5" idx="3"/>
-          </p:cNvCxnSpPr>
-          <p:nvPr/>
-        </p:nvCxnSpPr>
-        <p:spPr>
-          <a:xfrm>
-            <a:off x="6460873" y="5178804"/>
-            <a:ext cx="1550613" cy="5592"/>
-          </a:xfrm>
-          <a:prstGeom prst="straightConnector1">
-            <a:avLst/>
-          </a:prstGeom>
-          <a:ln>
-            <a:tailEnd type="triangle"/>
-          </a:ln>
-        </p:spPr>
-        <p:style>
-          <a:lnRef idx="1">
-            <a:schemeClr val="accent1"/>
-          </a:lnRef>
-          <a:fillRef idx="0">
-            <a:schemeClr val="accent1"/>
-          </a:fillRef>
-          <a:effectRef idx="0">
-            <a:schemeClr val="accent1"/>
-          </a:effectRef>
-          <a:fontRef idx="minor">
-            <a:schemeClr val="tx1"/>
-          </a:fontRef>
-        </p:style>
-      </p:cxnSp>
     </p:spTree>
     <p:extLst>
       <p:ext uri="{BB962C8B-B14F-4D97-AF65-F5344CB8AC3E}">
@@ -13593,10 +14016,10 @@
       </p:sp>
       <p:pic>
         <p:nvPicPr>
-          <p:cNvPr id="6" name="Image 5">
-            <a:extLst>
-              <a:ext uri="{FF2B5EF4-FFF2-40B4-BE49-F238E27FC236}">
-                <a16:creationId xmlns:a16="http://schemas.microsoft.com/office/drawing/2014/main" id="{A93DDAC7-B5EB-4C2A-8CB1-AAC676BFC595}"/>
+          <p:cNvPr id="3" name="Image 2">
+            <a:extLst>
+              <a:ext uri="{FF2B5EF4-FFF2-40B4-BE49-F238E27FC236}">
+                <a16:creationId xmlns:a16="http://schemas.microsoft.com/office/drawing/2014/main" id="{F0C0BE9A-E407-4B17-9423-9830E515AA8F}"/>
               </a:ext>
             </a:extLst>
           </p:cNvPr>
@@ -13613,20 +14036,50 @@
         </p:blipFill>
         <p:spPr>
           <a:xfrm>
-            <a:off x="764516" y="3429000"/>
-            <a:ext cx="7020905" cy="2876951"/>
+            <a:off x="3193117" y="3533187"/>
+            <a:ext cx="4661247" cy="867787"/>
           </a:xfrm>
           <a:prstGeom prst="rect">
             <a:avLst/>
           </a:prstGeom>
         </p:spPr>
       </p:pic>
-      <p:sp>
-        <p:nvSpPr>
-          <p:cNvPr id="7" name="ZoneTexte 6">
-            <a:extLst>
-              <a:ext uri="{FF2B5EF4-FFF2-40B4-BE49-F238E27FC236}">
-                <a16:creationId xmlns:a16="http://schemas.microsoft.com/office/drawing/2014/main" id="{2A74C213-DC6C-4815-8B15-85F46D4B3F01}"/>
+      <p:pic>
+        <p:nvPicPr>
+          <p:cNvPr id="4" name="Image 3">
+            <a:extLst>
+              <a:ext uri="{FF2B5EF4-FFF2-40B4-BE49-F238E27FC236}">
+                <a16:creationId xmlns:a16="http://schemas.microsoft.com/office/drawing/2014/main" id="{5DB3E138-74B9-4B9A-95FE-BCA971C31E1F}"/>
+              </a:ext>
+            </a:extLst>
+          </p:cNvPr>
+          <p:cNvPicPr>
+            <a:picLocks noChangeAspect="1"/>
+          </p:cNvPicPr>
+          <p:nvPr/>
+        </p:nvPicPr>
+        <p:blipFill>
+          <a:blip r:embed="rId3"/>
+          <a:stretch>
+            <a:fillRect/>
+          </a:stretch>
+        </p:blipFill>
+        <p:spPr>
+          <a:xfrm>
+            <a:off x="2855409" y="5217291"/>
+            <a:ext cx="5575490" cy="824392"/>
+          </a:xfrm>
+          <a:prstGeom prst="rect">
+            <a:avLst/>
+          </a:prstGeom>
+        </p:spPr>
+      </p:pic>
+      <p:sp>
+        <p:nvSpPr>
+          <p:cNvPr id="5" name="ZoneTexte 4">
+            <a:extLst>
+              <a:ext uri="{FF2B5EF4-FFF2-40B4-BE49-F238E27FC236}">
+                <a16:creationId xmlns:a16="http://schemas.microsoft.com/office/drawing/2014/main" id="{546CC5B9-EDB3-4C59-B3F3-B33B8D1E8871}"/>
               </a:ext>
             </a:extLst>
           </p:cNvPr>
@@ -13635,8 +14088,8 @@
         </p:nvSpPr>
         <p:spPr>
           <a:xfrm>
-            <a:off x="1603218" y="2543175"/>
-            <a:ext cx="6844420" cy="461665"/>
+            <a:off x="2390503" y="2543175"/>
+            <a:ext cx="6505303" cy="461665"/>
           </a:xfrm>
           <a:prstGeom prst="rect">
             <a:avLst/>
@@ -13649,142 +14102,9 @@
           </a:bodyPr>
           <a:lstStyle/>
           <a:p>
-            <a:pPr marL="285750" indent="-285750">
-              <a:buFont typeface="Arial" panose="020B0604020202020204" pitchFamily="34" charset="0"/>
-              <a:buChar char="•"/>
-            </a:pPr>
             <a:r>
               <a:rPr lang="fr-FR" sz="2400" dirty="0"/>
-              <a:t>Lier le CSS a son fichier HTML</a:t>
-            </a:r>
-          </a:p>
-        </p:txBody>
-      </p:sp>
-      <p:sp>
-        <p:nvSpPr>
-          <p:cNvPr id="13" name="Rectangle 12">
-            <a:extLst>
-              <a:ext uri="{FF2B5EF4-FFF2-40B4-BE49-F238E27FC236}">
-                <a16:creationId xmlns:a16="http://schemas.microsoft.com/office/drawing/2014/main" id="{F59A8E9F-ED6F-4D84-86A2-4AB75966D648}"/>
-              </a:ext>
-            </a:extLst>
-          </p:cNvPr>
-          <p:cNvSpPr/>
-          <p:nvPr/>
-        </p:nvSpPr>
-        <p:spPr>
-          <a:xfrm>
-            <a:off x="1367406" y="4186106"/>
-            <a:ext cx="3196205" cy="234892"/>
-          </a:xfrm>
-          <a:prstGeom prst="rect">
-            <a:avLst/>
-          </a:prstGeom>
-          <a:noFill/>
-          <a:ln>
-            <a:solidFill>
-              <a:srgbClr val="FF0000"/>
-            </a:solidFill>
-          </a:ln>
-        </p:spPr>
-        <p:style>
-          <a:lnRef idx="2">
-            <a:schemeClr val="accent1">
-              <a:shade val="50000"/>
-            </a:schemeClr>
-          </a:lnRef>
-          <a:fillRef idx="1">
-            <a:schemeClr val="accent1"/>
-          </a:fillRef>
-          <a:effectRef idx="0">
-            <a:schemeClr val="accent1"/>
-          </a:effectRef>
-          <a:fontRef idx="minor">
-            <a:schemeClr val="lt1"/>
-          </a:fontRef>
-        </p:style>
-        <p:txBody>
-          <a:bodyPr rtlCol="0" anchor="ctr"/>
-          <a:lstStyle/>
-          <a:p>
-            <a:pPr algn="ctr"/>
-            <a:endParaRPr lang="fr-FR"/>
-          </a:p>
-        </p:txBody>
-      </p:sp>
-      <p:cxnSp>
-        <p:nvCxnSpPr>
-          <p:cNvPr id="17" name="Connecteur droit avec flèche 16">
-            <a:extLst>
-              <a:ext uri="{FF2B5EF4-FFF2-40B4-BE49-F238E27FC236}">
-                <a16:creationId xmlns:a16="http://schemas.microsoft.com/office/drawing/2014/main" id="{734CED9D-45D3-4ED9-AB97-5A985157260B}"/>
-              </a:ext>
-            </a:extLst>
-          </p:cNvPr>
-          <p:cNvCxnSpPr/>
-          <p:nvPr/>
-        </p:nvCxnSpPr>
-        <p:spPr>
-          <a:xfrm flipH="1">
-            <a:off x="4563611" y="4260118"/>
-            <a:ext cx="3456264" cy="0"/>
-          </a:xfrm>
-          <a:prstGeom prst="straightConnector1">
-            <a:avLst/>
-          </a:prstGeom>
-          <a:ln>
-            <a:solidFill>
-              <a:srgbClr val="FF0000"/>
-            </a:solidFill>
-            <a:tailEnd type="triangle"/>
-          </a:ln>
-        </p:spPr>
-        <p:style>
-          <a:lnRef idx="1">
-            <a:schemeClr val="accent1"/>
-          </a:lnRef>
-          <a:fillRef idx="0">
-            <a:schemeClr val="accent1"/>
-          </a:fillRef>
-          <a:effectRef idx="0">
-            <a:schemeClr val="accent1"/>
-          </a:effectRef>
-          <a:fontRef idx="minor">
-            <a:schemeClr val="tx1"/>
-          </a:fontRef>
-        </p:style>
-      </p:cxnSp>
-      <p:sp>
-        <p:nvSpPr>
-          <p:cNvPr id="19" name="ZoneTexte 18">
-            <a:extLst>
-              <a:ext uri="{FF2B5EF4-FFF2-40B4-BE49-F238E27FC236}">
-                <a16:creationId xmlns:a16="http://schemas.microsoft.com/office/drawing/2014/main" id="{2CA6A347-8493-49AE-B95A-421FD123E654}"/>
-              </a:ext>
-            </a:extLst>
-          </p:cNvPr>
-          <p:cNvSpPr txBox="1"/>
-          <p:nvPr/>
-        </p:nvSpPr>
-        <p:spPr>
-          <a:xfrm>
-            <a:off x="8095376" y="3892492"/>
-            <a:ext cx="3456264" cy="923330"/>
-          </a:xfrm>
-          <a:prstGeom prst="rect">
-            <a:avLst/>
-          </a:prstGeom>
-          <a:noFill/>
-        </p:spPr>
-        <p:txBody>
-          <a:bodyPr wrap="square" rtlCol="0">
-            <a:spAutoFit/>
-          </a:bodyPr>
-          <a:lstStyle/>
-          <a:p>
-            <a:r>
-              <a:rPr lang="fr-FR" dirty="0"/>
-              <a:t>Le fichier HTML est associé a un fichier « style.css » chargé de la mise en forme.</a:t>
+              <a:t>Exemple avec du CSS intégré aux balises HTML </a:t>
             </a:r>
           </a:p>
         </p:txBody>
@@ -13827,12 +14147,12 @@
           <a:chExt cx="0" cy="0"/>
         </a:xfrm>
       </p:grpSpPr>
-      <p:sp useBgFill="1">
-        <p:nvSpPr>
-          <p:cNvPr id="8" name="Rectangle 7">
-            <a:extLst>
-              <a:ext uri="{FF2B5EF4-FFF2-40B4-BE49-F238E27FC236}">
-                <a16:creationId xmlns:a16="http://schemas.microsoft.com/office/drawing/2014/main" id="{827B839B-9ADE-406B-8590-F1CAEDED45A1}"/>
+      <p:sp>
+        <p:nvSpPr>
+          <p:cNvPr id="9" name="Rectangle 8">
+            <a:extLst>
+              <a:ext uri="{FF2B5EF4-FFF2-40B4-BE49-F238E27FC236}">
+                <a16:creationId xmlns:a16="http://schemas.microsoft.com/office/drawing/2014/main" id="{23962611-DFD5-4092-AAFD-559E3DFCE2C9}"/>
               </a:ext>
               <a:ext uri="{C183D7F6-B498-43B3-948B-1728B52AA6E4}">
                 <adec:decorative xmlns:adec="http://schemas.microsoft.com/office/drawing/2017/decorative" val="1"/>
@@ -13852,12 +14172,37 @@
         </p:nvSpPr>
         <p:spPr>
           <a:xfrm>
-            <a:off x="0" y="0"/>
-            <a:ext cx="12188952" cy="6858000"/>
+            <a:off x="475488" y="0"/>
+            <a:ext cx="10910292" cy="6858000"/>
           </a:xfrm>
           <a:prstGeom prst="rect">
             <a:avLst/>
           </a:prstGeom>
+          <a:gradFill>
+            <a:gsLst>
+              <a:gs pos="0">
+                <a:schemeClr val="accent1">
+                  <a:lumMod val="90000"/>
+                </a:schemeClr>
+              </a:gs>
+              <a:gs pos="25000">
+                <a:schemeClr val="accent1">
+                  <a:lumMod val="90000"/>
+                </a:schemeClr>
+              </a:gs>
+              <a:gs pos="94000">
+                <a:schemeClr val="bg2">
+                  <a:lumMod val="25000"/>
+                </a:schemeClr>
+              </a:gs>
+              <a:gs pos="100000">
+                <a:schemeClr val="bg2">
+                  <a:lumMod val="25000"/>
+                </a:schemeClr>
+              </a:gs>
+            </a:gsLst>
+            <a:lin ang="4200000" scaled="0"/>
+          </a:gradFill>
           <a:ln>
             <a:noFill/>
           </a:ln>
@@ -13887,21 +14232,21 @@
           </a:p>
         </p:txBody>
       </p:sp>
-      <p:sp>
-        <p:nvSpPr>
-          <p:cNvPr id="10" name="Freeform 45">
-            <a:extLst>
-              <a:ext uri="{FF2B5EF4-FFF2-40B4-BE49-F238E27FC236}">
-                <a16:creationId xmlns:a16="http://schemas.microsoft.com/office/drawing/2014/main" id="{CFE45BF0-46DB-408C-B5F7-7B11716805D4}"/>
+      <p:pic>
+        <p:nvPicPr>
+          <p:cNvPr id="11" name="Picture 10">
+            <a:extLst>
+              <a:ext uri="{FF2B5EF4-FFF2-40B4-BE49-F238E27FC236}">
+                <a16:creationId xmlns:a16="http://schemas.microsoft.com/office/drawing/2014/main" id="{2270F1FA-0425-408F-9861-80BF5AFB276D}"/>
               </a:ext>
               <a:ext uri="{C183D7F6-B498-43B3-948B-1728B52AA6E4}">
                 <adec:decorative xmlns:adec="http://schemas.microsoft.com/office/drawing/2017/decorative" val="1"/>
               </a:ext>
             </a:extLst>
           </p:cNvPr>
-          <p:cNvSpPr>
-            <a:spLocks noGrp="1" noRot="1" noChangeAspect="1" noMove="1" noResize="1" noEditPoints="1" noAdjustHandles="1" noChangeArrowheads="1" noChangeShapeType="1" noTextEdit="1"/>
-          </p:cNvSpPr>
+          <p:cNvPicPr>
+            <a:picLocks noGrp="1" noRot="1" noChangeAspect="1" noMove="1" noResize="1" noEditPoints="1" noAdjustHandles="1" noChangeArrowheads="1" noChangeShapeType="1" noCrop="1"/>
+          </p:cNvPicPr>
           <p:nvPr>
             <p:extLst>
               <p:ext uri="{386F3935-93C4-4BCD-93E2-E3B085C9AB24}">
@@ -13909,630 +14254,152 @@
               </p:ext>
             </p:extLst>
           </p:nvPr>
-        </p:nvSpPr>
-        <p:spPr bwMode="auto">
-          <a:xfrm>
-            <a:off x="409710" y="1022350"/>
-            <a:ext cx="709612" cy="2095501"/>
-          </a:xfrm>
-          <a:custGeom>
-            <a:avLst/>
-            <a:gdLst>
-              <a:gd name="T0" fmla="*/ 447 w 447"/>
-              <a:gd name="T1" fmla="*/ 1363 h 1363"/>
-              <a:gd name="T2" fmla="*/ 0 w 447"/>
-              <a:gd name="T3" fmla="*/ 987 h 1363"/>
-              <a:gd name="T4" fmla="*/ 0 w 447"/>
-              <a:gd name="T5" fmla="*/ 0 h 1363"/>
-              <a:gd name="T6" fmla="*/ 447 w 447"/>
-              <a:gd name="T7" fmla="*/ 376 h 1363"/>
-              <a:gd name="T8" fmla="*/ 447 w 447"/>
-              <a:gd name="T9" fmla="*/ 1363 h 1363"/>
-            </a:gdLst>
-            <a:ahLst/>
-            <a:cxnLst>
-              <a:cxn ang="0">
-                <a:pos x="T0" y="T1"/>
-              </a:cxn>
-              <a:cxn ang="0">
-                <a:pos x="T2" y="T3"/>
-              </a:cxn>
-              <a:cxn ang="0">
-                <a:pos x="T4" y="T5"/>
-              </a:cxn>
-              <a:cxn ang="0">
-                <a:pos x="T6" y="T7"/>
-              </a:cxn>
-              <a:cxn ang="0">
-                <a:pos x="T8" y="T9"/>
-              </a:cxn>
-            </a:cxnLst>
-            <a:rect l="0" t="0" r="r" b="b"/>
-            <a:pathLst>
-              <a:path w="447" h="1363">
-                <a:moveTo>
-                  <a:pt x="447" y="1363"/>
-                </a:moveTo>
-                <a:lnTo>
-                  <a:pt x="0" y="987"/>
-                </a:lnTo>
-                <a:lnTo>
-                  <a:pt x="0" y="0"/>
-                </a:lnTo>
-                <a:lnTo>
-                  <a:pt x="447" y="376"/>
-                </a:lnTo>
-                <a:lnTo>
-                  <a:pt x="447" y="1363"/>
-                </a:lnTo>
-                <a:close/>
-              </a:path>
-            </a:pathLst>
-          </a:custGeom>
-          <a:solidFill>
-            <a:schemeClr val="accent1">
-              <a:lumMod val="50000"/>
-            </a:schemeClr>
-          </a:solidFill>
-          <a:ln>
-            <a:noFill/>
-          </a:ln>
-        </p:spPr>
-        <p:txBody>
-          <a:bodyPr vert="horz" wrap="square" lIns="91440" tIns="45720" rIns="91440" bIns="45720" numCol="1" anchor="t" anchorCtr="0" compatLnSpc="1">
-            <a:prstTxWarp prst="textNoShape">
-              <a:avLst/>
-            </a:prstTxWarp>
-          </a:bodyPr>
-          <a:lstStyle/>
-          <a:p>
-            <a:endParaRPr lang="en-US"/>
-          </a:p>
-        </p:txBody>
-      </p:sp>
-      <p:sp>
-        <p:nvSpPr>
-          <p:cNvPr id="12" name="Freeform 46">
-            <a:extLst>
-              <a:ext uri="{FF2B5EF4-FFF2-40B4-BE49-F238E27FC236}">
-                <a16:creationId xmlns:a16="http://schemas.microsoft.com/office/drawing/2014/main" id="{2AEBC8F2-97B1-41B4-93F1-2D289E197FBA}"/>
-              </a:ext>
-              <a:ext uri="{C183D7F6-B498-43B3-948B-1728B52AA6E4}">
-                <adec:decorative xmlns:adec="http://schemas.microsoft.com/office/drawing/2017/decorative" val="1"/>
-              </a:ext>
-            </a:extLst>
-          </p:cNvPr>
-          <p:cNvSpPr>
-            <a:spLocks noGrp="1" noRot="1" noChangeAspect="1" noMove="1" noResize="1" noEditPoints="1" noAdjustHandles="1" noChangeArrowheads="1" noChangeShapeType="1" noTextEdit="1"/>
-          </p:cNvSpPr>
-          <p:nvPr>
-            <p:extLst>
-              <p:ext uri="{386F3935-93C4-4BCD-93E2-E3B085C9AB24}">
-                <p16:designElem xmlns:p16="http://schemas.microsoft.com/office/powerpoint/2015/main" val="1"/>
-              </p:ext>
-            </p:extLst>
-          </p:nvPr>
-        </p:nvSpPr>
-        <p:spPr bwMode="auto">
-          <a:xfrm>
-            <a:off x="409710" y="837744"/>
-            <a:ext cx="403225" cy="1705431"/>
-          </a:xfrm>
-          <a:custGeom>
-            <a:avLst/>
-            <a:gdLst>
-              <a:gd name="T0" fmla="*/ 254 w 254"/>
-              <a:gd name="T1" fmla="*/ 987 h 1109"/>
-              <a:gd name="T2" fmla="*/ 0 w 254"/>
-              <a:gd name="T3" fmla="*/ 1109 h 1109"/>
-              <a:gd name="T4" fmla="*/ 0 w 254"/>
-              <a:gd name="T5" fmla="*/ 119 h 1109"/>
-              <a:gd name="T6" fmla="*/ 254 w 254"/>
-              <a:gd name="T7" fmla="*/ 0 h 1109"/>
-              <a:gd name="T8" fmla="*/ 254 w 254"/>
-              <a:gd name="T9" fmla="*/ 987 h 1109"/>
-            </a:gdLst>
-            <a:ahLst/>
-            <a:cxnLst>
-              <a:cxn ang="0">
-                <a:pos x="T0" y="T1"/>
-              </a:cxn>
-              <a:cxn ang="0">
-                <a:pos x="T2" y="T3"/>
-              </a:cxn>
-              <a:cxn ang="0">
-                <a:pos x="T4" y="T5"/>
-              </a:cxn>
-              <a:cxn ang="0">
-                <a:pos x="T6" y="T7"/>
-              </a:cxn>
-              <a:cxn ang="0">
-                <a:pos x="T8" y="T9"/>
-              </a:cxn>
-            </a:cxnLst>
-            <a:rect l="0" t="0" r="r" b="b"/>
-            <a:pathLst>
-              <a:path w="254" h="1109">
-                <a:moveTo>
-                  <a:pt x="254" y="987"/>
-                </a:moveTo>
-                <a:lnTo>
-                  <a:pt x="0" y="1109"/>
-                </a:lnTo>
-                <a:lnTo>
-                  <a:pt x="0" y="119"/>
-                </a:lnTo>
-                <a:lnTo>
-                  <a:pt x="254" y="0"/>
-                </a:lnTo>
-                <a:lnTo>
-                  <a:pt x="254" y="987"/>
-                </a:lnTo>
-                <a:close/>
-              </a:path>
-            </a:pathLst>
-          </a:custGeom>
-          <a:solidFill>
-            <a:schemeClr val="accent1">
-              <a:lumMod val="75000"/>
-            </a:schemeClr>
-          </a:solidFill>
-          <a:ln>
-            <a:noFill/>
-          </a:ln>
-        </p:spPr>
-        <p:txBody>
-          <a:bodyPr vert="horz" wrap="square" lIns="91440" tIns="45720" rIns="91440" bIns="45720" numCol="1" anchor="t" anchorCtr="0" compatLnSpc="1">
-            <a:prstTxWarp prst="textNoShape">
-              <a:avLst/>
-            </a:prstTxWarp>
-          </a:bodyPr>
-          <a:lstStyle/>
-          <a:p>
-            <a:endParaRPr lang="en-US"/>
-          </a:p>
-        </p:txBody>
-      </p:sp>
-      <p:sp>
-        <p:nvSpPr>
-          <p:cNvPr id="14" name="Freeform 47">
-            <a:extLst>
-              <a:ext uri="{FF2B5EF4-FFF2-40B4-BE49-F238E27FC236}">
-                <a16:creationId xmlns:a16="http://schemas.microsoft.com/office/drawing/2014/main" id="{472E3A19-F5D5-48FC-BB9C-48C2F68F598B}"/>
-              </a:ext>
-              <a:ext uri="{C183D7F6-B498-43B3-948B-1728B52AA6E4}">
-                <adec:decorative xmlns:adec="http://schemas.microsoft.com/office/drawing/2017/decorative" val="1"/>
-              </a:ext>
-            </a:extLst>
-          </p:cNvPr>
-          <p:cNvSpPr>
-            <a:spLocks noGrp="1" noRot="1" noChangeAspect="1" noMove="1" noResize="1" noEditPoints="1" noAdjustHandles="1" noChangeArrowheads="1" noChangeShapeType="1" noTextEdit="1"/>
-          </p:cNvSpPr>
-          <p:nvPr>
-            <p:extLst>
-              <p:ext uri="{386F3935-93C4-4BCD-93E2-E3B085C9AB24}">
-                <p16:designElem xmlns:p16="http://schemas.microsoft.com/office/powerpoint/2015/main" val="1"/>
-              </p:ext>
-            </p:extLst>
-          </p:nvPr>
-        </p:nvSpPr>
-        <p:spPr bwMode="auto">
-          <a:xfrm>
-            <a:off x="644660" y="640894"/>
-            <a:ext cx="168275" cy="1713195"/>
-          </a:xfrm>
-          <a:custGeom>
-            <a:avLst/>
-            <a:gdLst>
-              <a:gd name="T0" fmla="*/ 106 w 106"/>
-              <a:gd name="T1" fmla="*/ 1114 h 1114"/>
-              <a:gd name="T2" fmla="*/ 0 w 106"/>
-              <a:gd name="T3" fmla="*/ 1005 h 1114"/>
-              <a:gd name="T4" fmla="*/ 0 w 106"/>
-              <a:gd name="T5" fmla="*/ 0 h 1114"/>
-              <a:gd name="T6" fmla="*/ 106 w 106"/>
-              <a:gd name="T7" fmla="*/ 110 h 1114"/>
-              <a:gd name="T8" fmla="*/ 106 w 106"/>
-              <a:gd name="T9" fmla="*/ 1114 h 1114"/>
-            </a:gdLst>
-            <a:ahLst/>
-            <a:cxnLst>
-              <a:cxn ang="0">
-                <a:pos x="T0" y="T1"/>
-              </a:cxn>
-              <a:cxn ang="0">
-                <a:pos x="T2" y="T3"/>
-              </a:cxn>
-              <a:cxn ang="0">
-                <a:pos x="T4" y="T5"/>
-              </a:cxn>
-              <a:cxn ang="0">
-                <a:pos x="T6" y="T7"/>
-              </a:cxn>
-              <a:cxn ang="0">
-                <a:pos x="T8" y="T9"/>
-              </a:cxn>
-            </a:cxnLst>
-            <a:rect l="0" t="0" r="r" b="b"/>
-            <a:pathLst>
-              <a:path w="106" h="1114">
-                <a:moveTo>
-                  <a:pt x="106" y="1114"/>
-                </a:moveTo>
-                <a:lnTo>
-                  <a:pt x="0" y="1005"/>
-                </a:lnTo>
-                <a:lnTo>
-                  <a:pt x="0" y="0"/>
-                </a:lnTo>
-                <a:lnTo>
-                  <a:pt x="106" y="110"/>
-                </a:lnTo>
-                <a:lnTo>
-                  <a:pt x="106" y="1114"/>
-                </a:lnTo>
-                <a:close/>
-              </a:path>
-            </a:pathLst>
-          </a:custGeom>
-          <a:solidFill>
-            <a:schemeClr val="accent1">
-              <a:lumMod val="50000"/>
-            </a:schemeClr>
-          </a:solidFill>
-          <a:ln>
-            <a:noFill/>
-          </a:ln>
-        </p:spPr>
-        <p:txBody>
-          <a:bodyPr vert="horz" wrap="square" lIns="91440" tIns="45720" rIns="91440" bIns="45720" numCol="1" anchor="t" anchorCtr="0" compatLnSpc="1">
-            <a:prstTxWarp prst="textNoShape">
-              <a:avLst/>
-            </a:prstTxWarp>
-          </a:bodyPr>
-          <a:lstStyle/>
-          <a:p>
-            <a:endParaRPr lang="en-US"/>
-          </a:p>
-        </p:txBody>
-      </p:sp>
-      <p:sp>
-        <p:nvSpPr>
-          <p:cNvPr id="16" name="Freeform 44">
-            <a:extLst>
-              <a:ext uri="{FF2B5EF4-FFF2-40B4-BE49-F238E27FC236}">
-                <a16:creationId xmlns:a16="http://schemas.microsoft.com/office/drawing/2014/main" id="{7A62E32F-BB65-43A8-8EB5-92346890E549}"/>
-              </a:ext>
-              <a:ext uri="{C183D7F6-B498-43B3-948B-1728B52AA6E4}">
-                <adec:decorative xmlns:adec="http://schemas.microsoft.com/office/drawing/2017/decorative" val="1"/>
-              </a:ext>
-            </a:extLst>
-          </p:cNvPr>
-          <p:cNvSpPr>
-            <a:spLocks noGrp="1" noRot="1" noChangeAspect="1" noMove="1" noResize="1" noEditPoints="1" noAdjustHandles="1" noChangeArrowheads="1" noChangeShapeType="1" noTextEdit="1"/>
-          </p:cNvSpPr>
-          <p:nvPr>
-            <p:extLst>
-              <p:ext uri="{386F3935-93C4-4BCD-93E2-E3B085C9AB24}">
-                <p16:designElem xmlns:p16="http://schemas.microsoft.com/office/powerpoint/2015/main" val="1"/>
-              </p:ext>
-            </p:extLst>
-          </p:nvPr>
-        </p:nvSpPr>
-        <p:spPr bwMode="auto">
-          <a:xfrm>
-            <a:off x="11223203" y="635716"/>
-            <a:ext cx="328612" cy="1742360"/>
-          </a:xfrm>
-          <a:custGeom>
-            <a:avLst/>
-            <a:gdLst>
-              <a:gd name="T0" fmla="*/ 207 w 207"/>
-              <a:gd name="T1" fmla="*/ 987 h 1114"/>
-              <a:gd name="T2" fmla="*/ 0 w 207"/>
-              <a:gd name="T3" fmla="*/ 1114 h 1114"/>
-              <a:gd name="T4" fmla="*/ 0 w 207"/>
-              <a:gd name="T5" fmla="*/ 127 h 1114"/>
-              <a:gd name="T6" fmla="*/ 207 w 207"/>
-              <a:gd name="T7" fmla="*/ 0 h 1114"/>
-              <a:gd name="T8" fmla="*/ 207 w 207"/>
-              <a:gd name="T9" fmla="*/ 987 h 1114"/>
-            </a:gdLst>
-            <a:ahLst/>
-            <a:cxnLst>
-              <a:cxn ang="0">
-                <a:pos x="T0" y="T1"/>
-              </a:cxn>
-              <a:cxn ang="0">
-                <a:pos x="T2" y="T3"/>
-              </a:cxn>
-              <a:cxn ang="0">
-                <a:pos x="T4" y="T5"/>
-              </a:cxn>
-              <a:cxn ang="0">
-                <a:pos x="T6" y="T7"/>
-              </a:cxn>
-              <a:cxn ang="0">
-                <a:pos x="T8" y="T9"/>
-              </a:cxn>
-            </a:cxnLst>
-            <a:rect l="0" t="0" r="r" b="b"/>
-            <a:pathLst>
-              <a:path w="207" h="1114">
-                <a:moveTo>
-                  <a:pt x="207" y="987"/>
-                </a:moveTo>
-                <a:lnTo>
-                  <a:pt x="0" y="1114"/>
-                </a:lnTo>
-                <a:lnTo>
-                  <a:pt x="0" y="127"/>
-                </a:lnTo>
-                <a:lnTo>
-                  <a:pt x="207" y="0"/>
-                </a:lnTo>
-                <a:lnTo>
-                  <a:pt x="207" y="987"/>
-                </a:lnTo>
-                <a:close/>
-              </a:path>
-            </a:pathLst>
-          </a:custGeom>
-          <a:solidFill>
-            <a:schemeClr val="accent1">
-              <a:lumMod val="50000"/>
-            </a:schemeClr>
-          </a:solidFill>
-          <a:ln>
-            <a:noFill/>
-          </a:ln>
-        </p:spPr>
-        <p:txBody>
-          <a:bodyPr vert="horz" wrap="square" lIns="91440" tIns="45720" rIns="91440" bIns="45720" numCol="1" anchor="t" anchorCtr="0" compatLnSpc="1">
-            <a:prstTxWarp prst="textNoShape">
-              <a:avLst/>
-            </a:prstTxWarp>
-          </a:bodyPr>
-          <a:lstStyle/>
-          <a:p>
-            <a:endParaRPr lang="en-US"/>
-          </a:p>
-        </p:txBody>
-      </p:sp>
-      <p:sp>
-        <p:nvSpPr>
-          <p:cNvPr id="18" name="Rectangle 17">
-            <a:extLst>
-              <a:ext uri="{FF2B5EF4-FFF2-40B4-BE49-F238E27FC236}">
-                <a16:creationId xmlns:a16="http://schemas.microsoft.com/office/drawing/2014/main" id="{14E91B64-9FCC-451E-AFB4-A827D6329367}"/>
-              </a:ext>
-              <a:ext uri="{C183D7F6-B498-43B3-948B-1728B52AA6E4}">
-                <adec:decorative xmlns:adec="http://schemas.microsoft.com/office/drawing/2017/decorative" val="1"/>
-              </a:ext>
-            </a:extLst>
-          </p:cNvPr>
-          <p:cNvSpPr>
-            <a:spLocks noGrp="1" noRot="1" noChangeAspect="1" noMove="1" noResize="1" noEditPoints="1" noAdjustHandles="1" noChangeArrowheads="1" noChangeShapeType="1" noTextEdit="1"/>
-          </p:cNvSpPr>
-          <p:nvPr>
-            <p:extLst>
-              <p:ext uri="{386F3935-93C4-4BCD-93E2-E3B085C9AB24}">
-                <p16:designElem xmlns:p16="http://schemas.microsoft.com/office/powerpoint/2015/main" val="1"/>
-              </p:ext>
-            </p:extLst>
-          </p:nvPr>
-        </p:nvSpPr>
-        <p:spPr bwMode="auto">
-          <a:xfrm>
-            <a:off x="644055" y="635715"/>
-            <a:ext cx="10907863" cy="1541457"/>
-          </a:xfrm>
-          <a:prstGeom prst="rect">
-            <a:avLst/>
-          </a:prstGeom>
-          <a:solidFill>
-            <a:schemeClr val="accent1"/>
-          </a:solidFill>
-          <a:ln>
-            <a:noFill/>
-          </a:ln>
-        </p:spPr>
-        <p:txBody>
-          <a:bodyPr vert="horz" wrap="square" lIns="91440" tIns="45720" rIns="91440" bIns="45720" numCol="1" anchor="t" anchorCtr="0" compatLnSpc="1">
-            <a:prstTxWarp prst="textNoShape">
-              <a:avLst/>
-            </a:prstTxWarp>
-          </a:bodyPr>
-          <a:lstStyle/>
-          <a:p>
-            <a:endParaRPr lang="en-US"/>
-          </a:p>
-        </p:txBody>
-      </p:sp>
-      <p:sp>
-        <p:nvSpPr>
-          <p:cNvPr id="2" name="Titre 1">
-            <a:extLst>
-              <a:ext uri="{FF2B5EF4-FFF2-40B4-BE49-F238E27FC236}">
-                <a16:creationId xmlns:a16="http://schemas.microsoft.com/office/drawing/2014/main" id="{787733BC-219D-49C7-B5B4-F7CD9774C6A4}"/>
-              </a:ext>
-            </a:extLst>
-          </p:cNvPr>
-          <p:cNvSpPr>
-            <a:spLocks noGrp="1"/>
-          </p:cNvSpPr>
-          <p:nvPr>
-            <p:ph type="title"/>
-          </p:nvPr>
-        </p:nvSpPr>
-        <p:spPr>
-          <a:xfrm>
-            <a:off x="958506" y="800392"/>
-            <a:ext cx="10264697" cy="1212102"/>
-          </a:xfrm>
-        </p:spPr>
-        <p:txBody>
-          <a:bodyPr>
-            <a:normAutofit/>
-          </a:bodyPr>
-          <a:lstStyle/>
-          <a:p>
-            <a:r>
-              <a:rPr lang="fr-FR" sz="4000" dirty="0">
-                <a:solidFill>
-                  <a:srgbClr val="FFFFFF"/>
-                </a:solidFill>
-              </a:rPr>
-              <a:t>CSS</a:t>
-            </a:r>
-          </a:p>
-        </p:txBody>
-      </p:sp>
-      <p:sp>
-        <p:nvSpPr>
-          <p:cNvPr id="9" name="Espace réservé du numéro de diapositive 8">
-            <a:extLst>
-              <a:ext uri="{FF2B5EF4-FFF2-40B4-BE49-F238E27FC236}">
-                <a16:creationId xmlns:a16="http://schemas.microsoft.com/office/drawing/2014/main" id="{F3EDF272-70D0-418F-B1E4-090F125EAE69}"/>
-              </a:ext>
-            </a:extLst>
-          </p:cNvPr>
-          <p:cNvSpPr>
-            <a:spLocks noGrp="1"/>
-          </p:cNvSpPr>
-          <p:nvPr>
-            <p:ph type="sldNum" sz="quarter" idx="12"/>
-          </p:nvPr>
-        </p:nvSpPr>
-        <p:spPr/>
-        <p:txBody>
-          <a:bodyPr/>
-          <a:lstStyle/>
-          <a:p>
-            <a:fld id="{F8323CC4-5E62-4ADB-BC7C-89B23C89378E}" type="slidenum">
-              <a:rPr lang="fr-FR" smtClean="0"/>
-              <a:t>25</a:t>
-            </a:fld>
-            <a:endParaRPr lang="fr-FR"/>
-          </a:p>
-        </p:txBody>
-      </p:sp>
-      <p:pic>
-        <p:nvPicPr>
-          <p:cNvPr id="21" name="Image 20">
-            <a:extLst>
-              <a:ext uri="{FF2B5EF4-FFF2-40B4-BE49-F238E27FC236}">
-                <a16:creationId xmlns:a16="http://schemas.microsoft.com/office/drawing/2014/main" id="{8CEC669A-BF11-492F-8D9B-8C642E5E0AEB}"/>
-              </a:ext>
-            </a:extLst>
-          </p:cNvPr>
-          <p:cNvPicPr>
-            <a:picLocks noChangeAspect="1"/>
-          </p:cNvPicPr>
-          <p:nvPr/>
         </p:nvPicPr>
         <p:blipFill>
-          <a:blip r:embed="rId2"/>
+          <a:blip r:embed="rId2">
+            <a:extLst>
+              <a:ext uri="{28A0092B-C50C-407E-A947-70E740481C1C}">
+                <a14:useLocalDpi xmlns:a14="http://schemas.microsoft.com/office/drawing/2010/main" val="0"/>
+              </a:ext>
+            </a:extLst>
+          </a:blip>
           <a:stretch>
             <a:fillRect/>
           </a:stretch>
         </p:blipFill>
         <p:spPr>
           <a:xfrm>
-            <a:off x="5568217" y="3365651"/>
-            <a:ext cx="5202525" cy="688454"/>
+            <a:off x="0" y="0"/>
+            <a:ext cx="12192000" cy="6858000"/>
           </a:xfrm>
           <a:prstGeom prst="rect">
             <a:avLst/>
           </a:prstGeom>
         </p:spPr>
       </p:pic>
-      <p:pic>
-        <p:nvPicPr>
-          <p:cNvPr id="23" name="Image 22">
-            <a:extLst>
-              <a:ext uri="{FF2B5EF4-FFF2-40B4-BE49-F238E27FC236}">
-                <a16:creationId xmlns:a16="http://schemas.microsoft.com/office/drawing/2014/main" id="{50C13BC9-0314-44AB-98D6-4BDC993F1188}"/>
-              </a:ext>
-            </a:extLst>
-          </p:cNvPr>
-          <p:cNvPicPr>
-            <a:picLocks noChangeAspect="1"/>
-          </p:cNvPicPr>
+      <p:sp>
+        <p:nvSpPr>
+          <p:cNvPr id="2" name="Titre 1">
+            <a:extLst>
+              <a:ext uri="{FF2B5EF4-FFF2-40B4-BE49-F238E27FC236}">
+                <a16:creationId xmlns:a16="http://schemas.microsoft.com/office/drawing/2014/main" id="{AEF9E91C-9F1A-4BEE-A693-D76078DE9F48}"/>
+              </a:ext>
+            </a:extLst>
+          </p:cNvPr>
+          <p:cNvSpPr>
+            <a:spLocks noGrp="1"/>
+          </p:cNvSpPr>
+          <p:nvPr>
+            <p:ph type="title"/>
+          </p:nvPr>
+        </p:nvSpPr>
+        <p:spPr>
+          <a:xfrm>
+            <a:off x="3045368" y="2043663"/>
+            <a:ext cx="6105194" cy="2031055"/>
+          </a:xfrm>
+        </p:spPr>
+        <p:txBody>
+          <a:bodyPr vert="horz" lIns="91440" tIns="45720" rIns="91440" bIns="45720" rtlCol="0" anchor="b">
+            <a:normAutofit/>
+          </a:bodyPr>
+          <a:lstStyle/>
+          <a:p>
+            <a:pPr algn="ctr"/>
+            <a:r>
+              <a:rPr lang="en-US" sz="6000" kern="1200">
+                <a:solidFill>
+                  <a:srgbClr val="FFFFFF"/>
+                </a:solidFill>
+                <a:latin typeface="+mj-lt"/>
+                <a:ea typeface="+mj-ea"/>
+                <a:cs typeface="+mj-cs"/>
+              </a:rPr>
+              <a:t>Exercice 7 – Mise en forme </a:t>
+            </a:r>
+          </a:p>
+        </p:txBody>
+      </p:sp>
+      <p:sp>
+        <p:nvSpPr>
+          <p:cNvPr id="4" name="Espace réservé du numéro de diapositive 3">
+            <a:extLst>
+              <a:ext uri="{FF2B5EF4-FFF2-40B4-BE49-F238E27FC236}">
+                <a16:creationId xmlns:a16="http://schemas.microsoft.com/office/drawing/2014/main" id="{74F3023A-B7CB-4C5A-A04F-98974204E143}"/>
+              </a:ext>
+            </a:extLst>
+          </p:cNvPr>
+          <p:cNvSpPr>
+            <a:spLocks noGrp="1"/>
+          </p:cNvSpPr>
+          <p:nvPr>
+            <p:ph type="sldNum" sz="quarter" idx="12"/>
+          </p:nvPr>
+        </p:nvSpPr>
+        <p:spPr>
+          <a:xfrm>
+            <a:off x="10825930" y="6223702"/>
+            <a:ext cx="570728" cy="314067"/>
+          </a:xfrm>
+        </p:spPr>
+        <p:txBody>
+          <a:bodyPr vert="horz" lIns="91440" tIns="45720" rIns="91440" bIns="45720" rtlCol="0" anchor="ctr">
+            <a:normAutofit/>
+          </a:bodyPr>
+          <a:lstStyle/>
+          <a:p>
+            <a:pPr>
+              <a:spcAft>
+                <a:spcPts val="600"/>
+              </a:spcAft>
+            </a:pPr>
+            <a:fld id="{F8323CC4-5E62-4ADB-BC7C-89B23C89378E}" type="slidenum">
+              <a:rPr lang="en-US" sz="1000">
+                <a:solidFill>
+                  <a:srgbClr val="898989"/>
+                </a:solidFill>
+              </a:rPr>
+              <a:pPr>
+                <a:spcAft>
+                  <a:spcPts val="600"/>
+                </a:spcAft>
+              </a:pPr>
+              <a:t>25</a:t>
+            </a:fld>
+            <a:endParaRPr lang="en-US" sz="1000">
+              <a:solidFill>
+                <a:srgbClr val="898989"/>
+              </a:solidFill>
+            </a:endParaRPr>
+          </a:p>
+        </p:txBody>
+      </p:sp>
+      <p:sp>
+        <p:nvSpPr>
+          <p:cNvPr id="6" name="Rectangle 5">
+            <a:extLst>
+              <a:ext uri="{FF2B5EF4-FFF2-40B4-BE49-F238E27FC236}">
+                <a16:creationId xmlns:a16="http://schemas.microsoft.com/office/drawing/2014/main" id="{AD28A3D1-D9BD-4A35-A7B7-348F2F564EF3}"/>
+              </a:ext>
+            </a:extLst>
+          </p:cNvPr>
+          <p:cNvSpPr/>
           <p:nvPr/>
-        </p:nvPicPr>
-        <p:blipFill>
-          <a:blip r:embed="rId3"/>
-          <a:stretch>
-            <a:fillRect/>
-          </a:stretch>
-        </p:blipFill>
+        </p:nvSpPr>
         <p:spPr>
           <a:xfrm>
-            <a:off x="1421258" y="2861300"/>
-            <a:ext cx="3629532" cy="1819529"/>
+            <a:off x="3045368" y="4493623"/>
+            <a:ext cx="6322422" cy="1123406"/>
           </a:xfrm>
           <a:prstGeom prst="rect">
             <a:avLst/>
           </a:prstGeom>
-        </p:spPr>
-      </p:pic>
-      <p:pic>
-        <p:nvPicPr>
-          <p:cNvPr id="31" name="Image 30">
-            <a:extLst>
-              <a:ext uri="{FF2B5EF4-FFF2-40B4-BE49-F238E27FC236}">
-                <a16:creationId xmlns:a16="http://schemas.microsoft.com/office/drawing/2014/main" id="{1C7C9B1E-D2A0-4210-A1AD-75FDC0835E1D}"/>
-              </a:ext>
-            </a:extLst>
-          </p:cNvPr>
-          <p:cNvPicPr>
-            <a:picLocks noChangeAspect="1"/>
-          </p:cNvPicPr>
-          <p:nvPr/>
-        </p:nvPicPr>
-        <p:blipFill>
-          <a:blip r:embed="rId4"/>
-          <a:stretch>
-            <a:fillRect/>
-          </a:stretch>
-        </p:blipFill>
-        <p:spPr>
-          <a:xfrm>
-            <a:off x="3800815" y="5324080"/>
-            <a:ext cx="3896269" cy="1467055"/>
-          </a:xfrm>
-          <a:prstGeom prst="rect">
-            <a:avLst/>
-          </a:prstGeom>
-        </p:spPr>
-      </p:pic>
-      <p:sp>
-        <p:nvSpPr>
-          <p:cNvPr id="32" name="Rectangle 31">
-            <a:extLst>
-              <a:ext uri="{FF2B5EF4-FFF2-40B4-BE49-F238E27FC236}">
-                <a16:creationId xmlns:a16="http://schemas.microsoft.com/office/drawing/2014/main" id="{852BC564-0775-47C9-8CB6-66816AA21E8E}"/>
-              </a:ext>
-            </a:extLst>
-          </p:cNvPr>
-          <p:cNvSpPr/>
-          <p:nvPr/>
-        </p:nvSpPr>
-        <p:spPr>
-          <a:xfrm>
-            <a:off x="5748950" y="3365651"/>
-            <a:ext cx="1231272" cy="226593"/>
-          </a:xfrm>
-          <a:prstGeom prst="rect">
-            <a:avLst/>
-          </a:prstGeom>
-          <a:noFill/>
-          <a:ln>
-            <a:solidFill>
-              <a:srgbClr val="FF0000"/>
-            </a:solidFill>
-          </a:ln>
+          <a:solidFill>
+            <a:schemeClr val="tx2">
+              <a:lumMod val="40000"/>
+              <a:lumOff val="60000"/>
+            </a:schemeClr>
+          </a:solidFill>
         </p:spPr>
         <p:style>
           <a:lnRef idx="2">
@@ -14555,239 +14422,21 @@
           <a:lstStyle/>
           <a:p>
             <a:pPr algn="ctr"/>
-            <a:endParaRPr lang="fr-FR"/>
-          </a:p>
-        </p:txBody>
-      </p:sp>
-      <p:sp>
-        <p:nvSpPr>
-          <p:cNvPr id="33" name="Rectangle 32">
-            <a:extLst>
-              <a:ext uri="{FF2B5EF4-FFF2-40B4-BE49-F238E27FC236}">
-                <a16:creationId xmlns:a16="http://schemas.microsoft.com/office/drawing/2014/main" id="{D3AA3FBE-B1AA-4904-A3AF-8F74B235A7CA}"/>
-              </a:ext>
-            </a:extLst>
-          </p:cNvPr>
-          <p:cNvSpPr/>
-          <p:nvPr/>
-        </p:nvSpPr>
-        <p:spPr>
-          <a:xfrm>
-            <a:off x="8321879" y="3771064"/>
-            <a:ext cx="654341" cy="251116"/>
-          </a:xfrm>
-          <a:prstGeom prst="rect">
-            <a:avLst/>
-          </a:prstGeom>
-          <a:noFill/>
-          <a:ln>
-            <a:solidFill>
-              <a:srgbClr val="FF0000"/>
-            </a:solidFill>
-          </a:ln>
-        </p:spPr>
-        <p:style>
-          <a:lnRef idx="2">
-            <a:schemeClr val="accent1">
-              <a:shade val="50000"/>
-            </a:schemeClr>
-          </a:lnRef>
-          <a:fillRef idx="1">
-            <a:schemeClr val="accent1"/>
-          </a:fillRef>
-          <a:effectRef idx="0">
-            <a:schemeClr val="accent1"/>
-          </a:effectRef>
-          <a:fontRef idx="minor">
-            <a:schemeClr val="lt1"/>
-          </a:fontRef>
-        </p:style>
-        <p:txBody>
-          <a:bodyPr rtlCol="0" anchor="ctr"/>
-          <a:lstStyle/>
-          <a:p>
-            <a:pPr algn="ctr"/>
-            <a:endParaRPr lang="fr-FR"/>
-          </a:p>
-        </p:txBody>
-      </p:sp>
-      <p:sp>
-        <p:nvSpPr>
-          <p:cNvPr id="34" name="ZoneTexte 33">
-            <a:extLst>
-              <a:ext uri="{FF2B5EF4-FFF2-40B4-BE49-F238E27FC236}">
-                <a16:creationId xmlns:a16="http://schemas.microsoft.com/office/drawing/2014/main" id="{D4FB9192-878B-450C-972F-C55F72F87901}"/>
-              </a:ext>
-            </a:extLst>
-          </p:cNvPr>
-          <p:cNvSpPr txBox="1"/>
-          <p:nvPr/>
-        </p:nvSpPr>
-        <p:spPr>
-          <a:xfrm>
-            <a:off x="1421258" y="2265028"/>
-            <a:ext cx="5365436" cy="461665"/>
-          </a:xfrm>
-          <a:prstGeom prst="rect">
-            <a:avLst/>
-          </a:prstGeom>
-          <a:noFill/>
-        </p:spPr>
-        <p:txBody>
-          <a:bodyPr wrap="square" rtlCol="0">
-            <a:spAutoFit/>
-          </a:bodyPr>
-          <a:lstStyle/>
-          <a:p>
-            <a:pPr marL="285750" indent="-285750">
-              <a:buFont typeface="Arial" panose="020B0604020202020204" pitchFamily="34" charset="0"/>
-              <a:buChar char="•"/>
-            </a:pPr>
             <a:r>
-              <a:rPr lang="fr-FR" sz="2400" dirty="0"/>
-              <a:t>Utilisation de classes et </a:t>
+              <a:rPr lang="fr-FR" dirty="0">
+                <a:solidFill>
+                  <a:schemeClr val="tx1"/>
+                </a:solidFill>
+              </a:rPr>
+              <a:t>Utilisez du CSS afin de différencier les professeurs et les étudiants</a:t>
             </a:r>
-            <a:r>
-              <a:rPr lang="fr-FR" sz="2400" dirty="0" err="1"/>
-              <a:t>d’id</a:t>
-            </a:r>
-            <a:endParaRPr lang="fr-FR" sz="2400" dirty="0"/>
-          </a:p>
-        </p:txBody>
-      </p:sp>
-      <p:cxnSp>
-        <p:nvCxnSpPr>
-          <p:cNvPr id="36" name="Connecteur droit avec flèche 35">
-            <a:extLst>
-              <a:ext uri="{FF2B5EF4-FFF2-40B4-BE49-F238E27FC236}">
-                <a16:creationId xmlns:a16="http://schemas.microsoft.com/office/drawing/2014/main" id="{130A4C7B-5C03-4BE2-B023-4FC500AC7228}"/>
-              </a:ext>
-            </a:extLst>
-          </p:cNvPr>
-          <p:cNvCxnSpPr/>
-          <p:nvPr/>
-        </p:nvCxnSpPr>
-        <p:spPr>
-          <a:xfrm>
-            <a:off x="2667699" y="2986481"/>
-            <a:ext cx="3081251" cy="379170"/>
-          </a:xfrm>
-          <a:prstGeom prst="straightConnector1">
-            <a:avLst/>
-          </a:prstGeom>
-          <a:ln>
-            <a:solidFill>
-              <a:srgbClr val="FF0000"/>
-            </a:solidFill>
-            <a:tailEnd type="triangle"/>
-          </a:ln>
-        </p:spPr>
-        <p:style>
-          <a:lnRef idx="1">
-            <a:schemeClr val="accent1"/>
-          </a:lnRef>
-          <a:fillRef idx="0">
-            <a:schemeClr val="accent1"/>
-          </a:fillRef>
-          <a:effectRef idx="0">
-            <a:schemeClr val="accent1"/>
-          </a:effectRef>
-          <a:fontRef idx="minor">
-            <a:schemeClr val="tx1"/>
-          </a:fontRef>
-        </p:style>
-      </p:cxnSp>
-      <p:cxnSp>
-        <p:nvCxnSpPr>
-          <p:cNvPr id="38" name="Connecteur droit 37">
-            <a:extLst>
-              <a:ext uri="{FF2B5EF4-FFF2-40B4-BE49-F238E27FC236}">
-                <a16:creationId xmlns:a16="http://schemas.microsoft.com/office/drawing/2014/main" id="{B5FF939F-C3C5-4602-9D1D-79A5A25CEC17}"/>
-              </a:ext>
-            </a:extLst>
-          </p:cNvPr>
-          <p:cNvCxnSpPr>
-            <a:cxnSpLocks/>
-          </p:cNvCxnSpPr>
-          <p:nvPr/>
-        </p:nvCxnSpPr>
-        <p:spPr>
-          <a:xfrm>
-            <a:off x="2013358" y="3917659"/>
-            <a:ext cx="6597242" cy="429936"/>
-          </a:xfrm>
-          <a:prstGeom prst="line">
-            <a:avLst/>
-          </a:prstGeom>
-          <a:ln>
-            <a:solidFill>
-              <a:srgbClr val="FF0000"/>
-            </a:solidFill>
-          </a:ln>
-        </p:spPr>
-        <p:style>
-          <a:lnRef idx="1">
-            <a:schemeClr val="accent1"/>
-          </a:lnRef>
-          <a:fillRef idx="0">
-            <a:schemeClr val="accent1"/>
-          </a:fillRef>
-          <a:effectRef idx="0">
-            <a:schemeClr val="accent1"/>
-          </a:effectRef>
-          <a:fontRef idx="minor">
-            <a:schemeClr val="tx1"/>
-          </a:fontRef>
-        </p:style>
-      </p:cxnSp>
-      <p:cxnSp>
-        <p:nvCxnSpPr>
-          <p:cNvPr id="40" name="Connecteur droit avec flèche 39">
-            <a:extLst>
-              <a:ext uri="{FF2B5EF4-FFF2-40B4-BE49-F238E27FC236}">
-                <a16:creationId xmlns:a16="http://schemas.microsoft.com/office/drawing/2014/main" id="{012D1319-1421-4481-ACD6-6A25F32C320F}"/>
-              </a:ext>
-            </a:extLst>
-          </p:cNvPr>
-          <p:cNvCxnSpPr>
-            <a:cxnSpLocks/>
-          </p:cNvCxnSpPr>
-          <p:nvPr/>
-        </p:nvCxnSpPr>
-        <p:spPr>
-          <a:xfrm flipV="1">
-            <a:off x="8610600" y="4022181"/>
-            <a:ext cx="0" cy="325414"/>
-          </a:xfrm>
-          <a:prstGeom prst="straightConnector1">
-            <a:avLst/>
-          </a:prstGeom>
-          <a:ln>
-            <a:solidFill>
-              <a:srgbClr val="FF0000"/>
-            </a:solidFill>
-            <a:tailEnd type="triangle"/>
-          </a:ln>
-        </p:spPr>
-        <p:style>
-          <a:lnRef idx="1">
-            <a:schemeClr val="accent1"/>
-          </a:lnRef>
-          <a:fillRef idx="0">
-            <a:schemeClr val="accent1"/>
-          </a:fillRef>
-          <a:effectRef idx="0">
-            <a:schemeClr val="accent1"/>
-          </a:effectRef>
-          <a:fontRef idx="minor">
-            <a:schemeClr val="tx1"/>
-          </a:fontRef>
-        </p:style>
-      </p:cxnSp>
+          </a:p>
+        </p:txBody>
+      </p:sp>
     </p:spTree>
     <p:extLst>
       <p:ext uri="{BB962C8B-B14F-4D97-AF65-F5344CB8AC3E}">
-        <p14:creationId xmlns:p14="http://schemas.microsoft.com/office/powerpoint/2010/main" val="3567119921"/>
+        <p14:creationId xmlns:p14="http://schemas.microsoft.com/office/powerpoint/2010/main" val="2800563334"/>
       </p:ext>
     </p:extLst>
   </p:cSld>
@@ -14822,12 +14471,12 @@
           <a:chExt cx="0" cy="0"/>
         </a:xfrm>
       </p:grpSpPr>
-      <p:sp>
-        <p:nvSpPr>
-          <p:cNvPr id="9" name="Rectangle 8">
-            <a:extLst>
-              <a:ext uri="{FF2B5EF4-FFF2-40B4-BE49-F238E27FC236}">
-                <a16:creationId xmlns:a16="http://schemas.microsoft.com/office/drawing/2014/main" id="{23962611-DFD5-4092-AAFD-559E3DFCE2C9}"/>
+      <p:sp useBgFill="1">
+        <p:nvSpPr>
+          <p:cNvPr id="8" name="Rectangle 7">
+            <a:extLst>
+              <a:ext uri="{FF2B5EF4-FFF2-40B4-BE49-F238E27FC236}">
+                <a16:creationId xmlns:a16="http://schemas.microsoft.com/office/drawing/2014/main" id="{827B839B-9ADE-406B-8590-F1CAEDED45A1}"/>
               </a:ext>
               <a:ext uri="{C183D7F6-B498-43B3-948B-1728B52AA6E4}">
                 <adec:decorative xmlns:adec="http://schemas.microsoft.com/office/drawing/2017/decorative" val="1"/>
@@ -14847,37 +14496,12 @@
         </p:nvSpPr>
         <p:spPr>
           <a:xfrm>
-            <a:off x="475488" y="0"/>
-            <a:ext cx="10910292" cy="6858000"/>
+            <a:off x="0" y="0"/>
+            <a:ext cx="12188952" cy="6858000"/>
           </a:xfrm>
           <a:prstGeom prst="rect">
             <a:avLst/>
           </a:prstGeom>
-          <a:gradFill>
-            <a:gsLst>
-              <a:gs pos="0">
-                <a:schemeClr val="accent1">
-                  <a:lumMod val="90000"/>
-                </a:schemeClr>
-              </a:gs>
-              <a:gs pos="25000">
-                <a:schemeClr val="accent1">
-                  <a:lumMod val="90000"/>
-                </a:schemeClr>
-              </a:gs>
-              <a:gs pos="94000">
-                <a:schemeClr val="bg2">
-                  <a:lumMod val="25000"/>
-                </a:schemeClr>
-              </a:gs>
-              <a:gs pos="100000">
-                <a:schemeClr val="bg2">
-                  <a:lumMod val="25000"/>
-                </a:schemeClr>
-              </a:gs>
-            </a:gsLst>
-            <a:lin ang="4200000" scaled="0"/>
-          </a:gradFill>
           <a:ln>
             <a:noFill/>
           </a:ln>
@@ -14907,21 +14531,21 @@
           </a:p>
         </p:txBody>
       </p:sp>
-      <p:pic>
-        <p:nvPicPr>
-          <p:cNvPr id="11" name="Picture 10">
-            <a:extLst>
-              <a:ext uri="{FF2B5EF4-FFF2-40B4-BE49-F238E27FC236}">
-                <a16:creationId xmlns:a16="http://schemas.microsoft.com/office/drawing/2014/main" id="{2270F1FA-0425-408F-9861-80BF5AFB276D}"/>
+      <p:sp>
+        <p:nvSpPr>
+          <p:cNvPr id="10" name="Freeform 45">
+            <a:extLst>
+              <a:ext uri="{FF2B5EF4-FFF2-40B4-BE49-F238E27FC236}">
+                <a16:creationId xmlns:a16="http://schemas.microsoft.com/office/drawing/2014/main" id="{CFE45BF0-46DB-408C-B5F7-7B11716805D4}"/>
               </a:ext>
               <a:ext uri="{C183D7F6-B498-43B3-948B-1728B52AA6E4}">
                 <adec:decorative xmlns:adec="http://schemas.microsoft.com/office/drawing/2017/decorative" val="1"/>
               </a:ext>
             </a:extLst>
           </p:cNvPr>
-          <p:cNvPicPr>
-            <a:picLocks noGrp="1" noRot="1" noChangeAspect="1" noMove="1" noResize="1" noEditPoints="1" noAdjustHandles="1" noChangeArrowheads="1" noChangeShapeType="1" noCrop="1"/>
-          </p:cNvPicPr>
+          <p:cNvSpPr>
+            <a:spLocks noGrp="1" noRot="1" noChangeAspect="1" noMove="1" noResize="1" noEditPoints="1" noAdjustHandles="1" noChangeArrowheads="1" noChangeShapeType="1" noTextEdit="1"/>
+          </p:cNvSpPr>
           <p:nvPr>
             <p:extLst>
               <p:ext uri="{386F3935-93C4-4BCD-93E2-E3B085C9AB24}">
@@ -14929,23 +14553,538 @@
               </p:ext>
             </p:extLst>
           </p:nvPr>
+        </p:nvSpPr>
+        <p:spPr bwMode="auto">
+          <a:xfrm>
+            <a:off x="409710" y="1022350"/>
+            <a:ext cx="709612" cy="2095501"/>
+          </a:xfrm>
+          <a:custGeom>
+            <a:avLst/>
+            <a:gdLst>
+              <a:gd name="T0" fmla="*/ 447 w 447"/>
+              <a:gd name="T1" fmla="*/ 1363 h 1363"/>
+              <a:gd name="T2" fmla="*/ 0 w 447"/>
+              <a:gd name="T3" fmla="*/ 987 h 1363"/>
+              <a:gd name="T4" fmla="*/ 0 w 447"/>
+              <a:gd name="T5" fmla="*/ 0 h 1363"/>
+              <a:gd name="T6" fmla="*/ 447 w 447"/>
+              <a:gd name="T7" fmla="*/ 376 h 1363"/>
+              <a:gd name="T8" fmla="*/ 447 w 447"/>
+              <a:gd name="T9" fmla="*/ 1363 h 1363"/>
+            </a:gdLst>
+            <a:ahLst/>
+            <a:cxnLst>
+              <a:cxn ang="0">
+                <a:pos x="T0" y="T1"/>
+              </a:cxn>
+              <a:cxn ang="0">
+                <a:pos x="T2" y="T3"/>
+              </a:cxn>
+              <a:cxn ang="0">
+                <a:pos x="T4" y="T5"/>
+              </a:cxn>
+              <a:cxn ang="0">
+                <a:pos x="T6" y="T7"/>
+              </a:cxn>
+              <a:cxn ang="0">
+                <a:pos x="T8" y="T9"/>
+              </a:cxn>
+            </a:cxnLst>
+            <a:rect l="0" t="0" r="r" b="b"/>
+            <a:pathLst>
+              <a:path w="447" h="1363">
+                <a:moveTo>
+                  <a:pt x="447" y="1363"/>
+                </a:moveTo>
+                <a:lnTo>
+                  <a:pt x="0" y="987"/>
+                </a:lnTo>
+                <a:lnTo>
+                  <a:pt x="0" y="0"/>
+                </a:lnTo>
+                <a:lnTo>
+                  <a:pt x="447" y="376"/>
+                </a:lnTo>
+                <a:lnTo>
+                  <a:pt x="447" y="1363"/>
+                </a:lnTo>
+                <a:close/>
+              </a:path>
+            </a:pathLst>
+          </a:custGeom>
+          <a:solidFill>
+            <a:schemeClr val="accent1">
+              <a:lumMod val="50000"/>
+            </a:schemeClr>
+          </a:solidFill>
+          <a:ln>
+            <a:noFill/>
+          </a:ln>
+        </p:spPr>
+        <p:txBody>
+          <a:bodyPr vert="horz" wrap="square" lIns="91440" tIns="45720" rIns="91440" bIns="45720" numCol="1" anchor="t" anchorCtr="0" compatLnSpc="1">
+            <a:prstTxWarp prst="textNoShape">
+              <a:avLst/>
+            </a:prstTxWarp>
+          </a:bodyPr>
+          <a:lstStyle/>
+          <a:p>
+            <a:endParaRPr lang="en-US"/>
+          </a:p>
+        </p:txBody>
+      </p:sp>
+      <p:sp>
+        <p:nvSpPr>
+          <p:cNvPr id="12" name="Freeform 46">
+            <a:extLst>
+              <a:ext uri="{FF2B5EF4-FFF2-40B4-BE49-F238E27FC236}">
+                <a16:creationId xmlns:a16="http://schemas.microsoft.com/office/drawing/2014/main" id="{2AEBC8F2-97B1-41B4-93F1-2D289E197FBA}"/>
+              </a:ext>
+              <a:ext uri="{C183D7F6-B498-43B3-948B-1728B52AA6E4}">
+                <adec:decorative xmlns:adec="http://schemas.microsoft.com/office/drawing/2017/decorative" val="1"/>
+              </a:ext>
+            </a:extLst>
+          </p:cNvPr>
+          <p:cNvSpPr>
+            <a:spLocks noGrp="1" noRot="1" noChangeAspect="1" noMove="1" noResize="1" noEditPoints="1" noAdjustHandles="1" noChangeArrowheads="1" noChangeShapeType="1" noTextEdit="1"/>
+          </p:cNvSpPr>
+          <p:nvPr>
+            <p:extLst>
+              <p:ext uri="{386F3935-93C4-4BCD-93E2-E3B085C9AB24}">
+                <p16:designElem xmlns:p16="http://schemas.microsoft.com/office/powerpoint/2015/main" val="1"/>
+              </p:ext>
+            </p:extLst>
+          </p:nvPr>
+        </p:nvSpPr>
+        <p:spPr bwMode="auto">
+          <a:xfrm>
+            <a:off x="409710" y="837744"/>
+            <a:ext cx="403225" cy="1705431"/>
+          </a:xfrm>
+          <a:custGeom>
+            <a:avLst/>
+            <a:gdLst>
+              <a:gd name="T0" fmla="*/ 254 w 254"/>
+              <a:gd name="T1" fmla="*/ 987 h 1109"/>
+              <a:gd name="T2" fmla="*/ 0 w 254"/>
+              <a:gd name="T3" fmla="*/ 1109 h 1109"/>
+              <a:gd name="T4" fmla="*/ 0 w 254"/>
+              <a:gd name="T5" fmla="*/ 119 h 1109"/>
+              <a:gd name="T6" fmla="*/ 254 w 254"/>
+              <a:gd name="T7" fmla="*/ 0 h 1109"/>
+              <a:gd name="T8" fmla="*/ 254 w 254"/>
+              <a:gd name="T9" fmla="*/ 987 h 1109"/>
+            </a:gdLst>
+            <a:ahLst/>
+            <a:cxnLst>
+              <a:cxn ang="0">
+                <a:pos x="T0" y="T1"/>
+              </a:cxn>
+              <a:cxn ang="0">
+                <a:pos x="T2" y="T3"/>
+              </a:cxn>
+              <a:cxn ang="0">
+                <a:pos x="T4" y="T5"/>
+              </a:cxn>
+              <a:cxn ang="0">
+                <a:pos x="T6" y="T7"/>
+              </a:cxn>
+              <a:cxn ang="0">
+                <a:pos x="T8" y="T9"/>
+              </a:cxn>
+            </a:cxnLst>
+            <a:rect l="0" t="0" r="r" b="b"/>
+            <a:pathLst>
+              <a:path w="254" h="1109">
+                <a:moveTo>
+                  <a:pt x="254" y="987"/>
+                </a:moveTo>
+                <a:lnTo>
+                  <a:pt x="0" y="1109"/>
+                </a:lnTo>
+                <a:lnTo>
+                  <a:pt x="0" y="119"/>
+                </a:lnTo>
+                <a:lnTo>
+                  <a:pt x="254" y="0"/>
+                </a:lnTo>
+                <a:lnTo>
+                  <a:pt x="254" y="987"/>
+                </a:lnTo>
+                <a:close/>
+              </a:path>
+            </a:pathLst>
+          </a:custGeom>
+          <a:solidFill>
+            <a:schemeClr val="accent1">
+              <a:lumMod val="75000"/>
+            </a:schemeClr>
+          </a:solidFill>
+          <a:ln>
+            <a:noFill/>
+          </a:ln>
+        </p:spPr>
+        <p:txBody>
+          <a:bodyPr vert="horz" wrap="square" lIns="91440" tIns="45720" rIns="91440" bIns="45720" numCol="1" anchor="t" anchorCtr="0" compatLnSpc="1">
+            <a:prstTxWarp prst="textNoShape">
+              <a:avLst/>
+            </a:prstTxWarp>
+          </a:bodyPr>
+          <a:lstStyle/>
+          <a:p>
+            <a:endParaRPr lang="en-US"/>
+          </a:p>
+        </p:txBody>
+      </p:sp>
+      <p:sp>
+        <p:nvSpPr>
+          <p:cNvPr id="14" name="Freeform 47">
+            <a:extLst>
+              <a:ext uri="{FF2B5EF4-FFF2-40B4-BE49-F238E27FC236}">
+                <a16:creationId xmlns:a16="http://schemas.microsoft.com/office/drawing/2014/main" id="{472E3A19-F5D5-48FC-BB9C-48C2F68F598B}"/>
+              </a:ext>
+              <a:ext uri="{C183D7F6-B498-43B3-948B-1728B52AA6E4}">
+                <adec:decorative xmlns:adec="http://schemas.microsoft.com/office/drawing/2017/decorative" val="1"/>
+              </a:ext>
+            </a:extLst>
+          </p:cNvPr>
+          <p:cNvSpPr>
+            <a:spLocks noGrp="1" noRot="1" noChangeAspect="1" noMove="1" noResize="1" noEditPoints="1" noAdjustHandles="1" noChangeArrowheads="1" noChangeShapeType="1" noTextEdit="1"/>
+          </p:cNvSpPr>
+          <p:nvPr>
+            <p:extLst>
+              <p:ext uri="{386F3935-93C4-4BCD-93E2-E3B085C9AB24}">
+                <p16:designElem xmlns:p16="http://schemas.microsoft.com/office/powerpoint/2015/main" val="1"/>
+              </p:ext>
+            </p:extLst>
+          </p:nvPr>
+        </p:nvSpPr>
+        <p:spPr bwMode="auto">
+          <a:xfrm>
+            <a:off x="644660" y="640894"/>
+            <a:ext cx="168275" cy="1713195"/>
+          </a:xfrm>
+          <a:custGeom>
+            <a:avLst/>
+            <a:gdLst>
+              <a:gd name="T0" fmla="*/ 106 w 106"/>
+              <a:gd name="T1" fmla="*/ 1114 h 1114"/>
+              <a:gd name="T2" fmla="*/ 0 w 106"/>
+              <a:gd name="T3" fmla="*/ 1005 h 1114"/>
+              <a:gd name="T4" fmla="*/ 0 w 106"/>
+              <a:gd name="T5" fmla="*/ 0 h 1114"/>
+              <a:gd name="T6" fmla="*/ 106 w 106"/>
+              <a:gd name="T7" fmla="*/ 110 h 1114"/>
+              <a:gd name="T8" fmla="*/ 106 w 106"/>
+              <a:gd name="T9" fmla="*/ 1114 h 1114"/>
+            </a:gdLst>
+            <a:ahLst/>
+            <a:cxnLst>
+              <a:cxn ang="0">
+                <a:pos x="T0" y="T1"/>
+              </a:cxn>
+              <a:cxn ang="0">
+                <a:pos x="T2" y="T3"/>
+              </a:cxn>
+              <a:cxn ang="0">
+                <a:pos x="T4" y="T5"/>
+              </a:cxn>
+              <a:cxn ang="0">
+                <a:pos x="T6" y="T7"/>
+              </a:cxn>
+              <a:cxn ang="0">
+                <a:pos x="T8" y="T9"/>
+              </a:cxn>
+            </a:cxnLst>
+            <a:rect l="0" t="0" r="r" b="b"/>
+            <a:pathLst>
+              <a:path w="106" h="1114">
+                <a:moveTo>
+                  <a:pt x="106" y="1114"/>
+                </a:moveTo>
+                <a:lnTo>
+                  <a:pt x="0" y="1005"/>
+                </a:lnTo>
+                <a:lnTo>
+                  <a:pt x="0" y="0"/>
+                </a:lnTo>
+                <a:lnTo>
+                  <a:pt x="106" y="110"/>
+                </a:lnTo>
+                <a:lnTo>
+                  <a:pt x="106" y="1114"/>
+                </a:lnTo>
+                <a:close/>
+              </a:path>
+            </a:pathLst>
+          </a:custGeom>
+          <a:solidFill>
+            <a:schemeClr val="accent1">
+              <a:lumMod val="50000"/>
+            </a:schemeClr>
+          </a:solidFill>
+          <a:ln>
+            <a:noFill/>
+          </a:ln>
+        </p:spPr>
+        <p:txBody>
+          <a:bodyPr vert="horz" wrap="square" lIns="91440" tIns="45720" rIns="91440" bIns="45720" numCol="1" anchor="t" anchorCtr="0" compatLnSpc="1">
+            <a:prstTxWarp prst="textNoShape">
+              <a:avLst/>
+            </a:prstTxWarp>
+          </a:bodyPr>
+          <a:lstStyle/>
+          <a:p>
+            <a:endParaRPr lang="en-US"/>
+          </a:p>
+        </p:txBody>
+      </p:sp>
+      <p:sp>
+        <p:nvSpPr>
+          <p:cNvPr id="16" name="Freeform 44">
+            <a:extLst>
+              <a:ext uri="{FF2B5EF4-FFF2-40B4-BE49-F238E27FC236}">
+                <a16:creationId xmlns:a16="http://schemas.microsoft.com/office/drawing/2014/main" id="{7A62E32F-BB65-43A8-8EB5-92346890E549}"/>
+              </a:ext>
+              <a:ext uri="{C183D7F6-B498-43B3-948B-1728B52AA6E4}">
+                <adec:decorative xmlns:adec="http://schemas.microsoft.com/office/drawing/2017/decorative" val="1"/>
+              </a:ext>
+            </a:extLst>
+          </p:cNvPr>
+          <p:cNvSpPr>
+            <a:spLocks noGrp="1" noRot="1" noChangeAspect="1" noMove="1" noResize="1" noEditPoints="1" noAdjustHandles="1" noChangeArrowheads="1" noChangeShapeType="1" noTextEdit="1"/>
+          </p:cNvSpPr>
+          <p:nvPr>
+            <p:extLst>
+              <p:ext uri="{386F3935-93C4-4BCD-93E2-E3B085C9AB24}">
+                <p16:designElem xmlns:p16="http://schemas.microsoft.com/office/powerpoint/2015/main" val="1"/>
+              </p:ext>
+            </p:extLst>
+          </p:nvPr>
+        </p:nvSpPr>
+        <p:spPr bwMode="auto">
+          <a:xfrm>
+            <a:off x="11223203" y="635716"/>
+            <a:ext cx="328612" cy="1742360"/>
+          </a:xfrm>
+          <a:custGeom>
+            <a:avLst/>
+            <a:gdLst>
+              <a:gd name="T0" fmla="*/ 207 w 207"/>
+              <a:gd name="T1" fmla="*/ 987 h 1114"/>
+              <a:gd name="T2" fmla="*/ 0 w 207"/>
+              <a:gd name="T3" fmla="*/ 1114 h 1114"/>
+              <a:gd name="T4" fmla="*/ 0 w 207"/>
+              <a:gd name="T5" fmla="*/ 127 h 1114"/>
+              <a:gd name="T6" fmla="*/ 207 w 207"/>
+              <a:gd name="T7" fmla="*/ 0 h 1114"/>
+              <a:gd name="T8" fmla="*/ 207 w 207"/>
+              <a:gd name="T9" fmla="*/ 987 h 1114"/>
+            </a:gdLst>
+            <a:ahLst/>
+            <a:cxnLst>
+              <a:cxn ang="0">
+                <a:pos x="T0" y="T1"/>
+              </a:cxn>
+              <a:cxn ang="0">
+                <a:pos x="T2" y="T3"/>
+              </a:cxn>
+              <a:cxn ang="0">
+                <a:pos x="T4" y="T5"/>
+              </a:cxn>
+              <a:cxn ang="0">
+                <a:pos x="T6" y="T7"/>
+              </a:cxn>
+              <a:cxn ang="0">
+                <a:pos x="T8" y="T9"/>
+              </a:cxn>
+            </a:cxnLst>
+            <a:rect l="0" t="0" r="r" b="b"/>
+            <a:pathLst>
+              <a:path w="207" h="1114">
+                <a:moveTo>
+                  <a:pt x="207" y="987"/>
+                </a:moveTo>
+                <a:lnTo>
+                  <a:pt x="0" y="1114"/>
+                </a:lnTo>
+                <a:lnTo>
+                  <a:pt x="0" y="127"/>
+                </a:lnTo>
+                <a:lnTo>
+                  <a:pt x="207" y="0"/>
+                </a:lnTo>
+                <a:lnTo>
+                  <a:pt x="207" y="987"/>
+                </a:lnTo>
+                <a:close/>
+              </a:path>
+            </a:pathLst>
+          </a:custGeom>
+          <a:solidFill>
+            <a:schemeClr val="accent1">
+              <a:lumMod val="50000"/>
+            </a:schemeClr>
+          </a:solidFill>
+          <a:ln>
+            <a:noFill/>
+          </a:ln>
+        </p:spPr>
+        <p:txBody>
+          <a:bodyPr vert="horz" wrap="square" lIns="91440" tIns="45720" rIns="91440" bIns="45720" numCol="1" anchor="t" anchorCtr="0" compatLnSpc="1">
+            <a:prstTxWarp prst="textNoShape">
+              <a:avLst/>
+            </a:prstTxWarp>
+          </a:bodyPr>
+          <a:lstStyle/>
+          <a:p>
+            <a:endParaRPr lang="en-US"/>
+          </a:p>
+        </p:txBody>
+      </p:sp>
+      <p:sp>
+        <p:nvSpPr>
+          <p:cNvPr id="18" name="Rectangle 17">
+            <a:extLst>
+              <a:ext uri="{FF2B5EF4-FFF2-40B4-BE49-F238E27FC236}">
+                <a16:creationId xmlns:a16="http://schemas.microsoft.com/office/drawing/2014/main" id="{14E91B64-9FCC-451E-AFB4-A827D6329367}"/>
+              </a:ext>
+              <a:ext uri="{C183D7F6-B498-43B3-948B-1728B52AA6E4}">
+                <adec:decorative xmlns:adec="http://schemas.microsoft.com/office/drawing/2017/decorative" val="1"/>
+              </a:ext>
+            </a:extLst>
+          </p:cNvPr>
+          <p:cNvSpPr>
+            <a:spLocks noGrp="1" noRot="1" noChangeAspect="1" noMove="1" noResize="1" noEditPoints="1" noAdjustHandles="1" noChangeArrowheads="1" noChangeShapeType="1" noTextEdit="1"/>
+          </p:cNvSpPr>
+          <p:nvPr>
+            <p:extLst>
+              <p:ext uri="{386F3935-93C4-4BCD-93E2-E3B085C9AB24}">
+                <p16:designElem xmlns:p16="http://schemas.microsoft.com/office/powerpoint/2015/main" val="1"/>
+              </p:ext>
+            </p:extLst>
+          </p:nvPr>
+        </p:nvSpPr>
+        <p:spPr bwMode="auto">
+          <a:xfrm>
+            <a:off x="644055" y="635715"/>
+            <a:ext cx="10907863" cy="1541457"/>
+          </a:xfrm>
+          <a:prstGeom prst="rect">
+            <a:avLst/>
+          </a:prstGeom>
+          <a:solidFill>
+            <a:schemeClr val="accent1"/>
+          </a:solidFill>
+          <a:ln>
+            <a:noFill/>
+          </a:ln>
+        </p:spPr>
+        <p:txBody>
+          <a:bodyPr vert="horz" wrap="square" lIns="91440" tIns="45720" rIns="91440" bIns="45720" numCol="1" anchor="t" anchorCtr="0" compatLnSpc="1">
+            <a:prstTxWarp prst="textNoShape">
+              <a:avLst/>
+            </a:prstTxWarp>
+          </a:bodyPr>
+          <a:lstStyle/>
+          <a:p>
+            <a:endParaRPr lang="en-US"/>
+          </a:p>
+        </p:txBody>
+      </p:sp>
+      <p:sp>
+        <p:nvSpPr>
+          <p:cNvPr id="2" name="Titre 1">
+            <a:extLst>
+              <a:ext uri="{FF2B5EF4-FFF2-40B4-BE49-F238E27FC236}">
+                <a16:creationId xmlns:a16="http://schemas.microsoft.com/office/drawing/2014/main" id="{787733BC-219D-49C7-B5B4-F7CD9774C6A4}"/>
+              </a:ext>
+            </a:extLst>
+          </p:cNvPr>
+          <p:cNvSpPr>
+            <a:spLocks noGrp="1"/>
+          </p:cNvSpPr>
+          <p:nvPr>
+            <p:ph type="title"/>
+          </p:nvPr>
+        </p:nvSpPr>
+        <p:spPr>
+          <a:xfrm>
+            <a:off x="958506" y="800392"/>
+            <a:ext cx="10264697" cy="1212102"/>
+          </a:xfrm>
+        </p:spPr>
+        <p:txBody>
+          <a:bodyPr>
+            <a:normAutofit/>
+          </a:bodyPr>
+          <a:lstStyle/>
+          <a:p>
+            <a:r>
+              <a:rPr lang="fr-FR" sz="4000" dirty="0">
+                <a:solidFill>
+                  <a:srgbClr val="FFFFFF"/>
+                </a:solidFill>
+              </a:rPr>
+              <a:t>Formulaires</a:t>
+            </a:r>
+          </a:p>
+        </p:txBody>
+      </p:sp>
+      <p:sp>
+        <p:nvSpPr>
+          <p:cNvPr id="9" name="Espace réservé du numéro de diapositive 8">
+            <a:extLst>
+              <a:ext uri="{FF2B5EF4-FFF2-40B4-BE49-F238E27FC236}">
+                <a16:creationId xmlns:a16="http://schemas.microsoft.com/office/drawing/2014/main" id="{F3EDF272-70D0-418F-B1E4-090F125EAE69}"/>
+              </a:ext>
+            </a:extLst>
+          </p:cNvPr>
+          <p:cNvSpPr>
+            <a:spLocks noGrp="1"/>
+          </p:cNvSpPr>
+          <p:nvPr>
+            <p:ph type="sldNum" sz="quarter" idx="12"/>
+          </p:nvPr>
+        </p:nvSpPr>
+        <p:spPr/>
+        <p:txBody>
+          <a:bodyPr/>
+          <a:lstStyle/>
+          <a:p>
+            <a:fld id="{F8323CC4-5E62-4ADB-BC7C-89B23C89378E}" type="slidenum">
+              <a:rPr lang="fr-FR" smtClean="0"/>
+              <a:t>26</a:t>
+            </a:fld>
+            <a:endParaRPr lang="fr-FR"/>
+          </a:p>
+        </p:txBody>
+      </p:sp>
+      <p:pic>
+        <p:nvPicPr>
+          <p:cNvPr id="6" name="Image 5">
+            <a:extLst>
+              <a:ext uri="{FF2B5EF4-FFF2-40B4-BE49-F238E27FC236}">
+                <a16:creationId xmlns:a16="http://schemas.microsoft.com/office/drawing/2014/main" id="{F9E1CB56-D2B8-4A38-BA2D-7D9A22393CFB}"/>
+              </a:ext>
+            </a:extLst>
+          </p:cNvPr>
+          <p:cNvPicPr>
+            <a:picLocks noChangeAspect="1"/>
+          </p:cNvPicPr>
+          <p:nvPr/>
         </p:nvPicPr>
         <p:blipFill>
-          <a:blip r:embed="rId2">
-            <a:extLst>
-              <a:ext uri="{28A0092B-C50C-407E-A947-70E740481C1C}">
-                <a14:useLocalDpi xmlns:a14="http://schemas.microsoft.com/office/drawing/2010/main" val="0"/>
-              </a:ext>
-            </a:extLst>
-          </a:blip>
+          <a:blip r:embed="rId2"/>
           <a:stretch>
             <a:fillRect/>
           </a:stretch>
         </p:blipFill>
         <p:spPr>
           <a:xfrm>
-            <a:off x="0" y="0"/>
-            <a:ext cx="12192000" cy="6858000"/>
+            <a:off x="1333481" y="2419171"/>
+            <a:ext cx="3432482" cy="2991360"/>
           </a:xfrm>
           <a:prstGeom prst="rect">
             <a:avLst/>
@@ -14954,105 +15093,225 @@
       </p:pic>
       <p:sp>
         <p:nvSpPr>
-          <p:cNvPr id="2" name="Titre 1">
-            <a:extLst>
-              <a:ext uri="{FF2B5EF4-FFF2-40B4-BE49-F238E27FC236}">
-                <a16:creationId xmlns:a16="http://schemas.microsoft.com/office/drawing/2014/main" id="{AEF9E91C-9F1A-4BEE-A693-D76078DE9F48}"/>
-              </a:ext>
-            </a:extLst>
-          </p:cNvPr>
-          <p:cNvSpPr>
-            <a:spLocks noGrp="1"/>
-          </p:cNvSpPr>
-          <p:nvPr>
-            <p:ph type="title"/>
-          </p:nvPr>
+          <p:cNvPr id="13" name="Flèche : droite 12">
+            <a:extLst>
+              <a:ext uri="{FF2B5EF4-FFF2-40B4-BE49-F238E27FC236}">
+                <a16:creationId xmlns:a16="http://schemas.microsoft.com/office/drawing/2014/main" id="{8AEECA8E-C7FE-469D-B082-99DEF04C93C6}"/>
+              </a:ext>
+            </a:extLst>
+          </p:cNvPr>
+          <p:cNvSpPr/>
+          <p:nvPr/>
         </p:nvSpPr>
         <p:spPr>
           <a:xfrm>
-            <a:off x="3045368" y="2043663"/>
-            <a:ext cx="6105194" cy="2031055"/>
-          </a:xfrm>
-        </p:spPr>
-        <p:txBody>
-          <a:bodyPr vert="horz" lIns="91440" tIns="45720" rIns="91440" bIns="45720" rtlCol="0" anchor="b">
-            <a:normAutofit/>
+            <a:off x="4890287" y="3594556"/>
+            <a:ext cx="1205713" cy="480290"/>
+          </a:xfrm>
+          <a:prstGeom prst="rightArrow">
+            <a:avLst/>
+          </a:prstGeom>
+        </p:spPr>
+        <p:style>
+          <a:lnRef idx="2">
+            <a:schemeClr val="accent1">
+              <a:shade val="50000"/>
+            </a:schemeClr>
+          </a:lnRef>
+          <a:fillRef idx="1">
+            <a:schemeClr val="accent1"/>
+          </a:fillRef>
+          <a:effectRef idx="0">
+            <a:schemeClr val="accent1"/>
+          </a:effectRef>
+          <a:fontRef idx="minor">
+            <a:schemeClr val="lt1"/>
+          </a:fontRef>
+        </p:style>
+        <p:txBody>
+          <a:bodyPr rtlCol="0" anchor="ctr"/>
+          <a:lstStyle/>
+          <a:p>
+            <a:pPr algn="ctr"/>
+            <a:endParaRPr lang="fr-FR"/>
+          </a:p>
+        </p:txBody>
+      </p:sp>
+      <p:pic>
+        <p:nvPicPr>
+          <p:cNvPr id="17" name="Image 16">
+            <a:extLst>
+              <a:ext uri="{FF2B5EF4-FFF2-40B4-BE49-F238E27FC236}">
+                <a16:creationId xmlns:a16="http://schemas.microsoft.com/office/drawing/2014/main" id="{6ABDADB3-4AE5-4DA9-BCEB-AC278BE194F3}"/>
+              </a:ext>
+            </a:extLst>
+          </p:cNvPr>
+          <p:cNvPicPr>
+            <a:picLocks noChangeAspect="1"/>
+          </p:cNvPicPr>
+          <p:nvPr/>
+        </p:nvPicPr>
+        <p:blipFill>
+          <a:blip r:embed="rId3"/>
+          <a:stretch>
+            <a:fillRect/>
+          </a:stretch>
+        </p:blipFill>
+        <p:spPr>
+          <a:xfrm>
+            <a:off x="611321" y="6175540"/>
+            <a:ext cx="4829849" cy="419158"/>
+          </a:xfrm>
+          <a:prstGeom prst="rect">
+            <a:avLst/>
+          </a:prstGeom>
+        </p:spPr>
+      </p:pic>
+      <p:pic>
+        <p:nvPicPr>
+          <p:cNvPr id="24" name="Image 23">
+            <a:extLst>
+              <a:ext uri="{FF2B5EF4-FFF2-40B4-BE49-F238E27FC236}">
+                <a16:creationId xmlns:a16="http://schemas.microsoft.com/office/drawing/2014/main" id="{BCDC707A-3153-41FA-8783-D04EC5059B7D}"/>
+              </a:ext>
+            </a:extLst>
+          </p:cNvPr>
+          <p:cNvPicPr>
+            <a:picLocks noChangeAspect="1"/>
+          </p:cNvPicPr>
+          <p:nvPr/>
+        </p:nvPicPr>
+        <p:blipFill>
+          <a:blip r:embed="rId4"/>
+          <a:stretch>
+            <a:fillRect/>
+          </a:stretch>
+        </p:blipFill>
+        <p:spPr>
+          <a:xfrm>
+            <a:off x="7956573" y="6137612"/>
+            <a:ext cx="1190791" cy="466790"/>
+          </a:xfrm>
+          <a:prstGeom prst="rect">
+            <a:avLst/>
+          </a:prstGeom>
+        </p:spPr>
+      </p:pic>
+      <p:pic>
+        <p:nvPicPr>
+          <p:cNvPr id="26" name="Image 25">
+            <a:extLst>
+              <a:ext uri="{FF2B5EF4-FFF2-40B4-BE49-F238E27FC236}">
+                <a16:creationId xmlns:a16="http://schemas.microsoft.com/office/drawing/2014/main" id="{C76A4E75-9AF7-4D99-90F4-6FF0F0C7011D}"/>
+              </a:ext>
+            </a:extLst>
+          </p:cNvPr>
+          <p:cNvPicPr>
+            <a:picLocks noChangeAspect="1"/>
+          </p:cNvPicPr>
+          <p:nvPr/>
+        </p:nvPicPr>
+        <p:blipFill>
+          <a:blip r:embed="rId5"/>
+          <a:stretch>
+            <a:fillRect/>
+          </a:stretch>
+        </p:blipFill>
+        <p:spPr>
+          <a:xfrm>
+            <a:off x="6206209" y="3252500"/>
+            <a:ext cx="5982535" cy="1162212"/>
+          </a:xfrm>
+          <a:prstGeom prst="rect">
+            <a:avLst/>
+          </a:prstGeom>
+        </p:spPr>
+      </p:pic>
+      <p:sp>
+        <p:nvSpPr>
+          <p:cNvPr id="27" name="Flèche : droite 26">
+            <a:extLst>
+              <a:ext uri="{FF2B5EF4-FFF2-40B4-BE49-F238E27FC236}">
+                <a16:creationId xmlns:a16="http://schemas.microsoft.com/office/drawing/2014/main" id="{4C92A56E-DEBE-4611-9F94-4BF3011E108D}"/>
+              </a:ext>
+            </a:extLst>
+          </p:cNvPr>
+          <p:cNvSpPr/>
+          <p:nvPr/>
+        </p:nvSpPr>
+        <p:spPr>
+          <a:xfrm>
+            <a:off x="6118563" y="6055877"/>
+            <a:ext cx="1205713" cy="480290"/>
+          </a:xfrm>
+          <a:prstGeom prst="rightArrow">
+            <a:avLst/>
+          </a:prstGeom>
+        </p:spPr>
+        <p:style>
+          <a:lnRef idx="2">
+            <a:schemeClr val="accent1">
+              <a:shade val="50000"/>
+            </a:schemeClr>
+          </a:lnRef>
+          <a:fillRef idx="1">
+            <a:schemeClr val="accent1"/>
+          </a:fillRef>
+          <a:effectRef idx="0">
+            <a:schemeClr val="accent1"/>
+          </a:effectRef>
+          <a:fontRef idx="minor">
+            <a:schemeClr val="lt1"/>
+          </a:fontRef>
+        </p:style>
+        <p:txBody>
+          <a:bodyPr rtlCol="0" anchor="ctr"/>
+          <a:lstStyle/>
+          <a:p>
+            <a:pPr algn="ctr"/>
+            <a:endParaRPr lang="fr-FR"/>
+          </a:p>
+        </p:txBody>
+      </p:sp>
+      <p:sp>
+        <p:nvSpPr>
+          <p:cNvPr id="28" name="ZoneTexte 27">
+            <a:extLst>
+              <a:ext uri="{FF2B5EF4-FFF2-40B4-BE49-F238E27FC236}">
+                <a16:creationId xmlns:a16="http://schemas.microsoft.com/office/drawing/2014/main" id="{59D4B96E-419E-4D2C-989B-7923B5E816F2}"/>
+              </a:ext>
+            </a:extLst>
+          </p:cNvPr>
+          <p:cNvSpPr txBox="1"/>
+          <p:nvPr/>
+        </p:nvSpPr>
+        <p:spPr>
+          <a:xfrm>
+            <a:off x="4765963" y="5521867"/>
+            <a:ext cx="2807855" cy="461665"/>
+          </a:xfrm>
+          <a:prstGeom prst="rect">
+            <a:avLst/>
+          </a:prstGeom>
+          <a:noFill/>
+        </p:spPr>
+        <p:txBody>
+          <a:bodyPr wrap="square" rtlCol="0">
+            <a:spAutoFit/>
           </a:bodyPr>
           <a:lstStyle/>
           <a:p>
-            <a:pPr algn="ctr"/>
             <a:r>
-              <a:rPr lang="en-US" sz="6000" kern="1200">
-                <a:solidFill>
-                  <a:srgbClr val="FFFFFF"/>
-                </a:solidFill>
-                <a:latin typeface="+mj-lt"/>
-                <a:ea typeface="+mj-ea"/>
-                <a:cs typeface="+mj-cs"/>
-              </a:rPr>
-              <a:t>Exercice 7 – Mise en forme </a:t>
+              <a:rPr lang="fr-FR" sz="2400" dirty="0"/>
+              <a:t>Affichage :</a:t>
             </a:r>
-          </a:p>
-        </p:txBody>
-      </p:sp>
-      <p:sp>
-        <p:nvSpPr>
-          <p:cNvPr id="4" name="Espace réservé du numéro de diapositive 3">
-            <a:extLst>
-              <a:ext uri="{FF2B5EF4-FFF2-40B4-BE49-F238E27FC236}">
-                <a16:creationId xmlns:a16="http://schemas.microsoft.com/office/drawing/2014/main" id="{74F3023A-B7CB-4C5A-A04F-98974204E143}"/>
-              </a:ext>
-            </a:extLst>
-          </p:cNvPr>
-          <p:cNvSpPr>
-            <a:spLocks noGrp="1"/>
-          </p:cNvSpPr>
-          <p:nvPr>
-            <p:ph type="sldNum" sz="quarter" idx="12"/>
-          </p:nvPr>
-        </p:nvSpPr>
-        <p:spPr>
-          <a:xfrm>
-            <a:off x="10825930" y="6223702"/>
-            <a:ext cx="570728" cy="314067"/>
-          </a:xfrm>
-        </p:spPr>
-        <p:txBody>
-          <a:bodyPr vert="horz" lIns="91440" tIns="45720" rIns="91440" bIns="45720" rtlCol="0" anchor="ctr">
-            <a:normAutofit/>
-          </a:bodyPr>
-          <a:lstStyle/>
-          <a:p>
-            <a:pPr>
-              <a:spcAft>
-                <a:spcPts val="600"/>
-              </a:spcAft>
-            </a:pPr>
-            <a:fld id="{F8323CC4-5E62-4ADB-BC7C-89B23C89378E}" type="slidenum">
-              <a:rPr lang="en-US" sz="1000">
-                <a:solidFill>
-                  <a:srgbClr val="898989"/>
-                </a:solidFill>
-              </a:rPr>
-              <a:pPr>
-                <a:spcAft>
-                  <a:spcPts val="600"/>
-                </a:spcAft>
-              </a:pPr>
-              <a:t>26</a:t>
-            </a:fld>
-            <a:endParaRPr lang="en-US" sz="1000">
-              <a:solidFill>
-                <a:srgbClr val="898989"/>
-              </a:solidFill>
-            </a:endParaRPr>
           </a:p>
         </p:txBody>
       </p:sp>
     </p:spTree>
     <p:extLst>
       <p:ext uri="{BB962C8B-B14F-4D97-AF65-F5344CB8AC3E}">
-        <p14:creationId xmlns:p14="http://schemas.microsoft.com/office/powerpoint/2010/main" val="2800563334"/>
+        <p14:creationId xmlns:p14="http://schemas.microsoft.com/office/powerpoint/2010/main" val="810595131"/>
       </p:ext>
     </p:extLst>
   </p:cSld>
@@ -15087,881 +15346,6 @@
           <a:chExt cx="0" cy="0"/>
         </a:xfrm>
       </p:grpSpPr>
-      <p:sp useBgFill="1">
-        <p:nvSpPr>
-          <p:cNvPr id="8" name="Rectangle 7">
-            <a:extLst>
-              <a:ext uri="{FF2B5EF4-FFF2-40B4-BE49-F238E27FC236}">
-                <a16:creationId xmlns:a16="http://schemas.microsoft.com/office/drawing/2014/main" id="{827B839B-9ADE-406B-8590-F1CAEDED45A1}"/>
-              </a:ext>
-              <a:ext uri="{C183D7F6-B498-43B3-948B-1728B52AA6E4}">
-                <adec:decorative xmlns:adec="http://schemas.microsoft.com/office/drawing/2017/decorative" val="1"/>
-              </a:ext>
-            </a:extLst>
-          </p:cNvPr>
-          <p:cNvSpPr>
-            <a:spLocks noGrp="1" noRot="1" noChangeAspect="1" noMove="1" noResize="1" noEditPoints="1" noAdjustHandles="1" noChangeArrowheads="1" noChangeShapeType="1" noTextEdit="1"/>
-          </p:cNvSpPr>
-          <p:nvPr>
-            <p:extLst>
-              <p:ext uri="{386F3935-93C4-4BCD-93E2-E3B085C9AB24}">
-                <p16:designElem xmlns:p16="http://schemas.microsoft.com/office/powerpoint/2015/main" val="1"/>
-              </p:ext>
-            </p:extLst>
-          </p:nvPr>
-        </p:nvSpPr>
-        <p:spPr>
-          <a:xfrm>
-            <a:off x="0" y="0"/>
-            <a:ext cx="12188952" cy="6858000"/>
-          </a:xfrm>
-          <a:prstGeom prst="rect">
-            <a:avLst/>
-          </a:prstGeom>
-          <a:ln>
-            <a:noFill/>
-          </a:ln>
-        </p:spPr>
-        <p:style>
-          <a:lnRef idx="2">
-            <a:schemeClr val="accent1">
-              <a:shade val="50000"/>
-            </a:schemeClr>
-          </a:lnRef>
-          <a:fillRef idx="1">
-            <a:schemeClr val="accent1"/>
-          </a:fillRef>
-          <a:effectRef idx="0">
-            <a:schemeClr val="accent1"/>
-          </a:effectRef>
-          <a:fontRef idx="minor">
-            <a:schemeClr val="lt1"/>
-          </a:fontRef>
-        </p:style>
-        <p:txBody>
-          <a:bodyPr rtlCol="0" anchor="ctr"/>
-          <a:lstStyle/>
-          <a:p>
-            <a:pPr algn="ctr"/>
-            <a:endParaRPr lang="en-US"/>
-          </a:p>
-        </p:txBody>
-      </p:sp>
-      <p:sp>
-        <p:nvSpPr>
-          <p:cNvPr id="10" name="Freeform 45">
-            <a:extLst>
-              <a:ext uri="{FF2B5EF4-FFF2-40B4-BE49-F238E27FC236}">
-                <a16:creationId xmlns:a16="http://schemas.microsoft.com/office/drawing/2014/main" id="{CFE45BF0-46DB-408C-B5F7-7B11716805D4}"/>
-              </a:ext>
-              <a:ext uri="{C183D7F6-B498-43B3-948B-1728B52AA6E4}">
-                <adec:decorative xmlns:adec="http://schemas.microsoft.com/office/drawing/2017/decorative" val="1"/>
-              </a:ext>
-            </a:extLst>
-          </p:cNvPr>
-          <p:cNvSpPr>
-            <a:spLocks noGrp="1" noRot="1" noChangeAspect="1" noMove="1" noResize="1" noEditPoints="1" noAdjustHandles="1" noChangeArrowheads="1" noChangeShapeType="1" noTextEdit="1"/>
-          </p:cNvSpPr>
-          <p:nvPr>
-            <p:extLst>
-              <p:ext uri="{386F3935-93C4-4BCD-93E2-E3B085C9AB24}">
-                <p16:designElem xmlns:p16="http://schemas.microsoft.com/office/powerpoint/2015/main" val="1"/>
-              </p:ext>
-            </p:extLst>
-          </p:nvPr>
-        </p:nvSpPr>
-        <p:spPr bwMode="auto">
-          <a:xfrm>
-            <a:off x="409710" y="1022350"/>
-            <a:ext cx="709612" cy="2095501"/>
-          </a:xfrm>
-          <a:custGeom>
-            <a:avLst/>
-            <a:gdLst>
-              <a:gd name="T0" fmla="*/ 447 w 447"/>
-              <a:gd name="T1" fmla="*/ 1363 h 1363"/>
-              <a:gd name="T2" fmla="*/ 0 w 447"/>
-              <a:gd name="T3" fmla="*/ 987 h 1363"/>
-              <a:gd name="T4" fmla="*/ 0 w 447"/>
-              <a:gd name="T5" fmla="*/ 0 h 1363"/>
-              <a:gd name="T6" fmla="*/ 447 w 447"/>
-              <a:gd name="T7" fmla="*/ 376 h 1363"/>
-              <a:gd name="T8" fmla="*/ 447 w 447"/>
-              <a:gd name="T9" fmla="*/ 1363 h 1363"/>
-            </a:gdLst>
-            <a:ahLst/>
-            <a:cxnLst>
-              <a:cxn ang="0">
-                <a:pos x="T0" y="T1"/>
-              </a:cxn>
-              <a:cxn ang="0">
-                <a:pos x="T2" y="T3"/>
-              </a:cxn>
-              <a:cxn ang="0">
-                <a:pos x="T4" y="T5"/>
-              </a:cxn>
-              <a:cxn ang="0">
-                <a:pos x="T6" y="T7"/>
-              </a:cxn>
-              <a:cxn ang="0">
-                <a:pos x="T8" y="T9"/>
-              </a:cxn>
-            </a:cxnLst>
-            <a:rect l="0" t="0" r="r" b="b"/>
-            <a:pathLst>
-              <a:path w="447" h="1363">
-                <a:moveTo>
-                  <a:pt x="447" y="1363"/>
-                </a:moveTo>
-                <a:lnTo>
-                  <a:pt x="0" y="987"/>
-                </a:lnTo>
-                <a:lnTo>
-                  <a:pt x="0" y="0"/>
-                </a:lnTo>
-                <a:lnTo>
-                  <a:pt x="447" y="376"/>
-                </a:lnTo>
-                <a:lnTo>
-                  <a:pt x="447" y="1363"/>
-                </a:lnTo>
-                <a:close/>
-              </a:path>
-            </a:pathLst>
-          </a:custGeom>
-          <a:solidFill>
-            <a:schemeClr val="accent1">
-              <a:lumMod val="50000"/>
-            </a:schemeClr>
-          </a:solidFill>
-          <a:ln>
-            <a:noFill/>
-          </a:ln>
-        </p:spPr>
-        <p:txBody>
-          <a:bodyPr vert="horz" wrap="square" lIns="91440" tIns="45720" rIns="91440" bIns="45720" numCol="1" anchor="t" anchorCtr="0" compatLnSpc="1">
-            <a:prstTxWarp prst="textNoShape">
-              <a:avLst/>
-            </a:prstTxWarp>
-          </a:bodyPr>
-          <a:lstStyle/>
-          <a:p>
-            <a:endParaRPr lang="en-US"/>
-          </a:p>
-        </p:txBody>
-      </p:sp>
-      <p:sp>
-        <p:nvSpPr>
-          <p:cNvPr id="12" name="Freeform 46">
-            <a:extLst>
-              <a:ext uri="{FF2B5EF4-FFF2-40B4-BE49-F238E27FC236}">
-                <a16:creationId xmlns:a16="http://schemas.microsoft.com/office/drawing/2014/main" id="{2AEBC8F2-97B1-41B4-93F1-2D289E197FBA}"/>
-              </a:ext>
-              <a:ext uri="{C183D7F6-B498-43B3-948B-1728B52AA6E4}">
-                <adec:decorative xmlns:adec="http://schemas.microsoft.com/office/drawing/2017/decorative" val="1"/>
-              </a:ext>
-            </a:extLst>
-          </p:cNvPr>
-          <p:cNvSpPr>
-            <a:spLocks noGrp="1" noRot="1" noChangeAspect="1" noMove="1" noResize="1" noEditPoints="1" noAdjustHandles="1" noChangeArrowheads="1" noChangeShapeType="1" noTextEdit="1"/>
-          </p:cNvSpPr>
-          <p:nvPr>
-            <p:extLst>
-              <p:ext uri="{386F3935-93C4-4BCD-93E2-E3B085C9AB24}">
-                <p16:designElem xmlns:p16="http://schemas.microsoft.com/office/powerpoint/2015/main" val="1"/>
-              </p:ext>
-            </p:extLst>
-          </p:nvPr>
-        </p:nvSpPr>
-        <p:spPr bwMode="auto">
-          <a:xfrm>
-            <a:off x="409710" y="837744"/>
-            <a:ext cx="403225" cy="1705431"/>
-          </a:xfrm>
-          <a:custGeom>
-            <a:avLst/>
-            <a:gdLst>
-              <a:gd name="T0" fmla="*/ 254 w 254"/>
-              <a:gd name="T1" fmla="*/ 987 h 1109"/>
-              <a:gd name="T2" fmla="*/ 0 w 254"/>
-              <a:gd name="T3" fmla="*/ 1109 h 1109"/>
-              <a:gd name="T4" fmla="*/ 0 w 254"/>
-              <a:gd name="T5" fmla="*/ 119 h 1109"/>
-              <a:gd name="T6" fmla="*/ 254 w 254"/>
-              <a:gd name="T7" fmla="*/ 0 h 1109"/>
-              <a:gd name="T8" fmla="*/ 254 w 254"/>
-              <a:gd name="T9" fmla="*/ 987 h 1109"/>
-            </a:gdLst>
-            <a:ahLst/>
-            <a:cxnLst>
-              <a:cxn ang="0">
-                <a:pos x="T0" y="T1"/>
-              </a:cxn>
-              <a:cxn ang="0">
-                <a:pos x="T2" y="T3"/>
-              </a:cxn>
-              <a:cxn ang="0">
-                <a:pos x="T4" y="T5"/>
-              </a:cxn>
-              <a:cxn ang="0">
-                <a:pos x="T6" y="T7"/>
-              </a:cxn>
-              <a:cxn ang="0">
-                <a:pos x="T8" y="T9"/>
-              </a:cxn>
-            </a:cxnLst>
-            <a:rect l="0" t="0" r="r" b="b"/>
-            <a:pathLst>
-              <a:path w="254" h="1109">
-                <a:moveTo>
-                  <a:pt x="254" y="987"/>
-                </a:moveTo>
-                <a:lnTo>
-                  <a:pt x="0" y="1109"/>
-                </a:lnTo>
-                <a:lnTo>
-                  <a:pt x="0" y="119"/>
-                </a:lnTo>
-                <a:lnTo>
-                  <a:pt x="254" y="0"/>
-                </a:lnTo>
-                <a:lnTo>
-                  <a:pt x="254" y="987"/>
-                </a:lnTo>
-                <a:close/>
-              </a:path>
-            </a:pathLst>
-          </a:custGeom>
-          <a:solidFill>
-            <a:schemeClr val="accent1">
-              <a:lumMod val="75000"/>
-            </a:schemeClr>
-          </a:solidFill>
-          <a:ln>
-            <a:noFill/>
-          </a:ln>
-        </p:spPr>
-        <p:txBody>
-          <a:bodyPr vert="horz" wrap="square" lIns="91440" tIns="45720" rIns="91440" bIns="45720" numCol="1" anchor="t" anchorCtr="0" compatLnSpc="1">
-            <a:prstTxWarp prst="textNoShape">
-              <a:avLst/>
-            </a:prstTxWarp>
-          </a:bodyPr>
-          <a:lstStyle/>
-          <a:p>
-            <a:endParaRPr lang="en-US"/>
-          </a:p>
-        </p:txBody>
-      </p:sp>
-      <p:sp>
-        <p:nvSpPr>
-          <p:cNvPr id="14" name="Freeform 47">
-            <a:extLst>
-              <a:ext uri="{FF2B5EF4-FFF2-40B4-BE49-F238E27FC236}">
-                <a16:creationId xmlns:a16="http://schemas.microsoft.com/office/drawing/2014/main" id="{472E3A19-F5D5-48FC-BB9C-48C2F68F598B}"/>
-              </a:ext>
-              <a:ext uri="{C183D7F6-B498-43B3-948B-1728B52AA6E4}">
-                <adec:decorative xmlns:adec="http://schemas.microsoft.com/office/drawing/2017/decorative" val="1"/>
-              </a:ext>
-            </a:extLst>
-          </p:cNvPr>
-          <p:cNvSpPr>
-            <a:spLocks noGrp="1" noRot="1" noChangeAspect="1" noMove="1" noResize="1" noEditPoints="1" noAdjustHandles="1" noChangeArrowheads="1" noChangeShapeType="1" noTextEdit="1"/>
-          </p:cNvSpPr>
-          <p:nvPr>
-            <p:extLst>
-              <p:ext uri="{386F3935-93C4-4BCD-93E2-E3B085C9AB24}">
-                <p16:designElem xmlns:p16="http://schemas.microsoft.com/office/powerpoint/2015/main" val="1"/>
-              </p:ext>
-            </p:extLst>
-          </p:nvPr>
-        </p:nvSpPr>
-        <p:spPr bwMode="auto">
-          <a:xfrm>
-            <a:off x="644660" y="640894"/>
-            <a:ext cx="168275" cy="1713195"/>
-          </a:xfrm>
-          <a:custGeom>
-            <a:avLst/>
-            <a:gdLst>
-              <a:gd name="T0" fmla="*/ 106 w 106"/>
-              <a:gd name="T1" fmla="*/ 1114 h 1114"/>
-              <a:gd name="T2" fmla="*/ 0 w 106"/>
-              <a:gd name="T3" fmla="*/ 1005 h 1114"/>
-              <a:gd name="T4" fmla="*/ 0 w 106"/>
-              <a:gd name="T5" fmla="*/ 0 h 1114"/>
-              <a:gd name="T6" fmla="*/ 106 w 106"/>
-              <a:gd name="T7" fmla="*/ 110 h 1114"/>
-              <a:gd name="T8" fmla="*/ 106 w 106"/>
-              <a:gd name="T9" fmla="*/ 1114 h 1114"/>
-            </a:gdLst>
-            <a:ahLst/>
-            <a:cxnLst>
-              <a:cxn ang="0">
-                <a:pos x="T0" y="T1"/>
-              </a:cxn>
-              <a:cxn ang="0">
-                <a:pos x="T2" y="T3"/>
-              </a:cxn>
-              <a:cxn ang="0">
-                <a:pos x="T4" y="T5"/>
-              </a:cxn>
-              <a:cxn ang="0">
-                <a:pos x="T6" y="T7"/>
-              </a:cxn>
-              <a:cxn ang="0">
-                <a:pos x="T8" y="T9"/>
-              </a:cxn>
-            </a:cxnLst>
-            <a:rect l="0" t="0" r="r" b="b"/>
-            <a:pathLst>
-              <a:path w="106" h="1114">
-                <a:moveTo>
-                  <a:pt x="106" y="1114"/>
-                </a:moveTo>
-                <a:lnTo>
-                  <a:pt x="0" y="1005"/>
-                </a:lnTo>
-                <a:lnTo>
-                  <a:pt x="0" y="0"/>
-                </a:lnTo>
-                <a:lnTo>
-                  <a:pt x="106" y="110"/>
-                </a:lnTo>
-                <a:lnTo>
-                  <a:pt x="106" y="1114"/>
-                </a:lnTo>
-                <a:close/>
-              </a:path>
-            </a:pathLst>
-          </a:custGeom>
-          <a:solidFill>
-            <a:schemeClr val="accent1">
-              <a:lumMod val="50000"/>
-            </a:schemeClr>
-          </a:solidFill>
-          <a:ln>
-            <a:noFill/>
-          </a:ln>
-        </p:spPr>
-        <p:txBody>
-          <a:bodyPr vert="horz" wrap="square" lIns="91440" tIns="45720" rIns="91440" bIns="45720" numCol="1" anchor="t" anchorCtr="0" compatLnSpc="1">
-            <a:prstTxWarp prst="textNoShape">
-              <a:avLst/>
-            </a:prstTxWarp>
-          </a:bodyPr>
-          <a:lstStyle/>
-          <a:p>
-            <a:endParaRPr lang="en-US"/>
-          </a:p>
-        </p:txBody>
-      </p:sp>
-      <p:sp>
-        <p:nvSpPr>
-          <p:cNvPr id="16" name="Freeform 44">
-            <a:extLst>
-              <a:ext uri="{FF2B5EF4-FFF2-40B4-BE49-F238E27FC236}">
-                <a16:creationId xmlns:a16="http://schemas.microsoft.com/office/drawing/2014/main" id="{7A62E32F-BB65-43A8-8EB5-92346890E549}"/>
-              </a:ext>
-              <a:ext uri="{C183D7F6-B498-43B3-948B-1728B52AA6E4}">
-                <adec:decorative xmlns:adec="http://schemas.microsoft.com/office/drawing/2017/decorative" val="1"/>
-              </a:ext>
-            </a:extLst>
-          </p:cNvPr>
-          <p:cNvSpPr>
-            <a:spLocks noGrp="1" noRot="1" noChangeAspect="1" noMove="1" noResize="1" noEditPoints="1" noAdjustHandles="1" noChangeArrowheads="1" noChangeShapeType="1" noTextEdit="1"/>
-          </p:cNvSpPr>
-          <p:nvPr>
-            <p:extLst>
-              <p:ext uri="{386F3935-93C4-4BCD-93E2-E3B085C9AB24}">
-                <p16:designElem xmlns:p16="http://schemas.microsoft.com/office/powerpoint/2015/main" val="1"/>
-              </p:ext>
-            </p:extLst>
-          </p:nvPr>
-        </p:nvSpPr>
-        <p:spPr bwMode="auto">
-          <a:xfrm>
-            <a:off x="11223203" y="635716"/>
-            <a:ext cx="328612" cy="1742360"/>
-          </a:xfrm>
-          <a:custGeom>
-            <a:avLst/>
-            <a:gdLst>
-              <a:gd name="T0" fmla="*/ 207 w 207"/>
-              <a:gd name="T1" fmla="*/ 987 h 1114"/>
-              <a:gd name="T2" fmla="*/ 0 w 207"/>
-              <a:gd name="T3" fmla="*/ 1114 h 1114"/>
-              <a:gd name="T4" fmla="*/ 0 w 207"/>
-              <a:gd name="T5" fmla="*/ 127 h 1114"/>
-              <a:gd name="T6" fmla="*/ 207 w 207"/>
-              <a:gd name="T7" fmla="*/ 0 h 1114"/>
-              <a:gd name="T8" fmla="*/ 207 w 207"/>
-              <a:gd name="T9" fmla="*/ 987 h 1114"/>
-            </a:gdLst>
-            <a:ahLst/>
-            <a:cxnLst>
-              <a:cxn ang="0">
-                <a:pos x="T0" y="T1"/>
-              </a:cxn>
-              <a:cxn ang="0">
-                <a:pos x="T2" y="T3"/>
-              </a:cxn>
-              <a:cxn ang="0">
-                <a:pos x="T4" y="T5"/>
-              </a:cxn>
-              <a:cxn ang="0">
-                <a:pos x="T6" y="T7"/>
-              </a:cxn>
-              <a:cxn ang="0">
-                <a:pos x="T8" y="T9"/>
-              </a:cxn>
-            </a:cxnLst>
-            <a:rect l="0" t="0" r="r" b="b"/>
-            <a:pathLst>
-              <a:path w="207" h="1114">
-                <a:moveTo>
-                  <a:pt x="207" y="987"/>
-                </a:moveTo>
-                <a:lnTo>
-                  <a:pt x="0" y="1114"/>
-                </a:lnTo>
-                <a:lnTo>
-                  <a:pt x="0" y="127"/>
-                </a:lnTo>
-                <a:lnTo>
-                  <a:pt x="207" y="0"/>
-                </a:lnTo>
-                <a:lnTo>
-                  <a:pt x="207" y="987"/>
-                </a:lnTo>
-                <a:close/>
-              </a:path>
-            </a:pathLst>
-          </a:custGeom>
-          <a:solidFill>
-            <a:schemeClr val="accent1">
-              <a:lumMod val="50000"/>
-            </a:schemeClr>
-          </a:solidFill>
-          <a:ln>
-            <a:noFill/>
-          </a:ln>
-        </p:spPr>
-        <p:txBody>
-          <a:bodyPr vert="horz" wrap="square" lIns="91440" tIns="45720" rIns="91440" bIns="45720" numCol="1" anchor="t" anchorCtr="0" compatLnSpc="1">
-            <a:prstTxWarp prst="textNoShape">
-              <a:avLst/>
-            </a:prstTxWarp>
-          </a:bodyPr>
-          <a:lstStyle/>
-          <a:p>
-            <a:endParaRPr lang="en-US"/>
-          </a:p>
-        </p:txBody>
-      </p:sp>
-      <p:sp>
-        <p:nvSpPr>
-          <p:cNvPr id="18" name="Rectangle 17">
-            <a:extLst>
-              <a:ext uri="{FF2B5EF4-FFF2-40B4-BE49-F238E27FC236}">
-                <a16:creationId xmlns:a16="http://schemas.microsoft.com/office/drawing/2014/main" id="{14E91B64-9FCC-451E-AFB4-A827D6329367}"/>
-              </a:ext>
-              <a:ext uri="{C183D7F6-B498-43B3-948B-1728B52AA6E4}">
-                <adec:decorative xmlns:adec="http://schemas.microsoft.com/office/drawing/2017/decorative" val="1"/>
-              </a:ext>
-            </a:extLst>
-          </p:cNvPr>
-          <p:cNvSpPr>
-            <a:spLocks noGrp="1" noRot="1" noChangeAspect="1" noMove="1" noResize="1" noEditPoints="1" noAdjustHandles="1" noChangeArrowheads="1" noChangeShapeType="1" noTextEdit="1"/>
-          </p:cNvSpPr>
-          <p:nvPr>
-            <p:extLst>
-              <p:ext uri="{386F3935-93C4-4BCD-93E2-E3B085C9AB24}">
-                <p16:designElem xmlns:p16="http://schemas.microsoft.com/office/powerpoint/2015/main" val="1"/>
-              </p:ext>
-            </p:extLst>
-          </p:nvPr>
-        </p:nvSpPr>
-        <p:spPr bwMode="auto">
-          <a:xfrm>
-            <a:off x="644055" y="635715"/>
-            <a:ext cx="10907863" cy="1541457"/>
-          </a:xfrm>
-          <a:prstGeom prst="rect">
-            <a:avLst/>
-          </a:prstGeom>
-          <a:solidFill>
-            <a:schemeClr val="accent1"/>
-          </a:solidFill>
-          <a:ln>
-            <a:noFill/>
-          </a:ln>
-        </p:spPr>
-        <p:txBody>
-          <a:bodyPr vert="horz" wrap="square" lIns="91440" tIns="45720" rIns="91440" bIns="45720" numCol="1" anchor="t" anchorCtr="0" compatLnSpc="1">
-            <a:prstTxWarp prst="textNoShape">
-              <a:avLst/>
-            </a:prstTxWarp>
-          </a:bodyPr>
-          <a:lstStyle/>
-          <a:p>
-            <a:endParaRPr lang="en-US"/>
-          </a:p>
-        </p:txBody>
-      </p:sp>
-      <p:sp>
-        <p:nvSpPr>
-          <p:cNvPr id="2" name="Titre 1">
-            <a:extLst>
-              <a:ext uri="{FF2B5EF4-FFF2-40B4-BE49-F238E27FC236}">
-                <a16:creationId xmlns:a16="http://schemas.microsoft.com/office/drawing/2014/main" id="{787733BC-219D-49C7-B5B4-F7CD9774C6A4}"/>
-              </a:ext>
-            </a:extLst>
-          </p:cNvPr>
-          <p:cNvSpPr>
-            <a:spLocks noGrp="1"/>
-          </p:cNvSpPr>
-          <p:nvPr>
-            <p:ph type="title"/>
-          </p:nvPr>
-        </p:nvSpPr>
-        <p:spPr>
-          <a:xfrm>
-            <a:off x="958506" y="800392"/>
-            <a:ext cx="10264697" cy="1212102"/>
-          </a:xfrm>
-        </p:spPr>
-        <p:txBody>
-          <a:bodyPr>
-            <a:normAutofit/>
-          </a:bodyPr>
-          <a:lstStyle/>
-          <a:p>
-            <a:r>
-              <a:rPr lang="fr-FR" sz="4000" dirty="0">
-                <a:solidFill>
-                  <a:srgbClr val="FFFFFF"/>
-                </a:solidFill>
-              </a:rPr>
-              <a:t>Formulaires</a:t>
-            </a:r>
-          </a:p>
-        </p:txBody>
-      </p:sp>
-      <p:sp>
-        <p:nvSpPr>
-          <p:cNvPr id="9" name="Espace réservé du numéro de diapositive 8">
-            <a:extLst>
-              <a:ext uri="{FF2B5EF4-FFF2-40B4-BE49-F238E27FC236}">
-                <a16:creationId xmlns:a16="http://schemas.microsoft.com/office/drawing/2014/main" id="{F3EDF272-70D0-418F-B1E4-090F125EAE69}"/>
-              </a:ext>
-            </a:extLst>
-          </p:cNvPr>
-          <p:cNvSpPr>
-            <a:spLocks noGrp="1"/>
-          </p:cNvSpPr>
-          <p:nvPr>
-            <p:ph type="sldNum" sz="quarter" idx="12"/>
-          </p:nvPr>
-        </p:nvSpPr>
-        <p:spPr/>
-        <p:txBody>
-          <a:bodyPr/>
-          <a:lstStyle/>
-          <a:p>
-            <a:fld id="{F8323CC4-5E62-4ADB-BC7C-89B23C89378E}" type="slidenum">
-              <a:rPr lang="fr-FR" smtClean="0"/>
-              <a:t>27</a:t>
-            </a:fld>
-            <a:endParaRPr lang="fr-FR"/>
-          </a:p>
-        </p:txBody>
-      </p:sp>
-      <p:pic>
-        <p:nvPicPr>
-          <p:cNvPr id="6" name="Image 5">
-            <a:extLst>
-              <a:ext uri="{FF2B5EF4-FFF2-40B4-BE49-F238E27FC236}">
-                <a16:creationId xmlns:a16="http://schemas.microsoft.com/office/drawing/2014/main" id="{F9E1CB56-D2B8-4A38-BA2D-7D9A22393CFB}"/>
-              </a:ext>
-            </a:extLst>
-          </p:cNvPr>
-          <p:cNvPicPr>
-            <a:picLocks noChangeAspect="1"/>
-          </p:cNvPicPr>
-          <p:nvPr/>
-        </p:nvPicPr>
-        <p:blipFill>
-          <a:blip r:embed="rId2"/>
-          <a:stretch>
-            <a:fillRect/>
-          </a:stretch>
-        </p:blipFill>
-        <p:spPr>
-          <a:xfrm>
-            <a:off x="1333481" y="2419171"/>
-            <a:ext cx="3432482" cy="2991360"/>
-          </a:xfrm>
-          <a:prstGeom prst="rect">
-            <a:avLst/>
-          </a:prstGeom>
-        </p:spPr>
-      </p:pic>
-      <p:sp>
-        <p:nvSpPr>
-          <p:cNvPr id="13" name="Flèche : droite 12">
-            <a:extLst>
-              <a:ext uri="{FF2B5EF4-FFF2-40B4-BE49-F238E27FC236}">
-                <a16:creationId xmlns:a16="http://schemas.microsoft.com/office/drawing/2014/main" id="{8AEECA8E-C7FE-469D-B082-99DEF04C93C6}"/>
-              </a:ext>
-            </a:extLst>
-          </p:cNvPr>
-          <p:cNvSpPr/>
-          <p:nvPr/>
-        </p:nvSpPr>
-        <p:spPr>
-          <a:xfrm>
-            <a:off x="4890287" y="3594556"/>
-            <a:ext cx="1205713" cy="480290"/>
-          </a:xfrm>
-          <a:prstGeom prst="rightArrow">
-            <a:avLst/>
-          </a:prstGeom>
-        </p:spPr>
-        <p:style>
-          <a:lnRef idx="2">
-            <a:schemeClr val="accent1">
-              <a:shade val="50000"/>
-            </a:schemeClr>
-          </a:lnRef>
-          <a:fillRef idx="1">
-            <a:schemeClr val="accent1"/>
-          </a:fillRef>
-          <a:effectRef idx="0">
-            <a:schemeClr val="accent1"/>
-          </a:effectRef>
-          <a:fontRef idx="minor">
-            <a:schemeClr val="lt1"/>
-          </a:fontRef>
-        </p:style>
-        <p:txBody>
-          <a:bodyPr rtlCol="0" anchor="ctr"/>
-          <a:lstStyle/>
-          <a:p>
-            <a:pPr algn="ctr"/>
-            <a:endParaRPr lang="fr-FR"/>
-          </a:p>
-        </p:txBody>
-      </p:sp>
-      <p:pic>
-        <p:nvPicPr>
-          <p:cNvPr id="17" name="Image 16">
-            <a:extLst>
-              <a:ext uri="{FF2B5EF4-FFF2-40B4-BE49-F238E27FC236}">
-                <a16:creationId xmlns:a16="http://schemas.microsoft.com/office/drawing/2014/main" id="{6ABDADB3-4AE5-4DA9-BCEB-AC278BE194F3}"/>
-              </a:ext>
-            </a:extLst>
-          </p:cNvPr>
-          <p:cNvPicPr>
-            <a:picLocks noChangeAspect="1"/>
-          </p:cNvPicPr>
-          <p:nvPr/>
-        </p:nvPicPr>
-        <p:blipFill>
-          <a:blip r:embed="rId3"/>
-          <a:stretch>
-            <a:fillRect/>
-          </a:stretch>
-        </p:blipFill>
-        <p:spPr>
-          <a:xfrm>
-            <a:off x="611321" y="6175540"/>
-            <a:ext cx="4829849" cy="419158"/>
-          </a:xfrm>
-          <a:prstGeom prst="rect">
-            <a:avLst/>
-          </a:prstGeom>
-        </p:spPr>
-      </p:pic>
-      <p:pic>
-        <p:nvPicPr>
-          <p:cNvPr id="24" name="Image 23">
-            <a:extLst>
-              <a:ext uri="{FF2B5EF4-FFF2-40B4-BE49-F238E27FC236}">
-                <a16:creationId xmlns:a16="http://schemas.microsoft.com/office/drawing/2014/main" id="{BCDC707A-3153-41FA-8783-D04EC5059B7D}"/>
-              </a:ext>
-            </a:extLst>
-          </p:cNvPr>
-          <p:cNvPicPr>
-            <a:picLocks noChangeAspect="1"/>
-          </p:cNvPicPr>
-          <p:nvPr/>
-        </p:nvPicPr>
-        <p:blipFill>
-          <a:blip r:embed="rId4"/>
-          <a:stretch>
-            <a:fillRect/>
-          </a:stretch>
-        </p:blipFill>
-        <p:spPr>
-          <a:xfrm>
-            <a:off x="7956573" y="6137612"/>
-            <a:ext cx="1190791" cy="466790"/>
-          </a:xfrm>
-          <a:prstGeom prst="rect">
-            <a:avLst/>
-          </a:prstGeom>
-        </p:spPr>
-      </p:pic>
-      <p:pic>
-        <p:nvPicPr>
-          <p:cNvPr id="26" name="Image 25">
-            <a:extLst>
-              <a:ext uri="{FF2B5EF4-FFF2-40B4-BE49-F238E27FC236}">
-                <a16:creationId xmlns:a16="http://schemas.microsoft.com/office/drawing/2014/main" id="{C76A4E75-9AF7-4D99-90F4-6FF0F0C7011D}"/>
-              </a:ext>
-            </a:extLst>
-          </p:cNvPr>
-          <p:cNvPicPr>
-            <a:picLocks noChangeAspect="1"/>
-          </p:cNvPicPr>
-          <p:nvPr/>
-        </p:nvPicPr>
-        <p:blipFill>
-          <a:blip r:embed="rId5"/>
-          <a:stretch>
-            <a:fillRect/>
-          </a:stretch>
-        </p:blipFill>
-        <p:spPr>
-          <a:xfrm>
-            <a:off x="6206209" y="3252500"/>
-            <a:ext cx="5982535" cy="1162212"/>
-          </a:xfrm>
-          <a:prstGeom prst="rect">
-            <a:avLst/>
-          </a:prstGeom>
-        </p:spPr>
-      </p:pic>
-      <p:sp>
-        <p:nvSpPr>
-          <p:cNvPr id="27" name="Flèche : droite 26">
-            <a:extLst>
-              <a:ext uri="{FF2B5EF4-FFF2-40B4-BE49-F238E27FC236}">
-                <a16:creationId xmlns:a16="http://schemas.microsoft.com/office/drawing/2014/main" id="{4C92A56E-DEBE-4611-9F94-4BF3011E108D}"/>
-              </a:ext>
-            </a:extLst>
-          </p:cNvPr>
-          <p:cNvSpPr/>
-          <p:nvPr/>
-        </p:nvSpPr>
-        <p:spPr>
-          <a:xfrm>
-            <a:off x="6118563" y="6055877"/>
-            <a:ext cx="1205713" cy="480290"/>
-          </a:xfrm>
-          <a:prstGeom prst="rightArrow">
-            <a:avLst/>
-          </a:prstGeom>
-        </p:spPr>
-        <p:style>
-          <a:lnRef idx="2">
-            <a:schemeClr val="accent1">
-              <a:shade val="50000"/>
-            </a:schemeClr>
-          </a:lnRef>
-          <a:fillRef idx="1">
-            <a:schemeClr val="accent1"/>
-          </a:fillRef>
-          <a:effectRef idx="0">
-            <a:schemeClr val="accent1"/>
-          </a:effectRef>
-          <a:fontRef idx="minor">
-            <a:schemeClr val="lt1"/>
-          </a:fontRef>
-        </p:style>
-        <p:txBody>
-          <a:bodyPr rtlCol="0" anchor="ctr"/>
-          <a:lstStyle/>
-          <a:p>
-            <a:pPr algn="ctr"/>
-            <a:endParaRPr lang="fr-FR"/>
-          </a:p>
-        </p:txBody>
-      </p:sp>
-      <p:sp>
-        <p:nvSpPr>
-          <p:cNvPr id="28" name="ZoneTexte 27">
-            <a:extLst>
-              <a:ext uri="{FF2B5EF4-FFF2-40B4-BE49-F238E27FC236}">
-                <a16:creationId xmlns:a16="http://schemas.microsoft.com/office/drawing/2014/main" id="{59D4B96E-419E-4D2C-989B-7923B5E816F2}"/>
-              </a:ext>
-            </a:extLst>
-          </p:cNvPr>
-          <p:cNvSpPr txBox="1"/>
-          <p:nvPr/>
-        </p:nvSpPr>
-        <p:spPr>
-          <a:xfrm>
-            <a:off x="4765963" y="5521867"/>
-            <a:ext cx="2807855" cy="461665"/>
-          </a:xfrm>
-          <a:prstGeom prst="rect">
-            <a:avLst/>
-          </a:prstGeom>
-          <a:noFill/>
-        </p:spPr>
-        <p:txBody>
-          <a:bodyPr wrap="square" rtlCol="0">
-            <a:spAutoFit/>
-          </a:bodyPr>
-          <a:lstStyle/>
-          <a:p>
-            <a:r>
-              <a:rPr lang="fr-FR" sz="2400" dirty="0"/>
-              <a:t>Affichage :</a:t>
-            </a:r>
-          </a:p>
-        </p:txBody>
-      </p:sp>
-    </p:spTree>
-    <p:extLst>
-      <p:ext uri="{BB962C8B-B14F-4D97-AF65-F5344CB8AC3E}">
-        <p14:creationId xmlns:p14="http://schemas.microsoft.com/office/powerpoint/2010/main" val="810595131"/>
-      </p:ext>
-    </p:extLst>
-  </p:cSld>
-  <p:clrMapOvr>
-    <a:masterClrMapping/>
-  </p:clrMapOvr>
-</p:sld>
-</file>
-
-<file path=ppt/slides/slide28.xml><?xml version="1.0" encoding="utf-8"?>
-<p:sld xmlns:a="http://schemas.openxmlformats.org/drawingml/2006/main" xmlns:r="http://schemas.openxmlformats.org/officeDocument/2006/relationships" xmlns:p="http://schemas.openxmlformats.org/presentationml/2006/main">
-  <p:cSld>
-    <p:bg>
-      <p:bgPr>
-        <a:solidFill>
-          <a:schemeClr val="bg1"/>
-        </a:solidFill>
-        <a:effectLst/>
-      </p:bgPr>
-    </p:bg>
-    <p:spTree>
-      <p:nvGrpSpPr>
-        <p:cNvPr id="1" name=""/>
-        <p:cNvGrpSpPr/>
-        <p:nvPr/>
-      </p:nvGrpSpPr>
-      <p:grpSpPr>
-        <a:xfrm>
-          <a:off x="0" y="0"/>
-          <a:ext cx="0" cy="0"/>
-          <a:chOff x="0" y="0"/>
-          <a:chExt cx="0" cy="0"/>
-        </a:xfrm>
-      </p:grpSpPr>
       <p:sp>
         <p:nvSpPr>
           <p:cNvPr id="9" name="Rectangle 8">
@@ -16179,13 +15563,72 @@
                   <a:spcPts val="600"/>
                 </a:spcAft>
               </a:pPr>
-              <a:t>28</a:t>
+              <a:t>27</a:t>
             </a:fld>
             <a:endParaRPr lang="en-US" sz="1000">
               <a:solidFill>
                 <a:srgbClr val="898989"/>
               </a:solidFill>
             </a:endParaRPr>
+          </a:p>
+        </p:txBody>
+      </p:sp>
+      <p:sp>
+        <p:nvSpPr>
+          <p:cNvPr id="6" name="Rectangle 5">
+            <a:extLst>
+              <a:ext uri="{FF2B5EF4-FFF2-40B4-BE49-F238E27FC236}">
+                <a16:creationId xmlns:a16="http://schemas.microsoft.com/office/drawing/2014/main" id="{26856DD9-AD13-4E47-95C3-AD8BB9611BA1}"/>
+              </a:ext>
+            </a:extLst>
+          </p:cNvPr>
+          <p:cNvSpPr/>
+          <p:nvPr/>
+        </p:nvSpPr>
+        <p:spPr>
+          <a:xfrm>
+            <a:off x="3045368" y="4493623"/>
+            <a:ext cx="6322422" cy="1123406"/>
+          </a:xfrm>
+          <a:prstGeom prst="rect">
+            <a:avLst/>
+          </a:prstGeom>
+          <a:solidFill>
+            <a:schemeClr val="tx2">
+              <a:lumMod val="40000"/>
+              <a:lumOff val="60000"/>
+            </a:schemeClr>
+          </a:solidFill>
+        </p:spPr>
+        <p:style>
+          <a:lnRef idx="2">
+            <a:schemeClr val="accent1">
+              <a:shade val="50000"/>
+            </a:schemeClr>
+          </a:lnRef>
+          <a:fillRef idx="1">
+            <a:schemeClr val="accent1"/>
+          </a:fillRef>
+          <a:effectRef idx="0">
+            <a:schemeClr val="accent1"/>
+          </a:effectRef>
+          <a:fontRef idx="minor">
+            <a:schemeClr val="lt1"/>
+          </a:fontRef>
+        </p:style>
+        <p:txBody>
+          <a:bodyPr rtlCol="0" anchor="ctr"/>
+          <a:lstStyle/>
+          <a:p>
+            <a:pPr algn="ctr"/>
+            <a:r>
+              <a:rPr lang="fr-FR" dirty="0">
+                <a:solidFill>
+                  <a:schemeClr val="tx1"/>
+                </a:solidFill>
+              </a:rPr>
+              <a:t>Créer un formulaire afin d’ajouter ou de supprimer une personne de la base de données</a:t>
+            </a:r>
           </a:p>
         </p:txBody>
       </p:sp>
@@ -20403,6 +19846,49 @@
           </a:p>
         </p:txBody>
       </p:sp>
+      <p:sp>
+        <p:nvSpPr>
+          <p:cNvPr id="3" name="ZoneTexte 2">
+            <a:extLst>
+              <a:ext uri="{FF2B5EF4-FFF2-40B4-BE49-F238E27FC236}">
+                <a16:creationId xmlns:a16="http://schemas.microsoft.com/office/drawing/2014/main" id="{1C3CAF08-592B-4866-9413-38ADD9E08E82}"/>
+              </a:ext>
+            </a:extLst>
+          </p:cNvPr>
+          <p:cNvSpPr txBox="1"/>
+          <p:nvPr/>
+        </p:nvSpPr>
+        <p:spPr>
+          <a:xfrm>
+            <a:off x="1410789" y="2378076"/>
+            <a:ext cx="5460274" cy="369332"/>
+          </a:xfrm>
+          <a:prstGeom prst="rect">
+            <a:avLst/>
+          </a:prstGeom>
+          <a:noFill/>
+        </p:spPr>
+        <p:txBody>
+          <a:bodyPr wrap="square" rtlCol="0">
+            <a:spAutoFit/>
+          </a:bodyPr>
+          <a:lstStyle/>
+          <a:p>
+            <a:r>
+              <a:rPr lang="fr-FR" dirty="0"/>
+              <a:t>Projet a télécharger sur </a:t>
+            </a:r>
+            <a:r>
+              <a:rPr lang="fr-FR" dirty="0" err="1"/>
+              <a:t>Github</a:t>
+            </a:r>
+            <a:r>
+              <a:rPr lang="fr-FR" dirty="0"/>
+              <a:t> (lien dans le chat)</a:t>
+            </a:r>
+          </a:p>
+        </p:txBody>
+      </p:sp>
     </p:spTree>
     <p:extLst>
       <p:ext uri="{BB962C8B-B14F-4D97-AF65-F5344CB8AC3E}">
@@ -20665,6 +20151,65 @@
                 <a:srgbClr val="898989"/>
               </a:solidFill>
             </a:endParaRPr>
+          </a:p>
+        </p:txBody>
+      </p:sp>
+      <p:sp>
+        <p:nvSpPr>
+          <p:cNvPr id="3" name="Rectangle 2">
+            <a:extLst>
+              <a:ext uri="{FF2B5EF4-FFF2-40B4-BE49-F238E27FC236}">
+                <a16:creationId xmlns:a16="http://schemas.microsoft.com/office/drawing/2014/main" id="{63B25174-B663-4747-A488-7FE18D0797D1}"/>
+              </a:ext>
+            </a:extLst>
+          </p:cNvPr>
+          <p:cNvSpPr/>
+          <p:nvPr/>
+        </p:nvSpPr>
+        <p:spPr>
+          <a:xfrm>
+            <a:off x="3045368" y="4493623"/>
+            <a:ext cx="6322422" cy="1123406"/>
+          </a:xfrm>
+          <a:prstGeom prst="rect">
+            <a:avLst/>
+          </a:prstGeom>
+          <a:solidFill>
+            <a:schemeClr val="tx2">
+              <a:lumMod val="40000"/>
+              <a:lumOff val="60000"/>
+            </a:schemeClr>
+          </a:solidFill>
+        </p:spPr>
+        <p:style>
+          <a:lnRef idx="2">
+            <a:schemeClr val="accent1">
+              <a:shade val="50000"/>
+            </a:schemeClr>
+          </a:lnRef>
+          <a:fillRef idx="1">
+            <a:schemeClr val="accent1"/>
+          </a:fillRef>
+          <a:effectRef idx="0">
+            <a:schemeClr val="accent1"/>
+          </a:effectRef>
+          <a:fontRef idx="minor">
+            <a:schemeClr val="lt1"/>
+          </a:fontRef>
+        </p:style>
+        <p:txBody>
+          <a:bodyPr rtlCol="0" anchor="ctr"/>
+          <a:lstStyle/>
+          <a:p>
+            <a:pPr algn="ctr"/>
+            <a:r>
+              <a:rPr lang="fr-FR" dirty="0">
+                <a:solidFill>
+                  <a:schemeClr val="tx1"/>
+                </a:solidFill>
+              </a:rPr>
+              <a:t>Utilisez PDO pour créer la connexion vers la base de données</a:t>
+            </a:r>
           </a:p>
         </p:txBody>
       </p:sp>
@@ -21315,7 +20860,7 @@
         </p:nvSpPr>
         <p:spPr>
           <a:xfrm>
-            <a:off x="1815737" y="2634888"/>
+            <a:off x="1227057" y="2606511"/>
             <a:ext cx="8634549" cy="461665"/>
           </a:xfrm>
           <a:prstGeom prst="rect">
@@ -21495,14 +21040,137 @@
         </p:blipFill>
         <p:spPr>
           <a:xfrm>
-            <a:off x="3274222" y="3690570"/>
-            <a:ext cx="5717577" cy="729586"/>
+            <a:off x="627345" y="3328347"/>
+            <a:ext cx="7956132" cy="1015235"/>
           </a:xfrm>
           <a:prstGeom prst="rect">
             <a:avLst/>
           </a:prstGeom>
         </p:spPr>
       </p:pic>
+      <p:pic>
+        <p:nvPicPr>
+          <p:cNvPr id="3" name="Image 2">
+            <a:extLst>
+              <a:ext uri="{FF2B5EF4-FFF2-40B4-BE49-F238E27FC236}">
+                <a16:creationId xmlns:a16="http://schemas.microsoft.com/office/drawing/2014/main" id="{5C548AD5-5B1D-44AB-9667-CAAB68E13A9D}"/>
+              </a:ext>
+            </a:extLst>
+          </p:cNvPr>
+          <p:cNvPicPr>
+            <a:picLocks noChangeAspect="1"/>
+          </p:cNvPicPr>
+          <p:nvPr/>
+        </p:nvPicPr>
+        <p:blipFill>
+          <a:blip r:embed="rId5"/>
+          <a:stretch>
+            <a:fillRect/>
+          </a:stretch>
+        </p:blipFill>
+        <p:spPr>
+          <a:xfrm>
+            <a:off x="9415676" y="3117851"/>
+            <a:ext cx="3182986" cy="1242673"/>
+          </a:xfrm>
+          <a:prstGeom prst="rect">
+            <a:avLst/>
+          </a:prstGeom>
+        </p:spPr>
+      </p:pic>
+      <p:sp>
+        <p:nvSpPr>
+          <p:cNvPr id="7" name="ZoneTexte 6">
+            <a:extLst>
+              <a:ext uri="{FF2B5EF4-FFF2-40B4-BE49-F238E27FC236}">
+                <a16:creationId xmlns:a16="http://schemas.microsoft.com/office/drawing/2014/main" id="{2A82C58A-C336-4D1A-982D-345A9B7E1EFF}"/>
+              </a:ext>
+            </a:extLst>
+          </p:cNvPr>
+          <p:cNvSpPr txBox="1"/>
+          <p:nvPr/>
+        </p:nvSpPr>
+        <p:spPr>
+          <a:xfrm>
+            <a:off x="6425472" y="3835964"/>
+            <a:ext cx="2362860" cy="338554"/>
+          </a:xfrm>
+          <a:prstGeom prst="rect">
+            <a:avLst/>
+          </a:prstGeom>
+          <a:solidFill>
+            <a:schemeClr val="bg1"/>
+          </a:solidFill>
+        </p:spPr>
+        <p:txBody>
+          <a:bodyPr wrap="square" rtlCol="0">
+            <a:spAutoFit/>
+          </a:bodyPr>
+          <a:lstStyle/>
+          <a:p>
+            <a:r>
+              <a:rPr lang="fr-FR" sz="1600" dirty="0">
+                <a:solidFill>
+                  <a:srgbClr val="FF0000"/>
+                </a:solidFill>
+              </a:rPr>
+              <a:t>Contenu du champs table</a:t>
+            </a:r>
+          </a:p>
+        </p:txBody>
+      </p:sp>
+      <p:sp>
+        <p:nvSpPr>
+          <p:cNvPr id="11" name="Rectangle 10">
+            <a:extLst>
+              <a:ext uri="{FF2B5EF4-FFF2-40B4-BE49-F238E27FC236}">
+                <a16:creationId xmlns:a16="http://schemas.microsoft.com/office/drawing/2014/main" id="{A21D5B39-8064-46DA-A963-DB33B14FD3AF}"/>
+              </a:ext>
+            </a:extLst>
+          </p:cNvPr>
+          <p:cNvSpPr/>
+          <p:nvPr/>
+        </p:nvSpPr>
+        <p:spPr>
+          <a:xfrm>
+            <a:off x="9415676" y="3117851"/>
+            <a:ext cx="3007101" cy="510095"/>
+          </a:xfrm>
+          <a:prstGeom prst="rect">
+            <a:avLst/>
+          </a:prstGeom>
+          <a:noFill/>
+          <a:ln>
+            <a:solidFill>
+              <a:srgbClr val="FF0000"/>
+            </a:solidFill>
+          </a:ln>
+        </p:spPr>
+        <p:style>
+          <a:lnRef idx="2">
+            <a:schemeClr val="accent1">
+              <a:shade val="50000"/>
+            </a:schemeClr>
+          </a:lnRef>
+          <a:fillRef idx="1">
+            <a:schemeClr val="accent1"/>
+          </a:fillRef>
+          <a:effectRef idx="0">
+            <a:schemeClr val="accent1"/>
+          </a:effectRef>
+          <a:fontRef idx="minor">
+            <a:schemeClr val="lt1"/>
+          </a:fontRef>
+        </p:style>
+        <p:txBody>
+          <a:bodyPr rtlCol="0" anchor="ctr"/>
+          <a:lstStyle/>
+          <a:p>
+            <a:pPr algn="ctr"/>
+            <a:endParaRPr lang="fr-FR"/>
+          </a:p>
+        </p:txBody>
+      </p:sp>
     </p:spTree>
     <p:extLst>
       <p:ext uri="{BB962C8B-B14F-4D97-AF65-F5344CB8AC3E}">

--- a/Formation de formateur.pptx
+++ b/Formation de formateur.pptx
@@ -5,7 +5,7 @@
     <p:sldMasterId id="2147483648" r:id="rId1"/>
   </p:sldMasterIdLst>
   <p:notesMasterIdLst>
-    <p:notesMasterId r:id="rId29"/>
+    <p:notesMasterId r:id="rId30"/>
   </p:notesMasterIdLst>
   <p:sldIdLst>
     <p:sldId id="256" r:id="rId2"/>
@@ -35,6 +35,7 @@
     <p:sldId id="283" r:id="rId26"/>
     <p:sldId id="282" r:id="rId27"/>
     <p:sldId id="284" r:id="rId28"/>
+    <p:sldId id="288" r:id="rId29"/>
   </p:sldIdLst>
   <p:sldSz cx="12192000" cy="6858000"/>
   <p:notesSz cx="6858000" cy="9144000"/>
@@ -15636,6 +15637,417 @@
     <p:extLst>
       <p:ext uri="{BB962C8B-B14F-4D97-AF65-F5344CB8AC3E}">
         <p14:creationId xmlns:p14="http://schemas.microsoft.com/office/powerpoint/2010/main" val="3351815295"/>
+      </p:ext>
+    </p:extLst>
+  </p:cSld>
+  <p:clrMapOvr>
+    <a:masterClrMapping/>
+  </p:clrMapOvr>
+</p:sld>
+</file>
+
+<file path=ppt/slides/slide28.xml><?xml version="1.0" encoding="utf-8"?>
+<p:sld xmlns:a="http://schemas.openxmlformats.org/drawingml/2006/main" xmlns:r="http://schemas.openxmlformats.org/officeDocument/2006/relationships" xmlns:p="http://schemas.openxmlformats.org/presentationml/2006/main">
+  <p:cSld>
+    <p:bg>
+      <p:bgPr>
+        <a:solidFill>
+          <a:schemeClr val="bg1"/>
+        </a:solidFill>
+        <a:effectLst/>
+      </p:bgPr>
+    </p:bg>
+    <p:spTree>
+      <p:nvGrpSpPr>
+        <p:cNvPr id="1" name=""/>
+        <p:cNvGrpSpPr/>
+        <p:nvPr/>
+      </p:nvGrpSpPr>
+      <p:grpSpPr>
+        <a:xfrm>
+          <a:off x="0" y="0"/>
+          <a:ext cx="0" cy="0"/>
+          <a:chOff x="0" y="0"/>
+          <a:chExt cx="0" cy="0"/>
+        </a:xfrm>
+      </p:grpSpPr>
+      <p:sp>
+        <p:nvSpPr>
+          <p:cNvPr id="11" name="Rectangle 10">
+            <a:extLst>
+              <a:ext uri="{FF2B5EF4-FFF2-40B4-BE49-F238E27FC236}">
+                <a16:creationId xmlns:a16="http://schemas.microsoft.com/office/drawing/2014/main" id="{23962611-DFD5-4092-AAFD-559E3DFCE2C9}"/>
+              </a:ext>
+              <a:ext uri="{C183D7F6-B498-43B3-948B-1728B52AA6E4}">
+                <adec:decorative xmlns:adec="http://schemas.microsoft.com/office/drawing/2017/decorative" val="1"/>
+              </a:ext>
+            </a:extLst>
+          </p:cNvPr>
+          <p:cNvSpPr>
+            <a:spLocks noGrp="1" noRot="1" noChangeAspect="1" noMove="1" noResize="1" noEditPoints="1" noAdjustHandles="1" noChangeArrowheads="1" noChangeShapeType="1" noTextEdit="1"/>
+          </p:cNvSpPr>
+          <p:nvPr>
+            <p:extLst>
+              <p:ext uri="{386F3935-93C4-4BCD-93E2-E3B085C9AB24}">
+                <p16:designElem xmlns:p16="http://schemas.microsoft.com/office/powerpoint/2015/main" val="1"/>
+              </p:ext>
+            </p:extLst>
+          </p:nvPr>
+        </p:nvSpPr>
+        <p:spPr>
+          <a:xfrm>
+            <a:off x="475488" y="0"/>
+            <a:ext cx="10910292" cy="6858000"/>
+          </a:xfrm>
+          <a:prstGeom prst="rect">
+            <a:avLst/>
+          </a:prstGeom>
+          <a:gradFill>
+            <a:gsLst>
+              <a:gs pos="0">
+                <a:schemeClr val="accent1">
+                  <a:lumMod val="90000"/>
+                </a:schemeClr>
+              </a:gs>
+              <a:gs pos="25000">
+                <a:schemeClr val="accent1">
+                  <a:lumMod val="90000"/>
+                </a:schemeClr>
+              </a:gs>
+              <a:gs pos="94000">
+                <a:schemeClr val="bg2">
+                  <a:lumMod val="25000"/>
+                </a:schemeClr>
+              </a:gs>
+              <a:gs pos="100000">
+                <a:schemeClr val="bg2">
+                  <a:lumMod val="25000"/>
+                </a:schemeClr>
+              </a:gs>
+            </a:gsLst>
+            <a:lin ang="4200000" scaled="0"/>
+          </a:gradFill>
+          <a:ln>
+            <a:noFill/>
+          </a:ln>
+        </p:spPr>
+        <p:style>
+          <a:lnRef idx="2">
+            <a:schemeClr val="accent1">
+              <a:shade val="50000"/>
+            </a:schemeClr>
+          </a:lnRef>
+          <a:fillRef idx="1">
+            <a:schemeClr val="accent1"/>
+          </a:fillRef>
+          <a:effectRef idx="0">
+            <a:schemeClr val="accent1"/>
+          </a:effectRef>
+          <a:fontRef idx="minor">
+            <a:schemeClr val="lt1"/>
+          </a:fontRef>
+        </p:style>
+        <p:txBody>
+          <a:bodyPr rtlCol="0" anchor="ctr"/>
+          <a:lstStyle/>
+          <a:p>
+            <a:pPr algn="ctr"/>
+            <a:endParaRPr lang="en-US"/>
+          </a:p>
+        </p:txBody>
+      </p:sp>
+      <p:pic>
+        <p:nvPicPr>
+          <p:cNvPr id="13" name="Picture 12">
+            <a:extLst>
+              <a:ext uri="{FF2B5EF4-FFF2-40B4-BE49-F238E27FC236}">
+                <a16:creationId xmlns:a16="http://schemas.microsoft.com/office/drawing/2014/main" id="{2270F1FA-0425-408F-9861-80BF5AFB276D}"/>
+              </a:ext>
+              <a:ext uri="{C183D7F6-B498-43B3-948B-1728B52AA6E4}">
+                <adec:decorative xmlns:adec="http://schemas.microsoft.com/office/drawing/2017/decorative" val="1"/>
+              </a:ext>
+            </a:extLst>
+          </p:cNvPr>
+          <p:cNvPicPr>
+            <a:picLocks noGrp="1" noRot="1" noChangeAspect="1" noMove="1" noResize="1" noEditPoints="1" noAdjustHandles="1" noChangeArrowheads="1" noChangeShapeType="1" noCrop="1"/>
+          </p:cNvPicPr>
+          <p:nvPr>
+            <p:extLst>
+              <p:ext uri="{386F3935-93C4-4BCD-93E2-E3B085C9AB24}">
+                <p16:designElem xmlns:p16="http://schemas.microsoft.com/office/powerpoint/2015/main" val="1"/>
+              </p:ext>
+            </p:extLst>
+          </p:nvPr>
+        </p:nvPicPr>
+        <p:blipFill>
+          <a:blip r:embed="rId2">
+            <a:extLst>
+              <a:ext uri="{28A0092B-C50C-407E-A947-70E740481C1C}">
+                <a14:useLocalDpi xmlns:a14="http://schemas.microsoft.com/office/drawing/2010/main" val="0"/>
+              </a:ext>
+            </a:extLst>
+          </a:blip>
+          <a:stretch>
+            <a:fillRect/>
+          </a:stretch>
+        </p:blipFill>
+        <p:spPr>
+          <a:xfrm>
+            <a:off x="0" y="0"/>
+            <a:ext cx="12192000" cy="6858000"/>
+          </a:xfrm>
+          <a:prstGeom prst="rect">
+            <a:avLst/>
+          </a:prstGeom>
+        </p:spPr>
+      </p:pic>
+      <p:sp>
+        <p:nvSpPr>
+          <p:cNvPr id="2" name="Titre 1">
+            <a:extLst>
+              <a:ext uri="{FF2B5EF4-FFF2-40B4-BE49-F238E27FC236}">
+                <a16:creationId xmlns:a16="http://schemas.microsoft.com/office/drawing/2014/main" id="{239DFAB0-D1E4-4E4A-B49A-E039CE4B2773}"/>
+              </a:ext>
+            </a:extLst>
+          </p:cNvPr>
+          <p:cNvSpPr>
+            <a:spLocks noGrp="1"/>
+          </p:cNvSpPr>
+          <p:nvPr>
+            <p:ph type="title"/>
+          </p:nvPr>
+        </p:nvSpPr>
+        <p:spPr>
+          <a:xfrm>
+            <a:off x="3045368" y="2043664"/>
+            <a:ext cx="6105194" cy="986408"/>
+          </a:xfrm>
+        </p:spPr>
+        <p:txBody>
+          <a:bodyPr vert="horz" lIns="91440" tIns="45720" rIns="91440" bIns="45720" rtlCol="0" anchor="b">
+            <a:normAutofit/>
+          </a:bodyPr>
+          <a:lstStyle/>
+          <a:p>
+            <a:pPr algn="ctr"/>
+            <a:r>
+              <a:rPr lang="en-US" sz="6000" kern="1200" dirty="0">
+                <a:solidFill>
+                  <a:srgbClr val="FFFFFF"/>
+                </a:solidFill>
+                <a:latin typeface="+mj-lt"/>
+                <a:ea typeface="+mj-ea"/>
+                <a:cs typeface="+mj-cs"/>
+              </a:rPr>
+              <a:t>Mini </a:t>
+            </a:r>
+            <a:r>
+              <a:rPr lang="en-US" sz="6000" kern="1200" dirty="0" err="1">
+                <a:solidFill>
+                  <a:srgbClr val="FFFFFF"/>
+                </a:solidFill>
+                <a:latin typeface="+mj-lt"/>
+                <a:ea typeface="+mj-ea"/>
+                <a:cs typeface="+mj-cs"/>
+              </a:rPr>
+              <a:t>projet</a:t>
+            </a:r>
+            <a:endParaRPr lang="en-US" sz="6000" kern="1200" dirty="0">
+              <a:solidFill>
+                <a:srgbClr val="FFFFFF"/>
+              </a:solidFill>
+              <a:latin typeface="+mj-lt"/>
+              <a:ea typeface="+mj-ea"/>
+              <a:cs typeface="+mj-cs"/>
+            </a:endParaRPr>
+          </a:p>
+        </p:txBody>
+      </p:sp>
+      <p:sp>
+        <p:nvSpPr>
+          <p:cNvPr id="4" name="Espace réservé du numéro de diapositive 3">
+            <a:extLst>
+              <a:ext uri="{FF2B5EF4-FFF2-40B4-BE49-F238E27FC236}">
+                <a16:creationId xmlns:a16="http://schemas.microsoft.com/office/drawing/2014/main" id="{082A798F-823D-4016-A903-363BE0E0237D}"/>
+              </a:ext>
+            </a:extLst>
+          </p:cNvPr>
+          <p:cNvSpPr>
+            <a:spLocks noGrp="1"/>
+          </p:cNvSpPr>
+          <p:nvPr>
+            <p:ph type="sldNum" sz="quarter" idx="12"/>
+          </p:nvPr>
+        </p:nvSpPr>
+        <p:spPr>
+          <a:xfrm>
+            <a:off x="10825930" y="6223702"/>
+            <a:ext cx="570728" cy="314067"/>
+          </a:xfrm>
+        </p:spPr>
+        <p:txBody>
+          <a:bodyPr vert="horz" lIns="91440" tIns="45720" rIns="91440" bIns="45720" rtlCol="0" anchor="ctr">
+            <a:normAutofit/>
+          </a:bodyPr>
+          <a:lstStyle/>
+          <a:p>
+            <a:pPr>
+              <a:spcAft>
+                <a:spcPts val="600"/>
+              </a:spcAft>
+            </a:pPr>
+            <a:fld id="{F8323CC4-5E62-4ADB-BC7C-89B23C89378E}" type="slidenum">
+              <a:rPr lang="en-US" sz="1000">
+                <a:solidFill>
+                  <a:srgbClr val="898989"/>
+                </a:solidFill>
+              </a:rPr>
+              <a:pPr>
+                <a:spcAft>
+                  <a:spcPts val="600"/>
+                </a:spcAft>
+              </a:pPr>
+              <a:t>28</a:t>
+            </a:fld>
+            <a:endParaRPr lang="en-US" sz="1000">
+              <a:solidFill>
+                <a:srgbClr val="898989"/>
+              </a:solidFill>
+            </a:endParaRPr>
+          </a:p>
+        </p:txBody>
+      </p:sp>
+      <p:sp>
+        <p:nvSpPr>
+          <p:cNvPr id="6" name="Rectangle 5">
+            <a:extLst>
+              <a:ext uri="{FF2B5EF4-FFF2-40B4-BE49-F238E27FC236}">
+                <a16:creationId xmlns:a16="http://schemas.microsoft.com/office/drawing/2014/main" id="{26856DD9-AD13-4E47-95C3-AD8BB9611BA1}"/>
+              </a:ext>
+            </a:extLst>
+          </p:cNvPr>
+          <p:cNvSpPr/>
+          <p:nvPr/>
+        </p:nvSpPr>
+        <p:spPr>
+          <a:xfrm>
+            <a:off x="2656596" y="3030072"/>
+            <a:ext cx="6878808" cy="2586957"/>
+          </a:xfrm>
+          <a:prstGeom prst="rect">
+            <a:avLst/>
+          </a:prstGeom>
+          <a:solidFill>
+            <a:schemeClr val="tx2">
+              <a:lumMod val="40000"/>
+              <a:lumOff val="60000"/>
+            </a:schemeClr>
+          </a:solidFill>
+        </p:spPr>
+        <p:style>
+          <a:lnRef idx="2">
+            <a:schemeClr val="accent1">
+              <a:shade val="50000"/>
+            </a:schemeClr>
+          </a:lnRef>
+          <a:fillRef idx="1">
+            <a:schemeClr val="accent1"/>
+          </a:fillRef>
+          <a:effectRef idx="0">
+            <a:schemeClr val="accent1"/>
+          </a:effectRef>
+          <a:fontRef idx="minor">
+            <a:schemeClr val="lt1"/>
+          </a:fontRef>
+        </p:style>
+        <p:txBody>
+          <a:bodyPr rtlCol="0" anchor="ctr"/>
+          <a:lstStyle/>
+          <a:p>
+            <a:pPr algn="ctr">
+              <a:spcAft>
+                <a:spcPts val="600"/>
+              </a:spcAft>
+            </a:pPr>
+            <a:r>
+              <a:rPr lang="fr-FR" sz="2400" dirty="0">
+                <a:solidFill>
+                  <a:schemeClr val="tx1"/>
+                </a:solidFill>
+              </a:rPr>
+              <a:t>Création un formulaire d’inscription à </a:t>
+            </a:r>
+            <a:r>
+              <a:rPr lang="fr-FR" sz="2400" dirty="0" err="1">
+                <a:solidFill>
+                  <a:schemeClr val="tx1"/>
+                </a:solidFill>
+              </a:rPr>
+              <a:t>Gphy</a:t>
+            </a:r>
+            <a:endParaRPr lang="fr-FR" sz="2400" dirty="0">
+              <a:solidFill>
+                <a:schemeClr val="tx1"/>
+              </a:solidFill>
+            </a:endParaRPr>
+          </a:p>
+          <a:p>
+            <a:pPr marL="285750" indent="-285750">
+              <a:spcAft>
+                <a:spcPts val="600"/>
+              </a:spcAft>
+              <a:buFont typeface="Arial" panose="020B0604020202020204" pitchFamily="34" charset="0"/>
+              <a:buChar char="•"/>
+            </a:pPr>
+            <a:r>
+              <a:rPr lang="fr-FR" dirty="0">
+                <a:solidFill>
+                  <a:schemeClr val="tx1"/>
+                </a:solidFill>
+              </a:rPr>
+              <a:t>Saisie d’un étudiant</a:t>
+            </a:r>
+          </a:p>
+          <a:p>
+            <a:pPr marL="285750" indent="-285750">
+              <a:spcAft>
+                <a:spcPts val="600"/>
+              </a:spcAft>
+              <a:buFont typeface="Arial" panose="020B0604020202020204" pitchFamily="34" charset="0"/>
+              <a:buChar char="•"/>
+            </a:pPr>
+            <a:r>
+              <a:rPr lang="fr-FR" dirty="0">
+                <a:solidFill>
+                  <a:schemeClr val="tx1"/>
+                </a:solidFill>
+              </a:rPr>
+              <a:t>Consultation de la liste des étudiants</a:t>
+            </a:r>
+          </a:p>
+          <a:p>
+            <a:pPr marL="285750" indent="-285750">
+              <a:spcAft>
+                <a:spcPts val="600"/>
+              </a:spcAft>
+              <a:buFont typeface="Arial" panose="020B0604020202020204" pitchFamily="34" charset="0"/>
+              <a:buChar char="•"/>
+            </a:pPr>
+            <a:r>
+              <a:rPr lang="fr-FR" dirty="0">
+                <a:solidFill>
+                  <a:schemeClr val="tx1"/>
+                </a:solidFill>
+              </a:rPr>
+              <a:t>Coloration des étudiants selon l’option (imageur, biotech ou physio)</a:t>
+            </a:r>
+          </a:p>
+        </p:txBody>
+      </p:sp>
+    </p:spTree>
+    <p:extLst>
+      <p:ext uri="{BB962C8B-B14F-4D97-AF65-F5344CB8AC3E}">
+        <p14:creationId xmlns:p14="http://schemas.microsoft.com/office/powerpoint/2010/main" val="76179091"/>
       </p:ext>
     </p:extLst>
   </p:cSld>

--- a/Formation de formateur.pptx
+++ b/Formation de formateur.pptx
@@ -5,7 +5,7 @@
     <p:sldMasterId id="2147483648" r:id="rId1"/>
   </p:sldMasterIdLst>
   <p:notesMasterIdLst>
-    <p:notesMasterId r:id="rId30"/>
+    <p:notesMasterId r:id="rId31"/>
   </p:notesMasterIdLst>
   <p:sldIdLst>
     <p:sldId id="256" r:id="rId2"/>
@@ -36,6 +36,7 @@
     <p:sldId id="282" r:id="rId27"/>
     <p:sldId id="284" r:id="rId28"/>
     <p:sldId id="288" r:id="rId29"/>
+    <p:sldId id="289" r:id="rId30"/>
   </p:sldIdLst>
   <p:sldSz cx="12192000" cy="6858000"/>
   <p:notesSz cx="6858000" cy="9144000"/>
@@ -16048,6 +16049,271 @@
     <p:extLst>
       <p:ext uri="{BB962C8B-B14F-4D97-AF65-F5344CB8AC3E}">
         <p14:creationId xmlns:p14="http://schemas.microsoft.com/office/powerpoint/2010/main" val="76179091"/>
+      </p:ext>
+    </p:extLst>
+  </p:cSld>
+  <p:clrMapOvr>
+    <a:masterClrMapping/>
+  </p:clrMapOvr>
+</p:sld>
+</file>
+
+<file path=ppt/slides/slide29.xml><?xml version="1.0" encoding="utf-8"?>
+<p:sld xmlns:a="http://schemas.openxmlformats.org/drawingml/2006/main" xmlns:r="http://schemas.openxmlformats.org/officeDocument/2006/relationships" xmlns:p="http://schemas.openxmlformats.org/presentationml/2006/main">
+  <p:cSld>
+    <p:bg>
+      <p:bgPr>
+        <a:solidFill>
+          <a:schemeClr val="bg1"/>
+        </a:solidFill>
+        <a:effectLst/>
+      </p:bgPr>
+    </p:bg>
+    <p:spTree>
+      <p:nvGrpSpPr>
+        <p:cNvPr id="1" name=""/>
+        <p:cNvGrpSpPr/>
+        <p:nvPr/>
+      </p:nvGrpSpPr>
+      <p:grpSpPr>
+        <a:xfrm>
+          <a:off x="0" y="0"/>
+          <a:ext cx="0" cy="0"/>
+          <a:chOff x="0" y="0"/>
+          <a:chExt cx="0" cy="0"/>
+        </a:xfrm>
+      </p:grpSpPr>
+      <p:sp>
+        <p:nvSpPr>
+          <p:cNvPr id="9" name="Rectangle 8">
+            <a:extLst>
+              <a:ext uri="{FF2B5EF4-FFF2-40B4-BE49-F238E27FC236}">
+                <a16:creationId xmlns:a16="http://schemas.microsoft.com/office/drawing/2014/main" id="{23962611-DFD5-4092-AAFD-559E3DFCE2C9}"/>
+              </a:ext>
+              <a:ext uri="{C183D7F6-B498-43B3-948B-1728B52AA6E4}">
+                <adec:decorative xmlns:adec="http://schemas.microsoft.com/office/drawing/2017/decorative" val="1"/>
+              </a:ext>
+            </a:extLst>
+          </p:cNvPr>
+          <p:cNvSpPr>
+            <a:spLocks noGrp="1" noRot="1" noChangeAspect="1" noMove="1" noResize="1" noEditPoints="1" noAdjustHandles="1" noChangeArrowheads="1" noChangeShapeType="1" noTextEdit="1"/>
+          </p:cNvSpPr>
+          <p:nvPr>
+            <p:extLst>
+              <p:ext uri="{386F3935-93C4-4BCD-93E2-E3B085C9AB24}">
+                <p16:designElem xmlns:p16="http://schemas.microsoft.com/office/powerpoint/2015/main" val="1"/>
+              </p:ext>
+            </p:extLst>
+          </p:nvPr>
+        </p:nvSpPr>
+        <p:spPr>
+          <a:xfrm>
+            <a:off x="475488" y="0"/>
+            <a:ext cx="10910292" cy="6858000"/>
+          </a:xfrm>
+          <a:prstGeom prst="rect">
+            <a:avLst/>
+          </a:prstGeom>
+          <a:gradFill>
+            <a:gsLst>
+              <a:gs pos="0">
+                <a:schemeClr val="accent1">
+                  <a:lumMod val="90000"/>
+                </a:schemeClr>
+              </a:gs>
+              <a:gs pos="25000">
+                <a:schemeClr val="accent1">
+                  <a:lumMod val="90000"/>
+                </a:schemeClr>
+              </a:gs>
+              <a:gs pos="94000">
+                <a:schemeClr val="bg2">
+                  <a:lumMod val="25000"/>
+                </a:schemeClr>
+              </a:gs>
+              <a:gs pos="100000">
+                <a:schemeClr val="bg2">
+                  <a:lumMod val="25000"/>
+                </a:schemeClr>
+              </a:gs>
+            </a:gsLst>
+            <a:lin ang="4200000" scaled="0"/>
+          </a:gradFill>
+          <a:ln>
+            <a:noFill/>
+          </a:ln>
+        </p:spPr>
+        <p:style>
+          <a:lnRef idx="2">
+            <a:schemeClr val="accent1">
+              <a:shade val="50000"/>
+            </a:schemeClr>
+          </a:lnRef>
+          <a:fillRef idx="1">
+            <a:schemeClr val="accent1"/>
+          </a:fillRef>
+          <a:effectRef idx="0">
+            <a:schemeClr val="accent1"/>
+          </a:effectRef>
+          <a:fontRef idx="minor">
+            <a:schemeClr val="lt1"/>
+          </a:fontRef>
+        </p:style>
+        <p:txBody>
+          <a:bodyPr rtlCol="0" anchor="ctr"/>
+          <a:lstStyle/>
+          <a:p>
+            <a:pPr algn="ctr"/>
+            <a:endParaRPr lang="en-US"/>
+          </a:p>
+        </p:txBody>
+      </p:sp>
+      <p:pic>
+        <p:nvPicPr>
+          <p:cNvPr id="11" name="Picture 10">
+            <a:extLst>
+              <a:ext uri="{FF2B5EF4-FFF2-40B4-BE49-F238E27FC236}">
+                <a16:creationId xmlns:a16="http://schemas.microsoft.com/office/drawing/2014/main" id="{2270F1FA-0425-408F-9861-80BF5AFB276D}"/>
+              </a:ext>
+              <a:ext uri="{C183D7F6-B498-43B3-948B-1728B52AA6E4}">
+                <adec:decorative xmlns:adec="http://schemas.microsoft.com/office/drawing/2017/decorative" val="1"/>
+              </a:ext>
+            </a:extLst>
+          </p:cNvPr>
+          <p:cNvPicPr>
+            <a:picLocks noGrp="1" noRot="1" noChangeAspect="1" noMove="1" noResize="1" noEditPoints="1" noAdjustHandles="1" noChangeArrowheads="1" noChangeShapeType="1" noCrop="1"/>
+          </p:cNvPicPr>
+          <p:nvPr>
+            <p:extLst>
+              <p:ext uri="{386F3935-93C4-4BCD-93E2-E3B085C9AB24}">
+                <p16:designElem xmlns:p16="http://schemas.microsoft.com/office/powerpoint/2015/main" val="1"/>
+              </p:ext>
+            </p:extLst>
+          </p:nvPr>
+        </p:nvPicPr>
+        <p:blipFill>
+          <a:blip r:embed="rId2">
+            <a:extLst>
+              <a:ext uri="{28A0092B-C50C-407E-A947-70E740481C1C}">
+                <a14:useLocalDpi xmlns:a14="http://schemas.microsoft.com/office/drawing/2010/main" val="0"/>
+              </a:ext>
+            </a:extLst>
+          </a:blip>
+          <a:stretch>
+            <a:fillRect/>
+          </a:stretch>
+        </p:blipFill>
+        <p:spPr>
+          <a:xfrm>
+            <a:off x="0" y="0"/>
+            <a:ext cx="12192000" cy="6858000"/>
+          </a:xfrm>
+          <a:prstGeom prst="rect">
+            <a:avLst/>
+          </a:prstGeom>
+        </p:spPr>
+      </p:pic>
+      <p:sp>
+        <p:nvSpPr>
+          <p:cNvPr id="2" name="Titre 1">
+            <a:extLst>
+              <a:ext uri="{FF2B5EF4-FFF2-40B4-BE49-F238E27FC236}">
+                <a16:creationId xmlns:a16="http://schemas.microsoft.com/office/drawing/2014/main" id="{CAB92B3D-9E95-4171-A0B8-B34B49728F0A}"/>
+              </a:ext>
+            </a:extLst>
+          </p:cNvPr>
+          <p:cNvSpPr>
+            <a:spLocks noGrp="1"/>
+          </p:cNvSpPr>
+          <p:nvPr>
+            <p:ph type="title"/>
+          </p:nvPr>
+        </p:nvSpPr>
+        <p:spPr>
+          <a:xfrm>
+            <a:off x="3045368" y="2043663"/>
+            <a:ext cx="6105194" cy="2031055"/>
+          </a:xfrm>
+        </p:spPr>
+        <p:txBody>
+          <a:bodyPr vert="horz" lIns="91440" tIns="45720" rIns="91440" bIns="45720" rtlCol="0" anchor="b">
+            <a:normAutofit/>
+          </a:bodyPr>
+          <a:lstStyle/>
+          <a:p>
+            <a:pPr algn="ctr"/>
+            <a:r>
+              <a:rPr lang="en-US" sz="6000" kern="1200" dirty="0">
+                <a:solidFill>
+                  <a:srgbClr val="FFFFFF"/>
+                </a:solidFill>
+                <a:latin typeface="+mj-lt"/>
+                <a:ea typeface="+mj-ea"/>
+                <a:cs typeface="+mj-cs"/>
+              </a:rPr>
+              <a:t>Questionnaire de fin</a:t>
+            </a:r>
+          </a:p>
+        </p:txBody>
+      </p:sp>
+      <p:sp>
+        <p:nvSpPr>
+          <p:cNvPr id="4" name="Espace réservé du numéro de diapositive 3">
+            <a:extLst>
+              <a:ext uri="{FF2B5EF4-FFF2-40B4-BE49-F238E27FC236}">
+                <a16:creationId xmlns:a16="http://schemas.microsoft.com/office/drawing/2014/main" id="{FED846C3-AB10-4D5A-9585-EE00E0444CAA}"/>
+              </a:ext>
+            </a:extLst>
+          </p:cNvPr>
+          <p:cNvSpPr>
+            <a:spLocks noGrp="1"/>
+          </p:cNvSpPr>
+          <p:nvPr>
+            <p:ph type="sldNum" sz="quarter" idx="12"/>
+          </p:nvPr>
+        </p:nvSpPr>
+        <p:spPr>
+          <a:xfrm>
+            <a:off x="10825930" y="6223702"/>
+            <a:ext cx="570728" cy="314067"/>
+          </a:xfrm>
+        </p:spPr>
+        <p:txBody>
+          <a:bodyPr vert="horz" lIns="91440" tIns="45720" rIns="91440" bIns="45720" rtlCol="0" anchor="ctr">
+            <a:normAutofit/>
+          </a:bodyPr>
+          <a:lstStyle/>
+          <a:p>
+            <a:pPr>
+              <a:spcAft>
+                <a:spcPts val="600"/>
+              </a:spcAft>
+            </a:pPr>
+            <a:fld id="{F8323CC4-5E62-4ADB-BC7C-89B23C89378E}" type="slidenum">
+              <a:rPr lang="en-US" sz="1000">
+                <a:solidFill>
+                  <a:srgbClr val="898989"/>
+                </a:solidFill>
+              </a:rPr>
+              <a:pPr>
+                <a:spcAft>
+                  <a:spcPts val="600"/>
+                </a:spcAft>
+              </a:pPr>
+              <a:t>29</a:t>
+            </a:fld>
+            <a:endParaRPr lang="en-US" sz="1000">
+              <a:solidFill>
+                <a:srgbClr val="898989"/>
+              </a:solidFill>
+            </a:endParaRPr>
+          </a:p>
+        </p:txBody>
+      </p:sp>
+    </p:spTree>
+    <p:extLst>
+      <p:ext uri="{BB962C8B-B14F-4D97-AF65-F5344CB8AC3E}">
+        <p14:creationId xmlns:p14="http://schemas.microsoft.com/office/powerpoint/2010/main" val="2063308422"/>
       </p:ext>
     </p:extLst>
   </p:cSld>

--- a/Formation de formateur.pptx
+++ b/Formation de formateur.pptx
@@ -237,7 +237,7 @@
           <a:p>
             <a:fld id="{40E7BC13-EF80-437B-A759-6158F4DAF95C}" type="datetimeFigureOut">
               <a:rPr lang="fr-FR" smtClean="0"/>
-              <a:t>10/12/2020</a:t>
+              <a:t>11/12/2020</a:t>
             </a:fld>
             <a:endParaRPr lang="fr-FR"/>
           </a:p>
@@ -651,7 +651,7 @@
           <a:p>
             <a:fld id="{C955F856-DB7D-429D-BB0A-82C5CA6E1B44}" type="datetime1">
               <a:rPr lang="fr-FR" smtClean="0"/>
-              <a:t>10/12/2020</a:t>
+              <a:t>11/12/2020</a:t>
             </a:fld>
             <a:endParaRPr lang="fr-FR"/>
           </a:p>
@@ -849,7 +849,7 @@
           <a:p>
             <a:fld id="{93AA34FB-F989-4D70-8967-248B8FE05E14}" type="datetime1">
               <a:rPr lang="fr-FR" smtClean="0"/>
-              <a:t>10/12/2020</a:t>
+              <a:t>11/12/2020</a:t>
             </a:fld>
             <a:endParaRPr lang="fr-FR"/>
           </a:p>
@@ -1057,7 +1057,7 @@
           <a:p>
             <a:fld id="{2F0153E3-7B69-47D3-8715-C2AB887F8B21}" type="datetime1">
               <a:rPr lang="fr-FR" smtClean="0"/>
-              <a:t>10/12/2020</a:t>
+              <a:t>11/12/2020</a:t>
             </a:fld>
             <a:endParaRPr lang="fr-FR"/>
           </a:p>
@@ -1255,7 +1255,7 @@
           <a:p>
             <a:fld id="{7AA3A4D9-0224-4F5F-81CE-D8B1C6C5EBA2}" type="datetime1">
               <a:rPr lang="fr-FR" smtClean="0"/>
-              <a:t>10/12/2020</a:t>
+              <a:t>11/12/2020</a:t>
             </a:fld>
             <a:endParaRPr lang="fr-FR"/>
           </a:p>
@@ -1530,7 +1530,7 @@
           <a:p>
             <a:fld id="{B4D6C897-CABA-46B2-BA34-E1F31C931172}" type="datetime1">
               <a:rPr lang="fr-FR" smtClean="0"/>
-              <a:t>10/12/2020</a:t>
+              <a:t>11/12/2020</a:t>
             </a:fld>
             <a:endParaRPr lang="fr-FR"/>
           </a:p>
@@ -1795,7 +1795,7 @@
           <a:p>
             <a:fld id="{0E578919-1A12-4588-988F-DA9E4CBD798D}" type="datetime1">
               <a:rPr lang="fr-FR" smtClean="0"/>
-              <a:t>10/12/2020</a:t>
+              <a:t>11/12/2020</a:t>
             </a:fld>
             <a:endParaRPr lang="fr-FR"/>
           </a:p>
@@ -2207,7 +2207,7 @@
           <a:p>
             <a:fld id="{A8B92751-DCF1-463A-BF8D-439E3F132E33}" type="datetime1">
               <a:rPr lang="fr-FR" smtClean="0"/>
-              <a:t>10/12/2020</a:t>
+              <a:t>11/12/2020</a:t>
             </a:fld>
             <a:endParaRPr lang="fr-FR"/>
           </a:p>
@@ -2348,7 +2348,7 @@
           <a:p>
             <a:fld id="{AAA159D9-A1B8-4ADE-97A7-986761ED22F6}" type="datetime1">
               <a:rPr lang="fr-FR" smtClean="0"/>
-              <a:t>10/12/2020</a:t>
+              <a:t>11/12/2020</a:t>
             </a:fld>
             <a:endParaRPr lang="fr-FR"/>
           </a:p>
@@ -2461,7 +2461,7 @@
           <a:p>
             <a:fld id="{FD68B437-B1C0-4353-B143-55FA805A8AB4}" type="datetime1">
               <a:rPr lang="fr-FR" smtClean="0"/>
-              <a:t>10/12/2020</a:t>
+              <a:t>11/12/2020</a:t>
             </a:fld>
             <a:endParaRPr lang="fr-FR"/>
           </a:p>
@@ -2772,7 +2772,7 @@
           <a:p>
             <a:fld id="{06CD109D-AFE8-47A6-A600-A815C1DD1BF3}" type="datetime1">
               <a:rPr lang="fr-FR" smtClean="0"/>
-              <a:t>10/12/2020</a:t>
+              <a:t>11/12/2020</a:t>
             </a:fld>
             <a:endParaRPr lang="fr-FR"/>
           </a:p>
@@ -3060,7 +3060,7 @@
           <a:p>
             <a:fld id="{6F434BBF-B85A-469C-ABC5-8DDCA5E2311D}" type="datetime1">
               <a:rPr lang="fr-FR" smtClean="0"/>
-              <a:t>10/12/2020</a:t>
+              <a:t>11/12/2020</a:t>
             </a:fld>
             <a:endParaRPr lang="fr-FR"/>
           </a:p>
@@ -3301,7 +3301,7 @@
           <a:p>
             <a:fld id="{351C3EB0-5D86-4B09-B954-C6421A91322A}" type="datetime1">
               <a:rPr lang="fr-FR" smtClean="0"/>
-              <a:t>10/12/2020</a:t>
+              <a:t>11/12/2020</a:t>
             </a:fld>
             <a:endParaRPr lang="fr-FR"/>
           </a:p>
@@ -7544,7 +7544,7 @@
         </p:nvSpPr>
         <p:spPr>
           <a:xfrm>
-            <a:off x="3045368" y="2043663"/>
+            <a:off x="3039648" y="802092"/>
             <a:ext cx="6105194" cy="2031055"/>
           </a:xfrm>
         </p:spPr>
@@ -7692,7 +7692,7 @@
         </p:nvSpPr>
         <p:spPr>
           <a:xfrm>
-            <a:off x="3045368" y="4493623"/>
+            <a:off x="3039648" y="2867297"/>
             <a:ext cx="6322422" cy="1123406"/>
           </a:xfrm>
           <a:prstGeom prst="rect">
@@ -7737,6 +7737,36 @@
           </a:p>
         </p:txBody>
       </p:sp>
+      <p:pic>
+        <p:nvPicPr>
+          <p:cNvPr id="5" name="Image 4">
+            <a:extLst>
+              <a:ext uri="{FF2B5EF4-FFF2-40B4-BE49-F238E27FC236}">
+                <a16:creationId xmlns:a16="http://schemas.microsoft.com/office/drawing/2014/main" id="{F2B06A2E-586D-4333-B503-3406B702602F}"/>
+              </a:ext>
+            </a:extLst>
+          </p:cNvPr>
+          <p:cNvPicPr>
+            <a:picLocks noChangeAspect="1"/>
+          </p:cNvPicPr>
+          <p:nvPr/>
+        </p:nvPicPr>
+        <p:blipFill>
+          <a:blip r:embed="rId3"/>
+          <a:stretch>
+            <a:fillRect/>
+          </a:stretch>
+        </p:blipFill>
+        <p:spPr>
+          <a:xfrm>
+            <a:off x="4205093" y="4338179"/>
+            <a:ext cx="3991532" cy="1362265"/>
+          </a:xfrm>
+          <a:prstGeom prst="rect">
+            <a:avLst/>
+          </a:prstGeom>
+        </p:spPr>
+      </p:pic>
     </p:spTree>
     <p:extLst>
       <p:ext uri="{BB962C8B-B14F-4D97-AF65-F5344CB8AC3E}">
@@ -8632,7 +8662,7 @@
           <a:p>
             <a:pPr algn="ctr"/>
             <a:r>
-              <a:rPr lang="en-US" sz="4700" kern="1200">
+              <a:rPr lang="en-US" sz="4700" kern="1200" dirty="0" err="1">
                 <a:solidFill>
                   <a:srgbClr val="FFFFFF"/>
                 </a:solidFill>
@@ -8640,8 +8670,82 @@
                 <a:ea typeface="+mj-ea"/>
                 <a:cs typeface="+mj-cs"/>
               </a:rPr>
-              <a:t>Exercice 3 – récupération de données avec FetchAll</a:t>
+              <a:t>Exercice</a:t>
             </a:r>
+            <a:r>
+              <a:rPr lang="en-US" sz="4700" kern="1200" dirty="0">
+                <a:solidFill>
+                  <a:srgbClr val="FFFFFF"/>
+                </a:solidFill>
+                <a:latin typeface="+mj-lt"/>
+                <a:ea typeface="+mj-ea"/>
+                <a:cs typeface="+mj-cs"/>
+              </a:rPr>
+              <a:t> 3 – </a:t>
+            </a:r>
+            <a:r>
+              <a:rPr lang="en-US" sz="4700" kern="1200" dirty="0" err="1">
+                <a:solidFill>
+                  <a:srgbClr val="FFFFFF"/>
+                </a:solidFill>
+                <a:latin typeface="+mj-lt"/>
+                <a:ea typeface="+mj-ea"/>
+                <a:cs typeface="+mj-cs"/>
+              </a:rPr>
+              <a:t>récupération</a:t>
+            </a:r>
+            <a:r>
+              <a:rPr lang="en-US" sz="4700" kern="1200" dirty="0">
+                <a:solidFill>
+                  <a:srgbClr val="FFFFFF"/>
+                </a:solidFill>
+                <a:latin typeface="+mj-lt"/>
+                <a:ea typeface="+mj-ea"/>
+                <a:cs typeface="+mj-cs"/>
+              </a:rPr>
+              <a:t> de </a:t>
+            </a:r>
+            <a:r>
+              <a:rPr lang="en-US" sz="4700" kern="1200" dirty="0" err="1">
+                <a:solidFill>
+                  <a:srgbClr val="FFFFFF"/>
+                </a:solidFill>
+                <a:latin typeface="+mj-lt"/>
+                <a:ea typeface="+mj-ea"/>
+                <a:cs typeface="+mj-cs"/>
+              </a:rPr>
+              <a:t>données</a:t>
+            </a:r>
+            <a:r>
+              <a:rPr lang="en-US" sz="4700" kern="1200" dirty="0">
+                <a:solidFill>
+                  <a:srgbClr val="FFFFFF"/>
+                </a:solidFill>
+                <a:latin typeface="+mj-lt"/>
+                <a:ea typeface="+mj-ea"/>
+                <a:cs typeface="+mj-cs"/>
+              </a:rPr>
+              <a:t> avec </a:t>
+            </a:r>
+            <a:r>
+              <a:rPr lang="en-US" sz="4700" kern="1200" dirty="0" err="1">
+                <a:solidFill>
+                  <a:srgbClr val="FFFFFF"/>
+                </a:solidFill>
+                <a:latin typeface="+mj-lt"/>
+                <a:ea typeface="+mj-ea"/>
+                <a:cs typeface="+mj-cs"/>
+              </a:rPr>
+              <a:t>FetchAll</a:t>
+            </a:r>
+            <a:endParaRPr lang="en-US" sz="4700" kern="1200" dirty="0">
+              <a:solidFill>
+                <a:srgbClr val="FFFFFF"/>
+              </a:solidFill>
+              <a:latin typeface="+mj-lt"/>
+              <a:ea typeface="+mj-ea"/>
+              <a:cs typeface="+mj-cs"/>
+            </a:endParaRPr>
           </a:p>
         </p:txBody>
       </p:sp>
@@ -9657,7 +9761,7 @@
         </p:nvSpPr>
         <p:spPr>
           <a:xfrm>
-            <a:off x="3045368" y="2043663"/>
+            <a:off x="3045368" y="779640"/>
             <a:ext cx="6105194" cy="2031055"/>
           </a:xfrm>
         </p:spPr>
@@ -9669,7 +9773,7 @@
           <a:p>
             <a:pPr algn="ctr"/>
             <a:r>
-              <a:rPr lang="en-US" sz="5100" kern="1200">
+              <a:rPr lang="en-US" sz="5100" kern="1200" dirty="0" err="1">
                 <a:solidFill>
                   <a:srgbClr val="FFFFFF"/>
                 </a:solidFill>
@@ -9677,8 +9781,38 @@
                 <a:ea typeface="+mj-ea"/>
                 <a:cs typeface="+mj-cs"/>
               </a:rPr>
-              <a:t>Exercice 4 – Insertion de données</a:t>
+              <a:t>Exercice</a:t>
             </a:r>
+            <a:r>
+              <a:rPr lang="en-US" sz="5100" kern="1200" dirty="0">
+                <a:solidFill>
+                  <a:srgbClr val="FFFFFF"/>
+                </a:solidFill>
+                <a:latin typeface="+mj-lt"/>
+                <a:ea typeface="+mj-ea"/>
+                <a:cs typeface="+mj-cs"/>
+              </a:rPr>
+              <a:t> 4 – Insertion de </a:t>
+            </a:r>
+            <a:r>
+              <a:rPr lang="en-US" sz="5100" kern="1200" dirty="0" err="1">
+                <a:solidFill>
+                  <a:srgbClr val="FFFFFF"/>
+                </a:solidFill>
+                <a:latin typeface="+mj-lt"/>
+                <a:ea typeface="+mj-ea"/>
+                <a:cs typeface="+mj-cs"/>
+              </a:rPr>
+              <a:t>données</a:t>
+            </a:r>
+            <a:endParaRPr lang="en-US" sz="5100" kern="1200" dirty="0">
+              <a:solidFill>
+                <a:srgbClr val="FFFFFF"/>
+              </a:solidFill>
+              <a:latin typeface="+mj-lt"/>
+              <a:ea typeface="+mj-ea"/>
+              <a:cs typeface="+mj-cs"/>
+            </a:endParaRPr>
           </a:p>
         </p:txBody>
       </p:sp>
@@ -9750,7 +9884,7 @@
         </p:nvSpPr>
         <p:spPr>
           <a:xfrm>
-            <a:off x="3045368" y="4493623"/>
+            <a:off x="3045368" y="2923900"/>
             <a:ext cx="6322422" cy="1123406"/>
           </a:xfrm>
           <a:prstGeom prst="rect">
@@ -9795,6 +9929,36 @@
           </a:p>
         </p:txBody>
       </p:sp>
+      <p:pic>
+        <p:nvPicPr>
+          <p:cNvPr id="5" name="Image 4">
+            <a:extLst>
+              <a:ext uri="{FF2B5EF4-FFF2-40B4-BE49-F238E27FC236}">
+                <a16:creationId xmlns:a16="http://schemas.microsoft.com/office/drawing/2014/main" id="{38D164F1-89EA-41C1-BFAC-D2B09FA1E913}"/>
+              </a:ext>
+            </a:extLst>
+          </p:cNvPr>
+          <p:cNvPicPr>
+            <a:picLocks noChangeAspect="1"/>
+          </p:cNvPicPr>
+          <p:nvPr/>
+        </p:nvPicPr>
+        <p:blipFill>
+          <a:blip r:embed="rId3"/>
+          <a:stretch>
+            <a:fillRect/>
+          </a:stretch>
+        </p:blipFill>
+        <p:spPr>
+          <a:xfrm>
+            <a:off x="2978280" y="4519073"/>
+            <a:ext cx="6411220" cy="933580"/>
+          </a:xfrm>
+          <a:prstGeom prst="rect">
+            <a:avLst/>
+          </a:prstGeom>
+        </p:spPr>
+      </p:pic>
     </p:spTree>
     <p:extLst>
       <p:ext uri="{BB962C8B-B14F-4D97-AF65-F5344CB8AC3E}">
@@ -11341,7 +11505,7 @@
         </p:nvSpPr>
         <p:spPr>
           <a:xfrm>
-            <a:off x="3045368" y="2043663"/>
+            <a:off x="3039648" y="949968"/>
             <a:ext cx="6105194" cy="2031055"/>
           </a:xfrm>
         </p:spPr>
@@ -11353,7 +11517,7 @@
           <a:p>
             <a:pPr algn="ctr"/>
             <a:r>
-              <a:rPr lang="en-US" sz="4700" kern="1200">
+              <a:rPr lang="en-US" sz="4700" kern="1200" dirty="0" err="1">
                 <a:solidFill>
                   <a:srgbClr val="FFFFFF"/>
                 </a:solidFill>
@@ -11361,8 +11525,38 @@
                 <a:ea typeface="+mj-ea"/>
                 <a:cs typeface="+mj-cs"/>
               </a:rPr>
-              <a:t>Exercice 5 – Modification de données</a:t>
+              <a:t>Exercice</a:t>
             </a:r>
+            <a:r>
+              <a:rPr lang="en-US" sz="4700" kern="1200" dirty="0">
+                <a:solidFill>
+                  <a:srgbClr val="FFFFFF"/>
+                </a:solidFill>
+                <a:latin typeface="+mj-lt"/>
+                <a:ea typeface="+mj-ea"/>
+                <a:cs typeface="+mj-cs"/>
+              </a:rPr>
+              <a:t> 5 – Modification de </a:t>
+            </a:r>
+            <a:r>
+              <a:rPr lang="en-US" sz="4700" kern="1200" dirty="0" err="1">
+                <a:solidFill>
+                  <a:srgbClr val="FFFFFF"/>
+                </a:solidFill>
+                <a:latin typeface="+mj-lt"/>
+                <a:ea typeface="+mj-ea"/>
+                <a:cs typeface="+mj-cs"/>
+              </a:rPr>
+              <a:t>données</a:t>
+            </a:r>
+            <a:endParaRPr lang="en-US" sz="4700" kern="1200" dirty="0">
+              <a:solidFill>
+                <a:srgbClr val="FFFFFF"/>
+              </a:solidFill>
+              <a:latin typeface="+mj-lt"/>
+              <a:ea typeface="+mj-ea"/>
+              <a:cs typeface="+mj-cs"/>
+            </a:endParaRPr>
           </a:p>
         </p:txBody>
       </p:sp>
@@ -11434,7 +11628,7 @@
         </p:nvSpPr>
         <p:spPr>
           <a:xfrm>
-            <a:off x="3045368" y="4493623"/>
+            <a:off x="3039648" y="3059270"/>
             <a:ext cx="6322422" cy="1123406"/>
           </a:xfrm>
           <a:prstGeom prst="rect">
@@ -11479,6 +11673,36 @@
           </a:p>
         </p:txBody>
       </p:sp>
+      <p:pic>
+        <p:nvPicPr>
+          <p:cNvPr id="8" name="Image 7">
+            <a:extLst>
+              <a:ext uri="{FF2B5EF4-FFF2-40B4-BE49-F238E27FC236}">
+                <a16:creationId xmlns:a16="http://schemas.microsoft.com/office/drawing/2014/main" id="{528E1509-1F33-40A7-A681-BCD81FC0229D}"/>
+              </a:ext>
+            </a:extLst>
+          </p:cNvPr>
+          <p:cNvPicPr>
+            <a:picLocks noChangeAspect="1"/>
+          </p:cNvPicPr>
+          <p:nvPr/>
+        </p:nvPicPr>
+        <p:blipFill>
+          <a:blip r:embed="rId3"/>
+          <a:stretch>
+            <a:fillRect/>
+          </a:stretch>
+        </p:blipFill>
+        <p:spPr>
+          <a:xfrm>
+            <a:off x="2972867" y="4548652"/>
+            <a:ext cx="6430272" cy="971686"/>
+          </a:xfrm>
+          <a:prstGeom prst="rect">
+            <a:avLst/>
+          </a:prstGeom>
+        </p:spPr>
+      </p:pic>
     </p:spTree>
     <p:extLst>
       <p:ext uri="{BB962C8B-B14F-4D97-AF65-F5344CB8AC3E}">
@@ -12362,7 +12586,7 @@
         </p:nvSpPr>
         <p:spPr>
           <a:xfrm>
-            <a:off x="3045368" y="2043663"/>
+            <a:off x="3039648" y="1030651"/>
             <a:ext cx="6105194" cy="2031055"/>
           </a:xfrm>
         </p:spPr>
@@ -12374,7 +12598,7 @@
           <a:p>
             <a:pPr algn="ctr"/>
             <a:r>
-              <a:rPr lang="en-US" sz="4700" kern="1200">
+              <a:rPr lang="en-US" sz="4700" kern="1200" dirty="0" err="1">
                 <a:solidFill>
                   <a:srgbClr val="FFFFFF"/>
                 </a:solidFill>
@@ -12382,8 +12606,38 @@
                 <a:ea typeface="+mj-ea"/>
                 <a:cs typeface="+mj-cs"/>
               </a:rPr>
-              <a:t>Exercice 6 – suppression de données</a:t>
+              <a:t>Exercice</a:t>
             </a:r>
+            <a:r>
+              <a:rPr lang="en-US" sz="4700" kern="1200" dirty="0">
+                <a:solidFill>
+                  <a:srgbClr val="FFFFFF"/>
+                </a:solidFill>
+                <a:latin typeface="+mj-lt"/>
+                <a:ea typeface="+mj-ea"/>
+                <a:cs typeface="+mj-cs"/>
+              </a:rPr>
+              <a:t> 6 – suppression de </a:t>
+            </a:r>
+            <a:r>
+              <a:rPr lang="en-US" sz="4700" kern="1200" dirty="0" err="1">
+                <a:solidFill>
+                  <a:srgbClr val="FFFFFF"/>
+                </a:solidFill>
+                <a:latin typeface="+mj-lt"/>
+                <a:ea typeface="+mj-ea"/>
+                <a:cs typeface="+mj-cs"/>
+              </a:rPr>
+              <a:t>données</a:t>
+            </a:r>
+            <a:endParaRPr lang="en-US" sz="4700" kern="1200" dirty="0">
+              <a:solidFill>
+                <a:srgbClr val="FFFFFF"/>
+              </a:solidFill>
+              <a:latin typeface="+mj-lt"/>
+              <a:ea typeface="+mj-ea"/>
+              <a:cs typeface="+mj-cs"/>
+            </a:endParaRPr>
           </a:p>
         </p:txBody>
       </p:sp>
@@ -12455,7 +12709,7 @@
         </p:nvSpPr>
         <p:spPr>
           <a:xfrm>
-            <a:off x="3045368" y="4493623"/>
+            <a:off x="3039648" y="3234592"/>
             <a:ext cx="6322422" cy="1123406"/>
           </a:xfrm>
           <a:prstGeom prst="rect">
@@ -12500,6 +12754,36 @@
           </a:p>
         </p:txBody>
       </p:sp>
+      <p:pic>
+        <p:nvPicPr>
+          <p:cNvPr id="5" name="Image 4">
+            <a:extLst>
+              <a:ext uri="{FF2B5EF4-FFF2-40B4-BE49-F238E27FC236}">
+                <a16:creationId xmlns:a16="http://schemas.microsoft.com/office/drawing/2014/main" id="{0C5BD22B-6CB6-440C-9E8C-B3FF98AD688E}"/>
+              </a:ext>
+            </a:extLst>
+          </p:cNvPr>
+          <p:cNvPicPr>
+            <a:picLocks noChangeAspect="1"/>
+          </p:cNvPicPr>
+          <p:nvPr/>
+        </p:nvPicPr>
+        <p:blipFill>
+          <a:blip r:embed="rId3"/>
+          <a:stretch>
+            <a:fillRect/>
+          </a:stretch>
+        </p:blipFill>
+        <p:spPr>
+          <a:xfrm>
+            <a:off x="2919038" y="4645839"/>
+            <a:ext cx="6563641" cy="962159"/>
+          </a:xfrm>
+          <a:prstGeom prst="rect">
+            <a:avLst/>
+          </a:prstGeom>
+        </p:spPr>
+      </p:pic>
     </p:spTree>
     <p:extLst>
       <p:ext uri="{BB962C8B-B14F-4D97-AF65-F5344CB8AC3E}">
@@ -13178,7 +13462,7 @@
             </a:pPr>
             <a:r>
               <a:rPr lang="fr-FR" sz="2400" dirty="0"/>
-              <a:t>Créer un fichier CSS et lier a son fichier HTML</a:t>
+              <a:t>Créer un fichier CSS et le lier a son fichier HTML</a:t>
             </a:r>
           </a:p>
         </p:txBody>
@@ -14297,7 +14581,7 @@
         </p:nvSpPr>
         <p:spPr>
           <a:xfrm>
-            <a:off x="3045368" y="2043663"/>
+            <a:off x="3045368" y="967898"/>
             <a:ext cx="6105194" cy="2031055"/>
           </a:xfrm>
         </p:spPr>
@@ -14309,7 +14593,7 @@
           <a:p>
             <a:pPr algn="ctr"/>
             <a:r>
-              <a:rPr lang="en-US" sz="6000" kern="1200">
+              <a:rPr lang="en-US" sz="6000" kern="1200" dirty="0" err="1">
                 <a:solidFill>
                   <a:srgbClr val="FFFFFF"/>
                 </a:solidFill>
@@ -14317,7 +14601,62 @@
                 <a:ea typeface="+mj-ea"/>
                 <a:cs typeface="+mj-cs"/>
               </a:rPr>
-              <a:t>Exercice 7 – Mise en forme </a:t>
+              <a:t>Exercice</a:t>
+            </a:r>
+            <a:r>
+              <a:rPr lang="en-US" sz="6000" kern="1200" dirty="0">
+                <a:solidFill>
+                  <a:srgbClr val="FFFFFF"/>
+                </a:solidFill>
+                <a:latin typeface="+mj-lt"/>
+                <a:ea typeface="+mj-ea"/>
+                <a:cs typeface="+mj-cs"/>
+              </a:rPr>
+              <a:t> 7 – Mise </a:t>
+            </a:r>
+            <a:r>
+              <a:rPr lang="en-US" sz="6000" kern="1200" dirty="0" err="1">
+                <a:solidFill>
+                  <a:srgbClr val="FFFFFF"/>
+                </a:solidFill>
+                <a:latin typeface="+mj-lt"/>
+                <a:ea typeface="+mj-ea"/>
+                <a:cs typeface="+mj-cs"/>
+              </a:rPr>
+              <a:t>en</a:t>
+            </a:r>
+            <a:r>
+              <a:rPr lang="en-US" sz="6000" kern="1200" dirty="0">
+                <a:solidFill>
+                  <a:srgbClr val="FFFFFF"/>
+                </a:solidFill>
+                <a:latin typeface="+mj-lt"/>
+                <a:ea typeface="+mj-ea"/>
+                <a:cs typeface="+mj-cs"/>
+              </a:rPr>
+              <a:t> </a:t>
+            </a:r>
+            <a:r>
+              <a:rPr lang="en-US" sz="6000" kern="1200" dirty="0" err="1">
+                <a:solidFill>
+                  <a:srgbClr val="FFFFFF"/>
+                </a:solidFill>
+                <a:latin typeface="+mj-lt"/>
+                <a:ea typeface="+mj-ea"/>
+                <a:cs typeface="+mj-cs"/>
+              </a:rPr>
+              <a:t>forme</a:t>
+            </a:r>
+            <a:r>
+              <a:rPr lang="en-US" sz="6000" kern="1200" dirty="0">
+                <a:solidFill>
+                  <a:srgbClr val="FFFFFF"/>
+                </a:solidFill>
+                <a:latin typeface="+mj-lt"/>
+                <a:ea typeface="+mj-ea"/>
+                <a:cs typeface="+mj-cs"/>
+              </a:rPr>
+              <a:t> </a:t>
             </a:r>
           </a:p>
         </p:txBody>
@@ -14390,7 +14729,7 @@
         </p:nvSpPr>
         <p:spPr>
           <a:xfrm>
-            <a:off x="3045368" y="4493623"/>
+            <a:off x="3045368" y="3243367"/>
             <a:ext cx="6322422" cy="1123406"/>
           </a:xfrm>
           <a:prstGeom prst="rect">
@@ -14435,6 +14774,36 @@
           </a:p>
         </p:txBody>
       </p:sp>
+      <p:pic>
+        <p:nvPicPr>
+          <p:cNvPr id="8" name="Image 7">
+            <a:extLst>
+              <a:ext uri="{FF2B5EF4-FFF2-40B4-BE49-F238E27FC236}">
+                <a16:creationId xmlns:a16="http://schemas.microsoft.com/office/drawing/2014/main" id="{E18A15F2-0444-43D1-B4F0-86B034E9062B}"/>
+              </a:ext>
+            </a:extLst>
+          </p:cNvPr>
+          <p:cNvPicPr>
+            <a:picLocks noChangeAspect="1"/>
+          </p:cNvPicPr>
+          <p:nvPr/>
+        </p:nvPicPr>
+        <p:blipFill>
+          <a:blip r:embed="rId3"/>
+          <a:stretch>
+            <a:fillRect/>
+          </a:stretch>
+        </p:blipFill>
+        <p:spPr>
+          <a:xfrm>
+            <a:off x="3528967" y="4611187"/>
+            <a:ext cx="5272683" cy="946931"/>
+          </a:xfrm>
+          <a:prstGeom prst="rect">
+            <a:avLst/>
+          </a:prstGeom>
+        </p:spPr>
+      </p:pic>
     </p:spTree>
     <p:extLst>
       <p:ext uri="{BB962C8B-B14F-4D97-AF65-F5344CB8AC3E}">
@@ -15508,7 +15877,7 @@
           <a:p>
             <a:pPr algn="ctr"/>
             <a:r>
-              <a:rPr lang="en-US" sz="6000" kern="1200">
+              <a:rPr lang="en-US" sz="6000" kern="1200" dirty="0" err="1">
                 <a:solidFill>
                   <a:srgbClr val="FFFFFF"/>
                 </a:solidFill>
@@ -15516,8 +15885,38 @@
                 <a:ea typeface="+mj-ea"/>
                 <a:cs typeface="+mj-cs"/>
               </a:rPr>
-              <a:t>Exercice 8 – Formulaire</a:t>
+              <a:t>Exercice</a:t>
             </a:r>
+            <a:r>
+              <a:rPr lang="en-US" sz="6000" kern="1200" dirty="0">
+                <a:solidFill>
+                  <a:srgbClr val="FFFFFF"/>
+                </a:solidFill>
+                <a:latin typeface="+mj-lt"/>
+                <a:ea typeface="+mj-ea"/>
+                <a:cs typeface="+mj-cs"/>
+              </a:rPr>
+              <a:t> 8 – </a:t>
+            </a:r>
+            <a:r>
+              <a:rPr lang="en-US" sz="6000" kern="1200" dirty="0" err="1">
+                <a:solidFill>
+                  <a:srgbClr val="FFFFFF"/>
+                </a:solidFill>
+                <a:latin typeface="+mj-lt"/>
+                <a:ea typeface="+mj-ea"/>
+                <a:cs typeface="+mj-cs"/>
+              </a:rPr>
+              <a:t>Formulaire</a:t>
+            </a:r>
+            <a:endParaRPr lang="en-US" sz="6000" kern="1200" dirty="0">
+              <a:solidFill>
+                <a:srgbClr val="FFFFFF"/>
+              </a:solidFill>
+              <a:latin typeface="+mj-lt"/>
+              <a:ea typeface="+mj-ea"/>
+              <a:cs typeface="+mj-cs"/>
+            </a:endParaRPr>
           </a:p>
         </p:txBody>
       </p:sp>
@@ -20753,7 +21152,7 @@
         </p:nvSpPr>
         <p:spPr>
           <a:xfrm>
-            <a:off x="3045368" y="2043663"/>
+            <a:off x="3039648" y="995039"/>
             <a:ext cx="6105194" cy="2031055"/>
           </a:xfrm>
         </p:spPr>
@@ -20765,7 +21164,7 @@
           <a:p>
             <a:pPr algn="ctr"/>
             <a:r>
-              <a:rPr lang="en-US" sz="4700" kern="1200">
+              <a:rPr lang="en-US" sz="4700" kern="1200" dirty="0" err="1">
                 <a:solidFill>
                   <a:srgbClr val="FFFFFF"/>
                 </a:solidFill>
@@ -20773,61 +21172,59 @@
                 <a:ea typeface="+mj-ea"/>
                 <a:cs typeface="+mj-cs"/>
               </a:rPr>
-              <a:t>Exercice 1 – Connexion a la base de données</a:t>
+              <a:t>Exercice</a:t>
             </a:r>
-          </a:p>
-        </p:txBody>
-      </p:sp>
-      <p:sp>
-        <p:nvSpPr>
-          <p:cNvPr id="4" name="Espace réservé du numéro de diapositive 3">
-            <a:extLst>
-              <a:ext uri="{FF2B5EF4-FFF2-40B4-BE49-F238E27FC236}">
-                <a16:creationId xmlns:a16="http://schemas.microsoft.com/office/drawing/2014/main" id="{514FEA65-8953-461F-9C80-F124938F4A13}"/>
-              </a:ext>
-            </a:extLst>
-          </p:cNvPr>
-          <p:cNvSpPr>
-            <a:spLocks noGrp="1"/>
-          </p:cNvSpPr>
-          <p:nvPr>
-            <p:ph type="sldNum" sz="quarter" idx="12"/>
-          </p:nvPr>
-        </p:nvSpPr>
-        <p:spPr>
-          <a:xfrm>
-            <a:off x="10825930" y="6223702"/>
-            <a:ext cx="570728" cy="314067"/>
-          </a:xfrm>
-        </p:spPr>
-        <p:txBody>
-          <a:bodyPr vert="horz" lIns="91440" tIns="45720" rIns="91440" bIns="45720" rtlCol="0" anchor="ctr">
-            <a:normAutofit/>
-          </a:bodyPr>
-          <a:lstStyle/>
-          <a:p>
-            <a:pPr>
-              <a:spcAft>
-                <a:spcPts val="600"/>
-              </a:spcAft>
-            </a:pPr>
-            <a:fld id="{F8323CC4-5E62-4ADB-BC7C-89B23C89378E}" type="slidenum">
-              <a:rPr lang="en-US" sz="1000">
+            <a:r>
+              <a:rPr lang="en-US" sz="4700" kern="1200" dirty="0">
                 <a:solidFill>
-                  <a:srgbClr val="898989"/>
+                  <a:srgbClr val="FFFFFF"/>
                 </a:solidFill>
+                <a:latin typeface="+mj-lt"/>
+                <a:ea typeface="+mj-ea"/>
+                <a:cs typeface="+mj-cs"/>
               </a:rPr>
-              <a:pPr>
-                <a:spcAft>
-                  <a:spcPts val="600"/>
-                </a:spcAft>
-              </a:pPr>
-              <a:t>8</a:t>
-            </a:fld>
-            <a:endParaRPr lang="en-US" sz="1000">
+              <a:t> 1 – </a:t>
+            </a:r>
+            <a:r>
+              <a:rPr lang="en-US" sz="4700" kern="1200" dirty="0" err="1">
+                <a:solidFill>
+                  <a:srgbClr val="FFFFFF"/>
+                </a:solidFill>
+                <a:latin typeface="+mj-lt"/>
+                <a:ea typeface="+mj-ea"/>
+                <a:cs typeface="+mj-cs"/>
+              </a:rPr>
+              <a:t>Connexion</a:t>
+            </a:r>
+            <a:r>
+              <a:rPr lang="en-US" sz="4700" kern="1200" dirty="0">
+                <a:solidFill>
+                  <a:srgbClr val="FFFFFF"/>
+                </a:solidFill>
+                <a:latin typeface="+mj-lt"/>
+                <a:ea typeface="+mj-ea"/>
+                <a:cs typeface="+mj-cs"/>
+              </a:rPr>
+              <a:t> a la base de </a:t>
+            </a:r>
+            <a:r>
+              <a:rPr lang="en-US" sz="4700" kern="1200" dirty="0" err="1">
+                <a:solidFill>
+                  <a:srgbClr val="FFFFFF"/>
+                </a:solidFill>
+                <a:latin typeface="+mj-lt"/>
+                <a:ea typeface="+mj-ea"/>
+                <a:cs typeface="+mj-cs"/>
+              </a:rPr>
+              <a:t>données</a:t>
+            </a:r>
+            <a:endParaRPr lang="en-US" sz="4700" kern="1200" dirty="0">
               <a:solidFill>
-                <a:srgbClr val="898989"/>
+                <a:srgbClr val="FFFFFF"/>
               </a:solidFill>
+              <a:latin typeface="+mj-lt"/>
+              <a:ea typeface="+mj-ea"/>
+              <a:cs typeface="+mj-cs"/>
             </a:endParaRPr>
           </a:p>
         </p:txBody>
@@ -20846,7 +21243,7 @@
         </p:nvSpPr>
         <p:spPr>
           <a:xfrm>
-            <a:off x="3045368" y="4493623"/>
+            <a:off x="3111477" y="3256938"/>
             <a:ext cx="6322422" cy="1123406"/>
           </a:xfrm>
           <a:prstGeom prst="rect">
@@ -20888,6 +21285,683 @@
               </a:rPr>
               <a:t>Utilisez PDO pour créer la connexion vers la base de données</a:t>
             </a:r>
+          </a:p>
+        </p:txBody>
+      </p:sp>
+      <p:sp>
+        <p:nvSpPr>
+          <p:cNvPr id="24" name="Rectangle 23">
+            <a:extLst>
+              <a:ext uri="{FF2B5EF4-FFF2-40B4-BE49-F238E27FC236}">
+                <a16:creationId xmlns:a16="http://schemas.microsoft.com/office/drawing/2014/main" id="{C3291C16-B760-4924-A594-B18D541EF3E7}"/>
+              </a:ext>
+            </a:extLst>
+          </p:cNvPr>
+          <p:cNvSpPr/>
+          <p:nvPr/>
+        </p:nvSpPr>
+        <p:spPr>
+          <a:xfrm>
+            <a:off x="1075042" y="4575246"/>
+            <a:ext cx="9865453" cy="2031054"/>
+          </a:xfrm>
+          <a:prstGeom prst="rect">
+            <a:avLst/>
+          </a:prstGeom>
+          <a:solidFill>
+            <a:schemeClr val="tx2">
+              <a:lumMod val="40000"/>
+              <a:lumOff val="60000"/>
+            </a:schemeClr>
+          </a:solidFill>
+        </p:spPr>
+        <p:style>
+          <a:lnRef idx="2">
+            <a:schemeClr val="accent1">
+              <a:shade val="50000"/>
+            </a:schemeClr>
+          </a:lnRef>
+          <a:fillRef idx="1">
+            <a:schemeClr val="accent1"/>
+          </a:fillRef>
+          <a:effectRef idx="0">
+            <a:schemeClr val="accent1"/>
+          </a:effectRef>
+          <a:fontRef idx="minor">
+            <a:schemeClr val="lt1"/>
+          </a:fontRef>
+        </p:style>
+        <p:txBody>
+          <a:bodyPr rtlCol="0" anchor="ctr"/>
+          <a:lstStyle/>
+          <a:p>
+            <a:pPr algn="ctr"/>
+            <a:endParaRPr lang="fr-FR" dirty="0">
+              <a:solidFill>
+                <a:schemeClr val="tx1"/>
+              </a:solidFill>
+            </a:endParaRPr>
+          </a:p>
+        </p:txBody>
+      </p:sp>
+      <p:pic>
+        <p:nvPicPr>
+          <p:cNvPr id="38" name="Image 37">
+            <a:extLst>
+              <a:ext uri="{FF2B5EF4-FFF2-40B4-BE49-F238E27FC236}">
+                <a16:creationId xmlns:a16="http://schemas.microsoft.com/office/drawing/2014/main" id="{7CD3F9C0-5C01-4601-AA61-971909A30ED4}"/>
+              </a:ext>
+            </a:extLst>
+          </p:cNvPr>
+          <p:cNvPicPr>
+            <a:picLocks noChangeAspect="1"/>
+          </p:cNvPicPr>
+          <p:nvPr/>
+        </p:nvPicPr>
+        <p:blipFill>
+          <a:blip r:embed="rId3"/>
+          <a:stretch>
+            <a:fillRect/>
+          </a:stretch>
+        </p:blipFill>
+        <p:spPr>
+          <a:xfrm>
+            <a:off x="1381201" y="4759812"/>
+            <a:ext cx="9253137" cy="422354"/>
+          </a:xfrm>
+          <a:prstGeom prst="rect">
+            <a:avLst/>
+          </a:prstGeom>
+        </p:spPr>
+      </p:pic>
+      <p:cxnSp>
+        <p:nvCxnSpPr>
+          <p:cNvPr id="39" name="Connecteur droit avec flèche 38">
+            <a:extLst>
+              <a:ext uri="{FF2B5EF4-FFF2-40B4-BE49-F238E27FC236}">
+                <a16:creationId xmlns:a16="http://schemas.microsoft.com/office/drawing/2014/main" id="{BA57FAAF-17EF-4061-A1CE-19FC87E3CD9B}"/>
+              </a:ext>
+            </a:extLst>
+          </p:cNvPr>
+          <p:cNvCxnSpPr>
+            <a:cxnSpLocks/>
+          </p:cNvCxnSpPr>
+          <p:nvPr/>
+        </p:nvCxnSpPr>
+        <p:spPr>
+          <a:xfrm flipV="1">
+            <a:off x="2460865" y="5135126"/>
+            <a:ext cx="826225" cy="560490"/>
+          </a:xfrm>
+          <a:prstGeom prst="straightConnector1">
+            <a:avLst/>
+          </a:prstGeom>
+          <a:ln>
+            <a:tailEnd type="triangle"/>
+          </a:ln>
+        </p:spPr>
+        <p:style>
+          <a:lnRef idx="1">
+            <a:schemeClr val="accent2"/>
+          </a:lnRef>
+          <a:fillRef idx="0">
+            <a:schemeClr val="accent2"/>
+          </a:fillRef>
+          <a:effectRef idx="0">
+            <a:schemeClr val="accent2"/>
+          </a:effectRef>
+          <a:fontRef idx="minor">
+            <a:schemeClr val="tx1"/>
+          </a:fontRef>
+        </p:style>
+      </p:cxnSp>
+      <p:cxnSp>
+        <p:nvCxnSpPr>
+          <p:cNvPr id="40" name="Connecteur droit avec flèche 39">
+            <a:extLst>
+              <a:ext uri="{FF2B5EF4-FFF2-40B4-BE49-F238E27FC236}">
+                <a16:creationId xmlns:a16="http://schemas.microsoft.com/office/drawing/2014/main" id="{D7703525-A25C-4847-ABBD-08F3000AC3BD}"/>
+              </a:ext>
+            </a:extLst>
+          </p:cNvPr>
+          <p:cNvCxnSpPr>
+            <a:cxnSpLocks/>
+            <a:stCxn id="45" idx="0"/>
+          </p:cNvCxnSpPr>
+          <p:nvPr/>
+        </p:nvCxnSpPr>
+        <p:spPr>
+          <a:xfrm flipV="1">
+            <a:off x="3562046" y="5078564"/>
+            <a:ext cx="1248487" cy="824503"/>
+          </a:xfrm>
+          <a:prstGeom prst="straightConnector1">
+            <a:avLst/>
+          </a:prstGeom>
+          <a:ln>
+            <a:tailEnd type="triangle"/>
+          </a:ln>
+        </p:spPr>
+        <p:style>
+          <a:lnRef idx="1">
+            <a:schemeClr val="accent2"/>
+          </a:lnRef>
+          <a:fillRef idx="0">
+            <a:schemeClr val="accent2"/>
+          </a:fillRef>
+          <a:effectRef idx="0">
+            <a:schemeClr val="accent2"/>
+          </a:effectRef>
+          <a:fontRef idx="minor">
+            <a:schemeClr val="tx1"/>
+          </a:fontRef>
+        </p:style>
+      </p:cxnSp>
+      <p:cxnSp>
+        <p:nvCxnSpPr>
+          <p:cNvPr id="41" name="Connecteur droit avec flèche 40">
+            <a:extLst>
+              <a:ext uri="{FF2B5EF4-FFF2-40B4-BE49-F238E27FC236}">
+                <a16:creationId xmlns:a16="http://schemas.microsoft.com/office/drawing/2014/main" id="{B4B6A98B-8CBC-4369-ADFA-72EE5C336173}"/>
+              </a:ext>
+            </a:extLst>
+          </p:cNvPr>
+          <p:cNvCxnSpPr>
+            <a:cxnSpLocks/>
+            <a:stCxn id="46" idx="0"/>
+          </p:cNvCxnSpPr>
+          <p:nvPr/>
+        </p:nvCxnSpPr>
+        <p:spPr>
+          <a:xfrm flipV="1">
+            <a:off x="5826663" y="5135126"/>
+            <a:ext cx="894888" cy="867297"/>
+          </a:xfrm>
+          <a:prstGeom prst="straightConnector1">
+            <a:avLst/>
+          </a:prstGeom>
+          <a:ln>
+            <a:tailEnd type="triangle"/>
+          </a:ln>
+        </p:spPr>
+        <p:style>
+          <a:lnRef idx="1">
+            <a:schemeClr val="accent2"/>
+          </a:lnRef>
+          <a:fillRef idx="0">
+            <a:schemeClr val="accent2"/>
+          </a:fillRef>
+          <a:effectRef idx="0">
+            <a:schemeClr val="accent2"/>
+          </a:effectRef>
+          <a:fontRef idx="minor">
+            <a:schemeClr val="tx1"/>
+          </a:fontRef>
+        </p:style>
+      </p:cxnSp>
+      <p:cxnSp>
+        <p:nvCxnSpPr>
+          <p:cNvPr id="42" name="Connecteur droit avec flèche 41">
+            <a:extLst>
+              <a:ext uri="{FF2B5EF4-FFF2-40B4-BE49-F238E27FC236}">
+                <a16:creationId xmlns:a16="http://schemas.microsoft.com/office/drawing/2014/main" id="{BFF93880-6DAC-404E-BE0E-CF83CD0B4331}"/>
+              </a:ext>
+            </a:extLst>
+          </p:cNvPr>
+          <p:cNvCxnSpPr>
+            <a:cxnSpLocks/>
+          </p:cNvCxnSpPr>
+          <p:nvPr/>
+        </p:nvCxnSpPr>
+        <p:spPr>
+          <a:xfrm flipV="1">
+            <a:off x="9387600" y="5182166"/>
+            <a:ext cx="46299" cy="820257"/>
+          </a:xfrm>
+          <a:prstGeom prst="straightConnector1">
+            <a:avLst/>
+          </a:prstGeom>
+          <a:ln>
+            <a:tailEnd type="triangle"/>
+          </a:ln>
+        </p:spPr>
+        <p:style>
+          <a:lnRef idx="1">
+            <a:schemeClr val="accent2"/>
+          </a:lnRef>
+          <a:fillRef idx="0">
+            <a:schemeClr val="accent2"/>
+          </a:fillRef>
+          <a:effectRef idx="0">
+            <a:schemeClr val="accent2"/>
+          </a:effectRef>
+          <a:fontRef idx="minor">
+            <a:schemeClr val="tx1"/>
+          </a:fontRef>
+        </p:style>
+      </p:cxnSp>
+      <p:cxnSp>
+        <p:nvCxnSpPr>
+          <p:cNvPr id="43" name="Connecteur droit avec flèche 42">
+            <a:extLst>
+              <a:ext uri="{FF2B5EF4-FFF2-40B4-BE49-F238E27FC236}">
+                <a16:creationId xmlns:a16="http://schemas.microsoft.com/office/drawing/2014/main" id="{7B832E87-2B3E-4C5E-B6EF-FEFCEC0A6AC5}"/>
+              </a:ext>
+            </a:extLst>
+          </p:cNvPr>
+          <p:cNvCxnSpPr>
+            <a:cxnSpLocks/>
+          </p:cNvCxnSpPr>
+          <p:nvPr/>
+        </p:nvCxnSpPr>
+        <p:spPr>
+          <a:xfrm flipH="1" flipV="1">
+            <a:off x="10184331" y="5209708"/>
+            <a:ext cx="157287" cy="441738"/>
+          </a:xfrm>
+          <a:prstGeom prst="straightConnector1">
+            <a:avLst/>
+          </a:prstGeom>
+          <a:ln>
+            <a:tailEnd type="triangle"/>
+          </a:ln>
+        </p:spPr>
+        <p:style>
+          <a:lnRef idx="1">
+            <a:schemeClr val="accent2"/>
+          </a:lnRef>
+          <a:fillRef idx="0">
+            <a:schemeClr val="accent2"/>
+          </a:fillRef>
+          <a:effectRef idx="0">
+            <a:schemeClr val="accent2"/>
+          </a:effectRef>
+          <a:fontRef idx="minor">
+            <a:schemeClr val="tx1"/>
+          </a:fontRef>
+        </p:style>
+      </p:cxnSp>
+      <p:sp>
+        <p:nvSpPr>
+          <p:cNvPr id="44" name="ZoneTexte 43">
+            <a:extLst>
+              <a:ext uri="{FF2B5EF4-FFF2-40B4-BE49-F238E27FC236}">
+                <a16:creationId xmlns:a16="http://schemas.microsoft.com/office/drawing/2014/main" id="{C98F4479-DA03-4861-8BBF-FFA135E7AD20}"/>
+              </a:ext>
+            </a:extLst>
+          </p:cNvPr>
+          <p:cNvSpPr txBox="1"/>
+          <p:nvPr/>
+        </p:nvSpPr>
+        <p:spPr>
+          <a:xfrm>
+            <a:off x="1152186" y="5651446"/>
+            <a:ext cx="1515292" cy="646331"/>
+          </a:xfrm>
+          <a:prstGeom prst="rect">
+            <a:avLst/>
+          </a:prstGeom>
+          <a:noFill/>
+        </p:spPr>
+        <p:txBody>
+          <a:bodyPr wrap="square" rtlCol="0">
+            <a:spAutoFit/>
+          </a:bodyPr>
+          <a:lstStyle/>
+          <a:p>
+            <a:r>
+              <a:rPr lang="fr-FR" dirty="0"/>
+              <a:t>Type de base de données</a:t>
+            </a:r>
+          </a:p>
+        </p:txBody>
+      </p:sp>
+      <p:sp>
+        <p:nvSpPr>
+          <p:cNvPr id="45" name="ZoneTexte 44">
+            <a:extLst>
+              <a:ext uri="{FF2B5EF4-FFF2-40B4-BE49-F238E27FC236}">
+                <a16:creationId xmlns:a16="http://schemas.microsoft.com/office/drawing/2014/main" id="{A715FE87-642A-4BD5-B51B-07D2094AD008}"/>
+              </a:ext>
+            </a:extLst>
+          </p:cNvPr>
+          <p:cNvSpPr txBox="1"/>
+          <p:nvPr/>
+        </p:nvSpPr>
+        <p:spPr>
+          <a:xfrm>
+            <a:off x="2804400" y="5903067"/>
+            <a:ext cx="1515292" cy="369332"/>
+          </a:xfrm>
+          <a:prstGeom prst="rect">
+            <a:avLst/>
+          </a:prstGeom>
+          <a:noFill/>
+        </p:spPr>
+        <p:txBody>
+          <a:bodyPr wrap="square" rtlCol="0">
+            <a:spAutoFit/>
+          </a:bodyPr>
+          <a:lstStyle/>
+          <a:p>
+            <a:r>
+              <a:rPr lang="fr-FR" dirty="0"/>
+              <a:t>Nom de l’hôte</a:t>
+            </a:r>
+          </a:p>
+        </p:txBody>
+      </p:sp>
+      <p:sp>
+        <p:nvSpPr>
+          <p:cNvPr id="46" name="ZoneTexte 45">
+            <a:extLst>
+              <a:ext uri="{FF2B5EF4-FFF2-40B4-BE49-F238E27FC236}">
+                <a16:creationId xmlns:a16="http://schemas.microsoft.com/office/drawing/2014/main" id="{77CD8EE1-2F5C-4AE1-95EA-11555581B740}"/>
+              </a:ext>
+            </a:extLst>
+          </p:cNvPr>
+          <p:cNvSpPr txBox="1"/>
+          <p:nvPr/>
+        </p:nvSpPr>
+        <p:spPr>
+          <a:xfrm>
+            <a:off x="4859467" y="6002423"/>
+            <a:ext cx="1934392" cy="646331"/>
+          </a:xfrm>
+          <a:prstGeom prst="rect">
+            <a:avLst/>
+          </a:prstGeom>
+          <a:noFill/>
+        </p:spPr>
+        <p:txBody>
+          <a:bodyPr wrap="square" rtlCol="0">
+            <a:spAutoFit/>
+          </a:bodyPr>
+          <a:lstStyle/>
+          <a:p>
+            <a:r>
+              <a:rPr lang="fr-FR" dirty="0"/>
+              <a:t>Nom de la  base de données</a:t>
+            </a:r>
+          </a:p>
+        </p:txBody>
+      </p:sp>
+      <p:sp>
+        <p:nvSpPr>
+          <p:cNvPr id="47" name="ZoneTexte 46">
+            <a:extLst>
+              <a:ext uri="{FF2B5EF4-FFF2-40B4-BE49-F238E27FC236}">
+                <a16:creationId xmlns:a16="http://schemas.microsoft.com/office/drawing/2014/main" id="{DFAF395D-016E-46C5-A588-15783076A9C1}"/>
+              </a:ext>
+            </a:extLst>
+          </p:cNvPr>
+          <p:cNvSpPr txBox="1"/>
+          <p:nvPr/>
+        </p:nvSpPr>
+        <p:spPr>
+          <a:xfrm>
+            <a:off x="8359127" y="6092511"/>
+            <a:ext cx="2487930" cy="369332"/>
+          </a:xfrm>
+          <a:prstGeom prst="rect">
+            <a:avLst/>
+          </a:prstGeom>
+          <a:noFill/>
+        </p:spPr>
+        <p:txBody>
+          <a:bodyPr wrap="square" rtlCol="0">
+            <a:spAutoFit/>
+          </a:bodyPr>
+          <a:lstStyle/>
+          <a:p>
+            <a:r>
+              <a:rPr lang="fr-FR" dirty="0"/>
+              <a:t>Nom de l’utilisateur</a:t>
+            </a:r>
+          </a:p>
+        </p:txBody>
+      </p:sp>
+      <p:sp>
+        <p:nvSpPr>
+          <p:cNvPr id="48" name="Espace réservé du numéro de diapositive 8">
+            <a:extLst>
+              <a:ext uri="{FF2B5EF4-FFF2-40B4-BE49-F238E27FC236}">
+                <a16:creationId xmlns:a16="http://schemas.microsoft.com/office/drawing/2014/main" id="{A3093407-F52B-467B-A158-26663406F8CC}"/>
+              </a:ext>
+            </a:extLst>
+          </p:cNvPr>
+          <p:cNvSpPr txBox="1">
+            <a:spLocks/>
+          </p:cNvSpPr>
+          <p:nvPr/>
+        </p:nvSpPr>
+        <p:spPr>
+          <a:xfrm>
+            <a:off x="8610600" y="6356350"/>
+            <a:ext cx="2743200" cy="365125"/>
+          </a:xfrm>
+          <a:prstGeom prst="rect">
+            <a:avLst/>
+          </a:prstGeom>
+        </p:spPr>
+        <p:txBody>
+          <a:bodyPr vert="horz" lIns="91440" tIns="45720" rIns="91440" bIns="45720" rtlCol="0" anchor="ctr"/>
+          <a:lstStyle>
+            <a:defPPr>
+              <a:defRPr lang="fr-FR"/>
+            </a:defPPr>
+            <a:lvl1pPr marL="0" algn="r" defTabSz="914400" rtl="0" eaLnBrk="1" latinLnBrk="0" hangingPunct="1">
+              <a:defRPr sz="1200" kern="1200">
+                <a:solidFill>
+                  <a:schemeClr val="tx1">
+                    <a:tint val="75000"/>
+                  </a:schemeClr>
+                </a:solidFill>
+                <a:latin typeface="+mn-lt"/>
+                <a:ea typeface="+mn-ea"/>
+                <a:cs typeface="+mn-cs"/>
+              </a:defRPr>
+            </a:lvl1pPr>
+            <a:lvl2pPr marL="457200" algn="l" defTabSz="914400" rtl="0" eaLnBrk="1" latinLnBrk="0" hangingPunct="1">
+              <a:defRPr sz="1800" kern="1200">
+                <a:solidFill>
+                  <a:schemeClr val="tx1"/>
+                </a:solidFill>
+                <a:latin typeface="+mn-lt"/>
+                <a:ea typeface="+mn-ea"/>
+                <a:cs typeface="+mn-cs"/>
+              </a:defRPr>
+            </a:lvl2pPr>
+            <a:lvl3pPr marL="914400" algn="l" defTabSz="914400" rtl="0" eaLnBrk="1" latinLnBrk="0" hangingPunct="1">
+              <a:defRPr sz="1800" kern="1200">
+                <a:solidFill>
+                  <a:schemeClr val="tx1"/>
+                </a:solidFill>
+                <a:latin typeface="+mn-lt"/>
+                <a:ea typeface="+mn-ea"/>
+                <a:cs typeface="+mn-cs"/>
+              </a:defRPr>
+            </a:lvl3pPr>
+            <a:lvl4pPr marL="1371600" algn="l" defTabSz="914400" rtl="0" eaLnBrk="1" latinLnBrk="0" hangingPunct="1">
+              <a:defRPr sz="1800" kern="1200">
+                <a:solidFill>
+                  <a:schemeClr val="tx1"/>
+                </a:solidFill>
+                <a:latin typeface="+mn-lt"/>
+                <a:ea typeface="+mn-ea"/>
+                <a:cs typeface="+mn-cs"/>
+              </a:defRPr>
+            </a:lvl4pPr>
+            <a:lvl5pPr marL="1828800" algn="l" defTabSz="914400" rtl="0" eaLnBrk="1" latinLnBrk="0" hangingPunct="1">
+              <a:defRPr sz="1800" kern="1200">
+                <a:solidFill>
+                  <a:schemeClr val="tx1"/>
+                </a:solidFill>
+                <a:latin typeface="+mn-lt"/>
+                <a:ea typeface="+mn-ea"/>
+                <a:cs typeface="+mn-cs"/>
+              </a:defRPr>
+            </a:lvl5pPr>
+            <a:lvl6pPr marL="2286000" algn="l" defTabSz="914400" rtl="0" eaLnBrk="1" latinLnBrk="0" hangingPunct="1">
+              <a:defRPr sz="1800" kern="1200">
+                <a:solidFill>
+                  <a:schemeClr val="tx1"/>
+                </a:solidFill>
+                <a:latin typeface="+mn-lt"/>
+                <a:ea typeface="+mn-ea"/>
+                <a:cs typeface="+mn-cs"/>
+              </a:defRPr>
+            </a:lvl6pPr>
+            <a:lvl7pPr marL="2743200" algn="l" defTabSz="914400" rtl="0" eaLnBrk="1" latinLnBrk="0" hangingPunct="1">
+              <a:defRPr sz="1800" kern="1200">
+                <a:solidFill>
+                  <a:schemeClr val="tx1"/>
+                </a:solidFill>
+                <a:latin typeface="+mn-lt"/>
+                <a:ea typeface="+mn-ea"/>
+                <a:cs typeface="+mn-cs"/>
+              </a:defRPr>
+            </a:lvl7pPr>
+            <a:lvl8pPr marL="3200400" algn="l" defTabSz="914400" rtl="0" eaLnBrk="1" latinLnBrk="0" hangingPunct="1">
+              <a:defRPr sz="1800" kern="1200">
+                <a:solidFill>
+                  <a:schemeClr val="tx1"/>
+                </a:solidFill>
+                <a:latin typeface="+mn-lt"/>
+                <a:ea typeface="+mn-ea"/>
+                <a:cs typeface="+mn-cs"/>
+              </a:defRPr>
+            </a:lvl8pPr>
+            <a:lvl9pPr marL="3657600" algn="l" defTabSz="914400" rtl="0" eaLnBrk="1" latinLnBrk="0" hangingPunct="1">
+              <a:defRPr sz="1800" kern="1200">
+                <a:solidFill>
+                  <a:schemeClr val="tx1"/>
+                </a:solidFill>
+                <a:latin typeface="+mn-lt"/>
+                <a:ea typeface="+mn-ea"/>
+                <a:cs typeface="+mn-cs"/>
+              </a:defRPr>
+            </a:lvl9pPr>
+          </a:lstStyle>
+          <a:p>
+            <a:fld id="{F8323CC4-5E62-4ADB-BC7C-89B23C89378E}" type="slidenum">
+              <a:rPr lang="fr-FR" smtClean="0"/>
+              <a:pPr/>
+              <a:t>8</a:t>
+            </a:fld>
+            <a:endParaRPr lang="fr-FR"/>
+          </a:p>
+        </p:txBody>
+      </p:sp>
+      <p:cxnSp>
+        <p:nvCxnSpPr>
+          <p:cNvPr id="49" name="Connecteur droit avec flèche 48">
+            <a:extLst>
+              <a:ext uri="{FF2B5EF4-FFF2-40B4-BE49-F238E27FC236}">
+                <a16:creationId xmlns:a16="http://schemas.microsoft.com/office/drawing/2014/main" id="{140142C0-4A35-4D64-B2F8-E89DB102C622}"/>
+              </a:ext>
+            </a:extLst>
+          </p:cNvPr>
+          <p:cNvCxnSpPr>
+            <a:cxnSpLocks/>
+          </p:cNvCxnSpPr>
+          <p:nvPr/>
+        </p:nvCxnSpPr>
+        <p:spPr>
+          <a:xfrm flipV="1">
+            <a:off x="7809989" y="5182167"/>
+            <a:ext cx="99734" cy="680794"/>
+          </a:xfrm>
+          <a:prstGeom prst="straightConnector1">
+            <a:avLst/>
+          </a:prstGeom>
+          <a:ln>
+            <a:tailEnd type="triangle"/>
+          </a:ln>
+        </p:spPr>
+        <p:style>
+          <a:lnRef idx="1">
+            <a:schemeClr val="accent2"/>
+          </a:lnRef>
+          <a:fillRef idx="0">
+            <a:schemeClr val="accent2"/>
+          </a:fillRef>
+          <a:effectRef idx="0">
+            <a:schemeClr val="accent2"/>
+          </a:effectRef>
+          <a:fontRef idx="minor">
+            <a:schemeClr val="tx1"/>
+          </a:fontRef>
+        </p:style>
+      </p:cxnSp>
+      <p:sp>
+        <p:nvSpPr>
+          <p:cNvPr id="50" name="ZoneTexte 49">
+            <a:extLst>
+              <a:ext uri="{FF2B5EF4-FFF2-40B4-BE49-F238E27FC236}">
+                <a16:creationId xmlns:a16="http://schemas.microsoft.com/office/drawing/2014/main" id="{51BC52FE-6EE2-456F-B884-0DECE920F6D9}"/>
+              </a:ext>
+            </a:extLst>
+          </p:cNvPr>
+          <p:cNvSpPr txBox="1"/>
+          <p:nvPr/>
+        </p:nvSpPr>
+        <p:spPr>
+          <a:xfrm>
+            <a:off x="7113099" y="5915828"/>
+            <a:ext cx="1411778" cy="646331"/>
+          </a:xfrm>
+          <a:prstGeom prst="rect">
+            <a:avLst/>
+          </a:prstGeom>
+          <a:noFill/>
+        </p:spPr>
+        <p:txBody>
+          <a:bodyPr wrap="square" rtlCol="0">
+            <a:spAutoFit/>
+          </a:bodyPr>
+          <a:lstStyle/>
+          <a:p>
+            <a:r>
+              <a:rPr lang="fr-FR" dirty="0"/>
+              <a:t>Encodage (optionnel)</a:t>
+            </a:r>
+          </a:p>
+        </p:txBody>
+      </p:sp>
+      <p:sp>
+        <p:nvSpPr>
+          <p:cNvPr id="58" name="ZoneTexte 57">
+            <a:extLst>
+              <a:ext uri="{FF2B5EF4-FFF2-40B4-BE49-F238E27FC236}">
+                <a16:creationId xmlns:a16="http://schemas.microsoft.com/office/drawing/2014/main" id="{BA6ED383-140E-48F3-92CF-BF1FDED42D01}"/>
+              </a:ext>
+            </a:extLst>
+          </p:cNvPr>
+          <p:cNvSpPr txBox="1"/>
+          <p:nvPr/>
+        </p:nvSpPr>
+        <p:spPr>
+          <a:xfrm>
+            <a:off x="9909387" y="5695616"/>
+            <a:ext cx="937670" cy="369332"/>
+          </a:xfrm>
+          <a:prstGeom prst="rect">
+            <a:avLst/>
+          </a:prstGeom>
+          <a:noFill/>
+        </p:spPr>
+        <p:txBody>
+          <a:bodyPr wrap="square" rtlCol="0">
+            <a:spAutoFit/>
+          </a:bodyPr>
+          <a:lstStyle/>
+          <a:p>
+            <a:r>
+              <a:rPr lang="fr-FR" dirty="0" err="1"/>
+              <a:t>Mdp</a:t>
+            </a:r>
+            <a:endParaRPr lang="fr-FR" dirty="0"/>
           </a:p>
         </p:txBody>
       </p:sp>

--- a/Formation de formateur.pptx
+++ b/Formation de formateur.pptx
@@ -5,7 +5,7 @@
     <p:sldMasterId id="2147483648" r:id="rId1"/>
   </p:sldMasterIdLst>
   <p:notesMasterIdLst>
-    <p:notesMasterId r:id="rId30"/>
+    <p:notesMasterId r:id="rId31"/>
   </p:notesMasterIdLst>
   <p:sldIdLst>
     <p:sldId id="256" r:id="rId2"/>
@@ -36,6 +36,7 @@
     <p:sldId id="282" r:id="rId27"/>
     <p:sldId id="284" r:id="rId28"/>
     <p:sldId id="288" r:id="rId29"/>
+    <p:sldId id="289" r:id="rId30"/>
   </p:sldIdLst>
   <p:sldSz cx="12192000" cy="6858000"/>
   <p:notesSz cx="6858000" cy="9144000"/>
@@ -236,7 +237,7 @@
           <a:p>
             <a:fld id="{40E7BC13-EF80-437B-A759-6158F4DAF95C}" type="datetimeFigureOut">
               <a:rPr lang="fr-FR" smtClean="0"/>
-              <a:t>10/12/2020</a:t>
+              <a:t>11/12/2020</a:t>
             </a:fld>
             <a:endParaRPr lang="fr-FR"/>
           </a:p>
@@ -650,7 +651,7 @@
           <a:p>
             <a:fld id="{C955F856-DB7D-429D-BB0A-82C5CA6E1B44}" type="datetime1">
               <a:rPr lang="fr-FR" smtClean="0"/>
-              <a:t>10/12/2020</a:t>
+              <a:t>11/12/2020</a:t>
             </a:fld>
             <a:endParaRPr lang="fr-FR"/>
           </a:p>
@@ -848,7 +849,7 @@
           <a:p>
             <a:fld id="{93AA34FB-F989-4D70-8967-248B8FE05E14}" type="datetime1">
               <a:rPr lang="fr-FR" smtClean="0"/>
-              <a:t>10/12/2020</a:t>
+              <a:t>11/12/2020</a:t>
             </a:fld>
             <a:endParaRPr lang="fr-FR"/>
           </a:p>
@@ -1056,7 +1057,7 @@
           <a:p>
             <a:fld id="{2F0153E3-7B69-47D3-8715-C2AB887F8B21}" type="datetime1">
               <a:rPr lang="fr-FR" smtClean="0"/>
-              <a:t>10/12/2020</a:t>
+              <a:t>11/12/2020</a:t>
             </a:fld>
             <a:endParaRPr lang="fr-FR"/>
           </a:p>
@@ -1254,7 +1255,7 @@
           <a:p>
             <a:fld id="{7AA3A4D9-0224-4F5F-81CE-D8B1C6C5EBA2}" type="datetime1">
               <a:rPr lang="fr-FR" smtClean="0"/>
-              <a:t>10/12/2020</a:t>
+              <a:t>11/12/2020</a:t>
             </a:fld>
             <a:endParaRPr lang="fr-FR"/>
           </a:p>
@@ -1529,7 +1530,7 @@
           <a:p>
             <a:fld id="{B4D6C897-CABA-46B2-BA34-E1F31C931172}" type="datetime1">
               <a:rPr lang="fr-FR" smtClean="0"/>
-              <a:t>10/12/2020</a:t>
+              <a:t>11/12/2020</a:t>
             </a:fld>
             <a:endParaRPr lang="fr-FR"/>
           </a:p>
@@ -1794,7 +1795,7 @@
           <a:p>
             <a:fld id="{0E578919-1A12-4588-988F-DA9E4CBD798D}" type="datetime1">
               <a:rPr lang="fr-FR" smtClean="0"/>
-              <a:t>10/12/2020</a:t>
+              <a:t>11/12/2020</a:t>
             </a:fld>
             <a:endParaRPr lang="fr-FR"/>
           </a:p>
@@ -2206,7 +2207,7 @@
           <a:p>
             <a:fld id="{A8B92751-DCF1-463A-BF8D-439E3F132E33}" type="datetime1">
               <a:rPr lang="fr-FR" smtClean="0"/>
-              <a:t>10/12/2020</a:t>
+              <a:t>11/12/2020</a:t>
             </a:fld>
             <a:endParaRPr lang="fr-FR"/>
           </a:p>
@@ -2347,7 +2348,7 @@
           <a:p>
             <a:fld id="{AAA159D9-A1B8-4ADE-97A7-986761ED22F6}" type="datetime1">
               <a:rPr lang="fr-FR" smtClean="0"/>
-              <a:t>10/12/2020</a:t>
+              <a:t>11/12/2020</a:t>
             </a:fld>
             <a:endParaRPr lang="fr-FR"/>
           </a:p>
@@ -2460,7 +2461,7 @@
           <a:p>
             <a:fld id="{FD68B437-B1C0-4353-B143-55FA805A8AB4}" type="datetime1">
               <a:rPr lang="fr-FR" smtClean="0"/>
-              <a:t>10/12/2020</a:t>
+              <a:t>11/12/2020</a:t>
             </a:fld>
             <a:endParaRPr lang="fr-FR"/>
           </a:p>
@@ -2771,7 +2772,7 @@
           <a:p>
             <a:fld id="{06CD109D-AFE8-47A6-A600-A815C1DD1BF3}" type="datetime1">
               <a:rPr lang="fr-FR" smtClean="0"/>
-              <a:t>10/12/2020</a:t>
+              <a:t>11/12/2020</a:t>
             </a:fld>
             <a:endParaRPr lang="fr-FR"/>
           </a:p>
@@ -3059,7 +3060,7 @@
           <a:p>
             <a:fld id="{6F434BBF-B85A-469C-ABC5-8DDCA5E2311D}" type="datetime1">
               <a:rPr lang="fr-FR" smtClean="0"/>
-              <a:t>10/12/2020</a:t>
+              <a:t>11/12/2020</a:t>
             </a:fld>
             <a:endParaRPr lang="fr-FR"/>
           </a:p>
@@ -3300,7 +3301,7 @@
           <a:p>
             <a:fld id="{351C3EB0-5D86-4B09-B954-C6421A91322A}" type="datetime1">
               <a:rPr lang="fr-FR" smtClean="0"/>
-              <a:t>10/12/2020</a:t>
+              <a:t>11/12/2020</a:t>
             </a:fld>
             <a:endParaRPr lang="fr-FR"/>
           </a:p>
@@ -7543,7 +7544,7 @@
         </p:nvSpPr>
         <p:spPr>
           <a:xfrm>
-            <a:off x="3045368" y="2043663"/>
+            <a:off x="3039648" y="802092"/>
             <a:ext cx="6105194" cy="2031055"/>
           </a:xfrm>
         </p:spPr>
@@ -7691,7 +7692,7 @@
         </p:nvSpPr>
         <p:spPr>
           <a:xfrm>
-            <a:off x="3045368" y="4493623"/>
+            <a:off x="3039648" y="2867297"/>
             <a:ext cx="6322422" cy="1123406"/>
           </a:xfrm>
           <a:prstGeom prst="rect">
@@ -7736,6 +7737,36 @@
           </a:p>
         </p:txBody>
       </p:sp>
+      <p:pic>
+        <p:nvPicPr>
+          <p:cNvPr id="5" name="Image 4">
+            <a:extLst>
+              <a:ext uri="{FF2B5EF4-FFF2-40B4-BE49-F238E27FC236}">
+                <a16:creationId xmlns:a16="http://schemas.microsoft.com/office/drawing/2014/main" id="{F2B06A2E-586D-4333-B503-3406B702602F}"/>
+              </a:ext>
+            </a:extLst>
+          </p:cNvPr>
+          <p:cNvPicPr>
+            <a:picLocks noChangeAspect="1"/>
+          </p:cNvPicPr>
+          <p:nvPr/>
+        </p:nvPicPr>
+        <p:blipFill>
+          <a:blip r:embed="rId3"/>
+          <a:stretch>
+            <a:fillRect/>
+          </a:stretch>
+        </p:blipFill>
+        <p:spPr>
+          <a:xfrm>
+            <a:off x="4205093" y="4338179"/>
+            <a:ext cx="3991532" cy="1362265"/>
+          </a:xfrm>
+          <a:prstGeom prst="rect">
+            <a:avLst/>
+          </a:prstGeom>
+        </p:spPr>
+      </p:pic>
     </p:spTree>
     <p:extLst>
       <p:ext uri="{BB962C8B-B14F-4D97-AF65-F5344CB8AC3E}">
@@ -8631,7 +8662,7 @@
           <a:p>
             <a:pPr algn="ctr"/>
             <a:r>
-              <a:rPr lang="en-US" sz="4700" kern="1200">
+              <a:rPr lang="en-US" sz="4700" kern="1200" dirty="0" err="1">
                 <a:solidFill>
                   <a:srgbClr val="FFFFFF"/>
                 </a:solidFill>
@@ -8639,8 +8670,82 @@
                 <a:ea typeface="+mj-ea"/>
                 <a:cs typeface="+mj-cs"/>
               </a:rPr>
-              <a:t>Exercice 3 – récupération de données avec FetchAll</a:t>
+              <a:t>Exercice</a:t>
             </a:r>
+            <a:r>
+              <a:rPr lang="en-US" sz="4700" kern="1200" dirty="0">
+                <a:solidFill>
+                  <a:srgbClr val="FFFFFF"/>
+                </a:solidFill>
+                <a:latin typeface="+mj-lt"/>
+                <a:ea typeface="+mj-ea"/>
+                <a:cs typeface="+mj-cs"/>
+              </a:rPr>
+              <a:t> 3 – </a:t>
+            </a:r>
+            <a:r>
+              <a:rPr lang="en-US" sz="4700" kern="1200" dirty="0" err="1">
+                <a:solidFill>
+                  <a:srgbClr val="FFFFFF"/>
+                </a:solidFill>
+                <a:latin typeface="+mj-lt"/>
+                <a:ea typeface="+mj-ea"/>
+                <a:cs typeface="+mj-cs"/>
+              </a:rPr>
+              <a:t>récupération</a:t>
+            </a:r>
+            <a:r>
+              <a:rPr lang="en-US" sz="4700" kern="1200" dirty="0">
+                <a:solidFill>
+                  <a:srgbClr val="FFFFFF"/>
+                </a:solidFill>
+                <a:latin typeface="+mj-lt"/>
+                <a:ea typeface="+mj-ea"/>
+                <a:cs typeface="+mj-cs"/>
+              </a:rPr>
+              <a:t> de </a:t>
+            </a:r>
+            <a:r>
+              <a:rPr lang="en-US" sz="4700" kern="1200" dirty="0" err="1">
+                <a:solidFill>
+                  <a:srgbClr val="FFFFFF"/>
+                </a:solidFill>
+                <a:latin typeface="+mj-lt"/>
+                <a:ea typeface="+mj-ea"/>
+                <a:cs typeface="+mj-cs"/>
+              </a:rPr>
+              <a:t>données</a:t>
+            </a:r>
+            <a:r>
+              <a:rPr lang="en-US" sz="4700" kern="1200" dirty="0">
+                <a:solidFill>
+                  <a:srgbClr val="FFFFFF"/>
+                </a:solidFill>
+                <a:latin typeface="+mj-lt"/>
+                <a:ea typeface="+mj-ea"/>
+                <a:cs typeface="+mj-cs"/>
+              </a:rPr>
+              <a:t> avec </a:t>
+            </a:r>
+            <a:r>
+              <a:rPr lang="en-US" sz="4700" kern="1200" dirty="0" err="1">
+                <a:solidFill>
+                  <a:srgbClr val="FFFFFF"/>
+                </a:solidFill>
+                <a:latin typeface="+mj-lt"/>
+                <a:ea typeface="+mj-ea"/>
+                <a:cs typeface="+mj-cs"/>
+              </a:rPr>
+              <a:t>FetchAll</a:t>
+            </a:r>
+            <a:endParaRPr lang="en-US" sz="4700" kern="1200" dirty="0">
+              <a:solidFill>
+                <a:srgbClr val="FFFFFF"/>
+              </a:solidFill>
+              <a:latin typeface="+mj-lt"/>
+              <a:ea typeface="+mj-ea"/>
+              <a:cs typeface="+mj-cs"/>
+            </a:endParaRPr>
           </a:p>
         </p:txBody>
       </p:sp>
@@ -9656,7 +9761,7 @@
         </p:nvSpPr>
         <p:spPr>
           <a:xfrm>
-            <a:off x="3045368" y="2043663"/>
+            <a:off x="3045368" y="779640"/>
             <a:ext cx="6105194" cy="2031055"/>
           </a:xfrm>
         </p:spPr>
@@ -9668,7 +9773,7 @@
           <a:p>
             <a:pPr algn="ctr"/>
             <a:r>
-              <a:rPr lang="en-US" sz="5100" kern="1200">
+              <a:rPr lang="en-US" sz="5100" kern="1200" dirty="0" err="1">
                 <a:solidFill>
                   <a:srgbClr val="FFFFFF"/>
                 </a:solidFill>
@@ -9676,8 +9781,38 @@
                 <a:ea typeface="+mj-ea"/>
                 <a:cs typeface="+mj-cs"/>
               </a:rPr>
-              <a:t>Exercice 4 – Insertion de données</a:t>
+              <a:t>Exercice</a:t>
             </a:r>
+            <a:r>
+              <a:rPr lang="en-US" sz="5100" kern="1200" dirty="0">
+                <a:solidFill>
+                  <a:srgbClr val="FFFFFF"/>
+                </a:solidFill>
+                <a:latin typeface="+mj-lt"/>
+                <a:ea typeface="+mj-ea"/>
+                <a:cs typeface="+mj-cs"/>
+              </a:rPr>
+              <a:t> 4 – Insertion de </a:t>
+            </a:r>
+            <a:r>
+              <a:rPr lang="en-US" sz="5100" kern="1200" dirty="0" err="1">
+                <a:solidFill>
+                  <a:srgbClr val="FFFFFF"/>
+                </a:solidFill>
+                <a:latin typeface="+mj-lt"/>
+                <a:ea typeface="+mj-ea"/>
+                <a:cs typeface="+mj-cs"/>
+              </a:rPr>
+              <a:t>données</a:t>
+            </a:r>
+            <a:endParaRPr lang="en-US" sz="5100" kern="1200" dirty="0">
+              <a:solidFill>
+                <a:srgbClr val="FFFFFF"/>
+              </a:solidFill>
+              <a:latin typeface="+mj-lt"/>
+              <a:ea typeface="+mj-ea"/>
+              <a:cs typeface="+mj-cs"/>
+            </a:endParaRPr>
           </a:p>
         </p:txBody>
       </p:sp>
@@ -9749,7 +9884,7 @@
         </p:nvSpPr>
         <p:spPr>
           <a:xfrm>
-            <a:off x="3045368" y="4493623"/>
+            <a:off x="3045368" y="2923900"/>
             <a:ext cx="6322422" cy="1123406"/>
           </a:xfrm>
           <a:prstGeom prst="rect">
@@ -9794,6 +9929,36 @@
           </a:p>
         </p:txBody>
       </p:sp>
+      <p:pic>
+        <p:nvPicPr>
+          <p:cNvPr id="5" name="Image 4">
+            <a:extLst>
+              <a:ext uri="{FF2B5EF4-FFF2-40B4-BE49-F238E27FC236}">
+                <a16:creationId xmlns:a16="http://schemas.microsoft.com/office/drawing/2014/main" id="{38D164F1-89EA-41C1-BFAC-D2B09FA1E913}"/>
+              </a:ext>
+            </a:extLst>
+          </p:cNvPr>
+          <p:cNvPicPr>
+            <a:picLocks noChangeAspect="1"/>
+          </p:cNvPicPr>
+          <p:nvPr/>
+        </p:nvPicPr>
+        <p:blipFill>
+          <a:blip r:embed="rId3"/>
+          <a:stretch>
+            <a:fillRect/>
+          </a:stretch>
+        </p:blipFill>
+        <p:spPr>
+          <a:xfrm>
+            <a:off x="2978280" y="4519073"/>
+            <a:ext cx="6411220" cy="933580"/>
+          </a:xfrm>
+          <a:prstGeom prst="rect">
+            <a:avLst/>
+          </a:prstGeom>
+        </p:spPr>
+      </p:pic>
     </p:spTree>
     <p:extLst>
       <p:ext uri="{BB962C8B-B14F-4D97-AF65-F5344CB8AC3E}">
@@ -11340,7 +11505,7 @@
         </p:nvSpPr>
         <p:spPr>
           <a:xfrm>
-            <a:off x="3045368" y="2043663"/>
+            <a:off x="3039648" y="949968"/>
             <a:ext cx="6105194" cy="2031055"/>
           </a:xfrm>
         </p:spPr>
@@ -11352,7 +11517,7 @@
           <a:p>
             <a:pPr algn="ctr"/>
             <a:r>
-              <a:rPr lang="en-US" sz="4700" kern="1200">
+              <a:rPr lang="en-US" sz="4700" kern="1200" dirty="0" err="1">
                 <a:solidFill>
                   <a:srgbClr val="FFFFFF"/>
                 </a:solidFill>
@@ -11360,8 +11525,38 @@
                 <a:ea typeface="+mj-ea"/>
                 <a:cs typeface="+mj-cs"/>
               </a:rPr>
-              <a:t>Exercice 5 – Modification de données</a:t>
+              <a:t>Exercice</a:t>
             </a:r>
+            <a:r>
+              <a:rPr lang="en-US" sz="4700" kern="1200" dirty="0">
+                <a:solidFill>
+                  <a:srgbClr val="FFFFFF"/>
+                </a:solidFill>
+                <a:latin typeface="+mj-lt"/>
+                <a:ea typeface="+mj-ea"/>
+                <a:cs typeface="+mj-cs"/>
+              </a:rPr>
+              <a:t> 5 – Modification de </a:t>
+            </a:r>
+            <a:r>
+              <a:rPr lang="en-US" sz="4700" kern="1200" dirty="0" err="1">
+                <a:solidFill>
+                  <a:srgbClr val="FFFFFF"/>
+                </a:solidFill>
+                <a:latin typeface="+mj-lt"/>
+                <a:ea typeface="+mj-ea"/>
+                <a:cs typeface="+mj-cs"/>
+              </a:rPr>
+              <a:t>données</a:t>
+            </a:r>
+            <a:endParaRPr lang="en-US" sz="4700" kern="1200" dirty="0">
+              <a:solidFill>
+                <a:srgbClr val="FFFFFF"/>
+              </a:solidFill>
+              <a:latin typeface="+mj-lt"/>
+              <a:ea typeface="+mj-ea"/>
+              <a:cs typeface="+mj-cs"/>
+            </a:endParaRPr>
           </a:p>
         </p:txBody>
       </p:sp>
@@ -11433,7 +11628,7 @@
         </p:nvSpPr>
         <p:spPr>
           <a:xfrm>
-            <a:off x="3045368" y="4493623"/>
+            <a:off x="3039648" y="3059270"/>
             <a:ext cx="6322422" cy="1123406"/>
           </a:xfrm>
           <a:prstGeom prst="rect">
@@ -11478,6 +11673,36 @@
           </a:p>
         </p:txBody>
       </p:sp>
+      <p:pic>
+        <p:nvPicPr>
+          <p:cNvPr id="8" name="Image 7">
+            <a:extLst>
+              <a:ext uri="{FF2B5EF4-FFF2-40B4-BE49-F238E27FC236}">
+                <a16:creationId xmlns:a16="http://schemas.microsoft.com/office/drawing/2014/main" id="{528E1509-1F33-40A7-A681-BCD81FC0229D}"/>
+              </a:ext>
+            </a:extLst>
+          </p:cNvPr>
+          <p:cNvPicPr>
+            <a:picLocks noChangeAspect="1"/>
+          </p:cNvPicPr>
+          <p:nvPr/>
+        </p:nvPicPr>
+        <p:blipFill>
+          <a:blip r:embed="rId3"/>
+          <a:stretch>
+            <a:fillRect/>
+          </a:stretch>
+        </p:blipFill>
+        <p:spPr>
+          <a:xfrm>
+            <a:off x="2972867" y="4548652"/>
+            <a:ext cx="6430272" cy="971686"/>
+          </a:xfrm>
+          <a:prstGeom prst="rect">
+            <a:avLst/>
+          </a:prstGeom>
+        </p:spPr>
+      </p:pic>
     </p:spTree>
     <p:extLst>
       <p:ext uri="{BB962C8B-B14F-4D97-AF65-F5344CB8AC3E}">
@@ -12361,7 +12586,7 @@
         </p:nvSpPr>
         <p:spPr>
           <a:xfrm>
-            <a:off x="3045368" y="2043663"/>
+            <a:off x="3039648" y="1030651"/>
             <a:ext cx="6105194" cy="2031055"/>
           </a:xfrm>
         </p:spPr>
@@ -12373,7 +12598,7 @@
           <a:p>
             <a:pPr algn="ctr"/>
             <a:r>
-              <a:rPr lang="en-US" sz="4700" kern="1200">
+              <a:rPr lang="en-US" sz="4700" kern="1200" dirty="0" err="1">
                 <a:solidFill>
                   <a:srgbClr val="FFFFFF"/>
                 </a:solidFill>
@@ -12381,8 +12606,38 @@
                 <a:ea typeface="+mj-ea"/>
                 <a:cs typeface="+mj-cs"/>
               </a:rPr>
-              <a:t>Exercice 6 – suppression de données</a:t>
+              <a:t>Exercice</a:t>
             </a:r>
+            <a:r>
+              <a:rPr lang="en-US" sz="4700" kern="1200" dirty="0">
+                <a:solidFill>
+                  <a:srgbClr val="FFFFFF"/>
+                </a:solidFill>
+                <a:latin typeface="+mj-lt"/>
+                <a:ea typeface="+mj-ea"/>
+                <a:cs typeface="+mj-cs"/>
+              </a:rPr>
+              <a:t> 6 – suppression de </a:t>
+            </a:r>
+            <a:r>
+              <a:rPr lang="en-US" sz="4700" kern="1200" dirty="0" err="1">
+                <a:solidFill>
+                  <a:srgbClr val="FFFFFF"/>
+                </a:solidFill>
+                <a:latin typeface="+mj-lt"/>
+                <a:ea typeface="+mj-ea"/>
+                <a:cs typeface="+mj-cs"/>
+              </a:rPr>
+              <a:t>données</a:t>
+            </a:r>
+            <a:endParaRPr lang="en-US" sz="4700" kern="1200" dirty="0">
+              <a:solidFill>
+                <a:srgbClr val="FFFFFF"/>
+              </a:solidFill>
+              <a:latin typeface="+mj-lt"/>
+              <a:ea typeface="+mj-ea"/>
+              <a:cs typeface="+mj-cs"/>
+            </a:endParaRPr>
           </a:p>
         </p:txBody>
       </p:sp>
@@ -12454,7 +12709,7 @@
         </p:nvSpPr>
         <p:spPr>
           <a:xfrm>
-            <a:off x="3045368" y="4493623"/>
+            <a:off x="3039648" y="3234592"/>
             <a:ext cx="6322422" cy="1123406"/>
           </a:xfrm>
           <a:prstGeom prst="rect">
@@ -12499,6 +12754,36 @@
           </a:p>
         </p:txBody>
       </p:sp>
+      <p:pic>
+        <p:nvPicPr>
+          <p:cNvPr id="5" name="Image 4">
+            <a:extLst>
+              <a:ext uri="{FF2B5EF4-FFF2-40B4-BE49-F238E27FC236}">
+                <a16:creationId xmlns:a16="http://schemas.microsoft.com/office/drawing/2014/main" id="{0C5BD22B-6CB6-440C-9E8C-B3FF98AD688E}"/>
+              </a:ext>
+            </a:extLst>
+          </p:cNvPr>
+          <p:cNvPicPr>
+            <a:picLocks noChangeAspect="1"/>
+          </p:cNvPicPr>
+          <p:nvPr/>
+        </p:nvPicPr>
+        <p:blipFill>
+          <a:blip r:embed="rId3"/>
+          <a:stretch>
+            <a:fillRect/>
+          </a:stretch>
+        </p:blipFill>
+        <p:spPr>
+          <a:xfrm>
+            <a:off x="2919038" y="4645839"/>
+            <a:ext cx="6563641" cy="962159"/>
+          </a:xfrm>
+          <a:prstGeom prst="rect">
+            <a:avLst/>
+          </a:prstGeom>
+        </p:spPr>
+      </p:pic>
     </p:spTree>
     <p:extLst>
       <p:ext uri="{BB962C8B-B14F-4D97-AF65-F5344CB8AC3E}">
@@ -13177,7 +13462,7 @@
             </a:pPr>
             <a:r>
               <a:rPr lang="fr-FR" sz="2400" dirty="0"/>
-              <a:t>Créer un fichier CSS et lier a son fichier HTML</a:t>
+              <a:t>Créer un fichier CSS et le lier a son fichier HTML</a:t>
             </a:r>
           </a:p>
         </p:txBody>
@@ -14296,7 +14581,7 @@
         </p:nvSpPr>
         <p:spPr>
           <a:xfrm>
-            <a:off x="3045368" y="2043663"/>
+            <a:off x="3045368" y="967898"/>
             <a:ext cx="6105194" cy="2031055"/>
           </a:xfrm>
         </p:spPr>
@@ -14308,7 +14593,7 @@
           <a:p>
             <a:pPr algn="ctr"/>
             <a:r>
-              <a:rPr lang="en-US" sz="6000" kern="1200">
+              <a:rPr lang="en-US" sz="6000" kern="1200" dirty="0" err="1">
                 <a:solidFill>
                   <a:srgbClr val="FFFFFF"/>
                 </a:solidFill>
@@ -14316,7 +14601,62 @@
                 <a:ea typeface="+mj-ea"/>
                 <a:cs typeface="+mj-cs"/>
               </a:rPr>
-              <a:t>Exercice 7 – Mise en forme </a:t>
+              <a:t>Exercice</a:t>
+            </a:r>
+            <a:r>
+              <a:rPr lang="en-US" sz="6000" kern="1200" dirty="0">
+                <a:solidFill>
+                  <a:srgbClr val="FFFFFF"/>
+                </a:solidFill>
+                <a:latin typeface="+mj-lt"/>
+                <a:ea typeface="+mj-ea"/>
+                <a:cs typeface="+mj-cs"/>
+              </a:rPr>
+              <a:t> 7 – Mise </a:t>
+            </a:r>
+            <a:r>
+              <a:rPr lang="en-US" sz="6000" kern="1200" dirty="0" err="1">
+                <a:solidFill>
+                  <a:srgbClr val="FFFFFF"/>
+                </a:solidFill>
+                <a:latin typeface="+mj-lt"/>
+                <a:ea typeface="+mj-ea"/>
+                <a:cs typeface="+mj-cs"/>
+              </a:rPr>
+              <a:t>en</a:t>
+            </a:r>
+            <a:r>
+              <a:rPr lang="en-US" sz="6000" kern="1200" dirty="0">
+                <a:solidFill>
+                  <a:srgbClr val="FFFFFF"/>
+                </a:solidFill>
+                <a:latin typeface="+mj-lt"/>
+                <a:ea typeface="+mj-ea"/>
+                <a:cs typeface="+mj-cs"/>
+              </a:rPr>
+              <a:t> </a:t>
+            </a:r>
+            <a:r>
+              <a:rPr lang="en-US" sz="6000" kern="1200" dirty="0" err="1">
+                <a:solidFill>
+                  <a:srgbClr val="FFFFFF"/>
+                </a:solidFill>
+                <a:latin typeface="+mj-lt"/>
+                <a:ea typeface="+mj-ea"/>
+                <a:cs typeface="+mj-cs"/>
+              </a:rPr>
+              <a:t>forme</a:t>
+            </a:r>
+            <a:r>
+              <a:rPr lang="en-US" sz="6000" kern="1200" dirty="0">
+                <a:solidFill>
+                  <a:srgbClr val="FFFFFF"/>
+                </a:solidFill>
+                <a:latin typeface="+mj-lt"/>
+                <a:ea typeface="+mj-ea"/>
+                <a:cs typeface="+mj-cs"/>
+              </a:rPr>
+              <a:t> </a:t>
             </a:r>
           </a:p>
         </p:txBody>
@@ -14389,7 +14729,7 @@
         </p:nvSpPr>
         <p:spPr>
           <a:xfrm>
-            <a:off x="3045368" y="4493623"/>
+            <a:off x="3045368" y="3243367"/>
             <a:ext cx="6322422" cy="1123406"/>
           </a:xfrm>
           <a:prstGeom prst="rect">
@@ -14434,6 +14774,36 @@
           </a:p>
         </p:txBody>
       </p:sp>
+      <p:pic>
+        <p:nvPicPr>
+          <p:cNvPr id="8" name="Image 7">
+            <a:extLst>
+              <a:ext uri="{FF2B5EF4-FFF2-40B4-BE49-F238E27FC236}">
+                <a16:creationId xmlns:a16="http://schemas.microsoft.com/office/drawing/2014/main" id="{E18A15F2-0444-43D1-B4F0-86B034E9062B}"/>
+              </a:ext>
+            </a:extLst>
+          </p:cNvPr>
+          <p:cNvPicPr>
+            <a:picLocks noChangeAspect="1"/>
+          </p:cNvPicPr>
+          <p:nvPr/>
+        </p:nvPicPr>
+        <p:blipFill>
+          <a:blip r:embed="rId3"/>
+          <a:stretch>
+            <a:fillRect/>
+          </a:stretch>
+        </p:blipFill>
+        <p:spPr>
+          <a:xfrm>
+            <a:off x="3528967" y="4611187"/>
+            <a:ext cx="5272683" cy="946931"/>
+          </a:xfrm>
+          <a:prstGeom prst="rect">
+            <a:avLst/>
+          </a:prstGeom>
+        </p:spPr>
+      </p:pic>
     </p:spTree>
     <p:extLst>
       <p:ext uri="{BB962C8B-B14F-4D97-AF65-F5344CB8AC3E}">
@@ -15507,7 +15877,7 @@
           <a:p>
             <a:pPr algn="ctr"/>
             <a:r>
-              <a:rPr lang="en-US" sz="6000" kern="1200">
+              <a:rPr lang="en-US" sz="6000" kern="1200" dirty="0" err="1">
                 <a:solidFill>
                   <a:srgbClr val="FFFFFF"/>
                 </a:solidFill>
@@ -15515,8 +15885,38 @@
                 <a:ea typeface="+mj-ea"/>
                 <a:cs typeface="+mj-cs"/>
               </a:rPr>
-              <a:t>Exercice 8 – Formulaire</a:t>
+              <a:t>Exercice</a:t>
             </a:r>
+            <a:r>
+              <a:rPr lang="en-US" sz="6000" kern="1200" dirty="0">
+                <a:solidFill>
+                  <a:srgbClr val="FFFFFF"/>
+                </a:solidFill>
+                <a:latin typeface="+mj-lt"/>
+                <a:ea typeface="+mj-ea"/>
+                <a:cs typeface="+mj-cs"/>
+              </a:rPr>
+              <a:t> 8 – </a:t>
+            </a:r>
+            <a:r>
+              <a:rPr lang="en-US" sz="6000" kern="1200" dirty="0" err="1">
+                <a:solidFill>
+                  <a:srgbClr val="FFFFFF"/>
+                </a:solidFill>
+                <a:latin typeface="+mj-lt"/>
+                <a:ea typeface="+mj-ea"/>
+                <a:cs typeface="+mj-cs"/>
+              </a:rPr>
+              <a:t>Formulaire</a:t>
+            </a:r>
+            <a:endParaRPr lang="en-US" sz="6000" kern="1200" dirty="0">
+              <a:solidFill>
+                <a:srgbClr val="FFFFFF"/>
+              </a:solidFill>
+              <a:latin typeface="+mj-lt"/>
+              <a:ea typeface="+mj-ea"/>
+              <a:cs typeface="+mj-cs"/>
+            </a:endParaRPr>
           </a:p>
         </p:txBody>
       </p:sp>
@@ -16048,6 +16448,271 @@
     <p:extLst>
       <p:ext uri="{BB962C8B-B14F-4D97-AF65-F5344CB8AC3E}">
         <p14:creationId xmlns:p14="http://schemas.microsoft.com/office/powerpoint/2010/main" val="76179091"/>
+      </p:ext>
+    </p:extLst>
+  </p:cSld>
+  <p:clrMapOvr>
+    <a:masterClrMapping/>
+  </p:clrMapOvr>
+</p:sld>
+</file>
+
+<file path=ppt/slides/slide29.xml><?xml version="1.0" encoding="utf-8"?>
+<p:sld xmlns:a="http://schemas.openxmlformats.org/drawingml/2006/main" xmlns:r="http://schemas.openxmlformats.org/officeDocument/2006/relationships" xmlns:p="http://schemas.openxmlformats.org/presentationml/2006/main">
+  <p:cSld>
+    <p:bg>
+      <p:bgPr>
+        <a:solidFill>
+          <a:schemeClr val="bg1"/>
+        </a:solidFill>
+        <a:effectLst/>
+      </p:bgPr>
+    </p:bg>
+    <p:spTree>
+      <p:nvGrpSpPr>
+        <p:cNvPr id="1" name=""/>
+        <p:cNvGrpSpPr/>
+        <p:nvPr/>
+      </p:nvGrpSpPr>
+      <p:grpSpPr>
+        <a:xfrm>
+          <a:off x="0" y="0"/>
+          <a:ext cx="0" cy="0"/>
+          <a:chOff x="0" y="0"/>
+          <a:chExt cx="0" cy="0"/>
+        </a:xfrm>
+      </p:grpSpPr>
+      <p:sp>
+        <p:nvSpPr>
+          <p:cNvPr id="9" name="Rectangle 8">
+            <a:extLst>
+              <a:ext uri="{FF2B5EF4-FFF2-40B4-BE49-F238E27FC236}">
+                <a16:creationId xmlns:a16="http://schemas.microsoft.com/office/drawing/2014/main" id="{23962611-DFD5-4092-AAFD-559E3DFCE2C9}"/>
+              </a:ext>
+              <a:ext uri="{C183D7F6-B498-43B3-948B-1728B52AA6E4}">
+                <adec:decorative xmlns:adec="http://schemas.microsoft.com/office/drawing/2017/decorative" val="1"/>
+              </a:ext>
+            </a:extLst>
+          </p:cNvPr>
+          <p:cNvSpPr>
+            <a:spLocks noGrp="1" noRot="1" noChangeAspect="1" noMove="1" noResize="1" noEditPoints="1" noAdjustHandles="1" noChangeArrowheads="1" noChangeShapeType="1" noTextEdit="1"/>
+          </p:cNvSpPr>
+          <p:nvPr>
+            <p:extLst>
+              <p:ext uri="{386F3935-93C4-4BCD-93E2-E3B085C9AB24}">
+                <p16:designElem xmlns:p16="http://schemas.microsoft.com/office/powerpoint/2015/main" val="1"/>
+              </p:ext>
+            </p:extLst>
+          </p:nvPr>
+        </p:nvSpPr>
+        <p:spPr>
+          <a:xfrm>
+            <a:off x="475488" y="0"/>
+            <a:ext cx="10910292" cy="6858000"/>
+          </a:xfrm>
+          <a:prstGeom prst="rect">
+            <a:avLst/>
+          </a:prstGeom>
+          <a:gradFill>
+            <a:gsLst>
+              <a:gs pos="0">
+                <a:schemeClr val="accent1">
+                  <a:lumMod val="90000"/>
+                </a:schemeClr>
+              </a:gs>
+              <a:gs pos="25000">
+                <a:schemeClr val="accent1">
+                  <a:lumMod val="90000"/>
+                </a:schemeClr>
+              </a:gs>
+              <a:gs pos="94000">
+                <a:schemeClr val="bg2">
+                  <a:lumMod val="25000"/>
+                </a:schemeClr>
+              </a:gs>
+              <a:gs pos="100000">
+                <a:schemeClr val="bg2">
+                  <a:lumMod val="25000"/>
+                </a:schemeClr>
+              </a:gs>
+            </a:gsLst>
+            <a:lin ang="4200000" scaled="0"/>
+          </a:gradFill>
+          <a:ln>
+            <a:noFill/>
+          </a:ln>
+        </p:spPr>
+        <p:style>
+          <a:lnRef idx="2">
+            <a:schemeClr val="accent1">
+              <a:shade val="50000"/>
+            </a:schemeClr>
+          </a:lnRef>
+          <a:fillRef idx="1">
+            <a:schemeClr val="accent1"/>
+          </a:fillRef>
+          <a:effectRef idx="0">
+            <a:schemeClr val="accent1"/>
+          </a:effectRef>
+          <a:fontRef idx="minor">
+            <a:schemeClr val="lt1"/>
+          </a:fontRef>
+        </p:style>
+        <p:txBody>
+          <a:bodyPr rtlCol="0" anchor="ctr"/>
+          <a:lstStyle/>
+          <a:p>
+            <a:pPr algn="ctr"/>
+            <a:endParaRPr lang="en-US"/>
+          </a:p>
+        </p:txBody>
+      </p:sp>
+      <p:pic>
+        <p:nvPicPr>
+          <p:cNvPr id="11" name="Picture 10">
+            <a:extLst>
+              <a:ext uri="{FF2B5EF4-FFF2-40B4-BE49-F238E27FC236}">
+                <a16:creationId xmlns:a16="http://schemas.microsoft.com/office/drawing/2014/main" id="{2270F1FA-0425-408F-9861-80BF5AFB276D}"/>
+              </a:ext>
+              <a:ext uri="{C183D7F6-B498-43B3-948B-1728B52AA6E4}">
+                <adec:decorative xmlns:adec="http://schemas.microsoft.com/office/drawing/2017/decorative" val="1"/>
+              </a:ext>
+            </a:extLst>
+          </p:cNvPr>
+          <p:cNvPicPr>
+            <a:picLocks noGrp="1" noRot="1" noChangeAspect="1" noMove="1" noResize="1" noEditPoints="1" noAdjustHandles="1" noChangeArrowheads="1" noChangeShapeType="1" noCrop="1"/>
+          </p:cNvPicPr>
+          <p:nvPr>
+            <p:extLst>
+              <p:ext uri="{386F3935-93C4-4BCD-93E2-E3B085C9AB24}">
+                <p16:designElem xmlns:p16="http://schemas.microsoft.com/office/powerpoint/2015/main" val="1"/>
+              </p:ext>
+            </p:extLst>
+          </p:nvPr>
+        </p:nvPicPr>
+        <p:blipFill>
+          <a:blip r:embed="rId2">
+            <a:extLst>
+              <a:ext uri="{28A0092B-C50C-407E-A947-70E740481C1C}">
+                <a14:useLocalDpi xmlns:a14="http://schemas.microsoft.com/office/drawing/2010/main" val="0"/>
+              </a:ext>
+            </a:extLst>
+          </a:blip>
+          <a:stretch>
+            <a:fillRect/>
+          </a:stretch>
+        </p:blipFill>
+        <p:spPr>
+          <a:xfrm>
+            <a:off x="0" y="0"/>
+            <a:ext cx="12192000" cy="6858000"/>
+          </a:xfrm>
+          <a:prstGeom prst="rect">
+            <a:avLst/>
+          </a:prstGeom>
+        </p:spPr>
+      </p:pic>
+      <p:sp>
+        <p:nvSpPr>
+          <p:cNvPr id="2" name="Titre 1">
+            <a:extLst>
+              <a:ext uri="{FF2B5EF4-FFF2-40B4-BE49-F238E27FC236}">
+                <a16:creationId xmlns:a16="http://schemas.microsoft.com/office/drawing/2014/main" id="{CAB92B3D-9E95-4171-A0B8-B34B49728F0A}"/>
+              </a:ext>
+            </a:extLst>
+          </p:cNvPr>
+          <p:cNvSpPr>
+            <a:spLocks noGrp="1"/>
+          </p:cNvSpPr>
+          <p:nvPr>
+            <p:ph type="title"/>
+          </p:nvPr>
+        </p:nvSpPr>
+        <p:spPr>
+          <a:xfrm>
+            <a:off x="3045368" y="2043663"/>
+            <a:ext cx="6105194" cy="2031055"/>
+          </a:xfrm>
+        </p:spPr>
+        <p:txBody>
+          <a:bodyPr vert="horz" lIns="91440" tIns="45720" rIns="91440" bIns="45720" rtlCol="0" anchor="b">
+            <a:normAutofit/>
+          </a:bodyPr>
+          <a:lstStyle/>
+          <a:p>
+            <a:pPr algn="ctr"/>
+            <a:r>
+              <a:rPr lang="en-US" sz="6000" kern="1200" dirty="0">
+                <a:solidFill>
+                  <a:srgbClr val="FFFFFF"/>
+                </a:solidFill>
+                <a:latin typeface="+mj-lt"/>
+                <a:ea typeface="+mj-ea"/>
+                <a:cs typeface="+mj-cs"/>
+              </a:rPr>
+              <a:t>Questionnaire de fin</a:t>
+            </a:r>
+          </a:p>
+        </p:txBody>
+      </p:sp>
+      <p:sp>
+        <p:nvSpPr>
+          <p:cNvPr id="4" name="Espace réservé du numéro de diapositive 3">
+            <a:extLst>
+              <a:ext uri="{FF2B5EF4-FFF2-40B4-BE49-F238E27FC236}">
+                <a16:creationId xmlns:a16="http://schemas.microsoft.com/office/drawing/2014/main" id="{FED846C3-AB10-4D5A-9585-EE00E0444CAA}"/>
+              </a:ext>
+            </a:extLst>
+          </p:cNvPr>
+          <p:cNvSpPr>
+            <a:spLocks noGrp="1"/>
+          </p:cNvSpPr>
+          <p:nvPr>
+            <p:ph type="sldNum" sz="quarter" idx="12"/>
+          </p:nvPr>
+        </p:nvSpPr>
+        <p:spPr>
+          <a:xfrm>
+            <a:off x="10825930" y="6223702"/>
+            <a:ext cx="570728" cy="314067"/>
+          </a:xfrm>
+        </p:spPr>
+        <p:txBody>
+          <a:bodyPr vert="horz" lIns="91440" tIns="45720" rIns="91440" bIns="45720" rtlCol="0" anchor="ctr">
+            <a:normAutofit/>
+          </a:bodyPr>
+          <a:lstStyle/>
+          <a:p>
+            <a:pPr>
+              <a:spcAft>
+                <a:spcPts val="600"/>
+              </a:spcAft>
+            </a:pPr>
+            <a:fld id="{F8323CC4-5E62-4ADB-BC7C-89B23C89378E}" type="slidenum">
+              <a:rPr lang="en-US" sz="1000">
+                <a:solidFill>
+                  <a:srgbClr val="898989"/>
+                </a:solidFill>
+              </a:rPr>
+              <a:pPr>
+                <a:spcAft>
+                  <a:spcPts val="600"/>
+                </a:spcAft>
+              </a:pPr>
+              <a:t>29</a:t>
+            </a:fld>
+            <a:endParaRPr lang="en-US" sz="1000">
+              <a:solidFill>
+                <a:srgbClr val="898989"/>
+              </a:solidFill>
+            </a:endParaRPr>
+          </a:p>
+        </p:txBody>
+      </p:sp>
+    </p:spTree>
+    <p:extLst>
+      <p:ext uri="{BB962C8B-B14F-4D97-AF65-F5344CB8AC3E}">
+        <p14:creationId xmlns:p14="http://schemas.microsoft.com/office/powerpoint/2010/main" val="2063308422"/>
       </p:ext>
     </p:extLst>
   </p:cSld>
@@ -20487,7 +21152,7 @@
         </p:nvSpPr>
         <p:spPr>
           <a:xfrm>
-            <a:off x="3045368" y="2043663"/>
+            <a:off x="3039648" y="995039"/>
             <a:ext cx="6105194" cy="2031055"/>
           </a:xfrm>
         </p:spPr>
@@ -20499,7 +21164,7 @@
           <a:p>
             <a:pPr algn="ctr"/>
             <a:r>
-              <a:rPr lang="en-US" sz="4700" kern="1200">
+              <a:rPr lang="en-US" sz="4700" kern="1200" dirty="0" err="1">
                 <a:solidFill>
                   <a:srgbClr val="FFFFFF"/>
                 </a:solidFill>
@@ -20507,61 +21172,59 @@
                 <a:ea typeface="+mj-ea"/>
                 <a:cs typeface="+mj-cs"/>
               </a:rPr>
-              <a:t>Exercice 1 – Connexion a la base de données</a:t>
+              <a:t>Exercice</a:t>
             </a:r>
-          </a:p>
-        </p:txBody>
-      </p:sp>
-      <p:sp>
-        <p:nvSpPr>
-          <p:cNvPr id="4" name="Espace réservé du numéro de diapositive 3">
-            <a:extLst>
-              <a:ext uri="{FF2B5EF4-FFF2-40B4-BE49-F238E27FC236}">
-                <a16:creationId xmlns:a16="http://schemas.microsoft.com/office/drawing/2014/main" id="{514FEA65-8953-461F-9C80-F124938F4A13}"/>
-              </a:ext>
-            </a:extLst>
-          </p:cNvPr>
-          <p:cNvSpPr>
-            <a:spLocks noGrp="1"/>
-          </p:cNvSpPr>
-          <p:nvPr>
-            <p:ph type="sldNum" sz="quarter" idx="12"/>
-          </p:nvPr>
-        </p:nvSpPr>
-        <p:spPr>
-          <a:xfrm>
-            <a:off x="10825930" y="6223702"/>
-            <a:ext cx="570728" cy="314067"/>
-          </a:xfrm>
-        </p:spPr>
-        <p:txBody>
-          <a:bodyPr vert="horz" lIns="91440" tIns="45720" rIns="91440" bIns="45720" rtlCol="0" anchor="ctr">
-            <a:normAutofit/>
-          </a:bodyPr>
-          <a:lstStyle/>
-          <a:p>
-            <a:pPr>
-              <a:spcAft>
-                <a:spcPts val="600"/>
-              </a:spcAft>
-            </a:pPr>
-            <a:fld id="{F8323CC4-5E62-4ADB-BC7C-89B23C89378E}" type="slidenum">
-              <a:rPr lang="en-US" sz="1000">
+            <a:r>
+              <a:rPr lang="en-US" sz="4700" kern="1200" dirty="0">
                 <a:solidFill>
-                  <a:srgbClr val="898989"/>
+                  <a:srgbClr val="FFFFFF"/>
                 </a:solidFill>
+                <a:latin typeface="+mj-lt"/>
+                <a:ea typeface="+mj-ea"/>
+                <a:cs typeface="+mj-cs"/>
               </a:rPr>
-              <a:pPr>
-                <a:spcAft>
-                  <a:spcPts val="600"/>
-                </a:spcAft>
-              </a:pPr>
-              <a:t>8</a:t>
-            </a:fld>
-            <a:endParaRPr lang="en-US" sz="1000">
+              <a:t> 1 – </a:t>
+            </a:r>
+            <a:r>
+              <a:rPr lang="en-US" sz="4700" kern="1200" dirty="0" err="1">
+                <a:solidFill>
+                  <a:srgbClr val="FFFFFF"/>
+                </a:solidFill>
+                <a:latin typeface="+mj-lt"/>
+                <a:ea typeface="+mj-ea"/>
+                <a:cs typeface="+mj-cs"/>
+              </a:rPr>
+              <a:t>Connexion</a:t>
+            </a:r>
+            <a:r>
+              <a:rPr lang="en-US" sz="4700" kern="1200" dirty="0">
+                <a:solidFill>
+                  <a:srgbClr val="FFFFFF"/>
+                </a:solidFill>
+                <a:latin typeface="+mj-lt"/>
+                <a:ea typeface="+mj-ea"/>
+                <a:cs typeface="+mj-cs"/>
+              </a:rPr>
+              <a:t> a la base de </a:t>
+            </a:r>
+            <a:r>
+              <a:rPr lang="en-US" sz="4700" kern="1200" dirty="0" err="1">
+                <a:solidFill>
+                  <a:srgbClr val="FFFFFF"/>
+                </a:solidFill>
+                <a:latin typeface="+mj-lt"/>
+                <a:ea typeface="+mj-ea"/>
+                <a:cs typeface="+mj-cs"/>
+              </a:rPr>
+              <a:t>données</a:t>
+            </a:r>
+            <a:endParaRPr lang="en-US" sz="4700" kern="1200" dirty="0">
               <a:solidFill>
-                <a:srgbClr val="898989"/>
+                <a:srgbClr val="FFFFFF"/>
               </a:solidFill>
+              <a:latin typeface="+mj-lt"/>
+              <a:ea typeface="+mj-ea"/>
+              <a:cs typeface="+mj-cs"/>
             </a:endParaRPr>
           </a:p>
         </p:txBody>
@@ -20580,7 +21243,7 @@
         </p:nvSpPr>
         <p:spPr>
           <a:xfrm>
-            <a:off x="3045368" y="4493623"/>
+            <a:off x="3111477" y="3256938"/>
             <a:ext cx="6322422" cy="1123406"/>
           </a:xfrm>
           <a:prstGeom prst="rect">
@@ -20622,6 +21285,683 @@
               </a:rPr>
               <a:t>Utilisez PDO pour créer la connexion vers la base de données</a:t>
             </a:r>
+          </a:p>
+        </p:txBody>
+      </p:sp>
+      <p:sp>
+        <p:nvSpPr>
+          <p:cNvPr id="24" name="Rectangle 23">
+            <a:extLst>
+              <a:ext uri="{FF2B5EF4-FFF2-40B4-BE49-F238E27FC236}">
+                <a16:creationId xmlns:a16="http://schemas.microsoft.com/office/drawing/2014/main" id="{C3291C16-B760-4924-A594-B18D541EF3E7}"/>
+              </a:ext>
+            </a:extLst>
+          </p:cNvPr>
+          <p:cNvSpPr/>
+          <p:nvPr/>
+        </p:nvSpPr>
+        <p:spPr>
+          <a:xfrm>
+            <a:off x="1075042" y="4575246"/>
+            <a:ext cx="9865453" cy="2031054"/>
+          </a:xfrm>
+          <a:prstGeom prst="rect">
+            <a:avLst/>
+          </a:prstGeom>
+          <a:solidFill>
+            <a:schemeClr val="tx2">
+              <a:lumMod val="40000"/>
+              <a:lumOff val="60000"/>
+            </a:schemeClr>
+          </a:solidFill>
+        </p:spPr>
+        <p:style>
+          <a:lnRef idx="2">
+            <a:schemeClr val="accent1">
+              <a:shade val="50000"/>
+            </a:schemeClr>
+          </a:lnRef>
+          <a:fillRef idx="1">
+            <a:schemeClr val="accent1"/>
+          </a:fillRef>
+          <a:effectRef idx="0">
+            <a:schemeClr val="accent1"/>
+          </a:effectRef>
+          <a:fontRef idx="minor">
+            <a:schemeClr val="lt1"/>
+          </a:fontRef>
+        </p:style>
+        <p:txBody>
+          <a:bodyPr rtlCol="0" anchor="ctr"/>
+          <a:lstStyle/>
+          <a:p>
+            <a:pPr algn="ctr"/>
+            <a:endParaRPr lang="fr-FR" dirty="0">
+              <a:solidFill>
+                <a:schemeClr val="tx1"/>
+              </a:solidFill>
+            </a:endParaRPr>
+          </a:p>
+        </p:txBody>
+      </p:sp>
+      <p:pic>
+        <p:nvPicPr>
+          <p:cNvPr id="38" name="Image 37">
+            <a:extLst>
+              <a:ext uri="{FF2B5EF4-FFF2-40B4-BE49-F238E27FC236}">
+                <a16:creationId xmlns:a16="http://schemas.microsoft.com/office/drawing/2014/main" id="{7CD3F9C0-5C01-4601-AA61-971909A30ED4}"/>
+              </a:ext>
+            </a:extLst>
+          </p:cNvPr>
+          <p:cNvPicPr>
+            <a:picLocks noChangeAspect="1"/>
+          </p:cNvPicPr>
+          <p:nvPr/>
+        </p:nvPicPr>
+        <p:blipFill>
+          <a:blip r:embed="rId3"/>
+          <a:stretch>
+            <a:fillRect/>
+          </a:stretch>
+        </p:blipFill>
+        <p:spPr>
+          <a:xfrm>
+            <a:off x="1381201" y="4759812"/>
+            <a:ext cx="9253137" cy="422354"/>
+          </a:xfrm>
+          <a:prstGeom prst="rect">
+            <a:avLst/>
+          </a:prstGeom>
+        </p:spPr>
+      </p:pic>
+      <p:cxnSp>
+        <p:nvCxnSpPr>
+          <p:cNvPr id="39" name="Connecteur droit avec flèche 38">
+            <a:extLst>
+              <a:ext uri="{FF2B5EF4-FFF2-40B4-BE49-F238E27FC236}">
+                <a16:creationId xmlns:a16="http://schemas.microsoft.com/office/drawing/2014/main" id="{BA57FAAF-17EF-4061-A1CE-19FC87E3CD9B}"/>
+              </a:ext>
+            </a:extLst>
+          </p:cNvPr>
+          <p:cNvCxnSpPr>
+            <a:cxnSpLocks/>
+          </p:cNvCxnSpPr>
+          <p:nvPr/>
+        </p:nvCxnSpPr>
+        <p:spPr>
+          <a:xfrm flipV="1">
+            <a:off x="2460865" y="5135126"/>
+            <a:ext cx="826225" cy="560490"/>
+          </a:xfrm>
+          <a:prstGeom prst="straightConnector1">
+            <a:avLst/>
+          </a:prstGeom>
+          <a:ln>
+            <a:tailEnd type="triangle"/>
+          </a:ln>
+        </p:spPr>
+        <p:style>
+          <a:lnRef idx="1">
+            <a:schemeClr val="accent2"/>
+          </a:lnRef>
+          <a:fillRef idx="0">
+            <a:schemeClr val="accent2"/>
+          </a:fillRef>
+          <a:effectRef idx="0">
+            <a:schemeClr val="accent2"/>
+          </a:effectRef>
+          <a:fontRef idx="minor">
+            <a:schemeClr val="tx1"/>
+          </a:fontRef>
+        </p:style>
+      </p:cxnSp>
+      <p:cxnSp>
+        <p:nvCxnSpPr>
+          <p:cNvPr id="40" name="Connecteur droit avec flèche 39">
+            <a:extLst>
+              <a:ext uri="{FF2B5EF4-FFF2-40B4-BE49-F238E27FC236}">
+                <a16:creationId xmlns:a16="http://schemas.microsoft.com/office/drawing/2014/main" id="{D7703525-A25C-4847-ABBD-08F3000AC3BD}"/>
+              </a:ext>
+            </a:extLst>
+          </p:cNvPr>
+          <p:cNvCxnSpPr>
+            <a:cxnSpLocks/>
+            <a:stCxn id="45" idx="0"/>
+          </p:cNvCxnSpPr>
+          <p:nvPr/>
+        </p:nvCxnSpPr>
+        <p:spPr>
+          <a:xfrm flipV="1">
+            <a:off x="3562046" y="5078564"/>
+            <a:ext cx="1248487" cy="824503"/>
+          </a:xfrm>
+          <a:prstGeom prst="straightConnector1">
+            <a:avLst/>
+          </a:prstGeom>
+          <a:ln>
+            <a:tailEnd type="triangle"/>
+          </a:ln>
+        </p:spPr>
+        <p:style>
+          <a:lnRef idx="1">
+            <a:schemeClr val="accent2"/>
+          </a:lnRef>
+          <a:fillRef idx="0">
+            <a:schemeClr val="accent2"/>
+          </a:fillRef>
+          <a:effectRef idx="0">
+            <a:schemeClr val="accent2"/>
+          </a:effectRef>
+          <a:fontRef idx="minor">
+            <a:schemeClr val="tx1"/>
+          </a:fontRef>
+        </p:style>
+      </p:cxnSp>
+      <p:cxnSp>
+        <p:nvCxnSpPr>
+          <p:cNvPr id="41" name="Connecteur droit avec flèche 40">
+            <a:extLst>
+              <a:ext uri="{FF2B5EF4-FFF2-40B4-BE49-F238E27FC236}">
+                <a16:creationId xmlns:a16="http://schemas.microsoft.com/office/drawing/2014/main" id="{B4B6A98B-8CBC-4369-ADFA-72EE5C336173}"/>
+              </a:ext>
+            </a:extLst>
+          </p:cNvPr>
+          <p:cNvCxnSpPr>
+            <a:cxnSpLocks/>
+            <a:stCxn id="46" idx="0"/>
+          </p:cNvCxnSpPr>
+          <p:nvPr/>
+        </p:nvCxnSpPr>
+        <p:spPr>
+          <a:xfrm flipV="1">
+            <a:off x="5826663" y="5135126"/>
+            <a:ext cx="894888" cy="867297"/>
+          </a:xfrm>
+          <a:prstGeom prst="straightConnector1">
+            <a:avLst/>
+          </a:prstGeom>
+          <a:ln>
+            <a:tailEnd type="triangle"/>
+          </a:ln>
+        </p:spPr>
+        <p:style>
+          <a:lnRef idx="1">
+            <a:schemeClr val="accent2"/>
+          </a:lnRef>
+          <a:fillRef idx="0">
+            <a:schemeClr val="accent2"/>
+          </a:fillRef>
+          <a:effectRef idx="0">
+            <a:schemeClr val="accent2"/>
+          </a:effectRef>
+          <a:fontRef idx="minor">
+            <a:schemeClr val="tx1"/>
+          </a:fontRef>
+        </p:style>
+      </p:cxnSp>
+      <p:cxnSp>
+        <p:nvCxnSpPr>
+          <p:cNvPr id="42" name="Connecteur droit avec flèche 41">
+            <a:extLst>
+              <a:ext uri="{FF2B5EF4-FFF2-40B4-BE49-F238E27FC236}">
+                <a16:creationId xmlns:a16="http://schemas.microsoft.com/office/drawing/2014/main" id="{BFF93880-6DAC-404E-BE0E-CF83CD0B4331}"/>
+              </a:ext>
+            </a:extLst>
+          </p:cNvPr>
+          <p:cNvCxnSpPr>
+            <a:cxnSpLocks/>
+          </p:cNvCxnSpPr>
+          <p:nvPr/>
+        </p:nvCxnSpPr>
+        <p:spPr>
+          <a:xfrm flipV="1">
+            <a:off x="9387600" y="5182166"/>
+            <a:ext cx="46299" cy="820257"/>
+          </a:xfrm>
+          <a:prstGeom prst="straightConnector1">
+            <a:avLst/>
+          </a:prstGeom>
+          <a:ln>
+            <a:tailEnd type="triangle"/>
+          </a:ln>
+        </p:spPr>
+        <p:style>
+          <a:lnRef idx="1">
+            <a:schemeClr val="accent2"/>
+          </a:lnRef>
+          <a:fillRef idx="0">
+            <a:schemeClr val="accent2"/>
+          </a:fillRef>
+          <a:effectRef idx="0">
+            <a:schemeClr val="accent2"/>
+          </a:effectRef>
+          <a:fontRef idx="minor">
+            <a:schemeClr val="tx1"/>
+          </a:fontRef>
+        </p:style>
+      </p:cxnSp>
+      <p:cxnSp>
+        <p:nvCxnSpPr>
+          <p:cNvPr id="43" name="Connecteur droit avec flèche 42">
+            <a:extLst>
+              <a:ext uri="{FF2B5EF4-FFF2-40B4-BE49-F238E27FC236}">
+                <a16:creationId xmlns:a16="http://schemas.microsoft.com/office/drawing/2014/main" id="{7B832E87-2B3E-4C5E-B6EF-FEFCEC0A6AC5}"/>
+              </a:ext>
+            </a:extLst>
+          </p:cNvPr>
+          <p:cNvCxnSpPr>
+            <a:cxnSpLocks/>
+          </p:cNvCxnSpPr>
+          <p:nvPr/>
+        </p:nvCxnSpPr>
+        <p:spPr>
+          <a:xfrm flipH="1" flipV="1">
+            <a:off x="10184331" y="5209708"/>
+            <a:ext cx="157287" cy="441738"/>
+          </a:xfrm>
+          <a:prstGeom prst="straightConnector1">
+            <a:avLst/>
+          </a:prstGeom>
+          <a:ln>
+            <a:tailEnd type="triangle"/>
+          </a:ln>
+        </p:spPr>
+        <p:style>
+          <a:lnRef idx="1">
+            <a:schemeClr val="accent2"/>
+          </a:lnRef>
+          <a:fillRef idx="0">
+            <a:schemeClr val="accent2"/>
+          </a:fillRef>
+          <a:effectRef idx="0">
+            <a:schemeClr val="accent2"/>
+          </a:effectRef>
+          <a:fontRef idx="minor">
+            <a:schemeClr val="tx1"/>
+          </a:fontRef>
+        </p:style>
+      </p:cxnSp>
+      <p:sp>
+        <p:nvSpPr>
+          <p:cNvPr id="44" name="ZoneTexte 43">
+            <a:extLst>
+              <a:ext uri="{FF2B5EF4-FFF2-40B4-BE49-F238E27FC236}">
+                <a16:creationId xmlns:a16="http://schemas.microsoft.com/office/drawing/2014/main" id="{C98F4479-DA03-4861-8BBF-FFA135E7AD20}"/>
+              </a:ext>
+            </a:extLst>
+          </p:cNvPr>
+          <p:cNvSpPr txBox="1"/>
+          <p:nvPr/>
+        </p:nvSpPr>
+        <p:spPr>
+          <a:xfrm>
+            <a:off x="1152186" y="5651446"/>
+            <a:ext cx="1515292" cy="646331"/>
+          </a:xfrm>
+          <a:prstGeom prst="rect">
+            <a:avLst/>
+          </a:prstGeom>
+          <a:noFill/>
+        </p:spPr>
+        <p:txBody>
+          <a:bodyPr wrap="square" rtlCol="0">
+            <a:spAutoFit/>
+          </a:bodyPr>
+          <a:lstStyle/>
+          <a:p>
+            <a:r>
+              <a:rPr lang="fr-FR" dirty="0"/>
+              <a:t>Type de base de données</a:t>
+            </a:r>
+          </a:p>
+        </p:txBody>
+      </p:sp>
+      <p:sp>
+        <p:nvSpPr>
+          <p:cNvPr id="45" name="ZoneTexte 44">
+            <a:extLst>
+              <a:ext uri="{FF2B5EF4-FFF2-40B4-BE49-F238E27FC236}">
+                <a16:creationId xmlns:a16="http://schemas.microsoft.com/office/drawing/2014/main" id="{A715FE87-642A-4BD5-B51B-07D2094AD008}"/>
+              </a:ext>
+            </a:extLst>
+          </p:cNvPr>
+          <p:cNvSpPr txBox="1"/>
+          <p:nvPr/>
+        </p:nvSpPr>
+        <p:spPr>
+          <a:xfrm>
+            <a:off x="2804400" y="5903067"/>
+            <a:ext cx="1515292" cy="369332"/>
+          </a:xfrm>
+          <a:prstGeom prst="rect">
+            <a:avLst/>
+          </a:prstGeom>
+          <a:noFill/>
+        </p:spPr>
+        <p:txBody>
+          <a:bodyPr wrap="square" rtlCol="0">
+            <a:spAutoFit/>
+          </a:bodyPr>
+          <a:lstStyle/>
+          <a:p>
+            <a:r>
+              <a:rPr lang="fr-FR" dirty="0"/>
+              <a:t>Nom de l’hôte</a:t>
+            </a:r>
+          </a:p>
+        </p:txBody>
+      </p:sp>
+      <p:sp>
+        <p:nvSpPr>
+          <p:cNvPr id="46" name="ZoneTexte 45">
+            <a:extLst>
+              <a:ext uri="{FF2B5EF4-FFF2-40B4-BE49-F238E27FC236}">
+                <a16:creationId xmlns:a16="http://schemas.microsoft.com/office/drawing/2014/main" id="{77CD8EE1-2F5C-4AE1-95EA-11555581B740}"/>
+              </a:ext>
+            </a:extLst>
+          </p:cNvPr>
+          <p:cNvSpPr txBox="1"/>
+          <p:nvPr/>
+        </p:nvSpPr>
+        <p:spPr>
+          <a:xfrm>
+            <a:off x="4859467" y="6002423"/>
+            <a:ext cx="1934392" cy="646331"/>
+          </a:xfrm>
+          <a:prstGeom prst="rect">
+            <a:avLst/>
+          </a:prstGeom>
+          <a:noFill/>
+        </p:spPr>
+        <p:txBody>
+          <a:bodyPr wrap="square" rtlCol="0">
+            <a:spAutoFit/>
+          </a:bodyPr>
+          <a:lstStyle/>
+          <a:p>
+            <a:r>
+              <a:rPr lang="fr-FR" dirty="0"/>
+              <a:t>Nom de la  base de données</a:t>
+            </a:r>
+          </a:p>
+        </p:txBody>
+      </p:sp>
+      <p:sp>
+        <p:nvSpPr>
+          <p:cNvPr id="47" name="ZoneTexte 46">
+            <a:extLst>
+              <a:ext uri="{FF2B5EF4-FFF2-40B4-BE49-F238E27FC236}">
+                <a16:creationId xmlns:a16="http://schemas.microsoft.com/office/drawing/2014/main" id="{DFAF395D-016E-46C5-A588-15783076A9C1}"/>
+              </a:ext>
+            </a:extLst>
+          </p:cNvPr>
+          <p:cNvSpPr txBox="1"/>
+          <p:nvPr/>
+        </p:nvSpPr>
+        <p:spPr>
+          <a:xfrm>
+            <a:off x="8359127" y="6092511"/>
+            <a:ext cx="2487930" cy="369332"/>
+          </a:xfrm>
+          <a:prstGeom prst="rect">
+            <a:avLst/>
+          </a:prstGeom>
+          <a:noFill/>
+        </p:spPr>
+        <p:txBody>
+          <a:bodyPr wrap="square" rtlCol="0">
+            <a:spAutoFit/>
+          </a:bodyPr>
+          <a:lstStyle/>
+          <a:p>
+            <a:r>
+              <a:rPr lang="fr-FR" dirty="0"/>
+              <a:t>Nom de l’utilisateur</a:t>
+            </a:r>
+          </a:p>
+        </p:txBody>
+      </p:sp>
+      <p:sp>
+        <p:nvSpPr>
+          <p:cNvPr id="48" name="Espace réservé du numéro de diapositive 8">
+            <a:extLst>
+              <a:ext uri="{FF2B5EF4-FFF2-40B4-BE49-F238E27FC236}">
+                <a16:creationId xmlns:a16="http://schemas.microsoft.com/office/drawing/2014/main" id="{A3093407-F52B-467B-A158-26663406F8CC}"/>
+              </a:ext>
+            </a:extLst>
+          </p:cNvPr>
+          <p:cNvSpPr txBox="1">
+            <a:spLocks/>
+          </p:cNvSpPr>
+          <p:nvPr/>
+        </p:nvSpPr>
+        <p:spPr>
+          <a:xfrm>
+            <a:off x="8610600" y="6356350"/>
+            <a:ext cx="2743200" cy="365125"/>
+          </a:xfrm>
+          <a:prstGeom prst="rect">
+            <a:avLst/>
+          </a:prstGeom>
+        </p:spPr>
+        <p:txBody>
+          <a:bodyPr vert="horz" lIns="91440" tIns="45720" rIns="91440" bIns="45720" rtlCol="0" anchor="ctr"/>
+          <a:lstStyle>
+            <a:defPPr>
+              <a:defRPr lang="fr-FR"/>
+            </a:defPPr>
+            <a:lvl1pPr marL="0" algn="r" defTabSz="914400" rtl="0" eaLnBrk="1" latinLnBrk="0" hangingPunct="1">
+              <a:defRPr sz="1200" kern="1200">
+                <a:solidFill>
+                  <a:schemeClr val="tx1">
+                    <a:tint val="75000"/>
+                  </a:schemeClr>
+                </a:solidFill>
+                <a:latin typeface="+mn-lt"/>
+                <a:ea typeface="+mn-ea"/>
+                <a:cs typeface="+mn-cs"/>
+              </a:defRPr>
+            </a:lvl1pPr>
+            <a:lvl2pPr marL="457200" algn="l" defTabSz="914400" rtl="0" eaLnBrk="1" latinLnBrk="0" hangingPunct="1">
+              <a:defRPr sz="1800" kern="1200">
+                <a:solidFill>
+                  <a:schemeClr val="tx1"/>
+                </a:solidFill>
+                <a:latin typeface="+mn-lt"/>
+                <a:ea typeface="+mn-ea"/>
+                <a:cs typeface="+mn-cs"/>
+              </a:defRPr>
+            </a:lvl2pPr>
+            <a:lvl3pPr marL="914400" algn="l" defTabSz="914400" rtl="0" eaLnBrk="1" latinLnBrk="0" hangingPunct="1">
+              <a:defRPr sz="1800" kern="1200">
+                <a:solidFill>
+                  <a:schemeClr val="tx1"/>
+                </a:solidFill>
+                <a:latin typeface="+mn-lt"/>
+                <a:ea typeface="+mn-ea"/>
+                <a:cs typeface="+mn-cs"/>
+              </a:defRPr>
+            </a:lvl3pPr>
+            <a:lvl4pPr marL="1371600" algn="l" defTabSz="914400" rtl="0" eaLnBrk="1" latinLnBrk="0" hangingPunct="1">
+              <a:defRPr sz="1800" kern="1200">
+                <a:solidFill>
+                  <a:schemeClr val="tx1"/>
+                </a:solidFill>
+                <a:latin typeface="+mn-lt"/>
+                <a:ea typeface="+mn-ea"/>
+                <a:cs typeface="+mn-cs"/>
+              </a:defRPr>
+            </a:lvl4pPr>
+            <a:lvl5pPr marL="1828800" algn="l" defTabSz="914400" rtl="0" eaLnBrk="1" latinLnBrk="0" hangingPunct="1">
+              <a:defRPr sz="1800" kern="1200">
+                <a:solidFill>
+                  <a:schemeClr val="tx1"/>
+                </a:solidFill>
+                <a:latin typeface="+mn-lt"/>
+                <a:ea typeface="+mn-ea"/>
+                <a:cs typeface="+mn-cs"/>
+              </a:defRPr>
+            </a:lvl5pPr>
+            <a:lvl6pPr marL="2286000" algn="l" defTabSz="914400" rtl="0" eaLnBrk="1" latinLnBrk="0" hangingPunct="1">
+              <a:defRPr sz="1800" kern="1200">
+                <a:solidFill>
+                  <a:schemeClr val="tx1"/>
+                </a:solidFill>
+                <a:latin typeface="+mn-lt"/>
+                <a:ea typeface="+mn-ea"/>
+                <a:cs typeface="+mn-cs"/>
+              </a:defRPr>
+            </a:lvl6pPr>
+            <a:lvl7pPr marL="2743200" algn="l" defTabSz="914400" rtl="0" eaLnBrk="1" latinLnBrk="0" hangingPunct="1">
+              <a:defRPr sz="1800" kern="1200">
+                <a:solidFill>
+                  <a:schemeClr val="tx1"/>
+                </a:solidFill>
+                <a:latin typeface="+mn-lt"/>
+                <a:ea typeface="+mn-ea"/>
+                <a:cs typeface="+mn-cs"/>
+              </a:defRPr>
+            </a:lvl7pPr>
+            <a:lvl8pPr marL="3200400" algn="l" defTabSz="914400" rtl="0" eaLnBrk="1" latinLnBrk="0" hangingPunct="1">
+              <a:defRPr sz="1800" kern="1200">
+                <a:solidFill>
+                  <a:schemeClr val="tx1"/>
+                </a:solidFill>
+                <a:latin typeface="+mn-lt"/>
+                <a:ea typeface="+mn-ea"/>
+                <a:cs typeface="+mn-cs"/>
+              </a:defRPr>
+            </a:lvl8pPr>
+            <a:lvl9pPr marL="3657600" algn="l" defTabSz="914400" rtl="0" eaLnBrk="1" latinLnBrk="0" hangingPunct="1">
+              <a:defRPr sz="1800" kern="1200">
+                <a:solidFill>
+                  <a:schemeClr val="tx1"/>
+                </a:solidFill>
+                <a:latin typeface="+mn-lt"/>
+                <a:ea typeface="+mn-ea"/>
+                <a:cs typeface="+mn-cs"/>
+              </a:defRPr>
+            </a:lvl9pPr>
+          </a:lstStyle>
+          <a:p>
+            <a:fld id="{F8323CC4-5E62-4ADB-BC7C-89B23C89378E}" type="slidenum">
+              <a:rPr lang="fr-FR" smtClean="0"/>
+              <a:pPr/>
+              <a:t>8</a:t>
+            </a:fld>
+            <a:endParaRPr lang="fr-FR"/>
+          </a:p>
+        </p:txBody>
+      </p:sp>
+      <p:cxnSp>
+        <p:nvCxnSpPr>
+          <p:cNvPr id="49" name="Connecteur droit avec flèche 48">
+            <a:extLst>
+              <a:ext uri="{FF2B5EF4-FFF2-40B4-BE49-F238E27FC236}">
+                <a16:creationId xmlns:a16="http://schemas.microsoft.com/office/drawing/2014/main" id="{140142C0-4A35-4D64-B2F8-E89DB102C622}"/>
+              </a:ext>
+            </a:extLst>
+          </p:cNvPr>
+          <p:cNvCxnSpPr>
+            <a:cxnSpLocks/>
+          </p:cNvCxnSpPr>
+          <p:nvPr/>
+        </p:nvCxnSpPr>
+        <p:spPr>
+          <a:xfrm flipV="1">
+            <a:off x="7809989" y="5182167"/>
+            <a:ext cx="99734" cy="680794"/>
+          </a:xfrm>
+          <a:prstGeom prst="straightConnector1">
+            <a:avLst/>
+          </a:prstGeom>
+          <a:ln>
+            <a:tailEnd type="triangle"/>
+          </a:ln>
+        </p:spPr>
+        <p:style>
+          <a:lnRef idx="1">
+            <a:schemeClr val="accent2"/>
+          </a:lnRef>
+          <a:fillRef idx="0">
+            <a:schemeClr val="accent2"/>
+          </a:fillRef>
+          <a:effectRef idx="0">
+            <a:schemeClr val="accent2"/>
+          </a:effectRef>
+          <a:fontRef idx="minor">
+            <a:schemeClr val="tx1"/>
+          </a:fontRef>
+        </p:style>
+      </p:cxnSp>
+      <p:sp>
+        <p:nvSpPr>
+          <p:cNvPr id="50" name="ZoneTexte 49">
+            <a:extLst>
+              <a:ext uri="{FF2B5EF4-FFF2-40B4-BE49-F238E27FC236}">
+                <a16:creationId xmlns:a16="http://schemas.microsoft.com/office/drawing/2014/main" id="{51BC52FE-6EE2-456F-B884-0DECE920F6D9}"/>
+              </a:ext>
+            </a:extLst>
+          </p:cNvPr>
+          <p:cNvSpPr txBox="1"/>
+          <p:nvPr/>
+        </p:nvSpPr>
+        <p:spPr>
+          <a:xfrm>
+            <a:off x="7113099" y="5915828"/>
+            <a:ext cx="1411778" cy="646331"/>
+          </a:xfrm>
+          <a:prstGeom prst="rect">
+            <a:avLst/>
+          </a:prstGeom>
+          <a:noFill/>
+        </p:spPr>
+        <p:txBody>
+          <a:bodyPr wrap="square" rtlCol="0">
+            <a:spAutoFit/>
+          </a:bodyPr>
+          <a:lstStyle/>
+          <a:p>
+            <a:r>
+              <a:rPr lang="fr-FR" dirty="0"/>
+              <a:t>Encodage (optionnel)</a:t>
+            </a:r>
+          </a:p>
+        </p:txBody>
+      </p:sp>
+      <p:sp>
+        <p:nvSpPr>
+          <p:cNvPr id="58" name="ZoneTexte 57">
+            <a:extLst>
+              <a:ext uri="{FF2B5EF4-FFF2-40B4-BE49-F238E27FC236}">
+                <a16:creationId xmlns:a16="http://schemas.microsoft.com/office/drawing/2014/main" id="{BA6ED383-140E-48F3-92CF-BF1FDED42D01}"/>
+              </a:ext>
+            </a:extLst>
+          </p:cNvPr>
+          <p:cNvSpPr txBox="1"/>
+          <p:nvPr/>
+        </p:nvSpPr>
+        <p:spPr>
+          <a:xfrm>
+            <a:off x="9909387" y="5695616"/>
+            <a:ext cx="937670" cy="369332"/>
+          </a:xfrm>
+          <a:prstGeom prst="rect">
+            <a:avLst/>
+          </a:prstGeom>
+          <a:noFill/>
+        </p:spPr>
+        <p:txBody>
+          <a:bodyPr wrap="square" rtlCol="0">
+            <a:spAutoFit/>
+          </a:bodyPr>
+          <a:lstStyle/>
+          <a:p>
+            <a:r>
+              <a:rPr lang="fr-FR" dirty="0" err="1"/>
+              <a:t>Mdp</a:t>
+            </a:r>
+            <a:endParaRPr lang="fr-FR" dirty="0"/>
           </a:p>
         </p:txBody>
       </p:sp>
